--- a/cpp_250512.pptx
+++ b/cpp_250512.pptx
@@ -8,6 +8,11 @@
     <p:sldId id="256" r:id="rId2"/>
     <p:sldId id="257" r:id="rId3"/>
     <p:sldId id="258" r:id="rId4"/>
+    <p:sldId id="259" r:id="rId5"/>
+    <p:sldId id="260" r:id="rId6"/>
+    <p:sldId id="261" r:id="rId7"/>
+    <p:sldId id="262" r:id="rId8"/>
+    <p:sldId id="263" r:id="rId9"/>
   </p:sldIdLst>
   <p:sldSz cx="12192000" cy="6858000"/>
   <p:notesSz cx="6858000" cy="9144000"/>
@@ -106,6 +111,11 @@
       </a:defRPr>
     </a:lvl9pPr>
   </p:defaultTextStyle>
+  <p:extLst>
+    <p:ext uri="{EFAFB233-063F-42B5-8137-9DF3F51BA10A}">
+      <p15:sldGuideLst xmlns:p15="http://schemas.microsoft.com/office/powerpoint/2012/main"/>
+    </p:ext>
+  </p:extLst>
 </p:presentation>
 </file>
 
@@ -256,7 +266,7 @@
           <a:p>
             <a:fld id="{DA361CA8-2F01-F04C-9A7A-4673BD8D5EB0}" type="datetimeFigureOut">
               <a:rPr kumimoji="1" lang="ko-KR" altLang="en-US" smtClean="0"/>
-              <a:t>2025. 5. 12.</a:t>
+              <a:t>2025. 5. 13.</a:t>
             </a:fld>
             <a:endParaRPr kumimoji="1" lang="ko-KR" altLang="en-US"/>
           </a:p>
@@ -454,7 +464,7 @@
           <a:p>
             <a:fld id="{DA361CA8-2F01-F04C-9A7A-4673BD8D5EB0}" type="datetimeFigureOut">
               <a:rPr kumimoji="1" lang="ko-KR" altLang="en-US" smtClean="0"/>
-              <a:t>2025. 5. 12.</a:t>
+              <a:t>2025. 5. 13.</a:t>
             </a:fld>
             <a:endParaRPr kumimoji="1" lang="ko-KR" altLang="en-US"/>
           </a:p>
@@ -662,7 +672,7 @@
           <a:p>
             <a:fld id="{DA361CA8-2F01-F04C-9A7A-4673BD8D5EB0}" type="datetimeFigureOut">
               <a:rPr kumimoji="1" lang="ko-KR" altLang="en-US" smtClean="0"/>
-              <a:t>2025. 5. 12.</a:t>
+              <a:t>2025. 5. 13.</a:t>
             </a:fld>
             <a:endParaRPr kumimoji="1" lang="ko-KR" altLang="en-US"/>
           </a:p>
@@ -860,7 +870,7 @@
           <a:p>
             <a:fld id="{DA361CA8-2F01-F04C-9A7A-4673BD8D5EB0}" type="datetimeFigureOut">
               <a:rPr kumimoji="1" lang="ko-KR" altLang="en-US" smtClean="0"/>
-              <a:t>2025. 5. 12.</a:t>
+              <a:t>2025. 5. 13.</a:t>
             </a:fld>
             <a:endParaRPr kumimoji="1" lang="ko-KR" altLang="en-US"/>
           </a:p>
@@ -1135,7 +1145,7 @@
           <a:p>
             <a:fld id="{DA361CA8-2F01-F04C-9A7A-4673BD8D5EB0}" type="datetimeFigureOut">
               <a:rPr kumimoji="1" lang="ko-KR" altLang="en-US" smtClean="0"/>
-              <a:t>2025. 5. 12.</a:t>
+              <a:t>2025. 5. 13.</a:t>
             </a:fld>
             <a:endParaRPr kumimoji="1" lang="ko-KR" altLang="en-US"/>
           </a:p>
@@ -1400,7 +1410,7 @@
           <a:p>
             <a:fld id="{DA361CA8-2F01-F04C-9A7A-4673BD8D5EB0}" type="datetimeFigureOut">
               <a:rPr kumimoji="1" lang="ko-KR" altLang="en-US" smtClean="0"/>
-              <a:t>2025. 5. 12.</a:t>
+              <a:t>2025. 5. 13.</a:t>
             </a:fld>
             <a:endParaRPr kumimoji="1" lang="ko-KR" altLang="en-US"/>
           </a:p>
@@ -1812,7 +1822,7 @@
           <a:p>
             <a:fld id="{DA361CA8-2F01-F04C-9A7A-4673BD8D5EB0}" type="datetimeFigureOut">
               <a:rPr kumimoji="1" lang="ko-KR" altLang="en-US" smtClean="0"/>
-              <a:t>2025. 5. 12.</a:t>
+              <a:t>2025. 5. 13.</a:t>
             </a:fld>
             <a:endParaRPr kumimoji="1" lang="ko-KR" altLang="en-US"/>
           </a:p>
@@ -1953,7 +1963,7 @@
           <a:p>
             <a:fld id="{DA361CA8-2F01-F04C-9A7A-4673BD8D5EB0}" type="datetimeFigureOut">
               <a:rPr kumimoji="1" lang="ko-KR" altLang="en-US" smtClean="0"/>
-              <a:t>2025. 5. 12.</a:t>
+              <a:t>2025. 5. 13.</a:t>
             </a:fld>
             <a:endParaRPr kumimoji="1" lang="ko-KR" altLang="en-US"/>
           </a:p>
@@ -2066,7 +2076,7 @@
           <a:p>
             <a:fld id="{DA361CA8-2F01-F04C-9A7A-4673BD8D5EB0}" type="datetimeFigureOut">
               <a:rPr kumimoji="1" lang="ko-KR" altLang="en-US" smtClean="0"/>
-              <a:t>2025. 5. 12.</a:t>
+              <a:t>2025. 5. 13.</a:t>
             </a:fld>
             <a:endParaRPr kumimoji="1" lang="ko-KR" altLang="en-US"/>
           </a:p>
@@ -2377,7 +2387,7 @@
           <a:p>
             <a:fld id="{DA361CA8-2F01-F04C-9A7A-4673BD8D5EB0}" type="datetimeFigureOut">
               <a:rPr kumimoji="1" lang="ko-KR" altLang="en-US" smtClean="0"/>
-              <a:t>2025. 5. 12.</a:t>
+              <a:t>2025. 5. 13.</a:t>
             </a:fld>
             <a:endParaRPr kumimoji="1" lang="ko-KR" altLang="en-US"/>
           </a:p>
@@ -2665,7 +2675,7 @@
           <a:p>
             <a:fld id="{DA361CA8-2F01-F04C-9A7A-4673BD8D5EB0}" type="datetimeFigureOut">
               <a:rPr kumimoji="1" lang="ko-KR" altLang="en-US" smtClean="0"/>
-              <a:t>2025. 5. 12.</a:t>
+              <a:t>2025. 5. 13.</a:t>
             </a:fld>
             <a:endParaRPr kumimoji="1" lang="ko-KR" altLang="en-US"/>
           </a:p>
@@ -2906,7 +2916,7 @@
           <a:p>
             <a:fld id="{DA361CA8-2F01-F04C-9A7A-4673BD8D5EB0}" type="datetimeFigureOut">
               <a:rPr kumimoji="1" lang="ko-KR" altLang="en-US" smtClean="0"/>
-              <a:t>2025. 5. 12.</a:t>
+              <a:t>2025. 5. 13.</a:t>
             </a:fld>
             <a:endParaRPr kumimoji="1" lang="ko-KR" altLang="en-US"/>
           </a:p>
@@ -5602,6 +5612,4173 @@
     <p:extLst>
       <p:ext uri="{BB962C8B-B14F-4D97-AF65-F5344CB8AC3E}">
         <p14:creationId xmlns:p14="http://schemas.microsoft.com/office/powerpoint/2010/main" val="1483386776"/>
+      </p:ext>
+    </p:extLst>
+  </p:cSld>
+  <p:clrMapOvr>
+    <a:masterClrMapping/>
+  </p:clrMapOvr>
+</p:sld>
+</file>
+
+<file path=ppt/slides/slide4.xml><?xml version="1.0" encoding="utf-8"?>
+<p:sld xmlns:a="http://schemas.openxmlformats.org/drawingml/2006/main" xmlns:r="http://schemas.openxmlformats.org/officeDocument/2006/relationships" xmlns:p="http://schemas.openxmlformats.org/presentationml/2006/main">
+  <p:cSld>
+    <p:spTree>
+      <p:nvGrpSpPr>
+        <p:cNvPr id="1" name="">
+          <a:extLst>
+            <a:ext uri="{FF2B5EF4-FFF2-40B4-BE49-F238E27FC236}">
+              <a16:creationId xmlns:a16="http://schemas.microsoft.com/office/drawing/2014/main" id="{2736F1DD-6268-7FDB-5E89-3BCD813BC3D9}"/>
+            </a:ext>
+          </a:extLst>
+        </p:cNvPr>
+        <p:cNvGrpSpPr/>
+        <p:nvPr/>
+      </p:nvGrpSpPr>
+      <p:grpSpPr>
+        <a:xfrm>
+          <a:off x="0" y="0"/>
+          <a:ext cx="0" cy="0"/>
+          <a:chOff x="0" y="0"/>
+          <a:chExt cx="0" cy="0"/>
+        </a:xfrm>
+      </p:grpSpPr>
+      <p:sp>
+        <p:nvSpPr>
+          <p:cNvPr id="5" name="TextBox 4">
+            <a:extLst>
+              <a:ext uri="{FF2B5EF4-FFF2-40B4-BE49-F238E27FC236}">
+                <a16:creationId xmlns:a16="http://schemas.microsoft.com/office/drawing/2014/main" id="{607C811B-35F8-7D12-C09F-7CEAFE505646}"/>
+              </a:ext>
+            </a:extLst>
+          </p:cNvPr>
+          <p:cNvSpPr txBox="1"/>
+          <p:nvPr/>
+        </p:nvSpPr>
+        <p:spPr>
+          <a:xfrm>
+            <a:off x="383362" y="588935"/>
+            <a:ext cx="6093994" cy="3784306"/>
+          </a:xfrm>
+          <a:prstGeom prst="rect">
+            <a:avLst/>
+          </a:prstGeom>
+          <a:noFill/>
+        </p:spPr>
+        <p:txBody>
+          <a:bodyPr wrap="square">
+            <a:spAutoFit/>
+          </a:bodyPr>
+          <a:lstStyle/>
+          <a:p>
+            <a:pPr>
+              <a:lnSpc>
+                <a:spcPts val="2850"/>
+              </a:lnSpc>
+              <a:buNone/>
+            </a:pPr>
+            <a:r>
+              <a:rPr lang="en-US" altLang="ko-KR" b="0" dirty="0">
+                <a:solidFill>
+                  <a:srgbClr val="0000FF"/>
+                </a:solidFill>
+                <a:effectLst/>
+                <a:latin typeface="DM Mono" panose="020B0509040201040103" pitchFamily="49" charset="0"/>
+              </a:rPr>
+              <a:t>int</a:t>
+            </a:r>
+            <a:r>
+              <a:rPr lang="en-US" altLang="ko-KR" b="0" dirty="0">
+                <a:solidFill>
+                  <a:srgbClr val="3B3B3B"/>
+                </a:solidFill>
+                <a:effectLst/>
+                <a:latin typeface="DM Mono" panose="020B0509040201040103" pitchFamily="49" charset="0"/>
+              </a:rPr>
+              <a:t> </a:t>
+            </a:r>
+            <a:r>
+              <a:rPr lang="en-US" altLang="ko-KR" b="0" dirty="0">
+                <a:solidFill>
+                  <a:srgbClr val="795E26"/>
+                </a:solidFill>
+                <a:effectLst/>
+                <a:latin typeface="DM Mono" panose="020B0509040201040103" pitchFamily="49" charset="0"/>
+              </a:rPr>
+              <a:t>main</a:t>
+            </a:r>
+            <a:r>
+              <a:rPr lang="en-US" altLang="ko-KR" b="0" dirty="0">
+                <a:solidFill>
+                  <a:srgbClr val="3B3B3B"/>
+                </a:solidFill>
+                <a:effectLst/>
+                <a:latin typeface="DM Mono" panose="020B0509040201040103" pitchFamily="49" charset="0"/>
+              </a:rPr>
+              <a:t>()</a:t>
+            </a:r>
+          </a:p>
+          <a:p>
+            <a:pPr>
+              <a:lnSpc>
+                <a:spcPts val="2850"/>
+              </a:lnSpc>
+              <a:buNone/>
+            </a:pPr>
+            <a:r>
+              <a:rPr lang="en-US" altLang="ko-KR" b="0" dirty="0">
+                <a:solidFill>
+                  <a:srgbClr val="3B3B3B"/>
+                </a:solidFill>
+                <a:effectLst/>
+                <a:latin typeface="DM Mono" panose="020B0509040201040103" pitchFamily="49" charset="0"/>
+              </a:rPr>
+              <a:t>{</a:t>
+            </a:r>
+          </a:p>
+          <a:p>
+            <a:pPr>
+              <a:lnSpc>
+                <a:spcPts val="2850"/>
+              </a:lnSpc>
+              <a:buNone/>
+            </a:pPr>
+            <a:r>
+              <a:rPr lang="en-US" altLang="ko-KR" b="0" dirty="0">
+                <a:solidFill>
+                  <a:srgbClr val="0000FF"/>
+                </a:solidFill>
+                <a:effectLst/>
+                <a:latin typeface="DM Mono" panose="020B0509040201040103" pitchFamily="49" charset="0"/>
+              </a:rPr>
+              <a:t>int</a:t>
+            </a:r>
+            <a:r>
+              <a:rPr lang="en-US" altLang="ko-KR" b="0" dirty="0">
+                <a:solidFill>
+                  <a:srgbClr val="3B3B3B"/>
+                </a:solidFill>
+                <a:effectLst/>
+                <a:latin typeface="DM Mono" panose="020B0509040201040103" pitchFamily="49" charset="0"/>
+              </a:rPr>
+              <a:t> </a:t>
+            </a:r>
+            <a:r>
+              <a:rPr lang="en-US" altLang="ko-KR" b="0" dirty="0">
+                <a:solidFill>
+                  <a:srgbClr val="001080"/>
+                </a:solidFill>
+                <a:effectLst/>
+                <a:latin typeface="DM Mono" panose="020B0509040201040103" pitchFamily="49" charset="0"/>
+              </a:rPr>
+              <a:t>n</a:t>
+            </a:r>
+            <a:r>
+              <a:rPr lang="en-US" altLang="ko-KR" b="0" dirty="0">
+                <a:solidFill>
+                  <a:srgbClr val="3B3B3B"/>
+                </a:solidFill>
+                <a:effectLst/>
+                <a:latin typeface="DM Mono" panose="020B0509040201040103" pitchFamily="49" charset="0"/>
+              </a:rPr>
+              <a:t> </a:t>
+            </a:r>
+            <a:r>
+              <a:rPr lang="en-US" altLang="ko-KR" b="0" dirty="0">
+                <a:solidFill>
+                  <a:srgbClr val="000000"/>
+                </a:solidFill>
+                <a:effectLst/>
+                <a:latin typeface="DM Mono" panose="020B0509040201040103" pitchFamily="49" charset="0"/>
+              </a:rPr>
+              <a:t>=</a:t>
+            </a:r>
+            <a:r>
+              <a:rPr lang="en-US" altLang="ko-KR" b="0" dirty="0">
+                <a:solidFill>
+                  <a:srgbClr val="3B3B3B"/>
+                </a:solidFill>
+                <a:effectLst/>
+                <a:latin typeface="DM Mono" panose="020B0509040201040103" pitchFamily="49" charset="0"/>
+              </a:rPr>
+              <a:t> </a:t>
+            </a:r>
+            <a:r>
+              <a:rPr lang="en-US" altLang="ko-KR" b="0" dirty="0">
+                <a:solidFill>
+                  <a:srgbClr val="098658"/>
+                </a:solidFill>
+                <a:effectLst/>
+                <a:latin typeface="DM Mono" panose="020B0509040201040103" pitchFamily="49" charset="0"/>
+              </a:rPr>
+              <a:t>100</a:t>
+            </a:r>
+            <a:r>
+              <a:rPr lang="en-US" altLang="ko-KR" b="0" dirty="0">
+                <a:solidFill>
+                  <a:srgbClr val="3B3B3B"/>
+                </a:solidFill>
+                <a:effectLst/>
+                <a:latin typeface="DM Mono" panose="020B0509040201040103" pitchFamily="49" charset="0"/>
+              </a:rPr>
+              <a:t>;</a:t>
+            </a:r>
+          </a:p>
+          <a:p>
+            <a:pPr>
+              <a:lnSpc>
+                <a:spcPts val="2850"/>
+              </a:lnSpc>
+              <a:buNone/>
+            </a:pPr>
+            <a:br>
+              <a:rPr lang="en-US" altLang="ko-KR" b="1" dirty="0">
+                <a:solidFill>
+                  <a:srgbClr val="3B3B3B"/>
+                </a:solidFill>
+                <a:effectLst/>
+                <a:latin typeface="DM Mono" panose="020B0509040201040103" pitchFamily="49" charset="0"/>
+              </a:rPr>
+            </a:br>
+            <a:r>
+              <a:rPr lang="en-US" altLang="ko-KR" b="1" dirty="0">
+                <a:solidFill>
+                  <a:srgbClr val="0000FF"/>
+                </a:solidFill>
+                <a:effectLst/>
+                <a:latin typeface="DM Mono" panose="020B0509040201040103" pitchFamily="49" charset="0"/>
+              </a:rPr>
+              <a:t>int</a:t>
+            </a:r>
+            <a:r>
+              <a:rPr lang="en-US" altLang="ko-KR" b="1" dirty="0">
+                <a:solidFill>
+                  <a:srgbClr val="3B3B3B"/>
+                </a:solidFill>
+                <a:effectLst/>
+                <a:latin typeface="DM Mono" panose="020B0509040201040103" pitchFamily="49" charset="0"/>
+              </a:rPr>
+              <a:t> </a:t>
+            </a:r>
+            <a:r>
+              <a:rPr lang="en-US" altLang="ko-KR" b="1" dirty="0">
+                <a:solidFill>
+                  <a:srgbClr val="000000"/>
+                </a:solidFill>
+                <a:effectLst/>
+                <a:latin typeface="DM Mono" panose="020B0509040201040103" pitchFamily="49" charset="0"/>
+              </a:rPr>
+              <a:t>*</a:t>
+            </a:r>
+            <a:r>
+              <a:rPr lang="en-US" altLang="ko-KR" b="1" dirty="0" err="1">
+                <a:solidFill>
+                  <a:srgbClr val="001080"/>
+                </a:solidFill>
+                <a:effectLst/>
+                <a:latin typeface="DM Mono" panose="020B0509040201040103" pitchFamily="49" charset="0"/>
+              </a:rPr>
+              <a:t>pn</a:t>
+            </a:r>
+            <a:r>
+              <a:rPr lang="en-US" altLang="ko-KR" b="1" dirty="0">
+                <a:solidFill>
+                  <a:srgbClr val="3B3B3B"/>
+                </a:solidFill>
+                <a:effectLst/>
+                <a:latin typeface="DM Mono" panose="020B0509040201040103" pitchFamily="49" charset="0"/>
+              </a:rPr>
+              <a:t> </a:t>
+            </a:r>
+            <a:r>
+              <a:rPr lang="en-US" altLang="ko-KR" b="1" dirty="0">
+                <a:solidFill>
+                  <a:srgbClr val="000000"/>
+                </a:solidFill>
+                <a:effectLst/>
+                <a:latin typeface="DM Mono" panose="020B0509040201040103" pitchFamily="49" charset="0"/>
+              </a:rPr>
+              <a:t>=</a:t>
+            </a:r>
+            <a:r>
+              <a:rPr lang="en-US" altLang="ko-KR" b="1" dirty="0">
+                <a:solidFill>
+                  <a:srgbClr val="3B3B3B"/>
+                </a:solidFill>
+                <a:effectLst/>
+                <a:latin typeface="DM Mono" panose="020B0509040201040103" pitchFamily="49" charset="0"/>
+              </a:rPr>
+              <a:t> </a:t>
+            </a:r>
+            <a:r>
+              <a:rPr lang="en-US" altLang="ko-KR" b="1" dirty="0">
+                <a:solidFill>
+                  <a:srgbClr val="000000"/>
+                </a:solidFill>
+                <a:effectLst/>
+                <a:latin typeface="DM Mono" panose="020B0509040201040103" pitchFamily="49" charset="0"/>
+              </a:rPr>
+              <a:t>&amp;</a:t>
+            </a:r>
+            <a:r>
+              <a:rPr lang="en-US" altLang="ko-KR" b="1" dirty="0">
+                <a:solidFill>
+                  <a:srgbClr val="001080"/>
+                </a:solidFill>
+                <a:effectLst/>
+                <a:latin typeface="DM Mono" panose="020B0509040201040103" pitchFamily="49" charset="0"/>
+              </a:rPr>
+              <a:t>n</a:t>
+            </a:r>
+            <a:r>
+              <a:rPr lang="en-US" altLang="ko-KR" b="1" dirty="0">
+                <a:solidFill>
+                  <a:srgbClr val="3B3B3B"/>
+                </a:solidFill>
+                <a:effectLst/>
+                <a:latin typeface="DM Mono" panose="020B0509040201040103" pitchFamily="49" charset="0"/>
+              </a:rPr>
+              <a:t>;</a:t>
+            </a:r>
+          </a:p>
+          <a:p>
+            <a:pPr>
+              <a:lnSpc>
+                <a:spcPts val="2850"/>
+              </a:lnSpc>
+              <a:buNone/>
+            </a:pPr>
+            <a:br>
+              <a:rPr lang="en-US" altLang="ko-KR" b="0" dirty="0">
+                <a:solidFill>
+                  <a:srgbClr val="3B3B3B"/>
+                </a:solidFill>
+                <a:effectLst/>
+                <a:latin typeface="DM Mono" panose="020B0509040201040103" pitchFamily="49" charset="0"/>
+              </a:rPr>
+            </a:br>
+            <a:r>
+              <a:rPr lang="en-US" altLang="ko-KR" b="0" dirty="0">
+                <a:solidFill>
+                  <a:srgbClr val="000000"/>
+                </a:solidFill>
+                <a:effectLst/>
+                <a:latin typeface="DM Mono" panose="020B0509040201040103" pitchFamily="49" charset="0"/>
+              </a:rPr>
+              <a:t>*</a:t>
+            </a:r>
+            <a:r>
+              <a:rPr lang="en-US" altLang="ko-KR" b="0" dirty="0" err="1">
+                <a:solidFill>
+                  <a:srgbClr val="001080"/>
+                </a:solidFill>
+                <a:effectLst/>
+                <a:latin typeface="DM Mono" panose="020B0509040201040103" pitchFamily="49" charset="0"/>
+              </a:rPr>
+              <a:t>pn</a:t>
+            </a:r>
+            <a:r>
+              <a:rPr lang="en-US" altLang="ko-KR" b="0" dirty="0">
+                <a:solidFill>
+                  <a:srgbClr val="3B3B3B"/>
+                </a:solidFill>
+                <a:effectLst/>
+                <a:latin typeface="DM Mono" panose="020B0509040201040103" pitchFamily="49" charset="0"/>
+              </a:rPr>
+              <a:t> </a:t>
+            </a:r>
+            <a:r>
+              <a:rPr lang="en-US" altLang="ko-KR" b="0" dirty="0">
+                <a:solidFill>
+                  <a:srgbClr val="000000"/>
+                </a:solidFill>
+                <a:effectLst/>
+                <a:latin typeface="DM Mono" panose="020B0509040201040103" pitchFamily="49" charset="0"/>
+              </a:rPr>
+              <a:t>=</a:t>
+            </a:r>
+            <a:r>
+              <a:rPr lang="en-US" altLang="ko-KR" b="0" dirty="0">
+                <a:solidFill>
+                  <a:srgbClr val="3B3B3B"/>
+                </a:solidFill>
+                <a:effectLst/>
+                <a:latin typeface="DM Mono" panose="020B0509040201040103" pitchFamily="49" charset="0"/>
+              </a:rPr>
+              <a:t> </a:t>
+            </a:r>
+            <a:r>
+              <a:rPr lang="en-US" altLang="ko-KR" b="0" dirty="0">
+                <a:solidFill>
+                  <a:srgbClr val="098658"/>
+                </a:solidFill>
+                <a:effectLst/>
+                <a:latin typeface="DM Mono" panose="020B0509040201040103" pitchFamily="49" charset="0"/>
+              </a:rPr>
+              <a:t>42</a:t>
+            </a:r>
+            <a:r>
+              <a:rPr lang="en-US" altLang="ko-KR" b="0" dirty="0">
+                <a:solidFill>
+                  <a:srgbClr val="3B3B3B"/>
+                </a:solidFill>
+                <a:effectLst/>
+                <a:latin typeface="DM Mono" panose="020B0509040201040103" pitchFamily="49" charset="0"/>
+              </a:rPr>
+              <a:t>;</a:t>
+            </a:r>
+          </a:p>
+          <a:p>
+            <a:pPr>
+              <a:lnSpc>
+                <a:spcPts val="2850"/>
+              </a:lnSpc>
+              <a:buNone/>
+            </a:pPr>
+            <a:r>
+              <a:rPr lang="en-US" altLang="ko-KR" b="0" dirty="0" err="1">
+                <a:solidFill>
+                  <a:srgbClr val="001080"/>
+                </a:solidFill>
+                <a:effectLst/>
+                <a:latin typeface="DM Mono" panose="020B0509040201040103" pitchFamily="49" charset="0"/>
+              </a:rPr>
+              <a:t>cout</a:t>
+            </a:r>
+            <a:r>
+              <a:rPr lang="en-US" altLang="ko-KR" b="0" dirty="0">
+                <a:solidFill>
+                  <a:srgbClr val="3B3B3B"/>
+                </a:solidFill>
+                <a:effectLst/>
+                <a:latin typeface="DM Mono" panose="020B0509040201040103" pitchFamily="49" charset="0"/>
+              </a:rPr>
+              <a:t> </a:t>
+            </a:r>
+            <a:r>
+              <a:rPr lang="en-US" altLang="ko-KR" b="0" dirty="0">
+                <a:solidFill>
+                  <a:srgbClr val="795E26"/>
+                </a:solidFill>
+                <a:effectLst/>
+                <a:latin typeface="DM Mono" panose="020B0509040201040103" pitchFamily="49" charset="0"/>
+              </a:rPr>
+              <a:t>&lt;&lt;</a:t>
+            </a:r>
+            <a:r>
+              <a:rPr lang="en-US" altLang="ko-KR" b="0" dirty="0">
+                <a:solidFill>
+                  <a:srgbClr val="3B3B3B"/>
+                </a:solidFill>
+                <a:effectLst/>
+                <a:latin typeface="DM Mono" panose="020B0509040201040103" pitchFamily="49" charset="0"/>
+              </a:rPr>
+              <a:t> </a:t>
+            </a:r>
+            <a:r>
+              <a:rPr lang="en-US" altLang="ko-KR" b="0" dirty="0">
+                <a:solidFill>
+                  <a:srgbClr val="000000"/>
+                </a:solidFill>
+                <a:effectLst/>
+                <a:latin typeface="DM Mono" panose="020B0509040201040103" pitchFamily="49" charset="0"/>
+              </a:rPr>
+              <a:t>*</a:t>
+            </a:r>
+            <a:r>
+              <a:rPr lang="en-US" altLang="ko-KR" b="0" dirty="0" err="1">
+                <a:solidFill>
+                  <a:srgbClr val="001080"/>
+                </a:solidFill>
+                <a:effectLst/>
+                <a:latin typeface="DM Mono" panose="020B0509040201040103" pitchFamily="49" charset="0"/>
+              </a:rPr>
+              <a:t>pn</a:t>
+            </a:r>
+            <a:r>
+              <a:rPr lang="en-US" altLang="ko-KR" b="0" dirty="0">
+                <a:solidFill>
+                  <a:srgbClr val="3B3B3B"/>
+                </a:solidFill>
+                <a:effectLst/>
+                <a:latin typeface="DM Mono" panose="020B0509040201040103" pitchFamily="49" charset="0"/>
+              </a:rPr>
+              <a:t> </a:t>
+            </a:r>
+            <a:r>
+              <a:rPr lang="en-US" altLang="ko-KR" b="0" dirty="0">
+                <a:solidFill>
+                  <a:srgbClr val="795E26"/>
+                </a:solidFill>
+                <a:effectLst/>
+                <a:latin typeface="DM Mono" panose="020B0509040201040103" pitchFamily="49" charset="0"/>
+              </a:rPr>
+              <a:t>&lt;&lt;</a:t>
+            </a:r>
+            <a:r>
+              <a:rPr lang="en-US" altLang="ko-KR" b="0" dirty="0">
+                <a:solidFill>
+                  <a:srgbClr val="3B3B3B"/>
+                </a:solidFill>
+                <a:effectLst/>
+                <a:latin typeface="DM Mono" panose="020B0509040201040103" pitchFamily="49" charset="0"/>
+              </a:rPr>
+              <a:t> </a:t>
+            </a:r>
+            <a:r>
+              <a:rPr lang="en-US" altLang="ko-KR" b="0" dirty="0" err="1">
+                <a:solidFill>
+                  <a:srgbClr val="795E26"/>
+                </a:solidFill>
+                <a:effectLst/>
+                <a:latin typeface="DM Mono" panose="020B0509040201040103" pitchFamily="49" charset="0"/>
+              </a:rPr>
+              <a:t>endl</a:t>
+            </a:r>
+            <a:r>
+              <a:rPr lang="en-US" altLang="ko-KR" b="0" dirty="0">
+                <a:solidFill>
+                  <a:srgbClr val="3B3B3B"/>
+                </a:solidFill>
+                <a:effectLst/>
+                <a:latin typeface="DM Mono" panose="020B0509040201040103" pitchFamily="49" charset="0"/>
+              </a:rPr>
+              <a:t>;</a:t>
+            </a:r>
+          </a:p>
+          <a:p>
+            <a:pPr>
+              <a:lnSpc>
+                <a:spcPts val="2850"/>
+              </a:lnSpc>
+              <a:buNone/>
+            </a:pPr>
+            <a:r>
+              <a:rPr lang="en-US" altLang="ko-KR" b="0" dirty="0" err="1">
+                <a:solidFill>
+                  <a:srgbClr val="001080"/>
+                </a:solidFill>
+                <a:effectLst/>
+                <a:latin typeface="DM Mono" panose="020B0509040201040103" pitchFamily="49" charset="0"/>
+              </a:rPr>
+              <a:t>cout</a:t>
+            </a:r>
+            <a:r>
+              <a:rPr lang="en-US" altLang="ko-KR" b="0" dirty="0">
+                <a:solidFill>
+                  <a:srgbClr val="3B3B3B"/>
+                </a:solidFill>
+                <a:effectLst/>
+                <a:latin typeface="DM Mono" panose="020B0509040201040103" pitchFamily="49" charset="0"/>
+              </a:rPr>
+              <a:t> </a:t>
+            </a:r>
+            <a:r>
+              <a:rPr lang="en-US" altLang="ko-KR" b="0" dirty="0">
+                <a:solidFill>
+                  <a:srgbClr val="795E26"/>
+                </a:solidFill>
+                <a:effectLst/>
+                <a:latin typeface="DM Mono" panose="020B0509040201040103" pitchFamily="49" charset="0"/>
+              </a:rPr>
+              <a:t>&lt;&lt;</a:t>
+            </a:r>
+            <a:r>
+              <a:rPr lang="en-US" altLang="ko-KR" b="0" dirty="0">
+                <a:solidFill>
+                  <a:srgbClr val="3B3B3B"/>
+                </a:solidFill>
+                <a:effectLst/>
+                <a:latin typeface="DM Mono" panose="020B0509040201040103" pitchFamily="49" charset="0"/>
+              </a:rPr>
+              <a:t> </a:t>
+            </a:r>
+            <a:r>
+              <a:rPr lang="en-US" altLang="ko-KR" b="0" dirty="0">
+                <a:solidFill>
+                  <a:srgbClr val="001080"/>
+                </a:solidFill>
+                <a:effectLst/>
+                <a:latin typeface="DM Mono" panose="020B0509040201040103" pitchFamily="49" charset="0"/>
+              </a:rPr>
+              <a:t>n</a:t>
+            </a:r>
+            <a:r>
+              <a:rPr lang="en-US" altLang="ko-KR" b="0" dirty="0">
+                <a:solidFill>
+                  <a:srgbClr val="3B3B3B"/>
+                </a:solidFill>
+                <a:effectLst/>
+                <a:latin typeface="DM Mono" panose="020B0509040201040103" pitchFamily="49" charset="0"/>
+              </a:rPr>
+              <a:t> </a:t>
+            </a:r>
+            <a:r>
+              <a:rPr lang="en-US" altLang="ko-KR" b="0" dirty="0">
+                <a:solidFill>
+                  <a:srgbClr val="795E26"/>
+                </a:solidFill>
+                <a:effectLst/>
+                <a:latin typeface="DM Mono" panose="020B0509040201040103" pitchFamily="49" charset="0"/>
+              </a:rPr>
+              <a:t>&lt;&lt;</a:t>
+            </a:r>
+            <a:r>
+              <a:rPr lang="en-US" altLang="ko-KR" b="0" dirty="0">
+                <a:solidFill>
+                  <a:srgbClr val="3B3B3B"/>
+                </a:solidFill>
+                <a:effectLst/>
+                <a:latin typeface="DM Mono" panose="020B0509040201040103" pitchFamily="49" charset="0"/>
+              </a:rPr>
+              <a:t> </a:t>
+            </a:r>
+            <a:r>
+              <a:rPr lang="en-US" altLang="ko-KR" b="0" dirty="0" err="1">
+                <a:solidFill>
+                  <a:srgbClr val="795E26"/>
+                </a:solidFill>
+                <a:effectLst/>
+                <a:latin typeface="DM Mono" panose="020B0509040201040103" pitchFamily="49" charset="0"/>
+              </a:rPr>
+              <a:t>endl</a:t>
+            </a:r>
+            <a:r>
+              <a:rPr lang="en-US" altLang="ko-KR" b="0" dirty="0">
+                <a:solidFill>
+                  <a:srgbClr val="3B3B3B"/>
+                </a:solidFill>
+                <a:effectLst/>
+                <a:latin typeface="DM Mono" panose="020B0509040201040103" pitchFamily="49" charset="0"/>
+              </a:rPr>
+              <a:t>;</a:t>
+            </a:r>
+          </a:p>
+          <a:p>
+            <a:pPr>
+              <a:lnSpc>
+                <a:spcPts val="2850"/>
+              </a:lnSpc>
+            </a:pPr>
+            <a:r>
+              <a:rPr lang="en-US" altLang="ko-KR" b="0" dirty="0">
+                <a:solidFill>
+                  <a:srgbClr val="3B3B3B"/>
+                </a:solidFill>
+                <a:effectLst/>
+                <a:latin typeface="DM Mono" panose="020B0509040201040103" pitchFamily="49" charset="0"/>
+              </a:rPr>
+              <a:t>}</a:t>
+            </a:r>
+          </a:p>
+        </p:txBody>
+      </p:sp>
+      <p:sp>
+        <p:nvSpPr>
+          <p:cNvPr id="6" name="직사각형 5">
+            <a:extLst>
+              <a:ext uri="{FF2B5EF4-FFF2-40B4-BE49-F238E27FC236}">
+                <a16:creationId xmlns:a16="http://schemas.microsoft.com/office/drawing/2014/main" id="{958C416A-FDFA-E682-FD47-D10F2A84ECC8}"/>
+              </a:ext>
+            </a:extLst>
+          </p:cNvPr>
+          <p:cNvSpPr/>
+          <p:nvPr/>
+        </p:nvSpPr>
+        <p:spPr>
+          <a:xfrm>
+            <a:off x="4969042" y="1022684"/>
+            <a:ext cx="6112042" cy="4896853"/>
+          </a:xfrm>
+          <a:prstGeom prst="rect">
+            <a:avLst/>
+          </a:prstGeom>
+          <a:solidFill>
+            <a:schemeClr val="bg1"/>
+          </a:solidFill>
+        </p:spPr>
+        <p:style>
+          <a:lnRef idx="2">
+            <a:schemeClr val="accent1">
+              <a:shade val="15000"/>
+            </a:schemeClr>
+          </a:lnRef>
+          <a:fillRef idx="1">
+            <a:schemeClr val="accent1"/>
+          </a:fillRef>
+          <a:effectRef idx="0">
+            <a:schemeClr val="accent1"/>
+          </a:effectRef>
+          <a:fontRef idx="minor">
+            <a:schemeClr val="lt1"/>
+          </a:fontRef>
+        </p:style>
+        <p:txBody>
+          <a:bodyPr rtlCol="0" anchor="ctr"/>
+          <a:lstStyle/>
+          <a:p>
+            <a:pPr algn="ctr"/>
+            <a:r>
+              <a:rPr kumimoji="1" lang="en-US" altLang="ko-KR" dirty="0"/>
+              <a:t>0x16ce92c2c</a:t>
+            </a:r>
+            <a:endParaRPr kumimoji="1" lang="ko-KR" altLang="en-US" dirty="0"/>
+          </a:p>
+        </p:txBody>
+      </p:sp>
+      <p:sp>
+        <p:nvSpPr>
+          <p:cNvPr id="7" name="직사각형 6">
+            <a:extLst>
+              <a:ext uri="{FF2B5EF4-FFF2-40B4-BE49-F238E27FC236}">
+                <a16:creationId xmlns:a16="http://schemas.microsoft.com/office/drawing/2014/main" id="{F6ACFEFA-AD00-46C2-D653-9379D45CBFBB}"/>
+              </a:ext>
+            </a:extLst>
+          </p:cNvPr>
+          <p:cNvSpPr/>
+          <p:nvPr/>
+        </p:nvSpPr>
+        <p:spPr>
+          <a:xfrm>
+            <a:off x="7098632" y="1769050"/>
+            <a:ext cx="1287379" cy="841803"/>
+          </a:xfrm>
+          <a:prstGeom prst="rect">
+            <a:avLst/>
+          </a:prstGeom>
+        </p:spPr>
+        <p:style>
+          <a:lnRef idx="2">
+            <a:schemeClr val="accent4">
+              <a:shade val="15000"/>
+            </a:schemeClr>
+          </a:lnRef>
+          <a:fillRef idx="1">
+            <a:schemeClr val="accent4"/>
+          </a:fillRef>
+          <a:effectRef idx="0">
+            <a:schemeClr val="accent4"/>
+          </a:effectRef>
+          <a:fontRef idx="minor">
+            <a:schemeClr val="lt1"/>
+          </a:fontRef>
+        </p:style>
+        <p:txBody>
+          <a:bodyPr rtlCol="0" anchor="ctr"/>
+          <a:lstStyle/>
+          <a:p>
+            <a:pPr algn="ctr"/>
+            <a:r>
+              <a:rPr kumimoji="1" lang="en-US" altLang="ko-KR" dirty="0">
+                <a:solidFill>
+                  <a:schemeClr val="tx1"/>
+                </a:solidFill>
+                <a:latin typeface="DM Mono" panose="020B0509040201040103" pitchFamily="49" charset="0"/>
+              </a:rPr>
+              <a:t>100</a:t>
+            </a:r>
+            <a:endParaRPr kumimoji="1" lang="ko-KR" altLang="en-US" dirty="0">
+              <a:solidFill>
+                <a:schemeClr val="tx1"/>
+              </a:solidFill>
+              <a:latin typeface="DM Mono" panose="020B0509040201040103" pitchFamily="49" charset="0"/>
+            </a:endParaRPr>
+          </a:p>
+        </p:txBody>
+      </p:sp>
+      <p:sp>
+        <p:nvSpPr>
+          <p:cNvPr id="8" name="TextBox 7">
+            <a:extLst>
+              <a:ext uri="{FF2B5EF4-FFF2-40B4-BE49-F238E27FC236}">
+                <a16:creationId xmlns:a16="http://schemas.microsoft.com/office/drawing/2014/main" id="{DD9B2E28-CA13-9C14-4500-EF87EC2DB5F0}"/>
+              </a:ext>
+            </a:extLst>
+          </p:cNvPr>
+          <p:cNvSpPr txBox="1"/>
+          <p:nvPr/>
+        </p:nvSpPr>
+        <p:spPr>
+          <a:xfrm>
+            <a:off x="6626732" y="2005285"/>
+            <a:ext cx="322524" cy="369332"/>
+          </a:xfrm>
+          <a:prstGeom prst="rect">
+            <a:avLst/>
+          </a:prstGeom>
+          <a:noFill/>
+        </p:spPr>
+        <p:txBody>
+          <a:bodyPr wrap="none" rtlCol="0">
+            <a:spAutoFit/>
+          </a:bodyPr>
+          <a:lstStyle/>
+          <a:p>
+            <a:r>
+              <a:rPr kumimoji="1" lang="en-US" altLang="ko-KR" dirty="0">
+                <a:latin typeface="DM Mono" panose="020B0509040201040103" pitchFamily="49" charset="0"/>
+              </a:rPr>
+              <a:t>n</a:t>
+            </a:r>
+            <a:endParaRPr kumimoji="1" lang="ko-KR" altLang="en-US" dirty="0">
+              <a:latin typeface="DM Mono" panose="020B0509040201040103" pitchFamily="49" charset="0"/>
+            </a:endParaRPr>
+          </a:p>
+        </p:txBody>
+      </p:sp>
+      <p:sp>
+        <p:nvSpPr>
+          <p:cNvPr id="10" name="TextBox 9">
+            <a:extLst>
+              <a:ext uri="{FF2B5EF4-FFF2-40B4-BE49-F238E27FC236}">
+                <a16:creationId xmlns:a16="http://schemas.microsoft.com/office/drawing/2014/main" id="{E0C916BB-C0ED-7DC9-99C5-26189CB61894}"/>
+              </a:ext>
+            </a:extLst>
+          </p:cNvPr>
+          <p:cNvSpPr txBox="1"/>
+          <p:nvPr/>
+        </p:nvSpPr>
+        <p:spPr>
+          <a:xfrm>
+            <a:off x="6321770" y="1398287"/>
+            <a:ext cx="1638300" cy="307777"/>
+          </a:xfrm>
+          <a:prstGeom prst="rect">
+            <a:avLst/>
+          </a:prstGeom>
+          <a:noFill/>
+        </p:spPr>
+        <p:txBody>
+          <a:bodyPr wrap="square">
+            <a:spAutoFit/>
+          </a:bodyPr>
+          <a:lstStyle/>
+          <a:p>
+            <a:r>
+              <a:rPr lang="en-US" altLang="ko-KR" sz="1400" b="1" dirty="0">
+                <a:latin typeface="DM Mono" panose="020B0509040201040103" pitchFamily="49" charset="0"/>
+              </a:rPr>
+              <a:t>0x100</a:t>
+            </a:r>
+            <a:endParaRPr lang="ko-KR" altLang="en-US" sz="1400" b="1" dirty="0">
+              <a:latin typeface="DM Mono" panose="020B0509040201040103" pitchFamily="49" charset="0"/>
+            </a:endParaRPr>
+          </a:p>
+        </p:txBody>
+      </p:sp>
+      <p:sp>
+        <p:nvSpPr>
+          <p:cNvPr id="2" name="직사각형 1">
+            <a:extLst>
+              <a:ext uri="{FF2B5EF4-FFF2-40B4-BE49-F238E27FC236}">
+                <a16:creationId xmlns:a16="http://schemas.microsoft.com/office/drawing/2014/main" id="{D61C3829-F02B-38C1-912F-81A78F085A8C}"/>
+              </a:ext>
+            </a:extLst>
+          </p:cNvPr>
+          <p:cNvSpPr/>
+          <p:nvPr/>
+        </p:nvSpPr>
+        <p:spPr>
+          <a:xfrm>
+            <a:off x="7098632" y="3690209"/>
+            <a:ext cx="2102518" cy="841803"/>
+          </a:xfrm>
+          <a:prstGeom prst="rect">
+            <a:avLst/>
+          </a:prstGeom>
+        </p:spPr>
+        <p:style>
+          <a:lnRef idx="2">
+            <a:schemeClr val="accent4">
+              <a:shade val="15000"/>
+            </a:schemeClr>
+          </a:lnRef>
+          <a:fillRef idx="1">
+            <a:schemeClr val="accent4"/>
+          </a:fillRef>
+          <a:effectRef idx="0">
+            <a:schemeClr val="accent4"/>
+          </a:effectRef>
+          <a:fontRef idx="minor">
+            <a:schemeClr val="lt1"/>
+          </a:fontRef>
+        </p:style>
+        <p:txBody>
+          <a:bodyPr rtlCol="0" anchor="ctr"/>
+          <a:lstStyle/>
+          <a:p>
+            <a:pPr algn="ctr"/>
+            <a:r>
+              <a:rPr lang="en-US" altLang="ko-KR" sz="1400" b="1" dirty="0">
+                <a:solidFill>
+                  <a:srgbClr val="FF0000"/>
+                </a:solidFill>
+                <a:latin typeface="DM Mono" panose="020B0509040201040103" pitchFamily="49" charset="0"/>
+              </a:rPr>
+              <a:t>0x100</a:t>
+            </a:r>
+            <a:endParaRPr kumimoji="1" lang="ko-KR" altLang="en-US" sz="1400" b="1" dirty="0">
+              <a:solidFill>
+                <a:srgbClr val="FF0000"/>
+              </a:solidFill>
+            </a:endParaRPr>
+          </a:p>
+        </p:txBody>
+      </p:sp>
+      <p:sp>
+        <p:nvSpPr>
+          <p:cNvPr id="3" name="TextBox 2">
+            <a:extLst>
+              <a:ext uri="{FF2B5EF4-FFF2-40B4-BE49-F238E27FC236}">
+                <a16:creationId xmlns:a16="http://schemas.microsoft.com/office/drawing/2014/main" id="{843E17FC-D71D-C874-91E5-F7877712A1D0}"/>
+              </a:ext>
+            </a:extLst>
+          </p:cNvPr>
+          <p:cNvSpPr txBox="1"/>
+          <p:nvPr/>
+        </p:nvSpPr>
+        <p:spPr>
+          <a:xfrm>
+            <a:off x="6626732" y="3926444"/>
+            <a:ext cx="460382" cy="369332"/>
+          </a:xfrm>
+          <a:prstGeom prst="rect">
+            <a:avLst/>
+          </a:prstGeom>
+          <a:noFill/>
+        </p:spPr>
+        <p:txBody>
+          <a:bodyPr wrap="none" rtlCol="0">
+            <a:spAutoFit/>
+          </a:bodyPr>
+          <a:lstStyle/>
+          <a:p>
+            <a:r>
+              <a:rPr kumimoji="1" lang="en-US" altLang="ko-KR" dirty="0" err="1">
+                <a:latin typeface="DM Mono" panose="020B0509040201040103" pitchFamily="49" charset="0"/>
+              </a:rPr>
+              <a:t>pn</a:t>
+            </a:r>
+            <a:endParaRPr kumimoji="1" lang="ko-KR" altLang="en-US" dirty="0">
+              <a:latin typeface="DM Mono" panose="020B0509040201040103" pitchFamily="49" charset="0"/>
+            </a:endParaRPr>
+          </a:p>
+        </p:txBody>
+      </p:sp>
+    </p:spTree>
+    <p:extLst>
+      <p:ext uri="{BB962C8B-B14F-4D97-AF65-F5344CB8AC3E}">
+        <p14:creationId xmlns:p14="http://schemas.microsoft.com/office/powerpoint/2010/main" val="2457992136"/>
+      </p:ext>
+    </p:extLst>
+  </p:cSld>
+  <p:clrMapOvr>
+    <a:masterClrMapping/>
+  </p:clrMapOvr>
+</p:sld>
+</file>
+
+<file path=ppt/slides/slide5.xml><?xml version="1.0" encoding="utf-8"?>
+<p:sld xmlns:a="http://schemas.openxmlformats.org/drawingml/2006/main" xmlns:r="http://schemas.openxmlformats.org/officeDocument/2006/relationships" xmlns:p="http://schemas.openxmlformats.org/presentationml/2006/main">
+  <p:cSld>
+    <p:spTree>
+      <p:nvGrpSpPr>
+        <p:cNvPr id="1" name="">
+          <a:extLst>
+            <a:ext uri="{FF2B5EF4-FFF2-40B4-BE49-F238E27FC236}">
+              <a16:creationId xmlns:a16="http://schemas.microsoft.com/office/drawing/2014/main" id="{220D869E-90E1-006B-2046-BE885D6FC33A}"/>
+            </a:ext>
+          </a:extLst>
+        </p:cNvPr>
+        <p:cNvGrpSpPr/>
+        <p:nvPr/>
+      </p:nvGrpSpPr>
+      <p:grpSpPr>
+        <a:xfrm>
+          <a:off x="0" y="0"/>
+          <a:ext cx="0" cy="0"/>
+          <a:chOff x="0" y="0"/>
+          <a:chExt cx="0" cy="0"/>
+        </a:xfrm>
+      </p:grpSpPr>
+      <p:sp>
+        <p:nvSpPr>
+          <p:cNvPr id="5" name="TextBox 4">
+            <a:extLst>
+              <a:ext uri="{FF2B5EF4-FFF2-40B4-BE49-F238E27FC236}">
+                <a16:creationId xmlns:a16="http://schemas.microsoft.com/office/drawing/2014/main" id="{BB032111-6D37-D551-FC3C-8B71BCA1B98D}"/>
+              </a:ext>
+            </a:extLst>
+          </p:cNvPr>
+          <p:cNvSpPr txBox="1"/>
+          <p:nvPr/>
+        </p:nvSpPr>
+        <p:spPr>
+          <a:xfrm>
+            <a:off x="383362" y="588935"/>
+            <a:ext cx="6093994" cy="3784306"/>
+          </a:xfrm>
+          <a:prstGeom prst="rect">
+            <a:avLst/>
+          </a:prstGeom>
+          <a:noFill/>
+        </p:spPr>
+        <p:txBody>
+          <a:bodyPr wrap="square">
+            <a:spAutoFit/>
+          </a:bodyPr>
+          <a:lstStyle/>
+          <a:p>
+            <a:pPr>
+              <a:lnSpc>
+                <a:spcPts val="2850"/>
+              </a:lnSpc>
+              <a:buNone/>
+            </a:pPr>
+            <a:r>
+              <a:rPr lang="en-US" altLang="ko-KR" b="0" dirty="0">
+                <a:solidFill>
+                  <a:srgbClr val="0000FF"/>
+                </a:solidFill>
+                <a:effectLst/>
+                <a:latin typeface="DM Mono" panose="020B0509040201040103" pitchFamily="49" charset="0"/>
+              </a:rPr>
+              <a:t>int</a:t>
+            </a:r>
+            <a:r>
+              <a:rPr lang="en-US" altLang="ko-KR" b="0" dirty="0">
+                <a:solidFill>
+                  <a:srgbClr val="3B3B3B"/>
+                </a:solidFill>
+                <a:effectLst/>
+                <a:latin typeface="DM Mono" panose="020B0509040201040103" pitchFamily="49" charset="0"/>
+              </a:rPr>
+              <a:t> </a:t>
+            </a:r>
+            <a:r>
+              <a:rPr lang="en-US" altLang="ko-KR" b="0" dirty="0">
+                <a:solidFill>
+                  <a:srgbClr val="795E26"/>
+                </a:solidFill>
+                <a:effectLst/>
+                <a:latin typeface="DM Mono" panose="020B0509040201040103" pitchFamily="49" charset="0"/>
+              </a:rPr>
+              <a:t>main</a:t>
+            </a:r>
+            <a:r>
+              <a:rPr lang="en-US" altLang="ko-KR" b="0" dirty="0">
+                <a:solidFill>
+                  <a:srgbClr val="3B3B3B"/>
+                </a:solidFill>
+                <a:effectLst/>
+                <a:latin typeface="DM Mono" panose="020B0509040201040103" pitchFamily="49" charset="0"/>
+              </a:rPr>
+              <a:t>()</a:t>
+            </a:r>
+          </a:p>
+          <a:p>
+            <a:pPr>
+              <a:lnSpc>
+                <a:spcPts val="2850"/>
+              </a:lnSpc>
+              <a:buNone/>
+            </a:pPr>
+            <a:r>
+              <a:rPr lang="en-US" altLang="ko-KR" b="0" dirty="0">
+                <a:solidFill>
+                  <a:srgbClr val="3B3B3B"/>
+                </a:solidFill>
+                <a:effectLst/>
+                <a:latin typeface="DM Mono" panose="020B0509040201040103" pitchFamily="49" charset="0"/>
+              </a:rPr>
+              <a:t>{</a:t>
+            </a:r>
+          </a:p>
+          <a:p>
+            <a:pPr>
+              <a:lnSpc>
+                <a:spcPts val="2850"/>
+              </a:lnSpc>
+              <a:buNone/>
+            </a:pPr>
+            <a:r>
+              <a:rPr lang="en-US" altLang="ko-KR" b="0" dirty="0">
+                <a:solidFill>
+                  <a:srgbClr val="0000FF"/>
+                </a:solidFill>
+                <a:effectLst/>
+                <a:latin typeface="DM Mono" panose="020B0509040201040103" pitchFamily="49" charset="0"/>
+              </a:rPr>
+              <a:t>int</a:t>
+            </a:r>
+            <a:r>
+              <a:rPr lang="en-US" altLang="ko-KR" b="0" dirty="0">
+                <a:solidFill>
+                  <a:srgbClr val="3B3B3B"/>
+                </a:solidFill>
+                <a:effectLst/>
+                <a:latin typeface="DM Mono" panose="020B0509040201040103" pitchFamily="49" charset="0"/>
+              </a:rPr>
+              <a:t> </a:t>
+            </a:r>
+            <a:r>
+              <a:rPr lang="en-US" altLang="ko-KR" b="0" dirty="0">
+                <a:solidFill>
+                  <a:srgbClr val="001080"/>
+                </a:solidFill>
+                <a:effectLst/>
+                <a:latin typeface="DM Mono" panose="020B0509040201040103" pitchFamily="49" charset="0"/>
+              </a:rPr>
+              <a:t>n</a:t>
+            </a:r>
+            <a:r>
+              <a:rPr lang="en-US" altLang="ko-KR" b="0" dirty="0">
+                <a:solidFill>
+                  <a:srgbClr val="3B3B3B"/>
+                </a:solidFill>
+                <a:effectLst/>
+                <a:latin typeface="DM Mono" panose="020B0509040201040103" pitchFamily="49" charset="0"/>
+              </a:rPr>
+              <a:t> </a:t>
+            </a:r>
+            <a:r>
+              <a:rPr lang="en-US" altLang="ko-KR" b="0" dirty="0">
+                <a:solidFill>
+                  <a:srgbClr val="000000"/>
+                </a:solidFill>
+                <a:effectLst/>
+                <a:latin typeface="DM Mono" panose="020B0509040201040103" pitchFamily="49" charset="0"/>
+              </a:rPr>
+              <a:t>=</a:t>
+            </a:r>
+            <a:r>
+              <a:rPr lang="en-US" altLang="ko-KR" b="0" dirty="0">
+                <a:solidFill>
+                  <a:srgbClr val="3B3B3B"/>
+                </a:solidFill>
+                <a:effectLst/>
+                <a:latin typeface="DM Mono" panose="020B0509040201040103" pitchFamily="49" charset="0"/>
+              </a:rPr>
+              <a:t> </a:t>
+            </a:r>
+            <a:r>
+              <a:rPr lang="en-US" altLang="ko-KR" b="0" dirty="0">
+                <a:solidFill>
+                  <a:srgbClr val="098658"/>
+                </a:solidFill>
+                <a:effectLst/>
+                <a:latin typeface="DM Mono" panose="020B0509040201040103" pitchFamily="49" charset="0"/>
+              </a:rPr>
+              <a:t>100</a:t>
+            </a:r>
+            <a:r>
+              <a:rPr lang="en-US" altLang="ko-KR" b="0" dirty="0">
+                <a:solidFill>
+                  <a:srgbClr val="3B3B3B"/>
+                </a:solidFill>
+                <a:effectLst/>
+                <a:latin typeface="DM Mono" panose="020B0509040201040103" pitchFamily="49" charset="0"/>
+              </a:rPr>
+              <a:t>;</a:t>
+            </a:r>
+          </a:p>
+          <a:p>
+            <a:pPr>
+              <a:lnSpc>
+                <a:spcPts val="2850"/>
+              </a:lnSpc>
+              <a:buNone/>
+            </a:pPr>
+            <a:br>
+              <a:rPr lang="en-US" altLang="ko-KR" dirty="0">
+                <a:solidFill>
+                  <a:srgbClr val="3B3B3B"/>
+                </a:solidFill>
+                <a:effectLst/>
+                <a:latin typeface="DM Mono" panose="020B0509040201040103" pitchFamily="49" charset="0"/>
+              </a:rPr>
+            </a:br>
+            <a:r>
+              <a:rPr lang="en-US" altLang="ko-KR" dirty="0">
+                <a:solidFill>
+                  <a:srgbClr val="0000FF"/>
+                </a:solidFill>
+                <a:effectLst/>
+                <a:latin typeface="DM Mono" panose="020B0509040201040103" pitchFamily="49" charset="0"/>
+              </a:rPr>
+              <a:t>int</a:t>
+            </a:r>
+            <a:r>
+              <a:rPr lang="en-US" altLang="ko-KR" dirty="0">
+                <a:solidFill>
+                  <a:srgbClr val="3B3B3B"/>
+                </a:solidFill>
+                <a:effectLst/>
+                <a:latin typeface="DM Mono" panose="020B0509040201040103" pitchFamily="49" charset="0"/>
+              </a:rPr>
+              <a:t> </a:t>
+            </a:r>
+            <a:r>
+              <a:rPr lang="en-US" altLang="ko-KR" dirty="0">
+                <a:solidFill>
+                  <a:srgbClr val="000000"/>
+                </a:solidFill>
+                <a:effectLst/>
+                <a:latin typeface="DM Mono" panose="020B0509040201040103" pitchFamily="49" charset="0"/>
+              </a:rPr>
+              <a:t>*</a:t>
+            </a:r>
+            <a:r>
+              <a:rPr lang="en-US" altLang="ko-KR" dirty="0" err="1">
+                <a:solidFill>
+                  <a:srgbClr val="001080"/>
+                </a:solidFill>
+                <a:effectLst/>
+                <a:latin typeface="DM Mono" panose="020B0509040201040103" pitchFamily="49" charset="0"/>
+              </a:rPr>
+              <a:t>pn</a:t>
+            </a:r>
+            <a:r>
+              <a:rPr lang="en-US" altLang="ko-KR" dirty="0">
+                <a:solidFill>
+                  <a:srgbClr val="3B3B3B"/>
+                </a:solidFill>
+                <a:effectLst/>
+                <a:latin typeface="DM Mono" panose="020B0509040201040103" pitchFamily="49" charset="0"/>
+              </a:rPr>
+              <a:t> </a:t>
+            </a:r>
+            <a:r>
+              <a:rPr lang="en-US" altLang="ko-KR" dirty="0">
+                <a:solidFill>
+                  <a:srgbClr val="000000"/>
+                </a:solidFill>
+                <a:effectLst/>
+                <a:latin typeface="DM Mono" panose="020B0509040201040103" pitchFamily="49" charset="0"/>
+              </a:rPr>
+              <a:t>=</a:t>
+            </a:r>
+            <a:r>
+              <a:rPr lang="en-US" altLang="ko-KR" dirty="0">
+                <a:solidFill>
+                  <a:srgbClr val="3B3B3B"/>
+                </a:solidFill>
+                <a:effectLst/>
+                <a:latin typeface="DM Mono" panose="020B0509040201040103" pitchFamily="49" charset="0"/>
+              </a:rPr>
+              <a:t> </a:t>
+            </a:r>
+            <a:r>
+              <a:rPr lang="en-US" altLang="ko-KR" dirty="0">
+                <a:solidFill>
+                  <a:srgbClr val="000000"/>
+                </a:solidFill>
+                <a:effectLst/>
+                <a:latin typeface="DM Mono" panose="020B0509040201040103" pitchFamily="49" charset="0"/>
+              </a:rPr>
+              <a:t>&amp;</a:t>
+            </a:r>
+            <a:r>
+              <a:rPr lang="en-US" altLang="ko-KR" dirty="0">
+                <a:solidFill>
+                  <a:srgbClr val="001080"/>
+                </a:solidFill>
+                <a:effectLst/>
+                <a:latin typeface="DM Mono" panose="020B0509040201040103" pitchFamily="49" charset="0"/>
+              </a:rPr>
+              <a:t>n</a:t>
+            </a:r>
+            <a:r>
+              <a:rPr lang="en-US" altLang="ko-KR" dirty="0">
+                <a:solidFill>
+                  <a:srgbClr val="3B3B3B"/>
+                </a:solidFill>
+                <a:effectLst/>
+                <a:latin typeface="DM Mono" panose="020B0509040201040103" pitchFamily="49" charset="0"/>
+              </a:rPr>
+              <a:t>;</a:t>
+            </a:r>
+          </a:p>
+          <a:p>
+            <a:pPr>
+              <a:lnSpc>
+                <a:spcPts val="2850"/>
+              </a:lnSpc>
+              <a:buNone/>
+            </a:pPr>
+            <a:br>
+              <a:rPr lang="en-US" altLang="ko-KR" b="0" dirty="0">
+                <a:solidFill>
+                  <a:srgbClr val="3B3B3B"/>
+                </a:solidFill>
+                <a:effectLst/>
+                <a:latin typeface="DM Mono" panose="020B0509040201040103" pitchFamily="49" charset="0"/>
+              </a:rPr>
+            </a:br>
+            <a:r>
+              <a:rPr lang="en-US" altLang="ko-KR" b="1" dirty="0">
+                <a:solidFill>
+                  <a:srgbClr val="FF0000"/>
+                </a:solidFill>
+                <a:effectLst/>
+                <a:latin typeface="DM Mono" panose="020B0509040201040103" pitchFamily="49" charset="0"/>
+              </a:rPr>
+              <a:t>*</a:t>
+            </a:r>
+            <a:r>
+              <a:rPr lang="en-US" altLang="ko-KR" b="1" dirty="0" err="1">
+                <a:solidFill>
+                  <a:srgbClr val="FF0000"/>
+                </a:solidFill>
+                <a:effectLst/>
+                <a:latin typeface="DM Mono" panose="020B0509040201040103" pitchFamily="49" charset="0"/>
+              </a:rPr>
+              <a:t>pn</a:t>
+            </a:r>
+            <a:r>
+              <a:rPr lang="en-US" altLang="ko-KR" b="1" dirty="0">
+                <a:solidFill>
+                  <a:srgbClr val="FF0000"/>
+                </a:solidFill>
+                <a:effectLst/>
+                <a:latin typeface="DM Mono" panose="020B0509040201040103" pitchFamily="49" charset="0"/>
+              </a:rPr>
+              <a:t> = 42;</a:t>
+            </a:r>
+          </a:p>
+          <a:p>
+            <a:pPr>
+              <a:lnSpc>
+                <a:spcPts val="2850"/>
+              </a:lnSpc>
+              <a:buNone/>
+            </a:pPr>
+            <a:r>
+              <a:rPr lang="en-US" altLang="ko-KR" b="0" dirty="0" err="1">
+                <a:solidFill>
+                  <a:srgbClr val="FF0000"/>
+                </a:solidFill>
+                <a:effectLst/>
+                <a:latin typeface="DM Mono" panose="020B0509040201040103" pitchFamily="49" charset="0"/>
+              </a:rPr>
+              <a:t>cout</a:t>
+            </a:r>
+            <a:r>
+              <a:rPr lang="en-US" altLang="ko-KR" b="0" dirty="0">
+                <a:solidFill>
+                  <a:srgbClr val="FF0000"/>
+                </a:solidFill>
+                <a:effectLst/>
+                <a:latin typeface="DM Mono" panose="020B0509040201040103" pitchFamily="49" charset="0"/>
+              </a:rPr>
+              <a:t> &lt;&lt; *</a:t>
+            </a:r>
+            <a:r>
+              <a:rPr lang="en-US" altLang="ko-KR" b="0" dirty="0" err="1">
+                <a:solidFill>
+                  <a:srgbClr val="FF0000"/>
+                </a:solidFill>
+                <a:effectLst/>
+                <a:latin typeface="DM Mono" panose="020B0509040201040103" pitchFamily="49" charset="0"/>
+              </a:rPr>
+              <a:t>pn</a:t>
+            </a:r>
+            <a:r>
+              <a:rPr lang="en-US" altLang="ko-KR" b="0" dirty="0">
+                <a:solidFill>
+                  <a:srgbClr val="FF0000"/>
+                </a:solidFill>
+                <a:effectLst/>
+                <a:latin typeface="DM Mono" panose="020B0509040201040103" pitchFamily="49" charset="0"/>
+              </a:rPr>
+              <a:t> &lt;&lt; </a:t>
+            </a:r>
+            <a:r>
+              <a:rPr lang="en-US" altLang="ko-KR" b="0" dirty="0" err="1">
+                <a:solidFill>
+                  <a:srgbClr val="FF0000"/>
+                </a:solidFill>
+                <a:effectLst/>
+                <a:latin typeface="DM Mono" panose="020B0509040201040103" pitchFamily="49" charset="0"/>
+              </a:rPr>
+              <a:t>endl</a:t>
+            </a:r>
+            <a:r>
+              <a:rPr lang="en-US" altLang="ko-KR" b="0" dirty="0">
+                <a:solidFill>
+                  <a:srgbClr val="FF0000"/>
+                </a:solidFill>
+                <a:effectLst/>
+                <a:latin typeface="DM Mono" panose="020B0509040201040103" pitchFamily="49" charset="0"/>
+              </a:rPr>
+              <a:t>;</a:t>
+            </a:r>
+          </a:p>
+          <a:p>
+            <a:pPr>
+              <a:lnSpc>
+                <a:spcPts val="2850"/>
+              </a:lnSpc>
+              <a:buNone/>
+            </a:pPr>
+            <a:r>
+              <a:rPr lang="en-US" altLang="ko-KR" b="0" dirty="0" err="1">
+                <a:solidFill>
+                  <a:srgbClr val="FF0000"/>
+                </a:solidFill>
+                <a:effectLst/>
+                <a:latin typeface="DM Mono" panose="020B0509040201040103" pitchFamily="49" charset="0"/>
+              </a:rPr>
+              <a:t>cout</a:t>
+            </a:r>
+            <a:r>
+              <a:rPr lang="en-US" altLang="ko-KR" b="0" dirty="0">
+                <a:solidFill>
+                  <a:srgbClr val="FF0000"/>
+                </a:solidFill>
+                <a:effectLst/>
+                <a:latin typeface="DM Mono" panose="020B0509040201040103" pitchFamily="49" charset="0"/>
+              </a:rPr>
+              <a:t> &lt;&lt; n &lt;&lt; </a:t>
+            </a:r>
+            <a:r>
+              <a:rPr lang="en-US" altLang="ko-KR" b="0" dirty="0" err="1">
+                <a:solidFill>
+                  <a:srgbClr val="FF0000"/>
+                </a:solidFill>
+                <a:effectLst/>
+                <a:latin typeface="DM Mono" panose="020B0509040201040103" pitchFamily="49" charset="0"/>
+              </a:rPr>
+              <a:t>endl</a:t>
+            </a:r>
+            <a:r>
+              <a:rPr lang="en-US" altLang="ko-KR" b="0" dirty="0">
+                <a:solidFill>
+                  <a:srgbClr val="FF0000"/>
+                </a:solidFill>
+                <a:effectLst/>
+                <a:latin typeface="DM Mono" panose="020B0509040201040103" pitchFamily="49" charset="0"/>
+              </a:rPr>
+              <a:t>;</a:t>
+            </a:r>
+          </a:p>
+          <a:p>
+            <a:pPr>
+              <a:lnSpc>
+                <a:spcPts val="2850"/>
+              </a:lnSpc>
+            </a:pPr>
+            <a:r>
+              <a:rPr lang="en-US" altLang="ko-KR" b="0" dirty="0">
+                <a:solidFill>
+                  <a:srgbClr val="3B3B3B"/>
+                </a:solidFill>
+                <a:effectLst/>
+                <a:latin typeface="DM Mono" panose="020B0509040201040103" pitchFamily="49" charset="0"/>
+              </a:rPr>
+              <a:t>}</a:t>
+            </a:r>
+          </a:p>
+        </p:txBody>
+      </p:sp>
+      <p:sp>
+        <p:nvSpPr>
+          <p:cNvPr id="6" name="직사각형 5">
+            <a:extLst>
+              <a:ext uri="{FF2B5EF4-FFF2-40B4-BE49-F238E27FC236}">
+                <a16:creationId xmlns:a16="http://schemas.microsoft.com/office/drawing/2014/main" id="{B4148207-2B50-0A80-FEF3-B292526BE0F4}"/>
+              </a:ext>
+            </a:extLst>
+          </p:cNvPr>
+          <p:cNvSpPr/>
+          <p:nvPr/>
+        </p:nvSpPr>
+        <p:spPr>
+          <a:xfrm>
+            <a:off x="4969042" y="1022684"/>
+            <a:ext cx="6112042" cy="4896853"/>
+          </a:xfrm>
+          <a:prstGeom prst="rect">
+            <a:avLst/>
+          </a:prstGeom>
+          <a:solidFill>
+            <a:schemeClr val="bg1"/>
+          </a:solidFill>
+        </p:spPr>
+        <p:style>
+          <a:lnRef idx="2">
+            <a:schemeClr val="accent1">
+              <a:shade val="15000"/>
+            </a:schemeClr>
+          </a:lnRef>
+          <a:fillRef idx="1">
+            <a:schemeClr val="accent1"/>
+          </a:fillRef>
+          <a:effectRef idx="0">
+            <a:schemeClr val="accent1"/>
+          </a:effectRef>
+          <a:fontRef idx="minor">
+            <a:schemeClr val="lt1"/>
+          </a:fontRef>
+        </p:style>
+        <p:txBody>
+          <a:bodyPr rtlCol="0" anchor="ctr"/>
+          <a:lstStyle/>
+          <a:p>
+            <a:pPr algn="ctr"/>
+            <a:r>
+              <a:rPr kumimoji="1" lang="en-US" altLang="ko-KR" dirty="0"/>
+              <a:t>0x16ce92c2c</a:t>
+            </a:r>
+            <a:endParaRPr kumimoji="1" lang="ko-KR" altLang="en-US" dirty="0"/>
+          </a:p>
+        </p:txBody>
+      </p:sp>
+      <p:sp>
+        <p:nvSpPr>
+          <p:cNvPr id="7" name="직사각형 6">
+            <a:extLst>
+              <a:ext uri="{FF2B5EF4-FFF2-40B4-BE49-F238E27FC236}">
+                <a16:creationId xmlns:a16="http://schemas.microsoft.com/office/drawing/2014/main" id="{94F6671B-CC8B-53EE-6256-00A44D3E820A}"/>
+              </a:ext>
+            </a:extLst>
+          </p:cNvPr>
+          <p:cNvSpPr/>
+          <p:nvPr/>
+        </p:nvSpPr>
+        <p:spPr>
+          <a:xfrm>
+            <a:off x="7098632" y="1769050"/>
+            <a:ext cx="1287379" cy="841803"/>
+          </a:xfrm>
+          <a:prstGeom prst="rect">
+            <a:avLst/>
+          </a:prstGeom>
+        </p:spPr>
+        <p:style>
+          <a:lnRef idx="2">
+            <a:schemeClr val="accent4">
+              <a:shade val="15000"/>
+            </a:schemeClr>
+          </a:lnRef>
+          <a:fillRef idx="1">
+            <a:schemeClr val="accent4"/>
+          </a:fillRef>
+          <a:effectRef idx="0">
+            <a:schemeClr val="accent4"/>
+          </a:effectRef>
+          <a:fontRef idx="minor">
+            <a:schemeClr val="lt1"/>
+          </a:fontRef>
+        </p:style>
+        <p:txBody>
+          <a:bodyPr rtlCol="0" anchor="ctr"/>
+          <a:lstStyle/>
+          <a:p>
+            <a:pPr algn="ctr"/>
+            <a:r>
+              <a:rPr kumimoji="1" lang="en-US" altLang="ko-KR" dirty="0">
+                <a:solidFill>
+                  <a:srgbClr val="FF0000"/>
+                </a:solidFill>
+                <a:latin typeface="DM Mono" panose="020B0509040201040103" pitchFamily="49" charset="0"/>
+              </a:rPr>
+              <a:t>42</a:t>
+            </a:r>
+            <a:endParaRPr kumimoji="1" lang="ko-KR" altLang="en-US" dirty="0">
+              <a:solidFill>
+                <a:srgbClr val="FF0000"/>
+              </a:solidFill>
+              <a:latin typeface="DM Mono" panose="020B0509040201040103" pitchFamily="49" charset="0"/>
+            </a:endParaRPr>
+          </a:p>
+        </p:txBody>
+      </p:sp>
+      <p:sp>
+        <p:nvSpPr>
+          <p:cNvPr id="8" name="TextBox 7">
+            <a:extLst>
+              <a:ext uri="{FF2B5EF4-FFF2-40B4-BE49-F238E27FC236}">
+                <a16:creationId xmlns:a16="http://schemas.microsoft.com/office/drawing/2014/main" id="{0C24017E-9307-649D-6C20-BD1FE98E6DD7}"/>
+              </a:ext>
+            </a:extLst>
+          </p:cNvPr>
+          <p:cNvSpPr txBox="1"/>
+          <p:nvPr/>
+        </p:nvSpPr>
+        <p:spPr>
+          <a:xfrm>
+            <a:off x="6626732" y="2005285"/>
+            <a:ext cx="322524" cy="369332"/>
+          </a:xfrm>
+          <a:prstGeom prst="rect">
+            <a:avLst/>
+          </a:prstGeom>
+          <a:noFill/>
+        </p:spPr>
+        <p:txBody>
+          <a:bodyPr wrap="none" rtlCol="0">
+            <a:spAutoFit/>
+          </a:bodyPr>
+          <a:lstStyle/>
+          <a:p>
+            <a:r>
+              <a:rPr kumimoji="1" lang="en-US" altLang="ko-KR" dirty="0">
+                <a:latin typeface="DM Mono" panose="020B0509040201040103" pitchFamily="49" charset="0"/>
+              </a:rPr>
+              <a:t>n</a:t>
+            </a:r>
+            <a:endParaRPr kumimoji="1" lang="ko-KR" altLang="en-US" dirty="0">
+              <a:latin typeface="DM Mono" panose="020B0509040201040103" pitchFamily="49" charset="0"/>
+            </a:endParaRPr>
+          </a:p>
+        </p:txBody>
+      </p:sp>
+      <p:sp>
+        <p:nvSpPr>
+          <p:cNvPr id="10" name="TextBox 9">
+            <a:extLst>
+              <a:ext uri="{FF2B5EF4-FFF2-40B4-BE49-F238E27FC236}">
+                <a16:creationId xmlns:a16="http://schemas.microsoft.com/office/drawing/2014/main" id="{AF8CB02A-5641-DC22-CD39-DCFAB74DAF24}"/>
+              </a:ext>
+            </a:extLst>
+          </p:cNvPr>
+          <p:cNvSpPr txBox="1"/>
+          <p:nvPr/>
+        </p:nvSpPr>
+        <p:spPr>
+          <a:xfrm>
+            <a:off x="6321770" y="1398287"/>
+            <a:ext cx="1638300" cy="307777"/>
+          </a:xfrm>
+          <a:prstGeom prst="rect">
+            <a:avLst/>
+          </a:prstGeom>
+          <a:noFill/>
+        </p:spPr>
+        <p:txBody>
+          <a:bodyPr wrap="square">
+            <a:spAutoFit/>
+          </a:bodyPr>
+          <a:lstStyle/>
+          <a:p>
+            <a:r>
+              <a:rPr lang="en-US" altLang="ko-KR" sz="1400" b="1" dirty="0">
+                <a:solidFill>
+                  <a:srgbClr val="FF0000"/>
+                </a:solidFill>
+                <a:latin typeface="DM Mono" panose="020B0509040201040103" pitchFamily="49" charset="0"/>
+              </a:rPr>
+              <a:t>0x100</a:t>
+            </a:r>
+            <a:endParaRPr lang="ko-KR" altLang="en-US" sz="1400" b="1" dirty="0">
+              <a:solidFill>
+                <a:srgbClr val="FF0000"/>
+              </a:solidFill>
+              <a:latin typeface="DM Mono" panose="020B0509040201040103" pitchFamily="49" charset="0"/>
+            </a:endParaRPr>
+          </a:p>
+        </p:txBody>
+      </p:sp>
+      <p:sp>
+        <p:nvSpPr>
+          <p:cNvPr id="2" name="직사각형 1">
+            <a:extLst>
+              <a:ext uri="{FF2B5EF4-FFF2-40B4-BE49-F238E27FC236}">
+                <a16:creationId xmlns:a16="http://schemas.microsoft.com/office/drawing/2014/main" id="{46054A37-9D43-439A-FD54-E483844BF0C1}"/>
+              </a:ext>
+            </a:extLst>
+          </p:cNvPr>
+          <p:cNvSpPr/>
+          <p:nvPr/>
+        </p:nvSpPr>
+        <p:spPr>
+          <a:xfrm>
+            <a:off x="7098632" y="3718784"/>
+            <a:ext cx="2102518" cy="841803"/>
+          </a:xfrm>
+          <a:prstGeom prst="rect">
+            <a:avLst/>
+          </a:prstGeom>
+        </p:spPr>
+        <p:style>
+          <a:lnRef idx="2">
+            <a:schemeClr val="accent4">
+              <a:shade val="15000"/>
+            </a:schemeClr>
+          </a:lnRef>
+          <a:fillRef idx="1">
+            <a:schemeClr val="accent4"/>
+          </a:fillRef>
+          <a:effectRef idx="0">
+            <a:schemeClr val="accent4"/>
+          </a:effectRef>
+          <a:fontRef idx="minor">
+            <a:schemeClr val="lt1"/>
+          </a:fontRef>
+        </p:style>
+        <p:txBody>
+          <a:bodyPr rtlCol="0" anchor="ctr"/>
+          <a:lstStyle/>
+          <a:p>
+            <a:pPr algn="ctr"/>
+            <a:r>
+              <a:rPr lang="en-US" altLang="ko-KR" sz="1400" b="1" dirty="0">
+                <a:solidFill>
+                  <a:srgbClr val="FF0000"/>
+                </a:solidFill>
+                <a:latin typeface="DM Mono" panose="020B0509040201040103" pitchFamily="49" charset="0"/>
+              </a:rPr>
+              <a:t>0x100</a:t>
+            </a:r>
+            <a:endParaRPr kumimoji="1" lang="ko-KR" altLang="en-US" sz="1400" b="1" dirty="0">
+              <a:solidFill>
+                <a:srgbClr val="FF0000"/>
+              </a:solidFill>
+            </a:endParaRPr>
+          </a:p>
+        </p:txBody>
+      </p:sp>
+      <p:sp>
+        <p:nvSpPr>
+          <p:cNvPr id="3" name="TextBox 2">
+            <a:extLst>
+              <a:ext uri="{FF2B5EF4-FFF2-40B4-BE49-F238E27FC236}">
+                <a16:creationId xmlns:a16="http://schemas.microsoft.com/office/drawing/2014/main" id="{FE7252FD-ACA1-3FFA-1C6D-AC8B2FA539F9}"/>
+              </a:ext>
+            </a:extLst>
+          </p:cNvPr>
+          <p:cNvSpPr txBox="1"/>
+          <p:nvPr/>
+        </p:nvSpPr>
+        <p:spPr>
+          <a:xfrm>
+            <a:off x="6626732" y="3926444"/>
+            <a:ext cx="460382" cy="369332"/>
+          </a:xfrm>
+          <a:prstGeom prst="rect">
+            <a:avLst/>
+          </a:prstGeom>
+          <a:noFill/>
+        </p:spPr>
+        <p:txBody>
+          <a:bodyPr wrap="none" rtlCol="0">
+            <a:spAutoFit/>
+          </a:bodyPr>
+          <a:lstStyle/>
+          <a:p>
+            <a:r>
+              <a:rPr kumimoji="1" lang="en-US" altLang="ko-KR" dirty="0" err="1">
+                <a:latin typeface="DM Mono" panose="020B0509040201040103" pitchFamily="49" charset="0"/>
+              </a:rPr>
+              <a:t>pn</a:t>
+            </a:r>
+            <a:endParaRPr kumimoji="1" lang="ko-KR" altLang="en-US" dirty="0">
+              <a:latin typeface="DM Mono" panose="020B0509040201040103" pitchFamily="49" charset="0"/>
+            </a:endParaRPr>
+          </a:p>
+        </p:txBody>
+      </p:sp>
+      <p:cxnSp>
+        <p:nvCxnSpPr>
+          <p:cNvPr id="9" name="구부러진 연결선[U] 8">
+            <a:extLst>
+              <a:ext uri="{FF2B5EF4-FFF2-40B4-BE49-F238E27FC236}">
+                <a16:creationId xmlns:a16="http://schemas.microsoft.com/office/drawing/2014/main" id="{D3357A23-1DAF-8A4F-89ED-83278EEE0B66}"/>
+              </a:ext>
+            </a:extLst>
+          </p:cNvPr>
+          <p:cNvCxnSpPr>
+            <a:stCxn id="2" idx="0"/>
+            <a:endCxn id="7" idx="2"/>
+          </p:cNvCxnSpPr>
+          <p:nvPr/>
+        </p:nvCxnSpPr>
+        <p:spPr>
+          <a:xfrm rot="16200000" flipV="1">
+            <a:off x="7392142" y="2961034"/>
+            <a:ext cx="1107931" cy="407569"/>
+          </a:xfrm>
+          <a:prstGeom prst="curvedConnector3">
+            <a:avLst/>
+          </a:prstGeom>
+          <a:ln>
+            <a:tailEnd type="triangle"/>
+          </a:ln>
+        </p:spPr>
+        <p:style>
+          <a:lnRef idx="1">
+            <a:schemeClr val="dk1"/>
+          </a:lnRef>
+          <a:fillRef idx="0">
+            <a:schemeClr val="dk1"/>
+          </a:fillRef>
+          <a:effectRef idx="0">
+            <a:schemeClr val="dk1"/>
+          </a:effectRef>
+          <a:fontRef idx="minor">
+            <a:schemeClr val="tx1"/>
+          </a:fontRef>
+        </p:style>
+      </p:cxnSp>
+    </p:spTree>
+    <p:extLst>
+      <p:ext uri="{BB962C8B-B14F-4D97-AF65-F5344CB8AC3E}">
+        <p14:creationId xmlns:p14="http://schemas.microsoft.com/office/powerpoint/2010/main" val="855778327"/>
+      </p:ext>
+    </p:extLst>
+  </p:cSld>
+  <p:clrMapOvr>
+    <a:masterClrMapping/>
+  </p:clrMapOvr>
+</p:sld>
+</file>
+
+<file path=ppt/slides/slide6.xml><?xml version="1.0" encoding="utf-8"?>
+<p:sld xmlns:a="http://schemas.openxmlformats.org/drawingml/2006/main" xmlns:r="http://schemas.openxmlformats.org/officeDocument/2006/relationships" xmlns:p="http://schemas.openxmlformats.org/presentationml/2006/main">
+  <p:cSld>
+    <p:spTree>
+      <p:nvGrpSpPr>
+        <p:cNvPr id="1" name="">
+          <a:extLst>
+            <a:ext uri="{FF2B5EF4-FFF2-40B4-BE49-F238E27FC236}">
+              <a16:creationId xmlns:a16="http://schemas.microsoft.com/office/drawing/2014/main" id="{1B5CEE85-B160-2FA5-543A-93D8ED5CC3DA}"/>
+            </a:ext>
+          </a:extLst>
+        </p:cNvPr>
+        <p:cNvGrpSpPr/>
+        <p:nvPr/>
+      </p:nvGrpSpPr>
+      <p:grpSpPr>
+        <a:xfrm>
+          <a:off x="0" y="0"/>
+          <a:ext cx="0" cy="0"/>
+          <a:chOff x="0" y="0"/>
+          <a:chExt cx="0" cy="0"/>
+        </a:xfrm>
+      </p:grpSpPr>
+      <p:sp>
+        <p:nvSpPr>
+          <p:cNvPr id="5" name="TextBox 4">
+            <a:extLst>
+              <a:ext uri="{FF2B5EF4-FFF2-40B4-BE49-F238E27FC236}">
+                <a16:creationId xmlns:a16="http://schemas.microsoft.com/office/drawing/2014/main" id="{BBCEE6C0-9220-9D63-66F8-244294FD478D}"/>
+              </a:ext>
+            </a:extLst>
+          </p:cNvPr>
+          <p:cNvSpPr txBox="1"/>
+          <p:nvPr/>
+        </p:nvSpPr>
+        <p:spPr>
+          <a:xfrm>
+            <a:off x="383362" y="588935"/>
+            <a:ext cx="6093994" cy="3784306"/>
+          </a:xfrm>
+          <a:prstGeom prst="rect">
+            <a:avLst/>
+          </a:prstGeom>
+          <a:noFill/>
+        </p:spPr>
+        <p:txBody>
+          <a:bodyPr wrap="square">
+            <a:spAutoFit/>
+          </a:bodyPr>
+          <a:lstStyle/>
+          <a:p>
+            <a:pPr>
+              <a:lnSpc>
+                <a:spcPts val="2850"/>
+              </a:lnSpc>
+              <a:buNone/>
+            </a:pPr>
+            <a:r>
+              <a:rPr lang="en-US" altLang="ko-KR" b="0" dirty="0">
+                <a:solidFill>
+                  <a:srgbClr val="0000FF"/>
+                </a:solidFill>
+                <a:effectLst/>
+                <a:latin typeface="DM Mono" panose="020B0509040201040103" pitchFamily="49" charset="0"/>
+              </a:rPr>
+              <a:t>int</a:t>
+            </a:r>
+            <a:r>
+              <a:rPr lang="en-US" altLang="ko-KR" b="0" dirty="0">
+                <a:solidFill>
+                  <a:srgbClr val="3B3B3B"/>
+                </a:solidFill>
+                <a:effectLst/>
+                <a:latin typeface="DM Mono" panose="020B0509040201040103" pitchFamily="49" charset="0"/>
+              </a:rPr>
+              <a:t> </a:t>
+            </a:r>
+            <a:r>
+              <a:rPr lang="en-US" altLang="ko-KR" b="0" dirty="0">
+                <a:solidFill>
+                  <a:srgbClr val="795E26"/>
+                </a:solidFill>
+                <a:effectLst/>
+                <a:latin typeface="DM Mono" panose="020B0509040201040103" pitchFamily="49" charset="0"/>
+              </a:rPr>
+              <a:t>main</a:t>
+            </a:r>
+            <a:r>
+              <a:rPr lang="en-US" altLang="ko-KR" b="0" dirty="0">
+                <a:solidFill>
+                  <a:srgbClr val="3B3B3B"/>
+                </a:solidFill>
+                <a:effectLst/>
+                <a:latin typeface="DM Mono" panose="020B0509040201040103" pitchFamily="49" charset="0"/>
+              </a:rPr>
+              <a:t>()</a:t>
+            </a:r>
+          </a:p>
+          <a:p>
+            <a:pPr>
+              <a:lnSpc>
+                <a:spcPts val="2850"/>
+              </a:lnSpc>
+              <a:buNone/>
+            </a:pPr>
+            <a:r>
+              <a:rPr lang="en-US" altLang="ko-KR" b="0" dirty="0">
+                <a:solidFill>
+                  <a:srgbClr val="3B3B3B"/>
+                </a:solidFill>
+                <a:effectLst/>
+                <a:latin typeface="DM Mono" panose="020B0509040201040103" pitchFamily="49" charset="0"/>
+              </a:rPr>
+              <a:t>{</a:t>
+            </a:r>
+          </a:p>
+          <a:p>
+            <a:pPr>
+              <a:lnSpc>
+                <a:spcPts val="2850"/>
+              </a:lnSpc>
+              <a:buNone/>
+            </a:pPr>
+            <a:r>
+              <a:rPr lang="en-US" altLang="ko-KR" b="1" dirty="0">
+                <a:solidFill>
+                  <a:srgbClr val="0000FF"/>
+                </a:solidFill>
+                <a:effectLst/>
+                <a:latin typeface="DM Mono" panose="020B0509040201040103" pitchFamily="49" charset="0"/>
+              </a:rPr>
+              <a:t>int</a:t>
+            </a:r>
+            <a:r>
+              <a:rPr lang="en-US" altLang="ko-KR" b="1" dirty="0">
+                <a:solidFill>
+                  <a:srgbClr val="3B3B3B"/>
+                </a:solidFill>
+                <a:effectLst/>
+                <a:latin typeface="DM Mono" panose="020B0509040201040103" pitchFamily="49" charset="0"/>
+              </a:rPr>
+              <a:t> </a:t>
+            </a:r>
+            <a:r>
+              <a:rPr lang="en-US" altLang="ko-KR" b="1" dirty="0">
+                <a:solidFill>
+                  <a:srgbClr val="001080"/>
+                </a:solidFill>
+                <a:effectLst/>
+                <a:latin typeface="DM Mono" panose="020B0509040201040103" pitchFamily="49" charset="0"/>
+              </a:rPr>
+              <a:t>n</a:t>
+            </a:r>
+            <a:r>
+              <a:rPr lang="en-US" altLang="ko-KR" b="1" dirty="0">
+                <a:solidFill>
+                  <a:srgbClr val="3B3B3B"/>
+                </a:solidFill>
+                <a:effectLst/>
+                <a:latin typeface="DM Mono" panose="020B0509040201040103" pitchFamily="49" charset="0"/>
+              </a:rPr>
+              <a:t> </a:t>
+            </a:r>
+            <a:r>
+              <a:rPr lang="en-US" altLang="ko-KR" b="1" dirty="0">
+                <a:solidFill>
+                  <a:srgbClr val="000000"/>
+                </a:solidFill>
+                <a:effectLst/>
+                <a:latin typeface="DM Mono" panose="020B0509040201040103" pitchFamily="49" charset="0"/>
+              </a:rPr>
+              <a:t>=</a:t>
+            </a:r>
+            <a:r>
+              <a:rPr lang="en-US" altLang="ko-KR" b="1" dirty="0">
+                <a:solidFill>
+                  <a:srgbClr val="3B3B3B"/>
+                </a:solidFill>
+                <a:effectLst/>
+                <a:latin typeface="DM Mono" panose="020B0509040201040103" pitchFamily="49" charset="0"/>
+              </a:rPr>
+              <a:t> </a:t>
+            </a:r>
+            <a:r>
+              <a:rPr lang="en-US" altLang="ko-KR" b="1" dirty="0">
+                <a:solidFill>
+                  <a:srgbClr val="098658"/>
+                </a:solidFill>
+                <a:effectLst/>
+                <a:latin typeface="DM Mono" panose="020B0509040201040103" pitchFamily="49" charset="0"/>
+              </a:rPr>
+              <a:t>100</a:t>
+            </a:r>
+            <a:r>
+              <a:rPr lang="en-US" altLang="ko-KR" b="1" dirty="0">
+                <a:solidFill>
+                  <a:srgbClr val="3B3B3B"/>
+                </a:solidFill>
+                <a:effectLst/>
+                <a:latin typeface="DM Mono" panose="020B0509040201040103" pitchFamily="49" charset="0"/>
+              </a:rPr>
+              <a:t>;</a:t>
+            </a:r>
+          </a:p>
+          <a:p>
+            <a:pPr>
+              <a:lnSpc>
+                <a:spcPts val="2850"/>
+              </a:lnSpc>
+              <a:buNone/>
+            </a:pPr>
+            <a:br>
+              <a:rPr lang="en-US" altLang="ko-KR" b="0" dirty="0">
+                <a:solidFill>
+                  <a:srgbClr val="3B3B3B"/>
+                </a:solidFill>
+                <a:effectLst/>
+                <a:latin typeface="DM Mono" panose="020B0509040201040103" pitchFamily="49" charset="0"/>
+              </a:rPr>
+            </a:br>
+            <a:r>
+              <a:rPr lang="en-US" altLang="ko-KR" b="0" dirty="0">
+                <a:solidFill>
+                  <a:srgbClr val="0000FF"/>
+                </a:solidFill>
+                <a:effectLst/>
+                <a:latin typeface="DM Mono" panose="020B0509040201040103" pitchFamily="49" charset="0"/>
+              </a:rPr>
+              <a:t>int</a:t>
+            </a:r>
+            <a:r>
+              <a:rPr lang="en-US" altLang="ko-KR" b="0" dirty="0">
+                <a:solidFill>
+                  <a:srgbClr val="3B3B3B"/>
+                </a:solidFill>
+                <a:effectLst/>
+                <a:latin typeface="DM Mono" panose="020B0509040201040103" pitchFamily="49" charset="0"/>
+              </a:rPr>
+              <a:t> </a:t>
+            </a:r>
+            <a:r>
+              <a:rPr lang="en-US" altLang="ko-KR" b="0" dirty="0">
+                <a:solidFill>
+                  <a:srgbClr val="000000"/>
+                </a:solidFill>
+                <a:effectLst/>
+                <a:latin typeface="DM Mono" panose="020B0509040201040103" pitchFamily="49" charset="0"/>
+              </a:rPr>
+              <a:t>&amp;</a:t>
+            </a:r>
+            <a:r>
+              <a:rPr lang="en-US" altLang="ko-KR" b="0" dirty="0" err="1">
+                <a:solidFill>
+                  <a:srgbClr val="001080"/>
+                </a:solidFill>
+                <a:effectLst/>
+                <a:latin typeface="DM Mono" panose="020B0509040201040103" pitchFamily="49" charset="0"/>
+              </a:rPr>
+              <a:t>rn</a:t>
+            </a:r>
+            <a:r>
+              <a:rPr lang="en-US" altLang="ko-KR" b="0" dirty="0">
+                <a:solidFill>
+                  <a:srgbClr val="3B3B3B"/>
+                </a:solidFill>
+                <a:effectLst/>
+                <a:latin typeface="DM Mono" panose="020B0509040201040103" pitchFamily="49" charset="0"/>
+              </a:rPr>
+              <a:t> </a:t>
+            </a:r>
+            <a:r>
+              <a:rPr lang="en-US" altLang="ko-KR" b="0" dirty="0">
+                <a:solidFill>
+                  <a:srgbClr val="000000"/>
+                </a:solidFill>
+                <a:effectLst/>
+                <a:latin typeface="DM Mono" panose="020B0509040201040103" pitchFamily="49" charset="0"/>
+              </a:rPr>
+              <a:t>=</a:t>
+            </a:r>
+            <a:r>
+              <a:rPr lang="en-US" altLang="ko-KR" b="0" dirty="0">
+                <a:solidFill>
+                  <a:srgbClr val="3B3B3B"/>
+                </a:solidFill>
+                <a:effectLst/>
+                <a:latin typeface="DM Mono" panose="020B0509040201040103" pitchFamily="49" charset="0"/>
+              </a:rPr>
+              <a:t> </a:t>
+            </a:r>
+            <a:r>
+              <a:rPr lang="en-US" altLang="ko-KR" b="0" dirty="0">
+                <a:solidFill>
+                  <a:srgbClr val="001080"/>
+                </a:solidFill>
+                <a:effectLst/>
+                <a:latin typeface="DM Mono" panose="020B0509040201040103" pitchFamily="49" charset="0"/>
+              </a:rPr>
+              <a:t>n</a:t>
+            </a:r>
+            <a:r>
+              <a:rPr lang="en-US" altLang="ko-KR" b="0" dirty="0">
+                <a:solidFill>
+                  <a:srgbClr val="3B3B3B"/>
+                </a:solidFill>
+                <a:effectLst/>
+                <a:latin typeface="DM Mono" panose="020B0509040201040103" pitchFamily="49" charset="0"/>
+              </a:rPr>
+              <a:t>;</a:t>
+            </a:r>
+          </a:p>
+          <a:p>
+            <a:pPr>
+              <a:lnSpc>
+                <a:spcPts val="2850"/>
+              </a:lnSpc>
+              <a:buNone/>
+            </a:pPr>
+            <a:br>
+              <a:rPr lang="en-US" altLang="ko-KR" b="0" dirty="0">
+                <a:solidFill>
+                  <a:srgbClr val="3B3B3B"/>
+                </a:solidFill>
+                <a:effectLst/>
+                <a:latin typeface="DM Mono" panose="020B0509040201040103" pitchFamily="49" charset="0"/>
+              </a:rPr>
+            </a:br>
+            <a:r>
+              <a:rPr lang="en-US" altLang="ko-KR" b="0" dirty="0" err="1">
+                <a:solidFill>
+                  <a:srgbClr val="001080"/>
+                </a:solidFill>
+                <a:effectLst/>
+                <a:latin typeface="DM Mono" panose="020B0509040201040103" pitchFamily="49" charset="0"/>
+              </a:rPr>
+              <a:t>rn</a:t>
+            </a:r>
+            <a:r>
+              <a:rPr lang="en-US" altLang="ko-KR" b="0" dirty="0">
+                <a:solidFill>
+                  <a:srgbClr val="3B3B3B"/>
+                </a:solidFill>
+                <a:effectLst/>
+                <a:latin typeface="DM Mono" panose="020B0509040201040103" pitchFamily="49" charset="0"/>
+              </a:rPr>
+              <a:t> </a:t>
+            </a:r>
+            <a:r>
+              <a:rPr lang="en-US" altLang="ko-KR" b="0" dirty="0">
+                <a:solidFill>
+                  <a:srgbClr val="000000"/>
+                </a:solidFill>
+                <a:effectLst/>
+                <a:latin typeface="DM Mono" panose="020B0509040201040103" pitchFamily="49" charset="0"/>
+              </a:rPr>
+              <a:t>=</a:t>
+            </a:r>
+            <a:r>
+              <a:rPr lang="en-US" altLang="ko-KR" b="0" dirty="0">
+                <a:solidFill>
+                  <a:srgbClr val="3B3B3B"/>
+                </a:solidFill>
+                <a:effectLst/>
+                <a:latin typeface="DM Mono" panose="020B0509040201040103" pitchFamily="49" charset="0"/>
+              </a:rPr>
+              <a:t> </a:t>
+            </a:r>
+            <a:r>
+              <a:rPr lang="en-US" altLang="ko-KR" b="0" dirty="0">
+                <a:solidFill>
+                  <a:srgbClr val="098658"/>
+                </a:solidFill>
+                <a:effectLst/>
+                <a:latin typeface="DM Mono" panose="020B0509040201040103" pitchFamily="49" charset="0"/>
+              </a:rPr>
+              <a:t>42</a:t>
+            </a:r>
+            <a:r>
+              <a:rPr lang="en-US" altLang="ko-KR" b="0" dirty="0">
+                <a:solidFill>
+                  <a:srgbClr val="3B3B3B"/>
+                </a:solidFill>
+                <a:effectLst/>
+                <a:latin typeface="DM Mono" panose="020B0509040201040103" pitchFamily="49" charset="0"/>
+              </a:rPr>
+              <a:t>;</a:t>
+            </a:r>
+          </a:p>
+          <a:p>
+            <a:pPr>
+              <a:lnSpc>
+                <a:spcPts val="2850"/>
+              </a:lnSpc>
+              <a:buNone/>
+            </a:pPr>
+            <a:r>
+              <a:rPr lang="en-US" altLang="ko-KR" b="0" dirty="0" err="1">
+                <a:solidFill>
+                  <a:srgbClr val="001080"/>
+                </a:solidFill>
+                <a:effectLst/>
+                <a:latin typeface="DM Mono" panose="020B0509040201040103" pitchFamily="49" charset="0"/>
+              </a:rPr>
+              <a:t>cout</a:t>
+            </a:r>
+            <a:r>
+              <a:rPr lang="en-US" altLang="ko-KR" b="0" dirty="0">
+                <a:solidFill>
+                  <a:srgbClr val="3B3B3B"/>
+                </a:solidFill>
+                <a:effectLst/>
+                <a:latin typeface="DM Mono" panose="020B0509040201040103" pitchFamily="49" charset="0"/>
+              </a:rPr>
+              <a:t> </a:t>
+            </a:r>
+            <a:r>
+              <a:rPr lang="en-US" altLang="ko-KR" b="0" dirty="0">
+                <a:solidFill>
+                  <a:srgbClr val="795E26"/>
+                </a:solidFill>
+                <a:effectLst/>
+                <a:latin typeface="DM Mono" panose="020B0509040201040103" pitchFamily="49" charset="0"/>
+              </a:rPr>
+              <a:t>&lt;&lt;</a:t>
+            </a:r>
+            <a:r>
+              <a:rPr lang="en-US" altLang="ko-KR" b="0" dirty="0">
+                <a:solidFill>
+                  <a:srgbClr val="3B3B3B"/>
+                </a:solidFill>
+                <a:effectLst/>
+                <a:latin typeface="DM Mono" panose="020B0509040201040103" pitchFamily="49" charset="0"/>
+              </a:rPr>
+              <a:t> </a:t>
+            </a:r>
+            <a:r>
+              <a:rPr lang="en-US" altLang="ko-KR" b="0" dirty="0">
+                <a:solidFill>
+                  <a:srgbClr val="001080"/>
+                </a:solidFill>
+                <a:effectLst/>
+                <a:latin typeface="DM Mono" panose="020B0509040201040103" pitchFamily="49" charset="0"/>
+              </a:rPr>
+              <a:t>n</a:t>
+            </a:r>
+            <a:r>
+              <a:rPr lang="en-US" altLang="ko-KR" b="0" dirty="0">
+                <a:solidFill>
+                  <a:srgbClr val="3B3B3B"/>
+                </a:solidFill>
+                <a:effectLst/>
+                <a:latin typeface="DM Mono" panose="020B0509040201040103" pitchFamily="49" charset="0"/>
+              </a:rPr>
+              <a:t> </a:t>
+            </a:r>
+            <a:r>
+              <a:rPr lang="en-US" altLang="ko-KR" b="0" dirty="0">
+                <a:solidFill>
+                  <a:srgbClr val="795E26"/>
+                </a:solidFill>
+                <a:effectLst/>
+                <a:latin typeface="DM Mono" panose="020B0509040201040103" pitchFamily="49" charset="0"/>
+              </a:rPr>
+              <a:t>&lt;&lt;</a:t>
+            </a:r>
+            <a:r>
+              <a:rPr lang="en-US" altLang="ko-KR" b="0" dirty="0">
+                <a:solidFill>
+                  <a:srgbClr val="3B3B3B"/>
+                </a:solidFill>
+                <a:effectLst/>
+                <a:latin typeface="DM Mono" panose="020B0509040201040103" pitchFamily="49" charset="0"/>
+              </a:rPr>
+              <a:t> </a:t>
+            </a:r>
+            <a:r>
+              <a:rPr lang="en-US" altLang="ko-KR" b="0" dirty="0" err="1">
+                <a:solidFill>
+                  <a:srgbClr val="795E26"/>
+                </a:solidFill>
+                <a:effectLst/>
+                <a:latin typeface="DM Mono" panose="020B0509040201040103" pitchFamily="49" charset="0"/>
+              </a:rPr>
+              <a:t>endl</a:t>
+            </a:r>
+            <a:r>
+              <a:rPr lang="en-US" altLang="ko-KR" b="0" dirty="0">
+                <a:solidFill>
+                  <a:srgbClr val="3B3B3B"/>
+                </a:solidFill>
+                <a:effectLst/>
+                <a:latin typeface="DM Mono" panose="020B0509040201040103" pitchFamily="49" charset="0"/>
+              </a:rPr>
+              <a:t>;</a:t>
+            </a:r>
+          </a:p>
+          <a:p>
+            <a:pPr>
+              <a:lnSpc>
+                <a:spcPts val="2850"/>
+              </a:lnSpc>
+              <a:buNone/>
+            </a:pPr>
+            <a:r>
+              <a:rPr lang="en-US" altLang="ko-KR" b="0" dirty="0" err="1">
+                <a:solidFill>
+                  <a:srgbClr val="001080"/>
+                </a:solidFill>
+                <a:effectLst/>
+                <a:latin typeface="DM Mono" panose="020B0509040201040103" pitchFamily="49" charset="0"/>
+              </a:rPr>
+              <a:t>cout</a:t>
+            </a:r>
+            <a:r>
+              <a:rPr lang="en-US" altLang="ko-KR" b="0" dirty="0">
+                <a:solidFill>
+                  <a:srgbClr val="3B3B3B"/>
+                </a:solidFill>
+                <a:effectLst/>
+                <a:latin typeface="DM Mono" panose="020B0509040201040103" pitchFamily="49" charset="0"/>
+              </a:rPr>
+              <a:t> </a:t>
+            </a:r>
+            <a:r>
+              <a:rPr lang="en-US" altLang="ko-KR" b="0" dirty="0">
+                <a:solidFill>
+                  <a:srgbClr val="795E26"/>
+                </a:solidFill>
+                <a:effectLst/>
+                <a:latin typeface="DM Mono" panose="020B0509040201040103" pitchFamily="49" charset="0"/>
+              </a:rPr>
+              <a:t>&lt;&lt;</a:t>
+            </a:r>
+            <a:r>
+              <a:rPr lang="en-US" altLang="ko-KR" b="0" dirty="0">
+                <a:solidFill>
+                  <a:srgbClr val="3B3B3B"/>
+                </a:solidFill>
+                <a:effectLst/>
+                <a:latin typeface="DM Mono" panose="020B0509040201040103" pitchFamily="49" charset="0"/>
+              </a:rPr>
+              <a:t> </a:t>
+            </a:r>
+            <a:r>
+              <a:rPr lang="en-US" altLang="ko-KR" b="0" dirty="0" err="1">
+                <a:solidFill>
+                  <a:srgbClr val="001080"/>
+                </a:solidFill>
+                <a:effectLst/>
+                <a:latin typeface="DM Mono" panose="020B0509040201040103" pitchFamily="49" charset="0"/>
+              </a:rPr>
+              <a:t>rn</a:t>
+            </a:r>
+            <a:r>
+              <a:rPr lang="en-US" altLang="ko-KR" b="0" dirty="0">
+                <a:solidFill>
+                  <a:srgbClr val="3B3B3B"/>
+                </a:solidFill>
+                <a:effectLst/>
+                <a:latin typeface="DM Mono" panose="020B0509040201040103" pitchFamily="49" charset="0"/>
+              </a:rPr>
+              <a:t> </a:t>
+            </a:r>
+            <a:r>
+              <a:rPr lang="en-US" altLang="ko-KR" b="0" dirty="0">
+                <a:solidFill>
+                  <a:srgbClr val="795E26"/>
+                </a:solidFill>
+                <a:effectLst/>
+                <a:latin typeface="DM Mono" panose="020B0509040201040103" pitchFamily="49" charset="0"/>
+              </a:rPr>
+              <a:t>&lt;&lt;</a:t>
+            </a:r>
+            <a:r>
+              <a:rPr lang="en-US" altLang="ko-KR" b="0" dirty="0">
+                <a:solidFill>
+                  <a:srgbClr val="3B3B3B"/>
+                </a:solidFill>
+                <a:effectLst/>
+                <a:latin typeface="DM Mono" panose="020B0509040201040103" pitchFamily="49" charset="0"/>
+              </a:rPr>
+              <a:t> </a:t>
+            </a:r>
+            <a:r>
+              <a:rPr lang="en-US" altLang="ko-KR" b="0" dirty="0" err="1">
+                <a:solidFill>
+                  <a:srgbClr val="795E26"/>
+                </a:solidFill>
+                <a:effectLst/>
+                <a:latin typeface="DM Mono" panose="020B0509040201040103" pitchFamily="49" charset="0"/>
+              </a:rPr>
+              <a:t>endl</a:t>
+            </a:r>
+            <a:r>
+              <a:rPr lang="en-US" altLang="ko-KR" b="0" dirty="0">
+                <a:solidFill>
+                  <a:srgbClr val="3B3B3B"/>
+                </a:solidFill>
+                <a:effectLst/>
+                <a:latin typeface="DM Mono" panose="020B0509040201040103" pitchFamily="49" charset="0"/>
+              </a:rPr>
+              <a:t>;</a:t>
+            </a:r>
+          </a:p>
+          <a:p>
+            <a:pPr>
+              <a:lnSpc>
+                <a:spcPts val="2850"/>
+              </a:lnSpc>
+            </a:pPr>
+            <a:r>
+              <a:rPr lang="en-US" altLang="ko-KR" b="0" dirty="0">
+                <a:solidFill>
+                  <a:srgbClr val="3B3B3B"/>
+                </a:solidFill>
+                <a:effectLst/>
+                <a:latin typeface="DM Mono" panose="020B0509040201040103" pitchFamily="49" charset="0"/>
+              </a:rPr>
+              <a:t>}</a:t>
+            </a:r>
+          </a:p>
+        </p:txBody>
+      </p:sp>
+      <p:sp>
+        <p:nvSpPr>
+          <p:cNvPr id="6" name="직사각형 5">
+            <a:extLst>
+              <a:ext uri="{FF2B5EF4-FFF2-40B4-BE49-F238E27FC236}">
+                <a16:creationId xmlns:a16="http://schemas.microsoft.com/office/drawing/2014/main" id="{5BEC3412-11EC-6262-2C88-F391383C453A}"/>
+              </a:ext>
+            </a:extLst>
+          </p:cNvPr>
+          <p:cNvSpPr/>
+          <p:nvPr/>
+        </p:nvSpPr>
+        <p:spPr>
+          <a:xfrm>
+            <a:off x="4969042" y="1022684"/>
+            <a:ext cx="6112042" cy="4896853"/>
+          </a:xfrm>
+          <a:prstGeom prst="rect">
+            <a:avLst/>
+          </a:prstGeom>
+          <a:solidFill>
+            <a:schemeClr val="bg1"/>
+          </a:solidFill>
+        </p:spPr>
+        <p:style>
+          <a:lnRef idx="2">
+            <a:schemeClr val="accent1">
+              <a:shade val="15000"/>
+            </a:schemeClr>
+          </a:lnRef>
+          <a:fillRef idx="1">
+            <a:schemeClr val="accent1"/>
+          </a:fillRef>
+          <a:effectRef idx="0">
+            <a:schemeClr val="accent1"/>
+          </a:effectRef>
+          <a:fontRef idx="minor">
+            <a:schemeClr val="lt1"/>
+          </a:fontRef>
+        </p:style>
+        <p:txBody>
+          <a:bodyPr rtlCol="0" anchor="ctr"/>
+          <a:lstStyle/>
+          <a:p>
+            <a:pPr algn="ctr"/>
+            <a:r>
+              <a:rPr kumimoji="1" lang="en-US" altLang="ko-KR" dirty="0"/>
+              <a:t>0x16ce92c2c</a:t>
+            </a:r>
+            <a:endParaRPr kumimoji="1" lang="ko-KR" altLang="en-US" dirty="0"/>
+          </a:p>
+        </p:txBody>
+      </p:sp>
+      <p:sp>
+        <p:nvSpPr>
+          <p:cNvPr id="7" name="직사각형 6">
+            <a:extLst>
+              <a:ext uri="{FF2B5EF4-FFF2-40B4-BE49-F238E27FC236}">
+                <a16:creationId xmlns:a16="http://schemas.microsoft.com/office/drawing/2014/main" id="{F0F35CDD-5394-E4CD-DB60-86F88D730A30}"/>
+              </a:ext>
+            </a:extLst>
+          </p:cNvPr>
+          <p:cNvSpPr/>
+          <p:nvPr/>
+        </p:nvSpPr>
+        <p:spPr>
+          <a:xfrm>
+            <a:off x="7098632" y="1769050"/>
+            <a:ext cx="1287379" cy="841803"/>
+          </a:xfrm>
+          <a:prstGeom prst="rect">
+            <a:avLst/>
+          </a:prstGeom>
+        </p:spPr>
+        <p:style>
+          <a:lnRef idx="2">
+            <a:schemeClr val="accent4">
+              <a:shade val="15000"/>
+            </a:schemeClr>
+          </a:lnRef>
+          <a:fillRef idx="1">
+            <a:schemeClr val="accent4"/>
+          </a:fillRef>
+          <a:effectRef idx="0">
+            <a:schemeClr val="accent4"/>
+          </a:effectRef>
+          <a:fontRef idx="minor">
+            <a:schemeClr val="lt1"/>
+          </a:fontRef>
+        </p:style>
+        <p:txBody>
+          <a:bodyPr rtlCol="0" anchor="ctr"/>
+          <a:lstStyle/>
+          <a:p>
+            <a:pPr algn="ctr"/>
+            <a:r>
+              <a:rPr kumimoji="1" lang="en-US" altLang="ko-KR" dirty="0">
+                <a:solidFill>
+                  <a:srgbClr val="FF0000"/>
+                </a:solidFill>
+                <a:latin typeface="DM Mono" panose="020B0509040201040103" pitchFamily="49" charset="0"/>
+              </a:rPr>
+              <a:t>100</a:t>
+            </a:r>
+            <a:endParaRPr kumimoji="1" lang="ko-KR" altLang="en-US" dirty="0">
+              <a:solidFill>
+                <a:srgbClr val="FF0000"/>
+              </a:solidFill>
+              <a:latin typeface="DM Mono" panose="020B0509040201040103" pitchFamily="49" charset="0"/>
+            </a:endParaRPr>
+          </a:p>
+        </p:txBody>
+      </p:sp>
+      <p:sp>
+        <p:nvSpPr>
+          <p:cNvPr id="8" name="TextBox 7">
+            <a:extLst>
+              <a:ext uri="{FF2B5EF4-FFF2-40B4-BE49-F238E27FC236}">
+                <a16:creationId xmlns:a16="http://schemas.microsoft.com/office/drawing/2014/main" id="{CC652A93-1314-1E0E-6EF5-8A3511F50228}"/>
+              </a:ext>
+            </a:extLst>
+          </p:cNvPr>
+          <p:cNvSpPr txBox="1"/>
+          <p:nvPr/>
+        </p:nvSpPr>
+        <p:spPr>
+          <a:xfrm>
+            <a:off x="6626732" y="2005285"/>
+            <a:ext cx="322524" cy="369332"/>
+          </a:xfrm>
+          <a:prstGeom prst="rect">
+            <a:avLst/>
+          </a:prstGeom>
+          <a:noFill/>
+        </p:spPr>
+        <p:txBody>
+          <a:bodyPr wrap="none" rtlCol="0">
+            <a:spAutoFit/>
+          </a:bodyPr>
+          <a:lstStyle/>
+          <a:p>
+            <a:r>
+              <a:rPr kumimoji="1" lang="en-US" altLang="ko-KR" dirty="0">
+                <a:latin typeface="DM Mono" panose="020B0509040201040103" pitchFamily="49" charset="0"/>
+              </a:rPr>
+              <a:t>n</a:t>
+            </a:r>
+            <a:endParaRPr kumimoji="1" lang="ko-KR" altLang="en-US" dirty="0">
+              <a:latin typeface="DM Mono" panose="020B0509040201040103" pitchFamily="49" charset="0"/>
+            </a:endParaRPr>
+          </a:p>
+        </p:txBody>
+      </p:sp>
+      <p:sp>
+        <p:nvSpPr>
+          <p:cNvPr id="10" name="TextBox 9">
+            <a:extLst>
+              <a:ext uri="{FF2B5EF4-FFF2-40B4-BE49-F238E27FC236}">
+                <a16:creationId xmlns:a16="http://schemas.microsoft.com/office/drawing/2014/main" id="{2EFB934D-DB6F-C9F0-16EB-15A01DA975A0}"/>
+              </a:ext>
+            </a:extLst>
+          </p:cNvPr>
+          <p:cNvSpPr txBox="1"/>
+          <p:nvPr/>
+        </p:nvSpPr>
+        <p:spPr>
+          <a:xfrm>
+            <a:off x="6321770" y="1398287"/>
+            <a:ext cx="1638300" cy="307777"/>
+          </a:xfrm>
+          <a:prstGeom prst="rect">
+            <a:avLst/>
+          </a:prstGeom>
+          <a:noFill/>
+        </p:spPr>
+        <p:txBody>
+          <a:bodyPr wrap="square">
+            <a:spAutoFit/>
+          </a:bodyPr>
+          <a:lstStyle/>
+          <a:p>
+            <a:r>
+              <a:rPr lang="en-US" altLang="ko-KR" sz="1400" b="1" dirty="0">
+                <a:latin typeface="DM Mono" panose="020B0509040201040103" pitchFamily="49" charset="0"/>
+              </a:rPr>
+              <a:t>0x100</a:t>
+            </a:r>
+            <a:endParaRPr lang="ko-KR" altLang="en-US" sz="1400" b="1" dirty="0">
+              <a:latin typeface="DM Mono" panose="020B0509040201040103" pitchFamily="49" charset="0"/>
+            </a:endParaRPr>
+          </a:p>
+        </p:txBody>
+      </p:sp>
+    </p:spTree>
+    <p:extLst>
+      <p:ext uri="{BB962C8B-B14F-4D97-AF65-F5344CB8AC3E}">
+        <p14:creationId xmlns:p14="http://schemas.microsoft.com/office/powerpoint/2010/main" val="4031989923"/>
+      </p:ext>
+    </p:extLst>
+  </p:cSld>
+  <p:clrMapOvr>
+    <a:masterClrMapping/>
+  </p:clrMapOvr>
+</p:sld>
+</file>
+
+<file path=ppt/slides/slide7.xml><?xml version="1.0" encoding="utf-8"?>
+<p:sld xmlns:a="http://schemas.openxmlformats.org/drawingml/2006/main" xmlns:r="http://schemas.openxmlformats.org/officeDocument/2006/relationships" xmlns:p="http://schemas.openxmlformats.org/presentationml/2006/main">
+  <p:cSld>
+    <p:spTree>
+      <p:nvGrpSpPr>
+        <p:cNvPr id="1" name="">
+          <a:extLst>
+            <a:ext uri="{FF2B5EF4-FFF2-40B4-BE49-F238E27FC236}">
+              <a16:creationId xmlns:a16="http://schemas.microsoft.com/office/drawing/2014/main" id="{75B7778C-5863-01BC-21FA-273E6988762E}"/>
+            </a:ext>
+          </a:extLst>
+        </p:cNvPr>
+        <p:cNvGrpSpPr/>
+        <p:nvPr/>
+      </p:nvGrpSpPr>
+      <p:grpSpPr>
+        <a:xfrm>
+          <a:off x="0" y="0"/>
+          <a:ext cx="0" cy="0"/>
+          <a:chOff x="0" y="0"/>
+          <a:chExt cx="0" cy="0"/>
+        </a:xfrm>
+      </p:grpSpPr>
+      <p:sp>
+        <p:nvSpPr>
+          <p:cNvPr id="5" name="TextBox 4">
+            <a:extLst>
+              <a:ext uri="{FF2B5EF4-FFF2-40B4-BE49-F238E27FC236}">
+                <a16:creationId xmlns:a16="http://schemas.microsoft.com/office/drawing/2014/main" id="{88BF9540-DA2F-AABF-2C8D-6A16029B59DE}"/>
+              </a:ext>
+            </a:extLst>
+          </p:cNvPr>
+          <p:cNvSpPr txBox="1"/>
+          <p:nvPr/>
+        </p:nvSpPr>
+        <p:spPr>
+          <a:xfrm>
+            <a:off x="383362" y="588935"/>
+            <a:ext cx="6093994" cy="3784306"/>
+          </a:xfrm>
+          <a:prstGeom prst="rect">
+            <a:avLst/>
+          </a:prstGeom>
+          <a:noFill/>
+        </p:spPr>
+        <p:txBody>
+          <a:bodyPr wrap="square">
+            <a:spAutoFit/>
+          </a:bodyPr>
+          <a:lstStyle/>
+          <a:p>
+            <a:pPr>
+              <a:lnSpc>
+                <a:spcPts val="2850"/>
+              </a:lnSpc>
+              <a:buNone/>
+            </a:pPr>
+            <a:r>
+              <a:rPr lang="en-US" altLang="ko-KR" b="0" dirty="0">
+                <a:solidFill>
+                  <a:srgbClr val="0000FF"/>
+                </a:solidFill>
+                <a:effectLst/>
+                <a:latin typeface="DM Mono" panose="020B0509040201040103" pitchFamily="49" charset="0"/>
+              </a:rPr>
+              <a:t>int</a:t>
+            </a:r>
+            <a:r>
+              <a:rPr lang="en-US" altLang="ko-KR" b="0" dirty="0">
+                <a:solidFill>
+                  <a:srgbClr val="3B3B3B"/>
+                </a:solidFill>
+                <a:effectLst/>
+                <a:latin typeface="DM Mono" panose="020B0509040201040103" pitchFamily="49" charset="0"/>
+              </a:rPr>
+              <a:t> </a:t>
+            </a:r>
+            <a:r>
+              <a:rPr lang="en-US" altLang="ko-KR" b="0" dirty="0">
+                <a:solidFill>
+                  <a:srgbClr val="795E26"/>
+                </a:solidFill>
+                <a:effectLst/>
+                <a:latin typeface="DM Mono" panose="020B0509040201040103" pitchFamily="49" charset="0"/>
+              </a:rPr>
+              <a:t>main</a:t>
+            </a:r>
+            <a:r>
+              <a:rPr lang="en-US" altLang="ko-KR" b="0" dirty="0">
+                <a:solidFill>
+                  <a:srgbClr val="3B3B3B"/>
+                </a:solidFill>
+                <a:effectLst/>
+                <a:latin typeface="DM Mono" panose="020B0509040201040103" pitchFamily="49" charset="0"/>
+              </a:rPr>
+              <a:t>()</a:t>
+            </a:r>
+          </a:p>
+          <a:p>
+            <a:pPr>
+              <a:lnSpc>
+                <a:spcPts val="2850"/>
+              </a:lnSpc>
+              <a:buNone/>
+            </a:pPr>
+            <a:r>
+              <a:rPr lang="en-US" altLang="ko-KR" b="0" dirty="0">
+                <a:solidFill>
+                  <a:srgbClr val="3B3B3B"/>
+                </a:solidFill>
+                <a:effectLst/>
+                <a:latin typeface="DM Mono" panose="020B0509040201040103" pitchFamily="49" charset="0"/>
+              </a:rPr>
+              <a:t>{</a:t>
+            </a:r>
+          </a:p>
+          <a:p>
+            <a:pPr>
+              <a:lnSpc>
+                <a:spcPts val="2850"/>
+              </a:lnSpc>
+              <a:buNone/>
+            </a:pPr>
+            <a:r>
+              <a:rPr lang="en-US" altLang="ko-KR" b="1" dirty="0">
+                <a:solidFill>
+                  <a:srgbClr val="0000FF"/>
+                </a:solidFill>
+                <a:effectLst/>
+                <a:latin typeface="DM Mono" panose="020B0509040201040103" pitchFamily="49" charset="0"/>
+              </a:rPr>
+              <a:t>int</a:t>
+            </a:r>
+            <a:r>
+              <a:rPr lang="en-US" altLang="ko-KR" b="1" dirty="0">
+                <a:solidFill>
+                  <a:srgbClr val="3B3B3B"/>
+                </a:solidFill>
+                <a:effectLst/>
+                <a:latin typeface="DM Mono" panose="020B0509040201040103" pitchFamily="49" charset="0"/>
+              </a:rPr>
+              <a:t> </a:t>
+            </a:r>
+            <a:r>
+              <a:rPr lang="en-US" altLang="ko-KR" b="1" dirty="0">
+                <a:solidFill>
+                  <a:srgbClr val="001080"/>
+                </a:solidFill>
+                <a:effectLst/>
+                <a:latin typeface="DM Mono" panose="020B0509040201040103" pitchFamily="49" charset="0"/>
+              </a:rPr>
+              <a:t>n</a:t>
+            </a:r>
+            <a:r>
+              <a:rPr lang="en-US" altLang="ko-KR" b="1" dirty="0">
+                <a:solidFill>
+                  <a:srgbClr val="3B3B3B"/>
+                </a:solidFill>
+                <a:effectLst/>
+                <a:latin typeface="DM Mono" panose="020B0509040201040103" pitchFamily="49" charset="0"/>
+              </a:rPr>
+              <a:t> </a:t>
+            </a:r>
+            <a:r>
+              <a:rPr lang="en-US" altLang="ko-KR" b="1" dirty="0">
+                <a:solidFill>
+                  <a:srgbClr val="000000"/>
+                </a:solidFill>
+                <a:effectLst/>
+                <a:latin typeface="DM Mono" panose="020B0509040201040103" pitchFamily="49" charset="0"/>
+              </a:rPr>
+              <a:t>=</a:t>
+            </a:r>
+            <a:r>
+              <a:rPr lang="en-US" altLang="ko-KR" b="1" dirty="0">
+                <a:solidFill>
+                  <a:srgbClr val="3B3B3B"/>
+                </a:solidFill>
+                <a:effectLst/>
+                <a:latin typeface="DM Mono" panose="020B0509040201040103" pitchFamily="49" charset="0"/>
+              </a:rPr>
+              <a:t> </a:t>
+            </a:r>
+            <a:r>
+              <a:rPr lang="en-US" altLang="ko-KR" b="1" dirty="0">
+                <a:solidFill>
+                  <a:srgbClr val="098658"/>
+                </a:solidFill>
+                <a:effectLst/>
+                <a:latin typeface="DM Mono" panose="020B0509040201040103" pitchFamily="49" charset="0"/>
+              </a:rPr>
+              <a:t>100</a:t>
+            </a:r>
+            <a:r>
+              <a:rPr lang="en-US" altLang="ko-KR" b="1" dirty="0">
+                <a:solidFill>
+                  <a:srgbClr val="3B3B3B"/>
+                </a:solidFill>
+                <a:effectLst/>
+                <a:latin typeface="DM Mono" panose="020B0509040201040103" pitchFamily="49" charset="0"/>
+              </a:rPr>
+              <a:t>;</a:t>
+            </a:r>
+          </a:p>
+          <a:p>
+            <a:pPr>
+              <a:lnSpc>
+                <a:spcPts val="2850"/>
+              </a:lnSpc>
+              <a:buNone/>
+            </a:pPr>
+            <a:br>
+              <a:rPr lang="en-US" altLang="ko-KR" b="0" dirty="0">
+                <a:solidFill>
+                  <a:srgbClr val="FF0000"/>
+                </a:solidFill>
+                <a:effectLst/>
+                <a:latin typeface="DM Mono" panose="020B0509040201040103" pitchFamily="49" charset="0"/>
+              </a:rPr>
+            </a:br>
+            <a:r>
+              <a:rPr lang="en-US" altLang="ko-KR" b="0" dirty="0">
+                <a:solidFill>
+                  <a:srgbClr val="FF0000"/>
+                </a:solidFill>
+                <a:effectLst/>
+                <a:latin typeface="DM Mono" panose="020B0509040201040103" pitchFamily="49" charset="0"/>
+              </a:rPr>
+              <a:t>int &amp;</a:t>
+            </a:r>
+            <a:r>
+              <a:rPr lang="en-US" altLang="ko-KR" b="0" dirty="0" err="1">
+                <a:solidFill>
+                  <a:srgbClr val="FF0000"/>
+                </a:solidFill>
+                <a:effectLst/>
+                <a:latin typeface="DM Mono" panose="020B0509040201040103" pitchFamily="49" charset="0"/>
+              </a:rPr>
+              <a:t>rn</a:t>
+            </a:r>
+            <a:r>
+              <a:rPr lang="en-US" altLang="ko-KR" b="0" dirty="0">
+                <a:solidFill>
+                  <a:srgbClr val="FF0000"/>
+                </a:solidFill>
+                <a:effectLst/>
+                <a:latin typeface="DM Mono" panose="020B0509040201040103" pitchFamily="49" charset="0"/>
+              </a:rPr>
+              <a:t> = n;</a:t>
+            </a:r>
+          </a:p>
+          <a:p>
+            <a:pPr>
+              <a:lnSpc>
+                <a:spcPts val="2850"/>
+              </a:lnSpc>
+              <a:buNone/>
+            </a:pPr>
+            <a:br>
+              <a:rPr lang="en-US" altLang="ko-KR" b="0" dirty="0">
+                <a:solidFill>
+                  <a:srgbClr val="3B3B3B"/>
+                </a:solidFill>
+                <a:effectLst/>
+                <a:latin typeface="DM Mono" panose="020B0509040201040103" pitchFamily="49" charset="0"/>
+              </a:rPr>
+            </a:br>
+            <a:r>
+              <a:rPr lang="en-US" altLang="ko-KR" b="0" dirty="0" err="1">
+                <a:solidFill>
+                  <a:srgbClr val="001080"/>
+                </a:solidFill>
+                <a:effectLst/>
+                <a:latin typeface="DM Mono" panose="020B0509040201040103" pitchFamily="49" charset="0"/>
+              </a:rPr>
+              <a:t>rn</a:t>
+            </a:r>
+            <a:r>
+              <a:rPr lang="en-US" altLang="ko-KR" b="0" dirty="0">
+                <a:solidFill>
+                  <a:srgbClr val="3B3B3B"/>
+                </a:solidFill>
+                <a:effectLst/>
+                <a:latin typeface="DM Mono" panose="020B0509040201040103" pitchFamily="49" charset="0"/>
+              </a:rPr>
+              <a:t> </a:t>
+            </a:r>
+            <a:r>
+              <a:rPr lang="en-US" altLang="ko-KR" b="0" dirty="0">
+                <a:solidFill>
+                  <a:srgbClr val="000000"/>
+                </a:solidFill>
+                <a:effectLst/>
+                <a:latin typeface="DM Mono" panose="020B0509040201040103" pitchFamily="49" charset="0"/>
+              </a:rPr>
+              <a:t>=</a:t>
+            </a:r>
+            <a:r>
+              <a:rPr lang="en-US" altLang="ko-KR" b="0" dirty="0">
+                <a:solidFill>
+                  <a:srgbClr val="3B3B3B"/>
+                </a:solidFill>
+                <a:effectLst/>
+                <a:latin typeface="DM Mono" panose="020B0509040201040103" pitchFamily="49" charset="0"/>
+              </a:rPr>
+              <a:t> </a:t>
+            </a:r>
+            <a:r>
+              <a:rPr lang="en-US" altLang="ko-KR" b="0" dirty="0">
+                <a:solidFill>
+                  <a:srgbClr val="098658"/>
+                </a:solidFill>
+                <a:effectLst/>
+                <a:latin typeface="DM Mono" panose="020B0509040201040103" pitchFamily="49" charset="0"/>
+              </a:rPr>
+              <a:t>42</a:t>
+            </a:r>
+            <a:r>
+              <a:rPr lang="en-US" altLang="ko-KR" b="0" dirty="0">
+                <a:solidFill>
+                  <a:srgbClr val="3B3B3B"/>
+                </a:solidFill>
+                <a:effectLst/>
+                <a:latin typeface="DM Mono" panose="020B0509040201040103" pitchFamily="49" charset="0"/>
+              </a:rPr>
+              <a:t>;</a:t>
+            </a:r>
+          </a:p>
+          <a:p>
+            <a:pPr>
+              <a:lnSpc>
+                <a:spcPts val="2850"/>
+              </a:lnSpc>
+              <a:buNone/>
+            </a:pPr>
+            <a:r>
+              <a:rPr lang="en-US" altLang="ko-KR" b="0" dirty="0" err="1">
+                <a:solidFill>
+                  <a:srgbClr val="001080"/>
+                </a:solidFill>
+                <a:effectLst/>
+                <a:latin typeface="DM Mono" panose="020B0509040201040103" pitchFamily="49" charset="0"/>
+              </a:rPr>
+              <a:t>cout</a:t>
+            </a:r>
+            <a:r>
+              <a:rPr lang="en-US" altLang="ko-KR" b="0" dirty="0">
+                <a:solidFill>
+                  <a:srgbClr val="3B3B3B"/>
+                </a:solidFill>
+                <a:effectLst/>
+                <a:latin typeface="DM Mono" panose="020B0509040201040103" pitchFamily="49" charset="0"/>
+              </a:rPr>
+              <a:t> </a:t>
+            </a:r>
+            <a:r>
+              <a:rPr lang="en-US" altLang="ko-KR" b="0" dirty="0">
+                <a:solidFill>
+                  <a:srgbClr val="795E26"/>
+                </a:solidFill>
+                <a:effectLst/>
+                <a:latin typeface="DM Mono" panose="020B0509040201040103" pitchFamily="49" charset="0"/>
+              </a:rPr>
+              <a:t>&lt;&lt;</a:t>
+            </a:r>
+            <a:r>
+              <a:rPr lang="en-US" altLang="ko-KR" b="0" dirty="0">
+                <a:solidFill>
+                  <a:srgbClr val="3B3B3B"/>
+                </a:solidFill>
+                <a:effectLst/>
+                <a:latin typeface="DM Mono" panose="020B0509040201040103" pitchFamily="49" charset="0"/>
+              </a:rPr>
+              <a:t> </a:t>
+            </a:r>
+            <a:r>
+              <a:rPr lang="en-US" altLang="ko-KR" b="0" dirty="0">
+                <a:solidFill>
+                  <a:srgbClr val="001080"/>
+                </a:solidFill>
+                <a:effectLst/>
+                <a:latin typeface="DM Mono" panose="020B0509040201040103" pitchFamily="49" charset="0"/>
+              </a:rPr>
+              <a:t>n</a:t>
+            </a:r>
+            <a:r>
+              <a:rPr lang="en-US" altLang="ko-KR" b="0" dirty="0">
+                <a:solidFill>
+                  <a:srgbClr val="3B3B3B"/>
+                </a:solidFill>
+                <a:effectLst/>
+                <a:latin typeface="DM Mono" panose="020B0509040201040103" pitchFamily="49" charset="0"/>
+              </a:rPr>
+              <a:t> </a:t>
+            </a:r>
+            <a:r>
+              <a:rPr lang="en-US" altLang="ko-KR" b="0" dirty="0">
+                <a:solidFill>
+                  <a:srgbClr val="795E26"/>
+                </a:solidFill>
+                <a:effectLst/>
+                <a:latin typeface="DM Mono" panose="020B0509040201040103" pitchFamily="49" charset="0"/>
+              </a:rPr>
+              <a:t>&lt;&lt;</a:t>
+            </a:r>
+            <a:r>
+              <a:rPr lang="en-US" altLang="ko-KR" b="0" dirty="0">
+                <a:solidFill>
+                  <a:srgbClr val="3B3B3B"/>
+                </a:solidFill>
+                <a:effectLst/>
+                <a:latin typeface="DM Mono" panose="020B0509040201040103" pitchFamily="49" charset="0"/>
+              </a:rPr>
+              <a:t> </a:t>
+            </a:r>
+            <a:r>
+              <a:rPr lang="en-US" altLang="ko-KR" b="0" dirty="0" err="1">
+                <a:solidFill>
+                  <a:srgbClr val="795E26"/>
+                </a:solidFill>
+                <a:effectLst/>
+                <a:latin typeface="DM Mono" panose="020B0509040201040103" pitchFamily="49" charset="0"/>
+              </a:rPr>
+              <a:t>endl</a:t>
+            </a:r>
+            <a:r>
+              <a:rPr lang="en-US" altLang="ko-KR" b="0" dirty="0">
+                <a:solidFill>
+                  <a:srgbClr val="3B3B3B"/>
+                </a:solidFill>
+                <a:effectLst/>
+                <a:latin typeface="DM Mono" panose="020B0509040201040103" pitchFamily="49" charset="0"/>
+              </a:rPr>
+              <a:t>;</a:t>
+            </a:r>
+          </a:p>
+          <a:p>
+            <a:pPr>
+              <a:lnSpc>
+                <a:spcPts val="2850"/>
+              </a:lnSpc>
+              <a:buNone/>
+            </a:pPr>
+            <a:r>
+              <a:rPr lang="en-US" altLang="ko-KR" b="0" dirty="0" err="1">
+                <a:solidFill>
+                  <a:srgbClr val="001080"/>
+                </a:solidFill>
+                <a:effectLst/>
+                <a:latin typeface="DM Mono" panose="020B0509040201040103" pitchFamily="49" charset="0"/>
+              </a:rPr>
+              <a:t>cout</a:t>
+            </a:r>
+            <a:r>
+              <a:rPr lang="en-US" altLang="ko-KR" b="0" dirty="0">
+                <a:solidFill>
+                  <a:srgbClr val="3B3B3B"/>
+                </a:solidFill>
+                <a:effectLst/>
+                <a:latin typeface="DM Mono" panose="020B0509040201040103" pitchFamily="49" charset="0"/>
+              </a:rPr>
+              <a:t> </a:t>
+            </a:r>
+            <a:r>
+              <a:rPr lang="en-US" altLang="ko-KR" b="0" dirty="0">
+                <a:solidFill>
+                  <a:srgbClr val="795E26"/>
+                </a:solidFill>
+                <a:effectLst/>
+                <a:latin typeface="DM Mono" panose="020B0509040201040103" pitchFamily="49" charset="0"/>
+              </a:rPr>
+              <a:t>&lt;&lt;</a:t>
+            </a:r>
+            <a:r>
+              <a:rPr lang="en-US" altLang="ko-KR" b="0" dirty="0">
+                <a:solidFill>
+                  <a:srgbClr val="3B3B3B"/>
+                </a:solidFill>
+                <a:effectLst/>
+                <a:latin typeface="DM Mono" panose="020B0509040201040103" pitchFamily="49" charset="0"/>
+              </a:rPr>
+              <a:t> </a:t>
+            </a:r>
+            <a:r>
+              <a:rPr lang="en-US" altLang="ko-KR" b="0" dirty="0" err="1">
+                <a:solidFill>
+                  <a:srgbClr val="001080"/>
+                </a:solidFill>
+                <a:effectLst/>
+                <a:latin typeface="DM Mono" panose="020B0509040201040103" pitchFamily="49" charset="0"/>
+              </a:rPr>
+              <a:t>rn</a:t>
+            </a:r>
+            <a:r>
+              <a:rPr lang="en-US" altLang="ko-KR" b="0" dirty="0">
+                <a:solidFill>
+                  <a:srgbClr val="3B3B3B"/>
+                </a:solidFill>
+                <a:effectLst/>
+                <a:latin typeface="DM Mono" panose="020B0509040201040103" pitchFamily="49" charset="0"/>
+              </a:rPr>
+              <a:t> </a:t>
+            </a:r>
+            <a:r>
+              <a:rPr lang="en-US" altLang="ko-KR" b="0" dirty="0">
+                <a:solidFill>
+                  <a:srgbClr val="795E26"/>
+                </a:solidFill>
+                <a:effectLst/>
+                <a:latin typeface="DM Mono" panose="020B0509040201040103" pitchFamily="49" charset="0"/>
+              </a:rPr>
+              <a:t>&lt;&lt;</a:t>
+            </a:r>
+            <a:r>
+              <a:rPr lang="en-US" altLang="ko-KR" b="0" dirty="0">
+                <a:solidFill>
+                  <a:srgbClr val="3B3B3B"/>
+                </a:solidFill>
+                <a:effectLst/>
+                <a:latin typeface="DM Mono" panose="020B0509040201040103" pitchFamily="49" charset="0"/>
+              </a:rPr>
+              <a:t> </a:t>
+            </a:r>
+            <a:r>
+              <a:rPr lang="en-US" altLang="ko-KR" b="0" dirty="0" err="1">
+                <a:solidFill>
+                  <a:srgbClr val="795E26"/>
+                </a:solidFill>
+                <a:effectLst/>
+                <a:latin typeface="DM Mono" panose="020B0509040201040103" pitchFamily="49" charset="0"/>
+              </a:rPr>
+              <a:t>endl</a:t>
+            </a:r>
+            <a:r>
+              <a:rPr lang="en-US" altLang="ko-KR" b="0" dirty="0">
+                <a:solidFill>
+                  <a:srgbClr val="3B3B3B"/>
+                </a:solidFill>
+                <a:effectLst/>
+                <a:latin typeface="DM Mono" panose="020B0509040201040103" pitchFamily="49" charset="0"/>
+              </a:rPr>
+              <a:t>;</a:t>
+            </a:r>
+          </a:p>
+          <a:p>
+            <a:pPr>
+              <a:lnSpc>
+                <a:spcPts val="2850"/>
+              </a:lnSpc>
+            </a:pPr>
+            <a:r>
+              <a:rPr lang="en-US" altLang="ko-KR" b="0" dirty="0">
+                <a:solidFill>
+                  <a:srgbClr val="3B3B3B"/>
+                </a:solidFill>
+                <a:effectLst/>
+                <a:latin typeface="DM Mono" panose="020B0509040201040103" pitchFamily="49" charset="0"/>
+              </a:rPr>
+              <a:t>}</a:t>
+            </a:r>
+          </a:p>
+        </p:txBody>
+      </p:sp>
+      <p:sp>
+        <p:nvSpPr>
+          <p:cNvPr id="6" name="직사각형 5">
+            <a:extLst>
+              <a:ext uri="{FF2B5EF4-FFF2-40B4-BE49-F238E27FC236}">
+                <a16:creationId xmlns:a16="http://schemas.microsoft.com/office/drawing/2014/main" id="{3BF80A85-B405-5DBF-3CB6-E898E8E15CB9}"/>
+              </a:ext>
+            </a:extLst>
+          </p:cNvPr>
+          <p:cNvSpPr/>
+          <p:nvPr/>
+        </p:nvSpPr>
+        <p:spPr>
+          <a:xfrm>
+            <a:off x="4969042" y="1022684"/>
+            <a:ext cx="6112042" cy="4896853"/>
+          </a:xfrm>
+          <a:prstGeom prst="rect">
+            <a:avLst/>
+          </a:prstGeom>
+          <a:solidFill>
+            <a:schemeClr val="bg1"/>
+          </a:solidFill>
+        </p:spPr>
+        <p:style>
+          <a:lnRef idx="2">
+            <a:schemeClr val="accent1">
+              <a:shade val="15000"/>
+            </a:schemeClr>
+          </a:lnRef>
+          <a:fillRef idx="1">
+            <a:schemeClr val="accent1"/>
+          </a:fillRef>
+          <a:effectRef idx="0">
+            <a:schemeClr val="accent1"/>
+          </a:effectRef>
+          <a:fontRef idx="minor">
+            <a:schemeClr val="lt1"/>
+          </a:fontRef>
+        </p:style>
+        <p:txBody>
+          <a:bodyPr rtlCol="0" anchor="ctr"/>
+          <a:lstStyle/>
+          <a:p>
+            <a:pPr algn="ctr"/>
+            <a:r>
+              <a:rPr kumimoji="1" lang="en-US" altLang="ko-KR" dirty="0"/>
+              <a:t>0x16ce92c2c</a:t>
+            </a:r>
+            <a:endParaRPr kumimoji="1" lang="ko-KR" altLang="en-US" dirty="0"/>
+          </a:p>
+        </p:txBody>
+      </p:sp>
+      <p:sp>
+        <p:nvSpPr>
+          <p:cNvPr id="7" name="직사각형 6">
+            <a:extLst>
+              <a:ext uri="{FF2B5EF4-FFF2-40B4-BE49-F238E27FC236}">
+                <a16:creationId xmlns:a16="http://schemas.microsoft.com/office/drawing/2014/main" id="{F7FA039C-BC60-B82A-F57F-D2E7C40486B1}"/>
+              </a:ext>
+            </a:extLst>
+          </p:cNvPr>
+          <p:cNvSpPr/>
+          <p:nvPr/>
+        </p:nvSpPr>
+        <p:spPr>
+          <a:xfrm>
+            <a:off x="7098632" y="1769050"/>
+            <a:ext cx="1287379" cy="841803"/>
+          </a:xfrm>
+          <a:prstGeom prst="rect">
+            <a:avLst/>
+          </a:prstGeom>
+        </p:spPr>
+        <p:style>
+          <a:lnRef idx="2">
+            <a:schemeClr val="accent4">
+              <a:shade val="15000"/>
+            </a:schemeClr>
+          </a:lnRef>
+          <a:fillRef idx="1">
+            <a:schemeClr val="accent4"/>
+          </a:fillRef>
+          <a:effectRef idx="0">
+            <a:schemeClr val="accent4"/>
+          </a:effectRef>
+          <a:fontRef idx="minor">
+            <a:schemeClr val="lt1"/>
+          </a:fontRef>
+        </p:style>
+        <p:txBody>
+          <a:bodyPr rtlCol="0" anchor="ctr"/>
+          <a:lstStyle/>
+          <a:p>
+            <a:pPr algn="ctr"/>
+            <a:r>
+              <a:rPr kumimoji="1" lang="en-US" altLang="ko-KR" dirty="0">
+                <a:solidFill>
+                  <a:srgbClr val="FF0000"/>
+                </a:solidFill>
+                <a:latin typeface="DM Mono" panose="020B0509040201040103" pitchFamily="49" charset="0"/>
+              </a:rPr>
+              <a:t>100</a:t>
+            </a:r>
+            <a:endParaRPr kumimoji="1" lang="ko-KR" altLang="en-US" dirty="0">
+              <a:solidFill>
+                <a:srgbClr val="FF0000"/>
+              </a:solidFill>
+              <a:latin typeface="DM Mono" panose="020B0509040201040103" pitchFamily="49" charset="0"/>
+            </a:endParaRPr>
+          </a:p>
+        </p:txBody>
+      </p:sp>
+      <p:sp>
+        <p:nvSpPr>
+          <p:cNvPr id="8" name="TextBox 7">
+            <a:extLst>
+              <a:ext uri="{FF2B5EF4-FFF2-40B4-BE49-F238E27FC236}">
+                <a16:creationId xmlns:a16="http://schemas.microsoft.com/office/drawing/2014/main" id="{C76F95FB-9FC3-6C93-142D-10BED96518E2}"/>
+              </a:ext>
+            </a:extLst>
+          </p:cNvPr>
+          <p:cNvSpPr txBox="1"/>
+          <p:nvPr/>
+        </p:nvSpPr>
+        <p:spPr>
+          <a:xfrm>
+            <a:off x="5610225" y="2005285"/>
+            <a:ext cx="1476889" cy="369332"/>
+          </a:xfrm>
+          <a:prstGeom prst="rect">
+            <a:avLst/>
+          </a:prstGeom>
+          <a:noFill/>
+        </p:spPr>
+        <p:txBody>
+          <a:bodyPr wrap="square" rtlCol="0">
+            <a:spAutoFit/>
+          </a:bodyPr>
+          <a:lstStyle/>
+          <a:p>
+            <a:pPr algn="r"/>
+            <a:r>
+              <a:rPr kumimoji="1" lang="en-US" altLang="ko-KR" dirty="0" err="1">
+                <a:latin typeface="DM Mono" panose="020B0509040201040103" pitchFamily="49" charset="0"/>
+              </a:rPr>
+              <a:t>n,</a:t>
+            </a:r>
+            <a:r>
+              <a:rPr kumimoji="1" lang="en-US" altLang="ko-KR" dirty="0" err="1">
+                <a:solidFill>
+                  <a:srgbClr val="FF0000"/>
+                </a:solidFill>
+                <a:latin typeface="DM Mono" panose="020B0509040201040103" pitchFamily="49" charset="0"/>
+              </a:rPr>
+              <a:t>rn</a:t>
+            </a:r>
+            <a:endParaRPr kumimoji="1" lang="ko-KR" altLang="en-US" dirty="0">
+              <a:solidFill>
+                <a:srgbClr val="FF0000"/>
+              </a:solidFill>
+              <a:latin typeface="DM Mono" panose="020B0509040201040103" pitchFamily="49" charset="0"/>
+            </a:endParaRPr>
+          </a:p>
+        </p:txBody>
+      </p:sp>
+      <p:sp>
+        <p:nvSpPr>
+          <p:cNvPr id="10" name="TextBox 9">
+            <a:extLst>
+              <a:ext uri="{FF2B5EF4-FFF2-40B4-BE49-F238E27FC236}">
+                <a16:creationId xmlns:a16="http://schemas.microsoft.com/office/drawing/2014/main" id="{B944EDB7-A874-81AD-4B33-9B9517FF9AC3}"/>
+              </a:ext>
+            </a:extLst>
+          </p:cNvPr>
+          <p:cNvSpPr txBox="1"/>
+          <p:nvPr/>
+        </p:nvSpPr>
+        <p:spPr>
+          <a:xfrm>
+            <a:off x="6321770" y="1398287"/>
+            <a:ext cx="1638300" cy="307777"/>
+          </a:xfrm>
+          <a:prstGeom prst="rect">
+            <a:avLst/>
+          </a:prstGeom>
+          <a:noFill/>
+        </p:spPr>
+        <p:txBody>
+          <a:bodyPr wrap="square">
+            <a:spAutoFit/>
+          </a:bodyPr>
+          <a:lstStyle/>
+          <a:p>
+            <a:r>
+              <a:rPr lang="en-US" altLang="ko-KR" sz="1400" b="1" dirty="0">
+                <a:latin typeface="DM Mono" panose="020B0509040201040103" pitchFamily="49" charset="0"/>
+              </a:rPr>
+              <a:t>0x100</a:t>
+            </a:r>
+            <a:endParaRPr lang="ko-KR" altLang="en-US" sz="1400" b="1" dirty="0">
+              <a:latin typeface="DM Mono" panose="020B0509040201040103" pitchFamily="49" charset="0"/>
+            </a:endParaRPr>
+          </a:p>
+        </p:txBody>
+      </p:sp>
+    </p:spTree>
+    <p:extLst>
+      <p:ext uri="{BB962C8B-B14F-4D97-AF65-F5344CB8AC3E}">
+        <p14:creationId xmlns:p14="http://schemas.microsoft.com/office/powerpoint/2010/main" val="1289214406"/>
+      </p:ext>
+    </p:extLst>
+  </p:cSld>
+  <p:clrMapOvr>
+    <a:masterClrMapping/>
+  </p:clrMapOvr>
+</p:sld>
+</file>
+
+<file path=ppt/slides/slide8.xml><?xml version="1.0" encoding="utf-8"?>
+<p:sld xmlns:a="http://schemas.openxmlformats.org/drawingml/2006/main" xmlns:r="http://schemas.openxmlformats.org/officeDocument/2006/relationships" xmlns:p="http://schemas.openxmlformats.org/presentationml/2006/main">
+  <p:cSld>
+    <p:spTree>
+      <p:nvGrpSpPr>
+        <p:cNvPr id="1" name="">
+          <a:extLst>
+            <a:ext uri="{FF2B5EF4-FFF2-40B4-BE49-F238E27FC236}">
+              <a16:creationId xmlns:a16="http://schemas.microsoft.com/office/drawing/2014/main" id="{96D83A57-D41A-D7E4-2B07-188DA81782B6}"/>
+            </a:ext>
+          </a:extLst>
+        </p:cNvPr>
+        <p:cNvGrpSpPr/>
+        <p:nvPr/>
+      </p:nvGrpSpPr>
+      <p:grpSpPr>
+        <a:xfrm>
+          <a:off x="0" y="0"/>
+          <a:ext cx="0" cy="0"/>
+          <a:chOff x="0" y="0"/>
+          <a:chExt cx="0" cy="0"/>
+        </a:xfrm>
+      </p:grpSpPr>
+      <p:sp>
+        <p:nvSpPr>
+          <p:cNvPr id="5" name="TextBox 4">
+            <a:extLst>
+              <a:ext uri="{FF2B5EF4-FFF2-40B4-BE49-F238E27FC236}">
+                <a16:creationId xmlns:a16="http://schemas.microsoft.com/office/drawing/2014/main" id="{8DC9B8F5-082D-A5AB-6906-922D7C8864DC}"/>
+              </a:ext>
+            </a:extLst>
+          </p:cNvPr>
+          <p:cNvSpPr txBox="1"/>
+          <p:nvPr/>
+        </p:nvSpPr>
+        <p:spPr>
+          <a:xfrm>
+            <a:off x="383362" y="588935"/>
+            <a:ext cx="6093994" cy="3784306"/>
+          </a:xfrm>
+          <a:prstGeom prst="rect">
+            <a:avLst/>
+          </a:prstGeom>
+          <a:noFill/>
+        </p:spPr>
+        <p:txBody>
+          <a:bodyPr wrap="square">
+            <a:spAutoFit/>
+          </a:bodyPr>
+          <a:lstStyle/>
+          <a:p>
+            <a:pPr>
+              <a:lnSpc>
+                <a:spcPts val="2850"/>
+              </a:lnSpc>
+              <a:buNone/>
+            </a:pPr>
+            <a:r>
+              <a:rPr lang="en-US" altLang="ko-KR" b="0" dirty="0">
+                <a:solidFill>
+                  <a:srgbClr val="0000FF"/>
+                </a:solidFill>
+                <a:effectLst/>
+                <a:latin typeface="DM Mono" panose="020B0509040201040103" pitchFamily="49" charset="0"/>
+              </a:rPr>
+              <a:t>int</a:t>
+            </a:r>
+            <a:r>
+              <a:rPr lang="en-US" altLang="ko-KR" b="0" dirty="0">
+                <a:solidFill>
+                  <a:srgbClr val="3B3B3B"/>
+                </a:solidFill>
+                <a:effectLst/>
+                <a:latin typeface="DM Mono" panose="020B0509040201040103" pitchFamily="49" charset="0"/>
+              </a:rPr>
+              <a:t> </a:t>
+            </a:r>
+            <a:r>
+              <a:rPr lang="en-US" altLang="ko-KR" b="0" dirty="0">
+                <a:solidFill>
+                  <a:srgbClr val="795E26"/>
+                </a:solidFill>
+                <a:effectLst/>
+                <a:latin typeface="DM Mono" panose="020B0509040201040103" pitchFamily="49" charset="0"/>
+              </a:rPr>
+              <a:t>main</a:t>
+            </a:r>
+            <a:r>
+              <a:rPr lang="en-US" altLang="ko-KR" b="0" dirty="0">
+                <a:solidFill>
+                  <a:srgbClr val="3B3B3B"/>
+                </a:solidFill>
+                <a:effectLst/>
+                <a:latin typeface="DM Mono" panose="020B0509040201040103" pitchFamily="49" charset="0"/>
+              </a:rPr>
+              <a:t>()</a:t>
+            </a:r>
+          </a:p>
+          <a:p>
+            <a:pPr>
+              <a:lnSpc>
+                <a:spcPts val="2850"/>
+              </a:lnSpc>
+              <a:buNone/>
+            </a:pPr>
+            <a:r>
+              <a:rPr lang="en-US" altLang="ko-KR" b="0" dirty="0">
+                <a:solidFill>
+                  <a:srgbClr val="3B3B3B"/>
+                </a:solidFill>
+                <a:effectLst/>
+                <a:latin typeface="DM Mono" panose="020B0509040201040103" pitchFamily="49" charset="0"/>
+              </a:rPr>
+              <a:t>{</a:t>
+            </a:r>
+          </a:p>
+          <a:p>
+            <a:pPr>
+              <a:lnSpc>
+                <a:spcPts val="2850"/>
+              </a:lnSpc>
+              <a:buNone/>
+            </a:pPr>
+            <a:r>
+              <a:rPr lang="en-US" altLang="ko-KR" b="1" dirty="0">
+                <a:solidFill>
+                  <a:srgbClr val="0000FF"/>
+                </a:solidFill>
+                <a:effectLst/>
+                <a:latin typeface="DM Mono" panose="020B0509040201040103" pitchFamily="49" charset="0"/>
+              </a:rPr>
+              <a:t>int</a:t>
+            </a:r>
+            <a:r>
+              <a:rPr lang="en-US" altLang="ko-KR" b="1" dirty="0">
+                <a:solidFill>
+                  <a:srgbClr val="3B3B3B"/>
+                </a:solidFill>
+                <a:effectLst/>
+                <a:latin typeface="DM Mono" panose="020B0509040201040103" pitchFamily="49" charset="0"/>
+              </a:rPr>
+              <a:t> </a:t>
+            </a:r>
+            <a:r>
+              <a:rPr lang="en-US" altLang="ko-KR" b="1" dirty="0">
+                <a:solidFill>
+                  <a:srgbClr val="001080"/>
+                </a:solidFill>
+                <a:effectLst/>
+                <a:latin typeface="DM Mono" panose="020B0509040201040103" pitchFamily="49" charset="0"/>
+              </a:rPr>
+              <a:t>n</a:t>
+            </a:r>
+            <a:r>
+              <a:rPr lang="en-US" altLang="ko-KR" b="1" dirty="0">
+                <a:solidFill>
+                  <a:srgbClr val="3B3B3B"/>
+                </a:solidFill>
+                <a:effectLst/>
+                <a:latin typeface="DM Mono" panose="020B0509040201040103" pitchFamily="49" charset="0"/>
+              </a:rPr>
+              <a:t> </a:t>
+            </a:r>
+            <a:r>
+              <a:rPr lang="en-US" altLang="ko-KR" b="1" dirty="0">
+                <a:solidFill>
+                  <a:srgbClr val="000000"/>
+                </a:solidFill>
+                <a:effectLst/>
+                <a:latin typeface="DM Mono" panose="020B0509040201040103" pitchFamily="49" charset="0"/>
+              </a:rPr>
+              <a:t>=</a:t>
+            </a:r>
+            <a:r>
+              <a:rPr lang="en-US" altLang="ko-KR" b="1" dirty="0">
+                <a:solidFill>
+                  <a:srgbClr val="3B3B3B"/>
+                </a:solidFill>
+                <a:effectLst/>
+                <a:latin typeface="DM Mono" panose="020B0509040201040103" pitchFamily="49" charset="0"/>
+              </a:rPr>
+              <a:t> </a:t>
+            </a:r>
+            <a:r>
+              <a:rPr lang="en-US" altLang="ko-KR" b="1" dirty="0">
+                <a:solidFill>
+                  <a:srgbClr val="098658"/>
+                </a:solidFill>
+                <a:effectLst/>
+                <a:latin typeface="DM Mono" panose="020B0509040201040103" pitchFamily="49" charset="0"/>
+              </a:rPr>
+              <a:t>100</a:t>
+            </a:r>
+            <a:r>
+              <a:rPr lang="en-US" altLang="ko-KR" b="1" dirty="0">
+                <a:solidFill>
+                  <a:srgbClr val="3B3B3B"/>
+                </a:solidFill>
+                <a:effectLst/>
+                <a:latin typeface="DM Mono" panose="020B0509040201040103" pitchFamily="49" charset="0"/>
+              </a:rPr>
+              <a:t>;</a:t>
+            </a:r>
+          </a:p>
+          <a:p>
+            <a:pPr>
+              <a:lnSpc>
+                <a:spcPts val="2850"/>
+              </a:lnSpc>
+              <a:buNone/>
+            </a:pPr>
+            <a:br>
+              <a:rPr lang="en-US" altLang="ko-KR" b="0" dirty="0">
+                <a:solidFill>
+                  <a:srgbClr val="FF0000"/>
+                </a:solidFill>
+                <a:effectLst/>
+                <a:latin typeface="DM Mono" panose="020B0509040201040103" pitchFamily="49" charset="0"/>
+              </a:rPr>
+            </a:br>
+            <a:r>
+              <a:rPr lang="en-US" altLang="ko-KR" b="0" dirty="0">
+                <a:solidFill>
+                  <a:srgbClr val="FF0000"/>
+                </a:solidFill>
+                <a:effectLst/>
+                <a:latin typeface="DM Mono" panose="020B0509040201040103" pitchFamily="49" charset="0"/>
+              </a:rPr>
+              <a:t>int &amp;</a:t>
+            </a:r>
+            <a:r>
+              <a:rPr lang="en-US" altLang="ko-KR" b="0" dirty="0" err="1">
+                <a:solidFill>
+                  <a:srgbClr val="FF0000"/>
+                </a:solidFill>
+                <a:effectLst/>
+                <a:latin typeface="DM Mono" panose="020B0509040201040103" pitchFamily="49" charset="0"/>
+              </a:rPr>
+              <a:t>rn</a:t>
+            </a:r>
+            <a:r>
+              <a:rPr lang="en-US" altLang="ko-KR" b="0" dirty="0">
+                <a:solidFill>
+                  <a:srgbClr val="FF0000"/>
+                </a:solidFill>
+                <a:effectLst/>
+                <a:latin typeface="DM Mono" panose="020B0509040201040103" pitchFamily="49" charset="0"/>
+              </a:rPr>
+              <a:t> = n;</a:t>
+            </a:r>
+          </a:p>
+          <a:p>
+            <a:pPr>
+              <a:lnSpc>
+                <a:spcPts val="2850"/>
+              </a:lnSpc>
+              <a:buNone/>
+            </a:pPr>
+            <a:br>
+              <a:rPr lang="en-US" altLang="ko-KR" b="0" dirty="0">
+                <a:solidFill>
+                  <a:srgbClr val="FF0000"/>
+                </a:solidFill>
+                <a:effectLst/>
+                <a:latin typeface="DM Mono" panose="020B0509040201040103" pitchFamily="49" charset="0"/>
+              </a:rPr>
+            </a:br>
+            <a:r>
+              <a:rPr lang="en-US" altLang="ko-KR" b="0" dirty="0" err="1">
+                <a:solidFill>
+                  <a:srgbClr val="FF0000"/>
+                </a:solidFill>
+                <a:effectLst/>
+                <a:latin typeface="DM Mono" panose="020B0509040201040103" pitchFamily="49" charset="0"/>
+              </a:rPr>
+              <a:t>rn</a:t>
+            </a:r>
+            <a:r>
+              <a:rPr lang="en-US" altLang="ko-KR" b="0" dirty="0">
+                <a:solidFill>
+                  <a:srgbClr val="FF0000"/>
+                </a:solidFill>
+                <a:effectLst/>
+                <a:latin typeface="DM Mono" panose="020B0509040201040103" pitchFamily="49" charset="0"/>
+              </a:rPr>
+              <a:t> = 42;</a:t>
+            </a:r>
+          </a:p>
+          <a:p>
+            <a:pPr>
+              <a:lnSpc>
+                <a:spcPts val="2850"/>
+              </a:lnSpc>
+              <a:buNone/>
+            </a:pPr>
+            <a:r>
+              <a:rPr lang="en-US" altLang="ko-KR" b="0" dirty="0" err="1">
+                <a:solidFill>
+                  <a:srgbClr val="001080"/>
+                </a:solidFill>
+                <a:effectLst/>
+                <a:latin typeface="DM Mono" panose="020B0509040201040103" pitchFamily="49" charset="0"/>
+              </a:rPr>
+              <a:t>cout</a:t>
+            </a:r>
+            <a:r>
+              <a:rPr lang="en-US" altLang="ko-KR" b="0" dirty="0">
+                <a:solidFill>
+                  <a:srgbClr val="3B3B3B"/>
+                </a:solidFill>
+                <a:effectLst/>
+                <a:latin typeface="DM Mono" panose="020B0509040201040103" pitchFamily="49" charset="0"/>
+              </a:rPr>
+              <a:t> </a:t>
+            </a:r>
+            <a:r>
+              <a:rPr lang="en-US" altLang="ko-KR" b="0" dirty="0">
+                <a:solidFill>
+                  <a:srgbClr val="795E26"/>
+                </a:solidFill>
+                <a:effectLst/>
+                <a:latin typeface="DM Mono" panose="020B0509040201040103" pitchFamily="49" charset="0"/>
+              </a:rPr>
+              <a:t>&lt;&lt;</a:t>
+            </a:r>
+            <a:r>
+              <a:rPr lang="en-US" altLang="ko-KR" b="0" dirty="0">
+                <a:solidFill>
+                  <a:srgbClr val="3B3B3B"/>
+                </a:solidFill>
+                <a:effectLst/>
+                <a:latin typeface="DM Mono" panose="020B0509040201040103" pitchFamily="49" charset="0"/>
+              </a:rPr>
+              <a:t> </a:t>
+            </a:r>
+            <a:r>
+              <a:rPr lang="en-US" altLang="ko-KR" b="0" dirty="0">
+                <a:solidFill>
+                  <a:srgbClr val="001080"/>
+                </a:solidFill>
+                <a:effectLst/>
+                <a:latin typeface="DM Mono" panose="020B0509040201040103" pitchFamily="49" charset="0"/>
+              </a:rPr>
+              <a:t>n</a:t>
+            </a:r>
+            <a:r>
+              <a:rPr lang="en-US" altLang="ko-KR" b="0" dirty="0">
+                <a:solidFill>
+                  <a:srgbClr val="3B3B3B"/>
+                </a:solidFill>
+                <a:effectLst/>
+                <a:latin typeface="DM Mono" panose="020B0509040201040103" pitchFamily="49" charset="0"/>
+              </a:rPr>
+              <a:t> </a:t>
+            </a:r>
+            <a:r>
+              <a:rPr lang="en-US" altLang="ko-KR" b="0" dirty="0">
+                <a:solidFill>
+                  <a:srgbClr val="795E26"/>
+                </a:solidFill>
+                <a:effectLst/>
+                <a:latin typeface="DM Mono" panose="020B0509040201040103" pitchFamily="49" charset="0"/>
+              </a:rPr>
+              <a:t>&lt;&lt;</a:t>
+            </a:r>
+            <a:r>
+              <a:rPr lang="en-US" altLang="ko-KR" b="0" dirty="0">
+                <a:solidFill>
+                  <a:srgbClr val="3B3B3B"/>
+                </a:solidFill>
+                <a:effectLst/>
+                <a:latin typeface="DM Mono" panose="020B0509040201040103" pitchFamily="49" charset="0"/>
+              </a:rPr>
+              <a:t> </a:t>
+            </a:r>
+            <a:r>
+              <a:rPr lang="en-US" altLang="ko-KR" b="0" dirty="0" err="1">
+                <a:solidFill>
+                  <a:srgbClr val="795E26"/>
+                </a:solidFill>
+                <a:effectLst/>
+                <a:latin typeface="DM Mono" panose="020B0509040201040103" pitchFamily="49" charset="0"/>
+              </a:rPr>
+              <a:t>endl</a:t>
+            </a:r>
+            <a:r>
+              <a:rPr lang="en-US" altLang="ko-KR" b="0" dirty="0">
+                <a:solidFill>
+                  <a:srgbClr val="3B3B3B"/>
+                </a:solidFill>
+                <a:effectLst/>
+                <a:latin typeface="DM Mono" panose="020B0509040201040103" pitchFamily="49" charset="0"/>
+              </a:rPr>
+              <a:t>;</a:t>
+            </a:r>
+          </a:p>
+          <a:p>
+            <a:pPr>
+              <a:lnSpc>
+                <a:spcPts val="2850"/>
+              </a:lnSpc>
+              <a:buNone/>
+            </a:pPr>
+            <a:r>
+              <a:rPr lang="en-US" altLang="ko-KR" b="0" dirty="0" err="1">
+                <a:solidFill>
+                  <a:srgbClr val="001080"/>
+                </a:solidFill>
+                <a:effectLst/>
+                <a:latin typeface="DM Mono" panose="020B0509040201040103" pitchFamily="49" charset="0"/>
+              </a:rPr>
+              <a:t>cout</a:t>
+            </a:r>
+            <a:r>
+              <a:rPr lang="en-US" altLang="ko-KR" b="0" dirty="0">
+                <a:solidFill>
+                  <a:srgbClr val="3B3B3B"/>
+                </a:solidFill>
+                <a:effectLst/>
+                <a:latin typeface="DM Mono" panose="020B0509040201040103" pitchFamily="49" charset="0"/>
+              </a:rPr>
+              <a:t> </a:t>
+            </a:r>
+            <a:r>
+              <a:rPr lang="en-US" altLang="ko-KR" b="0" dirty="0">
+                <a:solidFill>
+                  <a:srgbClr val="795E26"/>
+                </a:solidFill>
+                <a:effectLst/>
+                <a:latin typeface="DM Mono" panose="020B0509040201040103" pitchFamily="49" charset="0"/>
+              </a:rPr>
+              <a:t>&lt;&lt;</a:t>
+            </a:r>
+            <a:r>
+              <a:rPr lang="en-US" altLang="ko-KR" b="0" dirty="0">
+                <a:solidFill>
+                  <a:srgbClr val="3B3B3B"/>
+                </a:solidFill>
+                <a:effectLst/>
+                <a:latin typeface="DM Mono" panose="020B0509040201040103" pitchFamily="49" charset="0"/>
+              </a:rPr>
+              <a:t> </a:t>
+            </a:r>
+            <a:r>
+              <a:rPr lang="en-US" altLang="ko-KR" b="0" dirty="0" err="1">
+                <a:solidFill>
+                  <a:srgbClr val="001080"/>
+                </a:solidFill>
+                <a:effectLst/>
+                <a:latin typeface="DM Mono" panose="020B0509040201040103" pitchFamily="49" charset="0"/>
+              </a:rPr>
+              <a:t>rn</a:t>
+            </a:r>
+            <a:r>
+              <a:rPr lang="en-US" altLang="ko-KR" b="0" dirty="0">
+                <a:solidFill>
+                  <a:srgbClr val="3B3B3B"/>
+                </a:solidFill>
+                <a:effectLst/>
+                <a:latin typeface="DM Mono" panose="020B0509040201040103" pitchFamily="49" charset="0"/>
+              </a:rPr>
+              <a:t> </a:t>
+            </a:r>
+            <a:r>
+              <a:rPr lang="en-US" altLang="ko-KR" b="0" dirty="0">
+                <a:solidFill>
+                  <a:srgbClr val="795E26"/>
+                </a:solidFill>
+                <a:effectLst/>
+                <a:latin typeface="DM Mono" panose="020B0509040201040103" pitchFamily="49" charset="0"/>
+              </a:rPr>
+              <a:t>&lt;&lt;</a:t>
+            </a:r>
+            <a:r>
+              <a:rPr lang="en-US" altLang="ko-KR" b="0" dirty="0">
+                <a:solidFill>
+                  <a:srgbClr val="3B3B3B"/>
+                </a:solidFill>
+                <a:effectLst/>
+                <a:latin typeface="DM Mono" panose="020B0509040201040103" pitchFamily="49" charset="0"/>
+              </a:rPr>
+              <a:t> </a:t>
+            </a:r>
+            <a:r>
+              <a:rPr lang="en-US" altLang="ko-KR" b="0" dirty="0" err="1">
+                <a:solidFill>
+                  <a:srgbClr val="795E26"/>
+                </a:solidFill>
+                <a:effectLst/>
+                <a:latin typeface="DM Mono" panose="020B0509040201040103" pitchFamily="49" charset="0"/>
+              </a:rPr>
+              <a:t>endl</a:t>
+            </a:r>
+            <a:r>
+              <a:rPr lang="en-US" altLang="ko-KR" b="0" dirty="0">
+                <a:solidFill>
+                  <a:srgbClr val="3B3B3B"/>
+                </a:solidFill>
+                <a:effectLst/>
+                <a:latin typeface="DM Mono" panose="020B0509040201040103" pitchFamily="49" charset="0"/>
+              </a:rPr>
+              <a:t>;</a:t>
+            </a:r>
+          </a:p>
+          <a:p>
+            <a:pPr>
+              <a:lnSpc>
+                <a:spcPts val="2850"/>
+              </a:lnSpc>
+            </a:pPr>
+            <a:r>
+              <a:rPr lang="en-US" altLang="ko-KR" b="0" dirty="0">
+                <a:solidFill>
+                  <a:srgbClr val="3B3B3B"/>
+                </a:solidFill>
+                <a:effectLst/>
+                <a:latin typeface="DM Mono" panose="020B0509040201040103" pitchFamily="49" charset="0"/>
+              </a:rPr>
+              <a:t>}</a:t>
+            </a:r>
+          </a:p>
+        </p:txBody>
+      </p:sp>
+      <p:sp>
+        <p:nvSpPr>
+          <p:cNvPr id="6" name="직사각형 5">
+            <a:extLst>
+              <a:ext uri="{FF2B5EF4-FFF2-40B4-BE49-F238E27FC236}">
+                <a16:creationId xmlns:a16="http://schemas.microsoft.com/office/drawing/2014/main" id="{ABBA1CAD-F5D7-2282-CF55-309A2DF7FF12}"/>
+              </a:ext>
+            </a:extLst>
+          </p:cNvPr>
+          <p:cNvSpPr/>
+          <p:nvPr/>
+        </p:nvSpPr>
+        <p:spPr>
+          <a:xfrm>
+            <a:off x="4969042" y="1022684"/>
+            <a:ext cx="6112042" cy="4896853"/>
+          </a:xfrm>
+          <a:prstGeom prst="rect">
+            <a:avLst/>
+          </a:prstGeom>
+          <a:solidFill>
+            <a:schemeClr val="bg1"/>
+          </a:solidFill>
+        </p:spPr>
+        <p:style>
+          <a:lnRef idx="2">
+            <a:schemeClr val="accent1">
+              <a:shade val="15000"/>
+            </a:schemeClr>
+          </a:lnRef>
+          <a:fillRef idx="1">
+            <a:schemeClr val="accent1"/>
+          </a:fillRef>
+          <a:effectRef idx="0">
+            <a:schemeClr val="accent1"/>
+          </a:effectRef>
+          <a:fontRef idx="minor">
+            <a:schemeClr val="lt1"/>
+          </a:fontRef>
+        </p:style>
+        <p:txBody>
+          <a:bodyPr rtlCol="0" anchor="ctr"/>
+          <a:lstStyle/>
+          <a:p>
+            <a:pPr algn="ctr"/>
+            <a:r>
+              <a:rPr kumimoji="1" lang="en-US" altLang="ko-KR" dirty="0"/>
+              <a:t>0x16ce92c2c</a:t>
+            </a:r>
+            <a:endParaRPr kumimoji="1" lang="ko-KR" altLang="en-US" dirty="0"/>
+          </a:p>
+        </p:txBody>
+      </p:sp>
+      <p:sp>
+        <p:nvSpPr>
+          <p:cNvPr id="7" name="직사각형 6">
+            <a:extLst>
+              <a:ext uri="{FF2B5EF4-FFF2-40B4-BE49-F238E27FC236}">
+                <a16:creationId xmlns:a16="http://schemas.microsoft.com/office/drawing/2014/main" id="{25B32973-CB55-E5A5-D100-2504EACBEB30}"/>
+              </a:ext>
+            </a:extLst>
+          </p:cNvPr>
+          <p:cNvSpPr/>
+          <p:nvPr/>
+        </p:nvSpPr>
+        <p:spPr>
+          <a:xfrm>
+            <a:off x="7098632" y="1769050"/>
+            <a:ext cx="1287379" cy="841803"/>
+          </a:xfrm>
+          <a:prstGeom prst="rect">
+            <a:avLst/>
+          </a:prstGeom>
+        </p:spPr>
+        <p:style>
+          <a:lnRef idx="2">
+            <a:schemeClr val="accent4">
+              <a:shade val="15000"/>
+            </a:schemeClr>
+          </a:lnRef>
+          <a:fillRef idx="1">
+            <a:schemeClr val="accent4"/>
+          </a:fillRef>
+          <a:effectRef idx="0">
+            <a:schemeClr val="accent4"/>
+          </a:effectRef>
+          <a:fontRef idx="minor">
+            <a:schemeClr val="lt1"/>
+          </a:fontRef>
+        </p:style>
+        <p:txBody>
+          <a:bodyPr rtlCol="0" anchor="ctr"/>
+          <a:lstStyle/>
+          <a:p>
+            <a:pPr algn="ctr"/>
+            <a:r>
+              <a:rPr kumimoji="1" lang="en-US" altLang="ko-KR" dirty="0">
+                <a:solidFill>
+                  <a:srgbClr val="FF0000"/>
+                </a:solidFill>
+                <a:latin typeface="DM Mono" panose="020B0509040201040103" pitchFamily="49" charset="0"/>
+              </a:rPr>
+              <a:t>42</a:t>
+            </a:r>
+            <a:endParaRPr kumimoji="1" lang="ko-KR" altLang="en-US" dirty="0">
+              <a:solidFill>
+                <a:srgbClr val="FF0000"/>
+              </a:solidFill>
+              <a:latin typeface="DM Mono" panose="020B0509040201040103" pitchFamily="49" charset="0"/>
+            </a:endParaRPr>
+          </a:p>
+        </p:txBody>
+      </p:sp>
+      <p:sp>
+        <p:nvSpPr>
+          <p:cNvPr id="8" name="TextBox 7">
+            <a:extLst>
+              <a:ext uri="{FF2B5EF4-FFF2-40B4-BE49-F238E27FC236}">
+                <a16:creationId xmlns:a16="http://schemas.microsoft.com/office/drawing/2014/main" id="{1F16FCD3-BD10-0E73-2793-554C7CCF2D76}"/>
+              </a:ext>
+            </a:extLst>
+          </p:cNvPr>
+          <p:cNvSpPr txBox="1"/>
+          <p:nvPr/>
+        </p:nvSpPr>
+        <p:spPr>
+          <a:xfrm>
+            <a:off x="5610225" y="2005285"/>
+            <a:ext cx="1476889" cy="369332"/>
+          </a:xfrm>
+          <a:prstGeom prst="rect">
+            <a:avLst/>
+          </a:prstGeom>
+          <a:noFill/>
+        </p:spPr>
+        <p:txBody>
+          <a:bodyPr wrap="square" rtlCol="0">
+            <a:spAutoFit/>
+          </a:bodyPr>
+          <a:lstStyle/>
+          <a:p>
+            <a:pPr algn="r"/>
+            <a:r>
+              <a:rPr kumimoji="1" lang="en-US" altLang="ko-KR" dirty="0" err="1">
+                <a:latin typeface="DM Mono" panose="020B0509040201040103" pitchFamily="49" charset="0"/>
+              </a:rPr>
+              <a:t>n,</a:t>
+            </a:r>
+            <a:r>
+              <a:rPr kumimoji="1" lang="en-US" altLang="ko-KR" dirty="0" err="1">
+                <a:solidFill>
+                  <a:srgbClr val="FF0000"/>
+                </a:solidFill>
+                <a:latin typeface="DM Mono" panose="020B0509040201040103" pitchFamily="49" charset="0"/>
+              </a:rPr>
+              <a:t>rn</a:t>
+            </a:r>
+            <a:endParaRPr kumimoji="1" lang="ko-KR" altLang="en-US" dirty="0">
+              <a:solidFill>
+                <a:srgbClr val="FF0000"/>
+              </a:solidFill>
+              <a:latin typeface="DM Mono" panose="020B0509040201040103" pitchFamily="49" charset="0"/>
+            </a:endParaRPr>
+          </a:p>
+        </p:txBody>
+      </p:sp>
+      <p:sp>
+        <p:nvSpPr>
+          <p:cNvPr id="10" name="TextBox 9">
+            <a:extLst>
+              <a:ext uri="{FF2B5EF4-FFF2-40B4-BE49-F238E27FC236}">
+                <a16:creationId xmlns:a16="http://schemas.microsoft.com/office/drawing/2014/main" id="{AD15707F-09C8-2184-E16A-9F428D7CC902}"/>
+              </a:ext>
+            </a:extLst>
+          </p:cNvPr>
+          <p:cNvSpPr txBox="1"/>
+          <p:nvPr/>
+        </p:nvSpPr>
+        <p:spPr>
+          <a:xfrm>
+            <a:off x="6321770" y="1398287"/>
+            <a:ext cx="1638300" cy="307777"/>
+          </a:xfrm>
+          <a:prstGeom prst="rect">
+            <a:avLst/>
+          </a:prstGeom>
+          <a:noFill/>
+        </p:spPr>
+        <p:txBody>
+          <a:bodyPr wrap="square">
+            <a:spAutoFit/>
+          </a:bodyPr>
+          <a:lstStyle/>
+          <a:p>
+            <a:r>
+              <a:rPr lang="en-US" altLang="ko-KR" sz="1400" b="1" dirty="0">
+                <a:latin typeface="DM Mono" panose="020B0509040201040103" pitchFamily="49" charset="0"/>
+              </a:rPr>
+              <a:t>0x100</a:t>
+            </a:r>
+            <a:endParaRPr lang="ko-KR" altLang="en-US" sz="1400" b="1" dirty="0">
+              <a:latin typeface="DM Mono" panose="020B0509040201040103" pitchFamily="49" charset="0"/>
+            </a:endParaRPr>
+          </a:p>
+        </p:txBody>
+      </p:sp>
+    </p:spTree>
+    <p:extLst>
+      <p:ext uri="{BB962C8B-B14F-4D97-AF65-F5344CB8AC3E}">
+        <p14:creationId xmlns:p14="http://schemas.microsoft.com/office/powerpoint/2010/main" val="106953864"/>
       </p:ext>
     </p:extLst>
   </p:cSld>

--- a/cpp_250512.pptx
+++ b/cpp_250512.pptx
@@ -13,6 +13,8 @@
     <p:sldId id="261" r:id="rId7"/>
     <p:sldId id="262" r:id="rId8"/>
     <p:sldId id="263" r:id="rId9"/>
+    <p:sldId id="264" r:id="rId10"/>
+    <p:sldId id="265" r:id="rId11"/>
   </p:sldIdLst>
   <p:sldSz cx="12192000" cy="6858000"/>
   <p:notesSz cx="6858000" cy="9144000"/>
@@ -4068,6 +4070,1066 @@
 </p:sld>
 </file>
 
+<file path=ppt/slides/slide10.xml><?xml version="1.0" encoding="utf-8"?>
+<p:sld xmlns:a="http://schemas.openxmlformats.org/drawingml/2006/main" xmlns:r="http://schemas.openxmlformats.org/officeDocument/2006/relationships" xmlns:p="http://schemas.openxmlformats.org/presentationml/2006/main">
+  <p:cSld>
+    <p:spTree>
+      <p:nvGrpSpPr>
+        <p:cNvPr id="1" name="">
+          <a:extLst>
+            <a:ext uri="{FF2B5EF4-FFF2-40B4-BE49-F238E27FC236}">
+              <a16:creationId xmlns:a16="http://schemas.microsoft.com/office/drawing/2014/main" id="{F3629EE4-CCA1-01A5-B67A-81ED392ABCAB}"/>
+            </a:ext>
+          </a:extLst>
+        </p:cNvPr>
+        <p:cNvGrpSpPr/>
+        <p:nvPr/>
+      </p:nvGrpSpPr>
+      <p:grpSpPr>
+        <a:xfrm>
+          <a:off x="0" y="0"/>
+          <a:ext cx="0" cy="0"/>
+          <a:chOff x="0" y="0"/>
+          <a:chExt cx="0" cy="0"/>
+        </a:xfrm>
+      </p:grpSpPr>
+      <p:sp>
+        <p:nvSpPr>
+          <p:cNvPr id="5" name="TextBox 4">
+            <a:extLst>
+              <a:ext uri="{FF2B5EF4-FFF2-40B4-BE49-F238E27FC236}">
+                <a16:creationId xmlns:a16="http://schemas.microsoft.com/office/drawing/2014/main" id="{0E002921-718C-76EA-D63A-90AC3EA5044E}"/>
+              </a:ext>
+            </a:extLst>
+          </p:cNvPr>
+          <p:cNvSpPr txBox="1"/>
+          <p:nvPr/>
+        </p:nvSpPr>
+        <p:spPr>
+          <a:xfrm>
+            <a:off x="383362" y="588935"/>
+            <a:ext cx="6093994" cy="4528099"/>
+          </a:xfrm>
+          <a:prstGeom prst="rect">
+            <a:avLst/>
+          </a:prstGeom>
+          <a:noFill/>
+        </p:spPr>
+        <p:txBody>
+          <a:bodyPr wrap="square">
+            <a:spAutoFit/>
+          </a:bodyPr>
+          <a:lstStyle/>
+          <a:p>
+            <a:pPr>
+              <a:lnSpc>
+                <a:spcPts val="2850"/>
+              </a:lnSpc>
+              <a:buNone/>
+            </a:pPr>
+            <a:r>
+              <a:rPr lang="en-US" altLang="ko-KR" b="0" dirty="0">
+                <a:solidFill>
+                  <a:srgbClr val="0000FF"/>
+                </a:solidFill>
+                <a:effectLst/>
+                <a:latin typeface="DM Mono" panose="020B0509040201040103" pitchFamily="49" charset="0"/>
+              </a:rPr>
+              <a:t>void</a:t>
+            </a:r>
+            <a:r>
+              <a:rPr lang="en-US" altLang="ko-KR" b="0" dirty="0">
+                <a:solidFill>
+                  <a:srgbClr val="3B3B3B"/>
+                </a:solidFill>
+                <a:effectLst/>
+                <a:latin typeface="DM Mono" panose="020B0509040201040103" pitchFamily="49" charset="0"/>
+              </a:rPr>
+              <a:t> </a:t>
+            </a:r>
+            <a:r>
+              <a:rPr lang="en-US" altLang="ko-KR" b="0" dirty="0">
+                <a:solidFill>
+                  <a:srgbClr val="795E26"/>
+                </a:solidFill>
+                <a:effectLst/>
+                <a:latin typeface="DM Mono" panose="020B0509040201040103" pitchFamily="49" charset="0"/>
+              </a:rPr>
+              <a:t>Increment</a:t>
+            </a:r>
+            <a:r>
+              <a:rPr lang="en-US" altLang="ko-KR" b="0" dirty="0">
+                <a:solidFill>
+                  <a:srgbClr val="3B3B3B"/>
+                </a:solidFill>
+                <a:effectLst/>
+                <a:latin typeface="DM Mono" panose="020B0509040201040103" pitchFamily="49" charset="0"/>
+              </a:rPr>
+              <a:t>(</a:t>
+            </a:r>
+            <a:r>
+              <a:rPr lang="en-US" altLang="ko-KR" b="0" dirty="0">
+                <a:solidFill>
+                  <a:srgbClr val="0000FF"/>
+                </a:solidFill>
+                <a:effectLst/>
+                <a:latin typeface="DM Mono" panose="020B0509040201040103" pitchFamily="49" charset="0"/>
+              </a:rPr>
+              <a:t>int</a:t>
+            </a:r>
+            <a:r>
+              <a:rPr lang="en-US" altLang="ko-KR" b="0" dirty="0">
+                <a:solidFill>
+                  <a:srgbClr val="3B3B3B"/>
+                </a:solidFill>
+                <a:effectLst/>
+                <a:latin typeface="DM Mono" panose="020B0509040201040103" pitchFamily="49" charset="0"/>
+              </a:rPr>
+              <a:t> </a:t>
+            </a:r>
+            <a:r>
+              <a:rPr lang="en-US" altLang="ko-KR" b="0" dirty="0">
+                <a:solidFill>
+                  <a:srgbClr val="001080"/>
+                </a:solidFill>
+                <a:effectLst/>
+                <a:latin typeface="DM Mono" panose="020B0509040201040103" pitchFamily="49" charset="0"/>
+              </a:rPr>
+              <a:t>x</a:t>
+            </a:r>
+            <a:r>
+              <a:rPr lang="en-US" altLang="ko-KR" b="0" dirty="0">
+                <a:solidFill>
+                  <a:srgbClr val="3B3B3B"/>
+                </a:solidFill>
+                <a:effectLst/>
+                <a:latin typeface="DM Mono" panose="020B0509040201040103" pitchFamily="49" charset="0"/>
+              </a:rPr>
+              <a:t>)</a:t>
+            </a:r>
+          </a:p>
+          <a:p>
+            <a:pPr>
+              <a:lnSpc>
+                <a:spcPts val="2850"/>
+              </a:lnSpc>
+              <a:buNone/>
+            </a:pPr>
+            <a:r>
+              <a:rPr lang="en-US" altLang="ko-KR" b="0" dirty="0">
+                <a:solidFill>
+                  <a:srgbClr val="3B3B3B"/>
+                </a:solidFill>
+                <a:effectLst/>
+                <a:latin typeface="DM Mono" panose="020B0509040201040103" pitchFamily="49" charset="0"/>
+              </a:rPr>
+              <a:t>{</a:t>
+            </a:r>
+          </a:p>
+          <a:p>
+            <a:pPr>
+              <a:lnSpc>
+                <a:spcPts val="2850"/>
+              </a:lnSpc>
+              <a:buNone/>
+            </a:pPr>
+            <a:r>
+              <a:rPr lang="en-US" altLang="ko-KR" b="0" dirty="0">
+                <a:solidFill>
+                  <a:srgbClr val="000000"/>
+                </a:solidFill>
+                <a:effectLst/>
+                <a:latin typeface="DM Mono" panose="020B0509040201040103" pitchFamily="49" charset="0"/>
+              </a:rPr>
+              <a:t>++</a:t>
+            </a:r>
+            <a:r>
+              <a:rPr lang="en-US" altLang="ko-KR" b="0" dirty="0">
+                <a:solidFill>
+                  <a:srgbClr val="001080"/>
+                </a:solidFill>
+                <a:effectLst/>
+                <a:latin typeface="DM Mono" panose="020B0509040201040103" pitchFamily="49" charset="0"/>
+              </a:rPr>
+              <a:t>x</a:t>
+            </a:r>
+            <a:r>
+              <a:rPr lang="en-US" altLang="ko-KR" b="0" dirty="0">
+                <a:solidFill>
+                  <a:srgbClr val="3B3B3B"/>
+                </a:solidFill>
+                <a:effectLst/>
+                <a:latin typeface="DM Mono" panose="020B0509040201040103" pitchFamily="49" charset="0"/>
+              </a:rPr>
+              <a:t>;</a:t>
+            </a:r>
+          </a:p>
+          <a:p>
+            <a:pPr>
+              <a:lnSpc>
+                <a:spcPts val="2850"/>
+              </a:lnSpc>
+              <a:buNone/>
+            </a:pPr>
+            <a:r>
+              <a:rPr lang="en-US" altLang="ko-KR" b="0" dirty="0">
+                <a:solidFill>
+                  <a:srgbClr val="3B3B3B"/>
+                </a:solidFill>
+                <a:effectLst/>
+                <a:latin typeface="DM Mono" panose="020B0509040201040103" pitchFamily="49" charset="0"/>
+              </a:rPr>
+              <a:t>}</a:t>
+            </a:r>
+          </a:p>
+          <a:p>
+            <a:pPr>
+              <a:lnSpc>
+                <a:spcPts val="2850"/>
+              </a:lnSpc>
+              <a:buNone/>
+            </a:pPr>
+            <a:br>
+              <a:rPr lang="en-US" altLang="ko-KR" b="0" dirty="0">
+                <a:solidFill>
+                  <a:srgbClr val="3B3B3B"/>
+                </a:solidFill>
+                <a:effectLst/>
+                <a:latin typeface="DM Mono" panose="020B0509040201040103" pitchFamily="49" charset="0"/>
+              </a:rPr>
+            </a:br>
+            <a:r>
+              <a:rPr lang="en-US" altLang="ko-KR" b="0" dirty="0">
+                <a:solidFill>
+                  <a:srgbClr val="0000FF"/>
+                </a:solidFill>
+                <a:effectLst/>
+                <a:latin typeface="DM Mono" panose="020B0509040201040103" pitchFamily="49" charset="0"/>
+              </a:rPr>
+              <a:t>int</a:t>
+            </a:r>
+            <a:r>
+              <a:rPr lang="en-US" altLang="ko-KR" b="0" dirty="0">
+                <a:solidFill>
+                  <a:srgbClr val="3B3B3B"/>
+                </a:solidFill>
+                <a:effectLst/>
+                <a:latin typeface="DM Mono" panose="020B0509040201040103" pitchFamily="49" charset="0"/>
+              </a:rPr>
+              <a:t> </a:t>
+            </a:r>
+            <a:r>
+              <a:rPr lang="en-US" altLang="ko-KR" b="0" dirty="0">
+                <a:solidFill>
+                  <a:srgbClr val="795E26"/>
+                </a:solidFill>
+                <a:effectLst/>
+                <a:latin typeface="DM Mono" panose="020B0509040201040103" pitchFamily="49" charset="0"/>
+              </a:rPr>
+              <a:t>main</a:t>
+            </a:r>
+            <a:r>
+              <a:rPr lang="en-US" altLang="ko-KR" b="0" dirty="0">
+                <a:solidFill>
+                  <a:srgbClr val="3B3B3B"/>
+                </a:solidFill>
+                <a:effectLst/>
+                <a:latin typeface="DM Mono" panose="020B0509040201040103" pitchFamily="49" charset="0"/>
+              </a:rPr>
+              <a:t>()</a:t>
+            </a:r>
+          </a:p>
+          <a:p>
+            <a:pPr>
+              <a:lnSpc>
+                <a:spcPts val="2850"/>
+              </a:lnSpc>
+              <a:buNone/>
+            </a:pPr>
+            <a:r>
+              <a:rPr lang="en-US" altLang="ko-KR" b="0" dirty="0">
+                <a:solidFill>
+                  <a:srgbClr val="3B3B3B"/>
+                </a:solidFill>
+                <a:effectLst/>
+                <a:latin typeface="DM Mono" panose="020B0509040201040103" pitchFamily="49" charset="0"/>
+              </a:rPr>
+              <a:t>{</a:t>
+            </a:r>
+          </a:p>
+          <a:p>
+            <a:pPr>
+              <a:lnSpc>
+                <a:spcPts val="2850"/>
+              </a:lnSpc>
+              <a:buNone/>
+            </a:pPr>
+            <a:r>
+              <a:rPr lang="en-US" altLang="ko-KR" b="0" dirty="0">
+                <a:solidFill>
+                  <a:srgbClr val="0000FF"/>
+                </a:solidFill>
+                <a:effectLst/>
+                <a:latin typeface="DM Mono" panose="020B0509040201040103" pitchFamily="49" charset="0"/>
+              </a:rPr>
+              <a:t>int</a:t>
+            </a:r>
+            <a:r>
+              <a:rPr lang="en-US" altLang="ko-KR" b="0" dirty="0">
+                <a:solidFill>
+                  <a:srgbClr val="3B3B3B"/>
+                </a:solidFill>
+                <a:effectLst/>
+                <a:latin typeface="DM Mono" panose="020B0509040201040103" pitchFamily="49" charset="0"/>
+              </a:rPr>
+              <a:t> </a:t>
+            </a:r>
+            <a:r>
+              <a:rPr lang="en-US" altLang="ko-KR" b="0" dirty="0">
+                <a:solidFill>
+                  <a:srgbClr val="001080"/>
+                </a:solidFill>
+                <a:effectLst/>
+                <a:latin typeface="DM Mono" panose="020B0509040201040103" pitchFamily="49" charset="0"/>
+              </a:rPr>
+              <a:t>x</a:t>
+            </a:r>
+            <a:r>
+              <a:rPr lang="en-US" altLang="ko-KR" b="0" dirty="0">
+                <a:solidFill>
+                  <a:srgbClr val="3B3B3B"/>
+                </a:solidFill>
+                <a:effectLst/>
+                <a:latin typeface="DM Mono" panose="020B0509040201040103" pitchFamily="49" charset="0"/>
+              </a:rPr>
+              <a:t> </a:t>
+            </a:r>
+            <a:r>
+              <a:rPr lang="en-US" altLang="ko-KR" b="0" dirty="0">
+                <a:solidFill>
+                  <a:srgbClr val="000000"/>
+                </a:solidFill>
+                <a:effectLst/>
+                <a:latin typeface="DM Mono" panose="020B0509040201040103" pitchFamily="49" charset="0"/>
+              </a:rPr>
+              <a:t>=</a:t>
+            </a:r>
+            <a:r>
+              <a:rPr lang="en-US" altLang="ko-KR" b="0" dirty="0">
+                <a:solidFill>
+                  <a:srgbClr val="3B3B3B"/>
+                </a:solidFill>
+                <a:effectLst/>
+                <a:latin typeface="DM Mono" panose="020B0509040201040103" pitchFamily="49" charset="0"/>
+              </a:rPr>
+              <a:t> </a:t>
+            </a:r>
+            <a:r>
+              <a:rPr lang="en-US" altLang="ko-KR" b="0" dirty="0">
+                <a:solidFill>
+                  <a:srgbClr val="098658"/>
+                </a:solidFill>
+                <a:effectLst/>
+                <a:latin typeface="DM Mono" panose="020B0509040201040103" pitchFamily="49" charset="0"/>
+              </a:rPr>
+              <a:t>10</a:t>
+            </a:r>
+            <a:r>
+              <a:rPr lang="en-US" altLang="ko-KR" b="0" dirty="0">
+                <a:solidFill>
+                  <a:srgbClr val="3B3B3B"/>
+                </a:solidFill>
+                <a:effectLst/>
+                <a:latin typeface="DM Mono" panose="020B0509040201040103" pitchFamily="49" charset="0"/>
+              </a:rPr>
+              <a:t>;</a:t>
+            </a:r>
+          </a:p>
+          <a:p>
+            <a:pPr>
+              <a:lnSpc>
+                <a:spcPts val="2850"/>
+              </a:lnSpc>
+              <a:buNone/>
+            </a:pPr>
+            <a:br>
+              <a:rPr lang="en-US" altLang="ko-KR" b="1" dirty="0">
+                <a:solidFill>
+                  <a:srgbClr val="FF0000"/>
+                </a:solidFill>
+                <a:effectLst/>
+                <a:latin typeface="DM Mono" panose="020B0509040201040103" pitchFamily="49" charset="0"/>
+              </a:rPr>
+            </a:br>
+            <a:r>
+              <a:rPr lang="en-US" altLang="ko-KR" b="1" dirty="0">
+                <a:solidFill>
+                  <a:srgbClr val="FF0000"/>
+                </a:solidFill>
+                <a:effectLst/>
+                <a:latin typeface="DM Mono" panose="020B0509040201040103" pitchFamily="49" charset="0"/>
+              </a:rPr>
+              <a:t>Increment(x);</a:t>
+            </a:r>
+          </a:p>
+          <a:p>
+            <a:pPr>
+              <a:lnSpc>
+                <a:spcPts val="2850"/>
+              </a:lnSpc>
+              <a:buNone/>
+            </a:pPr>
+            <a:r>
+              <a:rPr lang="en-US" altLang="ko-KR" b="0" dirty="0" err="1">
+                <a:solidFill>
+                  <a:srgbClr val="001080"/>
+                </a:solidFill>
+                <a:effectLst/>
+                <a:latin typeface="DM Mono" panose="020B0509040201040103" pitchFamily="49" charset="0"/>
+              </a:rPr>
+              <a:t>cout</a:t>
+            </a:r>
+            <a:r>
+              <a:rPr lang="en-US" altLang="ko-KR" b="0" dirty="0">
+                <a:solidFill>
+                  <a:srgbClr val="3B3B3B"/>
+                </a:solidFill>
+                <a:effectLst/>
+                <a:latin typeface="DM Mono" panose="020B0509040201040103" pitchFamily="49" charset="0"/>
+              </a:rPr>
+              <a:t> </a:t>
+            </a:r>
+            <a:r>
+              <a:rPr lang="en-US" altLang="ko-KR" b="0" dirty="0">
+                <a:solidFill>
+                  <a:srgbClr val="795E26"/>
+                </a:solidFill>
+                <a:effectLst/>
+                <a:latin typeface="DM Mono" panose="020B0509040201040103" pitchFamily="49" charset="0"/>
+              </a:rPr>
+              <a:t>&lt;&lt;</a:t>
+            </a:r>
+            <a:r>
+              <a:rPr lang="en-US" altLang="ko-KR" b="0" dirty="0">
+                <a:solidFill>
+                  <a:srgbClr val="3B3B3B"/>
+                </a:solidFill>
+                <a:effectLst/>
+                <a:latin typeface="DM Mono" panose="020B0509040201040103" pitchFamily="49" charset="0"/>
+              </a:rPr>
+              <a:t> </a:t>
+            </a:r>
+            <a:r>
+              <a:rPr lang="en-US" altLang="ko-KR" b="0" dirty="0">
+                <a:solidFill>
+                  <a:srgbClr val="001080"/>
+                </a:solidFill>
+                <a:effectLst/>
+                <a:latin typeface="DM Mono" panose="020B0509040201040103" pitchFamily="49" charset="0"/>
+              </a:rPr>
+              <a:t>x</a:t>
+            </a:r>
+            <a:r>
+              <a:rPr lang="en-US" altLang="ko-KR" b="0" dirty="0">
+                <a:solidFill>
+                  <a:srgbClr val="3B3B3B"/>
+                </a:solidFill>
+                <a:effectLst/>
+                <a:latin typeface="DM Mono" panose="020B0509040201040103" pitchFamily="49" charset="0"/>
+              </a:rPr>
+              <a:t> </a:t>
+            </a:r>
+            <a:r>
+              <a:rPr lang="en-US" altLang="ko-KR" b="0" dirty="0">
+                <a:solidFill>
+                  <a:srgbClr val="795E26"/>
+                </a:solidFill>
+                <a:effectLst/>
+                <a:latin typeface="DM Mono" panose="020B0509040201040103" pitchFamily="49" charset="0"/>
+              </a:rPr>
+              <a:t>&lt;&lt;</a:t>
+            </a:r>
+            <a:r>
+              <a:rPr lang="en-US" altLang="ko-KR" b="0" dirty="0">
+                <a:solidFill>
+                  <a:srgbClr val="3B3B3B"/>
+                </a:solidFill>
+                <a:effectLst/>
+                <a:latin typeface="DM Mono" panose="020B0509040201040103" pitchFamily="49" charset="0"/>
+              </a:rPr>
+              <a:t> </a:t>
+            </a:r>
+            <a:r>
+              <a:rPr lang="en-US" altLang="ko-KR" b="0" dirty="0" err="1">
+                <a:solidFill>
+                  <a:srgbClr val="795E26"/>
+                </a:solidFill>
+                <a:effectLst/>
+                <a:latin typeface="DM Mono" panose="020B0509040201040103" pitchFamily="49" charset="0"/>
+              </a:rPr>
+              <a:t>endl</a:t>
+            </a:r>
+            <a:r>
+              <a:rPr lang="en-US" altLang="ko-KR" b="0" dirty="0">
+                <a:solidFill>
+                  <a:srgbClr val="3B3B3B"/>
+                </a:solidFill>
+                <a:effectLst/>
+                <a:latin typeface="DM Mono" panose="020B0509040201040103" pitchFamily="49" charset="0"/>
+              </a:rPr>
+              <a:t>;</a:t>
+            </a:r>
+          </a:p>
+          <a:p>
+            <a:pPr>
+              <a:lnSpc>
+                <a:spcPts val="2850"/>
+              </a:lnSpc>
+            </a:pPr>
+            <a:r>
+              <a:rPr lang="en-US" altLang="ko-KR" b="0" dirty="0">
+                <a:solidFill>
+                  <a:srgbClr val="3B3B3B"/>
+                </a:solidFill>
+                <a:effectLst/>
+                <a:latin typeface="DM Mono" panose="020B0509040201040103" pitchFamily="49" charset="0"/>
+              </a:rPr>
+              <a:t>}</a:t>
+            </a:r>
+          </a:p>
+        </p:txBody>
+      </p:sp>
+      <p:sp>
+        <p:nvSpPr>
+          <p:cNvPr id="6" name="직사각형 5">
+            <a:extLst>
+              <a:ext uri="{FF2B5EF4-FFF2-40B4-BE49-F238E27FC236}">
+                <a16:creationId xmlns:a16="http://schemas.microsoft.com/office/drawing/2014/main" id="{45BA196D-7887-834B-0439-E89ED86EF11C}"/>
+              </a:ext>
+            </a:extLst>
+          </p:cNvPr>
+          <p:cNvSpPr/>
+          <p:nvPr/>
+        </p:nvSpPr>
+        <p:spPr>
+          <a:xfrm>
+            <a:off x="4969042" y="3429000"/>
+            <a:ext cx="3793958" cy="2490537"/>
+          </a:xfrm>
+          <a:prstGeom prst="rect">
+            <a:avLst/>
+          </a:prstGeom>
+          <a:solidFill>
+            <a:schemeClr val="bg1"/>
+          </a:solidFill>
+        </p:spPr>
+        <p:style>
+          <a:lnRef idx="2">
+            <a:schemeClr val="accent1">
+              <a:shade val="15000"/>
+            </a:schemeClr>
+          </a:lnRef>
+          <a:fillRef idx="1">
+            <a:schemeClr val="accent1"/>
+          </a:fillRef>
+          <a:effectRef idx="0">
+            <a:schemeClr val="accent1"/>
+          </a:effectRef>
+          <a:fontRef idx="minor">
+            <a:schemeClr val="lt1"/>
+          </a:fontRef>
+        </p:style>
+        <p:txBody>
+          <a:bodyPr rtlCol="0" anchor="ctr"/>
+          <a:lstStyle/>
+          <a:p>
+            <a:pPr algn="ctr"/>
+            <a:r>
+              <a:rPr kumimoji="1" lang="en-US" altLang="ko-KR" dirty="0"/>
+              <a:t>0x16ce92c2c</a:t>
+            </a:r>
+            <a:endParaRPr kumimoji="1" lang="ko-KR" altLang="en-US" dirty="0"/>
+          </a:p>
+        </p:txBody>
+      </p:sp>
+      <p:sp>
+        <p:nvSpPr>
+          <p:cNvPr id="7" name="직사각형 6">
+            <a:extLst>
+              <a:ext uri="{FF2B5EF4-FFF2-40B4-BE49-F238E27FC236}">
+                <a16:creationId xmlns:a16="http://schemas.microsoft.com/office/drawing/2014/main" id="{B351BCE6-3D57-5E05-7CAB-1CBCB3FE553D}"/>
+              </a:ext>
+            </a:extLst>
+          </p:cNvPr>
+          <p:cNvSpPr/>
+          <p:nvPr/>
+        </p:nvSpPr>
+        <p:spPr>
+          <a:xfrm>
+            <a:off x="6260432" y="4491101"/>
+            <a:ext cx="1287379" cy="841803"/>
+          </a:xfrm>
+          <a:prstGeom prst="rect">
+            <a:avLst/>
+          </a:prstGeom>
+        </p:spPr>
+        <p:style>
+          <a:lnRef idx="2">
+            <a:schemeClr val="accent4">
+              <a:shade val="15000"/>
+            </a:schemeClr>
+          </a:lnRef>
+          <a:fillRef idx="1">
+            <a:schemeClr val="accent4"/>
+          </a:fillRef>
+          <a:effectRef idx="0">
+            <a:schemeClr val="accent4"/>
+          </a:effectRef>
+          <a:fontRef idx="minor">
+            <a:schemeClr val="lt1"/>
+          </a:fontRef>
+        </p:style>
+        <p:txBody>
+          <a:bodyPr rtlCol="0" anchor="ctr"/>
+          <a:lstStyle/>
+          <a:p>
+            <a:pPr algn="ctr"/>
+            <a:r>
+              <a:rPr kumimoji="1" lang="en-US" altLang="ko-KR" dirty="0">
+                <a:solidFill>
+                  <a:srgbClr val="FF0000"/>
+                </a:solidFill>
+                <a:latin typeface="DM Mono" panose="020B0509040201040103" pitchFamily="49" charset="0"/>
+              </a:rPr>
+              <a:t>10</a:t>
+            </a:r>
+            <a:endParaRPr kumimoji="1" lang="ko-KR" altLang="en-US" dirty="0">
+              <a:solidFill>
+                <a:srgbClr val="FF0000"/>
+              </a:solidFill>
+              <a:latin typeface="DM Mono" panose="020B0509040201040103" pitchFamily="49" charset="0"/>
+            </a:endParaRPr>
+          </a:p>
+        </p:txBody>
+      </p:sp>
+      <p:sp>
+        <p:nvSpPr>
+          <p:cNvPr id="8" name="TextBox 7">
+            <a:extLst>
+              <a:ext uri="{FF2B5EF4-FFF2-40B4-BE49-F238E27FC236}">
+                <a16:creationId xmlns:a16="http://schemas.microsoft.com/office/drawing/2014/main" id="{5104F9E0-8F2C-9CC0-B490-63BF09210CC8}"/>
+              </a:ext>
+            </a:extLst>
+          </p:cNvPr>
+          <p:cNvSpPr txBox="1"/>
+          <p:nvPr/>
+        </p:nvSpPr>
+        <p:spPr>
+          <a:xfrm>
+            <a:off x="4772025" y="4727336"/>
+            <a:ext cx="1476889" cy="369332"/>
+          </a:xfrm>
+          <a:prstGeom prst="rect">
+            <a:avLst/>
+          </a:prstGeom>
+          <a:noFill/>
+        </p:spPr>
+        <p:txBody>
+          <a:bodyPr wrap="square" rtlCol="0">
+            <a:spAutoFit/>
+          </a:bodyPr>
+          <a:lstStyle/>
+          <a:p>
+            <a:pPr algn="r"/>
+            <a:r>
+              <a:rPr kumimoji="1" lang="en-US" altLang="ko-KR" dirty="0">
+                <a:latin typeface="DM Mono" panose="020B0509040201040103" pitchFamily="49" charset="0"/>
+              </a:rPr>
+              <a:t>x</a:t>
+            </a:r>
+            <a:endParaRPr kumimoji="1" lang="ko-KR" altLang="en-US" dirty="0">
+              <a:solidFill>
+                <a:srgbClr val="FF0000"/>
+              </a:solidFill>
+              <a:latin typeface="DM Mono" panose="020B0509040201040103" pitchFamily="49" charset="0"/>
+            </a:endParaRPr>
+          </a:p>
+        </p:txBody>
+      </p:sp>
+      <p:sp>
+        <p:nvSpPr>
+          <p:cNvPr id="10" name="TextBox 9">
+            <a:extLst>
+              <a:ext uri="{FF2B5EF4-FFF2-40B4-BE49-F238E27FC236}">
+                <a16:creationId xmlns:a16="http://schemas.microsoft.com/office/drawing/2014/main" id="{4A97D919-67AF-3D00-53D5-23A6879A2F58}"/>
+              </a:ext>
+            </a:extLst>
+          </p:cNvPr>
+          <p:cNvSpPr txBox="1"/>
+          <p:nvPr/>
+        </p:nvSpPr>
+        <p:spPr>
+          <a:xfrm>
+            <a:off x="5483570" y="4120338"/>
+            <a:ext cx="1638300" cy="307777"/>
+          </a:xfrm>
+          <a:prstGeom prst="rect">
+            <a:avLst/>
+          </a:prstGeom>
+          <a:noFill/>
+        </p:spPr>
+        <p:txBody>
+          <a:bodyPr wrap="square">
+            <a:spAutoFit/>
+          </a:bodyPr>
+          <a:lstStyle/>
+          <a:p>
+            <a:r>
+              <a:rPr lang="en-US" altLang="ko-KR" sz="1400" b="1" dirty="0">
+                <a:latin typeface="DM Mono" panose="020B0509040201040103" pitchFamily="49" charset="0"/>
+              </a:rPr>
+              <a:t>0x100</a:t>
+            </a:r>
+            <a:endParaRPr lang="ko-KR" altLang="en-US" sz="1400" b="1" dirty="0">
+              <a:latin typeface="DM Mono" panose="020B0509040201040103" pitchFamily="49" charset="0"/>
+            </a:endParaRPr>
+          </a:p>
+        </p:txBody>
+      </p:sp>
+      <p:sp>
+        <p:nvSpPr>
+          <p:cNvPr id="2" name="TextBox 1">
+            <a:extLst>
+              <a:ext uri="{FF2B5EF4-FFF2-40B4-BE49-F238E27FC236}">
+                <a16:creationId xmlns:a16="http://schemas.microsoft.com/office/drawing/2014/main" id="{BFEF1F7B-6FD7-995A-C046-A237AB94614F}"/>
+              </a:ext>
+            </a:extLst>
+          </p:cNvPr>
+          <p:cNvSpPr txBox="1"/>
+          <p:nvPr/>
+        </p:nvSpPr>
+        <p:spPr>
+          <a:xfrm>
+            <a:off x="4969042" y="3058237"/>
+            <a:ext cx="3793958" cy="307777"/>
+          </a:xfrm>
+          <a:prstGeom prst="rect">
+            <a:avLst/>
+          </a:prstGeom>
+          <a:noFill/>
+        </p:spPr>
+        <p:txBody>
+          <a:bodyPr wrap="square">
+            <a:spAutoFit/>
+          </a:bodyPr>
+          <a:lstStyle/>
+          <a:p>
+            <a:pPr algn="ctr"/>
+            <a:r>
+              <a:rPr lang="en-US" altLang="ko-KR" sz="1400" b="1" dirty="0">
+                <a:latin typeface="DM Mono" panose="020B0509040201040103" pitchFamily="49" charset="0"/>
+              </a:rPr>
+              <a:t>main</a:t>
+            </a:r>
+            <a:endParaRPr lang="ko-KR" altLang="en-US" sz="1400" b="1" dirty="0">
+              <a:latin typeface="DM Mono" panose="020B0509040201040103" pitchFamily="49" charset="0"/>
+            </a:endParaRPr>
+          </a:p>
+        </p:txBody>
+      </p:sp>
+      <p:sp>
+        <p:nvSpPr>
+          <p:cNvPr id="3" name="직사각형 2">
+            <a:extLst>
+              <a:ext uri="{FF2B5EF4-FFF2-40B4-BE49-F238E27FC236}">
+                <a16:creationId xmlns:a16="http://schemas.microsoft.com/office/drawing/2014/main" id="{B4BD9C33-EB70-8BB9-3878-9C422FBAF61F}"/>
+              </a:ext>
+            </a:extLst>
+          </p:cNvPr>
+          <p:cNvSpPr/>
+          <p:nvPr/>
+        </p:nvSpPr>
+        <p:spPr>
+          <a:xfrm>
+            <a:off x="7874167" y="750187"/>
+            <a:ext cx="3793958" cy="2490537"/>
+          </a:xfrm>
+          <a:prstGeom prst="rect">
+            <a:avLst/>
+          </a:prstGeom>
+          <a:solidFill>
+            <a:schemeClr val="bg1"/>
+          </a:solidFill>
+        </p:spPr>
+        <p:style>
+          <a:lnRef idx="2">
+            <a:schemeClr val="accent1">
+              <a:shade val="15000"/>
+            </a:schemeClr>
+          </a:lnRef>
+          <a:fillRef idx="1">
+            <a:schemeClr val="accent1"/>
+          </a:fillRef>
+          <a:effectRef idx="0">
+            <a:schemeClr val="accent1"/>
+          </a:effectRef>
+          <a:fontRef idx="minor">
+            <a:schemeClr val="lt1"/>
+          </a:fontRef>
+        </p:style>
+        <p:txBody>
+          <a:bodyPr rtlCol="0" anchor="ctr"/>
+          <a:lstStyle/>
+          <a:p>
+            <a:pPr algn="ctr"/>
+            <a:r>
+              <a:rPr kumimoji="1" lang="en-US" altLang="ko-KR" dirty="0"/>
+              <a:t>0x16ce92c2c</a:t>
+            </a:r>
+            <a:endParaRPr kumimoji="1" lang="ko-KR" altLang="en-US" dirty="0"/>
+          </a:p>
+        </p:txBody>
+      </p:sp>
+      <p:sp>
+        <p:nvSpPr>
+          <p:cNvPr id="4" name="TextBox 3">
+            <a:extLst>
+              <a:ext uri="{FF2B5EF4-FFF2-40B4-BE49-F238E27FC236}">
+                <a16:creationId xmlns:a16="http://schemas.microsoft.com/office/drawing/2014/main" id="{88A5781B-2B88-98C2-686E-8E0892BCB11F}"/>
+              </a:ext>
+            </a:extLst>
+          </p:cNvPr>
+          <p:cNvSpPr txBox="1"/>
+          <p:nvPr/>
+        </p:nvSpPr>
+        <p:spPr>
+          <a:xfrm>
+            <a:off x="7874167" y="379424"/>
+            <a:ext cx="3793958" cy="307777"/>
+          </a:xfrm>
+          <a:prstGeom prst="rect">
+            <a:avLst/>
+          </a:prstGeom>
+          <a:noFill/>
+        </p:spPr>
+        <p:txBody>
+          <a:bodyPr wrap="square">
+            <a:spAutoFit/>
+          </a:bodyPr>
+          <a:lstStyle/>
+          <a:p>
+            <a:pPr algn="ctr"/>
+            <a:r>
+              <a:rPr lang="en-US" altLang="ko-KR" sz="1400" b="1" dirty="0">
+                <a:latin typeface="DM Mono" panose="020B0509040201040103" pitchFamily="49" charset="0"/>
+              </a:rPr>
+              <a:t>Increment</a:t>
+            </a:r>
+            <a:endParaRPr lang="ko-KR" altLang="en-US" sz="1400" b="1" dirty="0">
+              <a:latin typeface="DM Mono" panose="020B0509040201040103" pitchFamily="49" charset="0"/>
+            </a:endParaRPr>
+          </a:p>
+        </p:txBody>
+      </p:sp>
+      <p:sp>
+        <p:nvSpPr>
+          <p:cNvPr id="13" name="직사각형 12">
+            <a:extLst>
+              <a:ext uri="{FF2B5EF4-FFF2-40B4-BE49-F238E27FC236}">
+                <a16:creationId xmlns:a16="http://schemas.microsoft.com/office/drawing/2014/main" id="{2B9261C0-385F-DD35-9314-9142AE57CE18}"/>
+              </a:ext>
+            </a:extLst>
+          </p:cNvPr>
+          <p:cNvSpPr/>
+          <p:nvPr/>
+        </p:nvSpPr>
+        <p:spPr>
+          <a:xfrm>
+            <a:off x="9165557" y="1214501"/>
+            <a:ext cx="1287379" cy="841803"/>
+          </a:xfrm>
+          <a:prstGeom prst="rect">
+            <a:avLst/>
+          </a:prstGeom>
+        </p:spPr>
+        <p:style>
+          <a:lnRef idx="2">
+            <a:schemeClr val="accent4">
+              <a:shade val="15000"/>
+            </a:schemeClr>
+          </a:lnRef>
+          <a:fillRef idx="1">
+            <a:schemeClr val="accent4"/>
+          </a:fillRef>
+          <a:effectRef idx="0">
+            <a:schemeClr val="accent4"/>
+          </a:effectRef>
+          <a:fontRef idx="minor">
+            <a:schemeClr val="lt1"/>
+          </a:fontRef>
+        </p:style>
+        <p:txBody>
+          <a:bodyPr rtlCol="0" anchor="ctr"/>
+          <a:lstStyle/>
+          <a:p>
+            <a:pPr algn="ctr"/>
+            <a:r>
+              <a:rPr kumimoji="1" lang="en-US" altLang="ko-KR" dirty="0">
+                <a:solidFill>
+                  <a:srgbClr val="FF0000"/>
+                </a:solidFill>
+                <a:latin typeface="DM Mono" panose="020B0509040201040103" pitchFamily="49" charset="0"/>
+              </a:rPr>
+              <a:t>10</a:t>
+            </a:r>
+            <a:endParaRPr kumimoji="1" lang="ko-KR" altLang="en-US" dirty="0">
+              <a:solidFill>
+                <a:srgbClr val="FF0000"/>
+              </a:solidFill>
+              <a:latin typeface="DM Mono" panose="020B0509040201040103" pitchFamily="49" charset="0"/>
+            </a:endParaRPr>
+          </a:p>
+        </p:txBody>
+      </p:sp>
+      <p:sp>
+        <p:nvSpPr>
+          <p:cNvPr id="14" name="TextBox 13">
+            <a:extLst>
+              <a:ext uri="{FF2B5EF4-FFF2-40B4-BE49-F238E27FC236}">
+                <a16:creationId xmlns:a16="http://schemas.microsoft.com/office/drawing/2014/main" id="{42D86E7B-6ED5-D4A8-35D3-066A90EBF399}"/>
+              </a:ext>
+            </a:extLst>
+          </p:cNvPr>
+          <p:cNvSpPr txBox="1"/>
+          <p:nvPr/>
+        </p:nvSpPr>
+        <p:spPr>
+          <a:xfrm>
+            <a:off x="7677150" y="1450736"/>
+            <a:ext cx="1476889" cy="369332"/>
+          </a:xfrm>
+          <a:prstGeom prst="rect">
+            <a:avLst/>
+          </a:prstGeom>
+          <a:noFill/>
+        </p:spPr>
+        <p:txBody>
+          <a:bodyPr wrap="square" rtlCol="0">
+            <a:spAutoFit/>
+          </a:bodyPr>
+          <a:lstStyle/>
+          <a:p>
+            <a:pPr algn="r"/>
+            <a:r>
+              <a:rPr kumimoji="1" lang="en-US" altLang="ko-KR" dirty="0">
+                <a:latin typeface="DM Mono" panose="020B0509040201040103" pitchFamily="49" charset="0"/>
+              </a:rPr>
+              <a:t>x</a:t>
+            </a:r>
+            <a:endParaRPr kumimoji="1" lang="ko-KR" altLang="en-US" dirty="0">
+              <a:solidFill>
+                <a:srgbClr val="FF0000"/>
+              </a:solidFill>
+              <a:latin typeface="DM Mono" panose="020B0509040201040103" pitchFamily="49" charset="0"/>
+            </a:endParaRPr>
+          </a:p>
+        </p:txBody>
+      </p:sp>
+      <p:cxnSp>
+        <p:nvCxnSpPr>
+          <p:cNvPr id="16" name="구부러진 연결선[U] 15">
+            <a:extLst>
+              <a:ext uri="{FF2B5EF4-FFF2-40B4-BE49-F238E27FC236}">
+                <a16:creationId xmlns:a16="http://schemas.microsoft.com/office/drawing/2014/main" id="{52655994-2A80-04CF-68B3-D4EF8DC7C1F1}"/>
+              </a:ext>
+            </a:extLst>
+          </p:cNvPr>
+          <p:cNvCxnSpPr>
+            <a:stCxn id="7" idx="3"/>
+            <a:endCxn id="13" idx="2"/>
+          </p:cNvCxnSpPr>
+          <p:nvPr/>
+        </p:nvCxnSpPr>
+        <p:spPr>
+          <a:xfrm flipV="1">
+            <a:off x="7547811" y="2056304"/>
+            <a:ext cx="2261436" cy="2855699"/>
+          </a:xfrm>
+          <a:prstGeom prst="curvedConnector2">
+            <a:avLst/>
+          </a:prstGeom>
+          <a:ln>
+            <a:tailEnd type="triangle"/>
+          </a:ln>
+        </p:spPr>
+        <p:style>
+          <a:lnRef idx="1">
+            <a:schemeClr val="accent1"/>
+          </a:lnRef>
+          <a:fillRef idx="0">
+            <a:schemeClr val="accent1"/>
+          </a:fillRef>
+          <a:effectRef idx="0">
+            <a:schemeClr val="accent1"/>
+          </a:effectRef>
+          <a:fontRef idx="minor">
+            <a:schemeClr val="tx1"/>
+          </a:fontRef>
+        </p:style>
+      </p:cxnSp>
+      <p:sp>
+        <p:nvSpPr>
+          <p:cNvPr id="17" name="TextBox 16">
+            <a:extLst>
+              <a:ext uri="{FF2B5EF4-FFF2-40B4-BE49-F238E27FC236}">
+                <a16:creationId xmlns:a16="http://schemas.microsoft.com/office/drawing/2014/main" id="{8A858103-F089-D6E6-639A-865037C89CF8}"/>
+              </a:ext>
+            </a:extLst>
+          </p:cNvPr>
+          <p:cNvSpPr txBox="1"/>
+          <p:nvPr/>
+        </p:nvSpPr>
+        <p:spPr>
+          <a:xfrm>
+            <a:off x="9311942" y="4120337"/>
+            <a:ext cx="1638300" cy="307777"/>
+          </a:xfrm>
+          <a:prstGeom prst="rect">
+            <a:avLst/>
+          </a:prstGeom>
+          <a:noFill/>
+        </p:spPr>
+        <p:txBody>
+          <a:bodyPr wrap="square">
+            <a:spAutoFit/>
+          </a:bodyPr>
+          <a:lstStyle/>
+          <a:p>
+            <a:r>
+              <a:rPr lang="ko-KR" altLang="en-US" sz="1400" b="1">
+                <a:latin typeface="DM Mono" panose="020B0509040201040103" pitchFamily="49" charset="0"/>
+              </a:rPr>
+              <a:t>복사</a:t>
+            </a:r>
+            <a:endParaRPr lang="ko-KR" altLang="en-US" sz="1400" b="1" dirty="0">
+              <a:latin typeface="DM Mono" panose="020B0509040201040103" pitchFamily="49" charset="0"/>
+            </a:endParaRPr>
+          </a:p>
+        </p:txBody>
+      </p:sp>
+    </p:spTree>
+    <p:extLst>
+      <p:ext uri="{BB962C8B-B14F-4D97-AF65-F5344CB8AC3E}">
+        <p14:creationId xmlns:p14="http://schemas.microsoft.com/office/powerpoint/2010/main" val="4002355235"/>
+      </p:ext>
+    </p:extLst>
+  </p:cSld>
+  <p:clrMapOvr>
+    <a:masterClrMapping/>
+  </p:clrMapOvr>
+</p:sld>
+</file>
+
 <file path=ppt/slides/slide2.xml><?xml version="1.0" encoding="utf-8"?>
 <p:sld xmlns:a="http://schemas.openxmlformats.org/drawingml/2006/main" xmlns:r="http://schemas.openxmlformats.org/officeDocument/2006/relationships" xmlns:p="http://schemas.openxmlformats.org/presentationml/2006/main">
   <p:cSld>
@@ -9779,6 +10841,816 @@
     <p:extLst>
       <p:ext uri="{BB962C8B-B14F-4D97-AF65-F5344CB8AC3E}">
         <p14:creationId xmlns:p14="http://schemas.microsoft.com/office/powerpoint/2010/main" val="106953864"/>
+      </p:ext>
+    </p:extLst>
+  </p:cSld>
+  <p:clrMapOvr>
+    <a:masterClrMapping/>
+  </p:clrMapOvr>
+</p:sld>
+</file>
+
+<file path=ppt/slides/slide9.xml><?xml version="1.0" encoding="utf-8"?>
+<p:sld xmlns:a="http://schemas.openxmlformats.org/drawingml/2006/main" xmlns:r="http://schemas.openxmlformats.org/officeDocument/2006/relationships" xmlns:p="http://schemas.openxmlformats.org/presentationml/2006/main">
+  <p:cSld>
+    <p:spTree>
+      <p:nvGrpSpPr>
+        <p:cNvPr id="1" name="">
+          <a:extLst>
+            <a:ext uri="{FF2B5EF4-FFF2-40B4-BE49-F238E27FC236}">
+              <a16:creationId xmlns:a16="http://schemas.microsoft.com/office/drawing/2014/main" id="{7A41CF95-3D18-905B-2BFE-B8BE6EFECF25}"/>
+            </a:ext>
+          </a:extLst>
+        </p:cNvPr>
+        <p:cNvGrpSpPr/>
+        <p:nvPr/>
+      </p:nvGrpSpPr>
+      <p:grpSpPr>
+        <a:xfrm>
+          <a:off x="0" y="0"/>
+          <a:ext cx="0" cy="0"/>
+          <a:chOff x="0" y="0"/>
+          <a:chExt cx="0" cy="0"/>
+        </a:xfrm>
+      </p:grpSpPr>
+      <p:sp>
+        <p:nvSpPr>
+          <p:cNvPr id="5" name="TextBox 4">
+            <a:extLst>
+              <a:ext uri="{FF2B5EF4-FFF2-40B4-BE49-F238E27FC236}">
+                <a16:creationId xmlns:a16="http://schemas.microsoft.com/office/drawing/2014/main" id="{CD85F590-563E-1F32-9096-AE03E1E4E995}"/>
+              </a:ext>
+            </a:extLst>
+          </p:cNvPr>
+          <p:cNvSpPr txBox="1"/>
+          <p:nvPr/>
+        </p:nvSpPr>
+        <p:spPr>
+          <a:xfrm>
+            <a:off x="383362" y="588935"/>
+            <a:ext cx="6093994" cy="4528099"/>
+          </a:xfrm>
+          <a:prstGeom prst="rect">
+            <a:avLst/>
+          </a:prstGeom>
+          <a:noFill/>
+        </p:spPr>
+        <p:txBody>
+          <a:bodyPr wrap="square">
+            <a:spAutoFit/>
+          </a:bodyPr>
+          <a:lstStyle/>
+          <a:p>
+            <a:pPr>
+              <a:lnSpc>
+                <a:spcPts val="2850"/>
+              </a:lnSpc>
+              <a:buNone/>
+            </a:pPr>
+            <a:r>
+              <a:rPr lang="en-US" altLang="ko-KR" b="0" dirty="0">
+                <a:solidFill>
+                  <a:srgbClr val="0000FF"/>
+                </a:solidFill>
+                <a:effectLst/>
+                <a:latin typeface="DM Mono" panose="020B0509040201040103" pitchFamily="49" charset="0"/>
+              </a:rPr>
+              <a:t>void</a:t>
+            </a:r>
+            <a:r>
+              <a:rPr lang="en-US" altLang="ko-KR" b="0" dirty="0">
+                <a:solidFill>
+                  <a:srgbClr val="3B3B3B"/>
+                </a:solidFill>
+                <a:effectLst/>
+                <a:latin typeface="DM Mono" panose="020B0509040201040103" pitchFamily="49" charset="0"/>
+              </a:rPr>
+              <a:t> </a:t>
+            </a:r>
+            <a:r>
+              <a:rPr lang="en-US" altLang="ko-KR" b="0" dirty="0">
+                <a:solidFill>
+                  <a:srgbClr val="795E26"/>
+                </a:solidFill>
+                <a:effectLst/>
+                <a:latin typeface="DM Mono" panose="020B0509040201040103" pitchFamily="49" charset="0"/>
+              </a:rPr>
+              <a:t>Increment</a:t>
+            </a:r>
+            <a:r>
+              <a:rPr lang="en-US" altLang="ko-KR" b="0" dirty="0">
+                <a:solidFill>
+                  <a:srgbClr val="3B3B3B"/>
+                </a:solidFill>
+                <a:effectLst/>
+                <a:latin typeface="DM Mono" panose="020B0509040201040103" pitchFamily="49" charset="0"/>
+              </a:rPr>
+              <a:t>(</a:t>
+            </a:r>
+            <a:r>
+              <a:rPr lang="en-US" altLang="ko-KR" b="0" dirty="0">
+                <a:solidFill>
+                  <a:srgbClr val="0000FF"/>
+                </a:solidFill>
+                <a:effectLst/>
+                <a:latin typeface="DM Mono" panose="020B0509040201040103" pitchFamily="49" charset="0"/>
+              </a:rPr>
+              <a:t>int</a:t>
+            </a:r>
+            <a:r>
+              <a:rPr lang="en-US" altLang="ko-KR" b="0" dirty="0">
+                <a:solidFill>
+                  <a:srgbClr val="3B3B3B"/>
+                </a:solidFill>
+                <a:effectLst/>
+                <a:latin typeface="DM Mono" panose="020B0509040201040103" pitchFamily="49" charset="0"/>
+              </a:rPr>
+              <a:t> </a:t>
+            </a:r>
+            <a:r>
+              <a:rPr lang="en-US" altLang="ko-KR" b="0" dirty="0">
+                <a:solidFill>
+                  <a:srgbClr val="001080"/>
+                </a:solidFill>
+                <a:effectLst/>
+                <a:latin typeface="DM Mono" panose="020B0509040201040103" pitchFamily="49" charset="0"/>
+              </a:rPr>
+              <a:t>x</a:t>
+            </a:r>
+            <a:r>
+              <a:rPr lang="en-US" altLang="ko-KR" b="0" dirty="0">
+                <a:solidFill>
+                  <a:srgbClr val="3B3B3B"/>
+                </a:solidFill>
+                <a:effectLst/>
+                <a:latin typeface="DM Mono" panose="020B0509040201040103" pitchFamily="49" charset="0"/>
+              </a:rPr>
+              <a:t>)</a:t>
+            </a:r>
+          </a:p>
+          <a:p>
+            <a:pPr>
+              <a:lnSpc>
+                <a:spcPts val="2850"/>
+              </a:lnSpc>
+              <a:buNone/>
+            </a:pPr>
+            <a:r>
+              <a:rPr lang="en-US" altLang="ko-KR" b="0" dirty="0">
+                <a:solidFill>
+                  <a:srgbClr val="3B3B3B"/>
+                </a:solidFill>
+                <a:effectLst/>
+                <a:latin typeface="DM Mono" panose="020B0509040201040103" pitchFamily="49" charset="0"/>
+              </a:rPr>
+              <a:t>{</a:t>
+            </a:r>
+          </a:p>
+          <a:p>
+            <a:pPr>
+              <a:lnSpc>
+                <a:spcPts val="2850"/>
+              </a:lnSpc>
+              <a:buNone/>
+            </a:pPr>
+            <a:r>
+              <a:rPr lang="en-US" altLang="ko-KR" b="0" dirty="0">
+                <a:solidFill>
+                  <a:srgbClr val="000000"/>
+                </a:solidFill>
+                <a:effectLst/>
+                <a:latin typeface="DM Mono" panose="020B0509040201040103" pitchFamily="49" charset="0"/>
+              </a:rPr>
+              <a:t>++</a:t>
+            </a:r>
+            <a:r>
+              <a:rPr lang="en-US" altLang="ko-KR" b="0" dirty="0">
+                <a:solidFill>
+                  <a:srgbClr val="001080"/>
+                </a:solidFill>
+                <a:effectLst/>
+                <a:latin typeface="DM Mono" panose="020B0509040201040103" pitchFamily="49" charset="0"/>
+              </a:rPr>
+              <a:t>x</a:t>
+            </a:r>
+            <a:r>
+              <a:rPr lang="en-US" altLang="ko-KR" b="0" dirty="0">
+                <a:solidFill>
+                  <a:srgbClr val="3B3B3B"/>
+                </a:solidFill>
+                <a:effectLst/>
+                <a:latin typeface="DM Mono" panose="020B0509040201040103" pitchFamily="49" charset="0"/>
+              </a:rPr>
+              <a:t>;</a:t>
+            </a:r>
+          </a:p>
+          <a:p>
+            <a:pPr>
+              <a:lnSpc>
+                <a:spcPts val="2850"/>
+              </a:lnSpc>
+              <a:buNone/>
+            </a:pPr>
+            <a:r>
+              <a:rPr lang="en-US" altLang="ko-KR" b="0" dirty="0">
+                <a:solidFill>
+                  <a:srgbClr val="3B3B3B"/>
+                </a:solidFill>
+                <a:effectLst/>
+                <a:latin typeface="DM Mono" panose="020B0509040201040103" pitchFamily="49" charset="0"/>
+              </a:rPr>
+              <a:t>}</a:t>
+            </a:r>
+          </a:p>
+          <a:p>
+            <a:pPr>
+              <a:lnSpc>
+                <a:spcPts val="2850"/>
+              </a:lnSpc>
+              <a:buNone/>
+            </a:pPr>
+            <a:br>
+              <a:rPr lang="en-US" altLang="ko-KR" b="0" dirty="0">
+                <a:solidFill>
+                  <a:srgbClr val="3B3B3B"/>
+                </a:solidFill>
+                <a:effectLst/>
+                <a:latin typeface="DM Mono" panose="020B0509040201040103" pitchFamily="49" charset="0"/>
+              </a:rPr>
+            </a:br>
+            <a:r>
+              <a:rPr lang="en-US" altLang="ko-KR" b="0" dirty="0">
+                <a:solidFill>
+                  <a:srgbClr val="0000FF"/>
+                </a:solidFill>
+                <a:effectLst/>
+                <a:latin typeface="DM Mono" panose="020B0509040201040103" pitchFamily="49" charset="0"/>
+              </a:rPr>
+              <a:t>int</a:t>
+            </a:r>
+            <a:r>
+              <a:rPr lang="en-US" altLang="ko-KR" b="0" dirty="0">
+                <a:solidFill>
+                  <a:srgbClr val="3B3B3B"/>
+                </a:solidFill>
+                <a:effectLst/>
+                <a:latin typeface="DM Mono" panose="020B0509040201040103" pitchFamily="49" charset="0"/>
+              </a:rPr>
+              <a:t> </a:t>
+            </a:r>
+            <a:r>
+              <a:rPr lang="en-US" altLang="ko-KR" b="0" dirty="0">
+                <a:solidFill>
+                  <a:srgbClr val="795E26"/>
+                </a:solidFill>
+                <a:effectLst/>
+                <a:latin typeface="DM Mono" panose="020B0509040201040103" pitchFamily="49" charset="0"/>
+              </a:rPr>
+              <a:t>main</a:t>
+            </a:r>
+            <a:r>
+              <a:rPr lang="en-US" altLang="ko-KR" b="0" dirty="0">
+                <a:solidFill>
+                  <a:srgbClr val="3B3B3B"/>
+                </a:solidFill>
+                <a:effectLst/>
+                <a:latin typeface="DM Mono" panose="020B0509040201040103" pitchFamily="49" charset="0"/>
+              </a:rPr>
+              <a:t>()</a:t>
+            </a:r>
+          </a:p>
+          <a:p>
+            <a:pPr>
+              <a:lnSpc>
+                <a:spcPts val="2850"/>
+              </a:lnSpc>
+              <a:buNone/>
+            </a:pPr>
+            <a:r>
+              <a:rPr lang="en-US" altLang="ko-KR" b="0" dirty="0">
+                <a:solidFill>
+                  <a:srgbClr val="3B3B3B"/>
+                </a:solidFill>
+                <a:effectLst/>
+                <a:latin typeface="DM Mono" panose="020B0509040201040103" pitchFamily="49" charset="0"/>
+              </a:rPr>
+              <a:t>{</a:t>
+            </a:r>
+          </a:p>
+          <a:p>
+            <a:pPr>
+              <a:lnSpc>
+                <a:spcPts val="2850"/>
+              </a:lnSpc>
+              <a:buNone/>
+            </a:pPr>
+            <a:r>
+              <a:rPr lang="en-US" altLang="ko-KR" b="0" dirty="0">
+                <a:solidFill>
+                  <a:srgbClr val="0000FF"/>
+                </a:solidFill>
+                <a:effectLst/>
+                <a:latin typeface="DM Mono" panose="020B0509040201040103" pitchFamily="49" charset="0"/>
+              </a:rPr>
+              <a:t>int</a:t>
+            </a:r>
+            <a:r>
+              <a:rPr lang="en-US" altLang="ko-KR" b="0" dirty="0">
+                <a:solidFill>
+                  <a:srgbClr val="3B3B3B"/>
+                </a:solidFill>
+                <a:effectLst/>
+                <a:latin typeface="DM Mono" panose="020B0509040201040103" pitchFamily="49" charset="0"/>
+              </a:rPr>
+              <a:t> </a:t>
+            </a:r>
+            <a:r>
+              <a:rPr lang="en-US" altLang="ko-KR" b="0" dirty="0">
+                <a:solidFill>
+                  <a:srgbClr val="001080"/>
+                </a:solidFill>
+                <a:effectLst/>
+                <a:latin typeface="DM Mono" panose="020B0509040201040103" pitchFamily="49" charset="0"/>
+              </a:rPr>
+              <a:t>x</a:t>
+            </a:r>
+            <a:r>
+              <a:rPr lang="en-US" altLang="ko-KR" b="0" dirty="0">
+                <a:solidFill>
+                  <a:srgbClr val="3B3B3B"/>
+                </a:solidFill>
+                <a:effectLst/>
+                <a:latin typeface="DM Mono" panose="020B0509040201040103" pitchFamily="49" charset="0"/>
+              </a:rPr>
+              <a:t> </a:t>
+            </a:r>
+            <a:r>
+              <a:rPr lang="en-US" altLang="ko-KR" b="0" dirty="0">
+                <a:solidFill>
+                  <a:srgbClr val="000000"/>
+                </a:solidFill>
+                <a:effectLst/>
+                <a:latin typeface="DM Mono" panose="020B0509040201040103" pitchFamily="49" charset="0"/>
+              </a:rPr>
+              <a:t>=</a:t>
+            </a:r>
+            <a:r>
+              <a:rPr lang="en-US" altLang="ko-KR" b="0" dirty="0">
+                <a:solidFill>
+                  <a:srgbClr val="3B3B3B"/>
+                </a:solidFill>
+                <a:effectLst/>
+                <a:latin typeface="DM Mono" panose="020B0509040201040103" pitchFamily="49" charset="0"/>
+              </a:rPr>
+              <a:t> </a:t>
+            </a:r>
+            <a:r>
+              <a:rPr lang="en-US" altLang="ko-KR" b="0" dirty="0">
+                <a:solidFill>
+                  <a:srgbClr val="098658"/>
+                </a:solidFill>
+                <a:effectLst/>
+                <a:latin typeface="DM Mono" panose="020B0509040201040103" pitchFamily="49" charset="0"/>
+              </a:rPr>
+              <a:t>10</a:t>
+            </a:r>
+            <a:r>
+              <a:rPr lang="en-US" altLang="ko-KR" b="0" dirty="0">
+                <a:solidFill>
+                  <a:srgbClr val="3B3B3B"/>
+                </a:solidFill>
+                <a:effectLst/>
+                <a:latin typeface="DM Mono" panose="020B0509040201040103" pitchFamily="49" charset="0"/>
+              </a:rPr>
+              <a:t>;</a:t>
+            </a:r>
+          </a:p>
+          <a:p>
+            <a:pPr>
+              <a:lnSpc>
+                <a:spcPts val="2850"/>
+              </a:lnSpc>
+              <a:buNone/>
+            </a:pPr>
+            <a:br>
+              <a:rPr lang="en-US" altLang="ko-KR" b="0" dirty="0">
+                <a:solidFill>
+                  <a:srgbClr val="3B3B3B"/>
+                </a:solidFill>
+                <a:effectLst/>
+                <a:latin typeface="DM Mono" panose="020B0509040201040103" pitchFamily="49" charset="0"/>
+              </a:rPr>
+            </a:br>
+            <a:r>
+              <a:rPr lang="en-US" altLang="ko-KR" b="0" dirty="0">
+                <a:solidFill>
+                  <a:srgbClr val="795E26"/>
+                </a:solidFill>
+                <a:effectLst/>
+                <a:latin typeface="DM Mono" panose="020B0509040201040103" pitchFamily="49" charset="0"/>
+              </a:rPr>
+              <a:t>Increment</a:t>
+            </a:r>
+            <a:r>
+              <a:rPr lang="en-US" altLang="ko-KR" b="0" dirty="0">
+                <a:solidFill>
+                  <a:srgbClr val="3B3B3B"/>
+                </a:solidFill>
+                <a:effectLst/>
+                <a:latin typeface="DM Mono" panose="020B0509040201040103" pitchFamily="49" charset="0"/>
+              </a:rPr>
+              <a:t>(</a:t>
+            </a:r>
+            <a:r>
+              <a:rPr lang="en-US" altLang="ko-KR" b="0" dirty="0">
+                <a:solidFill>
+                  <a:srgbClr val="001080"/>
+                </a:solidFill>
+                <a:effectLst/>
+                <a:latin typeface="DM Mono" panose="020B0509040201040103" pitchFamily="49" charset="0"/>
+              </a:rPr>
+              <a:t>x</a:t>
+            </a:r>
+            <a:r>
+              <a:rPr lang="en-US" altLang="ko-KR" b="0" dirty="0">
+                <a:solidFill>
+                  <a:srgbClr val="3B3B3B"/>
+                </a:solidFill>
+                <a:effectLst/>
+                <a:latin typeface="DM Mono" panose="020B0509040201040103" pitchFamily="49" charset="0"/>
+              </a:rPr>
+              <a:t>);</a:t>
+            </a:r>
+          </a:p>
+          <a:p>
+            <a:pPr>
+              <a:lnSpc>
+                <a:spcPts val="2850"/>
+              </a:lnSpc>
+              <a:buNone/>
+            </a:pPr>
+            <a:r>
+              <a:rPr lang="en-US" altLang="ko-KR" b="0" dirty="0" err="1">
+                <a:solidFill>
+                  <a:srgbClr val="001080"/>
+                </a:solidFill>
+                <a:effectLst/>
+                <a:latin typeface="DM Mono" panose="020B0509040201040103" pitchFamily="49" charset="0"/>
+              </a:rPr>
+              <a:t>cout</a:t>
+            </a:r>
+            <a:r>
+              <a:rPr lang="en-US" altLang="ko-KR" b="0" dirty="0">
+                <a:solidFill>
+                  <a:srgbClr val="3B3B3B"/>
+                </a:solidFill>
+                <a:effectLst/>
+                <a:latin typeface="DM Mono" panose="020B0509040201040103" pitchFamily="49" charset="0"/>
+              </a:rPr>
+              <a:t> </a:t>
+            </a:r>
+            <a:r>
+              <a:rPr lang="en-US" altLang="ko-KR" b="0" dirty="0">
+                <a:solidFill>
+                  <a:srgbClr val="795E26"/>
+                </a:solidFill>
+                <a:effectLst/>
+                <a:latin typeface="DM Mono" panose="020B0509040201040103" pitchFamily="49" charset="0"/>
+              </a:rPr>
+              <a:t>&lt;&lt;</a:t>
+            </a:r>
+            <a:r>
+              <a:rPr lang="en-US" altLang="ko-KR" b="0" dirty="0">
+                <a:solidFill>
+                  <a:srgbClr val="3B3B3B"/>
+                </a:solidFill>
+                <a:effectLst/>
+                <a:latin typeface="DM Mono" panose="020B0509040201040103" pitchFamily="49" charset="0"/>
+              </a:rPr>
+              <a:t> </a:t>
+            </a:r>
+            <a:r>
+              <a:rPr lang="en-US" altLang="ko-KR" b="0" dirty="0">
+                <a:solidFill>
+                  <a:srgbClr val="001080"/>
+                </a:solidFill>
+                <a:effectLst/>
+                <a:latin typeface="DM Mono" panose="020B0509040201040103" pitchFamily="49" charset="0"/>
+              </a:rPr>
+              <a:t>x</a:t>
+            </a:r>
+            <a:r>
+              <a:rPr lang="en-US" altLang="ko-KR" b="0" dirty="0">
+                <a:solidFill>
+                  <a:srgbClr val="3B3B3B"/>
+                </a:solidFill>
+                <a:effectLst/>
+                <a:latin typeface="DM Mono" panose="020B0509040201040103" pitchFamily="49" charset="0"/>
+              </a:rPr>
+              <a:t> </a:t>
+            </a:r>
+            <a:r>
+              <a:rPr lang="en-US" altLang="ko-KR" b="0" dirty="0">
+                <a:solidFill>
+                  <a:srgbClr val="795E26"/>
+                </a:solidFill>
+                <a:effectLst/>
+                <a:latin typeface="DM Mono" panose="020B0509040201040103" pitchFamily="49" charset="0"/>
+              </a:rPr>
+              <a:t>&lt;&lt;</a:t>
+            </a:r>
+            <a:r>
+              <a:rPr lang="en-US" altLang="ko-KR" b="0" dirty="0">
+                <a:solidFill>
+                  <a:srgbClr val="3B3B3B"/>
+                </a:solidFill>
+                <a:effectLst/>
+                <a:latin typeface="DM Mono" panose="020B0509040201040103" pitchFamily="49" charset="0"/>
+              </a:rPr>
+              <a:t> </a:t>
+            </a:r>
+            <a:r>
+              <a:rPr lang="en-US" altLang="ko-KR" b="0" dirty="0" err="1">
+                <a:solidFill>
+                  <a:srgbClr val="795E26"/>
+                </a:solidFill>
+                <a:effectLst/>
+                <a:latin typeface="DM Mono" panose="020B0509040201040103" pitchFamily="49" charset="0"/>
+              </a:rPr>
+              <a:t>endl</a:t>
+            </a:r>
+            <a:r>
+              <a:rPr lang="en-US" altLang="ko-KR" b="0" dirty="0">
+                <a:solidFill>
+                  <a:srgbClr val="3B3B3B"/>
+                </a:solidFill>
+                <a:effectLst/>
+                <a:latin typeface="DM Mono" panose="020B0509040201040103" pitchFamily="49" charset="0"/>
+              </a:rPr>
+              <a:t>;</a:t>
+            </a:r>
+          </a:p>
+          <a:p>
+            <a:pPr>
+              <a:lnSpc>
+                <a:spcPts val="2850"/>
+              </a:lnSpc>
+            </a:pPr>
+            <a:r>
+              <a:rPr lang="en-US" altLang="ko-KR" b="0" dirty="0">
+                <a:solidFill>
+                  <a:srgbClr val="3B3B3B"/>
+                </a:solidFill>
+                <a:effectLst/>
+                <a:latin typeface="DM Mono" panose="020B0509040201040103" pitchFamily="49" charset="0"/>
+              </a:rPr>
+              <a:t>}</a:t>
+            </a:r>
+          </a:p>
+        </p:txBody>
+      </p:sp>
+      <p:sp>
+        <p:nvSpPr>
+          <p:cNvPr id="6" name="직사각형 5">
+            <a:extLst>
+              <a:ext uri="{FF2B5EF4-FFF2-40B4-BE49-F238E27FC236}">
+                <a16:creationId xmlns:a16="http://schemas.microsoft.com/office/drawing/2014/main" id="{0F542004-7E22-35A6-B80B-9912D38A78A6}"/>
+              </a:ext>
+            </a:extLst>
+          </p:cNvPr>
+          <p:cNvSpPr/>
+          <p:nvPr/>
+        </p:nvSpPr>
+        <p:spPr>
+          <a:xfrm>
+            <a:off x="4969042" y="3429000"/>
+            <a:ext cx="3793958" cy="2490537"/>
+          </a:xfrm>
+          <a:prstGeom prst="rect">
+            <a:avLst/>
+          </a:prstGeom>
+          <a:solidFill>
+            <a:schemeClr val="bg1"/>
+          </a:solidFill>
+        </p:spPr>
+        <p:style>
+          <a:lnRef idx="2">
+            <a:schemeClr val="accent1">
+              <a:shade val="15000"/>
+            </a:schemeClr>
+          </a:lnRef>
+          <a:fillRef idx="1">
+            <a:schemeClr val="accent1"/>
+          </a:fillRef>
+          <a:effectRef idx="0">
+            <a:schemeClr val="accent1"/>
+          </a:effectRef>
+          <a:fontRef idx="minor">
+            <a:schemeClr val="lt1"/>
+          </a:fontRef>
+        </p:style>
+        <p:txBody>
+          <a:bodyPr rtlCol="0" anchor="ctr"/>
+          <a:lstStyle/>
+          <a:p>
+            <a:pPr algn="ctr"/>
+            <a:r>
+              <a:rPr kumimoji="1" lang="en-US" altLang="ko-KR" dirty="0"/>
+              <a:t>0x16ce92c2c</a:t>
+            </a:r>
+            <a:endParaRPr kumimoji="1" lang="ko-KR" altLang="en-US" dirty="0"/>
+          </a:p>
+        </p:txBody>
+      </p:sp>
+      <p:sp>
+        <p:nvSpPr>
+          <p:cNvPr id="7" name="직사각형 6">
+            <a:extLst>
+              <a:ext uri="{FF2B5EF4-FFF2-40B4-BE49-F238E27FC236}">
+                <a16:creationId xmlns:a16="http://schemas.microsoft.com/office/drawing/2014/main" id="{0F4CDE11-B895-F0DD-9091-A4BAD68DC766}"/>
+              </a:ext>
+            </a:extLst>
+          </p:cNvPr>
+          <p:cNvSpPr/>
+          <p:nvPr/>
+        </p:nvSpPr>
+        <p:spPr>
+          <a:xfrm>
+            <a:off x="6260432" y="4491101"/>
+            <a:ext cx="1287379" cy="841803"/>
+          </a:xfrm>
+          <a:prstGeom prst="rect">
+            <a:avLst/>
+          </a:prstGeom>
+        </p:spPr>
+        <p:style>
+          <a:lnRef idx="2">
+            <a:schemeClr val="accent4">
+              <a:shade val="15000"/>
+            </a:schemeClr>
+          </a:lnRef>
+          <a:fillRef idx="1">
+            <a:schemeClr val="accent4"/>
+          </a:fillRef>
+          <a:effectRef idx="0">
+            <a:schemeClr val="accent4"/>
+          </a:effectRef>
+          <a:fontRef idx="minor">
+            <a:schemeClr val="lt1"/>
+          </a:fontRef>
+        </p:style>
+        <p:txBody>
+          <a:bodyPr rtlCol="0" anchor="ctr"/>
+          <a:lstStyle/>
+          <a:p>
+            <a:pPr algn="ctr"/>
+            <a:r>
+              <a:rPr kumimoji="1" lang="en-US" altLang="ko-KR" dirty="0">
+                <a:solidFill>
+                  <a:srgbClr val="FF0000"/>
+                </a:solidFill>
+                <a:latin typeface="DM Mono" panose="020B0509040201040103" pitchFamily="49" charset="0"/>
+              </a:rPr>
+              <a:t>10</a:t>
+            </a:r>
+            <a:endParaRPr kumimoji="1" lang="ko-KR" altLang="en-US" dirty="0">
+              <a:solidFill>
+                <a:srgbClr val="FF0000"/>
+              </a:solidFill>
+              <a:latin typeface="DM Mono" panose="020B0509040201040103" pitchFamily="49" charset="0"/>
+            </a:endParaRPr>
+          </a:p>
+        </p:txBody>
+      </p:sp>
+      <p:sp>
+        <p:nvSpPr>
+          <p:cNvPr id="8" name="TextBox 7">
+            <a:extLst>
+              <a:ext uri="{FF2B5EF4-FFF2-40B4-BE49-F238E27FC236}">
+                <a16:creationId xmlns:a16="http://schemas.microsoft.com/office/drawing/2014/main" id="{90B910DA-7847-B1AF-A51C-B75BAAF54009}"/>
+              </a:ext>
+            </a:extLst>
+          </p:cNvPr>
+          <p:cNvSpPr txBox="1"/>
+          <p:nvPr/>
+        </p:nvSpPr>
+        <p:spPr>
+          <a:xfrm>
+            <a:off x="4772025" y="4727336"/>
+            <a:ext cx="1476889" cy="369332"/>
+          </a:xfrm>
+          <a:prstGeom prst="rect">
+            <a:avLst/>
+          </a:prstGeom>
+          <a:noFill/>
+        </p:spPr>
+        <p:txBody>
+          <a:bodyPr wrap="square" rtlCol="0">
+            <a:spAutoFit/>
+          </a:bodyPr>
+          <a:lstStyle/>
+          <a:p>
+            <a:pPr algn="r"/>
+            <a:r>
+              <a:rPr kumimoji="1" lang="en-US" altLang="ko-KR" dirty="0">
+                <a:latin typeface="DM Mono" panose="020B0509040201040103" pitchFamily="49" charset="0"/>
+              </a:rPr>
+              <a:t>x</a:t>
+            </a:r>
+            <a:endParaRPr kumimoji="1" lang="ko-KR" altLang="en-US" dirty="0">
+              <a:solidFill>
+                <a:srgbClr val="FF0000"/>
+              </a:solidFill>
+              <a:latin typeface="DM Mono" panose="020B0509040201040103" pitchFamily="49" charset="0"/>
+            </a:endParaRPr>
+          </a:p>
+        </p:txBody>
+      </p:sp>
+      <p:sp>
+        <p:nvSpPr>
+          <p:cNvPr id="10" name="TextBox 9">
+            <a:extLst>
+              <a:ext uri="{FF2B5EF4-FFF2-40B4-BE49-F238E27FC236}">
+                <a16:creationId xmlns:a16="http://schemas.microsoft.com/office/drawing/2014/main" id="{D517EEDC-AAA2-37A1-6FA6-6FDCA09118EC}"/>
+              </a:ext>
+            </a:extLst>
+          </p:cNvPr>
+          <p:cNvSpPr txBox="1"/>
+          <p:nvPr/>
+        </p:nvSpPr>
+        <p:spPr>
+          <a:xfrm>
+            <a:off x="5483570" y="4120338"/>
+            <a:ext cx="1638300" cy="307777"/>
+          </a:xfrm>
+          <a:prstGeom prst="rect">
+            <a:avLst/>
+          </a:prstGeom>
+          <a:noFill/>
+        </p:spPr>
+        <p:txBody>
+          <a:bodyPr wrap="square">
+            <a:spAutoFit/>
+          </a:bodyPr>
+          <a:lstStyle/>
+          <a:p>
+            <a:r>
+              <a:rPr lang="en-US" altLang="ko-KR" sz="1400" b="1" dirty="0">
+                <a:latin typeface="DM Mono" panose="020B0509040201040103" pitchFamily="49" charset="0"/>
+              </a:rPr>
+              <a:t>0x100</a:t>
+            </a:r>
+            <a:endParaRPr lang="ko-KR" altLang="en-US" sz="1400" b="1" dirty="0">
+              <a:latin typeface="DM Mono" panose="020B0509040201040103" pitchFamily="49" charset="0"/>
+            </a:endParaRPr>
+          </a:p>
+        </p:txBody>
+      </p:sp>
+      <p:sp>
+        <p:nvSpPr>
+          <p:cNvPr id="2" name="TextBox 1">
+            <a:extLst>
+              <a:ext uri="{FF2B5EF4-FFF2-40B4-BE49-F238E27FC236}">
+                <a16:creationId xmlns:a16="http://schemas.microsoft.com/office/drawing/2014/main" id="{BDECF942-744D-7C95-A776-E661D07F9E13}"/>
+              </a:ext>
+            </a:extLst>
+          </p:cNvPr>
+          <p:cNvSpPr txBox="1"/>
+          <p:nvPr/>
+        </p:nvSpPr>
+        <p:spPr>
+          <a:xfrm>
+            <a:off x="4969042" y="3058237"/>
+            <a:ext cx="3793958" cy="307777"/>
+          </a:xfrm>
+          <a:prstGeom prst="rect">
+            <a:avLst/>
+          </a:prstGeom>
+          <a:noFill/>
+        </p:spPr>
+        <p:txBody>
+          <a:bodyPr wrap="square">
+            <a:spAutoFit/>
+          </a:bodyPr>
+          <a:lstStyle/>
+          <a:p>
+            <a:pPr algn="ctr"/>
+            <a:r>
+              <a:rPr lang="en-US" altLang="ko-KR" sz="1400" b="1" dirty="0">
+                <a:latin typeface="DM Mono" panose="020B0509040201040103" pitchFamily="49" charset="0"/>
+              </a:rPr>
+              <a:t>main</a:t>
+            </a:r>
+            <a:endParaRPr lang="ko-KR" altLang="en-US" sz="1400" b="1" dirty="0">
+              <a:latin typeface="DM Mono" panose="020B0509040201040103" pitchFamily="49" charset="0"/>
+            </a:endParaRPr>
+          </a:p>
+        </p:txBody>
+      </p:sp>
+    </p:spTree>
+    <p:extLst>
+      <p:ext uri="{BB962C8B-B14F-4D97-AF65-F5344CB8AC3E}">
+        <p14:creationId xmlns:p14="http://schemas.microsoft.com/office/powerpoint/2010/main" val="55999274"/>
       </p:ext>
     </p:extLst>
   </p:cSld>

--- a/cpp_250512.pptx
+++ b/cpp_250512.pptx
@@ -15,6 +15,8 @@
     <p:sldId id="263" r:id="rId9"/>
     <p:sldId id="264" r:id="rId10"/>
     <p:sldId id="265" r:id="rId11"/>
+    <p:sldId id="266" r:id="rId12"/>
+    <p:sldId id="267" r:id="rId13"/>
   </p:sldIdLst>
   <p:sldSz cx="12192000" cy="6858000"/>
   <p:notesSz cx="6858000" cy="9144000"/>
@@ -5106,14 +5108,11 @@
           <a:lstStyle/>
           <a:p>
             <a:r>
-              <a:rPr lang="ko-KR" altLang="en-US" sz="1400" b="1">
+              <a:rPr lang="ko-KR" altLang="en-US" sz="1400" b="1" dirty="0">
                 <a:latin typeface="DM Mono" panose="020B0509040201040103" pitchFamily="49" charset="0"/>
               </a:rPr>
               <a:t>복사</a:t>
             </a:r>
-            <a:endParaRPr lang="ko-KR" altLang="en-US" sz="1400" b="1" dirty="0">
-              <a:latin typeface="DM Mono" panose="020B0509040201040103" pitchFamily="49" charset="0"/>
-            </a:endParaRPr>
           </a:p>
         </p:txBody>
       </p:sp>
@@ -5121,6 +5120,1803 @@
     <p:extLst>
       <p:ext uri="{BB962C8B-B14F-4D97-AF65-F5344CB8AC3E}">
         <p14:creationId xmlns:p14="http://schemas.microsoft.com/office/powerpoint/2010/main" val="4002355235"/>
+      </p:ext>
+    </p:extLst>
+  </p:cSld>
+  <p:clrMapOvr>
+    <a:masterClrMapping/>
+  </p:clrMapOvr>
+</p:sld>
+</file>
+
+<file path=ppt/slides/slide11.xml><?xml version="1.0" encoding="utf-8"?>
+<p:sld xmlns:a="http://schemas.openxmlformats.org/drawingml/2006/main" xmlns:r="http://schemas.openxmlformats.org/officeDocument/2006/relationships" xmlns:p="http://schemas.openxmlformats.org/presentationml/2006/main">
+  <p:cSld>
+    <p:spTree>
+      <p:nvGrpSpPr>
+        <p:cNvPr id="1" name="">
+          <a:extLst>
+            <a:ext uri="{FF2B5EF4-FFF2-40B4-BE49-F238E27FC236}">
+              <a16:creationId xmlns:a16="http://schemas.microsoft.com/office/drawing/2014/main" id="{30BA5B27-2051-07EF-D213-A6A8D1A53D56}"/>
+            </a:ext>
+          </a:extLst>
+        </p:cNvPr>
+        <p:cNvGrpSpPr/>
+        <p:nvPr/>
+      </p:nvGrpSpPr>
+      <p:grpSpPr>
+        <a:xfrm>
+          <a:off x="0" y="0"/>
+          <a:ext cx="0" cy="0"/>
+          <a:chOff x="0" y="0"/>
+          <a:chExt cx="0" cy="0"/>
+        </a:xfrm>
+      </p:grpSpPr>
+      <p:sp>
+        <p:nvSpPr>
+          <p:cNvPr id="5" name="TextBox 4">
+            <a:extLst>
+              <a:ext uri="{FF2B5EF4-FFF2-40B4-BE49-F238E27FC236}">
+                <a16:creationId xmlns:a16="http://schemas.microsoft.com/office/drawing/2014/main" id="{0AB8EFFB-9A4C-F311-9117-4D26BC138CA6}"/>
+              </a:ext>
+            </a:extLst>
+          </p:cNvPr>
+          <p:cNvSpPr txBox="1"/>
+          <p:nvPr/>
+        </p:nvSpPr>
+        <p:spPr>
+          <a:xfrm>
+            <a:off x="383362" y="588935"/>
+            <a:ext cx="6093994" cy="4528099"/>
+          </a:xfrm>
+          <a:prstGeom prst="rect">
+            <a:avLst/>
+          </a:prstGeom>
+          <a:noFill/>
+        </p:spPr>
+        <p:txBody>
+          <a:bodyPr wrap="square">
+            <a:spAutoFit/>
+          </a:bodyPr>
+          <a:lstStyle/>
+          <a:p>
+            <a:pPr>
+              <a:lnSpc>
+                <a:spcPts val="2850"/>
+              </a:lnSpc>
+              <a:buNone/>
+            </a:pPr>
+            <a:r>
+              <a:rPr lang="en-US" altLang="ko-KR" b="0" dirty="0">
+                <a:solidFill>
+                  <a:srgbClr val="0000FF"/>
+                </a:solidFill>
+                <a:effectLst/>
+                <a:latin typeface="DM Mono" panose="020B0509040201040103" pitchFamily="49" charset="0"/>
+              </a:rPr>
+              <a:t>void</a:t>
+            </a:r>
+            <a:r>
+              <a:rPr lang="en-US" altLang="ko-KR" b="0" dirty="0">
+                <a:solidFill>
+                  <a:srgbClr val="3B3B3B"/>
+                </a:solidFill>
+                <a:effectLst/>
+                <a:latin typeface="DM Mono" panose="020B0509040201040103" pitchFamily="49" charset="0"/>
+              </a:rPr>
+              <a:t> </a:t>
+            </a:r>
+            <a:r>
+              <a:rPr lang="en-US" altLang="ko-KR" b="0" dirty="0">
+                <a:solidFill>
+                  <a:srgbClr val="795E26"/>
+                </a:solidFill>
+                <a:effectLst/>
+                <a:latin typeface="DM Mono" panose="020B0509040201040103" pitchFamily="49" charset="0"/>
+              </a:rPr>
+              <a:t>Increment</a:t>
+            </a:r>
+            <a:r>
+              <a:rPr lang="en-US" altLang="ko-KR" b="0" dirty="0">
+                <a:solidFill>
+                  <a:srgbClr val="3B3B3B"/>
+                </a:solidFill>
+                <a:effectLst/>
+                <a:latin typeface="DM Mono" panose="020B0509040201040103" pitchFamily="49" charset="0"/>
+              </a:rPr>
+              <a:t>(</a:t>
+            </a:r>
+            <a:r>
+              <a:rPr lang="en-US" altLang="ko-KR" b="0" dirty="0">
+                <a:solidFill>
+                  <a:srgbClr val="0000FF"/>
+                </a:solidFill>
+                <a:effectLst/>
+                <a:latin typeface="DM Mono" panose="020B0509040201040103" pitchFamily="49" charset="0"/>
+              </a:rPr>
+              <a:t>int</a:t>
+            </a:r>
+            <a:r>
+              <a:rPr lang="en-US" altLang="ko-KR" b="0" dirty="0">
+                <a:solidFill>
+                  <a:srgbClr val="3B3B3B"/>
+                </a:solidFill>
+                <a:effectLst/>
+                <a:latin typeface="DM Mono" panose="020B0509040201040103" pitchFamily="49" charset="0"/>
+              </a:rPr>
+              <a:t> </a:t>
+            </a:r>
+            <a:r>
+              <a:rPr lang="en-US" altLang="ko-KR" b="0" dirty="0">
+                <a:solidFill>
+                  <a:srgbClr val="001080"/>
+                </a:solidFill>
+                <a:effectLst/>
+                <a:latin typeface="DM Mono" panose="020B0509040201040103" pitchFamily="49" charset="0"/>
+              </a:rPr>
+              <a:t>x</a:t>
+            </a:r>
+            <a:r>
+              <a:rPr lang="en-US" altLang="ko-KR" b="0" dirty="0">
+                <a:solidFill>
+                  <a:srgbClr val="3B3B3B"/>
+                </a:solidFill>
+                <a:effectLst/>
+                <a:latin typeface="DM Mono" panose="020B0509040201040103" pitchFamily="49" charset="0"/>
+              </a:rPr>
+              <a:t>)</a:t>
+            </a:r>
+          </a:p>
+          <a:p>
+            <a:pPr>
+              <a:lnSpc>
+                <a:spcPts val="2850"/>
+              </a:lnSpc>
+              <a:buNone/>
+            </a:pPr>
+            <a:r>
+              <a:rPr lang="en-US" altLang="ko-KR" b="0" dirty="0">
+                <a:solidFill>
+                  <a:srgbClr val="3B3B3B"/>
+                </a:solidFill>
+                <a:effectLst/>
+                <a:latin typeface="DM Mono" panose="020B0509040201040103" pitchFamily="49" charset="0"/>
+              </a:rPr>
+              <a:t>{</a:t>
+            </a:r>
+          </a:p>
+          <a:p>
+            <a:pPr>
+              <a:lnSpc>
+                <a:spcPts val="2850"/>
+              </a:lnSpc>
+              <a:buNone/>
+            </a:pPr>
+            <a:r>
+              <a:rPr lang="en-US" altLang="ko-KR" b="0" dirty="0">
+                <a:solidFill>
+                  <a:srgbClr val="FF0000"/>
+                </a:solidFill>
+                <a:effectLst/>
+                <a:latin typeface="DM Mono" panose="020B0509040201040103" pitchFamily="49" charset="0"/>
+              </a:rPr>
+              <a:t>++x;</a:t>
+            </a:r>
+          </a:p>
+          <a:p>
+            <a:pPr>
+              <a:lnSpc>
+                <a:spcPts val="2850"/>
+              </a:lnSpc>
+              <a:buNone/>
+            </a:pPr>
+            <a:r>
+              <a:rPr lang="en-US" altLang="ko-KR" b="0" dirty="0">
+                <a:solidFill>
+                  <a:srgbClr val="3B3B3B"/>
+                </a:solidFill>
+                <a:effectLst/>
+                <a:latin typeface="DM Mono" panose="020B0509040201040103" pitchFamily="49" charset="0"/>
+              </a:rPr>
+              <a:t>}</a:t>
+            </a:r>
+          </a:p>
+          <a:p>
+            <a:pPr>
+              <a:lnSpc>
+                <a:spcPts val="2850"/>
+              </a:lnSpc>
+              <a:buNone/>
+            </a:pPr>
+            <a:br>
+              <a:rPr lang="en-US" altLang="ko-KR" b="0" dirty="0">
+                <a:solidFill>
+                  <a:srgbClr val="3B3B3B"/>
+                </a:solidFill>
+                <a:effectLst/>
+                <a:latin typeface="DM Mono" panose="020B0509040201040103" pitchFamily="49" charset="0"/>
+              </a:rPr>
+            </a:br>
+            <a:r>
+              <a:rPr lang="en-US" altLang="ko-KR" b="0" dirty="0">
+                <a:solidFill>
+                  <a:srgbClr val="0000FF"/>
+                </a:solidFill>
+                <a:effectLst/>
+                <a:latin typeface="DM Mono" panose="020B0509040201040103" pitchFamily="49" charset="0"/>
+              </a:rPr>
+              <a:t>int</a:t>
+            </a:r>
+            <a:r>
+              <a:rPr lang="en-US" altLang="ko-KR" b="0" dirty="0">
+                <a:solidFill>
+                  <a:srgbClr val="3B3B3B"/>
+                </a:solidFill>
+                <a:effectLst/>
+                <a:latin typeface="DM Mono" panose="020B0509040201040103" pitchFamily="49" charset="0"/>
+              </a:rPr>
+              <a:t> </a:t>
+            </a:r>
+            <a:r>
+              <a:rPr lang="en-US" altLang="ko-KR" b="0" dirty="0">
+                <a:solidFill>
+                  <a:srgbClr val="795E26"/>
+                </a:solidFill>
+                <a:effectLst/>
+                <a:latin typeface="DM Mono" panose="020B0509040201040103" pitchFamily="49" charset="0"/>
+              </a:rPr>
+              <a:t>main</a:t>
+            </a:r>
+            <a:r>
+              <a:rPr lang="en-US" altLang="ko-KR" b="0" dirty="0">
+                <a:solidFill>
+                  <a:srgbClr val="3B3B3B"/>
+                </a:solidFill>
+                <a:effectLst/>
+                <a:latin typeface="DM Mono" panose="020B0509040201040103" pitchFamily="49" charset="0"/>
+              </a:rPr>
+              <a:t>()</a:t>
+            </a:r>
+          </a:p>
+          <a:p>
+            <a:pPr>
+              <a:lnSpc>
+                <a:spcPts val="2850"/>
+              </a:lnSpc>
+              <a:buNone/>
+            </a:pPr>
+            <a:r>
+              <a:rPr lang="en-US" altLang="ko-KR" b="0" dirty="0">
+                <a:solidFill>
+                  <a:srgbClr val="3B3B3B"/>
+                </a:solidFill>
+                <a:effectLst/>
+                <a:latin typeface="DM Mono" panose="020B0509040201040103" pitchFamily="49" charset="0"/>
+              </a:rPr>
+              <a:t>{</a:t>
+            </a:r>
+          </a:p>
+          <a:p>
+            <a:pPr>
+              <a:lnSpc>
+                <a:spcPts val="2850"/>
+              </a:lnSpc>
+              <a:buNone/>
+            </a:pPr>
+            <a:r>
+              <a:rPr lang="en-US" altLang="ko-KR" b="0" dirty="0">
+                <a:solidFill>
+                  <a:srgbClr val="0000FF"/>
+                </a:solidFill>
+                <a:effectLst/>
+                <a:latin typeface="DM Mono" panose="020B0509040201040103" pitchFamily="49" charset="0"/>
+              </a:rPr>
+              <a:t>int</a:t>
+            </a:r>
+            <a:r>
+              <a:rPr lang="en-US" altLang="ko-KR" b="0" dirty="0">
+                <a:solidFill>
+                  <a:srgbClr val="3B3B3B"/>
+                </a:solidFill>
+                <a:effectLst/>
+                <a:latin typeface="DM Mono" panose="020B0509040201040103" pitchFamily="49" charset="0"/>
+              </a:rPr>
+              <a:t> </a:t>
+            </a:r>
+            <a:r>
+              <a:rPr lang="en-US" altLang="ko-KR" b="0" dirty="0">
+                <a:solidFill>
+                  <a:srgbClr val="001080"/>
+                </a:solidFill>
+                <a:effectLst/>
+                <a:latin typeface="DM Mono" panose="020B0509040201040103" pitchFamily="49" charset="0"/>
+              </a:rPr>
+              <a:t>x</a:t>
+            </a:r>
+            <a:r>
+              <a:rPr lang="en-US" altLang="ko-KR" b="0" dirty="0">
+                <a:solidFill>
+                  <a:srgbClr val="3B3B3B"/>
+                </a:solidFill>
+                <a:effectLst/>
+                <a:latin typeface="DM Mono" panose="020B0509040201040103" pitchFamily="49" charset="0"/>
+              </a:rPr>
+              <a:t> </a:t>
+            </a:r>
+            <a:r>
+              <a:rPr lang="en-US" altLang="ko-KR" b="0" dirty="0">
+                <a:solidFill>
+                  <a:srgbClr val="000000"/>
+                </a:solidFill>
+                <a:effectLst/>
+                <a:latin typeface="DM Mono" panose="020B0509040201040103" pitchFamily="49" charset="0"/>
+              </a:rPr>
+              <a:t>=</a:t>
+            </a:r>
+            <a:r>
+              <a:rPr lang="en-US" altLang="ko-KR" b="0" dirty="0">
+                <a:solidFill>
+                  <a:srgbClr val="3B3B3B"/>
+                </a:solidFill>
+                <a:effectLst/>
+                <a:latin typeface="DM Mono" panose="020B0509040201040103" pitchFamily="49" charset="0"/>
+              </a:rPr>
+              <a:t> </a:t>
+            </a:r>
+            <a:r>
+              <a:rPr lang="en-US" altLang="ko-KR" b="0" dirty="0">
+                <a:solidFill>
+                  <a:srgbClr val="098658"/>
+                </a:solidFill>
+                <a:effectLst/>
+                <a:latin typeface="DM Mono" panose="020B0509040201040103" pitchFamily="49" charset="0"/>
+              </a:rPr>
+              <a:t>10</a:t>
+            </a:r>
+            <a:r>
+              <a:rPr lang="en-US" altLang="ko-KR" b="0" dirty="0">
+                <a:solidFill>
+                  <a:srgbClr val="3B3B3B"/>
+                </a:solidFill>
+                <a:effectLst/>
+                <a:latin typeface="DM Mono" panose="020B0509040201040103" pitchFamily="49" charset="0"/>
+              </a:rPr>
+              <a:t>;</a:t>
+            </a:r>
+          </a:p>
+          <a:p>
+            <a:pPr>
+              <a:lnSpc>
+                <a:spcPts val="2850"/>
+              </a:lnSpc>
+              <a:buNone/>
+            </a:pPr>
+            <a:br>
+              <a:rPr lang="en-US" altLang="ko-KR" b="1" dirty="0">
+                <a:solidFill>
+                  <a:srgbClr val="FF0000"/>
+                </a:solidFill>
+                <a:effectLst/>
+                <a:latin typeface="DM Mono" panose="020B0509040201040103" pitchFamily="49" charset="0"/>
+              </a:rPr>
+            </a:br>
+            <a:r>
+              <a:rPr lang="en-US" altLang="ko-KR" b="1" dirty="0">
+                <a:solidFill>
+                  <a:srgbClr val="FF0000"/>
+                </a:solidFill>
+                <a:effectLst/>
+                <a:latin typeface="DM Mono" panose="020B0509040201040103" pitchFamily="49" charset="0"/>
+              </a:rPr>
+              <a:t>Increment(x);</a:t>
+            </a:r>
+          </a:p>
+          <a:p>
+            <a:pPr>
+              <a:lnSpc>
+                <a:spcPts val="2850"/>
+              </a:lnSpc>
+              <a:buNone/>
+            </a:pPr>
+            <a:r>
+              <a:rPr lang="en-US" altLang="ko-KR" b="0" dirty="0" err="1">
+                <a:solidFill>
+                  <a:srgbClr val="001080"/>
+                </a:solidFill>
+                <a:effectLst/>
+                <a:latin typeface="DM Mono" panose="020B0509040201040103" pitchFamily="49" charset="0"/>
+              </a:rPr>
+              <a:t>cout</a:t>
+            </a:r>
+            <a:r>
+              <a:rPr lang="en-US" altLang="ko-KR" b="0" dirty="0">
+                <a:solidFill>
+                  <a:srgbClr val="3B3B3B"/>
+                </a:solidFill>
+                <a:effectLst/>
+                <a:latin typeface="DM Mono" panose="020B0509040201040103" pitchFamily="49" charset="0"/>
+              </a:rPr>
+              <a:t> </a:t>
+            </a:r>
+            <a:r>
+              <a:rPr lang="en-US" altLang="ko-KR" b="0" dirty="0">
+                <a:solidFill>
+                  <a:srgbClr val="795E26"/>
+                </a:solidFill>
+                <a:effectLst/>
+                <a:latin typeface="DM Mono" panose="020B0509040201040103" pitchFamily="49" charset="0"/>
+              </a:rPr>
+              <a:t>&lt;&lt;</a:t>
+            </a:r>
+            <a:r>
+              <a:rPr lang="en-US" altLang="ko-KR" b="0" dirty="0">
+                <a:solidFill>
+                  <a:srgbClr val="3B3B3B"/>
+                </a:solidFill>
+                <a:effectLst/>
+                <a:latin typeface="DM Mono" panose="020B0509040201040103" pitchFamily="49" charset="0"/>
+              </a:rPr>
+              <a:t> </a:t>
+            </a:r>
+            <a:r>
+              <a:rPr lang="en-US" altLang="ko-KR" b="0" dirty="0">
+                <a:solidFill>
+                  <a:srgbClr val="001080"/>
+                </a:solidFill>
+                <a:effectLst/>
+                <a:latin typeface="DM Mono" panose="020B0509040201040103" pitchFamily="49" charset="0"/>
+              </a:rPr>
+              <a:t>x</a:t>
+            </a:r>
+            <a:r>
+              <a:rPr lang="en-US" altLang="ko-KR" b="0" dirty="0">
+                <a:solidFill>
+                  <a:srgbClr val="3B3B3B"/>
+                </a:solidFill>
+                <a:effectLst/>
+                <a:latin typeface="DM Mono" panose="020B0509040201040103" pitchFamily="49" charset="0"/>
+              </a:rPr>
+              <a:t> </a:t>
+            </a:r>
+            <a:r>
+              <a:rPr lang="en-US" altLang="ko-KR" b="0" dirty="0">
+                <a:solidFill>
+                  <a:srgbClr val="795E26"/>
+                </a:solidFill>
+                <a:effectLst/>
+                <a:latin typeface="DM Mono" panose="020B0509040201040103" pitchFamily="49" charset="0"/>
+              </a:rPr>
+              <a:t>&lt;&lt;</a:t>
+            </a:r>
+            <a:r>
+              <a:rPr lang="en-US" altLang="ko-KR" b="0" dirty="0">
+                <a:solidFill>
+                  <a:srgbClr val="3B3B3B"/>
+                </a:solidFill>
+                <a:effectLst/>
+                <a:latin typeface="DM Mono" panose="020B0509040201040103" pitchFamily="49" charset="0"/>
+              </a:rPr>
+              <a:t> </a:t>
+            </a:r>
+            <a:r>
+              <a:rPr lang="en-US" altLang="ko-KR" b="0" dirty="0" err="1">
+                <a:solidFill>
+                  <a:srgbClr val="795E26"/>
+                </a:solidFill>
+                <a:effectLst/>
+                <a:latin typeface="DM Mono" panose="020B0509040201040103" pitchFamily="49" charset="0"/>
+              </a:rPr>
+              <a:t>endl</a:t>
+            </a:r>
+            <a:r>
+              <a:rPr lang="en-US" altLang="ko-KR" b="0" dirty="0">
+                <a:solidFill>
+                  <a:srgbClr val="3B3B3B"/>
+                </a:solidFill>
+                <a:effectLst/>
+                <a:latin typeface="DM Mono" panose="020B0509040201040103" pitchFamily="49" charset="0"/>
+              </a:rPr>
+              <a:t>;</a:t>
+            </a:r>
+          </a:p>
+          <a:p>
+            <a:pPr>
+              <a:lnSpc>
+                <a:spcPts val="2850"/>
+              </a:lnSpc>
+            </a:pPr>
+            <a:r>
+              <a:rPr lang="en-US" altLang="ko-KR" b="0" dirty="0">
+                <a:solidFill>
+                  <a:srgbClr val="3B3B3B"/>
+                </a:solidFill>
+                <a:effectLst/>
+                <a:latin typeface="DM Mono" panose="020B0509040201040103" pitchFamily="49" charset="0"/>
+              </a:rPr>
+              <a:t>}</a:t>
+            </a:r>
+          </a:p>
+        </p:txBody>
+      </p:sp>
+      <p:sp>
+        <p:nvSpPr>
+          <p:cNvPr id="6" name="직사각형 5">
+            <a:extLst>
+              <a:ext uri="{FF2B5EF4-FFF2-40B4-BE49-F238E27FC236}">
+                <a16:creationId xmlns:a16="http://schemas.microsoft.com/office/drawing/2014/main" id="{AEA4825C-02CD-3ABD-30DD-75228F1F2179}"/>
+              </a:ext>
+            </a:extLst>
+          </p:cNvPr>
+          <p:cNvSpPr/>
+          <p:nvPr/>
+        </p:nvSpPr>
+        <p:spPr>
+          <a:xfrm>
+            <a:off x="4969042" y="3429000"/>
+            <a:ext cx="3793958" cy="2490537"/>
+          </a:xfrm>
+          <a:prstGeom prst="rect">
+            <a:avLst/>
+          </a:prstGeom>
+          <a:solidFill>
+            <a:schemeClr val="bg1"/>
+          </a:solidFill>
+        </p:spPr>
+        <p:style>
+          <a:lnRef idx="2">
+            <a:schemeClr val="accent1">
+              <a:shade val="15000"/>
+            </a:schemeClr>
+          </a:lnRef>
+          <a:fillRef idx="1">
+            <a:schemeClr val="accent1"/>
+          </a:fillRef>
+          <a:effectRef idx="0">
+            <a:schemeClr val="accent1"/>
+          </a:effectRef>
+          <a:fontRef idx="minor">
+            <a:schemeClr val="lt1"/>
+          </a:fontRef>
+        </p:style>
+        <p:txBody>
+          <a:bodyPr rtlCol="0" anchor="ctr"/>
+          <a:lstStyle/>
+          <a:p>
+            <a:pPr algn="ctr"/>
+            <a:r>
+              <a:rPr kumimoji="1" lang="en-US" altLang="ko-KR" dirty="0"/>
+              <a:t>0x16ce92c2c</a:t>
+            </a:r>
+            <a:endParaRPr kumimoji="1" lang="ko-KR" altLang="en-US" dirty="0"/>
+          </a:p>
+        </p:txBody>
+      </p:sp>
+      <p:sp>
+        <p:nvSpPr>
+          <p:cNvPr id="7" name="직사각형 6">
+            <a:extLst>
+              <a:ext uri="{FF2B5EF4-FFF2-40B4-BE49-F238E27FC236}">
+                <a16:creationId xmlns:a16="http://schemas.microsoft.com/office/drawing/2014/main" id="{31F8B0EF-F80B-1DE6-A1AD-67B616D4AD7B}"/>
+              </a:ext>
+            </a:extLst>
+          </p:cNvPr>
+          <p:cNvSpPr/>
+          <p:nvPr/>
+        </p:nvSpPr>
+        <p:spPr>
+          <a:xfrm>
+            <a:off x="6260432" y="4491101"/>
+            <a:ext cx="1287379" cy="841803"/>
+          </a:xfrm>
+          <a:prstGeom prst="rect">
+            <a:avLst/>
+          </a:prstGeom>
+        </p:spPr>
+        <p:style>
+          <a:lnRef idx="2">
+            <a:schemeClr val="accent4">
+              <a:shade val="15000"/>
+            </a:schemeClr>
+          </a:lnRef>
+          <a:fillRef idx="1">
+            <a:schemeClr val="accent4"/>
+          </a:fillRef>
+          <a:effectRef idx="0">
+            <a:schemeClr val="accent4"/>
+          </a:effectRef>
+          <a:fontRef idx="minor">
+            <a:schemeClr val="lt1"/>
+          </a:fontRef>
+        </p:style>
+        <p:txBody>
+          <a:bodyPr rtlCol="0" anchor="ctr"/>
+          <a:lstStyle/>
+          <a:p>
+            <a:pPr algn="ctr"/>
+            <a:r>
+              <a:rPr kumimoji="1" lang="en-US" altLang="ko-KR" dirty="0">
+                <a:solidFill>
+                  <a:srgbClr val="FF0000"/>
+                </a:solidFill>
+                <a:latin typeface="DM Mono" panose="020B0509040201040103" pitchFamily="49" charset="0"/>
+              </a:rPr>
+              <a:t>10</a:t>
+            </a:r>
+            <a:endParaRPr kumimoji="1" lang="ko-KR" altLang="en-US" dirty="0">
+              <a:solidFill>
+                <a:srgbClr val="FF0000"/>
+              </a:solidFill>
+              <a:latin typeface="DM Mono" panose="020B0509040201040103" pitchFamily="49" charset="0"/>
+            </a:endParaRPr>
+          </a:p>
+        </p:txBody>
+      </p:sp>
+      <p:sp>
+        <p:nvSpPr>
+          <p:cNvPr id="8" name="TextBox 7">
+            <a:extLst>
+              <a:ext uri="{FF2B5EF4-FFF2-40B4-BE49-F238E27FC236}">
+                <a16:creationId xmlns:a16="http://schemas.microsoft.com/office/drawing/2014/main" id="{B29991BF-FF7D-33A4-0717-40295CE5356D}"/>
+              </a:ext>
+            </a:extLst>
+          </p:cNvPr>
+          <p:cNvSpPr txBox="1"/>
+          <p:nvPr/>
+        </p:nvSpPr>
+        <p:spPr>
+          <a:xfrm>
+            <a:off x="4772025" y="4727336"/>
+            <a:ext cx="1476889" cy="369332"/>
+          </a:xfrm>
+          <a:prstGeom prst="rect">
+            <a:avLst/>
+          </a:prstGeom>
+          <a:noFill/>
+        </p:spPr>
+        <p:txBody>
+          <a:bodyPr wrap="square" rtlCol="0">
+            <a:spAutoFit/>
+          </a:bodyPr>
+          <a:lstStyle/>
+          <a:p>
+            <a:pPr algn="r"/>
+            <a:r>
+              <a:rPr kumimoji="1" lang="en-US" altLang="ko-KR" dirty="0">
+                <a:latin typeface="DM Mono" panose="020B0509040201040103" pitchFamily="49" charset="0"/>
+              </a:rPr>
+              <a:t>x</a:t>
+            </a:r>
+            <a:endParaRPr kumimoji="1" lang="ko-KR" altLang="en-US" dirty="0">
+              <a:solidFill>
+                <a:srgbClr val="FF0000"/>
+              </a:solidFill>
+              <a:latin typeface="DM Mono" panose="020B0509040201040103" pitchFamily="49" charset="0"/>
+            </a:endParaRPr>
+          </a:p>
+        </p:txBody>
+      </p:sp>
+      <p:sp>
+        <p:nvSpPr>
+          <p:cNvPr id="10" name="TextBox 9">
+            <a:extLst>
+              <a:ext uri="{FF2B5EF4-FFF2-40B4-BE49-F238E27FC236}">
+                <a16:creationId xmlns:a16="http://schemas.microsoft.com/office/drawing/2014/main" id="{2D949259-6595-B51A-25A2-B5994ECC9E01}"/>
+              </a:ext>
+            </a:extLst>
+          </p:cNvPr>
+          <p:cNvSpPr txBox="1"/>
+          <p:nvPr/>
+        </p:nvSpPr>
+        <p:spPr>
+          <a:xfrm>
+            <a:off x="5483570" y="4120338"/>
+            <a:ext cx="1638300" cy="307777"/>
+          </a:xfrm>
+          <a:prstGeom prst="rect">
+            <a:avLst/>
+          </a:prstGeom>
+          <a:noFill/>
+        </p:spPr>
+        <p:txBody>
+          <a:bodyPr wrap="square">
+            <a:spAutoFit/>
+          </a:bodyPr>
+          <a:lstStyle/>
+          <a:p>
+            <a:r>
+              <a:rPr lang="en-US" altLang="ko-KR" sz="1400" b="1" dirty="0">
+                <a:latin typeface="DM Mono" panose="020B0509040201040103" pitchFamily="49" charset="0"/>
+              </a:rPr>
+              <a:t>0x100</a:t>
+            </a:r>
+            <a:endParaRPr lang="ko-KR" altLang="en-US" sz="1400" b="1" dirty="0">
+              <a:latin typeface="DM Mono" panose="020B0509040201040103" pitchFamily="49" charset="0"/>
+            </a:endParaRPr>
+          </a:p>
+        </p:txBody>
+      </p:sp>
+      <p:sp>
+        <p:nvSpPr>
+          <p:cNvPr id="2" name="TextBox 1">
+            <a:extLst>
+              <a:ext uri="{FF2B5EF4-FFF2-40B4-BE49-F238E27FC236}">
+                <a16:creationId xmlns:a16="http://schemas.microsoft.com/office/drawing/2014/main" id="{7E7B3E93-9DA4-FAF6-F919-9980D20E42ED}"/>
+              </a:ext>
+            </a:extLst>
+          </p:cNvPr>
+          <p:cNvSpPr txBox="1"/>
+          <p:nvPr/>
+        </p:nvSpPr>
+        <p:spPr>
+          <a:xfrm>
+            <a:off x="4969042" y="3058237"/>
+            <a:ext cx="3793958" cy="307777"/>
+          </a:xfrm>
+          <a:prstGeom prst="rect">
+            <a:avLst/>
+          </a:prstGeom>
+          <a:noFill/>
+        </p:spPr>
+        <p:txBody>
+          <a:bodyPr wrap="square">
+            <a:spAutoFit/>
+          </a:bodyPr>
+          <a:lstStyle/>
+          <a:p>
+            <a:pPr algn="ctr"/>
+            <a:r>
+              <a:rPr lang="en-US" altLang="ko-KR" sz="1400" b="1" dirty="0">
+                <a:latin typeface="DM Mono" panose="020B0509040201040103" pitchFamily="49" charset="0"/>
+              </a:rPr>
+              <a:t>main</a:t>
+            </a:r>
+            <a:endParaRPr lang="ko-KR" altLang="en-US" sz="1400" b="1" dirty="0">
+              <a:latin typeface="DM Mono" panose="020B0509040201040103" pitchFamily="49" charset="0"/>
+            </a:endParaRPr>
+          </a:p>
+        </p:txBody>
+      </p:sp>
+      <p:sp>
+        <p:nvSpPr>
+          <p:cNvPr id="3" name="직사각형 2">
+            <a:extLst>
+              <a:ext uri="{FF2B5EF4-FFF2-40B4-BE49-F238E27FC236}">
+                <a16:creationId xmlns:a16="http://schemas.microsoft.com/office/drawing/2014/main" id="{4BF34F3E-ABA1-FD03-F26D-BD982CC0088C}"/>
+              </a:ext>
+            </a:extLst>
+          </p:cNvPr>
+          <p:cNvSpPr/>
+          <p:nvPr/>
+        </p:nvSpPr>
+        <p:spPr>
+          <a:xfrm>
+            <a:off x="7874167" y="750187"/>
+            <a:ext cx="3793958" cy="2490537"/>
+          </a:xfrm>
+          <a:prstGeom prst="rect">
+            <a:avLst/>
+          </a:prstGeom>
+          <a:solidFill>
+            <a:schemeClr val="bg1"/>
+          </a:solidFill>
+        </p:spPr>
+        <p:style>
+          <a:lnRef idx="2">
+            <a:schemeClr val="accent1">
+              <a:shade val="15000"/>
+            </a:schemeClr>
+          </a:lnRef>
+          <a:fillRef idx="1">
+            <a:schemeClr val="accent1"/>
+          </a:fillRef>
+          <a:effectRef idx="0">
+            <a:schemeClr val="accent1"/>
+          </a:effectRef>
+          <a:fontRef idx="minor">
+            <a:schemeClr val="lt1"/>
+          </a:fontRef>
+        </p:style>
+        <p:txBody>
+          <a:bodyPr rtlCol="0" anchor="ctr"/>
+          <a:lstStyle/>
+          <a:p>
+            <a:pPr algn="ctr"/>
+            <a:r>
+              <a:rPr kumimoji="1" lang="en-US" altLang="ko-KR" dirty="0"/>
+              <a:t>0x16ce92c2c</a:t>
+            </a:r>
+            <a:endParaRPr kumimoji="1" lang="ko-KR" altLang="en-US" dirty="0"/>
+          </a:p>
+        </p:txBody>
+      </p:sp>
+      <p:sp>
+        <p:nvSpPr>
+          <p:cNvPr id="4" name="TextBox 3">
+            <a:extLst>
+              <a:ext uri="{FF2B5EF4-FFF2-40B4-BE49-F238E27FC236}">
+                <a16:creationId xmlns:a16="http://schemas.microsoft.com/office/drawing/2014/main" id="{4C9E350A-6BB5-9480-E6A3-6B0A80F4E8DE}"/>
+              </a:ext>
+            </a:extLst>
+          </p:cNvPr>
+          <p:cNvSpPr txBox="1"/>
+          <p:nvPr/>
+        </p:nvSpPr>
+        <p:spPr>
+          <a:xfrm>
+            <a:off x="7874167" y="379424"/>
+            <a:ext cx="3793958" cy="307777"/>
+          </a:xfrm>
+          <a:prstGeom prst="rect">
+            <a:avLst/>
+          </a:prstGeom>
+          <a:noFill/>
+        </p:spPr>
+        <p:txBody>
+          <a:bodyPr wrap="square">
+            <a:spAutoFit/>
+          </a:bodyPr>
+          <a:lstStyle/>
+          <a:p>
+            <a:pPr algn="ctr"/>
+            <a:r>
+              <a:rPr lang="en-US" altLang="ko-KR" sz="1400" b="1" dirty="0">
+                <a:latin typeface="DM Mono" panose="020B0509040201040103" pitchFamily="49" charset="0"/>
+              </a:rPr>
+              <a:t>Increment</a:t>
+            </a:r>
+            <a:endParaRPr lang="ko-KR" altLang="en-US" sz="1400" b="1" dirty="0">
+              <a:latin typeface="DM Mono" panose="020B0509040201040103" pitchFamily="49" charset="0"/>
+            </a:endParaRPr>
+          </a:p>
+        </p:txBody>
+      </p:sp>
+      <p:sp>
+        <p:nvSpPr>
+          <p:cNvPr id="13" name="직사각형 12">
+            <a:extLst>
+              <a:ext uri="{FF2B5EF4-FFF2-40B4-BE49-F238E27FC236}">
+                <a16:creationId xmlns:a16="http://schemas.microsoft.com/office/drawing/2014/main" id="{92B0D25F-D1D3-5A25-1041-93E61DF5A317}"/>
+              </a:ext>
+            </a:extLst>
+          </p:cNvPr>
+          <p:cNvSpPr/>
+          <p:nvPr/>
+        </p:nvSpPr>
+        <p:spPr>
+          <a:xfrm>
+            <a:off x="9165557" y="1214501"/>
+            <a:ext cx="1287379" cy="841803"/>
+          </a:xfrm>
+          <a:prstGeom prst="rect">
+            <a:avLst/>
+          </a:prstGeom>
+        </p:spPr>
+        <p:style>
+          <a:lnRef idx="2">
+            <a:schemeClr val="accent4">
+              <a:shade val="15000"/>
+            </a:schemeClr>
+          </a:lnRef>
+          <a:fillRef idx="1">
+            <a:schemeClr val="accent4"/>
+          </a:fillRef>
+          <a:effectRef idx="0">
+            <a:schemeClr val="accent4"/>
+          </a:effectRef>
+          <a:fontRef idx="minor">
+            <a:schemeClr val="lt1"/>
+          </a:fontRef>
+        </p:style>
+        <p:txBody>
+          <a:bodyPr rtlCol="0" anchor="ctr"/>
+          <a:lstStyle/>
+          <a:p>
+            <a:pPr algn="ctr"/>
+            <a:r>
+              <a:rPr kumimoji="1" lang="en-US" altLang="ko-KR" dirty="0">
+                <a:solidFill>
+                  <a:srgbClr val="FF0000"/>
+                </a:solidFill>
+                <a:latin typeface="DM Mono" panose="020B0509040201040103" pitchFamily="49" charset="0"/>
+              </a:rPr>
+              <a:t>11</a:t>
+            </a:r>
+            <a:endParaRPr kumimoji="1" lang="ko-KR" altLang="en-US" dirty="0">
+              <a:solidFill>
+                <a:srgbClr val="FF0000"/>
+              </a:solidFill>
+              <a:latin typeface="DM Mono" panose="020B0509040201040103" pitchFamily="49" charset="0"/>
+            </a:endParaRPr>
+          </a:p>
+        </p:txBody>
+      </p:sp>
+      <p:sp>
+        <p:nvSpPr>
+          <p:cNvPr id="14" name="TextBox 13">
+            <a:extLst>
+              <a:ext uri="{FF2B5EF4-FFF2-40B4-BE49-F238E27FC236}">
+                <a16:creationId xmlns:a16="http://schemas.microsoft.com/office/drawing/2014/main" id="{44A15A87-DFA6-16DD-FE2B-CC72E867F0D0}"/>
+              </a:ext>
+            </a:extLst>
+          </p:cNvPr>
+          <p:cNvSpPr txBox="1"/>
+          <p:nvPr/>
+        </p:nvSpPr>
+        <p:spPr>
+          <a:xfrm>
+            <a:off x="7677150" y="1450736"/>
+            <a:ext cx="1476889" cy="369332"/>
+          </a:xfrm>
+          <a:prstGeom prst="rect">
+            <a:avLst/>
+          </a:prstGeom>
+          <a:noFill/>
+        </p:spPr>
+        <p:txBody>
+          <a:bodyPr wrap="square" rtlCol="0">
+            <a:spAutoFit/>
+          </a:bodyPr>
+          <a:lstStyle/>
+          <a:p>
+            <a:pPr algn="r"/>
+            <a:r>
+              <a:rPr kumimoji="1" lang="en-US" altLang="ko-KR" dirty="0">
+                <a:latin typeface="DM Mono" panose="020B0509040201040103" pitchFamily="49" charset="0"/>
+              </a:rPr>
+              <a:t>x</a:t>
+            </a:r>
+            <a:endParaRPr kumimoji="1" lang="ko-KR" altLang="en-US" dirty="0">
+              <a:solidFill>
+                <a:srgbClr val="FF0000"/>
+              </a:solidFill>
+              <a:latin typeface="DM Mono" panose="020B0509040201040103" pitchFamily="49" charset="0"/>
+            </a:endParaRPr>
+          </a:p>
+        </p:txBody>
+      </p:sp>
+      <p:cxnSp>
+        <p:nvCxnSpPr>
+          <p:cNvPr id="16" name="구부러진 연결선[U] 15">
+            <a:extLst>
+              <a:ext uri="{FF2B5EF4-FFF2-40B4-BE49-F238E27FC236}">
+                <a16:creationId xmlns:a16="http://schemas.microsoft.com/office/drawing/2014/main" id="{A645849A-EBAA-5EB6-EEA6-C039BB4A33E1}"/>
+              </a:ext>
+            </a:extLst>
+          </p:cNvPr>
+          <p:cNvCxnSpPr>
+            <a:stCxn id="7" idx="3"/>
+            <a:endCxn id="13" idx="2"/>
+          </p:cNvCxnSpPr>
+          <p:nvPr/>
+        </p:nvCxnSpPr>
+        <p:spPr>
+          <a:xfrm flipV="1">
+            <a:off x="7547811" y="2056304"/>
+            <a:ext cx="2261436" cy="2855699"/>
+          </a:xfrm>
+          <a:prstGeom prst="curvedConnector2">
+            <a:avLst/>
+          </a:prstGeom>
+          <a:ln>
+            <a:tailEnd type="triangle"/>
+          </a:ln>
+        </p:spPr>
+        <p:style>
+          <a:lnRef idx="1">
+            <a:schemeClr val="accent1"/>
+          </a:lnRef>
+          <a:fillRef idx="0">
+            <a:schemeClr val="accent1"/>
+          </a:fillRef>
+          <a:effectRef idx="0">
+            <a:schemeClr val="accent1"/>
+          </a:effectRef>
+          <a:fontRef idx="minor">
+            <a:schemeClr val="tx1"/>
+          </a:fontRef>
+        </p:style>
+      </p:cxnSp>
+      <p:sp>
+        <p:nvSpPr>
+          <p:cNvPr id="17" name="TextBox 16">
+            <a:extLst>
+              <a:ext uri="{FF2B5EF4-FFF2-40B4-BE49-F238E27FC236}">
+                <a16:creationId xmlns:a16="http://schemas.microsoft.com/office/drawing/2014/main" id="{8DBF1D11-B5B0-36EF-62DC-4F8B04CA0307}"/>
+              </a:ext>
+            </a:extLst>
+          </p:cNvPr>
+          <p:cNvSpPr txBox="1"/>
+          <p:nvPr/>
+        </p:nvSpPr>
+        <p:spPr>
+          <a:xfrm>
+            <a:off x="9311942" y="4120337"/>
+            <a:ext cx="1638300" cy="307777"/>
+          </a:xfrm>
+          <a:prstGeom prst="rect">
+            <a:avLst/>
+          </a:prstGeom>
+          <a:noFill/>
+        </p:spPr>
+        <p:txBody>
+          <a:bodyPr wrap="square">
+            <a:spAutoFit/>
+          </a:bodyPr>
+          <a:lstStyle/>
+          <a:p>
+            <a:r>
+              <a:rPr lang="ko-KR" altLang="en-US" sz="1400" b="1" dirty="0">
+                <a:latin typeface="DM Mono" panose="020B0509040201040103" pitchFamily="49" charset="0"/>
+              </a:rPr>
+              <a:t>복사</a:t>
+            </a:r>
+          </a:p>
+        </p:txBody>
+      </p:sp>
+    </p:spTree>
+    <p:extLst>
+      <p:ext uri="{BB962C8B-B14F-4D97-AF65-F5344CB8AC3E}">
+        <p14:creationId xmlns:p14="http://schemas.microsoft.com/office/powerpoint/2010/main" val="175079610"/>
+      </p:ext>
+    </p:extLst>
+  </p:cSld>
+  <p:clrMapOvr>
+    <a:masterClrMapping/>
+  </p:clrMapOvr>
+</p:sld>
+</file>
+
+<file path=ppt/slides/slide12.xml><?xml version="1.0" encoding="utf-8"?>
+<p:sld xmlns:a="http://schemas.openxmlformats.org/drawingml/2006/main" xmlns:r="http://schemas.openxmlformats.org/officeDocument/2006/relationships" xmlns:p="http://schemas.openxmlformats.org/presentationml/2006/main">
+  <p:cSld>
+    <p:spTree>
+      <p:nvGrpSpPr>
+        <p:cNvPr id="1" name="">
+          <a:extLst>
+            <a:ext uri="{FF2B5EF4-FFF2-40B4-BE49-F238E27FC236}">
+              <a16:creationId xmlns:a16="http://schemas.microsoft.com/office/drawing/2014/main" id="{95FD7F5F-4557-BA9C-B9CD-CC129EFE6B75}"/>
+            </a:ext>
+          </a:extLst>
+        </p:cNvPr>
+        <p:cNvGrpSpPr/>
+        <p:nvPr/>
+      </p:nvGrpSpPr>
+      <p:grpSpPr>
+        <a:xfrm>
+          <a:off x="0" y="0"/>
+          <a:ext cx="0" cy="0"/>
+          <a:chOff x="0" y="0"/>
+          <a:chExt cx="0" cy="0"/>
+        </a:xfrm>
+      </p:grpSpPr>
+      <p:sp>
+        <p:nvSpPr>
+          <p:cNvPr id="5" name="TextBox 4">
+            <a:extLst>
+              <a:ext uri="{FF2B5EF4-FFF2-40B4-BE49-F238E27FC236}">
+                <a16:creationId xmlns:a16="http://schemas.microsoft.com/office/drawing/2014/main" id="{AC36D6BB-0F24-A394-EEB3-513535DD1DA4}"/>
+              </a:ext>
+            </a:extLst>
+          </p:cNvPr>
+          <p:cNvSpPr txBox="1"/>
+          <p:nvPr/>
+        </p:nvSpPr>
+        <p:spPr>
+          <a:xfrm>
+            <a:off x="383362" y="588935"/>
+            <a:ext cx="6093994" cy="4528099"/>
+          </a:xfrm>
+          <a:prstGeom prst="rect">
+            <a:avLst/>
+          </a:prstGeom>
+          <a:noFill/>
+        </p:spPr>
+        <p:txBody>
+          <a:bodyPr wrap="square">
+            <a:spAutoFit/>
+          </a:bodyPr>
+          <a:lstStyle/>
+          <a:p>
+            <a:pPr>
+              <a:lnSpc>
+                <a:spcPts val="2850"/>
+              </a:lnSpc>
+              <a:buNone/>
+            </a:pPr>
+            <a:r>
+              <a:rPr lang="en-US" altLang="ko-KR" b="0" dirty="0">
+                <a:solidFill>
+                  <a:srgbClr val="0000FF"/>
+                </a:solidFill>
+                <a:effectLst/>
+                <a:latin typeface="DM Mono" panose="020B0509040201040103" pitchFamily="49" charset="0"/>
+              </a:rPr>
+              <a:t>void</a:t>
+            </a:r>
+            <a:r>
+              <a:rPr lang="en-US" altLang="ko-KR" b="0" dirty="0">
+                <a:solidFill>
+                  <a:srgbClr val="3B3B3B"/>
+                </a:solidFill>
+                <a:effectLst/>
+                <a:latin typeface="DM Mono" panose="020B0509040201040103" pitchFamily="49" charset="0"/>
+              </a:rPr>
+              <a:t> </a:t>
+            </a:r>
+            <a:r>
+              <a:rPr lang="en-US" altLang="ko-KR" b="0" dirty="0">
+                <a:solidFill>
+                  <a:srgbClr val="795E26"/>
+                </a:solidFill>
+                <a:effectLst/>
+                <a:latin typeface="DM Mono" panose="020B0509040201040103" pitchFamily="49" charset="0"/>
+              </a:rPr>
+              <a:t>Increment</a:t>
+            </a:r>
+            <a:r>
+              <a:rPr lang="en-US" altLang="ko-KR" b="0" dirty="0">
+                <a:solidFill>
+                  <a:srgbClr val="3B3B3B"/>
+                </a:solidFill>
+                <a:effectLst/>
+                <a:latin typeface="DM Mono" panose="020B0509040201040103" pitchFamily="49" charset="0"/>
+              </a:rPr>
+              <a:t>(</a:t>
+            </a:r>
+            <a:r>
+              <a:rPr lang="en-US" altLang="ko-KR" b="0" dirty="0">
+                <a:solidFill>
+                  <a:srgbClr val="0000FF"/>
+                </a:solidFill>
+                <a:effectLst/>
+                <a:latin typeface="DM Mono" panose="020B0509040201040103" pitchFamily="49" charset="0"/>
+              </a:rPr>
+              <a:t>int</a:t>
+            </a:r>
+            <a:r>
+              <a:rPr lang="en-US" altLang="ko-KR" b="0" dirty="0">
+                <a:solidFill>
+                  <a:srgbClr val="3B3B3B"/>
+                </a:solidFill>
+                <a:effectLst/>
+                <a:latin typeface="DM Mono" panose="020B0509040201040103" pitchFamily="49" charset="0"/>
+              </a:rPr>
+              <a:t> </a:t>
+            </a:r>
+            <a:r>
+              <a:rPr lang="en-US" altLang="ko-KR" b="0" dirty="0">
+                <a:solidFill>
+                  <a:srgbClr val="001080"/>
+                </a:solidFill>
+                <a:effectLst/>
+                <a:latin typeface="DM Mono" panose="020B0509040201040103" pitchFamily="49" charset="0"/>
+              </a:rPr>
+              <a:t>x</a:t>
+            </a:r>
+            <a:r>
+              <a:rPr lang="en-US" altLang="ko-KR" b="0" dirty="0">
+                <a:solidFill>
+                  <a:srgbClr val="3B3B3B"/>
+                </a:solidFill>
+                <a:effectLst/>
+                <a:latin typeface="DM Mono" panose="020B0509040201040103" pitchFamily="49" charset="0"/>
+              </a:rPr>
+              <a:t>)</a:t>
+            </a:r>
+          </a:p>
+          <a:p>
+            <a:pPr>
+              <a:lnSpc>
+                <a:spcPts val="2850"/>
+              </a:lnSpc>
+              <a:buNone/>
+            </a:pPr>
+            <a:r>
+              <a:rPr lang="en-US" altLang="ko-KR" b="0" dirty="0">
+                <a:solidFill>
+                  <a:srgbClr val="3B3B3B"/>
+                </a:solidFill>
+                <a:effectLst/>
+                <a:latin typeface="DM Mono" panose="020B0509040201040103" pitchFamily="49" charset="0"/>
+              </a:rPr>
+              <a:t>{</a:t>
+            </a:r>
+          </a:p>
+          <a:p>
+            <a:pPr>
+              <a:lnSpc>
+                <a:spcPts val="2850"/>
+              </a:lnSpc>
+              <a:buNone/>
+            </a:pPr>
+            <a:r>
+              <a:rPr lang="en-US" altLang="ko-KR" b="0" dirty="0">
+                <a:solidFill>
+                  <a:srgbClr val="FF0000"/>
+                </a:solidFill>
+                <a:effectLst/>
+                <a:latin typeface="DM Mono" panose="020B0509040201040103" pitchFamily="49" charset="0"/>
+              </a:rPr>
+              <a:t>++x;</a:t>
+            </a:r>
+          </a:p>
+          <a:p>
+            <a:pPr>
+              <a:lnSpc>
+                <a:spcPts val="2850"/>
+              </a:lnSpc>
+              <a:buNone/>
+            </a:pPr>
+            <a:r>
+              <a:rPr lang="en-US" altLang="ko-KR" b="0" dirty="0">
+                <a:solidFill>
+                  <a:srgbClr val="3B3B3B"/>
+                </a:solidFill>
+                <a:effectLst/>
+                <a:latin typeface="DM Mono" panose="020B0509040201040103" pitchFamily="49" charset="0"/>
+              </a:rPr>
+              <a:t>}</a:t>
+            </a:r>
+          </a:p>
+          <a:p>
+            <a:pPr>
+              <a:lnSpc>
+                <a:spcPts val="2850"/>
+              </a:lnSpc>
+              <a:buNone/>
+            </a:pPr>
+            <a:br>
+              <a:rPr lang="en-US" altLang="ko-KR" b="0" dirty="0">
+                <a:solidFill>
+                  <a:srgbClr val="3B3B3B"/>
+                </a:solidFill>
+                <a:effectLst/>
+                <a:latin typeface="DM Mono" panose="020B0509040201040103" pitchFamily="49" charset="0"/>
+              </a:rPr>
+            </a:br>
+            <a:r>
+              <a:rPr lang="en-US" altLang="ko-KR" b="0" dirty="0">
+                <a:solidFill>
+                  <a:srgbClr val="0000FF"/>
+                </a:solidFill>
+                <a:effectLst/>
+                <a:latin typeface="DM Mono" panose="020B0509040201040103" pitchFamily="49" charset="0"/>
+              </a:rPr>
+              <a:t>int</a:t>
+            </a:r>
+            <a:r>
+              <a:rPr lang="en-US" altLang="ko-KR" b="0" dirty="0">
+                <a:solidFill>
+                  <a:srgbClr val="3B3B3B"/>
+                </a:solidFill>
+                <a:effectLst/>
+                <a:latin typeface="DM Mono" panose="020B0509040201040103" pitchFamily="49" charset="0"/>
+              </a:rPr>
+              <a:t> </a:t>
+            </a:r>
+            <a:r>
+              <a:rPr lang="en-US" altLang="ko-KR" b="0" dirty="0">
+                <a:solidFill>
+                  <a:srgbClr val="795E26"/>
+                </a:solidFill>
+                <a:effectLst/>
+                <a:latin typeface="DM Mono" panose="020B0509040201040103" pitchFamily="49" charset="0"/>
+              </a:rPr>
+              <a:t>main</a:t>
+            </a:r>
+            <a:r>
+              <a:rPr lang="en-US" altLang="ko-KR" b="0" dirty="0">
+                <a:solidFill>
+                  <a:srgbClr val="3B3B3B"/>
+                </a:solidFill>
+                <a:effectLst/>
+                <a:latin typeface="DM Mono" panose="020B0509040201040103" pitchFamily="49" charset="0"/>
+              </a:rPr>
+              <a:t>()</a:t>
+            </a:r>
+          </a:p>
+          <a:p>
+            <a:pPr>
+              <a:lnSpc>
+                <a:spcPts val="2850"/>
+              </a:lnSpc>
+              <a:buNone/>
+            </a:pPr>
+            <a:r>
+              <a:rPr lang="en-US" altLang="ko-KR" b="0" dirty="0">
+                <a:solidFill>
+                  <a:srgbClr val="3B3B3B"/>
+                </a:solidFill>
+                <a:effectLst/>
+                <a:latin typeface="DM Mono" panose="020B0509040201040103" pitchFamily="49" charset="0"/>
+              </a:rPr>
+              <a:t>{</a:t>
+            </a:r>
+          </a:p>
+          <a:p>
+            <a:pPr>
+              <a:lnSpc>
+                <a:spcPts val="2850"/>
+              </a:lnSpc>
+              <a:buNone/>
+            </a:pPr>
+            <a:r>
+              <a:rPr lang="en-US" altLang="ko-KR" b="0" dirty="0">
+                <a:solidFill>
+                  <a:srgbClr val="0000FF"/>
+                </a:solidFill>
+                <a:effectLst/>
+                <a:latin typeface="DM Mono" panose="020B0509040201040103" pitchFamily="49" charset="0"/>
+              </a:rPr>
+              <a:t>int</a:t>
+            </a:r>
+            <a:r>
+              <a:rPr lang="en-US" altLang="ko-KR" b="0" dirty="0">
+                <a:solidFill>
+                  <a:srgbClr val="3B3B3B"/>
+                </a:solidFill>
+                <a:effectLst/>
+                <a:latin typeface="DM Mono" panose="020B0509040201040103" pitchFamily="49" charset="0"/>
+              </a:rPr>
+              <a:t> </a:t>
+            </a:r>
+            <a:r>
+              <a:rPr lang="en-US" altLang="ko-KR" b="0" dirty="0">
+                <a:solidFill>
+                  <a:srgbClr val="001080"/>
+                </a:solidFill>
+                <a:effectLst/>
+                <a:latin typeface="DM Mono" panose="020B0509040201040103" pitchFamily="49" charset="0"/>
+              </a:rPr>
+              <a:t>x</a:t>
+            </a:r>
+            <a:r>
+              <a:rPr lang="en-US" altLang="ko-KR" b="0" dirty="0">
+                <a:solidFill>
+                  <a:srgbClr val="3B3B3B"/>
+                </a:solidFill>
+                <a:effectLst/>
+                <a:latin typeface="DM Mono" panose="020B0509040201040103" pitchFamily="49" charset="0"/>
+              </a:rPr>
+              <a:t> </a:t>
+            </a:r>
+            <a:r>
+              <a:rPr lang="en-US" altLang="ko-KR" b="0" dirty="0">
+                <a:solidFill>
+                  <a:srgbClr val="000000"/>
+                </a:solidFill>
+                <a:effectLst/>
+                <a:latin typeface="DM Mono" panose="020B0509040201040103" pitchFamily="49" charset="0"/>
+              </a:rPr>
+              <a:t>=</a:t>
+            </a:r>
+            <a:r>
+              <a:rPr lang="en-US" altLang="ko-KR" b="0" dirty="0">
+                <a:solidFill>
+                  <a:srgbClr val="3B3B3B"/>
+                </a:solidFill>
+                <a:effectLst/>
+                <a:latin typeface="DM Mono" panose="020B0509040201040103" pitchFamily="49" charset="0"/>
+              </a:rPr>
+              <a:t> </a:t>
+            </a:r>
+            <a:r>
+              <a:rPr lang="en-US" altLang="ko-KR" b="0" dirty="0">
+                <a:solidFill>
+                  <a:srgbClr val="098658"/>
+                </a:solidFill>
+                <a:effectLst/>
+                <a:latin typeface="DM Mono" panose="020B0509040201040103" pitchFamily="49" charset="0"/>
+              </a:rPr>
+              <a:t>10</a:t>
+            </a:r>
+            <a:r>
+              <a:rPr lang="en-US" altLang="ko-KR" b="0" dirty="0">
+                <a:solidFill>
+                  <a:srgbClr val="3B3B3B"/>
+                </a:solidFill>
+                <a:effectLst/>
+                <a:latin typeface="DM Mono" panose="020B0509040201040103" pitchFamily="49" charset="0"/>
+              </a:rPr>
+              <a:t>;</a:t>
+            </a:r>
+          </a:p>
+          <a:p>
+            <a:pPr>
+              <a:lnSpc>
+                <a:spcPts val="2850"/>
+              </a:lnSpc>
+              <a:buNone/>
+            </a:pPr>
+            <a:br>
+              <a:rPr lang="en-US" altLang="ko-KR" b="1" dirty="0">
+                <a:solidFill>
+                  <a:srgbClr val="FF0000"/>
+                </a:solidFill>
+                <a:effectLst/>
+                <a:latin typeface="DM Mono" panose="020B0509040201040103" pitchFamily="49" charset="0"/>
+              </a:rPr>
+            </a:br>
+            <a:r>
+              <a:rPr lang="en-US" altLang="ko-KR" b="1" dirty="0">
+                <a:solidFill>
+                  <a:srgbClr val="FF0000"/>
+                </a:solidFill>
+                <a:effectLst/>
+                <a:latin typeface="DM Mono" panose="020B0509040201040103" pitchFamily="49" charset="0"/>
+              </a:rPr>
+              <a:t>Increment(x);</a:t>
+            </a:r>
+          </a:p>
+          <a:p>
+            <a:pPr>
+              <a:lnSpc>
+                <a:spcPts val="2850"/>
+              </a:lnSpc>
+              <a:buNone/>
+            </a:pPr>
+            <a:r>
+              <a:rPr lang="en-US" altLang="ko-KR" b="0" dirty="0" err="1">
+                <a:solidFill>
+                  <a:srgbClr val="001080"/>
+                </a:solidFill>
+                <a:effectLst/>
+                <a:latin typeface="DM Mono" panose="020B0509040201040103" pitchFamily="49" charset="0"/>
+              </a:rPr>
+              <a:t>cout</a:t>
+            </a:r>
+            <a:r>
+              <a:rPr lang="en-US" altLang="ko-KR" b="0" dirty="0">
+                <a:solidFill>
+                  <a:srgbClr val="3B3B3B"/>
+                </a:solidFill>
+                <a:effectLst/>
+                <a:latin typeface="DM Mono" panose="020B0509040201040103" pitchFamily="49" charset="0"/>
+              </a:rPr>
+              <a:t> </a:t>
+            </a:r>
+            <a:r>
+              <a:rPr lang="en-US" altLang="ko-KR" b="0" dirty="0">
+                <a:solidFill>
+                  <a:srgbClr val="795E26"/>
+                </a:solidFill>
+                <a:effectLst/>
+                <a:latin typeface="DM Mono" panose="020B0509040201040103" pitchFamily="49" charset="0"/>
+              </a:rPr>
+              <a:t>&lt;&lt;</a:t>
+            </a:r>
+            <a:r>
+              <a:rPr lang="en-US" altLang="ko-KR" b="0" dirty="0">
+                <a:solidFill>
+                  <a:srgbClr val="3B3B3B"/>
+                </a:solidFill>
+                <a:effectLst/>
+                <a:latin typeface="DM Mono" panose="020B0509040201040103" pitchFamily="49" charset="0"/>
+              </a:rPr>
+              <a:t> </a:t>
+            </a:r>
+            <a:r>
+              <a:rPr lang="en-US" altLang="ko-KR" b="0" dirty="0">
+                <a:solidFill>
+                  <a:srgbClr val="001080"/>
+                </a:solidFill>
+                <a:effectLst/>
+                <a:latin typeface="DM Mono" panose="020B0509040201040103" pitchFamily="49" charset="0"/>
+              </a:rPr>
+              <a:t>x</a:t>
+            </a:r>
+            <a:r>
+              <a:rPr lang="en-US" altLang="ko-KR" b="0" dirty="0">
+                <a:solidFill>
+                  <a:srgbClr val="3B3B3B"/>
+                </a:solidFill>
+                <a:effectLst/>
+                <a:latin typeface="DM Mono" panose="020B0509040201040103" pitchFamily="49" charset="0"/>
+              </a:rPr>
+              <a:t> </a:t>
+            </a:r>
+            <a:r>
+              <a:rPr lang="en-US" altLang="ko-KR" b="0" dirty="0">
+                <a:solidFill>
+                  <a:srgbClr val="795E26"/>
+                </a:solidFill>
+                <a:effectLst/>
+                <a:latin typeface="DM Mono" panose="020B0509040201040103" pitchFamily="49" charset="0"/>
+              </a:rPr>
+              <a:t>&lt;&lt;</a:t>
+            </a:r>
+            <a:r>
+              <a:rPr lang="en-US" altLang="ko-KR" b="0" dirty="0">
+                <a:solidFill>
+                  <a:srgbClr val="3B3B3B"/>
+                </a:solidFill>
+                <a:effectLst/>
+                <a:latin typeface="DM Mono" panose="020B0509040201040103" pitchFamily="49" charset="0"/>
+              </a:rPr>
+              <a:t> </a:t>
+            </a:r>
+            <a:r>
+              <a:rPr lang="en-US" altLang="ko-KR" b="0" dirty="0" err="1">
+                <a:solidFill>
+                  <a:srgbClr val="795E26"/>
+                </a:solidFill>
+                <a:effectLst/>
+                <a:latin typeface="DM Mono" panose="020B0509040201040103" pitchFamily="49" charset="0"/>
+              </a:rPr>
+              <a:t>endl</a:t>
+            </a:r>
+            <a:r>
+              <a:rPr lang="en-US" altLang="ko-KR" b="0" dirty="0">
+                <a:solidFill>
+                  <a:srgbClr val="3B3B3B"/>
+                </a:solidFill>
+                <a:effectLst/>
+                <a:latin typeface="DM Mono" panose="020B0509040201040103" pitchFamily="49" charset="0"/>
+              </a:rPr>
+              <a:t>;</a:t>
+            </a:r>
+          </a:p>
+          <a:p>
+            <a:pPr>
+              <a:lnSpc>
+                <a:spcPts val="2850"/>
+              </a:lnSpc>
+            </a:pPr>
+            <a:r>
+              <a:rPr lang="en-US" altLang="ko-KR" b="0" dirty="0">
+                <a:solidFill>
+                  <a:srgbClr val="3B3B3B"/>
+                </a:solidFill>
+                <a:effectLst/>
+                <a:latin typeface="DM Mono" panose="020B0509040201040103" pitchFamily="49" charset="0"/>
+              </a:rPr>
+              <a:t>}</a:t>
+            </a:r>
+          </a:p>
+        </p:txBody>
+      </p:sp>
+      <p:sp>
+        <p:nvSpPr>
+          <p:cNvPr id="6" name="직사각형 5">
+            <a:extLst>
+              <a:ext uri="{FF2B5EF4-FFF2-40B4-BE49-F238E27FC236}">
+                <a16:creationId xmlns:a16="http://schemas.microsoft.com/office/drawing/2014/main" id="{5AB107DA-0082-2CD3-FB18-3AC67899689A}"/>
+              </a:ext>
+            </a:extLst>
+          </p:cNvPr>
+          <p:cNvSpPr/>
+          <p:nvPr/>
+        </p:nvSpPr>
+        <p:spPr>
+          <a:xfrm>
+            <a:off x="4969042" y="3429000"/>
+            <a:ext cx="3793958" cy="2490537"/>
+          </a:xfrm>
+          <a:prstGeom prst="rect">
+            <a:avLst/>
+          </a:prstGeom>
+          <a:solidFill>
+            <a:schemeClr val="bg1"/>
+          </a:solidFill>
+        </p:spPr>
+        <p:style>
+          <a:lnRef idx="2">
+            <a:schemeClr val="accent1">
+              <a:shade val="15000"/>
+            </a:schemeClr>
+          </a:lnRef>
+          <a:fillRef idx="1">
+            <a:schemeClr val="accent1"/>
+          </a:fillRef>
+          <a:effectRef idx="0">
+            <a:schemeClr val="accent1"/>
+          </a:effectRef>
+          <a:fontRef idx="minor">
+            <a:schemeClr val="lt1"/>
+          </a:fontRef>
+        </p:style>
+        <p:txBody>
+          <a:bodyPr rtlCol="0" anchor="ctr"/>
+          <a:lstStyle/>
+          <a:p>
+            <a:pPr algn="ctr"/>
+            <a:r>
+              <a:rPr kumimoji="1" lang="en-US" altLang="ko-KR" dirty="0"/>
+              <a:t>0x16ce92c2c</a:t>
+            </a:r>
+            <a:endParaRPr kumimoji="1" lang="ko-KR" altLang="en-US" dirty="0"/>
+          </a:p>
+        </p:txBody>
+      </p:sp>
+      <p:sp>
+        <p:nvSpPr>
+          <p:cNvPr id="7" name="직사각형 6">
+            <a:extLst>
+              <a:ext uri="{FF2B5EF4-FFF2-40B4-BE49-F238E27FC236}">
+                <a16:creationId xmlns:a16="http://schemas.microsoft.com/office/drawing/2014/main" id="{D845DD3B-2ED8-4F0D-5D6C-A6FA6D30F5ED}"/>
+              </a:ext>
+            </a:extLst>
+          </p:cNvPr>
+          <p:cNvSpPr/>
+          <p:nvPr/>
+        </p:nvSpPr>
+        <p:spPr>
+          <a:xfrm>
+            <a:off x="6260432" y="4491101"/>
+            <a:ext cx="1287379" cy="841803"/>
+          </a:xfrm>
+          <a:prstGeom prst="rect">
+            <a:avLst/>
+          </a:prstGeom>
+        </p:spPr>
+        <p:style>
+          <a:lnRef idx="2">
+            <a:schemeClr val="accent4">
+              <a:shade val="15000"/>
+            </a:schemeClr>
+          </a:lnRef>
+          <a:fillRef idx="1">
+            <a:schemeClr val="accent4"/>
+          </a:fillRef>
+          <a:effectRef idx="0">
+            <a:schemeClr val="accent4"/>
+          </a:effectRef>
+          <a:fontRef idx="minor">
+            <a:schemeClr val="lt1"/>
+          </a:fontRef>
+        </p:style>
+        <p:txBody>
+          <a:bodyPr rtlCol="0" anchor="ctr"/>
+          <a:lstStyle/>
+          <a:p>
+            <a:pPr algn="ctr"/>
+            <a:r>
+              <a:rPr kumimoji="1" lang="en-US" altLang="ko-KR" dirty="0">
+                <a:solidFill>
+                  <a:srgbClr val="FF0000"/>
+                </a:solidFill>
+                <a:latin typeface="DM Mono" panose="020B0509040201040103" pitchFamily="49" charset="0"/>
+              </a:rPr>
+              <a:t>10</a:t>
+            </a:r>
+            <a:endParaRPr kumimoji="1" lang="ko-KR" altLang="en-US" dirty="0">
+              <a:solidFill>
+                <a:srgbClr val="FF0000"/>
+              </a:solidFill>
+              <a:latin typeface="DM Mono" panose="020B0509040201040103" pitchFamily="49" charset="0"/>
+            </a:endParaRPr>
+          </a:p>
+        </p:txBody>
+      </p:sp>
+      <p:sp>
+        <p:nvSpPr>
+          <p:cNvPr id="8" name="TextBox 7">
+            <a:extLst>
+              <a:ext uri="{FF2B5EF4-FFF2-40B4-BE49-F238E27FC236}">
+                <a16:creationId xmlns:a16="http://schemas.microsoft.com/office/drawing/2014/main" id="{850F13B8-F014-A7AF-0478-5558A41419F2}"/>
+              </a:ext>
+            </a:extLst>
+          </p:cNvPr>
+          <p:cNvSpPr txBox="1"/>
+          <p:nvPr/>
+        </p:nvSpPr>
+        <p:spPr>
+          <a:xfrm>
+            <a:off x="4772025" y="4727336"/>
+            <a:ext cx="1476889" cy="369332"/>
+          </a:xfrm>
+          <a:prstGeom prst="rect">
+            <a:avLst/>
+          </a:prstGeom>
+          <a:noFill/>
+        </p:spPr>
+        <p:txBody>
+          <a:bodyPr wrap="square" rtlCol="0">
+            <a:spAutoFit/>
+          </a:bodyPr>
+          <a:lstStyle/>
+          <a:p>
+            <a:pPr algn="r"/>
+            <a:r>
+              <a:rPr kumimoji="1" lang="en-US" altLang="ko-KR" dirty="0">
+                <a:latin typeface="DM Mono" panose="020B0509040201040103" pitchFamily="49" charset="0"/>
+              </a:rPr>
+              <a:t>x</a:t>
+            </a:r>
+            <a:endParaRPr kumimoji="1" lang="ko-KR" altLang="en-US" dirty="0">
+              <a:solidFill>
+                <a:srgbClr val="FF0000"/>
+              </a:solidFill>
+              <a:latin typeface="DM Mono" panose="020B0509040201040103" pitchFamily="49" charset="0"/>
+            </a:endParaRPr>
+          </a:p>
+        </p:txBody>
+      </p:sp>
+      <p:sp>
+        <p:nvSpPr>
+          <p:cNvPr id="10" name="TextBox 9">
+            <a:extLst>
+              <a:ext uri="{FF2B5EF4-FFF2-40B4-BE49-F238E27FC236}">
+                <a16:creationId xmlns:a16="http://schemas.microsoft.com/office/drawing/2014/main" id="{CFCC4867-37D7-86BE-2038-4AAB3F55253E}"/>
+              </a:ext>
+            </a:extLst>
+          </p:cNvPr>
+          <p:cNvSpPr txBox="1"/>
+          <p:nvPr/>
+        </p:nvSpPr>
+        <p:spPr>
+          <a:xfrm>
+            <a:off x="5483570" y="4120338"/>
+            <a:ext cx="1638300" cy="307777"/>
+          </a:xfrm>
+          <a:prstGeom prst="rect">
+            <a:avLst/>
+          </a:prstGeom>
+          <a:noFill/>
+        </p:spPr>
+        <p:txBody>
+          <a:bodyPr wrap="square">
+            <a:spAutoFit/>
+          </a:bodyPr>
+          <a:lstStyle/>
+          <a:p>
+            <a:r>
+              <a:rPr lang="en-US" altLang="ko-KR" sz="1400" b="1" dirty="0">
+                <a:latin typeface="DM Mono" panose="020B0509040201040103" pitchFamily="49" charset="0"/>
+              </a:rPr>
+              <a:t>0x100</a:t>
+            </a:r>
+            <a:endParaRPr lang="ko-KR" altLang="en-US" sz="1400" b="1" dirty="0">
+              <a:latin typeface="DM Mono" panose="020B0509040201040103" pitchFamily="49" charset="0"/>
+            </a:endParaRPr>
+          </a:p>
+        </p:txBody>
+      </p:sp>
+      <p:sp>
+        <p:nvSpPr>
+          <p:cNvPr id="2" name="TextBox 1">
+            <a:extLst>
+              <a:ext uri="{FF2B5EF4-FFF2-40B4-BE49-F238E27FC236}">
+                <a16:creationId xmlns:a16="http://schemas.microsoft.com/office/drawing/2014/main" id="{31A0FDB1-41BE-C7FB-F396-8B8217877D75}"/>
+              </a:ext>
+            </a:extLst>
+          </p:cNvPr>
+          <p:cNvSpPr txBox="1"/>
+          <p:nvPr/>
+        </p:nvSpPr>
+        <p:spPr>
+          <a:xfrm>
+            <a:off x="4969042" y="3058237"/>
+            <a:ext cx="3793958" cy="307777"/>
+          </a:xfrm>
+          <a:prstGeom prst="rect">
+            <a:avLst/>
+          </a:prstGeom>
+          <a:noFill/>
+        </p:spPr>
+        <p:txBody>
+          <a:bodyPr wrap="square">
+            <a:spAutoFit/>
+          </a:bodyPr>
+          <a:lstStyle/>
+          <a:p>
+            <a:pPr algn="ctr"/>
+            <a:r>
+              <a:rPr lang="en-US" altLang="ko-KR" sz="1400" b="1" dirty="0">
+                <a:latin typeface="DM Mono" panose="020B0509040201040103" pitchFamily="49" charset="0"/>
+              </a:rPr>
+              <a:t>main</a:t>
+            </a:r>
+            <a:endParaRPr lang="ko-KR" altLang="en-US" sz="1400" b="1" dirty="0">
+              <a:latin typeface="DM Mono" panose="020B0509040201040103" pitchFamily="49" charset="0"/>
+            </a:endParaRPr>
+          </a:p>
+        </p:txBody>
+      </p:sp>
+    </p:spTree>
+    <p:extLst>
+      <p:ext uri="{BB962C8B-B14F-4D97-AF65-F5344CB8AC3E}">
+        <p14:creationId xmlns:p14="http://schemas.microsoft.com/office/powerpoint/2010/main" val="3990250148"/>
       </p:ext>
     </p:extLst>
   </p:cSld>

--- a/cpp_250512.pptx
+++ b/cpp_250512.pptx
@@ -17,6 +17,13 @@
     <p:sldId id="265" r:id="rId11"/>
     <p:sldId id="266" r:id="rId12"/>
     <p:sldId id="267" r:id="rId13"/>
+    <p:sldId id="268" r:id="rId14"/>
+    <p:sldId id="269" r:id="rId15"/>
+    <p:sldId id="270" r:id="rId16"/>
+    <p:sldId id="271" r:id="rId17"/>
+    <p:sldId id="272" r:id="rId18"/>
+    <p:sldId id="273" r:id="rId19"/>
+    <p:sldId id="274" r:id="rId20"/>
   </p:sldIdLst>
   <p:sldSz cx="12192000" cy="6858000"/>
   <p:notesSz cx="6858000" cy="9144000"/>
@@ -6917,6 +6924,6442 @@
     <p:extLst>
       <p:ext uri="{BB962C8B-B14F-4D97-AF65-F5344CB8AC3E}">
         <p14:creationId xmlns:p14="http://schemas.microsoft.com/office/powerpoint/2010/main" val="3990250148"/>
+      </p:ext>
+    </p:extLst>
+  </p:cSld>
+  <p:clrMapOvr>
+    <a:masterClrMapping/>
+  </p:clrMapOvr>
+</p:sld>
+</file>
+
+<file path=ppt/slides/slide13.xml><?xml version="1.0" encoding="utf-8"?>
+<p:sld xmlns:a="http://schemas.openxmlformats.org/drawingml/2006/main" xmlns:r="http://schemas.openxmlformats.org/officeDocument/2006/relationships" xmlns:p="http://schemas.openxmlformats.org/presentationml/2006/main">
+  <p:cSld>
+    <p:spTree>
+      <p:nvGrpSpPr>
+        <p:cNvPr id="1" name="">
+          <a:extLst>
+            <a:ext uri="{FF2B5EF4-FFF2-40B4-BE49-F238E27FC236}">
+              <a16:creationId xmlns:a16="http://schemas.microsoft.com/office/drawing/2014/main" id="{727AE4E9-3B8A-3DBC-7AC4-C293EA22E0D3}"/>
+            </a:ext>
+          </a:extLst>
+        </p:cNvPr>
+        <p:cNvGrpSpPr/>
+        <p:nvPr/>
+      </p:nvGrpSpPr>
+      <p:grpSpPr>
+        <a:xfrm>
+          <a:off x="0" y="0"/>
+          <a:ext cx="0" cy="0"/>
+          <a:chOff x="0" y="0"/>
+          <a:chExt cx="0" cy="0"/>
+        </a:xfrm>
+      </p:grpSpPr>
+      <p:sp>
+        <p:nvSpPr>
+          <p:cNvPr id="5" name="TextBox 4">
+            <a:extLst>
+              <a:ext uri="{FF2B5EF4-FFF2-40B4-BE49-F238E27FC236}">
+                <a16:creationId xmlns:a16="http://schemas.microsoft.com/office/drawing/2014/main" id="{47C4D721-0D3D-0FC5-8F79-4D6BBBA4AF09}"/>
+              </a:ext>
+            </a:extLst>
+          </p:cNvPr>
+          <p:cNvSpPr txBox="1"/>
+          <p:nvPr/>
+        </p:nvSpPr>
+        <p:spPr>
+          <a:xfrm>
+            <a:off x="383362" y="588935"/>
+            <a:ext cx="6093994" cy="4226735"/>
+          </a:xfrm>
+          <a:prstGeom prst="rect">
+            <a:avLst/>
+          </a:prstGeom>
+          <a:noFill/>
+        </p:spPr>
+        <p:txBody>
+          <a:bodyPr wrap="square">
+            <a:spAutoFit/>
+          </a:bodyPr>
+          <a:lstStyle/>
+          <a:p>
+            <a:pPr>
+              <a:lnSpc>
+                <a:spcPts val="2700"/>
+              </a:lnSpc>
+              <a:buNone/>
+            </a:pPr>
+            <a:r>
+              <a:rPr lang="en-US" altLang="ko-KR" b="0" dirty="0">
+                <a:solidFill>
+                  <a:srgbClr val="0000FF"/>
+                </a:solidFill>
+                <a:effectLst/>
+                <a:latin typeface="DM Mono" panose="020B0509040201040103" pitchFamily="49" charset="0"/>
+              </a:rPr>
+              <a:t>void</a:t>
+            </a:r>
+            <a:r>
+              <a:rPr lang="en-US" altLang="ko-KR" b="0" dirty="0">
+                <a:solidFill>
+                  <a:srgbClr val="3B3B3B"/>
+                </a:solidFill>
+                <a:effectLst/>
+                <a:latin typeface="DM Mono" panose="020B0509040201040103" pitchFamily="49" charset="0"/>
+              </a:rPr>
+              <a:t> </a:t>
+            </a:r>
+            <a:r>
+              <a:rPr lang="en-US" altLang="ko-KR" b="0" dirty="0">
+                <a:solidFill>
+                  <a:srgbClr val="795E26"/>
+                </a:solidFill>
+                <a:effectLst/>
+                <a:latin typeface="DM Mono" panose="020B0509040201040103" pitchFamily="49" charset="0"/>
+              </a:rPr>
+              <a:t>Increment</a:t>
+            </a:r>
+            <a:r>
+              <a:rPr lang="en-US" altLang="ko-KR" b="0" dirty="0">
+                <a:solidFill>
+                  <a:srgbClr val="3B3B3B"/>
+                </a:solidFill>
+                <a:effectLst/>
+                <a:latin typeface="DM Mono" panose="020B0509040201040103" pitchFamily="49" charset="0"/>
+              </a:rPr>
+              <a:t>(</a:t>
+            </a:r>
+            <a:r>
+              <a:rPr lang="en-US" altLang="ko-KR" b="0" dirty="0">
+                <a:solidFill>
+                  <a:srgbClr val="0000FF"/>
+                </a:solidFill>
+                <a:effectLst/>
+                <a:latin typeface="DM Mono" panose="020B0509040201040103" pitchFamily="49" charset="0"/>
+              </a:rPr>
+              <a:t>int</a:t>
+            </a:r>
+            <a:r>
+              <a:rPr lang="en-US" altLang="ko-KR" b="0" dirty="0">
+                <a:solidFill>
+                  <a:srgbClr val="3B3B3B"/>
+                </a:solidFill>
+                <a:effectLst/>
+                <a:latin typeface="DM Mono" panose="020B0509040201040103" pitchFamily="49" charset="0"/>
+              </a:rPr>
+              <a:t> </a:t>
+            </a:r>
+            <a:r>
+              <a:rPr lang="en-US" altLang="ko-KR" b="0" dirty="0">
+                <a:solidFill>
+                  <a:srgbClr val="0000FF"/>
+                </a:solidFill>
+                <a:effectLst/>
+                <a:latin typeface="DM Mono" panose="020B0509040201040103" pitchFamily="49" charset="0"/>
+              </a:rPr>
+              <a:t>*</a:t>
+            </a:r>
+            <a:r>
+              <a:rPr lang="en-US" altLang="ko-KR" b="0" dirty="0" err="1">
+                <a:solidFill>
+                  <a:srgbClr val="001080"/>
+                </a:solidFill>
+                <a:effectLst/>
+                <a:latin typeface="DM Mono" panose="020B0509040201040103" pitchFamily="49" charset="0"/>
+              </a:rPr>
+              <a:t>px</a:t>
+            </a:r>
+            <a:r>
+              <a:rPr lang="en-US" altLang="ko-KR" b="0" dirty="0">
+                <a:solidFill>
+                  <a:srgbClr val="3B3B3B"/>
+                </a:solidFill>
+                <a:effectLst/>
+                <a:latin typeface="DM Mono" panose="020B0509040201040103" pitchFamily="49" charset="0"/>
+              </a:rPr>
+              <a:t>)</a:t>
+            </a:r>
+          </a:p>
+          <a:p>
+            <a:pPr>
+              <a:lnSpc>
+                <a:spcPts val="2700"/>
+              </a:lnSpc>
+              <a:buNone/>
+            </a:pPr>
+            <a:r>
+              <a:rPr lang="en-US" altLang="ko-KR" b="0" dirty="0">
+                <a:solidFill>
+                  <a:srgbClr val="3B3B3B"/>
+                </a:solidFill>
+                <a:effectLst/>
+                <a:latin typeface="DM Mono" panose="020B0509040201040103" pitchFamily="49" charset="0"/>
+              </a:rPr>
+              <a:t>{</a:t>
+            </a:r>
+          </a:p>
+          <a:p>
+            <a:pPr>
+              <a:lnSpc>
+                <a:spcPts val="2700"/>
+              </a:lnSpc>
+              <a:buNone/>
+            </a:pPr>
+            <a:r>
+              <a:rPr lang="en-US" altLang="ko-KR" b="0" dirty="0">
+                <a:solidFill>
+                  <a:srgbClr val="000000"/>
+                </a:solidFill>
+                <a:effectLst/>
+                <a:latin typeface="DM Mono" panose="020B0509040201040103" pitchFamily="49" charset="0"/>
+              </a:rPr>
+              <a:t>++</a:t>
+            </a:r>
+            <a:r>
+              <a:rPr lang="en-US" altLang="ko-KR" b="0" dirty="0">
+                <a:solidFill>
+                  <a:srgbClr val="3B3B3B"/>
+                </a:solidFill>
+                <a:effectLst/>
+                <a:latin typeface="DM Mono" panose="020B0509040201040103" pitchFamily="49" charset="0"/>
+              </a:rPr>
+              <a:t>(</a:t>
+            </a:r>
+            <a:r>
+              <a:rPr lang="en-US" altLang="ko-KR" b="0" dirty="0">
+                <a:solidFill>
+                  <a:srgbClr val="000000"/>
+                </a:solidFill>
+                <a:effectLst/>
+                <a:latin typeface="DM Mono" panose="020B0509040201040103" pitchFamily="49" charset="0"/>
+              </a:rPr>
+              <a:t>*</a:t>
+            </a:r>
+            <a:r>
+              <a:rPr lang="en-US" altLang="ko-KR" b="0" dirty="0" err="1">
+                <a:solidFill>
+                  <a:srgbClr val="001080"/>
+                </a:solidFill>
+                <a:effectLst/>
+                <a:latin typeface="DM Mono" panose="020B0509040201040103" pitchFamily="49" charset="0"/>
+              </a:rPr>
+              <a:t>px</a:t>
+            </a:r>
+            <a:r>
+              <a:rPr lang="en-US" altLang="ko-KR" b="0" dirty="0">
+                <a:solidFill>
+                  <a:srgbClr val="3B3B3B"/>
+                </a:solidFill>
+                <a:effectLst/>
+                <a:latin typeface="DM Mono" panose="020B0509040201040103" pitchFamily="49" charset="0"/>
+              </a:rPr>
+              <a:t>);</a:t>
+            </a:r>
+          </a:p>
+          <a:p>
+            <a:pPr>
+              <a:lnSpc>
+                <a:spcPts val="2700"/>
+              </a:lnSpc>
+              <a:buNone/>
+            </a:pPr>
+            <a:r>
+              <a:rPr lang="en-US" altLang="ko-KR" b="0" dirty="0">
+                <a:solidFill>
+                  <a:srgbClr val="3B3B3B"/>
+                </a:solidFill>
+                <a:effectLst/>
+                <a:latin typeface="DM Mono" panose="020B0509040201040103" pitchFamily="49" charset="0"/>
+              </a:rPr>
+              <a:t>}</a:t>
+            </a:r>
+          </a:p>
+          <a:p>
+            <a:pPr>
+              <a:lnSpc>
+                <a:spcPts val="2700"/>
+              </a:lnSpc>
+              <a:buNone/>
+            </a:pPr>
+            <a:br>
+              <a:rPr lang="en-US" altLang="ko-KR" b="0" dirty="0">
+                <a:solidFill>
+                  <a:srgbClr val="3B3B3B"/>
+                </a:solidFill>
+                <a:effectLst/>
+                <a:latin typeface="DM Mono" panose="020B0509040201040103" pitchFamily="49" charset="0"/>
+              </a:rPr>
+            </a:br>
+            <a:r>
+              <a:rPr lang="en-US" altLang="ko-KR" b="0" dirty="0">
+                <a:solidFill>
+                  <a:srgbClr val="0000FF"/>
+                </a:solidFill>
+                <a:effectLst/>
+                <a:latin typeface="DM Mono" panose="020B0509040201040103" pitchFamily="49" charset="0"/>
+              </a:rPr>
+              <a:t>int</a:t>
+            </a:r>
+            <a:r>
+              <a:rPr lang="en-US" altLang="ko-KR" b="0" dirty="0">
+                <a:solidFill>
+                  <a:srgbClr val="3B3B3B"/>
+                </a:solidFill>
+                <a:effectLst/>
+                <a:latin typeface="DM Mono" panose="020B0509040201040103" pitchFamily="49" charset="0"/>
+              </a:rPr>
+              <a:t> </a:t>
+            </a:r>
+            <a:r>
+              <a:rPr lang="en-US" altLang="ko-KR" b="0" dirty="0">
+                <a:solidFill>
+                  <a:srgbClr val="795E26"/>
+                </a:solidFill>
+                <a:effectLst/>
+                <a:latin typeface="DM Mono" panose="020B0509040201040103" pitchFamily="49" charset="0"/>
+              </a:rPr>
+              <a:t>main</a:t>
+            </a:r>
+            <a:r>
+              <a:rPr lang="en-US" altLang="ko-KR" b="0" dirty="0">
+                <a:solidFill>
+                  <a:srgbClr val="3B3B3B"/>
+                </a:solidFill>
+                <a:effectLst/>
+                <a:latin typeface="DM Mono" panose="020B0509040201040103" pitchFamily="49" charset="0"/>
+              </a:rPr>
+              <a:t>()</a:t>
+            </a:r>
+          </a:p>
+          <a:p>
+            <a:pPr>
+              <a:lnSpc>
+                <a:spcPts val="2700"/>
+              </a:lnSpc>
+              <a:buNone/>
+            </a:pPr>
+            <a:r>
+              <a:rPr lang="en-US" altLang="ko-KR" b="0" dirty="0">
+                <a:solidFill>
+                  <a:srgbClr val="3B3B3B"/>
+                </a:solidFill>
+                <a:effectLst/>
+                <a:latin typeface="DM Mono" panose="020B0509040201040103" pitchFamily="49" charset="0"/>
+              </a:rPr>
+              <a:t>{</a:t>
+            </a:r>
+          </a:p>
+          <a:p>
+            <a:pPr>
+              <a:lnSpc>
+                <a:spcPts val="2700"/>
+              </a:lnSpc>
+              <a:buNone/>
+            </a:pPr>
+            <a:r>
+              <a:rPr lang="en-US" altLang="ko-KR" b="0" dirty="0">
+                <a:solidFill>
+                  <a:srgbClr val="0000FF"/>
+                </a:solidFill>
+                <a:effectLst/>
+                <a:latin typeface="DM Mono" panose="020B0509040201040103" pitchFamily="49" charset="0"/>
+              </a:rPr>
+              <a:t>int</a:t>
+            </a:r>
+            <a:r>
+              <a:rPr lang="en-US" altLang="ko-KR" b="0" dirty="0">
+                <a:solidFill>
+                  <a:srgbClr val="3B3B3B"/>
+                </a:solidFill>
+                <a:effectLst/>
+                <a:latin typeface="DM Mono" panose="020B0509040201040103" pitchFamily="49" charset="0"/>
+              </a:rPr>
+              <a:t> </a:t>
+            </a:r>
+            <a:r>
+              <a:rPr lang="en-US" altLang="ko-KR" b="0" dirty="0">
+                <a:solidFill>
+                  <a:srgbClr val="001080"/>
+                </a:solidFill>
+                <a:effectLst/>
+                <a:latin typeface="DM Mono" panose="020B0509040201040103" pitchFamily="49" charset="0"/>
+              </a:rPr>
+              <a:t>x</a:t>
+            </a:r>
+            <a:r>
+              <a:rPr lang="en-US" altLang="ko-KR" b="0" dirty="0">
+                <a:solidFill>
+                  <a:srgbClr val="3B3B3B"/>
+                </a:solidFill>
+                <a:effectLst/>
+                <a:latin typeface="DM Mono" panose="020B0509040201040103" pitchFamily="49" charset="0"/>
+              </a:rPr>
+              <a:t> </a:t>
+            </a:r>
+            <a:r>
+              <a:rPr lang="en-US" altLang="ko-KR" b="0" dirty="0">
+                <a:solidFill>
+                  <a:srgbClr val="000000"/>
+                </a:solidFill>
+                <a:effectLst/>
+                <a:latin typeface="DM Mono" panose="020B0509040201040103" pitchFamily="49" charset="0"/>
+              </a:rPr>
+              <a:t>=</a:t>
+            </a:r>
+            <a:r>
+              <a:rPr lang="en-US" altLang="ko-KR" b="0" dirty="0">
+                <a:solidFill>
+                  <a:srgbClr val="3B3B3B"/>
+                </a:solidFill>
+                <a:effectLst/>
+                <a:latin typeface="DM Mono" panose="020B0509040201040103" pitchFamily="49" charset="0"/>
+              </a:rPr>
+              <a:t> </a:t>
+            </a:r>
+            <a:r>
+              <a:rPr lang="en-US" altLang="ko-KR" b="0" dirty="0">
+                <a:solidFill>
+                  <a:srgbClr val="098658"/>
+                </a:solidFill>
+                <a:effectLst/>
+                <a:latin typeface="DM Mono" panose="020B0509040201040103" pitchFamily="49" charset="0"/>
+              </a:rPr>
+              <a:t>10</a:t>
+            </a:r>
+            <a:r>
+              <a:rPr lang="en-US" altLang="ko-KR" b="0" dirty="0">
+                <a:solidFill>
+                  <a:srgbClr val="3B3B3B"/>
+                </a:solidFill>
+                <a:effectLst/>
+                <a:latin typeface="DM Mono" panose="020B0509040201040103" pitchFamily="49" charset="0"/>
+              </a:rPr>
+              <a:t>;</a:t>
+            </a:r>
+          </a:p>
+          <a:p>
+            <a:pPr>
+              <a:lnSpc>
+                <a:spcPts val="2700"/>
+              </a:lnSpc>
+              <a:buNone/>
+            </a:pPr>
+            <a:br>
+              <a:rPr lang="en-US" altLang="ko-KR" b="0" dirty="0">
+                <a:solidFill>
+                  <a:srgbClr val="3B3B3B"/>
+                </a:solidFill>
+                <a:effectLst/>
+                <a:latin typeface="DM Mono" panose="020B0509040201040103" pitchFamily="49" charset="0"/>
+              </a:rPr>
+            </a:br>
+            <a:r>
+              <a:rPr lang="en-US" altLang="ko-KR" b="0" dirty="0">
+                <a:solidFill>
+                  <a:srgbClr val="795E26"/>
+                </a:solidFill>
+                <a:effectLst/>
+                <a:latin typeface="DM Mono" panose="020B0509040201040103" pitchFamily="49" charset="0"/>
+              </a:rPr>
+              <a:t>Increment</a:t>
+            </a:r>
+            <a:r>
+              <a:rPr lang="en-US" altLang="ko-KR" b="0" dirty="0">
+                <a:solidFill>
+                  <a:srgbClr val="3B3B3B"/>
+                </a:solidFill>
+                <a:effectLst/>
+                <a:latin typeface="DM Mono" panose="020B0509040201040103" pitchFamily="49" charset="0"/>
+              </a:rPr>
+              <a:t>(</a:t>
+            </a:r>
+            <a:r>
+              <a:rPr lang="en-US" altLang="ko-KR" b="0" dirty="0">
+                <a:solidFill>
+                  <a:srgbClr val="000000"/>
+                </a:solidFill>
+                <a:effectLst/>
+                <a:latin typeface="DM Mono" panose="020B0509040201040103" pitchFamily="49" charset="0"/>
+              </a:rPr>
+              <a:t>&amp;</a:t>
+            </a:r>
+            <a:r>
+              <a:rPr lang="en-US" altLang="ko-KR" b="0" dirty="0">
+                <a:solidFill>
+                  <a:srgbClr val="001080"/>
+                </a:solidFill>
+                <a:effectLst/>
+                <a:latin typeface="DM Mono" panose="020B0509040201040103" pitchFamily="49" charset="0"/>
+              </a:rPr>
+              <a:t>x</a:t>
+            </a:r>
+            <a:r>
+              <a:rPr lang="en-US" altLang="ko-KR" b="0" dirty="0">
+                <a:solidFill>
+                  <a:srgbClr val="3B3B3B"/>
+                </a:solidFill>
+                <a:effectLst/>
+                <a:latin typeface="DM Mono" panose="020B0509040201040103" pitchFamily="49" charset="0"/>
+              </a:rPr>
+              <a:t>);</a:t>
+            </a:r>
+          </a:p>
+          <a:p>
+            <a:pPr>
+              <a:lnSpc>
+                <a:spcPts val="2700"/>
+              </a:lnSpc>
+              <a:buNone/>
+            </a:pPr>
+            <a:r>
+              <a:rPr lang="en-US" altLang="ko-KR" b="0" dirty="0" err="1">
+                <a:solidFill>
+                  <a:srgbClr val="001080"/>
+                </a:solidFill>
+                <a:effectLst/>
+                <a:latin typeface="DM Mono" panose="020B0509040201040103" pitchFamily="49" charset="0"/>
+              </a:rPr>
+              <a:t>cout</a:t>
+            </a:r>
+            <a:r>
+              <a:rPr lang="en-US" altLang="ko-KR" b="0" dirty="0">
+                <a:solidFill>
+                  <a:srgbClr val="3B3B3B"/>
+                </a:solidFill>
+                <a:effectLst/>
+                <a:latin typeface="DM Mono" panose="020B0509040201040103" pitchFamily="49" charset="0"/>
+              </a:rPr>
+              <a:t> </a:t>
+            </a:r>
+            <a:r>
+              <a:rPr lang="en-US" altLang="ko-KR" b="0" dirty="0">
+                <a:solidFill>
+                  <a:srgbClr val="795E26"/>
+                </a:solidFill>
+                <a:effectLst/>
+                <a:latin typeface="DM Mono" panose="020B0509040201040103" pitchFamily="49" charset="0"/>
+              </a:rPr>
+              <a:t>&lt;&lt;</a:t>
+            </a:r>
+            <a:r>
+              <a:rPr lang="en-US" altLang="ko-KR" b="0" dirty="0">
+                <a:solidFill>
+                  <a:srgbClr val="3B3B3B"/>
+                </a:solidFill>
+                <a:effectLst/>
+                <a:latin typeface="DM Mono" panose="020B0509040201040103" pitchFamily="49" charset="0"/>
+              </a:rPr>
+              <a:t> </a:t>
+            </a:r>
+            <a:r>
+              <a:rPr lang="en-US" altLang="ko-KR" b="0" dirty="0">
+                <a:solidFill>
+                  <a:srgbClr val="001080"/>
+                </a:solidFill>
+                <a:effectLst/>
+                <a:latin typeface="DM Mono" panose="020B0509040201040103" pitchFamily="49" charset="0"/>
+              </a:rPr>
+              <a:t>x</a:t>
+            </a:r>
+            <a:r>
+              <a:rPr lang="en-US" altLang="ko-KR" b="0" dirty="0">
+                <a:solidFill>
+                  <a:srgbClr val="3B3B3B"/>
+                </a:solidFill>
+                <a:effectLst/>
+                <a:latin typeface="DM Mono" panose="020B0509040201040103" pitchFamily="49" charset="0"/>
+              </a:rPr>
+              <a:t> </a:t>
+            </a:r>
+            <a:r>
+              <a:rPr lang="en-US" altLang="ko-KR" b="0" dirty="0">
+                <a:solidFill>
+                  <a:srgbClr val="795E26"/>
+                </a:solidFill>
+                <a:effectLst/>
+                <a:latin typeface="DM Mono" panose="020B0509040201040103" pitchFamily="49" charset="0"/>
+              </a:rPr>
+              <a:t>&lt;&lt;</a:t>
+            </a:r>
+            <a:r>
+              <a:rPr lang="en-US" altLang="ko-KR" b="0" dirty="0">
+                <a:solidFill>
+                  <a:srgbClr val="3B3B3B"/>
+                </a:solidFill>
+                <a:effectLst/>
+                <a:latin typeface="DM Mono" panose="020B0509040201040103" pitchFamily="49" charset="0"/>
+              </a:rPr>
+              <a:t> </a:t>
+            </a:r>
+            <a:r>
+              <a:rPr lang="en-US" altLang="ko-KR" b="0" dirty="0" err="1">
+                <a:solidFill>
+                  <a:srgbClr val="795E26"/>
+                </a:solidFill>
+                <a:effectLst/>
+                <a:latin typeface="DM Mono" panose="020B0509040201040103" pitchFamily="49" charset="0"/>
+              </a:rPr>
+              <a:t>endl</a:t>
+            </a:r>
+            <a:r>
+              <a:rPr lang="en-US" altLang="ko-KR" b="0" dirty="0">
+                <a:solidFill>
+                  <a:srgbClr val="3B3B3B"/>
+                </a:solidFill>
+                <a:effectLst/>
+                <a:latin typeface="DM Mono" panose="020B0509040201040103" pitchFamily="49" charset="0"/>
+              </a:rPr>
+              <a:t>;</a:t>
+            </a:r>
+          </a:p>
+          <a:p>
+            <a:pPr>
+              <a:lnSpc>
+                <a:spcPts val="2700"/>
+              </a:lnSpc>
+            </a:pPr>
+            <a:r>
+              <a:rPr lang="en-US" altLang="ko-KR" b="0" dirty="0">
+                <a:solidFill>
+                  <a:srgbClr val="3B3B3B"/>
+                </a:solidFill>
+                <a:effectLst/>
+                <a:latin typeface="DM Mono" panose="020B0509040201040103" pitchFamily="49" charset="0"/>
+              </a:rPr>
+              <a:t>}</a:t>
+            </a:r>
+          </a:p>
+        </p:txBody>
+      </p:sp>
+      <p:sp>
+        <p:nvSpPr>
+          <p:cNvPr id="6" name="직사각형 5">
+            <a:extLst>
+              <a:ext uri="{FF2B5EF4-FFF2-40B4-BE49-F238E27FC236}">
+                <a16:creationId xmlns:a16="http://schemas.microsoft.com/office/drawing/2014/main" id="{8398DC21-1561-1A86-462D-CE1DEE5C9756}"/>
+              </a:ext>
+            </a:extLst>
+          </p:cNvPr>
+          <p:cNvSpPr/>
+          <p:nvPr/>
+        </p:nvSpPr>
+        <p:spPr>
+          <a:xfrm>
+            <a:off x="4969042" y="3429000"/>
+            <a:ext cx="3793958" cy="2490537"/>
+          </a:xfrm>
+          <a:prstGeom prst="rect">
+            <a:avLst/>
+          </a:prstGeom>
+          <a:solidFill>
+            <a:schemeClr val="bg1"/>
+          </a:solidFill>
+        </p:spPr>
+        <p:style>
+          <a:lnRef idx="2">
+            <a:schemeClr val="accent1">
+              <a:shade val="15000"/>
+            </a:schemeClr>
+          </a:lnRef>
+          <a:fillRef idx="1">
+            <a:schemeClr val="accent1"/>
+          </a:fillRef>
+          <a:effectRef idx="0">
+            <a:schemeClr val="accent1"/>
+          </a:effectRef>
+          <a:fontRef idx="minor">
+            <a:schemeClr val="lt1"/>
+          </a:fontRef>
+        </p:style>
+        <p:txBody>
+          <a:bodyPr rtlCol="0" anchor="ctr"/>
+          <a:lstStyle/>
+          <a:p>
+            <a:pPr algn="ctr"/>
+            <a:r>
+              <a:rPr kumimoji="1" lang="en-US" altLang="ko-KR" dirty="0"/>
+              <a:t>0x16ce92c2c</a:t>
+            </a:r>
+            <a:endParaRPr kumimoji="1" lang="ko-KR" altLang="en-US" dirty="0"/>
+          </a:p>
+        </p:txBody>
+      </p:sp>
+      <p:sp>
+        <p:nvSpPr>
+          <p:cNvPr id="7" name="직사각형 6">
+            <a:extLst>
+              <a:ext uri="{FF2B5EF4-FFF2-40B4-BE49-F238E27FC236}">
+                <a16:creationId xmlns:a16="http://schemas.microsoft.com/office/drawing/2014/main" id="{CDE5A4C1-7DA2-DDE3-487E-EE4ACCB97F76}"/>
+              </a:ext>
+            </a:extLst>
+          </p:cNvPr>
+          <p:cNvSpPr/>
+          <p:nvPr/>
+        </p:nvSpPr>
+        <p:spPr>
+          <a:xfrm>
+            <a:off x="6260432" y="4491101"/>
+            <a:ext cx="1287379" cy="841803"/>
+          </a:xfrm>
+          <a:prstGeom prst="rect">
+            <a:avLst/>
+          </a:prstGeom>
+        </p:spPr>
+        <p:style>
+          <a:lnRef idx="2">
+            <a:schemeClr val="accent4">
+              <a:shade val="15000"/>
+            </a:schemeClr>
+          </a:lnRef>
+          <a:fillRef idx="1">
+            <a:schemeClr val="accent4"/>
+          </a:fillRef>
+          <a:effectRef idx="0">
+            <a:schemeClr val="accent4"/>
+          </a:effectRef>
+          <a:fontRef idx="minor">
+            <a:schemeClr val="lt1"/>
+          </a:fontRef>
+        </p:style>
+        <p:txBody>
+          <a:bodyPr rtlCol="0" anchor="ctr"/>
+          <a:lstStyle/>
+          <a:p>
+            <a:pPr algn="ctr"/>
+            <a:r>
+              <a:rPr kumimoji="1" lang="en-US" altLang="ko-KR" dirty="0">
+                <a:solidFill>
+                  <a:srgbClr val="FF0000"/>
+                </a:solidFill>
+                <a:latin typeface="DM Mono" panose="020B0509040201040103" pitchFamily="49" charset="0"/>
+              </a:rPr>
+              <a:t>10</a:t>
+            </a:r>
+            <a:endParaRPr kumimoji="1" lang="ko-KR" altLang="en-US" dirty="0">
+              <a:solidFill>
+                <a:srgbClr val="FF0000"/>
+              </a:solidFill>
+              <a:latin typeface="DM Mono" panose="020B0509040201040103" pitchFamily="49" charset="0"/>
+            </a:endParaRPr>
+          </a:p>
+        </p:txBody>
+      </p:sp>
+      <p:sp>
+        <p:nvSpPr>
+          <p:cNvPr id="8" name="TextBox 7">
+            <a:extLst>
+              <a:ext uri="{FF2B5EF4-FFF2-40B4-BE49-F238E27FC236}">
+                <a16:creationId xmlns:a16="http://schemas.microsoft.com/office/drawing/2014/main" id="{5609E64C-5B6D-0469-23D3-10700A8785FB}"/>
+              </a:ext>
+            </a:extLst>
+          </p:cNvPr>
+          <p:cNvSpPr txBox="1"/>
+          <p:nvPr/>
+        </p:nvSpPr>
+        <p:spPr>
+          <a:xfrm>
+            <a:off x="4772025" y="4727336"/>
+            <a:ext cx="1476889" cy="369332"/>
+          </a:xfrm>
+          <a:prstGeom prst="rect">
+            <a:avLst/>
+          </a:prstGeom>
+          <a:noFill/>
+        </p:spPr>
+        <p:txBody>
+          <a:bodyPr wrap="square" rtlCol="0">
+            <a:spAutoFit/>
+          </a:bodyPr>
+          <a:lstStyle/>
+          <a:p>
+            <a:pPr algn="r"/>
+            <a:r>
+              <a:rPr kumimoji="1" lang="en-US" altLang="ko-KR" dirty="0">
+                <a:latin typeface="DM Mono" panose="020B0509040201040103" pitchFamily="49" charset="0"/>
+              </a:rPr>
+              <a:t>x</a:t>
+            </a:r>
+            <a:endParaRPr kumimoji="1" lang="ko-KR" altLang="en-US" dirty="0">
+              <a:solidFill>
+                <a:srgbClr val="FF0000"/>
+              </a:solidFill>
+              <a:latin typeface="DM Mono" panose="020B0509040201040103" pitchFamily="49" charset="0"/>
+            </a:endParaRPr>
+          </a:p>
+        </p:txBody>
+      </p:sp>
+      <p:sp>
+        <p:nvSpPr>
+          <p:cNvPr id="10" name="TextBox 9">
+            <a:extLst>
+              <a:ext uri="{FF2B5EF4-FFF2-40B4-BE49-F238E27FC236}">
+                <a16:creationId xmlns:a16="http://schemas.microsoft.com/office/drawing/2014/main" id="{1B1775E9-3817-748E-B492-142FB95C8B65}"/>
+              </a:ext>
+            </a:extLst>
+          </p:cNvPr>
+          <p:cNvSpPr txBox="1"/>
+          <p:nvPr/>
+        </p:nvSpPr>
+        <p:spPr>
+          <a:xfrm>
+            <a:off x="5483570" y="4120338"/>
+            <a:ext cx="1638300" cy="307777"/>
+          </a:xfrm>
+          <a:prstGeom prst="rect">
+            <a:avLst/>
+          </a:prstGeom>
+          <a:noFill/>
+        </p:spPr>
+        <p:txBody>
+          <a:bodyPr wrap="square">
+            <a:spAutoFit/>
+          </a:bodyPr>
+          <a:lstStyle/>
+          <a:p>
+            <a:r>
+              <a:rPr lang="en-US" altLang="ko-KR" sz="1400" b="1" dirty="0">
+                <a:latin typeface="DM Mono" panose="020B0509040201040103" pitchFamily="49" charset="0"/>
+              </a:rPr>
+              <a:t>0x100</a:t>
+            </a:r>
+            <a:endParaRPr lang="ko-KR" altLang="en-US" sz="1400" b="1" dirty="0">
+              <a:latin typeface="DM Mono" panose="020B0509040201040103" pitchFamily="49" charset="0"/>
+            </a:endParaRPr>
+          </a:p>
+        </p:txBody>
+      </p:sp>
+      <p:sp>
+        <p:nvSpPr>
+          <p:cNvPr id="2" name="TextBox 1">
+            <a:extLst>
+              <a:ext uri="{FF2B5EF4-FFF2-40B4-BE49-F238E27FC236}">
+                <a16:creationId xmlns:a16="http://schemas.microsoft.com/office/drawing/2014/main" id="{3907C361-A13B-39DF-962B-3103A872FBD6}"/>
+              </a:ext>
+            </a:extLst>
+          </p:cNvPr>
+          <p:cNvSpPr txBox="1"/>
+          <p:nvPr/>
+        </p:nvSpPr>
+        <p:spPr>
+          <a:xfrm>
+            <a:off x="4969042" y="3058237"/>
+            <a:ext cx="3793958" cy="307777"/>
+          </a:xfrm>
+          <a:prstGeom prst="rect">
+            <a:avLst/>
+          </a:prstGeom>
+          <a:noFill/>
+        </p:spPr>
+        <p:txBody>
+          <a:bodyPr wrap="square">
+            <a:spAutoFit/>
+          </a:bodyPr>
+          <a:lstStyle/>
+          <a:p>
+            <a:pPr algn="ctr"/>
+            <a:r>
+              <a:rPr lang="en-US" altLang="ko-KR" sz="1400" b="1" dirty="0">
+                <a:latin typeface="DM Mono" panose="020B0509040201040103" pitchFamily="49" charset="0"/>
+              </a:rPr>
+              <a:t>main</a:t>
+            </a:r>
+            <a:endParaRPr lang="ko-KR" altLang="en-US" sz="1400" b="1" dirty="0">
+              <a:latin typeface="DM Mono" panose="020B0509040201040103" pitchFamily="49" charset="0"/>
+            </a:endParaRPr>
+          </a:p>
+        </p:txBody>
+      </p:sp>
+    </p:spTree>
+    <p:extLst>
+      <p:ext uri="{BB962C8B-B14F-4D97-AF65-F5344CB8AC3E}">
+        <p14:creationId xmlns:p14="http://schemas.microsoft.com/office/powerpoint/2010/main" val="2251000698"/>
+      </p:ext>
+    </p:extLst>
+  </p:cSld>
+  <p:clrMapOvr>
+    <a:masterClrMapping/>
+  </p:clrMapOvr>
+</p:sld>
+</file>
+
+<file path=ppt/slides/slide14.xml><?xml version="1.0" encoding="utf-8"?>
+<p:sld xmlns:a="http://schemas.openxmlformats.org/drawingml/2006/main" xmlns:r="http://schemas.openxmlformats.org/officeDocument/2006/relationships" xmlns:p="http://schemas.openxmlformats.org/presentationml/2006/main">
+  <p:cSld>
+    <p:spTree>
+      <p:nvGrpSpPr>
+        <p:cNvPr id="1" name="">
+          <a:extLst>
+            <a:ext uri="{FF2B5EF4-FFF2-40B4-BE49-F238E27FC236}">
+              <a16:creationId xmlns:a16="http://schemas.microsoft.com/office/drawing/2014/main" id="{53385934-7F0F-813E-BF68-5196CEC00B64}"/>
+            </a:ext>
+          </a:extLst>
+        </p:cNvPr>
+        <p:cNvGrpSpPr/>
+        <p:nvPr/>
+      </p:nvGrpSpPr>
+      <p:grpSpPr>
+        <a:xfrm>
+          <a:off x="0" y="0"/>
+          <a:ext cx="0" cy="0"/>
+          <a:chOff x="0" y="0"/>
+          <a:chExt cx="0" cy="0"/>
+        </a:xfrm>
+      </p:grpSpPr>
+      <p:sp>
+        <p:nvSpPr>
+          <p:cNvPr id="5" name="TextBox 4">
+            <a:extLst>
+              <a:ext uri="{FF2B5EF4-FFF2-40B4-BE49-F238E27FC236}">
+                <a16:creationId xmlns:a16="http://schemas.microsoft.com/office/drawing/2014/main" id="{D697443C-268C-FB59-2464-07C04203AC31}"/>
+              </a:ext>
+            </a:extLst>
+          </p:cNvPr>
+          <p:cNvSpPr txBox="1"/>
+          <p:nvPr/>
+        </p:nvSpPr>
+        <p:spPr>
+          <a:xfrm>
+            <a:off x="383362" y="588935"/>
+            <a:ext cx="6093994" cy="4226735"/>
+          </a:xfrm>
+          <a:prstGeom prst="rect">
+            <a:avLst/>
+          </a:prstGeom>
+          <a:noFill/>
+        </p:spPr>
+        <p:txBody>
+          <a:bodyPr wrap="square">
+            <a:spAutoFit/>
+          </a:bodyPr>
+          <a:lstStyle/>
+          <a:p>
+            <a:pPr>
+              <a:lnSpc>
+                <a:spcPts val="2700"/>
+              </a:lnSpc>
+              <a:buNone/>
+            </a:pPr>
+            <a:r>
+              <a:rPr lang="en-US" altLang="ko-KR" b="0" dirty="0">
+                <a:solidFill>
+                  <a:srgbClr val="0000FF"/>
+                </a:solidFill>
+                <a:effectLst/>
+                <a:latin typeface="DM Mono" panose="020B0509040201040103" pitchFamily="49" charset="0"/>
+              </a:rPr>
+              <a:t>void</a:t>
+            </a:r>
+            <a:r>
+              <a:rPr lang="en-US" altLang="ko-KR" b="0" dirty="0">
+                <a:solidFill>
+                  <a:srgbClr val="3B3B3B"/>
+                </a:solidFill>
+                <a:effectLst/>
+                <a:latin typeface="DM Mono" panose="020B0509040201040103" pitchFamily="49" charset="0"/>
+              </a:rPr>
+              <a:t> </a:t>
+            </a:r>
+            <a:r>
+              <a:rPr lang="en-US" altLang="ko-KR" b="0" dirty="0">
+                <a:solidFill>
+                  <a:srgbClr val="795E26"/>
+                </a:solidFill>
+                <a:effectLst/>
+                <a:latin typeface="DM Mono" panose="020B0509040201040103" pitchFamily="49" charset="0"/>
+              </a:rPr>
+              <a:t>Increment</a:t>
+            </a:r>
+            <a:r>
+              <a:rPr lang="en-US" altLang="ko-KR" b="0" dirty="0">
+                <a:solidFill>
+                  <a:srgbClr val="3B3B3B"/>
+                </a:solidFill>
+                <a:effectLst/>
+                <a:latin typeface="DM Mono" panose="020B0509040201040103" pitchFamily="49" charset="0"/>
+              </a:rPr>
+              <a:t>(</a:t>
+            </a:r>
+            <a:r>
+              <a:rPr lang="en-US" altLang="ko-KR" b="0" dirty="0">
+                <a:solidFill>
+                  <a:srgbClr val="0000FF"/>
+                </a:solidFill>
+                <a:effectLst/>
+                <a:latin typeface="DM Mono" panose="020B0509040201040103" pitchFamily="49" charset="0"/>
+              </a:rPr>
+              <a:t>int</a:t>
+            </a:r>
+            <a:r>
+              <a:rPr lang="en-US" altLang="ko-KR" b="0" dirty="0">
+                <a:solidFill>
+                  <a:srgbClr val="3B3B3B"/>
+                </a:solidFill>
+                <a:effectLst/>
+                <a:latin typeface="DM Mono" panose="020B0509040201040103" pitchFamily="49" charset="0"/>
+              </a:rPr>
+              <a:t> </a:t>
+            </a:r>
+            <a:r>
+              <a:rPr lang="en-US" altLang="ko-KR" b="0" dirty="0">
+                <a:solidFill>
+                  <a:srgbClr val="0000FF"/>
+                </a:solidFill>
+                <a:effectLst/>
+                <a:latin typeface="DM Mono" panose="020B0509040201040103" pitchFamily="49" charset="0"/>
+              </a:rPr>
+              <a:t>*</a:t>
+            </a:r>
+            <a:r>
+              <a:rPr lang="en-US" altLang="ko-KR" b="0" dirty="0" err="1">
+                <a:solidFill>
+                  <a:srgbClr val="001080"/>
+                </a:solidFill>
+                <a:effectLst/>
+                <a:latin typeface="DM Mono" panose="020B0509040201040103" pitchFamily="49" charset="0"/>
+              </a:rPr>
+              <a:t>px</a:t>
+            </a:r>
+            <a:r>
+              <a:rPr lang="en-US" altLang="ko-KR" b="0" dirty="0">
+                <a:solidFill>
+                  <a:srgbClr val="3B3B3B"/>
+                </a:solidFill>
+                <a:effectLst/>
+                <a:latin typeface="DM Mono" panose="020B0509040201040103" pitchFamily="49" charset="0"/>
+              </a:rPr>
+              <a:t>)</a:t>
+            </a:r>
+          </a:p>
+          <a:p>
+            <a:pPr>
+              <a:lnSpc>
+                <a:spcPts val="2700"/>
+              </a:lnSpc>
+              <a:buNone/>
+            </a:pPr>
+            <a:r>
+              <a:rPr lang="en-US" altLang="ko-KR" b="0" dirty="0">
+                <a:solidFill>
+                  <a:srgbClr val="3B3B3B"/>
+                </a:solidFill>
+                <a:effectLst/>
+                <a:latin typeface="DM Mono" panose="020B0509040201040103" pitchFamily="49" charset="0"/>
+              </a:rPr>
+              <a:t>{</a:t>
+            </a:r>
+          </a:p>
+          <a:p>
+            <a:pPr>
+              <a:lnSpc>
+                <a:spcPts val="2700"/>
+              </a:lnSpc>
+              <a:buNone/>
+            </a:pPr>
+            <a:r>
+              <a:rPr lang="en-US" altLang="ko-KR" b="0" dirty="0">
+                <a:solidFill>
+                  <a:srgbClr val="000000"/>
+                </a:solidFill>
+                <a:effectLst/>
+                <a:latin typeface="DM Mono" panose="020B0509040201040103" pitchFamily="49" charset="0"/>
+              </a:rPr>
+              <a:t>++</a:t>
+            </a:r>
+            <a:r>
+              <a:rPr lang="en-US" altLang="ko-KR" b="0" dirty="0">
+                <a:solidFill>
+                  <a:srgbClr val="3B3B3B"/>
+                </a:solidFill>
+                <a:effectLst/>
+                <a:latin typeface="DM Mono" panose="020B0509040201040103" pitchFamily="49" charset="0"/>
+              </a:rPr>
+              <a:t>(</a:t>
+            </a:r>
+            <a:r>
+              <a:rPr lang="en-US" altLang="ko-KR" b="0" dirty="0">
+                <a:solidFill>
+                  <a:srgbClr val="000000"/>
+                </a:solidFill>
+                <a:effectLst/>
+                <a:latin typeface="DM Mono" panose="020B0509040201040103" pitchFamily="49" charset="0"/>
+              </a:rPr>
+              <a:t>*</a:t>
+            </a:r>
+            <a:r>
+              <a:rPr lang="en-US" altLang="ko-KR" b="0" dirty="0" err="1">
+                <a:solidFill>
+                  <a:srgbClr val="001080"/>
+                </a:solidFill>
+                <a:effectLst/>
+                <a:latin typeface="DM Mono" panose="020B0509040201040103" pitchFamily="49" charset="0"/>
+              </a:rPr>
+              <a:t>px</a:t>
+            </a:r>
+            <a:r>
+              <a:rPr lang="en-US" altLang="ko-KR" b="0" dirty="0">
+                <a:solidFill>
+                  <a:srgbClr val="3B3B3B"/>
+                </a:solidFill>
+                <a:effectLst/>
+                <a:latin typeface="DM Mono" panose="020B0509040201040103" pitchFamily="49" charset="0"/>
+              </a:rPr>
+              <a:t>);</a:t>
+            </a:r>
+          </a:p>
+          <a:p>
+            <a:pPr>
+              <a:lnSpc>
+                <a:spcPts val="2700"/>
+              </a:lnSpc>
+              <a:buNone/>
+            </a:pPr>
+            <a:r>
+              <a:rPr lang="en-US" altLang="ko-KR" b="0" dirty="0">
+                <a:solidFill>
+                  <a:srgbClr val="3B3B3B"/>
+                </a:solidFill>
+                <a:effectLst/>
+                <a:latin typeface="DM Mono" panose="020B0509040201040103" pitchFamily="49" charset="0"/>
+              </a:rPr>
+              <a:t>}</a:t>
+            </a:r>
+          </a:p>
+          <a:p>
+            <a:pPr>
+              <a:lnSpc>
+                <a:spcPts val="2700"/>
+              </a:lnSpc>
+              <a:buNone/>
+            </a:pPr>
+            <a:br>
+              <a:rPr lang="en-US" altLang="ko-KR" b="0" dirty="0">
+                <a:solidFill>
+                  <a:srgbClr val="3B3B3B"/>
+                </a:solidFill>
+                <a:effectLst/>
+                <a:latin typeface="DM Mono" panose="020B0509040201040103" pitchFamily="49" charset="0"/>
+              </a:rPr>
+            </a:br>
+            <a:r>
+              <a:rPr lang="en-US" altLang="ko-KR" b="0" dirty="0">
+                <a:solidFill>
+                  <a:srgbClr val="0000FF"/>
+                </a:solidFill>
+                <a:effectLst/>
+                <a:latin typeface="DM Mono" panose="020B0509040201040103" pitchFamily="49" charset="0"/>
+              </a:rPr>
+              <a:t>int</a:t>
+            </a:r>
+            <a:r>
+              <a:rPr lang="en-US" altLang="ko-KR" b="0" dirty="0">
+                <a:solidFill>
+                  <a:srgbClr val="3B3B3B"/>
+                </a:solidFill>
+                <a:effectLst/>
+                <a:latin typeface="DM Mono" panose="020B0509040201040103" pitchFamily="49" charset="0"/>
+              </a:rPr>
+              <a:t> </a:t>
+            </a:r>
+            <a:r>
+              <a:rPr lang="en-US" altLang="ko-KR" b="0" dirty="0">
+                <a:solidFill>
+                  <a:srgbClr val="795E26"/>
+                </a:solidFill>
+                <a:effectLst/>
+                <a:latin typeface="DM Mono" panose="020B0509040201040103" pitchFamily="49" charset="0"/>
+              </a:rPr>
+              <a:t>main</a:t>
+            </a:r>
+            <a:r>
+              <a:rPr lang="en-US" altLang="ko-KR" b="0" dirty="0">
+                <a:solidFill>
+                  <a:srgbClr val="3B3B3B"/>
+                </a:solidFill>
+                <a:effectLst/>
+                <a:latin typeface="DM Mono" panose="020B0509040201040103" pitchFamily="49" charset="0"/>
+              </a:rPr>
+              <a:t>()</a:t>
+            </a:r>
+          </a:p>
+          <a:p>
+            <a:pPr>
+              <a:lnSpc>
+                <a:spcPts val="2700"/>
+              </a:lnSpc>
+              <a:buNone/>
+            </a:pPr>
+            <a:r>
+              <a:rPr lang="en-US" altLang="ko-KR" b="0" dirty="0">
+                <a:solidFill>
+                  <a:srgbClr val="3B3B3B"/>
+                </a:solidFill>
+                <a:effectLst/>
+                <a:latin typeface="DM Mono" panose="020B0509040201040103" pitchFamily="49" charset="0"/>
+              </a:rPr>
+              <a:t>{</a:t>
+            </a:r>
+          </a:p>
+          <a:p>
+            <a:pPr>
+              <a:lnSpc>
+                <a:spcPts val="2700"/>
+              </a:lnSpc>
+              <a:buNone/>
+            </a:pPr>
+            <a:r>
+              <a:rPr lang="en-US" altLang="ko-KR" b="0" dirty="0">
+                <a:solidFill>
+                  <a:srgbClr val="0000FF"/>
+                </a:solidFill>
+                <a:effectLst/>
+                <a:latin typeface="DM Mono" panose="020B0509040201040103" pitchFamily="49" charset="0"/>
+              </a:rPr>
+              <a:t>int</a:t>
+            </a:r>
+            <a:r>
+              <a:rPr lang="en-US" altLang="ko-KR" b="0" dirty="0">
+                <a:solidFill>
+                  <a:srgbClr val="3B3B3B"/>
+                </a:solidFill>
+                <a:effectLst/>
+                <a:latin typeface="DM Mono" panose="020B0509040201040103" pitchFamily="49" charset="0"/>
+              </a:rPr>
+              <a:t> </a:t>
+            </a:r>
+            <a:r>
+              <a:rPr lang="en-US" altLang="ko-KR" b="0" dirty="0">
+                <a:solidFill>
+                  <a:srgbClr val="001080"/>
+                </a:solidFill>
+                <a:effectLst/>
+                <a:latin typeface="DM Mono" panose="020B0509040201040103" pitchFamily="49" charset="0"/>
+              </a:rPr>
+              <a:t>x</a:t>
+            </a:r>
+            <a:r>
+              <a:rPr lang="en-US" altLang="ko-KR" b="0" dirty="0">
+                <a:solidFill>
+                  <a:srgbClr val="3B3B3B"/>
+                </a:solidFill>
+                <a:effectLst/>
+                <a:latin typeface="DM Mono" panose="020B0509040201040103" pitchFamily="49" charset="0"/>
+              </a:rPr>
+              <a:t> </a:t>
+            </a:r>
+            <a:r>
+              <a:rPr lang="en-US" altLang="ko-KR" b="0" dirty="0">
+                <a:solidFill>
+                  <a:srgbClr val="000000"/>
+                </a:solidFill>
+                <a:effectLst/>
+                <a:latin typeface="DM Mono" panose="020B0509040201040103" pitchFamily="49" charset="0"/>
+              </a:rPr>
+              <a:t>=</a:t>
+            </a:r>
+            <a:r>
+              <a:rPr lang="en-US" altLang="ko-KR" b="0" dirty="0">
+                <a:solidFill>
+                  <a:srgbClr val="3B3B3B"/>
+                </a:solidFill>
+                <a:effectLst/>
+                <a:latin typeface="DM Mono" panose="020B0509040201040103" pitchFamily="49" charset="0"/>
+              </a:rPr>
+              <a:t> </a:t>
+            </a:r>
+            <a:r>
+              <a:rPr lang="en-US" altLang="ko-KR" b="0" dirty="0">
+                <a:solidFill>
+                  <a:srgbClr val="098658"/>
+                </a:solidFill>
+                <a:effectLst/>
+                <a:latin typeface="DM Mono" panose="020B0509040201040103" pitchFamily="49" charset="0"/>
+              </a:rPr>
+              <a:t>10</a:t>
+            </a:r>
+            <a:r>
+              <a:rPr lang="en-US" altLang="ko-KR" b="0" dirty="0">
+                <a:solidFill>
+                  <a:srgbClr val="3B3B3B"/>
+                </a:solidFill>
+                <a:effectLst/>
+                <a:latin typeface="DM Mono" panose="020B0509040201040103" pitchFamily="49" charset="0"/>
+              </a:rPr>
+              <a:t>;</a:t>
+            </a:r>
+          </a:p>
+          <a:p>
+            <a:pPr>
+              <a:lnSpc>
+                <a:spcPts val="2700"/>
+              </a:lnSpc>
+              <a:buNone/>
+            </a:pPr>
+            <a:br>
+              <a:rPr lang="en-US" altLang="ko-KR" b="0" dirty="0">
+                <a:solidFill>
+                  <a:srgbClr val="FF0000"/>
+                </a:solidFill>
+                <a:effectLst/>
+                <a:latin typeface="DM Mono" panose="020B0509040201040103" pitchFamily="49" charset="0"/>
+              </a:rPr>
+            </a:br>
+            <a:r>
+              <a:rPr lang="en-US" altLang="ko-KR" b="0" dirty="0">
+                <a:solidFill>
+                  <a:srgbClr val="FF0000"/>
+                </a:solidFill>
+                <a:effectLst/>
+                <a:latin typeface="DM Mono" panose="020B0509040201040103" pitchFamily="49" charset="0"/>
+              </a:rPr>
+              <a:t>Increment(&amp;x);</a:t>
+            </a:r>
+          </a:p>
+          <a:p>
+            <a:pPr>
+              <a:lnSpc>
+                <a:spcPts val="2700"/>
+              </a:lnSpc>
+              <a:buNone/>
+            </a:pPr>
+            <a:r>
+              <a:rPr lang="en-US" altLang="ko-KR" b="0" dirty="0" err="1">
+                <a:solidFill>
+                  <a:srgbClr val="001080"/>
+                </a:solidFill>
+                <a:effectLst/>
+                <a:latin typeface="DM Mono" panose="020B0509040201040103" pitchFamily="49" charset="0"/>
+              </a:rPr>
+              <a:t>cout</a:t>
+            </a:r>
+            <a:r>
+              <a:rPr lang="en-US" altLang="ko-KR" b="0" dirty="0">
+                <a:solidFill>
+                  <a:srgbClr val="3B3B3B"/>
+                </a:solidFill>
+                <a:effectLst/>
+                <a:latin typeface="DM Mono" panose="020B0509040201040103" pitchFamily="49" charset="0"/>
+              </a:rPr>
+              <a:t> </a:t>
+            </a:r>
+            <a:r>
+              <a:rPr lang="en-US" altLang="ko-KR" b="0" dirty="0">
+                <a:solidFill>
+                  <a:srgbClr val="795E26"/>
+                </a:solidFill>
+                <a:effectLst/>
+                <a:latin typeface="DM Mono" panose="020B0509040201040103" pitchFamily="49" charset="0"/>
+              </a:rPr>
+              <a:t>&lt;&lt;</a:t>
+            </a:r>
+            <a:r>
+              <a:rPr lang="en-US" altLang="ko-KR" b="0" dirty="0">
+                <a:solidFill>
+                  <a:srgbClr val="3B3B3B"/>
+                </a:solidFill>
+                <a:effectLst/>
+                <a:latin typeface="DM Mono" panose="020B0509040201040103" pitchFamily="49" charset="0"/>
+              </a:rPr>
+              <a:t> </a:t>
+            </a:r>
+            <a:r>
+              <a:rPr lang="en-US" altLang="ko-KR" b="0" dirty="0">
+                <a:solidFill>
+                  <a:srgbClr val="001080"/>
+                </a:solidFill>
+                <a:effectLst/>
+                <a:latin typeface="DM Mono" panose="020B0509040201040103" pitchFamily="49" charset="0"/>
+              </a:rPr>
+              <a:t>x</a:t>
+            </a:r>
+            <a:r>
+              <a:rPr lang="en-US" altLang="ko-KR" b="0" dirty="0">
+                <a:solidFill>
+                  <a:srgbClr val="3B3B3B"/>
+                </a:solidFill>
+                <a:effectLst/>
+                <a:latin typeface="DM Mono" panose="020B0509040201040103" pitchFamily="49" charset="0"/>
+              </a:rPr>
+              <a:t> </a:t>
+            </a:r>
+            <a:r>
+              <a:rPr lang="en-US" altLang="ko-KR" b="0" dirty="0">
+                <a:solidFill>
+                  <a:srgbClr val="795E26"/>
+                </a:solidFill>
+                <a:effectLst/>
+                <a:latin typeface="DM Mono" panose="020B0509040201040103" pitchFamily="49" charset="0"/>
+              </a:rPr>
+              <a:t>&lt;&lt;</a:t>
+            </a:r>
+            <a:r>
+              <a:rPr lang="en-US" altLang="ko-KR" b="0" dirty="0">
+                <a:solidFill>
+                  <a:srgbClr val="3B3B3B"/>
+                </a:solidFill>
+                <a:effectLst/>
+                <a:latin typeface="DM Mono" panose="020B0509040201040103" pitchFamily="49" charset="0"/>
+              </a:rPr>
+              <a:t> </a:t>
+            </a:r>
+            <a:r>
+              <a:rPr lang="en-US" altLang="ko-KR" b="0" dirty="0" err="1">
+                <a:solidFill>
+                  <a:srgbClr val="795E26"/>
+                </a:solidFill>
+                <a:effectLst/>
+                <a:latin typeface="DM Mono" panose="020B0509040201040103" pitchFamily="49" charset="0"/>
+              </a:rPr>
+              <a:t>endl</a:t>
+            </a:r>
+            <a:r>
+              <a:rPr lang="en-US" altLang="ko-KR" b="0" dirty="0">
+                <a:solidFill>
+                  <a:srgbClr val="3B3B3B"/>
+                </a:solidFill>
+                <a:effectLst/>
+                <a:latin typeface="DM Mono" panose="020B0509040201040103" pitchFamily="49" charset="0"/>
+              </a:rPr>
+              <a:t>;</a:t>
+            </a:r>
+          </a:p>
+          <a:p>
+            <a:pPr>
+              <a:lnSpc>
+                <a:spcPts val="2700"/>
+              </a:lnSpc>
+            </a:pPr>
+            <a:r>
+              <a:rPr lang="en-US" altLang="ko-KR" b="0" dirty="0">
+                <a:solidFill>
+                  <a:srgbClr val="3B3B3B"/>
+                </a:solidFill>
+                <a:effectLst/>
+                <a:latin typeface="DM Mono" panose="020B0509040201040103" pitchFamily="49" charset="0"/>
+              </a:rPr>
+              <a:t>}</a:t>
+            </a:r>
+          </a:p>
+        </p:txBody>
+      </p:sp>
+      <p:sp>
+        <p:nvSpPr>
+          <p:cNvPr id="6" name="직사각형 5">
+            <a:extLst>
+              <a:ext uri="{FF2B5EF4-FFF2-40B4-BE49-F238E27FC236}">
+                <a16:creationId xmlns:a16="http://schemas.microsoft.com/office/drawing/2014/main" id="{B9226238-A1E7-CA3F-E1D4-BBE081FF5BCE}"/>
+              </a:ext>
+            </a:extLst>
+          </p:cNvPr>
+          <p:cNvSpPr/>
+          <p:nvPr/>
+        </p:nvSpPr>
+        <p:spPr>
+          <a:xfrm>
+            <a:off x="4969042" y="3429000"/>
+            <a:ext cx="3793958" cy="2490537"/>
+          </a:xfrm>
+          <a:prstGeom prst="rect">
+            <a:avLst/>
+          </a:prstGeom>
+          <a:solidFill>
+            <a:schemeClr val="bg1"/>
+          </a:solidFill>
+        </p:spPr>
+        <p:style>
+          <a:lnRef idx="2">
+            <a:schemeClr val="accent1">
+              <a:shade val="15000"/>
+            </a:schemeClr>
+          </a:lnRef>
+          <a:fillRef idx="1">
+            <a:schemeClr val="accent1"/>
+          </a:fillRef>
+          <a:effectRef idx="0">
+            <a:schemeClr val="accent1"/>
+          </a:effectRef>
+          <a:fontRef idx="minor">
+            <a:schemeClr val="lt1"/>
+          </a:fontRef>
+        </p:style>
+        <p:txBody>
+          <a:bodyPr rtlCol="0" anchor="ctr"/>
+          <a:lstStyle/>
+          <a:p>
+            <a:pPr algn="ctr"/>
+            <a:r>
+              <a:rPr kumimoji="1" lang="en-US" altLang="ko-KR" dirty="0"/>
+              <a:t>0x16ce92c2c</a:t>
+            </a:r>
+            <a:endParaRPr kumimoji="1" lang="ko-KR" altLang="en-US" dirty="0"/>
+          </a:p>
+        </p:txBody>
+      </p:sp>
+      <p:sp>
+        <p:nvSpPr>
+          <p:cNvPr id="7" name="직사각형 6">
+            <a:extLst>
+              <a:ext uri="{FF2B5EF4-FFF2-40B4-BE49-F238E27FC236}">
+                <a16:creationId xmlns:a16="http://schemas.microsoft.com/office/drawing/2014/main" id="{26A75490-98C7-B326-BECE-88DDA7F08BA8}"/>
+              </a:ext>
+            </a:extLst>
+          </p:cNvPr>
+          <p:cNvSpPr/>
+          <p:nvPr/>
+        </p:nvSpPr>
+        <p:spPr>
+          <a:xfrm>
+            <a:off x="6260432" y="4491101"/>
+            <a:ext cx="1287379" cy="841803"/>
+          </a:xfrm>
+          <a:prstGeom prst="rect">
+            <a:avLst/>
+          </a:prstGeom>
+        </p:spPr>
+        <p:style>
+          <a:lnRef idx="2">
+            <a:schemeClr val="accent4">
+              <a:shade val="15000"/>
+            </a:schemeClr>
+          </a:lnRef>
+          <a:fillRef idx="1">
+            <a:schemeClr val="accent4"/>
+          </a:fillRef>
+          <a:effectRef idx="0">
+            <a:schemeClr val="accent4"/>
+          </a:effectRef>
+          <a:fontRef idx="minor">
+            <a:schemeClr val="lt1"/>
+          </a:fontRef>
+        </p:style>
+        <p:txBody>
+          <a:bodyPr rtlCol="0" anchor="ctr"/>
+          <a:lstStyle/>
+          <a:p>
+            <a:pPr algn="ctr"/>
+            <a:r>
+              <a:rPr kumimoji="1" lang="en-US" altLang="ko-KR" dirty="0">
+                <a:solidFill>
+                  <a:srgbClr val="FF0000"/>
+                </a:solidFill>
+                <a:latin typeface="DM Mono" panose="020B0509040201040103" pitchFamily="49" charset="0"/>
+              </a:rPr>
+              <a:t>10</a:t>
+            </a:r>
+            <a:endParaRPr kumimoji="1" lang="ko-KR" altLang="en-US" dirty="0">
+              <a:solidFill>
+                <a:srgbClr val="FF0000"/>
+              </a:solidFill>
+              <a:latin typeface="DM Mono" panose="020B0509040201040103" pitchFamily="49" charset="0"/>
+            </a:endParaRPr>
+          </a:p>
+        </p:txBody>
+      </p:sp>
+      <p:sp>
+        <p:nvSpPr>
+          <p:cNvPr id="8" name="TextBox 7">
+            <a:extLst>
+              <a:ext uri="{FF2B5EF4-FFF2-40B4-BE49-F238E27FC236}">
+                <a16:creationId xmlns:a16="http://schemas.microsoft.com/office/drawing/2014/main" id="{D64276D5-0CF3-F6C2-9C0C-9510462BA9E1}"/>
+              </a:ext>
+            </a:extLst>
+          </p:cNvPr>
+          <p:cNvSpPr txBox="1"/>
+          <p:nvPr/>
+        </p:nvSpPr>
+        <p:spPr>
+          <a:xfrm>
+            <a:off x="4772025" y="4727336"/>
+            <a:ext cx="1476889" cy="369332"/>
+          </a:xfrm>
+          <a:prstGeom prst="rect">
+            <a:avLst/>
+          </a:prstGeom>
+          <a:noFill/>
+        </p:spPr>
+        <p:txBody>
+          <a:bodyPr wrap="square" rtlCol="0">
+            <a:spAutoFit/>
+          </a:bodyPr>
+          <a:lstStyle/>
+          <a:p>
+            <a:pPr algn="r"/>
+            <a:r>
+              <a:rPr kumimoji="1" lang="en-US" altLang="ko-KR" dirty="0">
+                <a:latin typeface="DM Mono" panose="020B0509040201040103" pitchFamily="49" charset="0"/>
+              </a:rPr>
+              <a:t>x</a:t>
+            </a:r>
+            <a:endParaRPr kumimoji="1" lang="ko-KR" altLang="en-US" dirty="0">
+              <a:solidFill>
+                <a:srgbClr val="FF0000"/>
+              </a:solidFill>
+              <a:latin typeface="DM Mono" panose="020B0509040201040103" pitchFamily="49" charset="0"/>
+            </a:endParaRPr>
+          </a:p>
+        </p:txBody>
+      </p:sp>
+      <p:sp>
+        <p:nvSpPr>
+          <p:cNvPr id="10" name="TextBox 9">
+            <a:extLst>
+              <a:ext uri="{FF2B5EF4-FFF2-40B4-BE49-F238E27FC236}">
+                <a16:creationId xmlns:a16="http://schemas.microsoft.com/office/drawing/2014/main" id="{FFF64536-6A6C-8137-80F3-42FF052805B4}"/>
+              </a:ext>
+            </a:extLst>
+          </p:cNvPr>
+          <p:cNvSpPr txBox="1"/>
+          <p:nvPr/>
+        </p:nvSpPr>
+        <p:spPr>
+          <a:xfrm>
+            <a:off x="5483570" y="4120338"/>
+            <a:ext cx="1638300" cy="307777"/>
+          </a:xfrm>
+          <a:prstGeom prst="rect">
+            <a:avLst/>
+          </a:prstGeom>
+          <a:noFill/>
+        </p:spPr>
+        <p:txBody>
+          <a:bodyPr wrap="square">
+            <a:spAutoFit/>
+          </a:bodyPr>
+          <a:lstStyle/>
+          <a:p>
+            <a:r>
+              <a:rPr lang="en-US" altLang="ko-KR" sz="1400" b="1" dirty="0">
+                <a:solidFill>
+                  <a:srgbClr val="FF0000"/>
+                </a:solidFill>
+                <a:latin typeface="DM Mono" panose="020B0509040201040103" pitchFamily="49" charset="0"/>
+              </a:rPr>
+              <a:t>0x100</a:t>
+            </a:r>
+            <a:endParaRPr lang="ko-KR" altLang="en-US" sz="1400" b="1" dirty="0">
+              <a:solidFill>
+                <a:srgbClr val="FF0000"/>
+              </a:solidFill>
+              <a:latin typeface="DM Mono" panose="020B0509040201040103" pitchFamily="49" charset="0"/>
+            </a:endParaRPr>
+          </a:p>
+        </p:txBody>
+      </p:sp>
+      <p:sp>
+        <p:nvSpPr>
+          <p:cNvPr id="2" name="TextBox 1">
+            <a:extLst>
+              <a:ext uri="{FF2B5EF4-FFF2-40B4-BE49-F238E27FC236}">
+                <a16:creationId xmlns:a16="http://schemas.microsoft.com/office/drawing/2014/main" id="{3124942F-811D-EE7A-ACFC-A039FE5E741A}"/>
+              </a:ext>
+            </a:extLst>
+          </p:cNvPr>
+          <p:cNvSpPr txBox="1"/>
+          <p:nvPr/>
+        </p:nvSpPr>
+        <p:spPr>
+          <a:xfrm>
+            <a:off x="4969042" y="3058237"/>
+            <a:ext cx="3793958" cy="307777"/>
+          </a:xfrm>
+          <a:prstGeom prst="rect">
+            <a:avLst/>
+          </a:prstGeom>
+          <a:noFill/>
+        </p:spPr>
+        <p:txBody>
+          <a:bodyPr wrap="square">
+            <a:spAutoFit/>
+          </a:bodyPr>
+          <a:lstStyle/>
+          <a:p>
+            <a:pPr algn="ctr"/>
+            <a:r>
+              <a:rPr lang="en-US" altLang="ko-KR" sz="1400" b="1" dirty="0">
+                <a:latin typeface="DM Mono" panose="020B0509040201040103" pitchFamily="49" charset="0"/>
+              </a:rPr>
+              <a:t>main</a:t>
+            </a:r>
+            <a:endParaRPr lang="ko-KR" altLang="en-US" sz="1400" b="1" dirty="0">
+              <a:latin typeface="DM Mono" panose="020B0509040201040103" pitchFamily="49" charset="0"/>
+            </a:endParaRPr>
+          </a:p>
+        </p:txBody>
+      </p:sp>
+      <p:sp>
+        <p:nvSpPr>
+          <p:cNvPr id="3" name="직사각형 2">
+            <a:extLst>
+              <a:ext uri="{FF2B5EF4-FFF2-40B4-BE49-F238E27FC236}">
+                <a16:creationId xmlns:a16="http://schemas.microsoft.com/office/drawing/2014/main" id="{CC9766BD-B361-BA01-ACFE-CAFADD66E831}"/>
+              </a:ext>
+            </a:extLst>
+          </p:cNvPr>
+          <p:cNvSpPr/>
+          <p:nvPr/>
+        </p:nvSpPr>
+        <p:spPr>
+          <a:xfrm>
+            <a:off x="7874167" y="750187"/>
+            <a:ext cx="3793958" cy="2490537"/>
+          </a:xfrm>
+          <a:prstGeom prst="rect">
+            <a:avLst/>
+          </a:prstGeom>
+          <a:solidFill>
+            <a:schemeClr val="bg1"/>
+          </a:solidFill>
+        </p:spPr>
+        <p:style>
+          <a:lnRef idx="2">
+            <a:schemeClr val="accent1">
+              <a:shade val="15000"/>
+            </a:schemeClr>
+          </a:lnRef>
+          <a:fillRef idx="1">
+            <a:schemeClr val="accent1"/>
+          </a:fillRef>
+          <a:effectRef idx="0">
+            <a:schemeClr val="accent1"/>
+          </a:effectRef>
+          <a:fontRef idx="minor">
+            <a:schemeClr val="lt1"/>
+          </a:fontRef>
+        </p:style>
+        <p:txBody>
+          <a:bodyPr rtlCol="0" anchor="ctr"/>
+          <a:lstStyle/>
+          <a:p>
+            <a:pPr algn="ctr"/>
+            <a:r>
+              <a:rPr kumimoji="1" lang="en-US" altLang="ko-KR" dirty="0"/>
+              <a:t>0x16ce92c2c</a:t>
+            </a:r>
+            <a:endParaRPr kumimoji="1" lang="ko-KR" altLang="en-US" dirty="0"/>
+          </a:p>
+        </p:txBody>
+      </p:sp>
+      <p:sp>
+        <p:nvSpPr>
+          <p:cNvPr id="4" name="TextBox 3">
+            <a:extLst>
+              <a:ext uri="{FF2B5EF4-FFF2-40B4-BE49-F238E27FC236}">
+                <a16:creationId xmlns:a16="http://schemas.microsoft.com/office/drawing/2014/main" id="{DFE6916F-216B-1DB8-D1E7-EFA2AE5D15AD}"/>
+              </a:ext>
+            </a:extLst>
+          </p:cNvPr>
+          <p:cNvSpPr txBox="1"/>
+          <p:nvPr/>
+        </p:nvSpPr>
+        <p:spPr>
+          <a:xfrm>
+            <a:off x="7874167" y="379424"/>
+            <a:ext cx="3793958" cy="307777"/>
+          </a:xfrm>
+          <a:prstGeom prst="rect">
+            <a:avLst/>
+          </a:prstGeom>
+          <a:noFill/>
+        </p:spPr>
+        <p:txBody>
+          <a:bodyPr wrap="square">
+            <a:spAutoFit/>
+          </a:bodyPr>
+          <a:lstStyle/>
+          <a:p>
+            <a:pPr algn="ctr"/>
+            <a:r>
+              <a:rPr lang="en-US" altLang="ko-KR" sz="1400" b="1" dirty="0">
+                <a:latin typeface="DM Mono" panose="020B0509040201040103" pitchFamily="49" charset="0"/>
+              </a:rPr>
+              <a:t>Increment</a:t>
+            </a:r>
+            <a:endParaRPr lang="ko-KR" altLang="en-US" sz="1400" b="1" dirty="0">
+              <a:latin typeface="DM Mono" panose="020B0509040201040103" pitchFamily="49" charset="0"/>
+            </a:endParaRPr>
+          </a:p>
+        </p:txBody>
+      </p:sp>
+      <p:sp>
+        <p:nvSpPr>
+          <p:cNvPr id="9" name="직사각형 8">
+            <a:extLst>
+              <a:ext uri="{FF2B5EF4-FFF2-40B4-BE49-F238E27FC236}">
+                <a16:creationId xmlns:a16="http://schemas.microsoft.com/office/drawing/2014/main" id="{1CCA69F9-74F5-8C9B-DF5A-262D275A2D64}"/>
+              </a:ext>
+            </a:extLst>
+          </p:cNvPr>
+          <p:cNvSpPr/>
+          <p:nvPr/>
+        </p:nvSpPr>
+        <p:spPr>
+          <a:xfrm>
+            <a:off x="9165557" y="1214501"/>
+            <a:ext cx="2159668" cy="841803"/>
+          </a:xfrm>
+          <a:prstGeom prst="rect">
+            <a:avLst/>
+          </a:prstGeom>
+        </p:spPr>
+        <p:style>
+          <a:lnRef idx="2">
+            <a:schemeClr val="accent4">
+              <a:shade val="15000"/>
+            </a:schemeClr>
+          </a:lnRef>
+          <a:fillRef idx="1">
+            <a:schemeClr val="accent4"/>
+          </a:fillRef>
+          <a:effectRef idx="0">
+            <a:schemeClr val="accent4"/>
+          </a:effectRef>
+          <a:fontRef idx="minor">
+            <a:schemeClr val="lt1"/>
+          </a:fontRef>
+        </p:style>
+        <p:txBody>
+          <a:bodyPr rtlCol="0" anchor="ctr"/>
+          <a:lstStyle/>
+          <a:p>
+            <a:pPr algn="ctr"/>
+            <a:r>
+              <a:rPr kumimoji="1" lang="en-US" altLang="ko-KR" dirty="0">
+                <a:solidFill>
+                  <a:srgbClr val="FF0000"/>
+                </a:solidFill>
+                <a:latin typeface="DM Mono" panose="020B0509040201040103" pitchFamily="49" charset="0"/>
+              </a:rPr>
+              <a:t>0x100</a:t>
+            </a:r>
+            <a:endParaRPr kumimoji="1" lang="ko-KR" altLang="en-US" dirty="0">
+              <a:solidFill>
+                <a:srgbClr val="FF0000"/>
+              </a:solidFill>
+              <a:latin typeface="DM Mono" panose="020B0509040201040103" pitchFamily="49" charset="0"/>
+            </a:endParaRPr>
+          </a:p>
+        </p:txBody>
+      </p:sp>
+      <p:sp>
+        <p:nvSpPr>
+          <p:cNvPr id="11" name="TextBox 10">
+            <a:extLst>
+              <a:ext uri="{FF2B5EF4-FFF2-40B4-BE49-F238E27FC236}">
+                <a16:creationId xmlns:a16="http://schemas.microsoft.com/office/drawing/2014/main" id="{6F6E7387-CEA2-61F8-EDA3-EA4CDD02226A}"/>
+              </a:ext>
+            </a:extLst>
+          </p:cNvPr>
+          <p:cNvSpPr txBox="1"/>
+          <p:nvPr/>
+        </p:nvSpPr>
+        <p:spPr>
+          <a:xfrm>
+            <a:off x="7677150" y="1450736"/>
+            <a:ext cx="1476889" cy="369332"/>
+          </a:xfrm>
+          <a:prstGeom prst="rect">
+            <a:avLst/>
+          </a:prstGeom>
+          <a:noFill/>
+        </p:spPr>
+        <p:txBody>
+          <a:bodyPr wrap="square" rtlCol="0">
+            <a:spAutoFit/>
+          </a:bodyPr>
+          <a:lstStyle/>
+          <a:p>
+            <a:pPr algn="r"/>
+            <a:r>
+              <a:rPr kumimoji="1" lang="en-US" altLang="ko-KR" dirty="0" err="1">
+                <a:latin typeface="DM Mono" panose="020B0509040201040103" pitchFamily="49" charset="0"/>
+              </a:rPr>
+              <a:t>px</a:t>
+            </a:r>
+            <a:endParaRPr kumimoji="1" lang="ko-KR" altLang="en-US" dirty="0">
+              <a:solidFill>
+                <a:srgbClr val="FF0000"/>
+              </a:solidFill>
+              <a:latin typeface="DM Mono" panose="020B0509040201040103" pitchFamily="49" charset="0"/>
+            </a:endParaRPr>
+          </a:p>
+        </p:txBody>
+      </p:sp>
+    </p:spTree>
+    <p:extLst>
+      <p:ext uri="{BB962C8B-B14F-4D97-AF65-F5344CB8AC3E}">
+        <p14:creationId xmlns:p14="http://schemas.microsoft.com/office/powerpoint/2010/main" val="4042609568"/>
+      </p:ext>
+    </p:extLst>
+  </p:cSld>
+  <p:clrMapOvr>
+    <a:masterClrMapping/>
+  </p:clrMapOvr>
+</p:sld>
+</file>
+
+<file path=ppt/slides/slide15.xml><?xml version="1.0" encoding="utf-8"?>
+<p:sld xmlns:a="http://schemas.openxmlformats.org/drawingml/2006/main" xmlns:r="http://schemas.openxmlformats.org/officeDocument/2006/relationships" xmlns:p="http://schemas.openxmlformats.org/presentationml/2006/main">
+  <p:cSld>
+    <p:spTree>
+      <p:nvGrpSpPr>
+        <p:cNvPr id="1" name="">
+          <a:extLst>
+            <a:ext uri="{FF2B5EF4-FFF2-40B4-BE49-F238E27FC236}">
+              <a16:creationId xmlns:a16="http://schemas.microsoft.com/office/drawing/2014/main" id="{5E12A21B-D735-CC43-87AC-9297A5785017}"/>
+            </a:ext>
+          </a:extLst>
+        </p:cNvPr>
+        <p:cNvGrpSpPr/>
+        <p:nvPr/>
+      </p:nvGrpSpPr>
+      <p:grpSpPr>
+        <a:xfrm>
+          <a:off x="0" y="0"/>
+          <a:ext cx="0" cy="0"/>
+          <a:chOff x="0" y="0"/>
+          <a:chExt cx="0" cy="0"/>
+        </a:xfrm>
+      </p:grpSpPr>
+      <p:sp>
+        <p:nvSpPr>
+          <p:cNvPr id="5" name="TextBox 4">
+            <a:extLst>
+              <a:ext uri="{FF2B5EF4-FFF2-40B4-BE49-F238E27FC236}">
+                <a16:creationId xmlns:a16="http://schemas.microsoft.com/office/drawing/2014/main" id="{4ABD2F12-645B-0E3F-32E8-6CE6A111F7E3}"/>
+              </a:ext>
+            </a:extLst>
+          </p:cNvPr>
+          <p:cNvSpPr txBox="1"/>
+          <p:nvPr/>
+        </p:nvSpPr>
+        <p:spPr>
+          <a:xfrm>
+            <a:off x="383362" y="588935"/>
+            <a:ext cx="6093994" cy="4226735"/>
+          </a:xfrm>
+          <a:prstGeom prst="rect">
+            <a:avLst/>
+          </a:prstGeom>
+          <a:noFill/>
+        </p:spPr>
+        <p:txBody>
+          <a:bodyPr wrap="square">
+            <a:spAutoFit/>
+          </a:bodyPr>
+          <a:lstStyle/>
+          <a:p>
+            <a:pPr>
+              <a:lnSpc>
+                <a:spcPts val="2700"/>
+              </a:lnSpc>
+              <a:buNone/>
+            </a:pPr>
+            <a:r>
+              <a:rPr lang="en-US" altLang="ko-KR" b="0" dirty="0">
+                <a:solidFill>
+                  <a:srgbClr val="0000FF"/>
+                </a:solidFill>
+                <a:effectLst/>
+                <a:latin typeface="DM Mono" panose="020B0509040201040103" pitchFamily="49" charset="0"/>
+              </a:rPr>
+              <a:t>void</a:t>
+            </a:r>
+            <a:r>
+              <a:rPr lang="en-US" altLang="ko-KR" b="0" dirty="0">
+                <a:solidFill>
+                  <a:srgbClr val="3B3B3B"/>
+                </a:solidFill>
+                <a:effectLst/>
+                <a:latin typeface="DM Mono" panose="020B0509040201040103" pitchFamily="49" charset="0"/>
+              </a:rPr>
+              <a:t> </a:t>
+            </a:r>
+            <a:r>
+              <a:rPr lang="en-US" altLang="ko-KR" b="0" dirty="0">
+                <a:solidFill>
+                  <a:srgbClr val="795E26"/>
+                </a:solidFill>
+                <a:effectLst/>
+                <a:latin typeface="DM Mono" panose="020B0509040201040103" pitchFamily="49" charset="0"/>
+              </a:rPr>
+              <a:t>Increment</a:t>
+            </a:r>
+            <a:r>
+              <a:rPr lang="en-US" altLang="ko-KR" b="0" dirty="0">
+                <a:solidFill>
+                  <a:srgbClr val="3B3B3B"/>
+                </a:solidFill>
+                <a:effectLst/>
+                <a:latin typeface="DM Mono" panose="020B0509040201040103" pitchFamily="49" charset="0"/>
+              </a:rPr>
+              <a:t>(</a:t>
+            </a:r>
+            <a:r>
+              <a:rPr lang="en-US" altLang="ko-KR" b="0" dirty="0">
+                <a:solidFill>
+                  <a:srgbClr val="0000FF"/>
+                </a:solidFill>
+                <a:effectLst/>
+                <a:latin typeface="DM Mono" panose="020B0509040201040103" pitchFamily="49" charset="0"/>
+              </a:rPr>
+              <a:t>int</a:t>
+            </a:r>
+            <a:r>
+              <a:rPr lang="en-US" altLang="ko-KR" b="0" dirty="0">
+                <a:solidFill>
+                  <a:srgbClr val="3B3B3B"/>
+                </a:solidFill>
+                <a:effectLst/>
+                <a:latin typeface="DM Mono" panose="020B0509040201040103" pitchFamily="49" charset="0"/>
+              </a:rPr>
+              <a:t> </a:t>
+            </a:r>
+            <a:r>
+              <a:rPr lang="en-US" altLang="ko-KR" b="0" dirty="0">
+                <a:solidFill>
+                  <a:srgbClr val="0000FF"/>
+                </a:solidFill>
+                <a:effectLst/>
+                <a:latin typeface="DM Mono" panose="020B0509040201040103" pitchFamily="49" charset="0"/>
+              </a:rPr>
+              <a:t>*</a:t>
+            </a:r>
+            <a:r>
+              <a:rPr lang="en-US" altLang="ko-KR" b="0" dirty="0" err="1">
+                <a:solidFill>
+                  <a:srgbClr val="001080"/>
+                </a:solidFill>
+                <a:effectLst/>
+                <a:latin typeface="DM Mono" panose="020B0509040201040103" pitchFamily="49" charset="0"/>
+              </a:rPr>
+              <a:t>px</a:t>
+            </a:r>
+            <a:r>
+              <a:rPr lang="en-US" altLang="ko-KR" b="0" dirty="0">
+                <a:solidFill>
+                  <a:srgbClr val="3B3B3B"/>
+                </a:solidFill>
+                <a:effectLst/>
+                <a:latin typeface="DM Mono" panose="020B0509040201040103" pitchFamily="49" charset="0"/>
+              </a:rPr>
+              <a:t>)</a:t>
+            </a:r>
+          </a:p>
+          <a:p>
+            <a:pPr>
+              <a:lnSpc>
+                <a:spcPts val="2700"/>
+              </a:lnSpc>
+              <a:buNone/>
+            </a:pPr>
+            <a:r>
+              <a:rPr lang="en-US" altLang="ko-KR" b="0" dirty="0">
+                <a:solidFill>
+                  <a:srgbClr val="3B3B3B"/>
+                </a:solidFill>
+                <a:effectLst/>
+                <a:latin typeface="DM Mono" panose="020B0509040201040103" pitchFamily="49" charset="0"/>
+              </a:rPr>
+              <a:t>{</a:t>
+            </a:r>
+          </a:p>
+          <a:p>
+            <a:pPr>
+              <a:lnSpc>
+                <a:spcPts val="2700"/>
+              </a:lnSpc>
+              <a:buNone/>
+            </a:pPr>
+            <a:r>
+              <a:rPr lang="en-US" altLang="ko-KR" b="0" dirty="0">
+                <a:solidFill>
+                  <a:srgbClr val="FF0000"/>
+                </a:solidFill>
+                <a:effectLst/>
+                <a:latin typeface="DM Mono" panose="020B0509040201040103" pitchFamily="49" charset="0"/>
+              </a:rPr>
+              <a:t>++(*</a:t>
+            </a:r>
+            <a:r>
+              <a:rPr lang="en-US" altLang="ko-KR" b="0" dirty="0" err="1">
+                <a:solidFill>
+                  <a:srgbClr val="FF0000"/>
+                </a:solidFill>
+                <a:effectLst/>
+                <a:latin typeface="DM Mono" panose="020B0509040201040103" pitchFamily="49" charset="0"/>
+              </a:rPr>
+              <a:t>px</a:t>
+            </a:r>
+            <a:r>
+              <a:rPr lang="en-US" altLang="ko-KR" b="0" dirty="0">
+                <a:solidFill>
+                  <a:srgbClr val="FF0000"/>
+                </a:solidFill>
+                <a:effectLst/>
+                <a:latin typeface="DM Mono" panose="020B0509040201040103" pitchFamily="49" charset="0"/>
+              </a:rPr>
+              <a:t>);</a:t>
+            </a:r>
+          </a:p>
+          <a:p>
+            <a:pPr>
+              <a:lnSpc>
+                <a:spcPts val="2700"/>
+              </a:lnSpc>
+              <a:buNone/>
+            </a:pPr>
+            <a:r>
+              <a:rPr lang="en-US" altLang="ko-KR" b="0" dirty="0">
+                <a:solidFill>
+                  <a:srgbClr val="3B3B3B"/>
+                </a:solidFill>
+                <a:effectLst/>
+                <a:latin typeface="DM Mono" panose="020B0509040201040103" pitchFamily="49" charset="0"/>
+              </a:rPr>
+              <a:t>}</a:t>
+            </a:r>
+          </a:p>
+          <a:p>
+            <a:pPr>
+              <a:lnSpc>
+                <a:spcPts val="2700"/>
+              </a:lnSpc>
+              <a:buNone/>
+            </a:pPr>
+            <a:br>
+              <a:rPr lang="en-US" altLang="ko-KR" b="0" dirty="0">
+                <a:solidFill>
+                  <a:srgbClr val="3B3B3B"/>
+                </a:solidFill>
+                <a:effectLst/>
+                <a:latin typeface="DM Mono" panose="020B0509040201040103" pitchFamily="49" charset="0"/>
+              </a:rPr>
+            </a:br>
+            <a:r>
+              <a:rPr lang="en-US" altLang="ko-KR" b="0" dirty="0">
+                <a:solidFill>
+                  <a:srgbClr val="0000FF"/>
+                </a:solidFill>
+                <a:effectLst/>
+                <a:latin typeface="DM Mono" panose="020B0509040201040103" pitchFamily="49" charset="0"/>
+              </a:rPr>
+              <a:t>int</a:t>
+            </a:r>
+            <a:r>
+              <a:rPr lang="en-US" altLang="ko-KR" b="0" dirty="0">
+                <a:solidFill>
+                  <a:srgbClr val="3B3B3B"/>
+                </a:solidFill>
+                <a:effectLst/>
+                <a:latin typeface="DM Mono" panose="020B0509040201040103" pitchFamily="49" charset="0"/>
+              </a:rPr>
+              <a:t> </a:t>
+            </a:r>
+            <a:r>
+              <a:rPr lang="en-US" altLang="ko-KR" b="0" dirty="0">
+                <a:solidFill>
+                  <a:srgbClr val="795E26"/>
+                </a:solidFill>
+                <a:effectLst/>
+                <a:latin typeface="DM Mono" panose="020B0509040201040103" pitchFamily="49" charset="0"/>
+              </a:rPr>
+              <a:t>main</a:t>
+            </a:r>
+            <a:r>
+              <a:rPr lang="en-US" altLang="ko-KR" b="0" dirty="0">
+                <a:solidFill>
+                  <a:srgbClr val="3B3B3B"/>
+                </a:solidFill>
+                <a:effectLst/>
+                <a:latin typeface="DM Mono" panose="020B0509040201040103" pitchFamily="49" charset="0"/>
+              </a:rPr>
+              <a:t>()</a:t>
+            </a:r>
+          </a:p>
+          <a:p>
+            <a:pPr>
+              <a:lnSpc>
+                <a:spcPts val="2700"/>
+              </a:lnSpc>
+              <a:buNone/>
+            </a:pPr>
+            <a:r>
+              <a:rPr lang="en-US" altLang="ko-KR" b="0" dirty="0">
+                <a:solidFill>
+                  <a:srgbClr val="3B3B3B"/>
+                </a:solidFill>
+                <a:effectLst/>
+                <a:latin typeface="DM Mono" panose="020B0509040201040103" pitchFamily="49" charset="0"/>
+              </a:rPr>
+              <a:t>{</a:t>
+            </a:r>
+          </a:p>
+          <a:p>
+            <a:pPr>
+              <a:lnSpc>
+                <a:spcPts val="2700"/>
+              </a:lnSpc>
+              <a:buNone/>
+            </a:pPr>
+            <a:r>
+              <a:rPr lang="en-US" altLang="ko-KR" b="0" dirty="0">
+                <a:solidFill>
+                  <a:srgbClr val="0000FF"/>
+                </a:solidFill>
+                <a:effectLst/>
+                <a:latin typeface="DM Mono" panose="020B0509040201040103" pitchFamily="49" charset="0"/>
+              </a:rPr>
+              <a:t>int</a:t>
+            </a:r>
+            <a:r>
+              <a:rPr lang="en-US" altLang="ko-KR" b="0" dirty="0">
+                <a:solidFill>
+                  <a:srgbClr val="3B3B3B"/>
+                </a:solidFill>
+                <a:effectLst/>
+                <a:latin typeface="DM Mono" panose="020B0509040201040103" pitchFamily="49" charset="0"/>
+              </a:rPr>
+              <a:t> </a:t>
+            </a:r>
+            <a:r>
+              <a:rPr lang="en-US" altLang="ko-KR" b="0" dirty="0">
+                <a:solidFill>
+                  <a:srgbClr val="001080"/>
+                </a:solidFill>
+                <a:effectLst/>
+                <a:latin typeface="DM Mono" panose="020B0509040201040103" pitchFamily="49" charset="0"/>
+              </a:rPr>
+              <a:t>x</a:t>
+            </a:r>
+            <a:r>
+              <a:rPr lang="en-US" altLang="ko-KR" b="0" dirty="0">
+                <a:solidFill>
+                  <a:srgbClr val="3B3B3B"/>
+                </a:solidFill>
+                <a:effectLst/>
+                <a:latin typeface="DM Mono" panose="020B0509040201040103" pitchFamily="49" charset="0"/>
+              </a:rPr>
+              <a:t> </a:t>
+            </a:r>
+            <a:r>
+              <a:rPr lang="en-US" altLang="ko-KR" b="0" dirty="0">
+                <a:solidFill>
+                  <a:srgbClr val="000000"/>
+                </a:solidFill>
+                <a:effectLst/>
+                <a:latin typeface="DM Mono" panose="020B0509040201040103" pitchFamily="49" charset="0"/>
+              </a:rPr>
+              <a:t>=</a:t>
+            </a:r>
+            <a:r>
+              <a:rPr lang="en-US" altLang="ko-KR" b="0" dirty="0">
+                <a:solidFill>
+                  <a:srgbClr val="3B3B3B"/>
+                </a:solidFill>
+                <a:effectLst/>
+                <a:latin typeface="DM Mono" panose="020B0509040201040103" pitchFamily="49" charset="0"/>
+              </a:rPr>
+              <a:t> </a:t>
+            </a:r>
+            <a:r>
+              <a:rPr lang="en-US" altLang="ko-KR" b="0" dirty="0">
+                <a:solidFill>
+                  <a:srgbClr val="098658"/>
+                </a:solidFill>
+                <a:effectLst/>
+                <a:latin typeface="DM Mono" panose="020B0509040201040103" pitchFamily="49" charset="0"/>
+              </a:rPr>
+              <a:t>10</a:t>
+            </a:r>
+            <a:r>
+              <a:rPr lang="en-US" altLang="ko-KR" b="0" dirty="0">
+                <a:solidFill>
+                  <a:srgbClr val="3B3B3B"/>
+                </a:solidFill>
+                <a:effectLst/>
+                <a:latin typeface="DM Mono" panose="020B0509040201040103" pitchFamily="49" charset="0"/>
+              </a:rPr>
+              <a:t>;</a:t>
+            </a:r>
+          </a:p>
+          <a:p>
+            <a:pPr>
+              <a:lnSpc>
+                <a:spcPts val="2700"/>
+              </a:lnSpc>
+              <a:buNone/>
+            </a:pPr>
+            <a:br>
+              <a:rPr lang="en-US" altLang="ko-KR" b="0" dirty="0">
+                <a:solidFill>
+                  <a:srgbClr val="FF0000"/>
+                </a:solidFill>
+                <a:effectLst/>
+                <a:latin typeface="DM Mono" panose="020B0509040201040103" pitchFamily="49" charset="0"/>
+              </a:rPr>
+            </a:br>
+            <a:r>
+              <a:rPr lang="en-US" altLang="ko-KR" b="0" dirty="0">
+                <a:solidFill>
+                  <a:srgbClr val="FF0000"/>
+                </a:solidFill>
+                <a:effectLst/>
+                <a:latin typeface="DM Mono" panose="020B0509040201040103" pitchFamily="49" charset="0"/>
+              </a:rPr>
+              <a:t>Increment(&amp;x);</a:t>
+            </a:r>
+          </a:p>
+          <a:p>
+            <a:pPr>
+              <a:lnSpc>
+                <a:spcPts val="2700"/>
+              </a:lnSpc>
+              <a:buNone/>
+            </a:pPr>
+            <a:r>
+              <a:rPr lang="en-US" altLang="ko-KR" b="0" dirty="0" err="1">
+                <a:solidFill>
+                  <a:srgbClr val="001080"/>
+                </a:solidFill>
+                <a:effectLst/>
+                <a:latin typeface="DM Mono" panose="020B0509040201040103" pitchFamily="49" charset="0"/>
+              </a:rPr>
+              <a:t>cout</a:t>
+            </a:r>
+            <a:r>
+              <a:rPr lang="en-US" altLang="ko-KR" b="0" dirty="0">
+                <a:solidFill>
+                  <a:srgbClr val="3B3B3B"/>
+                </a:solidFill>
+                <a:effectLst/>
+                <a:latin typeface="DM Mono" panose="020B0509040201040103" pitchFamily="49" charset="0"/>
+              </a:rPr>
+              <a:t> </a:t>
+            </a:r>
+            <a:r>
+              <a:rPr lang="en-US" altLang="ko-KR" b="0" dirty="0">
+                <a:solidFill>
+                  <a:srgbClr val="795E26"/>
+                </a:solidFill>
+                <a:effectLst/>
+                <a:latin typeface="DM Mono" panose="020B0509040201040103" pitchFamily="49" charset="0"/>
+              </a:rPr>
+              <a:t>&lt;&lt;</a:t>
+            </a:r>
+            <a:r>
+              <a:rPr lang="en-US" altLang="ko-KR" b="0" dirty="0">
+                <a:solidFill>
+                  <a:srgbClr val="3B3B3B"/>
+                </a:solidFill>
+                <a:effectLst/>
+                <a:latin typeface="DM Mono" panose="020B0509040201040103" pitchFamily="49" charset="0"/>
+              </a:rPr>
+              <a:t> </a:t>
+            </a:r>
+            <a:r>
+              <a:rPr lang="en-US" altLang="ko-KR" b="0" dirty="0">
+                <a:solidFill>
+                  <a:srgbClr val="001080"/>
+                </a:solidFill>
+                <a:effectLst/>
+                <a:latin typeface="DM Mono" panose="020B0509040201040103" pitchFamily="49" charset="0"/>
+              </a:rPr>
+              <a:t>x</a:t>
+            </a:r>
+            <a:r>
+              <a:rPr lang="en-US" altLang="ko-KR" b="0" dirty="0">
+                <a:solidFill>
+                  <a:srgbClr val="3B3B3B"/>
+                </a:solidFill>
+                <a:effectLst/>
+                <a:latin typeface="DM Mono" panose="020B0509040201040103" pitchFamily="49" charset="0"/>
+              </a:rPr>
+              <a:t> </a:t>
+            </a:r>
+            <a:r>
+              <a:rPr lang="en-US" altLang="ko-KR" b="0" dirty="0">
+                <a:solidFill>
+                  <a:srgbClr val="795E26"/>
+                </a:solidFill>
+                <a:effectLst/>
+                <a:latin typeface="DM Mono" panose="020B0509040201040103" pitchFamily="49" charset="0"/>
+              </a:rPr>
+              <a:t>&lt;&lt;</a:t>
+            </a:r>
+            <a:r>
+              <a:rPr lang="en-US" altLang="ko-KR" b="0" dirty="0">
+                <a:solidFill>
+                  <a:srgbClr val="3B3B3B"/>
+                </a:solidFill>
+                <a:effectLst/>
+                <a:latin typeface="DM Mono" panose="020B0509040201040103" pitchFamily="49" charset="0"/>
+              </a:rPr>
+              <a:t> </a:t>
+            </a:r>
+            <a:r>
+              <a:rPr lang="en-US" altLang="ko-KR" b="0" dirty="0" err="1">
+                <a:solidFill>
+                  <a:srgbClr val="795E26"/>
+                </a:solidFill>
+                <a:effectLst/>
+                <a:latin typeface="DM Mono" panose="020B0509040201040103" pitchFamily="49" charset="0"/>
+              </a:rPr>
+              <a:t>endl</a:t>
+            </a:r>
+            <a:r>
+              <a:rPr lang="en-US" altLang="ko-KR" b="0" dirty="0">
+                <a:solidFill>
+                  <a:srgbClr val="3B3B3B"/>
+                </a:solidFill>
+                <a:effectLst/>
+                <a:latin typeface="DM Mono" panose="020B0509040201040103" pitchFamily="49" charset="0"/>
+              </a:rPr>
+              <a:t>;</a:t>
+            </a:r>
+          </a:p>
+          <a:p>
+            <a:pPr>
+              <a:lnSpc>
+                <a:spcPts val="2700"/>
+              </a:lnSpc>
+            </a:pPr>
+            <a:r>
+              <a:rPr lang="en-US" altLang="ko-KR" b="0" dirty="0">
+                <a:solidFill>
+                  <a:srgbClr val="3B3B3B"/>
+                </a:solidFill>
+                <a:effectLst/>
+                <a:latin typeface="DM Mono" panose="020B0509040201040103" pitchFamily="49" charset="0"/>
+              </a:rPr>
+              <a:t>}</a:t>
+            </a:r>
+          </a:p>
+        </p:txBody>
+      </p:sp>
+      <p:sp>
+        <p:nvSpPr>
+          <p:cNvPr id="6" name="직사각형 5">
+            <a:extLst>
+              <a:ext uri="{FF2B5EF4-FFF2-40B4-BE49-F238E27FC236}">
+                <a16:creationId xmlns:a16="http://schemas.microsoft.com/office/drawing/2014/main" id="{E664C074-29B5-731B-8DDA-223A9D5CD5B6}"/>
+              </a:ext>
+            </a:extLst>
+          </p:cNvPr>
+          <p:cNvSpPr/>
+          <p:nvPr/>
+        </p:nvSpPr>
+        <p:spPr>
+          <a:xfrm>
+            <a:off x="4969042" y="3429000"/>
+            <a:ext cx="3793958" cy="2490537"/>
+          </a:xfrm>
+          <a:prstGeom prst="rect">
+            <a:avLst/>
+          </a:prstGeom>
+          <a:solidFill>
+            <a:schemeClr val="bg1"/>
+          </a:solidFill>
+        </p:spPr>
+        <p:style>
+          <a:lnRef idx="2">
+            <a:schemeClr val="accent1">
+              <a:shade val="15000"/>
+            </a:schemeClr>
+          </a:lnRef>
+          <a:fillRef idx="1">
+            <a:schemeClr val="accent1"/>
+          </a:fillRef>
+          <a:effectRef idx="0">
+            <a:schemeClr val="accent1"/>
+          </a:effectRef>
+          <a:fontRef idx="minor">
+            <a:schemeClr val="lt1"/>
+          </a:fontRef>
+        </p:style>
+        <p:txBody>
+          <a:bodyPr rtlCol="0" anchor="ctr"/>
+          <a:lstStyle/>
+          <a:p>
+            <a:pPr algn="ctr"/>
+            <a:r>
+              <a:rPr kumimoji="1" lang="en-US" altLang="ko-KR" dirty="0"/>
+              <a:t>0x16ce92c2c</a:t>
+            </a:r>
+            <a:endParaRPr kumimoji="1" lang="ko-KR" altLang="en-US" dirty="0"/>
+          </a:p>
+        </p:txBody>
+      </p:sp>
+      <p:sp>
+        <p:nvSpPr>
+          <p:cNvPr id="7" name="직사각형 6">
+            <a:extLst>
+              <a:ext uri="{FF2B5EF4-FFF2-40B4-BE49-F238E27FC236}">
+                <a16:creationId xmlns:a16="http://schemas.microsoft.com/office/drawing/2014/main" id="{CB8C402D-676A-0627-FA6C-F5ED5467B551}"/>
+              </a:ext>
+            </a:extLst>
+          </p:cNvPr>
+          <p:cNvSpPr/>
+          <p:nvPr/>
+        </p:nvSpPr>
+        <p:spPr>
+          <a:xfrm>
+            <a:off x="6260432" y="4491101"/>
+            <a:ext cx="1287379" cy="841803"/>
+          </a:xfrm>
+          <a:prstGeom prst="rect">
+            <a:avLst/>
+          </a:prstGeom>
+        </p:spPr>
+        <p:style>
+          <a:lnRef idx="2">
+            <a:schemeClr val="accent4">
+              <a:shade val="15000"/>
+            </a:schemeClr>
+          </a:lnRef>
+          <a:fillRef idx="1">
+            <a:schemeClr val="accent4"/>
+          </a:fillRef>
+          <a:effectRef idx="0">
+            <a:schemeClr val="accent4"/>
+          </a:effectRef>
+          <a:fontRef idx="minor">
+            <a:schemeClr val="lt1"/>
+          </a:fontRef>
+        </p:style>
+        <p:txBody>
+          <a:bodyPr rtlCol="0" anchor="ctr"/>
+          <a:lstStyle/>
+          <a:p>
+            <a:pPr algn="ctr"/>
+            <a:r>
+              <a:rPr kumimoji="1" lang="en-US" altLang="ko-KR" dirty="0">
+                <a:solidFill>
+                  <a:srgbClr val="FF0000"/>
+                </a:solidFill>
+                <a:latin typeface="DM Mono" panose="020B0509040201040103" pitchFamily="49" charset="0"/>
+              </a:rPr>
+              <a:t>11</a:t>
+            </a:r>
+            <a:endParaRPr kumimoji="1" lang="ko-KR" altLang="en-US" dirty="0">
+              <a:solidFill>
+                <a:srgbClr val="FF0000"/>
+              </a:solidFill>
+              <a:latin typeface="DM Mono" panose="020B0509040201040103" pitchFamily="49" charset="0"/>
+            </a:endParaRPr>
+          </a:p>
+        </p:txBody>
+      </p:sp>
+      <p:sp>
+        <p:nvSpPr>
+          <p:cNvPr id="8" name="TextBox 7">
+            <a:extLst>
+              <a:ext uri="{FF2B5EF4-FFF2-40B4-BE49-F238E27FC236}">
+                <a16:creationId xmlns:a16="http://schemas.microsoft.com/office/drawing/2014/main" id="{82802F3B-6022-06D4-80C4-740EBC00C407}"/>
+              </a:ext>
+            </a:extLst>
+          </p:cNvPr>
+          <p:cNvSpPr txBox="1"/>
+          <p:nvPr/>
+        </p:nvSpPr>
+        <p:spPr>
+          <a:xfrm>
+            <a:off x="4772025" y="4727336"/>
+            <a:ext cx="1476889" cy="369332"/>
+          </a:xfrm>
+          <a:prstGeom prst="rect">
+            <a:avLst/>
+          </a:prstGeom>
+          <a:noFill/>
+        </p:spPr>
+        <p:txBody>
+          <a:bodyPr wrap="square" rtlCol="0">
+            <a:spAutoFit/>
+          </a:bodyPr>
+          <a:lstStyle/>
+          <a:p>
+            <a:pPr algn="r"/>
+            <a:r>
+              <a:rPr kumimoji="1" lang="en-US" altLang="ko-KR" dirty="0">
+                <a:latin typeface="DM Mono" panose="020B0509040201040103" pitchFamily="49" charset="0"/>
+              </a:rPr>
+              <a:t>x</a:t>
+            </a:r>
+            <a:endParaRPr kumimoji="1" lang="ko-KR" altLang="en-US" dirty="0">
+              <a:solidFill>
+                <a:srgbClr val="FF0000"/>
+              </a:solidFill>
+              <a:latin typeface="DM Mono" panose="020B0509040201040103" pitchFamily="49" charset="0"/>
+            </a:endParaRPr>
+          </a:p>
+        </p:txBody>
+      </p:sp>
+      <p:sp>
+        <p:nvSpPr>
+          <p:cNvPr id="10" name="TextBox 9">
+            <a:extLst>
+              <a:ext uri="{FF2B5EF4-FFF2-40B4-BE49-F238E27FC236}">
+                <a16:creationId xmlns:a16="http://schemas.microsoft.com/office/drawing/2014/main" id="{6A303DBA-CCF7-EE98-D863-2715308C2B3A}"/>
+              </a:ext>
+            </a:extLst>
+          </p:cNvPr>
+          <p:cNvSpPr txBox="1"/>
+          <p:nvPr/>
+        </p:nvSpPr>
+        <p:spPr>
+          <a:xfrm>
+            <a:off x="5483570" y="4120338"/>
+            <a:ext cx="1638300" cy="307777"/>
+          </a:xfrm>
+          <a:prstGeom prst="rect">
+            <a:avLst/>
+          </a:prstGeom>
+          <a:noFill/>
+        </p:spPr>
+        <p:txBody>
+          <a:bodyPr wrap="square">
+            <a:spAutoFit/>
+          </a:bodyPr>
+          <a:lstStyle/>
+          <a:p>
+            <a:r>
+              <a:rPr lang="en-US" altLang="ko-KR" sz="1400" b="1" dirty="0">
+                <a:solidFill>
+                  <a:srgbClr val="FF0000"/>
+                </a:solidFill>
+                <a:latin typeface="DM Mono" panose="020B0509040201040103" pitchFamily="49" charset="0"/>
+              </a:rPr>
+              <a:t>0x100</a:t>
+            </a:r>
+            <a:endParaRPr lang="ko-KR" altLang="en-US" sz="1400" b="1" dirty="0">
+              <a:solidFill>
+                <a:srgbClr val="FF0000"/>
+              </a:solidFill>
+              <a:latin typeface="DM Mono" panose="020B0509040201040103" pitchFamily="49" charset="0"/>
+            </a:endParaRPr>
+          </a:p>
+        </p:txBody>
+      </p:sp>
+      <p:sp>
+        <p:nvSpPr>
+          <p:cNvPr id="2" name="TextBox 1">
+            <a:extLst>
+              <a:ext uri="{FF2B5EF4-FFF2-40B4-BE49-F238E27FC236}">
+                <a16:creationId xmlns:a16="http://schemas.microsoft.com/office/drawing/2014/main" id="{F017E89B-AA7B-C1B8-769F-F8825F4C2A6F}"/>
+              </a:ext>
+            </a:extLst>
+          </p:cNvPr>
+          <p:cNvSpPr txBox="1"/>
+          <p:nvPr/>
+        </p:nvSpPr>
+        <p:spPr>
+          <a:xfrm>
+            <a:off x="4969042" y="3058237"/>
+            <a:ext cx="3793958" cy="307777"/>
+          </a:xfrm>
+          <a:prstGeom prst="rect">
+            <a:avLst/>
+          </a:prstGeom>
+          <a:noFill/>
+        </p:spPr>
+        <p:txBody>
+          <a:bodyPr wrap="square">
+            <a:spAutoFit/>
+          </a:bodyPr>
+          <a:lstStyle/>
+          <a:p>
+            <a:pPr algn="ctr"/>
+            <a:r>
+              <a:rPr lang="en-US" altLang="ko-KR" sz="1400" b="1" dirty="0">
+                <a:latin typeface="DM Mono" panose="020B0509040201040103" pitchFamily="49" charset="0"/>
+              </a:rPr>
+              <a:t>main</a:t>
+            </a:r>
+            <a:endParaRPr lang="ko-KR" altLang="en-US" sz="1400" b="1" dirty="0">
+              <a:latin typeface="DM Mono" panose="020B0509040201040103" pitchFamily="49" charset="0"/>
+            </a:endParaRPr>
+          </a:p>
+        </p:txBody>
+      </p:sp>
+      <p:sp>
+        <p:nvSpPr>
+          <p:cNvPr id="3" name="직사각형 2">
+            <a:extLst>
+              <a:ext uri="{FF2B5EF4-FFF2-40B4-BE49-F238E27FC236}">
+                <a16:creationId xmlns:a16="http://schemas.microsoft.com/office/drawing/2014/main" id="{B1D7C37C-D708-15BF-854A-61CAF4AF24C1}"/>
+              </a:ext>
+            </a:extLst>
+          </p:cNvPr>
+          <p:cNvSpPr/>
+          <p:nvPr/>
+        </p:nvSpPr>
+        <p:spPr>
+          <a:xfrm>
+            <a:off x="7874167" y="750187"/>
+            <a:ext cx="3793958" cy="2490537"/>
+          </a:xfrm>
+          <a:prstGeom prst="rect">
+            <a:avLst/>
+          </a:prstGeom>
+          <a:solidFill>
+            <a:schemeClr val="bg1"/>
+          </a:solidFill>
+        </p:spPr>
+        <p:style>
+          <a:lnRef idx="2">
+            <a:schemeClr val="accent1">
+              <a:shade val="15000"/>
+            </a:schemeClr>
+          </a:lnRef>
+          <a:fillRef idx="1">
+            <a:schemeClr val="accent1"/>
+          </a:fillRef>
+          <a:effectRef idx="0">
+            <a:schemeClr val="accent1"/>
+          </a:effectRef>
+          <a:fontRef idx="minor">
+            <a:schemeClr val="lt1"/>
+          </a:fontRef>
+        </p:style>
+        <p:txBody>
+          <a:bodyPr rtlCol="0" anchor="ctr"/>
+          <a:lstStyle/>
+          <a:p>
+            <a:pPr algn="ctr"/>
+            <a:r>
+              <a:rPr kumimoji="1" lang="en-US" altLang="ko-KR" dirty="0"/>
+              <a:t>0x16ce92c2c</a:t>
+            </a:r>
+            <a:endParaRPr kumimoji="1" lang="ko-KR" altLang="en-US" dirty="0"/>
+          </a:p>
+        </p:txBody>
+      </p:sp>
+      <p:sp>
+        <p:nvSpPr>
+          <p:cNvPr id="4" name="TextBox 3">
+            <a:extLst>
+              <a:ext uri="{FF2B5EF4-FFF2-40B4-BE49-F238E27FC236}">
+                <a16:creationId xmlns:a16="http://schemas.microsoft.com/office/drawing/2014/main" id="{E4F85DB2-F7DD-B991-4BBE-7C9EC084CB3D}"/>
+              </a:ext>
+            </a:extLst>
+          </p:cNvPr>
+          <p:cNvSpPr txBox="1"/>
+          <p:nvPr/>
+        </p:nvSpPr>
+        <p:spPr>
+          <a:xfrm>
+            <a:off x="7874167" y="379424"/>
+            <a:ext cx="3793958" cy="307777"/>
+          </a:xfrm>
+          <a:prstGeom prst="rect">
+            <a:avLst/>
+          </a:prstGeom>
+          <a:noFill/>
+        </p:spPr>
+        <p:txBody>
+          <a:bodyPr wrap="square">
+            <a:spAutoFit/>
+          </a:bodyPr>
+          <a:lstStyle/>
+          <a:p>
+            <a:pPr algn="ctr"/>
+            <a:r>
+              <a:rPr lang="en-US" altLang="ko-KR" sz="1400" b="1" dirty="0">
+                <a:latin typeface="DM Mono" panose="020B0509040201040103" pitchFamily="49" charset="0"/>
+              </a:rPr>
+              <a:t>Increment</a:t>
+            </a:r>
+            <a:endParaRPr lang="ko-KR" altLang="en-US" sz="1400" b="1" dirty="0">
+              <a:latin typeface="DM Mono" panose="020B0509040201040103" pitchFamily="49" charset="0"/>
+            </a:endParaRPr>
+          </a:p>
+        </p:txBody>
+      </p:sp>
+      <p:sp>
+        <p:nvSpPr>
+          <p:cNvPr id="9" name="직사각형 8">
+            <a:extLst>
+              <a:ext uri="{FF2B5EF4-FFF2-40B4-BE49-F238E27FC236}">
+                <a16:creationId xmlns:a16="http://schemas.microsoft.com/office/drawing/2014/main" id="{0419143F-F8E9-FDD4-BC30-E58B8B492117}"/>
+              </a:ext>
+            </a:extLst>
+          </p:cNvPr>
+          <p:cNvSpPr/>
+          <p:nvPr/>
+        </p:nvSpPr>
+        <p:spPr>
+          <a:xfrm>
+            <a:off x="9165557" y="1214501"/>
+            <a:ext cx="2159668" cy="841803"/>
+          </a:xfrm>
+          <a:prstGeom prst="rect">
+            <a:avLst/>
+          </a:prstGeom>
+        </p:spPr>
+        <p:style>
+          <a:lnRef idx="2">
+            <a:schemeClr val="accent4">
+              <a:shade val="15000"/>
+            </a:schemeClr>
+          </a:lnRef>
+          <a:fillRef idx="1">
+            <a:schemeClr val="accent4"/>
+          </a:fillRef>
+          <a:effectRef idx="0">
+            <a:schemeClr val="accent4"/>
+          </a:effectRef>
+          <a:fontRef idx="minor">
+            <a:schemeClr val="lt1"/>
+          </a:fontRef>
+        </p:style>
+        <p:txBody>
+          <a:bodyPr rtlCol="0" anchor="ctr"/>
+          <a:lstStyle/>
+          <a:p>
+            <a:pPr algn="ctr"/>
+            <a:r>
+              <a:rPr kumimoji="1" lang="en-US" altLang="ko-KR" dirty="0">
+                <a:solidFill>
+                  <a:srgbClr val="FF0000"/>
+                </a:solidFill>
+                <a:latin typeface="DM Mono" panose="020B0509040201040103" pitchFamily="49" charset="0"/>
+              </a:rPr>
+              <a:t>0x100</a:t>
+            </a:r>
+            <a:endParaRPr kumimoji="1" lang="ko-KR" altLang="en-US" dirty="0">
+              <a:solidFill>
+                <a:srgbClr val="FF0000"/>
+              </a:solidFill>
+              <a:latin typeface="DM Mono" panose="020B0509040201040103" pitchFamily="49" charset="0"/>
+            </a:endParaRPr>
+          </a:p>
+        </p:txBody>
+      </p:sp>
+      <p:sp>
+        <p:nvSpPr>
+          <p:cNvPr id="11" name="TextBox 10">
+            <a:extLst>
+              <a:ext uri="{FF2B5EF4-FFF2-40B4-BE49-F238E27FC236}">
+                <a16:creationId xmlns:a16="http://schemas.microsoft.com/office/drawing/2014/main" id="{F29952DB-6954-B791-943C-7D7905CF172B}"/>
+              </a:ext>
+            </a:extLst>
+          </p:cNvPr>
+          <p:cNvSpPr txBox="1"/>
+          <p:nvPr/>
+        </p:nvSpPr>
+        <p:spPr>
+          <a:xfrm>
+            <a:off x="7677150" y="1450736"/>
+            <a:ext cx="1476889" cy="369332"/>
+          </a:xfrm>
+          <a:prstGeom prst="rect">
+            <a:avLst/>
+          </a:prstGeom>
+          <a:noFill/>
+        </p:spPr>
+        <p:txBody>
+          <a:bodyPr wrap="square" rtlCol="0">
+            <a:spAutoFit/>
+          </a:bodyPr>
+          <a:lstStyle/>
+          <a:p>
+            <a:pPr algn="r"/>
+            <a:r>
+              <a:rPr kumimoji="1" lang="en-US" altLang="ko-KR" dirty="0" err="1">
+                <a:latin typeface="DM Mono" panose="020B0509040201040103" pitchFamily="49" charset="0"/>
+              </a:rPr>
+              <a:t>px</a:t>
+            </a:r>
+            <a:endParaRPr kumimoji="1" lang="ko-KR" altLang="en-US" dirty="0">
+              <a:solidFill>
+                <a:srgbClr val="FF0000"/>
+              </a:solidFill>
+              <a:latin typeface="DM Mono" panose="020B0509040201040103" pitchFamily="49" charset="0"/>
+            </a:endParaRPr>
+          </a:p>
+        </p:txBody>
+      </p:sp>
+      <p:cxnSp>
+        <p:nvCxnSpPr>
+          <p:cNvPr id="13" name="구부러진 연결선[U] 12">
+            <a:extLst>
+              <a:ext uri="{FF2B5EF4-FFF2-40B4-BE49-F238E27FC236}">
+                <a16:creationId xmlns:a16="http://schemas.microsoft.com/office/drawing/2014/main" id="{22129908-9FD6-86A5-E38B-DE90D8B32106}"/>
+              </a:ext>
+            </a:extLst>
+          </p:cNvPr>
+          <p:cNvCxnSpPr>
+            <a:stCxn id="9" idx="2"/>
+            <a:endCxn id="7" idx="0"/>
+          </p:cNvCxnSpPr>
+          <p:nvPr/>
+        </p:nvCxnSpPr>
+        <p:spPr>
+          <a:xfrm rot="5400000">
+            <a:off x="7357359" y="1603068"/>
+            <a:ext cx="2434797" cy="3341269"/>
+          </a:xfrm>
+          <a:prstGeom prst="curvedConnector3">
+            <a:avLst/>
+          </a:prstGeom>
+          <a:ln>
+            <a:tailEnd type="triangle"/>
+          </a:ln>
+        </p:spPr>
+        <p:style>
+          <a:lnRef idx="1">
+            <a:schemeClr val="dk1"/>
+          </a:lnRef>
+          <a:fillRef idx="0">
+            <a:schemeClr val="dk1"/>
+          </a:fillRef>
+          <a:effectRef idx="0">
+            <a:schemeClr val="dk1"/>
+          </a:effectRef>
+          <a:fontRef idx="minor">
+            <a:schemeClr val="tx1"/>
+          </a:fontRef>
+        </p:style>
+      </p:cxnSp>
+    </p:spTree>
+    <p:extLst>
+      <p:ext uri="{BB962C8B-B14F-4D97-AF65-F5344CB8AC3E}">
+        <p14:creationId xmlns:p14="http://schemas.microsoft.com/office/powerpoint/2010/main" val="336568475"/>
+      </p:ext>
+    </p:extLst>
+  </p:cSld>
+  <p:clrMapOvr>
+    <a:masterClrMapping/>
+  </p:clrMapOvr>
+</p:sld>
+</file>
+
+<file path=ppt/slides/slide16.xml><?xml version="1.0" encoding="utf-8"?>
+<p:sld xmlns:a="http://schemas.openxmlformats.org/drawingml/2006/main" xmlns:r="http://schemas.openxmlformats.org/officeDocument/2006/relationships" xmlns:p="http://schemas.openxmlformats.org/presentationml/2006/main">
+  <p:cSld>
+    <p:spTree>
+      <p:nvGrpSpPr>
+        <p:cNvPr id="1" name="">
+          <a:extLst>
+            <a:ext uri="{FF2B5EF4-FFF2-40B4-BE49-F238E27FC236}">
+              <a16:creationId xmlns:a16="http://schemas.microsoft.com/office/drawing/2014/main" id="{0E925B36-A03C-6984-494B-8A4E99C11300}"/>
+            </a:ext>
+          </a:extLst>
+        </p:cNvPr>
+        <p:cNvGrpSpPr/>
+        <p:nvPr/>
+      </p:nvGrpSpPr>
+      <p:grpSpPr>
+        <a:xfrm>
+          <a:off x="0" y="0"/>
+          <a:ext cx="0" cy="0"/>
+          <a:chOff x="0" y="0"/>
+          <a:chExt cx="0" cy="0"/>
+        </a:xfrm>
+      </p:grpSpPr>
+      <p:sp>
+        <p:nvSpPr>
+          <p:cNvPr id="5" name="TextBox 4">
+            <a:extLst>
+              <a:ext uri="{FF2B5EF4-FFF2-40B4-BE49-F238E27FC236}">
+                <a16:creationId xmlns:a16="http://schemas.microsoft.com/office/drawing/2014/main" id="{CD6B28B4-8A3C-554E-FAC0-07B0956ED6E0}"/>
+              </a:ext>
+            </a:extLst>
+          </p:cNvPr>
+          <p:cNvSpPr txBox="1"/>
+          <p:nvPr/>
+        </p:nvSpPr>
+        <p:spPr>
+          <a:xfrm>
+            <a:off x="383362" y="588935"/>
+            <a:ext cx="6093994" cy="4226735"/>
+          </a:xfrm>
+          <a:prstGeom prst="rect">
+            <a:avLst/>
+          </a:prstGeom>
+          <a:noFill/>
+        </p:spPr>
+        <p:txBody>
+          <a:bodyPr wrap="square">
+            <a:spAutoFit/>
+          </a:bodyPr>
+          <a:lstStyle/>
+          <a:p>
+            <a:pPr>
+              <a:lnSpc>
+                <a:spcPts val="2700"/>
+              </a:lnSpc>
+              <a:buNone/>
+            </a:pPr>
+            <a:r>
+              <a:rPr lang="en-US" altLang="ko-KR" b="0" dirty="0">
+                <a:solidFill>
+                  <a:srgbClr val="0000FF"/>
+                </a:solidFill>
+                <a:effectLst/>
+                <a:latin typeface="DM Mono" panose="020B0509040201040103" pitchFamily="49" charset="0"/>
+              </a:rPr>
+              <a:t>void</a:t>
+            </a:r>
+            <a:r>
+              <a:rPr lang="en-US" altLang="ko-KR" b="0" dirty="0">
+                <a:solidFill>
+                  <a:srgbClr val="3B3B3B"/>
+                </a:solidFill>
+                <a:effectLst/>
+                <a:latin typeface="DM Mono" panose="020B0509040201040103" pitchFamily="49" charset="0"/>
+              </a:rPr>
+              <a:t> </a:t>
+            </a:r>
+            <a:r>
+              <a:rPr lang="en-US" altLang="ko-KR" b="0" dirty="0">
+                <a:solidFill>
+                  <a:srgbClr val="795E26"/>
+                </a:solidFill>
+                <a:effectLst/>
+                <a:latin typeface="DM Mono" panose="020B0509040201040103" pitchFamily="49" charset="0"/>
+              </a:rPr>
+              <a:t>Increment</a:t>
+            </a:r>
+            <a:r>
+              <a:rPr lang="en-US" altLang="ko-KR" b="0" dirty="0">
+                <a:solidFill>
+                  <a:srgbClr val="3B3B3B"/>
+                </a:solidFill>
+                <a:effectLst/>
+                <a:latin typeface="DM Mono" panose="020B0509040201040103" pitchFamily="49" charset="0"/>
+              </a:rPr>
+              <a:t>(</a:t>
+            </a:r>
+            <a:r>
+              <a:rPr lang="en-US" altLang="ko-KR" b="0" dirty="0">
+                <a:solidFill>
+                  <a:srgbClr val="0000FF"/>
+                </a:solidFill>
+                <a:effectLst/>
+                <a:latin typeface="DM Mono" panose="020B0509040201040103" pitchFamily="49" charset="0"/>
+              </a:rPr>
+              <a:t>int</a:t>
+            </a:r>
+            <a:r>
+              <a:rPr lang="en-US" altLang="ko-KR" b="0" dirty="0">
+                <a:solidFill>
+                  <a:srgbClr val="3B3B3B"/>
+                </a:solidFill>
+                <a:effectLst/>
+                <a:latin typeface="DM Mono" panose="020B0509040201040103" pitchFamily="49" charset="0"/>
+              </a:rPr>
+              <a:t> </a:t>
+            </a:r>
+            <a:r>
+              <a:rPr lang="en-US" altLang="ko-KR" b="0" dirty="0">
+                <a:solidFill>
+                  <a:srgbClr val="0000FF"/>
+                </a:solidFill>
+                <a:effectLst/>
+                <a:latin typeface="DM Mono" panose="020B0509040201040103" pitchFamily="49" charset="0"/>
+              </a:rPr>
+              <a:t>*</a:t>
+            </a:r>
+            <a:r>
+              <a:rPr lang="en-US" altLang="ko-KR" b="0" dirty="0" err="1">
+                <a:solidFill>
+                  <a:srgbClr val="001080"/>
+                </a:solidFill>
+                <a:effectLst/>
+                <a:latin typeface="DM Mono" panose="020B0509040201040103" pitchFamily="49" charset="0"/>
+              </a:rPr>
+              <a:t>px</a:t>
+            </a:r>
+            <a:r>
+              <a:rPr lang="en-US" altLang="ko-KR" b="0" dirty="0">
+                <a:solidFill>
+                  <a:srgbClr val="3B3B3B"/>
+                </a:solidFill>
+                <a:effectLst/>
+                <a:latin typeface="DM Mono" panose="020B0509040201040103" pitchFamily="49" charset="0"/>
+              </a:rPr>
+              <a:t>)</a:t>
+            </a:r>
+          </a:p>
+          <a:p>
+            <a:pPr>
+              <a:lnSpc>
+                <a:spcPts val="2700"/>
+              </a:lnSpc>
+              <a:buNone/>
+            </a:pPr>
+            <a:r>
+              <a:rPr lang="en-US" altLang="ko-KR" b="0" dirty="0">
+                <a:solidFill>
+                  <a:srgbClr val="3B3B3B"/>
+                </a:solidFill>
+                <a:effectLst/>
+                <a:latin typeface="DM Mono" panose="020B0509040201040103" pitchFamily="49" charset="0"/>
+              </a:rPr>
+              <a:t>{</a:t>
+            </a:r>
+          </a:p>
+          <a:p>
+            <a:pPr>
+              <a:lnSpc>
+                <a:spcPts val="2700"/>
+              </a:lnSpc>
+              <a:buNone/>
+            </a:pPr>
+            <a:r>
+              <a:rPr lang="en-US" altLang="ko-KR" b="0" dirty="0">
+                <a:solidFill>
+                  <a:srgbClr val="FF0000"/>
+                </a:solidFill>
+                <a:effectLst/>
+                <a:latin typeface="DM Mono" panose="020B0509040201040103" pitchFamily="49" charset="0"/>
+              </a:rPr>
+              <a:t>++(*</a:t>
+            </a:r>
+            <a:r>
+              <a:rPr lang="en-US" altLang="ko-KR" b="0" dirty="0" err="1">
+                <a:solidFill>
+                  <a:srgbClr val="FF0000"/>
+                </a:solidFill>
+                <a:effectLst/>
+                <a:latin typeface="DM Mono" panose="020B0509040201040103" pitchFamily="49" charset="0"/>
+              </a:rPr>
+              <a:t>px</a:t>
+            </a:r>
+            <a:r>
+              <a:rPr lang="en-US" altLang="ko-KR" b="0" dirty="0">
+                <a:solidFill>
+                  <a:srgbClr val="FF0000"/>
+                </a:solidFill>
+                <a:effectLst/>
+                <a:latin typeface="DM Mono" panose="020B0509040201040103" pitchFamily="49" charset="0"/>
+              </a:rPr>
+              <a:t>);</a:t>
+            </a:r>
+          </a:p>
+          <a:p>
+            <a:pPr>
+              <a:lnSpc>
+                <a:spcPts val="2700"/>
+              </a:lnSpc>
+              <a:buNone/>
+            </a:pPr>
+            <a:r>
+              <a:rPr lang="en-US" altLang="ko-KR" b="0" dirty="0">
+                <a:solidFill>
+                  <a:srgbClr val="3B3B3B"/>
+                </a:solidFill>
+                <a:effectLst/>
+                <a:latin typeface="DM Mono" panose="020B0509040201040103" pitchFamily="49" charset="0"/>
+              </a:rPr>
+              <a:t>}</a:t>
+            </a:r>
+          </a:p>
+          <a:p>
+            <a:pPr>
+              <a:lnSpc>
+                <a:spcPts val="2700"/>
+              </a:lnSpc>
+              <a:buNone/>
+            </a:pPr>
+            <a:br>
+              <a:rPr lang="en-US" altLang="ko-KR" b="0" dirty="0">
+                <a:solidFill>
+                  <a:srgbClr val="3B3B3B"/>
+                </a:solidFill>
+                <a:effectLst/>
+                <a:latin typeface="DM Mono" panose="020B0509040201040103" pitchFamily="49" charset="0"/>
+              </a:rPr>
+            </a:br>
+            <a:r>
+              <a:rPr lang="en-US" altLang="ko-KR" b="0" dirty="0">
+                <a:solidFill>
+                  <a:srgbClr val="0000FF"/>
+                </a:solidFill>
+                <a:effectLst/>
+                <a:latin typeface="DM Mono" panose="020B0509040201040103" pitchFamily="49" charset="0"/>
+              </a:rPr>
+              <a:t>int</a:t>
+            </a:r>
+            <a:r>
+              <a:rPr lang="en-US" altLang="ko-KR" b="0" dirty="0">
+                <a:solidFill>
+                  <a:srgbClr val="3B3B3B"/>
+                </a:solidFill>
+                <a:effectLst/>
+                <a:latin typeface="DM Mono" panose="020B0509040201040103" pitchFamily="49" charset="0"/>
+              </a:rPr>
+              <a:t> </a:t>
+            </a:r>
+            <a:r>
+              <a:rPr lang="en-US" altLang="ko-KR" b="0" dirty="0">
+                <a:solidFill>
+                  <a:srgbClr val="795E26"/>
+                </a:solidFill>
+                <a:effectLst/>
+                <a:latin typeface="DM Mono" panose="020B0509040201040103" pitchFamily="49" charset="0"/>
+              </a:rPr>
+              <a:t>main</a:t>
+            </a:r>
+            <a:r>
+              <a:rPr lang="en-US" altLang="ko-KR" b="0" dirty="0">
+                <a:solidFill>
+                  <a:srgbClr val="3B3B3B"/>
+                </a:solidFill>
+                <a:effectLst/>
+                <a:latin typeface="DM Mono" panose="020B0509040201040103" pitchFamily="49" charset="0"/>
+              </a:rPr>
+              <a:t>()</a:t>
+            </a:r>
+          </a:p>
+          <a:p>
+            <a:pPr>
+              <a:lnSpc>
+                <a:spcPts val="2700"/>
+              </a:lnSpc>
+              <a:buNone/>
+            </a:pPr>
+            <a:r>
+              <a:rPr lang="en-US" altLang="ko-KR" b="0" dirty="0">
+                <a:solidFill>
+                  <a:srgbClr val="3B3B3B"/>
+                </a:solidFill>
+                <a:effectLst/>
+                <a:latin typeface="DM Mono" panose="020B0509040201040103" pitchFamily="49" charset="0"/>
+              </a:rPr>
+              <a:t>{</a:t>
+            </a:r>
+          </a:p>
+          <a:p>
+            <a:pPr>
+              <a:lnSpc>
+                <a:spcPts val="2700"/>
+              </a:lnSpc>
+              <a:buNone/>
+            </a:pPr>
+            <a:r>
+              <a:rPr lang="en-US" altLang="ko-KR" b="0" dirty="0">
+                <a:solidFill>
+                  <a:srgbClr val="0000FF"/>
+                </a:solidFill>
+                <a:effectLst/>
+                <a:latin typeface="DM Mono" panose="020B0509040201040103" pitchFamily="49" charset="0"/>
+              </a:rPr>
+              <a:t>int</a:t>
+            </a:r>
+            <a:r>
+              <a:rPr lang="en-US" altLang="ko-KR" b="0" dirty="0">
+                <a:solidFill>
+                  <a:srgbClr val="3B3B3B"/>
+                </a:solidFill>
+                <a:effectLst/>
+                <a:latin typeface="DM Mono" panose="020B0509040201040103" pitchFamily="49" charset="0"/>
+              </a:rPr>
+              <a:t> </a:t>
+            </a:r>
+            <a:r>
+              <a:rPr lang="en-US" altLang="ko-KR" b="0" dirty="0">
+                <a:solidFill>
+                  <a:srgbClr val="001080"/>
+                </a:solidFill>
+                <a:effectLst/>
+                <a:latin typeface="DM Mono" panose="020B0509040201040103" pitchFamily="49" charset="0"/>
+              </a:rPr>
+              <a:t>x</a:t>
+            </a:r>
+            <a:r>
+              <a:rPr lang="en-US" altLang="ko-KR" b="0" dirty="0">
+                <a:solidFill>
+                  <a:srgbClr val="3B3B3B"/>
+                </a:solidFill>
+                <a:effectLst/>
+                <a:latin typeface="DM Mono" panose="020B0509040201040103" pitchFamily="49" charset="0"/>
+              </a:rPr>
+              <a:t> </a:t>
+            </a:r>
+            <a:r>
+              <a:rPr lang="en-US" altLang="ko-KR" b="0" dirty="0">
+                <a:solidFill>
+                  <a:srgbClr val="000000"/>
+                </a:solidFill>
+                <a:effectLst/>
+                <a:latin typeface="DM Mono" panose="020B0509040201040103" pitchFamily="49" charset="0"/>
+              </a:rPr>
+              <a:t>=</a:t>
+            </a:r>
+            <a:r>
+              <a:rPr lang="en-US" altLang="ko-KR" b="0" dirty="0">
+                <a:solidFill>
+                  <a:srgbClr val="3B3B3B"/>
+                </a:solidFill>
+                <a:effectLst/>
+                <a:latin typeface="DM Mono" panose="020B0509040201040103" pitchFamily="49" charset="0"/>
+              </a:rPr>
+              <a:t> </a:t>
+            </a:r>
+            <a:r>
+              <a:rPr lang="en-US" altLang="ko-KR" b="0" dirty="0">
+                <a:solidFill>
+                  <a:srgbClr val="098658"/>
+                </a:solidFill>
+                <a:effectLst/>
+                <a:latin typeface="DM Mono" panose="020B0509040201040103" pitchFamily="49" charset="0"/>
+              </a:rPr>
+              <a:t>10</a:t>
+            </a:r>
+            <a:r>
+              <a:rPr lang="en-US" altLang="ko-KR" b="0" dirty="0">
+                <a:solidFill>
+                  <a:srgbClr val="3B3B3B"/>
+                </a:solidFill>
+                <a:effectLst/>
+                <a:latin typeface="DM Mono" panose="020B0509040201040103" pitchFamily="49" charset="0"/>
+              </a:rPr>
+              <a:t>;</a:t>
+            </a:r>
+          </a:p>
+          <a:p>
+            <a:pPr>
+              <a:lnSpc>
+                <a:spcPts val="2700"/>
+              </a:lnSpc>
+              <a:buNone/>
+            </a:pPr>
+            <a:br>
+              <a:rPr lang="en-US" altLang="ko-KR" b="0" dirty="0">
+                <a:solidFill>
+                  <a:srgbClr val="FF0000"/>
+                </a:solidFill>
+                <a:effectLst/>
+                <a:latin typeface="DM Mono" panose="020B0509040201040103" pitchFamily="49" charset="0"/>
+              </a:rPr>
+            </a:br>
+            <a:r>
+              <a:rPr lang="en-US" altLang="ko-KR" b="0" dirty="0">
+                <a:solidFill>
+                  <a:srgbClr val="FF0000"/>
+                </a:solidFill>
+                <a:effectLst/>
+                <a:latin typeface="DM Mono" panose="020B0509040201040103" pitchFamily="49" charset="0"/>
+              </a:rPr>
+              <a:t>Increment(&amp;x);</a:t>
+            </a:r>
+          </a:p>
+          <a:p>
+            <a:pPr>
+              <a:lnSpc>
+                <a:spcPts val="2700"/>
+              </a:lnSpc>
+              <a:buNone/>
+            </a:pPr>
+            <a:r>
+              <a:rPr lang="en-US" altLang="ko-KR" b="0" dirty="0" err="1">
+                <a:solidFill>
+                  <a:srgbClr val="001080"/>
+                </a:solidFill>
+                <a:effectLst/>
+                <a:latin typeface="DM Mono" panose="020B0509040201040103" pitchFamily="49" charset="0"/>
+              </a:rPr>
+              <a:t>cout</a:t>
+            </a:r>
+            <a:r>
+              <a:rPr lang="en-US" altLang="ko-KR" b="0" dirty="0">
+                <a:solidFill>
+                  <a:srgbClr val="3B3B3B"/>
+                </a:solidFill>
+                <a:effectLst/>
+                <a:latin typeface="DM Mono" panose="020B0509040201040103" pitchFamily="49" charset="0"/>
+              </a:rPr>
+              <a:t> </a:t>
+            </a:r>
+            <a:r>
+              <a:rPr lang="en-US" altLang="ko-KR" b="0" dirty="0">
+                <a:solidFill>
+                  <a:srgbClr val="795E26"/>
+                </a:solidFill>
+                <a:effectLst/>
+                <a:latin typeface="DM Mono" panose="020B0509040201040103" pitchFamily="49" charset="0"/>
+              </a:rPr>
+              <a:t>&lt;&lt;</a:t>
+            </a:r>
+            <a:r>
+              <a:rPr lang="en-US" altLang="ko-KR" b="0" dirty="0">
+                <a:solidFill>
+                  <a:srgbClr val="3B3B3B"/>
+                </a:solidFill>
+                <a:effectLst/>
+                <a:latin typeface="DM Mono" panose="020B0509040201040103" pitchFamily="49" charset="0"/>
+              </a:rPr>
+              <a:t> </a:t>
+            </a:r>
+            <a:r>
+              <a:rPr lang="en-US" altLang="ko-KR" b="0" dirty="0">
+                <a:solidFill>
+                  <a:srgbClr val="001080"/>
+                </a:solidFill>
+                <a:effectLst/>
+                <a:latin typeface="DM Mono" panose="020B0509040201040103" pitchFamily="49" charset="0"/>
+              </a:rPr>
+              <a:t>x</a:t>
+            </a:r>
+            <a:r>
+              <a:rPr lang="en-US" altLang="ko-KR" b="0" dirty="0">
+                <a:solidFill>
+                  <a:srgbClr val="3B3B3B"/>
+                </a:solidFill>
+                <a:effectLst/>
+                <a:latin typeface="DM Mono" panose="020B0509040201040103" pitchFamily="49" charset="0"/>
+              </a:rPr>
+              <a:t> </a:t>
+            </a:r>
+            <a:r>
+              <a:rPr lang="en-US" altLang="ko-KR" b="0" dirty="0">
+                <a:solidFill>
+                  <a:srgbClr val="795E26"/>
+                </a:solidFill>
+                <a:effectLst/>
+                <a:latin typeface="DM Mono" panose="020B0509040201040103" pitchFamily="49" charset="0"/>
+              </a:rPr>
+              <a:t>&lt;&lt;</a:t>
+            </a:r>
+            <a:r>
+              <a:rPr lang="en-US" altLang="ko-KR" b="0" dirty="0">
+                <a:solidFill>
+                  <a:srgbClr val="3B3B3B"/>
+                </a:solidFill>
+                <a:effectLst/>
+                <a:latin typeface="DM Mono" panose="020B0509040201040103" pitchFamily="49" charset="0"/>
+              </a:rPr>
+              <a:t> </a:t>
+            </a:r>
+            <a:r>
+              <a:rPr lang="en-US" altLang="ko-KR" b="0" dirty="0" err="1">
+                <a:solidFill>
+                  <a:srgbClr val="795E26"/>
+                </a:solidFill>
+                <a:effectLst/>
+                <a:latin typeface="DM Mono" panose="020B0509040201040103" pitchFamily="49" charset="0"/>
+              </a:rPr>
+              <a:t>endl</a:t>
+            </a:r>
+            <a:r>
+              <a:rPr lang="en-US" altLang="ko-KR" b="0" dirty="0">
+                <a:solidFill>
+                  <a:srgbClr val="3B3B3B"/>
+                </a:solidFill>
+                <a:effectLst/>
+                <a:latin typeface="DM Mono" panose="020B0509040201040103" pitchFamily="49" charset="0"/>
+              </a:rPr>
+              <a:t>;</a:t>
+            </a:r>
+          </a:p>
+          <a:p>
+            <a:pPr>
+              <a:lnSpc>
+                <a:spcPts val="2700"/>
+              </a:lnSpc>
+            </a:pPr>
+            <a:r>
+              <a:rPr lang="en-US" altLang="ko-KR" b="0" dirty="0">
+                <a:solidFill>
+                  <a:srgbClr val="3B3B3B"/>
+                </a:solidFill>
+                <a:effectLst/>
+                <a:latin typeface="DM Mono" panose="020B0509040201040103" pitchFamily="49" charset="0"/>
+              </a:rPr>
+              <a:t>}</a:t>
+            </a:r>
+          </a:p>
+        </p:txBody>
+      </p:sp>
+      <p:sp>
+        <p:nvSpPr>
+          <p:cNvPr id="6" name="직사각형 5">
+            <a:extLst>
+              <a:ext uri="{FF2B5EF4-FFF2-40B4-BE49-F238E27FC236}">
+                <a16:creationId xmlns:a16="http://schemas.microsoft.com/office/drawing/2014/main" id="{3C831E3F-C6E8-9D7C-8C9A-B092DA503676}"/>
+              </a:ext>
+            </a:extLst>
+          </p:cNvPr>
+          <p:cNvSpPr/>
+          <p:nvPr/>
+        </p:nvSpPr>
+        <p:spPr>
+          <a:xfrm>
+            <a:off x="4969042" y="3429000"/>
+            <a:ext cx="3793958" cy="2490537"/>
+          </a:xfrm>
+          <a:prstGeom prst="rect">
+            <a:avLst/>
+          </a:prstGeom>
+          <a:solidFill>
+            <a:schemeClr val="bg1"/>
+          </a:solidFill>
+        </p:spPr>
+        <p:style>
+          <a:lnRef idx="2">
+            <a:schemeClr val="accent1">
+              <a:shade val="15000"/>
+            </a:schemeClr>
+          </a:lnRef>
+          <a:fillRef idx="1">
+            <a:schemeClr val="accent1"/>
+          </a:fillRef>
+          <a:effectRef idx="0">
+            <a:schemeClr val="accent1"/>
+          </a:effectRef>
+          <a:fontRef idx="minor">
+            <a:schemeClr val="lt1"/>
+          </a:fontRef>
+        </p:style>
+        <p:txBody>
+          <a:bodyPr rtlCol="0" anchor="ctr"/>
+          <a:lstStyle/>
+          <a:p>
+            <a:pPr algn="ctr"/>
+            <a:r>
+              <a:rPr kumimoji="1" lang="en-US" altLang="ko-KR" dirty="0"/>
+              <a:t>0x16ce92c2c</a:t>
+            </a:r>
+            <a:endParaRPr kumimoji="1" lang="ko-KR" altLang="en-US" dirty="0"/>
+          </a:p>
+        </p:txBody>
+      </p:sp>
+      <p:sp>
+        <p:nvSpPr>
+          <p:cNvPr id="7" name="직사각형 6">
+            <a:extLst>
+              <a:ext uri="{FF2B5EF4-FFF2-40B4-BE49-F238E27FC236}">
+                <a16:creationId xmlns:a16="http://schemas.microsoft.com/office/drawing/2014/main" id="{3EE54593-5BDA-0D65-D296-B7F1C519EDB3}"/>
+              </a:ext>
+            </a:extLst>
+          </p:cNvPr>
+          <p:cNvSpPr/>
+          <p:nvPr/>
+        </p:nvSpPr>
+        <p:spPr>
+          <a:xfrm>
+            <a:off x="6260432" y="4491101"/>
+            <a:ext cx="1287379" cy="841803"/>
+          </a:xfrm>
+          <a:prstGeom prst="rect">
+            <a:avLst/>
+          </a:prstGeom>
+        </p:spPr>
+        <p:style>
+          <a:lnRef idx="2">
+            <a:schemeClr val="accent4">
+              <a:shade val="15000"/>
+            </a:schemeClr>
+          </a:lnRef>
+          <a:fillRef idx="1">
+            <a:schemeClr val="accent4"/>
+          </a:fillRef>
+          <a:effectRef idx="0">
+            <a:schemeClr val="accent4"/>
+          </a:effectRef>
+          <a:fontRef idx="minor">
+            <a:schemeClr val="lt1"/>
+          </a:fontRef>
+        </p:style>
+        <p:txBody>
+          <a:bodyPr rtlCol="0" anchor="ctr"/>
+          <a:lstStyle/>
+          <a:p>
+            <a:pPr algn="ctr"/>
+            <a:r>
+              <a:rPr kumimoji="1" lang="en-US" altLang="ko-KR" dirty="0">
+                <a:solidFill>
+                  <a:srgbClr val="FF0000"/>
+                </a:solidFill>
+                <a:latin typeface="DM Mono" panose="020B0509040201040103" pitchFamily="49" charset="0"/>
+              </a:rPr>
+              <a:t>11</a:t>
+            </a:r>
+            <a:endParaRPr kumimoji="1" lang="ko-KR" altLang="en-US" dirty="0">
+              <a:solidFill>
+                <a:srgbClr val="FF0000"/>
+              </a:solidFill>
+              <a:latin typeface="DM Mono" panose="020B0509040201040103" pitchFamily="49" charset="0"/>
+            </a:endParaRPr>
+          </a:p>
+        </p:txBody>
+      </p:sp>
+      <p:sp>
+        <p:nvSpPr>
+          <p:cNvPr id="8" name="TextBox 7">
+            <a:extLst>
+              <a:ext uri="{FF2B5EF4-FFF2-40B4-BE49-F238E27FC236}">
+                <a16:creationId xmlns:a16="http://schemas.microsoft.com/office/drawing/2014/main" id="{DEC6CB3A-ED1B-B378-D4BE-A91323749DDC}"/>
+              </a:ext>
+            </a:extLst>
+          </p:cNvPr>
+          <p:cNvSpPr txBox="1"/>
+          <p:nvPr/>
+        </p:nvSpPr>
+        <p:spPr>
+          <a:xfrm>
+            <a:off x="4772025" y="4727336"/>
+            <a:ext cx="1476889" cy="369332"/>
+          </a:xfrm>
+          <a:prstGeom prst="rect">
+            <a:avLst/>
+          </a:prstGeom>
+          <a:noFill/>
+        </p:spPr>
+        <p:txBody>
+          <a:bodyPr wrap="square" rtlCol="0">
+            <a:spAutoFit/>
+          </a:bodyPr>
+          <a:lstStyle/>
+          <a:p>
+            <a:pPr algn="r"/>
+            <a:r>
+              <a:rPr kumimoji="1" lang="en-US" altLang="ko-KR" dirty="0">
+                <a:latin typeface="DM Mono" panose="020B0509040201040103" pitchFamily="49" charset="0"/>
+              </a:rPr>
+              <a:t>x</a:t>
+            </a:r>
+            <a:endParaRPr kumimoji="1" lang="ko-KR" altLang="en-US" dirty="0">
+              <a:solidFill>
+                <a:srgbClr val="FF0000"/>
+              </a:solidFill>
+              <a:latin typeface="DM Mono" panose="020B0509040201040103" pitchFamily="49" charset="0"/>
+            </a:endParaRPr>
+          </a:p>
+        </p:txBody>
+      </p:sp>
+      <p:sp>
+        <p:nvSpPr>
+          <p:cNvPr id="10" name="TextBox 9">
+            <a:extLst>
+              <a:ext uri="{FF2B5EF4-FFF2-40B4-BE49-F238E27FC236}">
+                <a16:creationId xmlns:a16="http://schemas.microsoft.com/office/drawing/2014/main" id="{8212BFB9-1E18-53A5-D065-DCD05FF4AAFB}"/>
+              </a:ext>
+            </a:extLst>
+          </p:cNvPr>
+          <p:cNvSpPr txBox="1"/>
+          <p:nvPr/>
+        </p:nvSpPr>
+        <p:spPr>
+          <a:xfrm>
+            <a:off x="5483570" y="4120338"/>
+            <a:ext cx="1638300" cy="307777"/>
+          </a:xfrm>
+          <a:prstGeom prst="rect">
+            <a:avLst/>
+          </a:prstGeom>
+          <a:noFill/>
+        </p:spPr>
+        <p:txBody>
+          <a:bodyPr wrap="square">
+            <a:spAutoFit/>
+          </a:bodyPr>
+          <a:lstStyle/>
+          <a:p>
+            <a:r>
+              <a:rPr lang="en-US" altLang="ko-KR" sz="1400" b="1" dirty="0">
+                <a:solidFill>
+                  <a:srgbClr val="FF0000"/>
+                </a:solidFill>
+                <a:latin typeface="DM Mono" panose="020B0509040201040103" pitchFamily="49" charset="0"/>
+              </a:rPr>
+              <a:t>0x100</a:t>
+            </a:r>
+            <a:endParaRPr lang="ko-KR" altLang="en-US" sz="1400" b="1" dirty="0">
+              <a:solidFill>
+                <a:srgbClr val="FF0000"/>
+              </a:solidFill>
+              <a:latin typeface="DM Mono" panose="020B0509040201040103" pitchFamily="49" charset="0"/>
+            </a:endParaRPr>
+          </a:p>
+        </p:txBody>
+      </p:sp>
+      <p:sp>
+        <p:nvSpPr>
+          <p:cNvPr id="2" name="TextBox 1">
+            <a:extLst>
+              <a:ext uri="{FF2B5EF4-FFF2-40B4-BE49-F238E27FC236}">
+                <a16:creationId xmlns:a16="http://schemas.microsoft.com/office/drawing/2014/main" id="{A3492160-E4E8-1B8D-C83A-F1EE497E4D98}"/>
+              </a:ext>
+            </a:extLst>
+          </p:cNvPr>
+          <p:cNvSpPr txBox="1"/>
+          <p:nvPr/>
+        </p:nvSpPr>
+        <p:spPr>
+          <a:xfrm>
+            <a:off x="4969042" y="3058237"/>
+            <a:ext cx="3793958" cy="307777"/>
+          </a:xfrm>
+          <a:prstGeom prst="rect">
+            <a:avLst/>
+          </a:prstGeom>
+          <a:noFill/>
+        </p:spPr>
+        <p:txBody>
+          <a:bodyPr wrap="square">
+            <a:spAutoFit/>
+          </a:bodyPr>
+          <a:lstStyle/>
+          <a:p>
+            <a:pPr algn="ctr"/>
+            <a:r>
+              <a:rPr lang="en-US" altLang="ko-KR" sz="1400" b="1" dirty="0">
+                <a:latin typeface="DM Mono" panose="020B0509040201040103" pitchFamily="49" charset="0"/>
+              </a:rPr>
+              <a:t>main</a:t>
+            </a:r>
+            <a:endParaRPr lang="ko-KR" altLang="en-US" sz="1400" b="1" dirty="0">
+              <a:latin typeface="DM Mono" panose="020B0509040201040103" pitchFamily="49" charset="0"/>
+            </a:endParaRPr>
+          </a:p>
+        </p:txBody>
+      </p:sp>
+    </p:spTree>
+    <p:extLst>
+      <p:ext uri="{BB962C8B-B14F-4D97-AF65-F5344CB8AC3E}">
+        <p14:creationId xmlns:p14="http://schemas.microsoft.com/office/powerpoint/2010/main" val="3741653498"/>
+      </p:ext>
+    </p:extLst>
+  </p:cSld>
+  <p:clrMapOvr>
+    <a:masterClrMapping/>
+  </p:clrMapOvr>
+</p:sld>
+</file>
+
+<file path=ppt/slides/slide17.xml><?xml version="1.0" encoding="utf-8"?>
+<p:sld xmlns:a="http://schemas.openxmlformats.org/drawingml/2006/main" xmlns:r="http://schemas.openxmlformats.org/officeDocument/2006/relationships" xmlns:p="http://schemas.openxmlformats.org/presentationml/2006/main">
+  <p:cSld>
+    <p:spTree>
+      <p:nvGrpSpPr>
+        <p:cNvPr id="1" name="">
+          <a:extLst>
+            <a:ext uri="{FF2B5EF4-FFF2-40B4-BE49-F238E27FC236}">
+              <a16:creationId xmlns:a16="http://schemas.microsoft.com/office/drawing/2014/main" id="{DF20B46A-5936-B9D9-4957-D1F28447D721}"/>
+            </a:ext>
+          </a:extLst>
+        </p:cNvPr>
+        <p:cNvGrpSpPr/>
+        <p:nvPr/>
+      </p:nvGrpSpPr>
+      <p:grpSpPr>
+        <a:xfrm>
+          <a:off x="0" y="0"/>
+          <a:ext cx="0" cy="0"/>
+          <a:chOff x="0" y="0"/>
+          <a:chExt cx="0" cy="0"/>
+        </a:xfrm>
+      </p:grpSpPr>
+      <p:sp>
+        <p:nvSpPr>
+          <p:cNvPr id="5" name="TextBox 4">
+            <a:extLst>
+              <a:ext uri="{FF2B5EF4-FFF2-40B4-BE49-F238E27FC236}">
+                <a16:creationId xmlns:a16="http://schemas.microsoft.com/office/drawing/2014/main" id="{0AF9997E-6E57-918A-0B1C-A8930E5E40C1}"/>
+              </a:ext>
+            </a:extLst>
+          </p:cNvPr>
+          <p:cNvSpPr txBox="1"/>
+          <p:nvPr/>
+        </p:nvSpPr>
+        <p:spPr>
+          <a:xfrm>
+            <a:off x="383362" y="588935"/>
+            <a:ext cx="6093994" cy="4226735"/>
+          </a:xfrm>
+          <a:prstGeom prst="rect">
+            <a:avLst/>
+          </a:prstGeom>
+          <a:noFill/>
+        </p:spPr>
+        <p:txBody>
+          <a:bodyPr wrap="square">
+            <a:spAutoFit/>
+          </a:bodyPr>
+          <a:lstStyle/>
+          <a:p>
+            <a:pPr>
+              <a:lnSpc>
+                <a:spcPts val="2700"/>
+              </a:lnSpc>
+              <a:buNone/>
+            </a:pPr>
+            <a:r>
+              <a:rPr lang="en-US" altLang="ko-KR" b="0" dirty="0">
+                <a:solidFill>
+                  <a:srgbClr val="0000FF"/>
+                </a:solidFill>
+                <a:effectLst/>
+                <a:latin typeface="DM Mono" panose="020B0509040201040103" pitchFamily="49" charset="0"/>
+              </a:rPr>
+              <a:t>void</a:t>
+            </a:r>
+            <a:r>
+              <a:rPr lang="en-US" altLang="ko-KR" b="0" dirty="0">
+                <a:solidFill>
+                  <a:srgbClr val="3B3B3B"/>
+                </a:solidFill>
+                <a:effectLst/>
+                <a:latin typeface="DM Mono" panose="020B0509040201040103" pitchFamily="49" charset="0"/>
+              </a:rPr>
+              <a:t> </a:t>
+            </a:r>
+            <a:r>
+              <a:rPr lang="en-US" altLang="ko-KR" b="0" dirty="0">
+                <a:solidFill>
+                  <a:srgbClr val="795E26"/>
+                </a:solidFill>
+                <a:effectLst/>
+                <a:latin typeface="DM Mono" panose="020B0509040201040103" pitchFamily="49" charset="0"/>
+              </a:rPr>
+              <a:t>Increment</a:t>
+            </a:r>
+            <a:r>
+              <a:rPr lang="en-US" altLang="ko-KR" b="0" dirty="0">
+                <a:solidFill>
+                  <a:srgbClr val="3B3B3B"/>
+                </a:solidFill>
+                <a:effectLst/>
+                <a:latin typeface="DM Mono" panose="020B0509040201040103" pitchFamily="49" charset="0"/>
+              </a:rPr>
+              <a:t>(</a:t>
+            </a:r>
+            <a:r>
+              <a:rPr lang="en-US" altLang="ko-KR" b="0" dirty="0">
+                <a:solidFill>
+                  <a:srgbClr val="0000FF"/>
+                </a:solidFill>
+                <a:effectLst/>
+                <a:latin typeface="DM Mono" panose="020B0509040201040103" pitchFamily="49" charset="0"/>
+              </a:rPr>
+              <a:t>int</a:t>
+            </a:r>
+            <a:r>
+              <a:rPr lang="en-US" altLang="ko-KR" b="0" dirty="0">
+                <a:solidFill>
+                  <a:srgbClr val="3B3B3B"/>
+                </a:solidFill>
+                <a:effectLst/>
+                <a:latin typeface="DM Mono" panose="020B0509040201040103" pitchFamily="49" charset="0"/>
+              </a:rPr>
+              <a:t> </a:t>
+            </a:r>
+            <a:r>
+              <a:rPr lang="en-US" altLang="ko-KR" b="0" dirty="0">
+                <a:solidFill>
+                  <a:srgbClr val="0000FF"/>
+                </a:solidFill>
+                <a:effectLst/>
+                <a:latin typeface="DM Mono" panose="020B0509040201040103" pitchFamily="49" charset="0"/>
+              </a:rPr>
+              <a:t>&amp;</a:t>
+            </a:r>
+            <a:r>
+              <a:rPr lang="en-US" altLang="ko-KR" b="0" dirty="0" err="1">
+                <a:solidFill>
+                  <a:srgbClr val="001080"/>
+                </a:solidFill>
+                <a:effectLst/>
+                <a:latin typeface="DM Mono" panose="020B0509040201040103" pitchFamily="49" charset="0"/>
+              </a:rPr>
+              <a:t>rx</a:t>
+            </a:r>
+            <a:r>
+              <a:rPr lang="en-US" altLang="ko-KR" b="0" dirty="0">
+                <a:solidFill>
+                  <a:srgbClr val="3B3B3B"/>
+                </a:solidFill>
+                <a:effectLst/>
+                <a:latin typeface="DM Mono" panose="020B0509040201040103" pitchFamily="49" charset="0"/>
+              </a:rPr>
+              <a:t>) // int&amp; </a:t>
+            </a:r>
+            <a:r>
+              <a:rPr lang="en-US" altLang="ko-KR" b="0" dirty="0" err="1">
+                <a:solidFill>
+                  <a:srgbClr val="3B3B3B"/>
+                </a:solidFill>
+                <a:effectLst/>
+                <a:latin typeface="DM Mono" panose="020B0509040201040103" pitchFamily="49" charset="0"/>
+              </a:rPr>
+              <a:t>rx</a:t>
+            </a:r>
+            <a:r>
+              <a:rPr lang="en-US" altLang="ko-KR" b="0" dirty="0">
+                <a:solidFill>
+                  <a:srgbClr val="3B3B3B"/>
+                </a:solidFill>
+                <a:effectLst/>
+                <a:latin typeface="DM Mono" panose="020B0509040201040103" pitchFamily="49" charset="0"/>
+              </a:rPr>
+              <a:t> = x;</a:t>
+            </a:r>
+          </a:p>
+          <a:p>
+            <a:pPr>
+              <a:lnSpc>
+                <a:spcPts val="2700"/>
+              </a:lnSpc>
+              <a:buNone/>
+            </a:pPr>
+            <a:r>
+              <a:rPr lang="en-US" altLang="ko-KR" b="0" dirty="0">
+                <a:solidFill>
+                  <a:srgbClr val="3B3B3B"/>
+                </a:solidFill>
+                <a:effectLst/>
+                <a:latin typeface="DM Mono" panose="020B0509040201040103" pitchFamily="49" charset="0"/>
+              </a:rPr>
+              <a:t>{</a:t>
+            </a:r>
+          </a:p>
+          <a:p>
+            <a:pPr>
+              <a:lnSpc>
+                <a:spcPts val="2700"/>
+              </a:lnSpc>
+              <a:buNone/>
+            </a:pPr>
+            <a:r>
+              <a:rPr lang="en-US" altLang="ko-KR" b="0" dirty="0">
+                <a:solidFill>
+                  <a:srgbClr val="000000"/>
+                </a:solidFill>
+                <a:effectLst/>
+                <a:latin typeface="DM Mono" panose="020B0509040201040103" pitchFamily="49" charset="0"/>
+              </a:rPr>
+              <a:t>++</a:t>
+            </a:r>
+            <a:r>
+              <a:rPr lang="en-US" altLang="ko-KR" b="0" dirty="0" err="1">
+                <a:solidFill>
+                  <a:srgbClr val="001080"/>
+                </a:solidFill>
+                <a:effectLst/>
+                <a:latin typeface="DM Mono" panose="020B0509040201040103" pitchFamily="49" charset="0"/>
+              </a:rPr>
+              <a:t>rx</a:t>
+            </a:r>
+            <a:r>
+              <a:rPr lang="en-US" altLang="ko-KR" b="0" dirty="0">
+                <a:solidFill>
+                  <a:srgbClr val="3B3B3B"/>
+                </a:solidFill>
+                <a:effectLst/>
+                <a:latin typeface="DM Mono" panose="020B0509040201040103" pitchFamily="49" charset="0"/>
+              </a:rPr>
+              <a:t>;</a:t>
+            </a:r>
+          </a:p>
+          <a:p>
+            <a:pPr>
+              <a:lnSpc>
+                <a:spcPts val="2700"/>
+              </a:lnSpc>
+              <a:buNone/>
+            </a:pPr>
+            <a:r>
+              <a:rPr lang="en-US" altLang="ko-KR" b="0" dirty="0">
+                <a:solidFill>
+                  <a:srgbClr val="3B3B3B"/>
+                </a:solidFill>
+                <a:effectLst/>
+                <a:latin typeface="DM Mono" panose="020B0509040201040103" pitchFamily="49" charset="0"/>
+              </a:rPr>
+              <a:t>}</a:t>
+            </a:r>
+          </a:p>
+          <a:p>
+            <a:pPr>
+              <a:lnSpc>
+                <a:spcPts val="2700"/>
+              </a:lnSpc>
+              <a:buNone/>
+            </a:pPr>
+            <a:br>
+              <a:rPr lang="en-US" altLang="ko-KR" b="0" dirty="0">
+                <a:solidFill>
+                  <a:srgbClr val="3B3B3B"/>
+                </a:solidFill>
+                <a:effectLst/>
+                <a:latin typeface="DM Mono" panose="020B0509040201040103" pitchFamily="49" charset="0"/>
+              </a:rPr>
+            </a:br>
+            <a:r>
+              <a:rPr lang="en-US" altLang="ko-KR" b="0" dirty="0">
+                <a:solidFill>
+                  <a:srgbClr val="0000FF"/>
+                </a:solidFill>
+                <a:effectLst/>
+                <a:latin typeface="DM Mono" panose="020B0509040201040103" pitchFamily="49" charset="0"/>
+              </a:rPr>
+              <a:t>int</a:t>
+            </a:r>
+            <a:r>
+              <a:rPr lang="en-US" altLang="ko-KR" b="0" dirty="0">
+                <a:solidFill>
+                  <a:srgbClr val="3B3B3B"/>
+                </a:solidFill>
+                <a:effectLst/>
+                <a:latin typeface="DM Mono" panose="020B0509040201040103" pitchFamily="49" charset="0"/>
+              </a:rPr>
+              <a:t> </a:t>
+            </a:r>
+            <a:r>
+              <a:rPr lang="en-US" altLang="ko-KR" b="0" dirty="0">
+                <a:solidFill>
+                  <a:srgbClr val="795E26"/>
+                </a:solidFill>
+                <a:effectLst/>
+                <a:latin typeface="DM Mono" panose="020B0509040201040103" pitchFamily="49" charset="0"/>
+              </a:rPr>
+              <a:t>main</a:t>
+            </a:r>
+            <a:r>
+              <a:rPr lang="en-US" altLang="ko-KR" b="0" dirty="0">
+                <a:solidFill>
+                  <a:srgbClr val="3B3B3B"/>
+                </a:solidFill>
+                <a:effectLst/>
+                <a:latin typeface="DM Mono" panose="020B0509040201040103" pitchFamily="49" charset="0"/>
+              </a:rPr>
+              <a:t>()</a:t>
+            </a:r>
+          </a:p>
+          <a:p>
+            <a:pPr>
+              <a:lnSpc>
+                <a:spcPts val="2700"/>
+              </a:lnSpc>
+              <a:buNone/>
+            </a:pPr>
+            <a:r>
+              <a:rPr lang="en-US" altLang="ko-KR" b="0" dirty="0">
+                <a:solidFill>
+                  <a:srgbClr val="3B3B3B"/>
+                </a:solidFill>
+                <a:effectLst/>
+                <a:latin typeface="DM Mono" panose="020B0509040201040103" pitchFamily="49" charset="0"/>
+              </a:rPr>
+              <a:t>{</a:t>
+            </a:r>
+          </a:p>
+          <a:p>
+            <a:pPr>
+              <a:lnSpc>
+                <a:spcPts val="2700"/>
+              </a:lnSpc>
+              <a:buNone/>
+            </a:pPr>
+            <a:r>
+              <a:rPr lang="en-US" altLang="ko-KR" b="0" dirty="0">
+                <a:solidFill>
+                  <a:srgbClr val="0000FF"/>
+                </a:solidFill>
+                <a:effectLst/>
+                <a:latin typeface="DM Mono" panose="020B0509040201040103" pitchFamily="49" charset="0"/>
+              </a:rPr>
+              <a:t>int</a:t>
+            </a:r>
+            <a:r>
+              <a:rPr lang="en-US" altLang="ko-KR" b="0" dirty="0">
+                <a:solidFill>
+                  <a:srgbClr val="3B3B3B"/>
+                </a:solidFill>
+                <a:effectLst/>
+                <a:latin typeface="DM Mono" panose="020B0509040201040103" pitchFamily="49" charset="0"/>
+              </a:rPr>
+              <a:t> </a:t>
+            </a:r>
+            <a:r>
+              <a:rPr lang="en-US" altLang="ko-KR" b="0" dirty="0">
+                <a:solidFill>
+                  <a:srgbClr val="001080"/>
+                </a:solidFill>
+                <a:effectLst/>
+                <a:latin typeface="DM Mono" panose="020B0509040201040103" pitchFamily="49" charset="0"/>
+              </a:rPr>
+              <a:t>x</a:t>
+            </a:r>
+            <a:r>
+              <a:rPr lang="en-US" altLang="ko-KR" b="0" dirty="0">
+                <a:solidFill>
+                  <a:srgbClr val="3B3B3B"/>
+                </a:solidFill>
+                <a:effectLst/>
+                <a:latin typeface="DM Mono" panose="020B0509040201040103" pitchFamily="49" charset="0"/>
+              </a:rPr>
+              <a:t> </a:t>
+            </a:r>
+            <a:r>
+              <a:rPr lang="en-US" altLang="ko-KR" b="0" dirty="0">
+                <a:solidFill>
+                  <a:srgbClr val="000000"/>
+                </a:solidFill>
+                <a:effectLst/>
+                <a:latin typeface="DM Mono" panose="020B0509040201040103" pitchFamily="49" charset="0"/>
+              </a:rPr>
+              <a:t>=</a:t>
+            </a:r>
+            <a:r>
+              <a:rPr lang="en-US" altLang="ko-KR" b="0" dirty="0">
+                <a:solidFill>
+                  <a:srgbClr val="3B3B3B"/>
+                </a:solidFill>
+                <a:effectLst/>
+                <a:latin typeface="DM Mono" panose="020B0509040201040103" pitchFamily="49" charset="0"/>
+              </a:rPr>
+              <a:t> </a:t>
+            </a:r>
+            <a:r>
+              <a:rPr lang="en-US" altLang="ko-KR" b="0" dirty="0">
+                <a:solidFill>
+                  <a:srgbClr val="098658"/>
+                </a:solidFill>
+                <a:effectLst/>
+                <a:latin typeface="DM Mono" panose="020B0509040201040103" pitchFamily="49" charset="0"/>
+              </a:rPr>
+              <a:t>10</a:t>
+            </a:r>
+            <a:r>
+              <a:rPr lang="en-US" altLang="ko-KR" b="0" dirty="0">
+                <a:solidFill>
+                  <a:srgbClr val="3B3B3B"/>
+                </a:solidFill>
+                <a:effectLst/>
+                <a:latin typeface="DM Mono" panose="020B0509040201040103" pitchFamily="49" charset="0"/>
+              </a:rPr>
+              <a:t>;</a:t>
+            </a:r>
+          </a:p>
+          <a:p>
+            <a:pPr>
+              <a:lnSpc>
+                <a:spcPts val="2700"/>
+              </a:lnSpc>
+              <a:buNone/>
+            </a:pPr>
+            <a:br>
+              <a:rPr lang="en-US" altLang="ko-KR" b="0" dirty="0">
+                <a:solidFill>
+                  <a:srgbClr val="FF0000"/>
+                </a:solidFill>
+                <a:effectLst/>
+                <a:latin typeface="DM Mono" panose="020B0509040201040103" pitchFamily="49" charset="0"/>
+              </a:rPr>
+            </a:br>
+            <a:r>
+              <a:rPr lang="en-US" altLang="ko-KR" b="0" dirty="0">
+                <a:solidFill>
+                  <a:srgbClr val="FF0000"/>
+                </a:solidFill>
+                <a:effectLst/>
+                <a:latin typeface="DM Mono" panose="020B0509040201040103" pitchFamily="49" charset="0"/>
+              </a:rPr>
+              <a:t>Increment(x);</a:t>
+            </a:r>
+          </a:p>
+          <a:p>
+            <a:pPr>
+              <a:lnSpc>
+                <a:spcPts val="2700"/>
+              </a:lnSpc>
+              <a:buNone/>
+            </a:pPr>
+            <a:r>
+              <a:rPr lang="en-US" altLang="ko-KR" b="0" dirty="0" err="1">
+                <a:solidFill>
+                  <a:srgbClr val="001080"/>
+                </a:solidFill>
+                <a:effectLst/>
+                <a:latin typeface="DM Mono" panose="020B0509040201040103" pitchFamily="49" charset="0"/>
+              </a:rPr>
+              <a:t>cout</a:t>
+            </a:r>
+            <a:r>
+              <a:rPr lang="en-US" altLang="ko-KR" b="0" dirty="0">
+                <a:solidFill>
+                  <a:srgbClr val="3B3B3B"/>
+                </a:solidFill>
+                <a:effectLst/>
+                <a:latin typeface="DM Mono" panose="020B0509040201040103" pitchFamily="49" charset="0"/>
+              </a:rPr>
+              <a:t> </a:t>
+            </a:r>
+            <a:r>
+              <a:rPr lang="en-US" altLang="ko-KR" b="0" dirty="0">
+                <a:solidFill>
+                  <a:srgbClr val="795E26"/>
+                </a:solidFill>
+                <a:effectLst/>
+                <a:latin typeface="DM Mono" panose="020B0509040201040103" pitchFamily="49" charset="0"/>
+              </a:rPr>
+              <a:t>&lt;&lt;</a:t>
+            </a:r>
+            <a:r>
+              <a:rPr lang="en-US" altLang="ko-KR" b="0" dirty="0">
+                <a:solidFill>
+                  <a:srgbClr val="3B3B3B"/>
+                </a:solidFill>
+                <a:effectLst/>
+                <a:latin typeface="DM Mono" panose="020B0509040201040103" pitchFamily="49" charset="0"/>
+              </a:rPr>
+              <a:t> </a:t>
+            </a:r>
+            <a:r>
+              <a:rPr lang="en-US" altLang="ko-KR" b="0" dirty="0">
+                <a:solidFill>
+                  <a:srgbClr val="001080"/>
+                </a:solidFill>
+                <a:effectLst/>
+                <a:latin typeface="DM Mono" panose="020B0509040201040103" pitchFamily="49" charset="0"/>
+              </a:rPr>
+              <a:t>x</a:t>
+            </a:r>
+            <a:r>
+              <a:rPr lang="en-US" altLang="ko-KR" b="0" dirty="0">
+                <a:solidFill>
+                  <a:srgbClr val="3B3B3B"/>
+                </a:solidFill>
+                <a:effectLst/>
+                <a:latin typeface="DM Mono" panose="020B0509040201040103" pitchFamily="49" charset="0"/>
+              </a:rPr>
+              <a:t> </a:t>
+            </a:r>
+            <a:r>
+              <a:rPr lang="en-US" altLang="ko-KR" b="0" dirty="0">
+                <a:solidFill>
+                  <a:srgbClr val="795E26"/>
+                </a:solidFill>
+                <a:effectLst/>
+                <a:latin typeface="DM Mono" panose="020B0509040201040103" pitchFamily="49" charset="0"/>
+              </a:rPr>
+              <a:t>&lt;&lt;</a:t>
+            </a:r>
+            <a:r>
+              <a:rPr lang="en-US" altLang="ko-KR" b="0" dirty="0">
+                <a:solidFill>
+                  <a:srgbClr val="3B3B3B"/>
+                </a:solidFill>
+                <a:effectLst/>
+                <a:latin typeface="DM Mono" panose="020B0509040201040103" pitchFamily="49" charset="0"/>
+              </a:rPr>
+              <a:t> </a:t>
+            </a:r>
+            <a:r>
+              <a:rPr lang="en-US" altLang="ko-KR" b="0" dirty="0" err="1">
+                <a:solidFill>
+                  <a:srgbClr val="795E26"/>
+                </a:solidFill>
+                <a:effectLst/>
+                <a:latin typeface="DM Mono" panose="020B0509040201040103" pitchFamily="49" charset="0"/>
+              </a:rPr>
+              <a:t>endl</a:t>
+            </a:r>
+            <a:r>
+              <a:rPr lang="en-US" altLang="ko-KR" b="0" dirty="0">
+                <a:solidFill>
+                  <a:srgbClr val="3B3B3B"/>
+                </a:solidFill>
+                <a:effectLst/>
+                <a:latin typeface="DM Mono" panose="020B0509040201040103" pitchFamily="49" charset="0"/>
+              </a:rPr>
+              <a:t>;</a:t>
+            </a:r>
+          </a:p>
+          <a:p>
+            <a:pPr>
+              <a:lnSpc>
+                <a:spcPts val="2700"/>
+              </a:lnSpc>
+            </a:pPr>
+            <a:r>
+              <a:rPr lang="en-US" altLang="ko-KR" b="0" dirty="0">
+                <a:solidFill>
+                  <a:srgbClr val="3B3B3B"/>
+                </a:solidFill>
+                <a:effectLst/>
+                <a:latin typeface="DM Mono" panose="020B0509040201040103" pitchFamily="49" charset="0"/>
+              </a:rPr>
+              <a:t>}</a:t>
+            </a:r>
+          </a:p>
+        </p:txBody>
+      </p:sp>
+      <p:sp>
+        <p:nvSpPr>
+          <p:cNvPr id="6" name="직사각형 5">
+            <a:extLst>
+              <a:ext uri="{FF2B5EF4-FFF2-40B4-BE49-F238E27FC236}">
+                <a16:creationId xmlns:a16="http://schemas.microsoft.com/office/drawing/2014/main" id="{6C7A992B-5BF1-0CBF-E262-13431A2BB284}"/>
+              </a:ext>
+            </a:extLst>
+          </p:cNvPr>
+          <p:cNvSpPr/>
+          <p:nvPr/>
+        </p:nvSpPr>
+        <p:spPr>
+          <a:xfrm>
+            <a:off x="4969042" y="3429000"/>
+            <a:ext cx="3793958" cy="2490537"/>
+          </a:xfrm>
+          <a:prstGeom prst="rect">
+            <a:avLst/>
+          </a:prstGeom>
+          <a:solidFill>
+            <a:schemeClr val="bg1"/>
+          </a:solidFill>
+        </p:spPr>
+        <p:style>
+          <a:lnRef idx="2">
+            <a:schemeClr val="accent1">
+              <a:shade val="15000"/>
+            </a:schemeClr>
+          </a:lnRef>
+          <a:fillRef idx="1">
+            <a:schemeClr val="accent1"/>
+          </a:fillRef>
+          <a:effectRef idx="0">
+            <a:schemeClr val="accent1"/>
+          </a:effectRef>
+          <a:fontRef idx="minor">
+            <a:schemeClr val="lt1"/>
+          </a:fontRef>
+        </p:style>
+        <p:txBody>
+          <a:bodyPr rtlCol="0" anchor="ctr"/>
+          <a:lstStyle/>
+          <a:p>
+            <a:pPr algn="ctr"/>
+            <a:r>
+              <a:rPr kumimoji="1" lang="en-US" altLang="ko-KR" dirty="0"/>
+              <a:t>0x16ce92c2c</a:t>
+            </a:r>
+            <a:endParaRPr kumimoji="1" lang="ko-KR" altLang="en-US" dirty="0"/>
+          </a:p>
+        </p:txBody>
+      </p:sp>
+      <p:sp>
+        <p:nvSpPr>
+          <p:cNvPr id="7" name="직사각형 6">
+            <a:extLst>
+              <a:ext uri="{FF2B5EF4-FFF2-40B4-BE49-F238E27FC236}">
+                <a16:creationId xmlns:a16="http://schemas.microsoft.com/office/drawing/2014/main" id="{24EB20FB-66B2-120E-ADE6-310491A7D0D2}"/>
+              </a:ext>
+            </a:extLst>
+          </p:cNvPr>
+          <p:cNvSpPr/>
+          <p:nvPr/>
+        </p:nvSpPr>
+        <p:spPr>
+          <a:xfrm>
+            <a:off x="6260432" y="4491101"/>
+            <a:ext cx="1287379" cy="841803"/>
+          </a:xfrm>
+          <a:prstGeom prst="rect">
+            <a:avLst/>
+          </a:prstGeom>
+        </p:spPr>
+        <p:style>
+          <a:lnRef idx="2">
+            <a:schemeClr val="accent4">
+              <a:shade val="15000"/>
+            </a:schemeClr>
+          </a:lnRef>
+          <a:fillRef idx="1">
+            <a:schemeClr val="accent4"/>
+          </a:fillRef>
+          <a:effectRef idx="0">
+            <a:schemeClr val="accent4"/>
+          </a:effectRef>
+          <a:fontRef idx="minor">
+            <a:schemeClr val="lt1"/>
+          </a:fontRef>
+        </p:style>
+        <p:txBody>
+          <a:bodyPr rtlCol="0" anchor="ctr"/>
+          <a:lstStyle/>
+          <a:p>
+            <a:pPr algn="ctr"/>
+            <a:r>
+              <a:rPr kumimoji="1" lang="en-US" altLang="ko-KR" dirty="0">
+                <a:solidFill>
+                  <a:schemeClr val="tx1"/>
+                </a:solidFill>
+                <a:latin typeface="DM Mono" panose="020B0509040201040103" pitchFamily="49" charset="0"/>
+              </a:rPr>
+              <a:t>10</a:t>
+            </a:r>
+            <a:endParaRPr kumimoji="1" lang="ko-KR" altLang="en-US" dirty="0">
+              <a:solidFill>
+                <a:schemeClr val="tx1"/>
+              </a:solidFill>
+              <a:latin typeface="DM Mono" panose="020B0509040201040103" pitchFamily="49" charset="0"/>
+            </a:endParaRPr>
+          </a:p>
+        </p:txBody>
+      </p:sp>
+      <p:sp>
+        <p:nvSpPr>
+          <p:cNvPr id="8" name="TextBox 7">
+            <a:extLst>
+              <a:ext uri="{FF2B5EF4-FFF2-40B4-BE49-F238E27FC236}">
+                <a16:creationId xmlns:a16="http://schemas.microsoft.com/office/drawing/2014/main" id="{37857648-5055-1607-378A-4C98062968D7}"/>
+              </a:ext>
+            </a:extLst>
+          </p:cNvPr>
+          <p:cNvSpPr txBox="1"/>
+          <p:nvPr/>
+        </p:nvSpPr>
+        <p:spPr>
+          <a:xfrm>
+            <a:off x="4772025" y="4727336"/>
+            <a:ext cx="1476889" cy="369332"/>
+          </a:xfrm>
+          <a:prstGeom prst="rect">
+            <a:avLst/>
+          </a:prstGeom>
+          <a:noFill/>
+        </p:spPr>
+        <p:txBody>
+          <a:bodyPr wrap="square" rtlCol="0">
+            <a:spAutoFit/>
+          </a:bodyPr>
+          <a:lstStyle/>
+          <a:p>
+            <a:pPr algn="r"/>
+            <a:r>
+              <a:rPr kumimoji="1" lang="en-US" altLang="ko-KR" dirty="0">
+                <a:latin typeface="DM Mono" panose="020B0509040201040103" pitchFamily="49" charset="0"/>
+              </a:rPr>
+              <a:t>x</a:t>
+            </a:r>
+            <a:endParaRPr kumimoji="1" lang="ko-KR" altLang="en-US" dirty="0">
+              <a:solidFill>
+                <a:srgbClr val="FF0000"/>
+              </a:solidFill>
+              <a:latin typeface="DM Mono" panose="020B0509040201040103" pitchFamily="49" charset="0"/>
+            </a:endParaRPr>
+          </a:p>
+        </p:txBody>
+      </p:sp>
+      <p:sp>
+        <p:nvSpPr>
+          <p:cNvPr id="10" name="TextBox 9">
+            <a:extLst>
+              <a:ext uri="{FF2B5EF4-FFF2-40B4-BE49-F238E27FC236}">
+                <a16:creationId xmlns:a16="http://schemas.microsoft.com/office/drawing/2014/main" id="{00FABFF5-0E57-1BAE-631C-510BEFE6BB82}"/>
+              </a:ext>
+            </a:extLst>
+          </p:cNvPr>
+          <p:cNvSpPr txBox="1"/>
+          <p:nvPr/>
+        </p:nvSpPr>
+        <p:spPr>
+          <a:xfrm>
+            <a:off x="5483570" y="4120338"/>
+            <a:ext cx="1638300" cy="307777"/>
+          </a:xfrm>
+          <a:prstGeom prst="rect">
+            <a:avLst/>
+          </a:prstGeom>
+          <a:noFill/>
+        </p:spPr>
+        <p:txBody>
+          <a:bodyPr wrap="square">
+            <a:spAutoFit/>
+          </a:bodyPr>
+          <a:lstStyle/>
+          <a:p>
+            <a:r>
+              <a:rPr lang="en-US" altLang="ko-KR" sz="1400" b="1" dirty="0">
+                <a:solidFill>
+                  <a:srgbClr val="FF0000"/>
+                </a:solidFill>
+                <a:latin typeface="DM Mono" panose="020B0509040201040103" pitchFamily="49" charset="0"/>
+              </a:rPr>
+              <a:t>0x100</a:t>
+            </a:r>
+            <a:endParaRPr lang="ko-KR" altLang="en-US" sz="1400" b="1" dirty="0">
+              <a:solidFill>
+                <a:srgbClr val="FF0000"/>
+              </a:solidFill>
+              <a:latin typeface="DM Mono" panose="020B0509040201040103" pitchFamily="49" charset="0"/>
+            </a:endParaRPr>
+          </a:p>
+        </p:txBody>
+      </p:sp>
+      <p:sp>
+        <p:nvSpPr>
+          <p:cNvPr id="2" name="TextBox 1">
+            <a:extLst>
+              <a:ext uri="{FF2B5EF4-FFF2-40B4-BE49-F238E27FC236}">
+                <a16:creationId xmlns:a16="http://schemas.microsoft.com/office/drawing/2014/main" id="{C780DCCD-E885-63B5-CF99-CD985DFB7C8F}"/>
+              </a:ext>
+            </a:extLst>
+          </p:cNvPr>
+          <p:cNvSpPr txBox="1"/>
+          <p:nvPr/>
+        </p:nvSpPr>
+        <p:spPr>
+          <a:xfrm>
+            <a:off x="4969042" y="3058237"/>
+            <a:ext cx="3793958" cy="307777"/>
+          </a:xfrm>
+          <a:prstGeom prst="rect">
+            <a:avLst/>
+          </a:prstGeom>
+          <a:noFill/>
+        </p:spPr>
+        <p:txBody>
+          <a:bodyPr wrap="square">
+            <a:spAutoFit/>
+          </a:bodyPr>
+          <a:lstStyle/>
+          <a:p>
+            <a:pPr algn="ctr"/>
+            <a:r>
+              <a:rPr lang="en-US" altLang="ko-KR" sz="1400" b="1" dirty="0">
+                <a:latin typeface="DM Mono" panose="020B0509040201040103" pitchFamily="49" charset="0"/>
+              </a:rPr>
+              <a:t>main</a:t>
+            </a:r>
+            <a:endParaRPr lang="ko-KR" altLang="en-US" sz="1400" b="1" dirty="0">
+              <a:latin typeface="DM Mono" panose="020B0509040201040103" pitchFamily="49" charset="0"/>
+            </a:endParaRPr>
+          </a:p>
+        </p:txBody>
+      </p:sp>
+      <p:sp>
+        <p:nvSpPr>
+          <p:cNvPr id="3" name="직사각형 2">
+            <a:extLst>
+              <a:ext uri="{FF2B5EF4-FFF2-40B4-BE49-F238E27FC236}">
+                <a16:creationId xmlns:a16="http://schemas.microsoft.com/office/drawing/2014/main" id="{73FACE22-6CEC-40B8-A026-6899B0BE1837}"/>
+              </a:ext>
+            </a:extLst>
+          </p:cNvPr>
+          <p:cNvSpPr/>
+          <p:nvPr/>
+        </p:nvSpPr>
+        <p:spPr>
+          <a:xfrm>
+            <a:off x="7845592" y="588935"/>
+            <a:ext cx="3793958" cy="2490537"/>
+          </a:xfrm>
+          <a:prstGeom prst="rect">
+            <a:avLst/>
+          </a:prstGeom>
+          <a:solidFill>
+            <a:schemeClr val="bg1"/>
+          </a:solidFill>
+        </p:spPr>
+        <p:style>
+          <a:lnRef idx="2">
+            <a:schemeClr val="accent1">
+              <a:shade val="15000"/>
+            </a:schemeClr>
+          </a:lnRef>
+          <a:fillRef idx="1">
+            <a:schemeClr val="accent1"/>
+          </a:fillRef>
+          <a:effectRef idx="0">
+            <a:schemeClr val="accent1"/>
+          </a:effectRef>
+          <a:fontRef idx="minor">
+            <a:schemeClr val="lt1"/>
+          </a:fontRef>
+        </p:style>
+        <p:txBody>
+          <a:bodyPr rtlCol="0" anchor="ctr"/>
+          <a:lstStyle/>
+          <a:p>
+            <a:pPr algn="ctr"/>
+            <a:r>
+              <a:rPr lang="en-US" altLang="ko-KR" b="0" dirty="0" err="1">
+                <a:solidFill>
+                  <a:srgbClr val="3B3B3B"/>
+                </a:solidFill>
+                <a:effectLst/>
+                <a:latin typeface="DM Mono" panose="020B0509040201040103" pitchFamily="49" charset="0"/>
+              </a:rPr>
+              <a:t>rx</a:t>
+            </a:r>
+            <a:endParaRPr kumimoji="1" lang="ko-KR" altLang="en-US" dirty="0"/>
+          </a:p>
+        </p:txBody>
+      </p:sp>
+      <p:sp>
+        <p:nvSpPr>
+          <p:cNvPr id="12" name="TextBox 11">
+            <a:extLst>
+              <a:ext uri="{FF2B5EF4-FFF2-40B4-BE49-F238E27FC236}">
+                <a16:creationId xmlns:a16="http://schemas.microsoft.com/office/drawing/2014/main" id="{2B47EE31-9D0F-615B-46FB-8CD06FB23C2D}"/>
+              </a:ext>
+            </a:extLst>
+          </p:cNvPr>
+          <p:cNvSpPr txBox="1"/>
+          <p:nvPr/>
+        </p:nvSpPr>
+        <p:spPr>
+          <a:xfrm>
+            <a:off x="7845592" y="218172"/>
+            <a:ext cx="3793958" cy="307777"/>
+          </a:xfrm>
+          <a:prstGeom prst="rect">
+            <a:avLst/>
+          </a:prstGeom>
+          <a:noFill/>
+        </p:spPr>
+        <p:txBody>
+          <a:bodyPr wrap="square">
+            <a:spAutoFit/>
+          </a:bodyPr>
+          <a:lstStyle/>
+          <a:p>
+            <a:pPr algn="ctr"/>
+            <a:r>
+              <a:rPr lang="en-US" altLang="ko-KR" sz="1400" b="0" dirty="0">
+                <a:solidFill>
+                  <a:srgbClr val="795E26"/>
+                </a:solidFill>
+                <a:effectLst/>
+                <a:latin typeface="DM Mono" panose="020B0509040201040103" pitchFamily="49" charset="0"/>
+              </a:rPr>
+              <a:t>Increment</a:t>
+            </a:r>
+            <a:endParaRPr lang="ko-KR" altLang="en-US" sz="1400" b="1" dirty="0">
+              <a:latin typeface="DM Mono" panose="020B0509040201040103" pitchFamily="49" charset="0"/>
+            </a:endParaRPr>
+          </a:p>
+        </p:txBody>
+      </p:sp>
+      <p:cxnSp>
+        <p:nvCxnSpPr>
+          <p:cNvPr id="14" name="구부러진 연결선[U] 13">
+            <a:extLst>
+              <a:ext uri="{FF2B5EF4-FFF2-40B4-BE49-F238E27FC236}">
+                <a16:creationId xmlns:a16="http://schemas.microsoft.com/office/drawing/2014/main" id="{E0CBAAE1-6E3A-9FA2-0F5C-4FB5659B8749}"/>
+              </a:ext>
+            </a:extLst>
+          </p:cNvPr>
+          <p:cNvCxnSpPr>
+            <a:cxnSpLocks/>
+            <a:endCxn id="7" idx="0"/>
+          </p:cNvCxnSpPr>
+          <p:nvPr/>
+        </p:nvCxnSpPr>
+        <p:spPr>
+          <a:xfrm rot="10800000" flipV="1">
+            <a:off x="6904122" y="1849119"/>
+            <a:ext cx="2676758" cy="2641981"/>
+          </a:xfrm>
+          <a:prstGeom prst="curvedConnector2">
+            <a:avLst/>
+          </a:prstGeom>
+          <a:ln>
+            <a:tailEnd type="triangle"/>
+          </a:ln>
+        </p:spPr>
+        <p:style>
+          <a:lnRef idx="1">
+            <a:schemeClr val="dk1"/>
+          </a:lnRef>
+          <a:fillRef idx="0">
+            <a:schemeClr val="dk1"/>
+          </a:fillRef>
+          <a:effectRef idx="0">
+            <a:schemeClr val="dk1"/>
+          </a:effectRef>
+          <a:fontRef idx="minor">
+            <a:schemeClr val="tx1"/>
+          </a:fontRef>
+        </p:style>
+      </p:cxnSp>
+    </p:spTree>
+    <p:extLst>
+      <p:ext uri="{BB962C8B-B14F-4D97-AF65-F5344CB8AC3E}">
+        <p14:creationId xmlns:p14="http://schemas.microsoft.com/office/powerpoint/2010/main" val="1512328652"/>
+      </p:ext>
+    </p:extLst>
+  </p:cSld>
+  <p:clrMapOvr>
+    <a:masterClrMapping/>
+  </p:clrMapOvr>
+</p:sld>
+</file>
+
+<file path=ppt/slides/slide18.xml><?xml version="1.0" encoding="utf-8"?>
+<p:sld xmlns:a="http://schemas.openxmlformats.org/drawingml/2006/main" xmlns:r="http://schemas.openxmlformats.org/officeDocument/2006/relationships" xmlns:p="http://schemas.openxmlformats.org/presentationml/2006/main">
+  <p:cSld>
+    <p:spTree>
+      <p:nvGrpSpPr>
+        <p:cNvPr id="1" name="">
+          <a:extLst>
+            <a:ext uri="{FF2B5EF4-FFF2-40B4-BE49-F238E27FC236}">
+              <a16:creationId xmlns:a16="http://schemas.microsoft.com/office/drawing/2014/main" id="{A1145D37-A8C2-DE8A-B814-299DB857E1BC}"/>
+            </a:ext>
+          </a:extLst>
+        </p:cNvPr>
+        <p:cNvGrpSpPr/>
+        <p:nvPr/>
+      </p:nvGrpSpPr>
+      <p:grpSpPr>
+        <a:xfrm>
+          <a:off x="0" y="0"/>
+          <a:ext cx="0" cy="0"/>
+          <a:chOff x="0" y="0"/>
+          <a:chExt cx="0" cy="0"/>
+        </a:xfrm>
+      </p:grpSpPr>
+      <p:sp>
+        <p:nvSpPr>
+          <p:cNvPr id="5" name="TextBox 4">
+            <a:extLst>
+              <a:ext uri="{FF2B5EF4-FFF2-40B4-BE49-F238E27FC236}">
+                <a16:creationId xmlns:a16="http://schemas.microsoft.com/office/drawing/2014/main" id="{EA115CCD-0526-EAD3-93FD-46E254E0FB59}"/>
+              </a:ext>
+            </a:extLst>
+          </p:cNvPr>
+          <p:cNvSpPr txBox="1"/>
+          <p:nvPr/>
+        </p:nvSpPr>
+        <p:spPr>
+          <a:xfrm>
+            <a:off x="383362" y="588935"/>
+            <a:ext cx="6093994" cy="4226735"/>
+          </a:xfrm>
+          <a:prstGeom prst="rect">
+            <a:avLst/>
+          </a:prstGeom>
+          <a:noFill/>
+        </p:spPr>
+        <p:txBody>
+          <a:bodyPr wrap="square">
+            <a:spAutoFit/>
+          </a:bodyPr>
+          <a:lstStyle/>
+          <a:p>
+            <a:pPr>
+              <a:lnSpc>
+                <a:spcPts val="2700"/>
+              </a:lnSpc>
+              <a:buNone/>
+            </a:pPr>
+            <a:r>
+              <a:rPr lang="en-US" altLang="ko-KR" b="0" dirty="0">
+                <a:solidFill>
+                  <a:srgbClr val="0000FF"/>
+                </a:solidFill>
+                <a:effectLst/>
+                <a:latin typeface="DM Mono" panose="020B0509040201040103" pitchFamily="49" charset="0"/>
+              </a:rPr>
+              <a:t>void</a:t>
+            </a:r>
+            <a:r>
+              <a:rPr lang="en-US" altLang="ko-KR" b="0" dirty="0">
+                <a:solidFill>
+                  <a:srgbClr val="3B3B3B"/>
+                </a:solidFill>
+                <a:effectLst/>
+                <a:latin typeface="DM Mono" panose="020B0509040201040103" pitchFamily="49" charset="0"/>
+              </a:rPr>
+              <a:t> </a:t>
+            </a:r>
+            <a:r>
+              <a:rPr lang="en-US" altLang="ko-KR" b="0" dirty="0">
+                <a:solidFill>
+                  <a:srgbClr val="795E26"/>
+                </a:solidFill>
+                <a:effectLst/>
+                <a:latin typeface="DM Mono" panose="020B0509040201040103" pitchFamily="49" charset="0"/>
+              </a:rPr>
+              <a:t>Increment</a:t>
+            </a:r>
+            <a:r>
+              <a:rPr lang="en-US" altLang="ko-KR" b="0" dirty="0">
+                <a:solidFill>
+                  <a:srgbClr val="3B3B3B"/>
+                </a:solidFill>
+                <a:effectLst/>
+                <a:latin typeface="DM Mono" panose="020B0509040201040103" pitchFamily="49" charset="0"/>
+              </a:rPr>
+              <a:t>(</a:t>
+            </a:r>
+            <a:r>
+              <a:rPr lang="en-US" altLang="ko-KR" b="0" dirty="0">
+                <a:solidFill>
+                  <a:srgbClr val="0000FF"/>
+                </a:solidFill>
+                <a:effectLst/>
+                <a:latin typeface="DM Mono" panose="020B0509040201040103" pitchFamily="49" charset="0"/>
+              </a:rPr>
+              <a:t>int</a:t>
+            </a:r>
+            <a:r>
+              <a:rPr lang="en-US" altLang="ko-KR" b="0" dirty="0">
+                <a:solidFill>
+                  <a:srgbClr val="3B3B3B"/>
+                </a:solidFill>
+                <a:effectLst/>
+                <a:latin typeface="DM Mono" panose="020B0509040201040103" pitchFamily="49" charset="0"/>
+              </a:rPr>
+              <a:t> </a:t>
+            </a:r>
+            <a:r>
+              <a:rPr lang="en-US" altLang="ko-KR" b="0" dirty="0">
+                <a:solidFill>
+                  <a:srgbClr val="0000FF"/>
+                </a:solidFill>
+                <a:effectLst/>
+                <a:latin typeface="DM Mono" panose="020B0509040201040103" pitchFamily="49" charset="0"/>
+              </a:rPr>
+              <a:t>&amp;</a:t>
+            </a:r>
+            <a:r>
+              <a:rPr lang="en-US" altLang="ko-KR" b="0" dirty="0" err="1">
+                <a:solidFill>
+                  <a:srgbClr val="001080"/>
+                </a:solidFill>
+                <a:effectLst/>
+                <a:latin typeface="DM Mono" panose="020B0509040201040103" pitchFamily="49" charset="0"/>
+              </a:rPr>
+              <a:t>rx</a:t>
+            </a:r>
+            <a:r>
+              <a:rPr lang="en-US" altLang="ko-KR" b="0" dirty="0">
+                <a:solidFill>
+                  <a:srgbClr val="3B3B3B"/>
+                </a:solidFill>
+                <a:effectLst/>
+                <a:latin typeface="DM Mono" panose="020B0509040201040103" pitchFamily="49" charset="0"/>
+              </a:rPr>
+              <a:t>) // int&amp; </a:t>
+            </a:r>
+            <a:r>
+              <a:rPr lang="en-US" altLang="ko-KR" b="0" dirty="0" err="1">
+                <a:solidFill>
+                  <a:srgbClr val="3B3B3B"/>
+                </a:solidFill>
+                <a:effectLst/>
+                <a:latin typeface="DM Mono" panose="020B0509040201040103" pitchFamily="49" charset="0"/>
+              </a:rPr>
+              <a:t>rx</a:t>
+            </a:r>
+            <a:r>
+              <a:rPr lang="en-US" altLang="ko-KR" b="0" dirty="0">
+                <a:solidFill>
+                  <a:srgbClr val="3B3B3B"/>
+                </a:solidFill>
+                <a:effectLst/>
+                <a:latin typeface="DM Mono" panose="020B0509040201040103" pitchFamily="49" charset="0"/>
+              </a:rPr>
+              <a:t> = x;</a:t>
+            </a:r>
+          </a:p>
+          <a:p>
+            <a:pPr>
+              <a:lnSpc>
+                <a:spcPts val="2700"/>
+              </a:lnSpc>
+              <a:buNone/>
+            </a:pPr>
+            <a:r>
+              <a:rPr lang="en-US" altLang="ko-KR" b="0" dirty="0">
+                <a:solidFill>
+                  <a:srgbClr val="3B3B3B"/>
+                </a:solidFill>
+                <a:effectLst/>
+                <a:latin typeface="DM Mono" panose="020B0509040201040103" pitchFamily="49" charset="0"/>
+              </a:rPr>
+              <a:t>{</a:t>
+            </a:r>
+          </a:p>
+          <a:p>
+            <a:pPr>
+              <a:lnSpc>
+                <a:spcPts val="2700"/>
+              </a:lnSpc>
+              <a:buNone/>
+            </a:pPr>
+            <a:r>
+              <a:rPr lang="en-US" altLang="ko-KR" b="0" dirty="0">
+                <a:solidFill>
+                  <a:srgbClr val="FF0000"/>
+                </a:solidFill>
+                <a:effectLst/>
+                <a:latin typeface="DM Mono" panose="020B0509040201040103" pitchFamily="49" charset="0"/>
+              </a:rPr>
+              <a:t>++</a:t>
+            </a:r>
+            <a:r>
+              <a:rPr lang="en-US" altLang="ko-KR" b="0" dirty="0" err="1">
+                <a:solidFill>
+                  <a:srgbClr val="FF0000"/>
+                </a:solidFill>
+                <a:effectLst/>
+                <a:latin typeface="DM Mono" panose="020B0509040201040103" pitchFamily="49" charset="0"/>
+              </a:rPr>
+              <a:t>rx</a:t>
+            </a:r>
+            <a:r>
+              <a:rPr lang="en-US" altLang="ko-KR" b="0" dirty="0">
+                <a:solidFill>
+                  <a:srgbClr val="FF0000"/>
+                </a:solidFill>
+                <a:effectLst/>
+                <a:latin typeface="DM Mono" panose="020B0509040201040103" pitchFamily="49" charset="0"/>
+              </a:rPr>
+              <a:t>;</a:t>
+            </a:r>
+          </a:p>
+          <a:p>
+            <a:pPr>
+              <a:lnSpc>
+                <a:spcPts val="2700"/>
+              </a:lnSpc>
+              <a:buNone/>
+            </a:pPr>
+            <a:r>
+              <a:rPr lang="en-US" altLang="ko-KR" b="0" dirty="0">
+                <a:solidFill>
+                  <a:srgbClr val="3B3B3B"/>
+                </a:solidFill>
+                <a:effectLst/>
+                <a:latin typeface="DM Mono" panose="020B0509040201040103" pitchFamily="49" charset="0"/>
+              </a:rPr>
+              <a:t>}</a:t>
+            </a:r>
+          </a:p>
+          <a:p>
+            <a:pPr>
+              <a:lnSpc>
+                <a:spcPts val="2700"/>
+              </a:lnSpc>
+              <a:buNone/>
+            </a:pPr>
+            <a:br>
+              <a:rPr lang="en-US" altLang="ko-KR" b="0" dirty="0">
+                <a:solidFill>
+                  <a:srgbClr val="3B3B3B"/>
+                </a:solidFill>
+                <a:effectLst/>
+                <a:latin typeface="DM Mono" panose="020B0509040201040103" pitchFamily="49" charset="0"/>
+              </a:rPr>
+            </a:br>
+            <a:r>
+              <a:rPr lang="en-US" altLang="ko-KR" b="0" dirty="0">
+                <a:solidFill>
+                  <a:srgbClr val="0000FF"/>
+                </a:solidFill>
+                <a:effectLst/>
+                <a:latin typeface="DM Mono" panose="020B0509040201040103" pitchFamily="49" charset="0"/>
+              </a:rPr>
+              <a:t>int</a:t>
+            </a:r>
+            <a:r>
+              <a:rPr lang="en-US" altLang="ko-KR" b="0" dirty="0">
+                <a:solidFill>
+                  <a:srgbClr val="3B3B3B"/>
+                </a:solidFill>
+                <a:effectLst/>
+                <a:latin typeface="DM Mono" panose="020B0509040201040103" pitchFamily="49" charset="0"/>
+              </a:rPr>
+              <a:t> </a:t>
+            </a:r>
+            <a:r>
+              <a:rPr lang="en-US" altLang="ko-KR" b="0" dirty="0">
+                <a:solidFill>
+                  <a:srgbClr val="795E26"/>
+                </a:solidFill>
+                <a:effectLst/>
+                <a:latin typeface="DM Mono" panose="020B0509040201040103" pitchFamily="49" charset="0"/>
+              </a:rPr>
+              <a:t>main</a:t>
+            </a:r>
+            <a:r>
+              <a:rPr lang="en-US" altLang="ko-KR" b="0" dirty="0">
+                <a:solidFill>
+                  <a:srgbClr val="3B3B3B"/>
+                </a:solidFill>
+                <a:effectLst/>
+                <a:latin typeface="DM Mono" panose="020B0509040201040103" pitchFamily="49" charset="0"/>
+              </a:rPr>
+              <a:t>()</a:t>
+            </a:r>
+          </a:p>
+          <a:p>
+            <a:pPr>
+              <a:lnSpc>
+                <a:spcPts val="2700"/>
+              </a:lnSpc>
+              <a:buNone/>
+            </a:pPr>
+            <a:r>
+              <a:rPr lang="en-US" altLang="ko-KR" b="0" dirty="0">
+                <a:solidFill>
+                  <a:srgbClr val="3B3B3B"/>
+                </a:solidFill>
+                <a:effectLst/>
+                <a:latin typeface="DM Mono" panose="020B0509040201040103" pitchFamily="49" charset="0"/>
+              </a:rPr>
+              <a:t>{</a:t>
+            </a:r>
+          </a:p>
+          <a:p>
+            <a:pPr>
+              <a:lnSpc>
+                <a:spcPts val="2700"/>
+              </a:lnSpc>
+              <a:buNone/>
+            </a:pPr>
+            <a:r>
+              <a:rPr lang="en-US" altLang="ko-KR" b="0" dirty="0">
+                <a:solidFill>
+                  <a:srgbClr val="0000FF"/>
+                </a:solidFill>
+                <a:effectLst/>
+                <a:latin typeface="DM Mono" panose="020B0509040201040103" pitchFamily="49" charset="0"/>
+              </a:rPr>
+              <a:t>int</a:t>
+            </a:r>
+            <a:r>
+              <a:rPr lang="en-US" altLang="ko-KR" b="0" dirty="0">
+                <a:solidFill>
+                  <a:srgbClr val="3B3B3B"/>
+                </a:solidFill>
+                <a:effectLst/>
+                <a:latin typeface="DM Mono" panose="020B0509040201040103" pitchFamily="49" charset="0"/>
+              </a:rPr>
+              <a:t> </a:t>
+            </a:r>
+            <a:r>
+              <a:rPr lang="en-US" altLang="ko-KR" b="0" dirty="0">
+                <a:solidFill>
+                  <a:srgbClr val="001080"/>
+                </a:solidFill>
+                <a:effectLst/>
+                <a:latin typeface="DM Mono" panose="020B0509040201040103" pitchFamily="49" charset="0"/>
+              </a:rPr>
+              <a:t>x</a:t>
+            </a:r>
+            <a:r>
+              <a:rPr lang="en-US" altLang="ko-KR" b="0" dirty="0">
+                <a:solidFill>
+                  <a:srgbClr val="3B3B3B"/>
+                </a:solidFill>
+                <a:effectLst/>
+                <a:latin typeface="DM Mono" panose="020B0509040201040103" pitchFamily="49" charset="0"/>
+              </a:rPr>
+              <a:t> </a:t>
+            </a:r>
+            <a:r>
+              <a:rPr lang="en-US" altLang="ko-KR" b="0" dirty="0">
+                <a:solidFill>
+                  <a:srgbClr val="000000"/>
+                </a:solidFill>
+                <a:effectLst/>
+                <a:latin typeface="DM Mono" panose="020B0509040201040103" pitchFamily="49" charset="0"/>
+              </a:rPr>
+              <a:t>=</a:t>
+            </a:r>
+            <a:r>
+              <a:rPr lang="en-US" altLang="ko-KR" b="0" dirty="0">
+                <a:solidFill>
+                  <a:srgbClr val="3B3B3B"/>
+                </a:solidFill>
+                <a:effectLst/>
+                <a:latin typeface="DM Mono" panose="020B0509040201040103" pitchFamily="49" charset="0"/>
+              </a:rPr>
+              <a:t> </a:t>
+            </a:r>
+            <a:r>
+              <a:rPr lang="en-US" altLang="ko-KR" b="0" dirty="0">
+                <a:solidFill>
+                  <a:srgbClr val="098658"/>
+                </a:solidFill>
+                <a:effectLst/>
+                <a:latin typeface="DM Mono" panose="020B0509040201040103" pitchFamily="49" charset="0"/>
+              </a:rPr>
+              <a:t>10</a:t>
+            </a:r>
+            <a:r>
+              <a:rPr lang="en-US" altLang="ko-KR" b="0" dirty="0">
+                <a:solidFill>
+                  <a:srgbClr val="3B3B3B"/>
+                </a:solidFill>
+                <a:effectLst/>
+                <a:latin typeface="DM Mono" panose="020B0509040201040103" pitchFamily="49" charset="0"/>
+              </a:rPr>
+              <a:t>;</a:t>
+            </a:r>
+          </a:p>
+          <a:p>
+            <a:pPr>
+              <a:lnSpc>
+                <a:spcPts val="2700"/>
+              </a:lnSpc>
+              <a:buNone/>
+            </a:pPr>
+            <a:br>
+              <a:rPr lang="en-US" altLang="ko-KR" b="0" dirty="0">
+                <a:solidFill>
+                  <a:srgbClr val="FF0000"/>
+                </a:solidFill>
+                <a:effectLst/>
+                <a:latin typeface="DM Mono" panose="020B0509040201040103" pitchFamily="49" charset="0"/>
+              </a:rPr>
+            </a:br>
+            <a:r>
+              <a:rPr lang="en-US" altLang="ko-KR" b="0" dirty="0">
+                <a:solidFill>
+                  <a:srgbClr val="FF0000"/>
+                </a:solidFill>
+                <a:effectLst/>
+                <a:latin typeface="DM Mono" panose="020B0509040201040103" pitchFamily="49" charset="0"/>
+              </a:rPr>
+              <a:t>Increment(x);</a:t>
+            </a:r>
+          </a:p>
+          <a:p>
+            <a:pPr>
+              <a:lnSpc>
+                <a:spcPts val="2700"/>
+              </a:lnSpc>
+              <a:buNone/>
+            </a:pPr>
+            <a:r>
+              <a:rPr lang="en-US" altLang="ko-KR" b="0" dirty="0" err="1">
+                <a:solidFill>
+                  <a:srgbClr val="001080"/>
+                </a:solidFill>
+                <a:effectLst/>
+                <a:latin typeface="DM Mono" panose="020B0509040201040103" pitchFamily="49" charset="0"/>
+              </a:rPr>
+              <a:t>cout</a:t>
+            </a:r>
+            <a:r>
+              <a:rPr lang="en-US" altLang="ko-KR" b="0" dirty="0">
+                <a:solidFill>
+                  <a:srgbClr val="3B3B3B"/>
+                </a:solidFill>
+                <a:effectLst/>
+                <a:latin typeface="DM Mono" panose="020B0509040201040103" pitchFamily="49" charset="0"/>
+              </a:rPr>
+              <a:t> </a:t>
+            </a:r>
+            <a:r>
+              <a:rPr lang="en-US" altLang="ko-KR" b="0" dirty="0">
+                <a:solidFill>
+                  <a:srgbClr val="795E26"/>
+                </a:solidFill>
+                <a:effectLst/>
+                <a:latin typeface="DM Mono" panose="020B0509040201040103" pitchFamily="49" charset="0"/>
+              </a:rPr>
+              <a:t>&lt;&lt;</a:t>
+            </a:r>
+            <a:r>
+              <a:rPr lang="en-US" altLang="ko-KR" b="0" dirty="0">
+                <a:solidFill>
+                  <a:srgbClr val="3B3B3B"/>
+                </a:solidFill>
+                <a:effectLst/>
+                <a:latin typeface="DM Mono" panose="020B0509040201040103" pitchFamily="49" charset="0"/>
+              </a:rPr>
+              <a:t> </a:t>
+            </a:r>
+            <a:r>
+              <a:rPr lang="en-US" altLang="ko-KR" b="0" dirty="0">
+                <a:solidFill>
+                  <a:srgbClr val="001080"/>
+                </a:solidFill>
+                <a:effectLst/>
+                <a:latin typeface="DM Mono" panose="020B0509040201040103" pitchFamily="49" charset="0"/>
+              </a:rPr>
+              <a:t>x</a:t>
+            </a:r>
+            <a:r>
+              <a:rPr lang="en-US" altLang="ko-KR" b="0" dirty="0">
+                <a:solidFill>
+                  <a:srgbClr val="3B3B3B"/>
+                </a:solidFill>
+                <a:effectLst/>
+                <a:latin typeface="DM Mono" panose="020B0509040201040103" pitchFamily="49" charset="0"/>
+              </a:rPr>
+              <a:t> </a:t>
+            </a:r>
+            <a:r>
+              <a:rPr lang="en-US" altLang="ko-KR" b="0" dirty="0">
+                <a:solidFill>
+                  <a:srgbClr val="795E26"/>
+                </a:solidFill>
+                <a:effectLst/>
+                <a:latin typeface="DM Mono" panose="020B0509040201040103" pitchFamily="49" charset="0"/>
+              </a:rPr>
+              <a:t>&lt;&lt;</a:t>
+            </a:r>
+            <a:r>
+              <a:rPr lang="en-US" altLang="ko-KR" b="0" dirty="0">
+                <a:solidFill>
+                  <a:srgbClr val="3B3B3B"/>
+                </a:solidFill>
+                <a:effectLst/>
+                <a:latin typeface="DM Mono" panose="020B0509040201040103" pitchFamily="49" charset="0"/>
+              </a:rPr>
+              <a:t> </a:t>
+            </a:r>
+            <a:r>
+              <a:rPr lang="en-US" altLang="ko-KR" b="0" dirty="0" err="1">
+                <a:solidFill>
+                  <a:srgbClr val="795E26"/>
+                </a:solidFill>
+                <a:effectLst/>
+                <a:latin typeface="DM Mono" panose="020B0509040201040103" pitchFamily="49" charset="0"/>
+              </a:rPr>
+              <a:t>endl</a:t>
+            </a:r>
+            <a:r>
+              <a:rPr lang="en-US" altLang="ko-KR" b="0" dirty="0">
+                <a:solidFill>
+                  <a:srgbClr val="3B3B3B"/>
+                </a:solidFill>
+                <a:effectLst/>
+                <a:latin typeface="DM Mono" panose="020B0509040201040103" pitchFamily="49" charset="0"/>
+              </a:rPr>
+              <a:t>;</a:t>
+            </a:r>
+          </a:p>
+          <a:p>
+            <a:pPr>
+              <a:lnSpc>
+                <a:spcPts val="2700"/>
+              </a:lnSpc>
+            </a:pPr>
+            <a:r>
+              <a:rPr lang="en-US" altLang="ko-KR" b="0" dirty="0">
+                <a:solidFill>
+                  <a:srgbClr val="3B3B3B"/>
+                </a:solidFill>
+                <a:effectLst/>
+                <a:latin typeface="DM Mono" panose="020B0509040201040103" pitchFamily="49" charset="0"/>
+              </a:rPr>
+              <a:t>}</a:t>
+            </a:r>
+          </a:p>
+        </p:txBody>
+      </p:sp>
+      <p:sp>
+        <p:nvSpPr>
+          <p:cNvPr id="6" name="직사각형 5">
+            <a:extLst>
+              <a:ext uri="{FF2B5EF4-FFF2-40B4-BE49-F238E27FC236}">
+                <a16:creationId xmlns:a16="http://schemas.microsoft.com/office/drawing/2014/main" id="{EAEB65D4-1278-3680-4131-90A120569716}"/>
+              </a:ext>
+            </a:extLst>
+          </p:cNvPr>
+          <p:cNvSpPr/>
+          <p:nvPr/>
+        </p:nvSpPr>
+        <p:spPr>
+          <a:xfrm>
+            <a:off x="4969042" y="3429000"/>
+            <a:ext cx="3793958" cy="2490537"/>
+          </a:xfrm>
+          <a:prstGeom prst="rect">
+            <a:avLst/>
+          </a:prstGeom>
+          <a:solidFill>
+            <a:schemeClr val="bg1"/>
+          </a:solidFill>
+        </p:spPr>
+        <p:style>
+          <a:lnRef idx="2">
+            <a:schemeClr val="accent1">
+              <a:shade val="15000"/>
+            </a:schemeClr>
+          </a:lnRef>
+          <a:fillRef idx="1">
+            <a:schemeClr val="accent1"/>
+          </a:fillRef>
+          <a:effectRef idx="0">
+            <a:schemeClr val="accent1"/>
+          </a:effectRef>
+          <a:fontRef idx="minor">
+            <a:schemeClr val="lt1"/>
+          </a:fontRef>
+        </p:style>
+        <p:txBody>
+          <a:bodyPr rtlCol="0" anchor="ctr"/>
+          <a:lstStyle/>
+          <a:p>
+            <a:pPr algn="ctr"/>
+            <a:r>
+              <a:rPr kumimoji="1" lang="en-US" altLang="ko-KR" dirty="0"/>
+              <a:t>0x16ce92c2c</a:t>
+            </a:r>
+            <a:endParaRPr kumimoji="1" lang="ko-KR" altLang="en-US" dirty="0"/>
+          </a:p>
+        </p:txBody>
+      </p:sp>
+      <p:sp>
+        <p:nvSpPr>
+          <p:cNvPr id="7" name="직사각형 6">
+            <a:extLst>
+              <a:ext uri="{FF2B5EF4-FFF2-40B4-BE49-F238E27FC236}">
+                <a16:creationId xmlns:a16="http://schemas.microsoft.com/office/drawing/2014/main" id="{2EB289CD-3289-138E-76C7-F1782CC47027}"/>
+              </a:ext>
+            </a:extLst>
+          </p:cNvPr>
+          <p:cNvSpPr/>
+          <p:nvPr/>
+        </p:nvSpPr>
+        <p:spPr>
+          <a:xfrm>
+            <a:off x="6260432" y="4491101"/>
+            <a:ext cx="1287379" cy="841803"/>
+          </a:xfrm>
+          <a:prstGeom prst="rect">
+            <a:avLst/>
+          </a:prstGeom>
+        </p:spPr>
+        <p:style>
+          <a:lnRef idx="2">
+            <a:schemeClr val="accent4">
+              <a:shade val="15000"/>
+            </a:schemeClr>
+          </a:lnRef>
+          <a:fillRef idx="1">
+            <a:schemeClr val="accent4"/>
+          </a:fillRef>
+          <a:effectRef idx="0">
+            <a:schemeClr val="accent4"/>
+          </a:effectRef>
+          <a:fontRef idx="minor">
+            <a:schemeClr val="lt1"/>
+          </a:fontRef>
+        </p:style>
+        <p:txBody>
+          <a:bodyPr rtlCol="0" anchor="ctr"/>
+          <a:lstStyle/>
+          <a:p>
+            <a:pPr algn="ctr"/>
+            <a:r>
+              <a:rPr kumimoji="1" lang="en-US" altLang="ko-KR" dirty="0">
+                <a:solidFill>
+                  <a:srgbClr val="FF0000"/>
+                </a:solidFill>
+                <a:latin typeface="DM Mono" panose="020B0509040201040103" pitchFamily="49" charset="0"/>
+              </a:rPr>
+              <a:t>11</a:t>
+            </a:r>
+            <a:endParaRPr kumimoji="1" lang="ko-KR" altLang="en-US" dirty="0">
+              <a:solidFill>
+                <a:srgbClr val="FF0000"/>
+              </a:solidFill>
+              <a:latin typeface="DM Mono" panose="020B0509040201040103" pitchFamily="49" charset="0"/>
+            </a:endParaRPr>
+          </a:p>
+        </p:txBody>
+      </p:sp>
+      <p:sp>
+        <p:nvSpPr>
+          <p:cNvPr id="8" name="TextBox 7">
+            <a:extLst>
+              <a:ext uri="{FF2B5EF4-FFF2-40B4-BE49-F238E27FC236}">
+                <a16:creationId xmlns:a16="http://schemas.microsoft.com/office/drawing/2014/main" id="{C2DF8CEA-0FDA-17C3-A719-BBED8D096056}"/>
+              </a:ext>
+            </a:extLst>
+          </p:cNvPr>
+          <p:cNvSpPr txBox="1"/>
+          <p:nvPr/>
+        </p:nvSpPr>
+        <p:spPr>
+          <a:xfrm>
+            <a:off x="4772025" y="4727336"/>
+            <a:ext cx="1476889" cy="369332"/>
+          </a:xfrm>
+          <a:prstGeom prst="rect">
+            <a:avLst/>
+          </a:prstGeom>
+          <a:noFill/>
+        </p:spPr>
+        <p:txBody>
+          <a:bodyPr wrap="square" rtlCol="0">
+            <a:spAutoFit/>
+          </a:bodyPr>
+          <a:lstStyle/>
+          <a:p>
+            <a:pPr algn="r"/>
+            <a:r>
+              <a:rPr kumimoji="1" lang="en-US" altLang="ko-KR" dirty="0">
+                <a:latin typeface="DM Mono" panose="020B0509040201040103" pitchFamily="49" charset="0"/>
+              </a:rPr>
+              <a:t>x</a:t>
+            </a:r>
+            <a:endParaRPr kumimoji="1" lang="ko-KR" altLang="en-US" dirty="0">
+              <a:solidFill>
+                <a:srgbClr val="FF0000"/>
+              </a:solidFill>
+              <a:latin typeface="DM Mono" panose="020B0509040201040103" pitchFamily="49" charset="0"/>
+            </a:endParaRPr>
+          </a:p>
+        </p:txBody>
+      </p:sp>
+      <p:sp>
+        <p:nvSpPr>
+          <p:cNvPr id="10" name="TextBox 9">
+            <a:extLst>
+              <a:ext uri="{FF2B5EF4-FFF2-40B4-BE49-F238E27FC236}">
+                <a16:creationId xmlns:a16="http://schemas.microsoft.com/office/drawing/2014/main" id="{C37A15A9-BC33-2E27-26C4-0B8835227AA0}"/>
+              </a:ext>
+            </a:extLst>
+          </p:cNvPr>
+          <p:cNvSpPr txBox="1"/>
+          <p:nvPr/>
+        </p:nvSpPr>
+        <p:spPr>
+          <a:xfrm>
+            <a:off x="5483570" y="4120338"/>
+            <a:ext cx="1638300" cy="307777"/>
+          </a:xfrm>
+          <a:prstGeom prst="rect">
+            <a:avLst/>
+          </a:prstGeom>
+          <a:noFill/>
+        </p:spPr>
+        <p:txBody>
+          <a:bodyPr wrap="square">
+            <a:spAutoFit/>
+          </a:bodyPr>
+          <a:lstStyle/>
+          <a:p>
+            <a:r>
+              <a:rPr lang="en-US" altLang="ko-KR" sz="1400" b="1" dirty="0">
+                <a:solidFill>
+                  <a:srgbClr val="FF0000"/>
+                </a:solidFill>
+                <a:latin typeface="DM Mono" panose="020B0509040201040103" pitchFamily="49" charset="0"/>
+              </a:rPr>
+              <a:t>0x100</a:t>
+            </a:r>
+            <a:endParaRPr lang="ko-KR" altLang="en-US" sz="1400" b="1" dirty="0">
+              <a:solidFill>
+                <a:srgbClr val="FF0000"/>
+              </a:solidFill>
+              <a:latin typeface="DM Mono" panose="020B0509040201040103" pitchFamily="49" charset="0"/>
+            </a:endParaRPr>
+          </a:p>
+        </p:txBody>
+      </p:sp>
+      <p:sp>
+        <p:nvSpPr>
+          <p:cNvPr id="2" name="TextBox 1">
+            <a:extLst>
+              <a:ext uri="{FF2B5EF4-FFF2-40B4-BE49-F238E27FC236}">
+                <a16:creationId xmlns:a16="http://schemas.microsoft.com/office/drawing/2014/main" id="{AEFA9365-C167-798C-B196-4D09856DA34F}"/>
+              </a:ext>
+            </a:extLst>
+          </p:cNvPr>
+          <p:cNvSpPr txBox="1"/>
+          <p:nvPr/>
+        </p:nvSpPr>
+        <p:spPr>
+          <a:xfrm>
+            <a:off x="4969042" y="3058237"/>
+            <a:ext cx="3793958" cy="307777"/>
+          </a:xfrm>
+          <a:prstGeom prst="rect">
+            <a:avLst/>
+          </a:prstGeom>
+          <a:noFill/>
+        </p:spPr>
+        <p:txBody>
+          <a:bodyPr wrap="square">
+            <a:spAutoFit/>
+          </a:bodyPr>
+          <a:lstStyle/>
+          <a:p>
+            <a:pPr algn="ctr"/>
+            <a:r>
+              <a:rPr lang="en-US" altLang="ko-KR" sz="1400" b="1" dirty="0">
+                <a:latin typeface="DM Mono" panose="020B0509040201040103" pitchFamily="49" charset="0"/>
+              </a:rPr>
+              <a:t>main</a:t>
+            </a:r>
+            <a:endParaRPr lang="ko-KR" altLang="en-US" sz="1400" b="1" dirty="0">
+              <a:latin typeface="DM Mono" panose="020B0509040201040103" pitchFamily="49" charset="0"/>
+            </a:endParaRPr>
+          </a:p>
+        </p:txBody>
+      </p:sp>
+      <p:sp>
+        <p:nvSpPr>
+          <p:cNvPr id="3" name="직사각형 2">
+            <a:extLst>
+              <a:ext uri="{FF2B5EF4-FFF2-40B4-BE49-F238E27FC236}">
+                <a16:creationId xmlns:a16="http://schemas.microsoft.com/office/drawing/2014/main" id="{F2A5D654-5FBC-13D9-EDAE-8C24D407AC07}"/>
+              </a:ext>
+            </a:extLst>
+          </p:cNvPr>
+          <p:cNvSpPr/>
+          <p:nvPr/>
+        </p:nvSpPr>
+        <p:spPr>
+          <a:xfrm>
+            <a:off x="7845592" y="588935"/>
+            <a:ext cx="3793958" cy="2490537"/>
+          </a:xfrm>
+          <a:prstGeom prst="rect">
+            <a:avLst/>
+          </a:prstGeom>
+          <a:solidFill>
+            <a:schemeClr val="bg1"/>
+          </a:solidFill>
+        </p:spPr>
+        <p:style>
+          <a:lnRef idx="2">
+            <a:schemeClr val="accent1">
+              <a:shade val="15000"/>
+            </a:schemeClr>
+          </a:lnRef>
+          <a:fillRef idx="1">
+            <a:schemeClr val="accent1"/>
+          </a:fillRef>
+          <a:effectRef idx="0">
+            <a:schemeClr val="accent1"/>
+          </a:effectRef>
+          <a:fontRef idx="minor">
+            <a:schemeClr val="lt1"/>
+          </a:fontRef>
+        </p:style>
+        <p:txBody>
+          <a:bodyPr rtlCol="0" anchor="ctr"/>
+          <a:lstStyle/>
+          <a:p>
+            <a:pPr algn="ctr"/>
+            <a:r>
+              <a:rPr lang="en-US" altLang="ko-KR" b="0" dirty="0" err="1">
+                <a:solidFill>
+                  <a:srgbClr val="3B3B3B"/>
+                </a:solidFill>
+                <a:effectLst/>
+                <a:latin typeface="DM Mono" panose="020B0509040201040103" pitchFamily="49" charset="0"/>
+              </a:rPr>
+              <a:t>rx</a:t>
+            </a:r>
+            <a:endParaRPr kumimoji="1" lang="ko-KR" altLang="en-US" dirty="0"/>
+          </a:p>
+        </p:txBody>
+      </p:sp>
+      <p:sp>
+        <p:nvSpPr>
+          <p:cNvPr id="12" name="TextBox 11">
+            <a:extLst>
+              <a:ext uri="{FF2B5EF4-FFF2-40B4-BE49-F238E27FC236}">
+                <a16:creationId xmlns:a16="http://schemas.microsoft.com/office/drawing/2014/main" id="{C4159DB0-027B-D6E9-74E0-AAC51C11F564}"/>
+              </a:ext>
+            </a:extLst>
+          </p:cNvPr>
+          <p:cNvSpPr txBox="1"/>
+          <p:nvPr/>
+        </p:nvSpPr>
+        <p:spPr>
+          <a:xfrm>
+            <a:off x="7845592" y="218172"/>
+            <a:ext cx="3793958" cy="307777"/>
+          </a:xfrm>
+          <a:prstGeom prst="rect">
+            <a:avLst/>
+          </a:prstGeom>
+          <a:noFill/>
+        </p:spPr>
+        <p:txBody>
+          <a:bodyPr wrap="square">
+            <a:spAutoFit/>
+          </a:bodyPr>
+          <a:lstStyle/>
+          <a:p>
+            <a:pPr algn="ctr"/>
+            <a:r>
+              <a:rPr lang="en-US" altLang="ko-KR" sz="1400" b="0" dirty="0">
+                <a:solidFill>
+                  <a:srgbClr val="795E26"/>
+                </a:solidFill>
+                <a:effectLst/>
+                <a:latin typeface="DM Mono" panose="020B0509040201040103" pitchFamily="49" charset="0"/>
+              </a:rPr>
+              <a:t>Increment</a:t>
+            </a:r>
+            <a:endParaRPr lang="ko-KR" altLang="en-US" sz="1400" b="1" dirty="0">
+              <a:latin typeface="DM Mono" panose="020B0509040201040103" pitchFamily="49" charset="0"/>
+            </a:endParaRPr>
+          </a:p>
+        </p:txBody>
+      </p:sp>
+      <p:cxnSp>
+        <p:nvCxnSpPr>
+          <p:cNvPr id="14" name="구부러진 연결선[U] 13">
+            <a:extLst>
+              <a:ext uri="{FF2B5EF4-FFF2-40B4-BE49-F238E27FC236}">
+                <a16:creationId xmlns:a16="http://schemas.microsoft.com/office/drawing/2014/main" id="{BB98B063-AAAE-6088-CD6E-F97C20F64907}"/>
+              </a:ext>
+            </a:extLst>
+          </p:cNvPr>
+          <p:cNvCxnSpPr>
+            <a:cxnSpLocks/>
+            <a:endCxn id="7" idx="0"/>
+          </p:cNvCxnSpPr>
+          <p:nvPr/>
+        </p:nvCxnSpPr>
+        <p:spPr>
+          <a:xfrm rot="10800000" flipV="1">
+            <a:off x="6904122" y="1849119"/>
+            <a:ext cx="2676758" cy="2641981"/>
+          </a:xfrm>
+          <a:prstGeom prst="curvedConnector2">
+            <a:avLst/>
+          </a:prstGeom>
+          <a:ln>
+            <a:tailEnd type="triangle"/>
+          </a:ln>
+        </p:spPr>
+        <p:style>
+          <a:lnRef idx="1">
+            <a:schemeClr val="dk1"/>
+          </a:lnRef>
+          <a:fillRef idx="0">
+            <a:schemeClr val="dk1"/>
+          </a:fillRef>
+          <a:effectRef idx="0">
+            <a:schemeClr val="dk1"/>
+          </a:effectRef>
+          <a:fontRef idx="minor">
+            <a:schemeClr val="tx1"/>
+          </a:fontRef>
+        </p:style>
+      </p:cxnSp>
+    </p:spTree>
+    <p:extLst>
+      <p:ext uri="{BB962C8B-B14F-4D97-AF65-F5344CB8AC3E}">
+        <p14:creationId xmlns:p14="http://schemas.microsoft.com/office/powerpoint/2010/main" val="3074522116"/>
+      </p:ext>
+    </p:extLst>
+  </p:cSld>
+  <p:clrMapOvr>
+    <a:masterClrMapping/>
+  </p:clrMapOvr>
+</p:sld>
+</file>
+
+<file path=ppt/slides/slide19.xml><?xml version="1.0" encoding="utf-8"?>
+<p:sld xmlns:a="http://schemas.openxmlformats.org/drawingml/2006/main" xmlns:r="http://schemas.openxmlformats.org/officeDocument/2006/relationships" xmlns:p="http://schemas.openxmlformats.org/presentationml/2006/main">
+  <p:cSld>
+    <p:spTree>
+      <p:nvGrpSpPr>
+        <p:cNvPr id="1" name="">
+          <a:extLst>
+            <a:ext uri="{FF2B5EF4-FFF2-40B4-BE49-F238E27FC236}">
+              <a16:creationId xmlns:a16="http://schemas.microsoft.com/office/drawing/2014/main" id="{A6F753BD-D218-C4C5-02CA-74CB825D86C1}"/>
+            </a:ext>
+          </a:extLst>
+        </p:cNvPr>
+        <p:cNvGrpSpPr/>
+        <p:nvPr/>
+      </p:nvGrpSpPr>
+      <p:grpSpPr>
+        <a:xfrm>
+          <a:off x="0" y="0"/>
+          <a:ext cx="0" cy="0"/>
+          <a:chOff x="0" y="0"/>
+          <a:chExt cx="0" cy="0"/>
+        </a:xfrm>
+      </p:grpSpPr>
+      <p:sp>
+        <p:nvSpPr>
+          <p:cNvPr id="5" name="TextBox 4">
+            <a:extLst>
+              <a:ext uri="{FF2B5EF4-FFF2-40B4-BE49-F238E27FC236}">
+                <a16:creationId xmlns:a16="http://schemas.microsoft.com/office/drawing/2014/main" id="{BFBA4CE4-FEB4-696C-4E2C-A8C9BA10D2B0}"/>
+              </a:ext>
+            </a:extLst>
+          </p:cNvPr>
+          <p:cNvSpPr txBox="1"/>
+          <p:nvPr/>
+        </p:nvSpPr>
+        <p:spPr>
+          <a:xfrm>
+            <a:off x="383362" y="588935"/>
+            <a:ext cx="6093994" cy="4226735"/>
+          </a:xfrm>
+          <a:prstGeom prst="rect">
+            <a:avLst/>
+          </a:prstGeom>
+          <a:noFill/>
+        </p:spPr>
+        <p:txBody>
+          <a:bodyPr wrap="square">
+            <a:spAutoFit/>
+          </a:bodyPr>
+          <a:lstStyle/>
+          <a:p>
+            <a:pPr>
+              <a:lnSpc>
+                <a:spcPts val="2700"/>
+              </a:lnSpc>
+              <a:buNone/>
+            </a:pPr>
+            <a:r>
+              <a:rPr lang="en-US" altLang="ko-KR" b="0" dirty="0">
+                <a:solidFill>
+                  <a:srgbClr val="0000FF"/>
+                </a:solidFill>
+                <a:effectLst/>
+                <a:latin typeface="DM Mono" panose="020B0509040201040103" pitchFamily="49" charset="0"/>
+              </a:rPr>
+              <a:t>void</a:t>
+            </a:r>
+            <a:r>
+              <a:rPr lang="en-US" altLang="ko-KR" b="0" dirty="0">
+                <a:solidFill>
+                  <a:srgbClr val="3B3B3B"/>
+                </a:solidFill>
+                <a:effectLst/>
+                <a:latin typeface="DM Mono" panose="020B0509040201040103" pitchFamily="49" charset="0"/>
+              </a:rPr>
+              <a:t> </a:t>
+            </a:r>
+            <a:r>
+              <a:rPr lang="en-US" altLang="ko-KR" b="0" dirty="0">
+                <a:solidFill>
+                  <a:srgbClr val="795E26"/>
+                </a:solidFill>
+                <a:effectLst/>
+                <a:latin typeface="DM Mono" panose="020B0509040201040103" pitchFamily="49" charset="0"/>
+              </a:rPr>
+              <a:t>Increment</a:t>
+            </a:r>
+            <a:r>
+              <a:rPr lang="en-US" altLang="ko-KR" b="0" dirty="0">
+                <a:solidFill>
+                  <a:srgbClr val="3B3B3B"/>
+                </a:solidFill>
+                <a:effectLst/>
+                <a:latin typeface="DM Mono" panose="020B0509040201040103" pitchFamily="49" charset="0"/>
+              </a:rPr>
+              <a:t>(</a:t>
+            </a:r>
+            <a:r>
+              <a:rPr lang="en-US" altLang="ko-KR" b="0" dirty="0">
+                <a:solidFill>
+                  <a:srgbClr val="0000FF"/>
+                </a:solidFill>
+                <a:effectLst/>
+                <a:latin typeface="DM Mono" panose="020B0509040201040103" pitchFamily="49" charset="0"/>
+              </a:rPr>
+              <a:t>int</a:t>
+            </a:r>
+            <a:r>
+              <a:rPr lang="en-US" altLang="ko-KR" b="0" dirty="0">
+                <a:solidFill>
+                  <a:srgbClr val="3B3B3B"/>
+                </a:solidFill>
+                <a:effectLst/>
+                <a:latin typeface="DM Mono" panose="020B0509040201040103" pitchFamily="49" charset="0"/>
+              </a:rPr>
+              <a:t> </a:t>
+            </a:r>
+            <a:r>
+              <a:rPr lang="en-US" altLang="ko-KR" b="0" dirty="0">
+                <a:solidFill>
+                  <a:srgbClr val="0000FF"/>
+                </a:solidFill>
+                <a:effectLst/>
+                <a:latin typeface="DM Mono" panose="020B0509040201040103" pitchFamily="49" charset="0"/>
+              </a:rPr>
+              <a:t>&amp;</a:t>
+            </a:r>
+            <a:r>
+              <a:rPr lang="en-US" altLang="ko-KR" b="0" dirty="0" err="1">
+                <a:solidFill>
+                  <a:srgbClr val="001080"/>
+                </a:solidFill>
+                <a:effectLst/>
+                <a:latin typeface="DM Mono" panose="020B0509040201040103" pitchFamily="49" charset="0"/>
+              </a:rPr>
+              <a:t>rx</a:t>
+            </a:r>
+            <a:r>
+              <a:rPr lang="en-US" altLang="ko-KR" b="0" dirty="0">
+                <a:solidFill>
+                  <a:srgbClr val="3B3B3B"/>
+                </a:solidFill>
+                <a:effectLst/>
+                <a:latin typeface="DM Mono" panose="020B0509040201040103" pitchFamily="49" charset="0"/>
+              </a:rPr>
+              <a:t>) // int&amp; </a:t>
+            </a:r>
+            <a:r>
+              <a:rPr lang="en-US" altLang="ko-KR" b="0" dirty="0" err="1">
+                <a:solidFill>
+                  <a:srgbClr val="3B3B3B"/>
+                </a:solidFill>
+                <a:effectLst/>
+                <a:latin typeface="DM Mono" panose="020B0509040201040103" pitchFamily="49" charset="0"/>
+              </a:rPr>
+              <a:t>rx</a:t>
+            </a:r>
+            <a:r>
+              <a:rPr lang="en-US" altLang="ko-KR" b="0" dirty="0">
+                <a:solidFill>
+                  <a:srgbClr val="3B3B3B"/>
+                </a:solidFill>
+                <a:effectLst/>
+                <a:latin typeface="DM Mono" panose="020B0509040201040103" pitchFamily="49" charset="0"/>
+              </a:rPr>
+              <a:t> = x;</a:t>
+            </a:r>
+          </a:p>
+          <a:p>
+            <a:pPr>
+              <a:lnSpc>
+                <a:spcPts val="2700"/>
+              </a:lnSpc>
+              <a:buNone/>
+            </a:pPr>
+            <a:r>
+              <a:rPr lang="en-US" altLang="ko-KR" b="0" dirty="0">
+                <a:solidFill>
+                  <a:srgbClr val="3B3B3B"/>
+                </a:solidFill>
+                <a:effectLst/>
+                <a:latin typeface="DM Mono" panose="020B0509040201040103" pitchFamily="49" charset="0"/>
+              </a:rPr>
+              <a:t>{</a:t>
+            </a:r>
+          </a:p>
+          <a:p>
+            <a:pPr>
+              <a:lnSpc>
+                <a:spcPts val="2700"/>
+              </a:lnSpc>
+              <a:buNone/>
+            </a:pPr>
+            <a:r>
+              <a:rPr lang="en-US" altLang="ko-KR" b="0" dirty="0">
+                <a:solidFill>
+                  <a:srgbClr val="FF0000"/>
+                </a:solidFill>
+                <a:effectLst/>
+                <a:latin typeface="DM Mono" panose="020B0509040201040103" pitchFamily="49" charset="0"/>
+              </a:rPr>
+              <a:t>++</a:t>
+            </a:r>
+            <a:r>
+              <a:rPr lang="en-US" altLang="ko-KR" b="0" dirty="0" err="1">
+                <a:solidFill>
+                  <a:srgbClr val="FF0000"/>
+                </a:solidFill>
+                <a:effectLst/>
+                <a:latin typeface="DM Mono" panose="020B0509040201040103" pitchFamily="49" charset="0"/>
+              </a:rPr>
+              <a:t>rx</a:t>
+            </a:r>
+            <a:r>
+              <a:rPr lang="en-US" altLang="ko-KR" b="0" dirty="0">
+                <a:solidFill>
+                  <a:srgbClr val="FF0000"/>
+                </a:solidFill>
+                <a:effectLst/>
+                <a:latin typeface="DM Mono" panose="020B0509040201040103" pitchFamily="49" charset="0"/>
+              </a:rPr>
+              <a:t>;</a:t>
+            </a:r>
+          </a:p>
+          <a:p>
+            <a:pPr>
+              <a:lnSpc>
+                <a:spcPts val="2700"/>
+              </a:lnSpc>
+              <a:buNone/>
+            </a:pPr>
+            <a:r>
+              <a:rPr lang="en-US" altLang="ko-KR" b="0" dirty="0">
+                <a:solidFill>
+                  <a:srgbClr val="3B3B3B"/>
+                </a:solidFill>
+                <a:effectLst/>
+                <a:latin typeface="DM Mono" panose="020B0509040201040103" pitchFamily="49" charset="0"/>
+              </a:rPr>
+              <a:t>}</a:t>
+            </a:r>
+          </a:p>
+          <a:p>
+            <a:pPr>
+              <a:lnSpc>
+                <a:spcPts val="2700"/>
+              </a:lnSpc>
+              <a:buNone/>
+            </a:pPr>
+            <a:br>
+              <a:rPr lang="en-US" altLang="ko-KR" b="0" dirty="0">
+                <a:solidFill>
+                  <a:srgbClr val="3B3B3B"/>
+                </a:solidFill>
+                <a:effectLst/>
+                <a:latin typeface="DM Mono" panose="020B0509040201040103" pitchFamily="49" charset="0"/>
+              </a:rPr>
+            </a:br>
+            <a:r>
+              <a:rPr lang="en-US" altLang="ko-KR" b="0" dirty="0">
+                <a:solidFill>
+                  <a:srgbClr val="0000FF"/>
+                </a:solidFill>
+                <a:effectLst/>
+                <a:latin typeface="DM Mono" panose="020B0509040201040103" pitchFamily="49" charset="0"/>
+              </a:rPr>
+              <a:t>int</a:t>
+            </a:r>
+            <a:r>
+              <a:rPr lang="en-US" altLang="ko-KR" b="0" dirty="0">
+                <a:solidFill>
+                  <a:srgbClr val="3B3B3B"/>
+                </a:solidFill>
+                <a:effectLst/>
+                <a:latin typeface="DM Mono" panose="020B0509040201040103" pitchFamily="49" charset="0"/>
+              </a:rPr>
+              <a:t> </a:t>
+            </a:r>
+            <a:r>
+              <a:rPr lang="en-US" altLang="ko-KR" b="0" dirty="0">
+                <a:solidFill>
+                  <a:srgbClr val="795E26"/>
+                </a:solidFill>
+                <a:effectLst/>
+                <a:latin typeface="DM Mono" panose="020B0509040201040103" pitchFamily="49" charset="0"/>
+              </a:rPr>
+              <a:t>main</a:t>
+            </a:r>
+            <a:r>
+              <a:rPr lang="en-US" altLang="ko-KR" b="0" dirty="0">
+                <a:solidFill>
+                  <a:srgbClr val="3B3B3B"/>
+                </a:solidFill>
+                <a:effectLst/>
+                <a:latin typeface="DM Mono" panose="020B0509040201040103" pitchFamily="49" charset="0"/>
+              </a:rPr>
+              <a:t>()</a:t>
+            </a:r>
+          </a:p>
+          <a:p>
+            <a:pPr>
+              <a:lnSpc>
+                <a:spcPts val="2700"/>
+              </a:lnSpc>
+              <a:buNone/>
+            </a:pPr>
+            <a:r>
+              <a:rPr lang="en-US" altLang="ko-KR" b="0" dirty="0">
+                <a:solidFill>
+                  <a:srgbClr val="3B3B3B"/>
+                </a:solidFill>
+                <a:effectLst/>
+                <a:latin typeface="DM Mono" panose="020B0509040201040103" pitchFamily="49" charset="0"/>
+              </a:rPr>
+              <a:t>{</a:t>
+            </a:r>
+          </a:p>
+          <a:p>
+            <a:pPr>
+              <a:lnSpc>
+                <a:spcPts val="2700"/>
+              </a:lnSpc>
+              <a:buNone/>
+            </a:pPr>
+            <a:r>
+              <a:rPr lang="en-US" altLang="ko-KR" b="0" dirty="0">
+                <a:solidFill>
+                  <a:srgbClr val="0000FF"/>
+                </a:solidFill>
+                <a:effectLst/>
+                <a:latin typeface="DM Mono" panose="020B0509040201040103" pitchFamily="49" charset="0"/>
+              </a:rPr>
+              <a:t>int</a:t>
+            </a:r>
+            <a:r>
+              <a:rPr lang="en-US" altLang="ko-KR" b="0" dirty="0">
+                <a:solidFill>
+                  <a:srgbClr val="3B3B3B"/>
+                </a:solidFill>
+                <a:effectLst/>
+                <a:latin typeface="DM Mono" panose="020B0509040201040103" pitchFamily="49" charset="0"/>
+              </a:rPr>
+              <a:t> </a:t>
+            </a:r>
+            <a:r>
+              <a:rPr lang="en-US" altLang="ko-KR" b="0" dirty="0">
+                <a:solidFill>
+                  <a:srgbClr val="001080"/>
+                </a:solidFill>
+                <a:effectLst/>
+                <a:latin typeface="DM Mono" panose="020B0509040201040103" pitchFamily="49" charset="0"/>
+              </a:rPr>
+              <a:t>x</a:t>
+            </a:r>
+            <a:r>
+              <a:rPr lang="en-US" altLang="ko-KR" b="0" dirty="0">
+                <a:solidFill>
+                  <a:srgbClr val="3B3B3B"/>
+                </a:solidFill>
+                <a:effectLst/>
+                <a:latin typeface="DM Mono" panose="020B0509040201040103" pitchFamily="49" charset="0"/>
+              </a:rPr>
+              <a:t> </a:t>
+            </a:r>
+            <a:r>
+              <a:rPr lang="en-US" altLang="ko-KR" b="0" dirty="0">
+                <a:solidFill>
+                  <a:srgbClr val="000000"/>
+                </a:solidFill>
+                <a:effectLst/>
+                <a:latin typeface="DM Mono" panose="020B0509040201040103" pitchFamily="49" charset="0"/>
+              </a:rPr>
+              <a:t>=</a:t>
+            </a:r>
+            <a:r>
+              <a:rPr lang="en-US" altLang="ko-KR" b="0" dirty="0">
+                <a:solidFill>
+                  <a:srgbClr val="3B3B3B"/>
+                </a:solidFill>
+                <a:effectLst/>
+                <a:latin typeface="DM Mono" panose="020B0509040201040103" pitchFamily="49" charset="0"/>
+              </a:rPr>
+              <a:t> </a:t>
+            </a:r>
+            <a:r>
+              <a:rPr lang="en-US" altLang="ko-KR" b="0" dirty="0">
+                <a:solidFill>
+                  <a:srgbClr val="098658"/>
+                </a:solidFill>
+                <a:effectLst/>
+                <a:latin typeface="DM Mono" panose="020B0509040201040103" pitchFamily="49" charset="0"/>
+              </a:rPr>
+              <a:t>10</a:t>
+            </a:r>
+            <a:r>
+              <a:rPr lang="en-US" altLang="ko-KR" b="0" dirty="0">
+                <a:solidFill>
+                  <a:srgbClr val="3B3B3B"/>
+                </a:solidFill>
+                <a:effectLst/>
+                <a:latin typeface="DM Mono" panose="020B0509040201040103" pitchFamily="49" charset="0"/>
+              </a:rPr>
+              <a:t>;</a:t>
+            </a:r>
+          </a:p>
+          <a:p>
+            <a:pPr>
+              <a:lnSpc>
+                <a:spcPts val="2700"/>
+              </a:lnSpc>
+              <a:buNone/>
+            </a:pPr>
+            <a:br>
+              <a:rPr lang="en-US" altLang="ko-KR" b="0" dirty="0">
+                <a:solidFill>
+                  <a:srgbClr val="FF0000"/>
+                </a:solidFill>
+                <a:effectLst/>
+                <a:latin typeface="DM Mono" panose="020B0509040201040103" pitchFamily="49" charset="0"/>
+              </a:rPr>
+            </a:br>
+            <a:r>
+              <a:rPr lang="en-US" altLang="ko-KR" b="0" dirty="0">
+                <a:solidFill>
+                  <a:srgbClr val="FF0000"/>
+                </a:solidFill>
+                <a:effectLst/>
+                <a:latin typeface="DM Mono" panose="020B0509040201040103" pitchFamily="49" charset="0"/>
+              </a:rPr>
+              <a:t>Increment(x);</a:t>
+            </a:r>
+          </a:p>
+          <a:p>
+            <a:pPr>
+              <a:lnSpc>
+                <a:spcPts val="2700"/>
+              </a:lnSpc>
+              <a:buNone/>
+            </a:pPr>
+            <a:r>
+              <a:rPr lang="en-US" altLang="ko-KR" b="0" dirty="0" err="1">
+                <a:solidFill>
+                  <a:srgbClr val="001080"/>
+                </a:solidFill>
+                <a:effectLst/>
+                <a:latin typeface="DM Mono" panose="020B0509040201040103" pitchFamily="49" charset="0"/>
+              </a:rPr>
+              <a:t>cout</a:t>
+            </a:r>
+            <a:r>
+              <a:rPr lang="en-US" altLang="ko-KR" b="0" dirty="0">
+                <a:solidFill>
+                  <a:srgbClr val="3B3B3B"/>
+                </a:solidFill>
+                <a:effectLst/>
+                <a:latin typeface="DM Mono" panose="020B0509040201040103" pitchFamily="49" charset="0"/>
+              </a:rPr>
+              <a:t> </a:t>
+            </a:r>
+            <a:r>
+              <a:rPr lang="en-US" altLang="ko-KR" b="0" dirty="0">
+                <a:solidFill>
+                  <a:srgbClr val="795E26"/>
+                </a:solidFill>
+                <a:effectLst/>
+                <a:latin typeface="DM Mono" panose="020B0509040201040103" pitchFamily="49" charset="0"/>
+              </a:rPr>
+              <a:t>&lt;&lt;</a:t>
+            </a:r>
+            <a:r>
+              <a:rPr lang="en-US" altLang="ko-KR" b="0" dirty="0">
+                <a:solidFill>
+                  <a:srgbClr val="3B3B3B"/>
+                </a:solidFill>
+                <a:effectLst/>
+                <a:latin typeface="DM Mono" panose="020B0509040201040103" pitchFamily="49" charset="0"/>
+              </a:rPr>
+              <a:t> </a:t>
+            </a:r>
+            <a:r>
+              <a:rPr lang="en-US" altLang="ko-KR" b="0" dirty="0">
+                <a:solidFill>
+                  <a:srgbClr val="001080"/>
+                </a:solidFill>
+                <a:effectLst/>
+                <a:latin typeface="DM Mono" panose="020B0509040201040103" pitchFamily="49" charset="0"/>
+              </a:rPr>
+              <a:t>x</a:t>
+            </a:r>
+            <a:r>
+              <a:rPr lang="en-US" altLang="ko-KR" b="0" dirty="0">
+                <a:solidFill>
+                  <a:srgbClr val="3B3B3B"/>
+                </a:solidFill>
+                <a:effectLst/>
+                <a:latin typeface="DM Mono" panose="020B0509040201040103" pitchFamily="49" charset="0"/>
+              </a:rPr>
+              <a:t> </a:t>
+            </a:r>
+            <a:r>
+              <a:rPr lang="en-US" altLang="ko-KR" b="0" dirty="0">
+                <a:solidFill>
+                  <a:srgbClr val="795E26"/>
+                </a:solidFill>
+                <a:effectLst/>
+                <a:latin typeface="DM Mono" panose="020B0509040201040103" pitchFamily="49" charset="0"/>
+              </a:rPr>
+              <a:t>&lt;&lt;</a:t>
+            </a:r>
+            <a:r>
+              <a:rPr lang="en-US" altLang="ko-KR" b="0" dirty="0">
+                <a:solidFill>
+                  <a:srgbClr val="3B3B3B"/>
+                </a:solidFill>
+                <a:effectLst/>
+                <a:latin typeface="DM Mono" panose="020B0509040201040103" pitchFamily="49" charset="0"/>
+              </a:rPr>
+              <a:t> </a:t>
+            </a:r>
+            <a:r>
+              <a:rPr lang="en-US" altLang="ko-KR" b="0" dirty="0" err="1">
+                <a:solidFill>
+                  <a:srgbClr val="795E26"/>
+                </a:solidFill>
+                <a:effectLst/>
+                <a:latin typeface="DM Mono" panose="020B0509040201040103" pitchFamily="49" charset="0"/>
+              </a:rPr>
+              <a:t>endl</a:t>
+            </a:r>
+            <a:r>
+              <a:rPr lang="en-US" altLang="ko-KR" b="0" dirty="0">
+                <a:solidFill>
+                  <a:srgbClr val="3B3B3B"/>
+                </a:solidFill>
+                <a:effectLst/>
+                <a:latin typeface="DM Mono" panose="020B0509040201040103" pitchFamily="49" charset="0"/>
+              </a:rPr>
+              <a:t>;</a:t>
+            </a:r>
+          </a:p>
+          <a:p>
+            <a:pPr>
+              <a:lnSpc>
+                <a:spcPts val="2700"/>
+              </a:lnSpc>
+            </a:pPr>
+            <a:r>
+              <a:rPr lang="en-US" altLang="ko-KR" b="0" dirty="0">
+                <a:solidFill>
+                  <a:srgbClr val="3B3B3B"/>
+                </a:solidFill>
+                <a:effectLst/>
+                <a:latin typeface="DM Mono" panose="020B0509040201040103" pitchFamily="49" charset="0"/>
+              </a:rPr>
+              <a:t>}</a:t>
+            </a:r>
+          </a:p>
+        </p:txBody>
+      </p:sp>
+      <p:sp>
+        <p:nvSpPr>
+          <p:cNvPr id="6" name="직사각형 5">
+            <a:extLst>
+              <a:ext uri="{FF2B5EF4-FFF2-40B4-BE49-F238E27FC236}">
+                <a16:creationId xmlns:a16="http://schemas.microsoft.com/office/drawing/2014/main" id="{8AF16BF8-3216-7C69-FE71-21107A0B8A12}"/>
+              </a:ext>
+            </a:extLst>
+          </p:cNvPr>
+          <p:cNvSpPr/>
+          <p:nvPr/>
+        </p:nvSpPr>
+        <p:spPr>
+          <a:xfrm>
+            <a:off x="4969042" y="3429000"/>
+            <a:ext cx="3793958" cy="2490537"/>
+          </a:xfrm>
+          <a:prstGeom prst="rect">
+            <a:avLst/>
+          </a:prstGeom>
+          <a:solidFill>
+            <a:schemeClr val="bg1"/>
+          </a:solidFill>
+        </p:spPr>
+        <p:style>
+          <a:lnRef idx="2">
+            <a:schemeClr val="accent1">
+              <a:shade val="15000"/>
+            </a:schemeClr>
+          </a:lnRef>
+          <a:fillRef idx="1">
+            <a:schemeClr val="accent1"/>
+          </a:fillRef>
+          <a:effectRef idx="0">
+            <a:schemeClr val="accent1"/>
+          </a:effectRef>
+          <a:fontRef idx="minor">
+            <a:schemeClr val="lt1"/>
+          </a:fontRef>
+        </p:style>
+        <p:txBody>
+          <a:bodyPr rtlCol="0" anchor="ctr"/>
+          <a:lstStyle/>
+          <a:p>
+            <a:pPr algn="ctr"/>
+            <a:r>
+              <a:rPr kumimoji="1" lang="en-US" altLang="ko-KR" dirty="0"/>
+              <a:t>0x16ce92c2c</a:t>
+            </a:r>
+            <a:endParaRPr kumimoji="1" lang="ko-KR" altLang="en-US" dirty="0"/>
+          </a:p>
+        </p:txBody>
+      </p:sp>
+      <p:sp>
+        <p:nvSpPr>
+          <p:cNvPr id="7" name="직사각형 6">
+            <a:extLst>
+              <a:ext uri="{FF2B5EF4-FFF2-40B4-BE49-F238E27FC236}">
+                <a16:creationId xmlns:a16="http://schemas.microsoft.com/office/drawing/2014/main" id="{F598CED4-2B34-D8E0-FAEC-A87EC61113B9}"/>
+              </a:ext>
+            </a:extLst>
+          </p:cNvPr>
+          <p:cNvSpPr/>
+          <p:nvPr/>
+        </p:nvSpPr>
+        <p:spPr>
+          <a:xfrm>
+            <a:off x="6260432" y="4491101"/>
+            <a:ext cx="1287379" cy="841803"/>
+          </a:xfrm>
+          <a:prstGeom prst="rect">
+            <a:avLst/>
+          </a:prstGeom>
+        </p:spPr>
+        <p:style>
+          <a:lnRef idx="2">
+            <a:schemeClr val="accent4">
+              <a:shade val="15000"/>
+            </a:schemeClr>
+          </a:lnRef>
+          <a:fillRef idx="1">
+            <a:schemeClr val="accent4"/>
+          </a:fillRef>
+          <a:effectRef idx="0">
+            <a:schemeClr val="accent4"/>
+          </a:effectRef>
+          <a:fontRef idx="minor">
+            <a:schemeClr val="lt1"/>
+          </a:fontRef>
+        </p:style>
+        <p:txBody>
+          <a:bodyPr rtlCol="0" anchor="ctr"/>
+          <a:lstStyle/>
+          <a:p>
+            <a:pPr algn="ctr"/>
+            <a:r>
+              <a:rPr kumimoji="1" lang="en-US" altLang="ko-KR" dirty="0">
+                <a:solidFill>
+                  <a:srgbClr val="FF0000"/>
+                </a:solidFill>
+                <a:latin typeface="DM Mono" panose="020B0509040201040103" pitchFamily="49" charset="0"/>
+              </a:rPr>
+              <a:t>11</a:t>
+            </a:r>
+            <a:endParaRPr kumimoji="1" lang="ko-KR" altLang="en-US" dirty="0">
+              <a:solidFill>
+                <a:srgbClr val="FF0000"/>
+              </a:solidFill>
+              <a:latin typeface="DM Mono" panose="020B0509040201040103" pitchFamily="49" charset="0"/>
+            </a:endParaRPr>
+          </a:p>
+        </p:txBody>
+      </p:sp>
+      <p:sp>
+        <p:nvSpPr>
+          <p:cNvPr id="8" name="TextBox 7">
+            <a:extLst>
+              <a:ext uri="{FF2B5EF4-FFF2-40B4-BE49-F238E27FC236}">
+                <a16:creationId xmlns:a16="http://schemas.microsoft.com/office/drawing/2014/main" id="{4A8B7C6D-EB59-40B6-3E39-57E2E1AB36B6}"/>
+              </a:ext>
+            </a:extLst>
+          </p:cNvPr>
+          <p:cNvSpPr txBox="1"/>
+          <p:nvPr/>
+        </p:nvSpPr>
+        <p:spPr>
+          <a:xfrm>
+            <a:off x="4772025" y="4727336"/>
+            <a:ext cx="1476889" cy="369332"/>
+          </a:xfrm>
+          <a:prstGeom prst="rect">
+            <a:avLst/>
+          </a:prstGeom>
+          <a:noFill/>
+        </p:spPr>
+        <p:txBody>
+          <a:bodyPr wrap="square" rtlCol="0">
+            <a:spAutoFit/>
+          </a:bodyPr>
+          <a:lstStyle/>
+          <a:p>
+            <a:pPr algn="r"/>
+            <a:r>
+              <a:rPr kumimoji="1" lang="en-US" altLang="ko-KR" dirty="0">
+                <a:latin typeface="DM Mono" panose="020B0509040201040103" pitchFamily="49" charset="0"/>
+              </a:rPr>
+              <a:t>x</a:t>
+            </a:r>
+            <a:endParaRPr kumimoji="1" lang="ko-KR" altLang="en-US" dirty="0">
+              <a:solidFill>
+                <a:srgbClr val="FF0000"/>
+              </a:solidFill>
+              <a:latin typeface="DM Mono" panose="020B0509040201040103" pitchFamily="49" charset="0"/>
+            </a:endParaRPr>
+          </a:p>
+        </p:txBody>
+      </p:sp>
+      <p:sp>
+        <p:nvSpPr>
+          <p:cNvPr id="10" name="TextBox 9">
+            <a:extLst>
+              <a:ext uri="{FF2B5EF4-FFF2-40B4-BE49-F238E27FC236}">
+                <a16:creationId xmlns:a16="http://schemas.microsoft.com/office/drawing/2014/main" id="{AD213C07-9647-960F-DED6-CA3D75BD3632}"/>
+              </a:ext>
+            </a:extLst>
+          </p:cNvPr>
+          <p:cNvSpPr txBox="1"/>
+          <p:nvPr/>
+        </p:nvSpPr>
+        <p:spPr>
+          <a:xfrm>
+            <a:off x="5483570" y="4120338"/>
+            <a:ext cx="1638300" cy="307777"/>
+          </a:xfrm>
+          <a:prstGeom prst="rect">
+            <a:avLst/>
+          </a:prstGeom>
+          <a:noFill/>
+        </p:spPr>
+        <p:txBody>
+          <a:bodyPr wrap="square">
+            <a:spAutoFit/>
+          </a:bodyPr>
+          <a:lstStyle/>
+          <a:p>
+            <a:r>
+              <a:rPr lang="en-US" altLang="ko-KR" sz="1400" b="1" dirty="0">
+                <a:solidFill>
+                  <a:srgbClr val="FF0000"/>
+                </a:solidFill>
+                <a:latin typeface="DM Mono" panose="020B0509040201040103" pitchFamily="49" charset="0"/>
+              </a:rPr>
+              <a:t>0x100</a:t>
+            </a:r>
+            <a:endParaRPr lang="ko-KR" altLang="en-US" sz="1400" b="1" dirty="0">
+              <a:solidFill>
+                <a:srgbClr val="FF0000"/>
+              </a:solidFill>
+              <a:latin typeface="DM Mono" panose="020B0509040201040103" pitchFamily="49" charset="0"/>
+            </a:endParaRPr>
+          </a:p>
+        </p:txBody>
+      </p:sp>
+      <p:sp>
+        <p:nvSpPr>
+          <p:cNvPr id="2" name="TextBox 1">
+            <a:extLst>
+              <a:ext uri="{FF2B5EF4-FFF2-40B4-BE49-F238E27FC236}">
+                <a16:creationId xmlns:a16="http://schemas.microsoft.com/office/drawing/2014/main" id="{675CBB12-8972-FC3A-DA30-A9A06EC7DD79}"/>
+              </a:ext>
+            </a:extLst>
+          </p:cNvPr>
+          <p:cNvSpPr txBox="1"/>
+          <p:nvPr/>
+        </p:nvSpPr>
+        <p:spPr>
+          <a:xfrm>
+            <a:off x="4969042" y="3058237"/>
+            <a:ext cx="3793958" cy="307777"/>
+          </a:xfrm>
+          <a:prstGeom prst="rect">
+            <a:avLst/>
+          </a:prstGeom>
+          <a:noFill/>
+        </p:spPr>
+        <p:txBody>
+          <a:bodyPr wrap="square">
+            <a:spAutoFit/>
+          </a:bodyPr>
+          <a:lstStyle/>
+          <a:p>
+            <a:pPr algn="ctr"/>
+            <a:r>
+              <a:rPr lang="en-US" altLang="ko-KR" sz="1400" b="1" dirty="0">
+                <a:latin typeface="DM Mono" panose="020B0509040201040103" pitchFamily="49" charset="0"/>
+              </a:rPr>
+              <a:t>main</a:t>
+            </a:r>
+            <a:endParaRPr lang="ko-KR" altLang="en-US" sz="1400" b="1" dirty="0">
+              <a:latin typeface="DM Mono" panose="020B0509040201040103" pitchFamily="49" charset="0"/>
+            </a:endParaRPr>
+          </a:p>
+        </p:txBody>
+      </p:sp>
+    </p:spTree>
+    <p:extLst>
+      <p:ext uri="{BB962C8B-B14F-4D97-AF65-F5344CB8AC3E}">
+        <p14:creationId xmlns:p14="http://schemas.microsoft.com/office/powerpoint/2010/main" val="621202374"/>
       </p:ext>
     </p:extLst>
   </p:cSld>

--- a/cpp_250512.pptx
+++ b/cpp_250512.pptx
@@ -15515,6 +15515,15 @@
           <a:lstStyle/>
           <a:p>
             <a:pPr algn="ctr"/>
+            <a:r>
+              <a:rPr kumimoji="1" lang="en-US" altLang="ko-KR" dirty="0">
+                <a:solidFill>
+                  <a:srgbClr val="FF0000"/>
+                </a:solidFill>
+                <a:latin typeface="DM Mono" panose="020B0509040201040103" pitchFamily="49" charset="0"/>
+              </a:rPr>
+              <a:t>20</a:t>
+            </a:r>
             <a:endParaRPr kumimoji="1" lang="ko-KR" altLang="en-US" dirty="0">
               <a:solidFill>
                 <a:srgbClr val="FF0000"/>
@@ -15566,6 +15575,15 @@
           <a:lstStyle/>
           <a:p>
             <a:pPr algn="ctr"/>
+            <a:r>
+              <a:rPr kumimoji="1" lang="en-US" altLang="ko-KR" dirty="0">
+                <a:solidFill>
+                  <a:srgbClr val="FF0000"/>
+                </a:solidFill>
+                <a:latin typeface="DM Mono" panose="020B0509040201040103" pitchFamily="49" charset="0"/>
+              </a:rPr>
+              <a:t>30</a:t>
+            </a:r>
             <a:endParaRPr kumimoji="1" lang="ko-KR" altLang="en-US" dirty="0">
               <a:solidFill>
                 <a:srgbClr val="FF0000"/>
@@ -15742,7 +15760,7 @@
         </p:nvSpPr>
         <p:spPr>
           <a:xfrm>
-            <a:off x="7227318" y="1363788"/>
+            <a:off x="7227317" y="1901860"/>
             <a:ext cx="799081" cy="744449"/>
           </a:xfrm>
           <a:prstGeom prst="rect">
@@ -15777,7 +15795,7 @@
                 </a:solidFill>
                 <a:latin typeface="DM Mono" panose="020B0509040201040103" pitchFamily="49" charset="0"/>
               </a:rPr>
-              <a:t>1</a:t>
+              <a:t>2</a:t>
             </a:r>
             <a:endParaRPr kumimoji="1" lang="ko-KR" altLang="en-US" dirty="0">
               <a:solidFill>
@@ -15832,6 +15850,49 @@
           </a:p>
         </p:txBody>
       </p:sp>
+      <p:cxnSp>
+        <p:nvCxnSpPr>
+          <p:cNvPr id="21" name="구부러진 연결선[U] 20">
+            <a:extLst>
+              <a:ext uri="{FF2B5EF4-FFF2-40B4-BE49-F238E27FC236}">
+                <a16:creationId xmlns:a16="http://schemas.microsoft.com/office/drawing/2014/main" id="{384C1AF8-CF26-6784-A1DF-F08CC244D7C5}"/>
+              </a:ext>
+            </a:extLst>
+          </p:cNvPr>
+          <p:cNvCxnSpPr>
+            <a:cxnSpLocks/>
+            <a:stCxn id="18" idx="0"/>
+            <a:endCxn id="9" idx="2"/>
+          </p:cNvCxnSpPr>
+          <p:nvPr/>
+        </p:nvCxnSpPr>
+        <p:spPr>
+          <a:xfrm rot="5400000" flipH="1" flipV="1">
+            <a:off x="7255048" y="1530050"/>
+            <a:ext cx="743620" cy="1"/>
+          </a:xfrm>
+          <a:prstGeom prst="curvedConnector3">
+            <a:avLst/>
+          </a:prstGeom>
+          <a:ln>
+            <a:tailEnd type="triangle"/>
+          </a:ln>
+        </p:spPr>
+        <p:style>
+          <a:lnRef idx="1">
+            <a:schemeClr val="accent1"/>
+          </a:lnRef>
+          <a:fillRef idx="0">
+            <a:schemeClr val="accent1"/>
+          </a:fillRef>
+          <a:effectRef idx="0">
+            <a:schemeClr val="accent1"/>
+          </a:effectRef>
+          <a:fontRef idx="minor">
+            <a:schemeClr val="tx1"/>
+          </a:fontRef>
+        </p:style>
+      </p:cxnSp>
     </p:spTree>
     <p:extLst>
       <p:ext uri="{BB962C8B-B14F-4D97-AF65-F5344CB8AC3E}">
@@ -23455,7 +23516,7 @@
         <p:spPr>
           <a:xfrm>
             <a:off x="383362" y="588935"/>
-            <a:ext cx="6093994" cy="3284169"/>
+            <a:ext cx="6093994" cy="4566571"/>
           </a:xfrm>
           <a:prstGeom prst="rect">
             <a:avLst/>
@@ -23766,6 +23827,210 @@
               </a:rPr>
               <a:t>;</a:t>
             </a:r>
+          </a:p>
+          <a:p>
+            <a:pPr>
+              <a:lnSpc>
+                <a:spcPts val="2475"/>
+              </a:lnSpc>
+              <a:buNone/>
+            </a:pPr>
+            <a:endParaRPr lang="en-US" altLang="ko-KR" dirty="0">
+              <a:solidFill>
+                <a:srgbClr val="3B3B3B"/>
+              </a:solidFill>
+              <a:latin typeface="DM Mono" panose="020B0509040201040103" pitchFamily="49" charset="0"/>
+            </a:endParaRPr>
+          </a:p>
+          <a:p>
+            <a:pPr>
+              <a:lnSpc>
+                <a:spcPts val="2475"/>
+              </a:lnSpc>
+              <a:buNone/>
+            </a:pPr>
+            <a:r>
+              <a:rPr lang="en-US" altLang="ko-KR" b="0" dirty="0">
+                <a:solidFill>
+                  <a:srgbClr val="001080"/>
+                </a:solidFill>
+                <a:effectLst/>
+                <a:latin typeface="DM Mono" panose="020B0509040201040103" pitchFamily="49" charset="0"/>
+              </a:rPr>
+              <a:t>  pt1</a:t>
+            </a:r>
+            <a:r>
+              <a:rPr lang="en-US" altLang="ko-KR" b="0" dirty="0">
+                <a:solidFill>
+                  <a:srgbClr val="3B3B3B"/>
+                </a:solidFill>
+                <a:effectLst/>
+                <a:latin typeface="DM Mono" panose="020B0509040201040103" pitchFamily="49" charset="0"/>
+              </a:rPr>
+              <a:t>.</a:t>
+            </a:r>
+            <a:r>
+              <a:rPr lang="en-US" altLang="ko-KR" b="0" dirty="0">
+                <a:solidFill>
+                  <a:srgbClr val="001080"/>
+                </a:solidFill>
+                <a:effectLst/>
+                <a:latin typeface="DM Mono" panose="020B0509040201040103" pitchFamily="49" charset="0"/>
+              </a:rPr>
+              <a:t>x</a:t>
+            </a:r>
+            <a:r>
+              <a:rPr lang="en-US" altLang="ko-KR" b="0" dirty="0">
+                <a:solidFill>
+                  <a:srgbClr val="3B3B3B"/>
+                </a:solidFill>
+                <a:effectLst/>
+                <a:latin typeface="DM Mono" panose="020B0509040201040103" pitchFamily="49" charset="0"/>
+              </a:rPr>
+              <a:t> </a:t>
+            </a:r>
+            <a:r>
+              <a:rPr lang="en-US" altLang="ko-KR" b="0" dirty="0">
+                <a:solidFill>
+                  <a:srgbClr val="000000"/>
+                </a:solidFill>
+                <a:effectLst/>
+                <a:latin typeface="DM Mono" panose="020B0509040201040103" pitchFamily="49" charset="0"/>
+              </a:rPr>
+              <a:t>=</a:t>
+            </a:r>
+            <a:r>
+              <a:rPr lang="en-US" altLang="ko-KR" b="0" dirty="0">
+                <a:solidFill>
+                  <a:srgbClr val="3B3B3B"/>
+                </a:solidFill>
+                <a:effectLst/>
+                <a:latin typeface="DM Mono" panose="020B0509040201040103" pitchFamily="49" charset="0"/>
+              </a:rPr>
+              <a:t> </a:t>
+            </a:r>
+            <a:r>
+              <a:rPr lang="en-US" altLang="ko-KR" b="0" dirty="0">
+                <a:solidFill>
+                  <a:srgbClr val="098658"/>
+                </a:solidFill>
+                <a:effectLst/>
+                <a:latin typeface="DM Mono" panose="020B0509040201040103" pitchFamily="49" charset="0"/>
+              </a:rPr>
+              <a:t>10</a:t>
+            </a:r>
+            <a:r>
+              <a:rPr lang="en-US" altLang="ko-KR" b="0" dirty="0">
+                <a:solidFill>
+                  <a:srgbClr val="3B3B3B"/>
+                </a:solidFill>
+                <a:effectLst/>
+                <a:latin typeface="DM Mono" panose="020B0509040201040103" pitchFamily="49" charset="0"/>
+              </a:rPr>
+              <a:t>;</a:t>
+            </a:r>
+          </a:p>
+          <a:p>
+            <a:pPr>
+              <a:lnSpc>
+                <a:spcPts val="2475"/>
+              </a:lnSpc>
+            </a:pPr>
+            <a:r>
+              <a:rPr lang="en-US" altLang="ko-KR" b="0" dirty="0">
+                <a:solidFill>
+                  <a:srgbClr val="001080"/>
+                </a:solidFill>
+                <a:effectLst/>
+                <a:latin typeface="DM Mono" panose="020B0509040201040103" pitchFamily="49" charset="0"/>
+              </a:rPr>
+              <a:t>  pt1</a:t>
+            </a:r>
+            <a:r>
+              <a:rPr lang="en-US" altLang="ko-KR" b="0" dirty="0">
+                <a:solidFill>
+                  <a:srgbClr val="3B3B3B"/>
+                </a:solidFill>
+                <a:effectLst/>
+                <a:latin typeface="DM Mono" panose="020B0509040201040103" pitchFamily="49" charset="0"/>
+              </a:rPr>
+              <a:t>.</a:t>
+            </a:r>
+            <a:r>
+              <a:rPr lang="en-US" altLang="ko-KR" b="0" dirty="0">
+                <a:solidFill>
+                  <a:srgbClr val="001080"/>
+                </a:solidFill>
+                <a:effectLst/>
+                <a:latin typeface="DM Mono" panose="020B0509040201040103" pitchFamily="49" charset="0"/>
+              </a:rPr>
+              <a:t>y</a:t>
+            </a:r>
+            <a:r>
+              <a:rPr lang="en-US" altLang="ko-KR" b="0" dirty="0">
+                <a:solidFill>
+                  <a:srgbClr val="3B3B3B"/>
+                </a:solidFill>
+                <a:effectLst/>
+                <a:latin typeface="DM Mono" panose="020B0509040201040103" pitchFamily="49" charset="0"/>
+              </a:rPr>
+              <a:t> </a:t>
+            </a:r>
+            <a:r>
+              <a:rPr lang="en-US" altLang="ko-KR" b="0" dirty="0">
+                <a:solidFill>
+                  <a:srgbClr val="000000"/>
+                </a:solidFill>
+                <a:effectLst/>
+                <a:latin typeface="DM Mono" panose="020B0509040201040103" pitchFamily="49" charset="0"/>
+              </a:rPr>
+              <a:t>=</a:t>
+            </a:r>
+            <a:r>
+              <a:rPr lang="en-US" altLang="ko-KR" b="0" dirty="0">
+                <a:solidFill>
+                  <a:srgbClr val="3B3B3B"/>
+                </a:solidFill>
+                <a:effectLst/>
+                <a:latin typeface="DM Mono" panose="020B0509040201040103" pitchFamily="49" charset="0"/>
+              </a:rPr>
+              <a:t> </a:t>
+            </a:r>
+            <a:r>
+              <a:rPr lang="en-US" altLang="ko-KR" b="0" dirty="0">
+                <a:solidFill>
+                  <a:srgbClr val="098658"/>
+                </a:solidFill>
+                <a:effectLst/>
+                <a:latin typeface="DM Mono" panose="020B0509040201040103" pitchFamily="49" charset="0"/>
+              </a:rPr>
+              <a:t>20</a:t>
+            </a:r>
+            <a:r>
+              <a:rPr lang="en-US" altLang="ko-KR" b="0" dirty="0">
+                <a:solidFill>
+                  <a:srgbClr val="3B3B3B"/>
+                </a:solidFill>
+                <a:effectLst/>
+                <a:latin typeface="DM Mono" panose="020B0509040201040103" pitchFamily="49" charset="0"/>
+              </a:rPr>
+              <a:t>;</a:t>
+            </a:r>
+          </a:p>
+          <a:p>
+            <a:pPr>
+              <a:lnSpc>
+                <a:spcPts val="2475"/>
+              </a:lnSpc>
+              <a:buNone/>
+            </a:pPr>
+            <a:endParaRPr lang="en-US" altLang="ko-KR" b="0" dirty="0">
+              <a:solidFill>
+                <a:srgbClr val="3B3B3B"/>
+              </a:solidFill>
+              <a:effectLst/>
+              <a:latin typeface="DM Mono" panose="020B0509040201040103" pitchFamily="49" charset="0"/>
+            </a:endParaRPr>
           </a:p>
           <a:p>
             <a:pPr>
@@ -23881,6 +24146,15 @@
           <a:lstStyle/>
           <a:p>
             <a:pPr algn="ctr"/>
+            <a:r>
+              <a:rPr kumimoji="1" lang="en-US" altLang="ko-KR" dirty="0">
+                <a:solidFill>
+                  <a:srgbClr val="FF0000"/>
+                </a:solidFill>
+                <a:latin typeface="DM Mono" panose="020B0509040201040103" pitchFamily="49" charset="0"/>
+              </a:rPr>
+              <a:t>10</a:t>
+            </a:r>
             <a:endParaRPr kumimoji="1" lang="ko-KR" altLang="en-US" dirty="0">
               <a:solidFill>
                 <a:srgbClr val="FF0000"/>
@@ -24017,6 +24291,15 @@
           <a:lstStyle/>
           <a:p>
             <a:pPr algn="ctr"/>
+            <a:r>
+              <a:rPr kumimoji="1" lang="en-US" altLang="ko-KR" dirty="0">
+                <a:solidFill>
+                  <a:srgbClr val="FF0000"/>
+                </a:solidFill>
+                <a:latin typeface="DM Mono" panose="020B0509040201040103" pitchFamily="49" charset="0"/>
+              </a:rPr>
+              <a:t>20</a:t>
+            </a:r>
             <a:endParaRPr kumimoji="1" lang="ko-KR" altLang="en-US" dirty="0">
               <a:solidFill>
                 <a:srgbClr val="FF0000"/>

--- a/cpp_250512.pptx
+++ b/cpp_250512.pptx
@@ -33,6 +33,7 @@
     <p:sldId id="281" r:id="rId27"/>
     <p:sldId id="282" r:id="rId28"/>
     <p:sldId id="283" r:id="rId29"/>
+    <p:sldId id="284" r:id="rId30"/>
   </p:sldIdLst>
   <p:sldSz cx="12192000" cy="6858000"/>
   <p:notesSz cx="6858000" cy="9144000"/>
@@ -286,7 +287,7 @@
           <a:p>
             <a:fld id="{DA361CA8-2F01-F04C-9A7A-4673BD8D5EB0}" type="datetimeFigureOut">
               <a:rPr kumimoji="1" lang="ko-KR" altLang="en-US" smtClean="0"/>
-              <a:t>2025. 5. 13.</a:t>
+              <a:t>2025. 5. 14.</a:t>
             </a:fld>
             <a:endParaRPr kumimoji="1" lang="ko-KR" altLang="en-US"/>
           </a:p>
@@ -484,7 +485,7 @@
           <a:p>
             <a:fld id="{DA361CA8-2F01-F04C-9A7A-4673BD8D5EB0}" type="datetimeFigureOut">
               <a:rPr kumimoji="1" lang="ko-KR" altLang="en-US" smtClean="0"/>
-              <a:t>2025. 5. 13.</a:t>
+              <a:t>2025. 5. 14.</a:t>
             </a:fld>
             <a:endParaRPr kumimoji="1" lang="ko-KR" altLang="en-US"/>
           </a:p>
@@ -692,7 +693,7 @@
           <a:p>
             <a:fld id="{DA361CA8-2F01-F04C-9A7A-4673BD8D5EB0}" type="datetimeFigureOut">
               <a:rPr kumimoji="1" lang="ko-KR" altLang="en-US" smtClean="0"/>
-              <a:t>2025. 5. 13.</a:t>
+              <a:t>2025. 5. 14.</a:t>
             </a:fld>
             <a:endParaRPr kumimoji="1" lang="ko-KR" altLang="en-US"/>
           </a:p>
@@ -890,7 +891,7 @@
           <a:p>
             <a:fld id="{DA361CA8-2F01-F04C-9A7A-4673BD8D5EB0}" type="datetimeFigureOut">
               <a:rPr kumimoji="1" lang="ko-KR" altLang="en-US" smtClean="0"/>
-              <a:t>2025. 5. 13.</a:t>
+              <a:t>2025. 5. 14.</a:t>
             </a:fld>
             <a:endParaRPr kumimoji="1" lang="ko-KR" altLang="en-US"/>
           </a:p>
@@ -1165,7 +1166,7 @@
           <a:p>
             <a:fld id="{DA361CA8-2F01-F04C-9A7A-4673BD8D5EB0}" type="datetimeFigureOut">
               <a:rPr kumimoji="1" lang="ko-KR" altLang="en-US" smtClean="0"/>
-              <a:t>2025. 5. 13.</a:t>
+              <a:t>2025. 5. 14.</a:t>
             </a:fld>
             <a:endParaRPr kumimoji="1" lang="ko-KR" altLang="en-US"/>
           </a:p>
@@ -1430,7 +1431,7 @@
           <a:p>
             <a:fld id="{DA361CA8-2F01-F04C-9A7A-4673BD8D5EB0}" type="datetimeFigureOut">
               <a:rPr kumimoji="1" lang="ko-KR" altLang="en-US" smtClean="0"/>
-              <a:t>2025. 5. 13.</a:t>
+              <a:t>2025. 5. 14.</a:t>
             </a:fld>
             <a:endParaRPr kumimoji="1" lang="ko-KR" altLang="en-US"/>
           </a:p>
@@ -1842,7 +1843,7 @@
           <a:p>
             <a:fld id="{DA361CA8-2F01-F04C-9A7A-4673BD8D5EB0}" type="datetimeFigureOut">
               <a:rPr kumimoji="1" lang="ko-KR" altLang="en-US" smtClean="0"/>
-              <a:t>2025. 5. 13.</a:t>
+              <a:t>2025. 5. 14.</a:t>
             </a:fld>
             <a:endParaRPr kumimoji="1" lang="ko-KR" altLang="en-US"/>
           </a:p>
@@ -1983,7 +1984,7 @@
           <a:p>
             <a:fld id="{DA361CA8-2F01-F04C-9A7A-4673BD8D5EB0}" type="datetimeFigureOut">
               <a:rPr kumimoji="1" lang="ko-KR" altLang="en-US" smtClean="0"/>
-              <a:t>2025. 5. 13.</a:t>
+              <a:t>2025. 5. 14.</a:t>
             </a:fld>
             <a:endParaRPr kumimoji="1" lang="ko-KR" altLang="en-US"/>
           </a:p>
@@ -2096,7 +2097,7 @@
           <a:p>
             <a:fld id="{DA361CA8-2F01-F04C-9A7A-4673BD8D5EB0}" type="datetimeFigureOut">
               <a:rPr kumimoji="1" lang="ko-KR" altLang="en-US" smtClean="0"/>
-              <a:t>2025. 5. 13.</a:t>
+              <a:t>2025. 5. 14.</a:t>
             </a:fld>
             <a:endParaRPr kumimoji="1" lang="ko-KR" altLang="en-US"/>
           </a:p>
@@ -2407,7 +2408,7 @@
           <a:p>
             <a:fld id="{DA361CA8-2F01-F04C-9A7A-4673BD8D5EB0}" type="datetimeFigureOut">
               <a:rPr kumimoji="1" lang="ko-KR" altLang="en-US" smtClean="0"/>
-              <a:t>2025. 5. 13.</a:t>
+              <a:t>2025. 5. 14.</a:t>
             </a:fld>
             <a:endParaRPr kumimoji="1" lang="ko-KR" altLang="en-US"/>
           </a:p>
@@ -2695,7 +2696,7 @@
           <a:p>
             <a:fld id="{DA361CA8-2F01-F04C-9A7A-4673BD8D5EB0}" type="datetimeFigureOut">
               <a:rPr kumimoji="1" lang="ko-KR" altLang="en-US" smtClean="0"/>
-              <a:t>2025. 5. 13.</a:t>
+              <a:t>2025. 5. 14.</a:t>
             </a:fld>
             <a:endParaRPr kumimoji="1" lang="ko-KR" altLang="en-US"/>
           </a:p>
@@ -2936,7 +2937,7 @@
           <a:p>
             <a:fld id="{DA361CA8-2F01-F04C-9A7A-4673BD8D5EB0}" type="datetimeFigureOut">
               <a:rPr kumimoji="1" lang="ko-KR" altLang="en-US" smtClean="0"/>
-              <a:t>2025. 5. 13.</a:t>
+              <a:t>2025. 5. 14.</a:t>
             </a:fld>
             <a:endParaRPr kumimoji="1" lang="ko-KR" altLang="en-US"/>
           </a:p>
@@ -23516,7 +23517,7 @@
         <p:spPr>
           <a:xfrm>
             <a:off x="383362" y="588935"/>
-            <a:ext cx="6093994" cy="4566571"/>
+            <a:ext cx="6093994" cy="4278094"/>
           </a:xfrm>
           <a:prstGeom prst="rect">
             <a:avLst/>
@@ -23529,521 +23530,166 @@
           </a:bodyPr>
           <a:lstStyle/>
           <a:p>
-            <a:pPr>
-              <a:lnSpc>
-                <a:spcPts val="2475"/>
-              </a:lnSpc>
-              <a:buNone/>
-            </a:pPr>
-            <a:r>
-              <a:rPr lang="en-US" altLang="ko-KR" b="0" dirty="0">
-                <a:solidFill>
-                  <a:srgbClr val="0000FF"/>
-                </a:solidFill>
-                <a:effectLst/>
-                <a:latin typeface="DM Mono" panose="020B0509040201040103" pitchFamily="49" charset="0"/>
-              </a:rPr>
-              <a:t>struct</a:t>
-            </a:r>
-            <a:r>
-              <a:rPr lang="en-US" altLang="ko-KR" b="0" dirty="0">
-                <a:solidFill>
-                  <a:srgbClr val="3B3B3B"/>
-                </a:solidFill>
-                <a:effectLst/>
-                <a:latin typeface="DM Mono" panose="020B0509040201040103" pitchFamily="49" charset="0"/>
-              </a:rPr>
-              <a:t> </a:t>
-            </a:r>
-            <a:r>
-              <a:rPr lang="en-US" altLang="ko-KR" b="0" dirty="0">
-                <a:solidFill>
-                  <a:srgbClr val="267F99"/>
-                </a:solidFill>
-                <a:effectLst/>
-                <a:latin typeface="DM Mono" panose="020B0509040201040103" pitchFamily="49" charset="0"/>
-              </a:rPr>
-              <a:t>Point</a:t>
-            </a:r>
-            <a:endParaRPr lang="en-US" altLang="ko-KR" b="0" dirty="0">
-              <a:solidFill>
-                <a:srgbClr val="3B3B3B"/>
-              </a:solidFill>
-              <a:effectLst/>
-              <a:latin typeface="DM Mono" panose="020B0509040201040103" pitchFamily="49" charset="0"/>
-            </a:endParaRPr>
-          </a:p>
-          <a:p>
-            <a:pPr>
-              <a:lnSpc>
-                <a:spcPts val="2475"/>
-              </a:lnSpc>
-              <a:buNone/>
-            </a:pPr>
-            <a:r>
-              <a:rPr lang="en-US" altLang="ko-KR" b="0" dirty="0">
-                <a:solidFill>
-                  <a:srgbClr val="3B3B3B"/>
-                </a:solidFill>
-                <a:effectLst/>
+            <a:r>
+              <a:rPr lang="en-US" altLang="ko-KR" sz="1600" dirty="0">
+                <a:latin typeface="DM Mono" panose="020B0509040201040103" pitchFamily="49" charset="0"/>
+              </a:rPr>
+              <a:t>class Person</a:t>
+            </a:r>
+          </a:p>
+          <a:p>
+            <a:r>
+              <a:rPr lang="en-US" altLang="ko-KR" sz="1600" dirty="0">
                 <a:latin typeface="DM Mono" panose="020B0509040201040103" pitchFamily="49" charset="0"/>
               </a:rPr>
               <a:t>{</a:t>
             </a:r>
           </a:p>
           <a:p>
-            <a:pPr>
-              <a:lnSpc>
-                <a:spcPts val="2475"/>
-              </a:lnSpc>
-              <a:buNone/>
-            </a:pPr>
-            <a:r>
-              <a:rPr lang="en-US" altLang="ko-KR" b="0" dirty="0">
-                <a:solidFill>
-                  <a:srgbClr val="0000FF"/>
-                </a:solidFill>
-                <a:effectLst/>
-                <a:latin typeface="DM Mono" panose="020B0509040201040103" pitchFamily="49" charset="0"/>
-              </a:rPr>
-              <a:t>  int</a:t>
-            </a:r>
-            <a:r>
-              <a:rPr lang="en-US" altLang="ko-KR" b="0" dirty="0">
-                <a:solidFill>
-                  <a:srgbClr val="3B3B3B"/>
-                </a:solidFill>
-                <a:effectLst/>
-                <a:latin typeface="DM Mono" panose="020B0509040201040103" pitchFamily="49" charset="0"/>
-              </a:rPr>
-              <a:t> </a:t>
-            </a:r>
-            <a:r>
-              <a:rPr lang="en-US" altLang="ko-KR" b="0" dirty="0">
-                <a:solidFill>
-                  <a:srgbClr val="001080"/>
-                </a:solidFill>
-                <a:effectLst/>
-                <a:latin typeface="DM Mono" panose="020B0509040201040103" pitchFamily="49" charset="0"/>
-              </a:rPr>
-              <a:t>x</a:t>
-            </a:r>
-            <a:r>
-              <a:rPr lang="en-US" altLang="ko-KR" b="0" dirty="0">
-                <a:solidFill>
-                  <a:srgbClr val="3B3B3B"/>
-                </a:solidFill>
-                <a:effectLst/>
-                <a:latin typeface="DM Mono" panose="020B0509040201040103" pitchFamily="49" charset="0"/>
-              </a:rPr>
-              <a:t>;</a:t>
-            </a:r>
-          </a:p>
-          <a:p>
-            <a:pPr>
-              <a:lnSpc>
-                <a:spcPts val="2475"/>
-              </a:lnSpc>
-              <a:buNone/>
-            </a:pPr>
-            <a:r>
-              <a:rPr lang="en-US" altLang="ko-KR" b="0" dirty="0">
-                <a:solidFill>
-                  <a:srgbClr val="0000FF"/>
-                </a:solidFill>
-                <a:effectLst/>
-                <a:latin typeface="DM Mono" panose="020B0509040201040103" pitchFamily="49" charset="0"/>
-              </a:rPr>
-              <a:t>  int</a:t>
-            </a:r>
-            <a:r>
-              <a:rPr lang="en-US" altLang="ko-KR" b="0" dirty="0">
-                <a:solidFill>
-                  <a:srgbClr val="3B3B3B"/>
-                </a:solidFill>
-                <a:effectLst/>
-                <a:latin typeface="DM Mono" panose="020B0509040201040103" pitchFamily="49" charset="0"/>
-              </a:rPr>
-              <a:t> </a:t>
-            </a:r>
-            <a:r>
-              <a:rPr lang="en-US" altLang="ko-KR" b="0" dirty="0">
-                <a:solidFill>
-                  <a:srgbClr val="001080"/>
-                </a:solidFill>
-                <a:effectLst/>
-                <a:latin typeface="DM Mono" panose="020B0509040201040103" pitchFamily="49" charset="0"/>
-              </a:rPr>
-              <a:t>y</a:t>
-            </a:r>
-            <a:r>
-              <a:rPr lang="en-US" altLang="ko-KR" b="0" dirty="0">
-                <a:solidFill>
-                  <a:srgbClr val="3B3B3B"/>
-                </a:solidFill>
-                <a:effectLst/>
-                <a:latin typeface="DM Mono" panose="020B0509040201040103" pitchFamily="49" charset="0"/>
-              </a:rPr>
-              <a:t>;</a:t>
-            </a:r>
-          </a:p>
-          <a:p>
-            <a:pPr>
-              <a:lnSpc>
-                <a:spcPts val="2475"/>
-              </a:lnSpc>
-              <a:buNone/>
-            </a:pPr>
-            <a:r>
-              <a:rPr lang="en-US" altLang="ko-KR" b="0" dirty="0">
-                <a:solidFill>
-                  <a:srgbClr val="3B3B3B"/>
-                </a:solidFill>
-                <a:effectLst/>
+            <a:r>
+              <a:rPr lang="en-US" altLang="ko-KR" sz="1600" dirty="0">
+                <a:latin typeface="DM Mono" panose="020B0509040201040103" pitchFamily="49" charset="0"/>
+              </a:rPr>
+              <a:t>  char *name;</a:t>
+            </a:r>
+          </a:p>
+          <a:p>
+            <a:br>
+              <a:rPr lang="en-US" altLang="ko-KR" sz="1600" dirty="0">
+                <a:latin typeface="DM Mono" panose="020B0509040201040103" pitchFamily="49" charset="0"/>
+              </a:rPr>
+            </a:br>
+            <a:r>
+              <a:rPr lang="en-US" altLang="ko-KR" sz="1600" dirty="0">
+                <a:latin typeface="DM Mono" panose="020B0509040201040103" pitchFamily="49" charset="0"/>
+              </a:rPr>
+              <a:t>public:</a:t>
+            </a:r>
+          </a:p>
+          <a:p>
+            <a:r>
+              <a:rPr lang="en-US" altLang="ko-KR" sz="1600" dirty="0">
+                <a:latin typeface="DM Mono" panose="020B0509040201040103" pitchFamily="49" charset="0"/>
+              </a:rPr>
+              <a:t>  Person(const char *s)</a:t>
+            </a:r>
+          </a:p>
+          <a:p>
+            <a:r>
+              <a:rPr lang="en-US" altLang="ko-KR" sz="1600" dirty="0">
+                <a:latin typeface="DM Mono" panose="020B0509040201040103" pitchFamily="49" charset="0"/>
+              </a:rPr>
+              <a:t>  {</a:t>
+            </a:r>
+          </a:p>
+          <a:p>
+            <a:r>
+              <a:rPr lang="en-US" altLang="ko-KR" sz="1600" dirty="0">
+                <a:latin typeface="DM Mono" panose="020B0509040201040103" pitchFamily="49" charset="0"/>
+              </a:rPr>
+              <a:t>    name = new char[</a:t>
+            </a:r>
+            <a:r>
+              <a:rPr lang="en-US" altLang="ko-KR" sz="1600" dirty="0" err="1">
+                <a:latin typeface="DM Mono" panose="020B0509040201040103" pitchFamily="49" charset="0"/>
+              </a:rPr>
+              <a:t>strlen</a:t>
+            </a:r>
+            <a:r>
+              <a:rPr lang="en-US" altLang="ko-KR" sz="1600" dirty="0">
+                <a:latin typeface="DM Mono" panose="020B0509040201040103" pitchFamily="49" charset="0"/>
+              </a:rPr>
+              <a:t>(s) + 1];</a:t>
+            </a:r>
+          </a:p>
+          <a:p>
+            <a:r>
+              <a:rPr lang="en-US" altLang="ko-KR" sz="1600" dirty="0">
+                <a:latin typeface="DM Mono" panose="020B0509040201040103" pitchFamily="49" charset="0"/>
+              </a:rPr>
+              <a:t>    </a:t>
+            </a:r>
+            <a:r>
+              <a:rPr lang="en-US" altLang="ko-KR" sz="1600" dirty="0" err="1">
+                <a:latin typeface="DM Mono" panose="020B0509040201040103" pitchFamily="49" charset="0"/>
+              </a:rPr>
+              <a:t>strcpy</a:t>
+            </a:r>
+            <a:r>
+              <a:rPr lang="en-US" altLang="ko-KR" sz="1600" dirty="0">
+                <a:latin typeface="DM Mono" panose="020B0509040201040103" pitchFamily="49" charset="0"/>
+              </a:rPr>
+              <a:t>(name, s);</a:t>
+            </a:r>
+          </a:p>
+          <a:p>
+            <a:r>
+              <a:rPr lang="en-US" altLang="ko-KR" sz="1600" dirty="0">
+                <a:latin typeface="DM Mono" panose="020B0509040201040103" pitchFamily="49" charset="0"/>
+              </a:rPr>
+              <a:t>  }</a:t>
+            </a:r>
+          </a:p>
+          <a:p>
+            <a:r>
+              <a:rPr lang="en-US" altLang="ko-KR" sz="1600" dirty="0">
                 <a:latin typeface="DM Mono" panose="020B0509040201040103" pitchFamily="49" charset="0"/>
               </a:rPr>
               <a:t>};</a:t>
             </a:r>
           </a:p>
           <a:p>
-            <a:pPr>
-              <a:lnSpc>
-                <a:spcPts val="2475"/>
-              </a:lnSpc>
-              <a:buNone/>
-            </a:pPr>
             <a:br>
-              <a:rPr lang="en-US" altLang="ko-KR" b="0" dirty="0">
-                <a:solidFill>
-                  <a:srgbClr val="3B3B3B"/>
-                </a:solidFill>
-                <a:effectLst/>
+              <a:rPr lang="en-US" altLang="ko-KR" sz="1600" dirty="0">
                 <a:latin typeface="DM Mono" panose="020B0509040201040103" pitchFamily="49" charset="0"/>
               </a:rPr>
             </a:br>
             <a:r>
-              <a:rPr lang="en-US" altLang="ko-KR" b="0" dirty="0">
-                <a:solidFill>
-                  <a:srgbClr val="0000FF"/>
-                </a:solidFill>
-                <a:effectLst/>
-                <a:latin typeface="DM Mono" panose="020B0509040201040103" pitchFamily="49" charset="0"/>
-              </a:rPr>
-              <a:t>int</a:t>
-            </a:r>
-            <a:r>
-              <a:rPr lang="en-US" altLang="ko-KR" b="0" dirty="0">
-                <a:solidFill>
-                  <a:srgbClr val="3B3B3B"/>
-                </a:solidFill>
-                <a:effectLst/>
-                <a:latin typeface="DM Mono" panose="020B0509040201040103" pitchFamily="49" charset="0"/>
-              </a:rPr>
-              <a:t> </a:t>
-            </a:r>
-            <a:r>
-              <a:rPr lang="en-US" altLang="ko-KR" b="0" dirty="0">
-                <a:solidFill>
-                  <a:srgbClr val="795E26"/>
-                </a:solidFill>
-                <a:effectLst/>
-                <a:latin typeface="DM Mono" panose="020B0509040201040103" pitchFamily="49" charset="0"/>
-              </a:rPr>
-              <a:t>main</a:t>
-            </a:r>
-            <a:r>
-              <a:rPr lang="en-US" altLang="ko-KR" b="0" dirty="0">
-                <a:solidFill>
-                  <a:srgbClr val="3B3B3B"/>
-                </a:solidFill>
-                <a:effectLst/>
-                <a:latin typeface="DM Mono" panose="020B0509040201040103" pitchFamily="49" charset="0"/>
-              </a:rPr>
-              <a:t>()</a:t>
-            </a:r>
-          </a:p>
-          <a:p>
-            <a:pPr>
-              <a:lnSpc>
-                <a:spcPts val="2475"/>
-              </a:lnSpc>
-              <a:buNone/>
-            </a:pPr>
-            <a:r>
-              <a:rPr lang="en-US" altLang="ko-KR" b="0" dirty="0">
-                <a:solidFill>
-                  <a:srgbClr val="3B3B3B"/>
-                </a:solidFill>
-                <a:effectLst/>
+              <a:rPr lang="en-US" altLang="ko-KR" sz="1600" dirty="0">
+                <a:latin typeface="DM Mono" panose="020B0509040201040103" pitchFamily="49" charset="0"/>
+              </a:rPr>
+              <a:t>int main()</a:t>
+            </a:r>
+          </a:p>
+          <a:p>
+            <a:r>
+              <a:rPr lang="en-US" altLang="ko-KR" sz="1600" dirty="0">
                 <a:latin typeface="DM Mono" panose="020B0509040201040103" pitchFamily="49" charset="0"/>
               </a:rPr>
               <a:t>{</a:t>
             </a:r>
           </a:p>
           <a:p>
-            <a:pPr>
-              <a:lnSpc>
-                <a:spcPts val="2475"/>
-              </a:lnSpc>
-              <a:buNone/>
-            </a:pPr>
-            <a:r>
-              <a:rPr lang="en-US" altLang="ko-KR" b="0" dirty="0">
-                <a:solidFill>
-                  <a:srgbClr val="267F99"/>
-                </a:solidFill>
-                <a:effectLst/>
-                <a:latin typeface="DM Mono" panose="020B0509040201040103" pitchFamily="49" charset="0"/>
-              </a:rPr>
-              <a:t>  Point</a:t>
-            </a:r>
-            <a:r>
-              <a:rPr lang="en-US" altLang="ko-KR" b="0" dirty="0">
-                <a:solidFill>
-                  <a:srgbClr val="3B3B3B"/>
-                </a:solidFill>
-                <a:effectLst/>
-                <a:latin typeface="DM Mono" panose="020B0509040201040103" pitchFamily="49" charset="0"/>
-              </a:rPr>
-              <a:t> </a:t>
-            </a:r>
-            <a:r>
-              <a:rPr lang="en-US" altLang="ko-KR" b="0" dirty="0">
-                <a:solidFill>
-                  <a:srgbClr val="001080"/>
-                </a:solidFill>
-                <a:effectLst/>
-                <a:latin typeface="DM Mono" panose="020B0509040201040103" pitchFamily="49" charset="0"/>
-              </a:rPr>
-              <a:t>pt1</a:t>
-            </a:r>
-            <a:r>
-              <a:rPr lang="en-US" altLang="ko-KR" b="0" dirty="0">
-                <a:solidFill>
-                  <a:srgbClr val="3B3B3B"/>
-                </a:solidFill>
-                <a:effectLst/>
-                <a:latin typeface="DM Mono" panose="020B0509040201040103" pitchFamily="49" charset="0"/>
-              </a:rPr>
-              <a:t>;</a:t>
-            </a:r>
-          </a:p>
-          <a:p>
-            <a:pPr>
-              <a:lnSpc>
-                <a:spcPts val="2475"/>
-              </a:lnSpc>
-              <a:buNone/>
-            </a:pPr>
-            <a:endParaRPr lang="en-US" altLang="ko-KR" dirty="0">
-              <a:solidFill>
-                <a:srgbClr val="3B3B3B"/>
-              </a:solidFill>
-              <a:latin typeface="DM Mono" panose="020B0509040201040103" pitchFamily="49" charset="0"/>
-            </a:endParaRPr>
-          </a:p>
-          <a:p>
-            <a:pPr>
-              <a:lnSpc>
-                <a:spcPts val="2475"/>
-              </a:lnSpc>
-              <a:buNone/>
-            </a:pPr>
-            <a:r>
-              <a:rPr lang="en-US" altLang="ko-KR" b="0" dirty="0">
-                <a:solidFill>
-                  <a:srgbClr val="001080"/>
-                </a:solidFill>
-                <a:effectLst/>
-                <a:latin typeface="DM Mono" panose="020B0509040201040103" pitchFamily="49" charset="0"/>
-              </a:rPr>
-              <a:t>  pt1</a:t>
-            </a:r>
-            <a:r>
-              <a:rPr lang="en-US" altLang="ko-KR" b="0" dirty="0">
-                <a:solidFill>
-                  <a:srgbClr val="3B3B3B"/>
-                </a:solidFill>
-                <a:effectLst/>
-                <a:latin typeface="DM Mono" panose="020B0509040201040103" pitchFamily="49" charset="0"/>
-              </a:rPr>
-              <a:t>.</a:t>
-            </a:r>
-            <a:r>
-              <a:rPr lang="en-US" altLang="ko-KR" b="0" dirty="0">
-                <a:solidFill>
-                  <a:srgbClr val="001080"/>
-                </a:solidFill>
-                <a:effectLst/>
-                <a:latin typeface="DM Mono" panose="020B0509040201040103" pitchFamily="49" charset="0"/>
-              </a:rPr>
-              <a:t>x</a:t>
-            </a:r>
-            <a:r>
-              <a:rPr lang="en-US" altLang="ko-KR" b="0" dirty="0">
-                <a:solidFill>
-                  <a:srgbClr val="3B3B3B"/>
-                </a:solidFill>
-                <a:effectLst/>
-                <a:latin typeface="DM Mono" panose="020B0509040201040103" pitchFamily="49" charset="0"/>
-              </a:rPr>
-              <a:t> </a:t>
-            </a:r>
-            <a:r>
-              <a:rPr lang="en-US" altLang="ko-KR" b="0" dirty="0">
-                <a:solidFill>
-                  <a:srgbClr val="000000"/>
-                </a:solidFill>
-                <a:effectLst/>
-                <a:latin typeface="DM Mono" panose="020B0509040201040103" pitchFamily="49" charset="0"/>
-              </a:rPr>
-              <a:t>=</a:t>
-            </a:r>
-            <a:r>
-              <a:rPr lang="en-US" altLang="ko-KR" b="0" dirty="0">
-                <a:solidFill>
-                  <a:srgbClr val="3B3B3B"/>
-                </a:solidFill>
-                <a:effectLst/>
-                <a:latin typeface="DM Mono" panose="020B0509040201040103" pitchFamily="49" charset="0"/>
-              </a:rPr>
-              <a:t> </a:t>
-            </a:r>
-            <a:r>
-              <a:rPr lang="en-US" altLang="ko-KR" b="0" dirty="0">
-                <a:solidFill>
-                  <a:srgbClr val="098658"/>
-                </a:solidFill>
-                <a:effectLst/>
-                <a:latin typeface="DM Mono" panose="020B0509040201040103" pitchFamily="49" charset="0"/>
-              </a:rPr>
-              <a:t>10</a:t>
-            </a:r>
-            <a:r>
-              <a:rPr lang="en-US" altLang="ko-KR" b="0" dirty="0">
-                <a:solidFill>
-                  <a:srgbClr val="3B3B3B"/>
-                </a:solidFill>
-                <a:effectLst/>
-                <a:latin typeface="DM Mono" panose="020B0509040201040103" pitchFamily="49" charset="0"/>
-              </a:rPr>
-              <a:t>;</a:t>
-            </a:r>
-          </a:p>
-          <a:p>
-            <a:pPr>
-              <a:lnSpc>
-                <a:spcPts val="2475"/>
-              </a:lnSpc>
-            </a:pPr>
-            <a:r>
-              <a:rPr lang="en-US" altLang="ko-KR" b="0" dirty="0">
-                <a:solidFill>
-                  <a:srgbClr val="001080"/>
-                </a:solidFill>
-                <a:effectLst/>
-                <a:latin typeface="DM Mono" panose="020B0509040201040103" pitchFamily="49" charset="0"/>
-              </a:rPr>
-              <a:t>  pt1</a:t>
-            </a:r>
-            <a:r>
-              <a:rPr lang="en-US" altLang="ko-KR" b="0" dirty="0">
-                <a:solidFill>
-                  <a:srgbClr val="3B3B3B"/>
-                </a:solidFill>
-                <a:effectLst/>
-                <a:latin typeface="DM Mono" panose="020B0509040201040103" pitchFamily="49" charset="0"/>
-              </a:rPr>
-              <a:t>.</a:t>
-            </a:r>
-            <a:r>
-              <a:rPr lang="en-US" altLang="ko-KR" b="0" dirty="0">
-                <a:solidFill>
-                  <a:srgbClr val="001080"/>
-                </a:solidFill>
-                <a:effectLst/>
-                <a:latin typeface="DM Mono" panose="020B0509040201040103" pitchFamily="49" charset="0"/>
-              </a:rPr>
-              <a:t>y</a:t>
-            </a:r>
-            <a:r>
-              <a:rPr lang="en-US" altLang="ko-KR" b="0" dirty="0">
-                <a:solidFill>
-                  <a:srgbClr val="3B3B3B"/>
-                </a:solidFill>
-                <a:effectLst/>
-                <a:latin typeface="DM Mono" panose="020B0509040201040103" pitchFamily="49" charset="0"/>
-              </a:rPr>
-              <a:t> </a:t>
-            </a:r>
-            <a:r>
-              <a:rPr lang="en-US" altLang="ko-KR" b="0" dirty="0">
-                <a:solidFill>
-                  <a:srgbClr val="000000"/>
-                </a:solidFill>
-                <a:effectLst/>
-                <a:latin typeface="DM Mono" panose="020B0509040201040103" pitchFamily="49" charset="0"/>
-              </a:rPr>
-              <a:t>=</a:t>
-            </a:r>
-            <a:r>
-              <a:rPr lang="en-US" altLang="ko-KR" b="0" dirty="0">
-                <a:solidFill>
-                  <a:srgbClr val="3B3B3B"/>
-                </a:solidFill>
-                <a:effectLst/>
-                <a:latin typeface="DM Mono" panose="020B0509040201040103" pitchFamily="49" charset="0"/>
-              </a:rPr>
-              <a:t> </a:t>
-            </a:r>
-            <a:r>
-              <a:rPr lang="en-US" altLang="ko-KR" b="0" dirty="0">
-                <a:solidFill>
-                  <a:srgbClr val="098658"/>
-                </a:solidFill>
-                <a:effectLst/>
-                <a:latin typeface="DM Mono" panose="020B0509040201040103" pitchFamily="49" charset="0"/>
-              </a:rPr>
-              <a:t>20</a:t>
-            </a:r>
-            <a:r>
-              <a:rPr lang="en-US" altLang="ko-KR" b="0" dirty="0">
-                <a:solidFill>
-                  <a:srgbClr val="3B3B3B"/>
-                </a:solidFill>
-                <a:effectLst/>
-                <a:latin typeface="DM Mono" panose="020B0509040201040103" pitchFamily="49" charset="0"/>
-              </a:rPr>
-              <a:t>;</a:t>
-            </a:r>
-          </a:p>
-          <a:p>
-            <a:pPr>
-              <a:lnSpc>
-                <a:spcPts val="2475"/>
-              </a:lnSpc>
-              <a:buNone/>
-            </a:pPr>
-            <a:endParaRPr lang="en-US" altLang="ko-KR" b="0" dirty="0">
-              <a:solidFill>
-                <a:srgbClr val="3B3B3B"/>
-              </a:solidFill>
-              <a:effectLst/>
-              <a:latin typeface="DM Mono" panose="020B0509040201040103" pitchFamily="49" charset="0"/>
-            </a:endParaRPr>
-          </a:p>
-          <a:p>
-            <a:pPr>
-              <a:lnSpc>
-                <a:spcPts val="2475"/>
-              </a:lnSpc>
-            </a:pPr>
-            <a:r>
-              <a:rPr lang="en-US" altLang="ko-KR" b="0" dirty="0">
-                <a:solidFill>
-                  <a:srgbClr val="3B3B3B"/>
-                </a:solidFill>
-                <a:effectLst/>
+            <a:r>
+              <a:rPr lang="en-US" altLang="ko-KR" sz="1600" dirty="0">
+                <a:latin typeface="DM Mono" panose="020B0509040201040103" pitchFamily="49" charset="0"/>
+              </a:rPr>
+              <a:t>  Person person{"Tom"};</a:t>
+            </a:r>
+          </a:p>
+          <a:p>
+            <a:r>
+              <a:rPr lang="en-US" altLang="ko-KR" sz="1600" dirty="0">
+                <a:latin typeface="DM Mono" panose="020B0509040201040103" pitchFamily="49" charset="0"/>
+              </a:rPr>
+              <a:t>  </a:t>
+            </a:r>
+            <a:r>
+              <a:rPr lang="en-US" altLang="ko-KR" sz="1600" dirty="0" err="1">
+                <a:latin typeface="DM Mono" panose="020B0509040201040103" pitchFamily="49" charset="0"/>
+              </a:rPr>
+              <a:t>person.Print</a:t>
+            </a:r>
+            <a:r>
+              <a:rPr lang="en-US" altLang="ko-KR" sz="1600" dirty="0">
+                <a:latin typeface="DM Mono" panose="020B0509040201040103" pitchFamily="49" charset="0"/>
+              </a:rPr>
+              <a:t>();</a:t>
+            </a:r>
+          </a:p>
+          <a:p>
+            <a:r>
+              <a:rPr lang="en-US" altLang="ko-KR" sz="1600" dirty="0">
                 <a:latin typeface="DM Mono" panose="020B0509040201040103" pitchFamily="49" charset="0"/>
               </a:rPr>
               <a:t>}</a:t>
@@ -24106,110 +23752,6 @@
       </p:sp>
       <p:sp>
         <p:nvSpPr>
-          <p:cNvPr id="7" name="직사각형 6">
-            <a:extLst>
-              <a:ext uri="{FF2B5EF4-FFF2-40B4-BE49-F238E27FC236}">
-                <a16:creationId xmlns:a16="http://schemas.microsoft.com/office/drawing/2014/main" id="{EFDCDEA0-1DF0-1313-8DF0-6A7787B0BACF}"/>
-              </a:ext>
-            </a:extLst>
-          </p:cNvPr>
-          <p:cNvSpPr/>
-          <p:nvPr/>
-        </p:nvSpPr>
-        <p:spPr>
-          <a:xfrm>
-            <a:off x="6260432" y="4491101"/>
-            <a:ext cx="1287379" cy="369333"/>
-          </a:xfrm>
-          <a:prstGeom prst="rect">
-            <a:avLst/>
-          </a:prstGeom>
-        </p:spPr>
-        <p:style>
-          <a:lnRef idx="2">
-            <a:schemeClr val="accent4">
-              <a:shade val="15000"/>
-            </a:schemeClr>
-          </a:lnRef>
-          <a:fillRef idx="1">
-            <a:schemeClr val="accent4"/>
-          </a:fillRef>
-          <a:effectRef idx="0">
-            <a:schemeClr val="accent4"/>
-          </a:effectRef>
-          <a:fontRef idx="minor">
-            <a:schemeClr val="lt1"/>
-          </a:fontRef>
-        </p:style>
-        <p:txBody>
-          <a:bodyPr rtlCol="0" anchor="ctr"/>
-          <a:lstStyle/>
-          <a:p>
-            <a:pPr algn="ctr"/>
-            <a:r>
-              <a:rPr kumimoji="1" lang="en-US" altLang="ko-KR" dirty="0">
-                <a:solidFill>
-                  <a:srgbClr val="FF0000"/>
-                </a:solidFill>
-                <a:latin typeface="DM Mono" panose="020B0509040201040103" pitchFamily="49" charset="0"/>
-              </a:rPr>
-              <a:t>10</a:t>
-            </a:r>
-            <a:endParaRPr kumimoji="1" lang="ko-KR" altLang="en-US" dirty="0">
-              <a:solidFill>
-                <a:srgbClr val="FF0000"/>
-              </a:solidFill>
-              <a:latin typeface="DM Mono" panose="020B0509040201040103" pitchFamily="49" charset="0"/>
-            </a:endParaRPr>
-          </a:p>
-        </p:txBody>
-      </p:sp>
-      <p:sp>
-        <p:nvSpPr>
-          <p:cNvPr id="8" name="TextBox 7">
-            <a:extLst>
-              <a:ext uri="{FF2B5EF4-FFF2-40B4-BE49-F238E27FC236}">
-                <a16:creationId xmlns:a16="http://schemas.microsoft.com/office/drawing/2014/main" id="{BDBDF4D2-A071-85D4-BCC7-F2AC75DA3792}"/>
-              </a:ext>
-            </a:extLst>
-          </p:cNvPr>
-          <p:cNvSpPr txBox="1"/>
-          <p:nvPr/>
-        </p:nvSpPr>
-        <p:spPr>
-          <a:xfrm>
-            <a:off x="6494924" y="4090276"/>
-            <a:ext cx="742194" cy="369332"/>
-          </a:xfrm>
-          <a:prstGeom prst="rect">
-            <a:avLst/>
-          </a:prstGeom>
-          <a:noFill/>
-        </p:spPr>
-        <p:txBody>
-          <a:bodyPr wrap="square" rtlCol="0">
-            <a:spAutoFit/>
-          </a:bodyPr>
-          <a:lstStyle/>
-          <a:p>
-            <a:pPr algn="r"/>
-            <a:r>
-              <a:rPr kumimoji="1" lang="en-US" altLang="ko-KR" dirty="0">
-                <a:latin typeface="DM Mono" panose="020B0509040201040103" pitchFamily="49" charset="0"/>
-              </a:rPr>
-              <a:t>pt1</a:t>
-            </a:r>
-            <a:endParaRPr kumimoji="1" lang="ko-KR" altLang="en-US" dirty="0">
-              <a:solidFill>
-                <a:srgbClr val="FF0000"/>
-              </a:solidFill>
-              <a:latin typeface="DM Mono" panose="020B0509040201040103" pitchFamily="49" charset="0"/>
-            </a:endParaRPr>
-          </a:p>
-        </p:txBody>
-      </p:sp>
-      <p:sp>
-        <p:nvSpPr>
           <p:cNvPr id="2" name="TextBox 1">
             <a:extLst>
               <a:ext uri="{FF2B5EF4-FFF2-40B4-BE49-F238E27FC236}">
@@ -24251,10 +23793,10 @@
       </p:sp>
       <p:sp>
         <p:nvSpPr>
-          <p:cNvPr id="3" name="직사각형 2">
+          <p:cNvPr id="4" name="직사각형 3">
             <a:extLst>
               <a:ext uri="{FF2B5EF4-FFF2-40B4-BE49-F238E27FC236}">
-                <a16:creationId xmlns:a16="http://schemas.microsoft.com/office/drawing/2014/main" id="{1761F8FE-11F5-2BBB-6048-0175971BA150}"/>
+                <a16:creationId xmlns:a16="http://schemas.microsoft.com/office/drawing/2014/main" id="{71DD9ED7-D080-72C7-0C0F-A65081C99CC7}"/>
               </a:ext>
             </a:extLst>
           </p:cNvPr>
@@ -24263,8 +23805,8 @@
         </p:nvSpPr>
         <p:spPr>
           <a:xfrm>
-            <a:off x="6260432" y="4860434"/>
-            <a:ext cx="1287379" cy="369333"/>
+            <a:off x="6260432" y="4491101"/>
+            <a:ext cx="1287379" cy="605567"/>
           </a:xfrm>
           <a:prstGeom prst="rect">
             <a:avLst/>
@@ -24291,15 +23833,6 @@
           <a:lstStyle/>
           <a:p>
             <a:pPr algn="ctr"/>
-            <a:r>
-              <a:rPr kumimoji="1" lang="en-US" altLang="ko-KR" dirty="0">
-                <a:solidFill>
-                  <a:srgbClr val="FF0000"/>
-                </a:solidFill>
-                <a:latin typeface="DM Mono" panose="020B0509040201040103" pitchFamily="49" charset="0"/>
-              </a:rPr>
-              <a:t>20</a:t>
-            </a:r>
             <a:endParaRPr kumimoji="1" lang="ko-KR" altLang="en-US" dirty="0">
               <a:solidFill>
                 <a:srgbClr val="FF0000"/>
@@ -24311,10 +23844,10 @@
       </p:sp>
       <p:sp>
         <p:nvSpPr>
-          <p:cNvPr id="9" name="TextBox 8">
+          <p:cNvPr id="10" name="TextBox 9">
             <a:extLst>
               <a:ext uri="{FF2B5EF4-FFF2-40B4-BE49-F238E27FC236}">
-                <a16:creationId xmlns:a16="http://schemas.microsoft.com/office/drawing/2014/main" id="{E8082FD3-8891-78E0-4AEC-8C9EAEDE964F}"/>
+                <a16:creationId xmlns:a16="http://schemas.microsoft.com/office/drawing/2014/main" id="{A8D756BB-C273-A26D-1ADC-CCBFE48E6628}"/>
               </a:ext>
             </a:extLst>
           </p:cNvPr>
@@ -24323,8 +23856,8 @@
         </p:nvSpPr>
         <p:spPr>
           <a:xfrm>
-            <a:off x="5518238" y="4526988"/>
-            <a:ext cx="742194" cy="369332"/>
+            <a:off x="5210175" y="4609218"/>
+            <a:ext cx="1050257" cy="369332"/>
           </a:xfrm>
           <a:prstGeom prst="rect">
             <a:avLst/>
@@ -24342,7 +23875,7 @@
               <a:rPr kumimoji="1" lang="en-US" altLang="ko-KR" dirty="0">
                 <a:latin typeface="DM Mono" panose="020B0509040201040103" pitchFamily="49" charset="0"/>
               </a:rPr>
-              <a:t>x</a:t>
+              <a:t>name</a:t>
             </a:r>
             <a:endParaRPr kumimoji="1" lang="ko-KR" altLang="en-US" dirty="0">
               <a:solidFill>
@@ -24355,10 +23888,10 @@
       </p:sp>
       <p:sp>
         <p:nvSpPr>
-          <p:cNvPr id="12" name="TextBox 11">
+          <p:cNvPr id="11" name="TextBox 10">
             <a:extLst>
               <a:ext uri="{FF2B5EF4-FFF2-40B4-BE49-F238E27FC236}">
-                <a16:creationId xmlns:a16="http://schemas.microsoft.com/office/drawing/2014/main" id="{BABCC3B5-9F05-BC5A-C44C-E8A2F4E1CEEF}"/>
+                <a16:creationId xmlns:a16="http://schemas.microsoft.com/office/drawing/2014/main" id="{B2A4D7AA-6524-6FFA-F8A2-F43A72DE3415}"/>
               </a:ext>
             </a:extLst>
           </p:cNvPr>
@@ -24367,8 +23900,8 @@
         </p:nvSpPr>
         <p:spPr>
           <a:xfrm>
-            <a:off x="5509436" y="4860434"/>
-            <a:ext cx="742194" cy="369332"/>
+            <a:off x="5850343" y="4062711"/>
+            <a:ext cx="1476889" cy="369332"/>
           </a:xfrm>
           <a:prstGeom prst="rect">
             <a:avLst/>
@@ -24386,7 +23919,7 @@
               <a:rPr kumimoji="1" lang="en-US" altLang="ko-KR" dirty="0">
                 <a:latin typeface="DM Mono" panose="020B0509040201040103" pitchFamily="49" charset="0"/>
               </a:rPr>
-              <a:t>y</a:t>
+              <a:t>person</a:t>
             </a:r>
             <a:endParaRPr kumimoji="1" lang="ko-KR" altLang="en-US" dirty="0">
               <a:solidFill>
@@ -24401,6 +23934,708 @@
     <p:extLst>
       <p:ext uri="{BB962C8B-B14F-4D97-AF65-F5344CB8AC3E}">
         <p14:creationId xmlns:p14="http://schemas.microsoft.com/office/powerpoint/2010/main" val="3354799878"/>
+      </p:ext>
+    </p:extLst>
+  </p:cSld>
+  <p:clrMapOvr>
+    <a:masterClrMapping/>
+  </p:clrMapOvr>
+</p:sld>
+</file>
+
+<file path=ppt/slides/slide29.xml><?xml version="1.0" encoding="utf-8"?>
+<p:sld xmlns:a="http://schemas.openxmlformats.org/drawingml/2006/main" xmlns:r="http://schemas.openxmlformats.org/officeDocument/2006/relationships" xmlns:p="http://schemas.openxmlformats.org/presentationml/2006/main">
+  <p:cSld>
+    <p:spTree>
+      <p:nvGrpSpPr>
+        <p:cNvPr id="1" name="">
+          <a:extLst>
+            <a:ext uri="{FF2B5EF4-FFF2-40B4-BE49-F238E27FC236}">
+              <a16:creationId xmlns:a16="http://schemas.microsoft.com/office/drawing/2014/main" id="{B2065DA1-E172-7ED4-6827-0F8E2046499D}"/>
+            </a:ext>
+          </a:extLst>
+        </p:cNvPr>
+        <p:cNvGrpSpPr/>
+        <p:nvPr/>
+      </p:nvGrpSpPr>
+      <p:grpSpPr>
+        <a:xfrm>
+          <a:off x="0" y="0"/>
+          <a:ext cx="0" cy="0"/>
+          <a:chOff x="0" y="0"/>
+          <a:chExt cx="0" cy="0"/>
+        </a:xfrm>
+      </p:grpSpPr>
+      <p:sp>
+        <p:nvSpPr>
+          <p:cNvPr id="9" name="직사각형 8">
+            <a:extLst>
+              <a:ext uri="{FF2B5EF4-FFF2-40B4-BE49-F238E27FC236}">
+                <a16:creationId xmlns:a16="http://schemas.microsoft.com/office/drawing/2014/main" id="{DB1B4222-61C4-70A3-DDD7-9AEB98C38565}"/>
+              </a:ext>
+            </a:extLst>
+          </p:cNvPr>
+          <p:cNvSpPr/>
+          <p:nvPr/>
+        </p:nvSpPr>
+        <p:spPr>
+          <a:xfrm>
+            <a:off x="9363074" y="76201"/>
+            <a:ext cx="2619375" cy="2574098"/>
+          </a:xfrm>
+          <a:prstGeom prst="rect">
+            <a:avLst/>
+          </a:prstGeom>
+          <a:solidFill>
+            <a:schemeClr val="bg1"/>
+          </a:solidFill>
+        </p:spPr>
+        <p:style>
+          <a:lnRef idx="2">
+            <a:schemeClr val="accent1">
+              <a:shade val="15000"/>
+            </a:schemeClr>
+          </a:lnRef>
+          <a:fillRef idx="1">
+            <a:schemeClr val="accent1"/>
+          </a:fillRef>
+          <a:effectRef idx="0">
+            <a:schemeClr val="accent1"/>
+          </a:effectRef>
+          <a:fontRef idx="minor">
+            <a:schemeClr val="lt1"/>
+          </a:fontRef>
+        </p:style>
+        <p:txBody>
+          <a:bodyPr rtlCol="0" anchor="ctr"/>
+          <a:lstStyle/>
+          <a:p>
+            <a:pPr algn="ctr"/>
+            <a:r>
+              <a:rPr kumimoji="1" lang="en-US" altLang="ko-KR" dirty="0"/>
+              <a:t>0x16ce92c2c</a:t>
+            </a:r>
+            <a:endParaRPr kumimoji="1" lang="ko-KR" altLang="en-US" dirty="0"/>
+          </a:p>
+        </p:txBody>
+      </p:sp>
+      <p:sp>
+        <p:nvSpPr>
+          <p:cNvPr id="5" name="TextBox 4">
+            <a:extLst>
+              <a:ext uri="{FF2B5EF4-FFF2-40B4-BE49-F238E27FC236}">
+                <a16:creationId xmlns:a16="http://schemas.microsoft.com/office/drawing/2014/main" id="{7BA06091-A7D4-B707-3C52-838EF4FC1C67}"/>
+              </a:ext>
+            </a:extLst>
+          </p:cNvPr>
+          <p:cNvSpPr txBox="1"/>
+          <p:nvPr/>
+        </p:nvSpPr>
+        <p:spPr>
+          <a:xfrm>
+            <a:off x="383362" y="588935"/>
+            <a:ext cx="6093994" cy="4278094"/>
+          </a:xfrm>
+          <a:prstGeom prst="rect">
+            <a:avLst/>
+          </a:prstGeom>
+          <a:noFill/>
+        </p:spPr>
+        <p:txBody>
+          <a:bodyPr wrap="square">
+            <a:spAutoFit/>
+          </a:bodyPr>
+          <a:lstStyle/>
+          <a:p>
+            <a:r>
+              <a:rPr lang="en-US" altLang="ko-KR" sz="1600" dirty="0">
+                <a:latin typeface="DM Mono" panose="020B0509040201040103" pitchFamily="49" charset="0"/>
+              </a:rPr>
+              <a:t>class Person</a:t>
+            </a:r>
+          </a:p>
+          <a:p>
+            <a:r>
+              <a:rPr lang="en-US" altLang="ko-KR" sz="1600" dirty="0">
+                <a:latin typeface="DM Mono" panose="020B0509040201040103" pitchFamily="49" charset="0"/>
+              </a:rPr>
+              <a:t>{</a:t>
+            </a:r>
+          </a:p>
+          <a:p>
+            <a:r>
+              <a:rPr lang="en-US" altLang="ko-KR" sz="1600" dirty="0">
+                <a:latin typeface="DM Mono" panose="020B0509040201040103" pitchFamily="49" charset="0"/>
+              </a:rPr>
+              <a:t>  char *name;</a:t>
+            </a:r>
+          </a:p>
+          <a:p>
+            <a:br>
+              <a:rPr lang="en-US" altLang="ko-KR" sz="1600" dirty="0">
+                <a:latin typeface="DM Mono" panose="020B0509040201040103" pitchFamily="49" charset="0"/>
+              </a:rPr>
+            </a:br>
+            <a:r>
+              <a:rPr lang="en-US" altLang="ko-KR" sz="1600" dirty="0">
+                <a:latin typeface="DM Mono" panose="020B0509040201040103" pitchFamily="49" charset="0"/>
+              </a:rPr>
+              <a:t>public:</a:t>
+            </a:r>
+          </a:p>
+          <a:p>
+            <a:r>
+              <a:rPr lang="en-US" altLang="ko-KR" sz="1600" dirty="0">
+                <a:latin typeface="DM Mono" panose="020B0509040201040103" pitchFamily="49" charset="0"/>
+              </a:rPr>
+              <a:t>  </a:t>
+            </a:r>
+            <a:r>
+              <a:rPr lang="en-US" altLang="ko-KR" sz="1600" dirty="0">
+                <a:solidFill>
+                  <a:srgbClr val="FF0000"/>
+                </a:solidFill>
+                <a:latin typeface="DM Mono" panose="020B0509040201040103" pitchFamily="49" charset="0"/>
+              </a:rPr>
+              <a:t>Person(const char *s)</a:t>
+            </a:r>
+          </a:p>
+          <a:p>
+            <a:r>
+              <a:rPr lang="en-US" altLang="ko-KR" sz="1600" dirty="0">
+                <a:solidFill>
+                  <a:srgbClr val="FF0000"/>
+                </a:solidFill>
+                <a:latin typeface="DM Mono" panose="020B0509040201040103" pitchFamily="49" charset="0"/>
+              </a:rPr>
+              <a:t>  {</a:t>
+            </a:r>
+          </a:p>
+          <a:p>
+            <a:r>
+              <a:rPr lang="en-US" altLang="ko-KR" sz="1600" dirty="0">
+                <a:solidFill>
+                  <a:srgbClr val="FF0000"/>
+                </a:solidFill>
+                <a:latin typeface="DM Mono" panose="020B0509040201040103" pitchFamily="49" charset="0"/>
+              </a:rPr>
+              <a:t>    name = new char[</a:t>
+            </a:r>
+            <a:r>
+              <a:rPr lang="en-US" altLang="ko-KR" sz="1600" dirty="0" err="1">
+                <a:solidFill>
+                  <a:srgbClr val="FF0000"/>
+                </a:solidFill>
+                <a:latin typeface="DM Mono" panose="020B0509040201040103" pitchFamily="49" charset="0"/>
+              </a:rPr>
+              <a:t>strlen</a:t>
+            </a:r>
+            <a:r>
+              <a:rPr lang="en-US" altLang="ko-KR" sz="1600" dirty="0">
+                <a:solidFill>
+                  <a:srgbClr val="FF0000"/>
+                </a:solidFill>
+                <a:latin typeface="DM Mono" panose="020B0509040201040103" pitchFamily="49" charset="0"/>
+              </a:rPr>
+              <a:t>(s) + 1];</a:t>
+            </a:r>
+          </a:p>
+          <a:p>
+            <a:r>
+              <a:rPr lang="en-US" altLang="ko-KR" sz="1600" dirty="0">
+                <a:solidFill>
+                  <a:srgbClr val="FF0000"/>
+                </a:solidFill>
+                <a:latin typeface="DM Mono" panose="020B0509040201040103" pitchFamily="49" charset="0"/>
+              </a:rPr>
+              <a:t>    </a:t>
+            </a:r>
+            <a:r>
+              <a:rPr lang="en-US" altLang="ko-KR" sz="1600" dirty="0" err="1">
+                <a:solidFill>
+                  <a:srgbClr val="FF0000"/>
+                </a:solidFill>
+                <a:latin typeface="DM Mono" panose="020B0509040201040103" pitchFamily="49" charset="0"/>
+              </a:rPr>
+              <a:t>strcpy</a:t>
+            </a:r>
+            <a:r>
+              <a:rPr lang="en-US" altLang="ko-KR" sz="1600" dirty="0">
+                <a:solidFill>
+                  <a:srgbClr val="FF0000"/>
+                </a:solidFill>
+                <a:latin typeface="DM Mono" panose="020B0509040201040103" pitchFamily="49" charset="0"/>
+              </a:rPr>
+              <a:t>(name, s);</a:t>
+            </a:r>
+          </a:p>
+          <a:p>
+            <a:r>
+              <a:rPr lang="en-US" altLang="ko-KR" sz="1600" dirty="0">
+                <a:solidFill>
+                  <a:srgbClr val="FF0000"/>
+                </a:solidFill>
+                <a:latin typeface="DM Mono" panose="020B0509040201040103" pitchFamily="49" charset="0"/>
+              </a:rPr>
+              <a:t>  }</a:t>
+            </a:r>
+          </a:p>
+          <a:p>
+            <a:r>
+              <a:rPr lang="en-US" altLang="ko-KR" sz="1600" dirty="0">
+                <a:latin typeface="DM Mono" panose="020B0509040201040103" pitchFamily="49" charset="0"/>
+              </a:rPr>
+              <a:t>};</a:t>
+            </a:r>
+          </a:p>
+          <a:p>
+            <a:br>
+              <a:rPr lang="en-US" altLang="ko-KR" sz="1600" dirty="0">
+                <a:latin typeface="DM Mono" panose="020B0509040201040103" pitchFamily="49" charset="0"/>
+              </a:rPr>
+            </a:br>
+            <a:r>
+              <a:rPr lang="en-US" altLang="ko-KR" sz="1600" dirty="0">
+                <a:latin typeface="DM Mono" panose="020B0509040201040103" pitchFamily="49" charset="0"/>
+              </a:rPr>
+              <a:t>int main()</a:t>
+            </a:r>
+          </a:p>
+          <a:p>
+            <a:r>
+              <a:rPr lang="en-US" altLang="ko-KR" sz="1600" dirty="0">
+                <a:latin typeface="DM Mono" panose="020B0509040201040103" pitchFamily="49" charset="0"/>
+              </a:rPr>
+              <a:t>{</a:t>
+            </a:r>
+          </a:p>
+          <a:p>
+            <a:r>
+              <a:rPr lang="en-US" altLang="ko-KR" sz="1600" dirty="0">
+                <a:latin typeface="DM Mono" panose="020B0509040201040103" pitchFamily="49" charset="0"/>
+              </a:rPr>
+              <a:t>  </a:t>
+            </a:r>
+            <a:r>
+              <a:rPr lang="en-US" altLang="ko-KR" sz="1600" dirty="0">
+                <a:solidFill>
+                  <a:srgbClr val="FF0000"/>
+                </a:solidFill>
+                <a:latin typeface="DM Mono" panose="020B0509040201040103" pitchFamily="49" charset="0"/>
+              </a:rPr>
+              <a:t>Person person{"Tom"};</a:t>
+            </a:r>
+          </a:p>
+          <a:p>
+            <a:r>
+              <a:rPr lang="en-US" altLang="ko-KR" sz="1600" dirty="0">
+                <a:latin typeface="DM Mono" panose="020B0509040201040103" pitchFamily="49" charset="0"/>
+              </a:rPr>
+              <a:t>  </a:t>
+            </a:r>
+            <a:r>
+              <a:rPr lang="en-US" altLang="ko-KR" sz="1600" dirty="0" err="1">
+                <a:latin typeface="DM Mono" panose="020B0509040201040103" pitchFamily="49" charset="0"/>
+              </a:rPr>
+              <a:t>person.Print</a:t>
+            </a:r>
+            <a:r>
+              <a:rPr lang="en-US" altLang="ko-KR" sz="1600" dirty="0">
+                <a:latin typeface="DM Mono" panose="020B0509040201040103" pitchFamily="49" charset="0"/>
+              </a:rPr>
+              <a:t>();</a:t>
+            </a:r>
+          </a:p>
+          <a:p>
+            <a:r>
+              <a:rPr lang="en-US" altLang="ko-KR" sz="1600" dirty="0">
+                <a:latin typeface="DM Mono" panose="020B0509040201040103" pitchFamily="49" charset="0"/>
+              </a:rPr>
+              <a:t>}</a:t>
+            </a:r>
+          </a:p>
+        </p:txBody>
+      </p:sp>
+      <p:sp>
+        <p:nvSpPr>
+          <p:cNvPr id="6" name="직사각형 5">
+            <a:extLst>
+              <a:ext uri="{FF2B5EF4-FFF2-40B4-BE49-F238E27FC236}">
+                <a16:creationId xmlns:a16="http://schemas.microsoft.com/office/drawing/2014/main" id="{B8DC6E84-F564-6E46-A083-312076D4AE9A}"/>
+              </a:ext>
+            </a:extLst>
+          </p:cNvPr>
+          <p:cNvSpPr/>
+          <p:nvPr/>
+        </p:nvSpPr>
+        <p:spPr>
+          <a:xfrm>
+            <a:off x="4969042" y="3429000"/>
+            <a:ext cx="3793958" cy="2490537"/>
+          </a:xfrm>
+          <a:prstGeom prst="rect">
+            <a:avLst/>
+          </a:prstGeom>
+          <a:solidFill>
+            <a:schemeClr val="bg1"/>
+          </a:solidFill>
+        </p:spPr>
+        <p:style>
+          <a:lnRef idx="2">
+            <a:schemeClr val="accent1">
+              <a:shade val="15000"/>
+            </a:schemeClr>
+          </a:lnRef>
+          <a:fillRef idx="1">
+            <a:schemeClr val="accent1"/>
+          </a:fillRef>
+          <a:effectRef idx="0">
+            <a:schemeClr val="accent1"/>
+          </a:effectRef>
+          <a:fontRef idx="minor">
+            <a:schemeClr val="lt1"/>
+          </a:fontRef>
+        </p:style>
+        <p:txBody>
+          <a:bodyPr rtlCol="0" anchor="ctr"/>
+          <a:lstStyle/>
+          <a:p>
+            <a:pPr algn="ctr"/>
+            <a:r>
+              <a:rPr kumimoji="1" lang="en-US" altLang="ko-KR" dirty="0"/>
+              <a:t>0x16ce92c2c</a:t>
+            </a:r>
+            <a:endParaRPr kumimoji="1" lang="ko-KR" altLang="en-US" dirty="0"/>
+          </a:p>
+        </p:txBody>
+      </p:sp>
+      <p:sp>
+        <p:nvSpPr>
+          <p:cNvPr id="2" name="TextBox 1">
+            <a:extLst>
+              <a:ext uri="{FF2B5EF4-FFF2-40B4-BE49-F238E27FC236}">
+                <a16:creationId xmlns:a16="http://schemas.microsoft.com/office/drawing/2014/main" id="{7DBECB78-F8AA-4A7F-A671-37C617EB851C}"/>
+              </a:ext>
+            </a:extLst>
+          </p:cNvPr>
+          <p:cNvSpPr txBox="1"/>
+          <p:nvPr/>
+        </p:nvSpPr>
+        <p:spPr>
+          <a:xfrm>
+            <a:off x="9991725" y="2664131"/>
+            <a:ext cx="1604962" cy="307777"/>
+          </a:xfrm>
+          <a:prstGeom prst="rect">
+            <a:avLst/>
+          </a:prstGeom>
+          <a:noFill/>
+        </p:spPr>
+        <p:txBody>
+          <a:bodyPr wrap="square">
+            <a:spAutoFit/>
+          </a:bodyPr>
+          <a:lstStyle/>
+          <a:p>
+            <a:pPr algn="ctr"/>
+            <a:r>
+              <a:rPr lang="en-US" altLang="ko-KR" sz="1400" b="1" dirty="0">
+                <a:latin typeface="DM Mono" panose="020B0509040201040103" pitchFamily="49" charset="0"/>
+              </a:rPr>
+              <a:t>Heap</a:t>
+            </a:r>
+            <a:endParaRPr lang="ko-KR" altLang="en-US" sz="1400" b="1" dirty="0">
+              <a:latin typeface="DM Mono" panose="020B0509040201040103" pitchFamily="49" charset="0"/>
+            </a:endParaRPr>
+          </a:p>
+        </p:txBody>
+      </p:sp>
+      <p:sp>
+        <p:nvSpPr>
+          <p:cNvPr id="4" name="직사각형 3">
+            <a:extLst>
+              <a:ext uri="{FF2B5EF4-FFF2-40B4-BE49-F238E27FC236}">
+                <a16:creationId xmlns:a16="http://schemas.microsoft.com/office/drawing/2014/main" id="{D3C73D94-3780-C31C-3BD8-EDD0398960DE}"/>
+              </a:ext>
+            </a:extLst>
+          </p:cNvPr>
+          <p:cNvSpPr/>
+          <p:nvPr/>
+        </p:nvSpPr>
+        <p:spPr>
+          <a:xfrm>
+            <a:off x="6260432" y="4491101"/>
+            <a:ext cx="1287379" cy="605567"/>
+          </a:xfrm>
+          <a:prstGeom prst="rect">
+            <a:avLst/>
+          </a:prstGeom>
+        </p:spPr>
+        <p:style>
+          <a:lnRef idx="2">
+            <a:schemeClr val="accent4">
+              <a:shade val="15000"/>
+            </a:schemeClr>
+          </a:lnRef>
+          <a:fillRef idx="1">
+            <a:schemeClr val="accent4"/>
+          </a:fillRef>
+          <a:effectRef idx="0">
+            <a:schemeClr val="accent4"/>
+          </a:effectRef>
+          <a:fontRef idx="minor">
+            <a:schemeClr val="lt1"/>
+          </a:fontRef>
+        </p:style>
+        <p:txBody>
+          <a:bodyPr rtlCol="0" anchor="ctr"/>
+          <a:lstStyle/>
+          <a:p>
+            <a:pPr algn="ctr"/>
+            <a:endParaRPr kumimoji="1" lang="ko-KR" altLang="en-US" dirty="0">
+              <a:solidFill>
+                <a:srgbClr val="FF0000"/>
+              </a:solidFill>
+              <a:latin typeface="DM Mono" panose="020B0509040201040103" pitchFamily="49" charset="0"/>
+            </a:endParaRPr>
+          </a:p>
+        </p:txBody>
+      </p:sp>
+      <p:sp>
+        <p:nvSpPr>
+          <p:cNvPr id="10" name="TextBox 9">
+            <a:extLst>
+              <a:ext uri="{FF2B5EF4-FFF2-40B4-BE49-F238E27FC236}">
+                <a16:creationId xmlns:a16="http://schemas.microsoft.com/office/drawing/2014/main" id="{92DA099E-51BA-5D11-6AB7-B7CC3DF750D6}"/>
+              </a:ext>
+            </a:extLst>
+          </p:cNvPr>
+          <p:cNvSpPr txBox="1"/>
+          <p:nvPr/>
+        </p:nvSpPr>
+        <p:spPr>
+          <a:xfrm>
+            <a:off x="5210175" y="4609218"/>
+            <a:ext cx="1050257" cy="369332"/>
+          </a:xfrm>
+          <a:prstGeom prst="rect">
+            <a:avLst/>
+          </a:prstGeom>
+          <a:noFill/>
+        </p:spPr>
+        <p:txBody>
+          <a:bodyPr wrap="square" rtlCol="0">
+            <a:spAutoFit/>
+          </a:bodyPr>
+          <a:lstStyle/>
+          <a:p>
+            <a:pPr algn="r"/>
+            <a:r>
+              <a:rPr kumimoji="1" lang="en-US" altLang="ko-KR" dirty="0">
+                <a:latin typeface="DM Mono" panose="020B0509040201040103" pitchFamily="49" charset="0"/>
+              </a:rPr>
+              <a:t>name</a:t>
+            </a:r>
+            <a:endParaRPr kumimoji="1" lang="ko-KR" altLang="en-US" dirty="0">
+              <a:solidFill>
+                <a:srgbClr val="FF0000"/>
+              </a:solidFill>
+              <a:latin typeface="DM Mono" panose="020B0509040201040103" pitchFamily="49" charset="0"/>
+            </a:endParaRPr>
+          </a:p>
+        </p:txBody>
+      </p:sp>
+      <p:sp>
+        <p:nvSpPr>
+          <p:cNvPr id="11" name="TextBox 10">
+            <a:extLst>
+              <a:ext uri="{FF2B5EF4-FFF2-40B4-BE49-F238E27FC236}">
+                <a16:creationId xmlns:a16="http://schemas.microsoft.com/office/drawing/2014/main" id="{825548E8-6CEF-E4F3-6014-B8671BCC913B}"/>
+              </a:ext>
+            </a:extLst>
+          </p:cNvPr>
+          <p:cNvSpPr txBox="1"/>
+          <p:nvPr/>
+        </p:nvSpPr>
+        <p:spPr>
+          <a:xfrm>
+            <a:off x="5850343" y="4062711"/>
+            <a:ext cx="1476889" cy="369332"/>
+          </a:xfrm>
+          <a:prstGeom prst="rect">
+            <a:avLst/>
+          </a:prstGeom>
+          <a:noFill/>
+        </p:spPr>
+        <p:txBody>
+          <a:bodyPr wrap="square" rtlCol="0">
+            <a:spAutoFit/>
+          </a:bodyPr>
+          <a:lstStyle/>
+          <a:p>
+            <a:pPr algn="r"/>
+            <a:r>
+              <a:rPr kumimoji="1" lang="en-US" altLang="ko-KR" dirty="0">
+                <a:latin typeface="DM Mono" panose="020B0509040201040103" pitchFamily="49" charset="0"/>
+              </a:rPr>
+              <a:t>person</a:t>
+            </a:r>
+            <a:endParaRPr kumimoji="1" lang="ko-KR" altLang="en-US" dirty="0">
+              <a:solidFill>
+                <a:srgbClr val="FF0000"/>
+              </a:solidFill>
+              <a:latin typeface="DM Mono" panose="020B0509040201040103" pitchFamily="49" charset="0"/>
+            </a:endParaRPr>
+          </a:p>
+        </p:txBody>
+      </p:sp>
+      <p:sp>
+        <p:nvSpPr>
+          <p:cNvPr id="3" name="직사각형 2">
+            <a:extLst>
+              <a:ext uri="{FF2B5EF4-FFF2-40B4-BE49-F238E27FC236}">
+                <a16:creationId xmlns:a16="http://schemas.microsoft.com/office/drawing/2014/main" id="{46E44D20-EE46-4149-0746-E3552FFB0E9E}"/>
+              </a:ext>
+            </a:extLst>
+          </p:cNvPr>
+          <p:cNvSpPr/>
+          <p:nvPr/>
+        </p:nvSpPr>
+        <p:spPr>
+          <a:xfrm>
+            <a:off x="10287000" y="588936"/>
+            <a:ext cx="1432761" cy="506440"/>
+          </a:xfrm>
+          <a:prstGeom prst="rect">
+            <a:avLst/>
+          </a:prstGeom>
+        </p:spPr>
+        <p:style>
+          <a:lnRef idx="2">
+            <a:schemeClr val="accent4">
+              <a:shade val="15000"/>
+            </a:schemeClr>
+          </a:lnRef>
+          <a:fillRef idx="1">
+            <a:schemeClr val="accent4"/>
+          </a:fillRef>
+          <a:effectRef idx="0">
+            <a:schemeClr val="accent4"/>
+          </a:effectRef>
+          <a:fontRef idx="minor">
+            <a:schemeClr val="lt1"/>
+          </a:fontRef>
+        </p:style>
+        <p:txBody>
+          <a:bodyPr rtlCol="0" anchor="ctr"/>
+          <a:lstStyle/>
+          <a:p>
+            <a:pPr algn="ctr"/>
+            <a:r>
+              <a:rPr kumimoji="1" lang="en-US" altLang="ko-KR" dirty="0">
+                <a:solidFill>
+                  <a:srgbClr val="FF0000"/>
+                </a:solidFill>
+                <a:latin typeface="DM Mono" panose="020B0509040201040103" pitchFamily="49" charset="0"/>
+              </a:rPr>
+              <a:t>“Tom”</a:t>
+            </a:r>
+            <a:endParaRPr kumimoji="1" lang="ko-KR" altLang="en-US" dirty="0">
+              <a:solidFill>
+                <a:srgbClr val="FF0000"/>
+              </a:solidFill>
+              <a:latin typeface="DM Mono" panose="020B0509040201040103" pitchFamily="49" charset="0"/>
+            </a:endParaRPr>
+          </a:p>
+        </p:txBody>
+      </p:sp>
+      <p:cxnSp>
+        <p:nvCxnSpPr>
+          <p:cNvPr id="8" name="구부러진 연결선[U] 7">
+            <a:extLst>
+              <a:ext uri="{FF2B5EF4-FFF2-40B4-BE49-F238E27FC236}">
+                <a16:creationId xmlns:a16="http://schemas.microsoft.com/office/drawing/2014/main" id="{F65AF675-224C-8B67-BAAC-C2DA16004A57}"/>
+              </a:ext>
+            </a:extLst>
+          </p:cNvPr>
+          <p:cNvCxnSpPr>
+            <a:stCxn id="4" idx="3"/>
+            <a:endCxn id="3" idx="1"/>
+          </p:cNvCxnSpPr>
+          <p:nvPr/>
+        </p:nvCxnSpPr>
+        <p:spPr>
+          <a:xfrm flipV="1">
+            <a:off x="7547811" y="842156"/>
+            <a:ext cx="2739189" cy="3951729"/>
+          </a:xfrm>
+          <a:prstGeom prst="curvedConnector3">
+            <a:avLst/>
+          </a:prstGeom>
+          <a:ln>
+            <a:tailEnd type="triangle"/>
+          </a:ln>
+        </p:spPr>
+        <p:style>
+          <a:lnRef idx="1">
+            <a:schemeClr val="dk1"/>
+          </a:lnRef>
+          <a:fillRef idx="0">
+            <a:schemeClr val="dk1"/>
+          </a:fillRef>
+          <a:effectRef idx="0">
+            <a:schemeClr val="dk1"/>
+          </a:effectRef>
+          <a:fontRef idx="minor">
+            <a:schemeClr val="tx1"/>
+          </a:fontRef>
+        </p:style>
+      </p:cxnSp>
+      <p:sp>
+        <p:nvSpPr>
+          <p:cNvPr id="12" name="TextBox 11">
+            <a:extLst>
+              <a:ext uri="{FF2B5EF4-FFF2-40B4-BE49-F238E27FC236}">
+                <a16:creationId xmlns:a16="http://schemas.microsoft.com/office/drawing/2014/main" id="{D5B76B99-0C7F-172C-14CE-D4F1204E5DFA}"/>
+              </a:ext>
+            </a:extLst>
+          </p:cNvPr>
+          <p:cNvSpPr txBox="1"/>
+          <p:nvPr/>
+        </p:nvSpPr>
+        <p:spPr>
+          <a:xfrm>
+            <a:off x="5121442" y="3210637"/>
+            <a:ext cx="3793958" cy="307777"/>
+          </a:xfrm>
+          <a:prstGeom prst="rect">
+            <a:avLst/>
+          </a:prstGeom>
+          <a:noFill/>
+        </p:spPr>
+        <p:txBody>
+          <a:bodyPr wrap="square">
+            <a:spAutoFit/>
+          </a:bodyPr>
+          <a:lstStyle/>
+          <a:p>
+            <a:pPr algn="ctr"/>
+            <a:r>
+              <a:rPr lang="en-US" altLang="ko-KR" sz="1400" b="1" dirty="0">
+                <a:latin typeface="DM Mono" panose="020B0509040201040103" pitchFamily="49" charset="0"/>
+              </a:rPr>
+              <a:t>main</a:t>
+            </a:r>
+            <a:endParaRPr lang="ko-KR" altLang="en-US" sz="1400" b="1" dirty="0">
+              <a:latin typeface="DM Mono" panose="020B0509040201040103" pitchFamily="49" charset="0"/>
+            </a:endParaRPr>
+          </a:p>
+        </p:txBody>
+      </p:sp>
+    </p:spTree>
+    <p:extLst>
+      <p:ext uri="{BB962C8B-B14F-4D97-AF65-F5344CB8AC3E}">
+        <p14:creationId xmlns:p14="http://schemas.microsoft.com/office/powerpoint/2010/main" val="3458176033"/>
       </p:ext>
     </p:extLst>
   </p:cSld>

--- a/cpp_250512.pptx
+++ b/cpp_250512.pptx
@@ -34,6 +34,7 @@
     <p:sldId id="282" r:id="rId28"/>
     <p:sldId id="283" r:id="rId29"/>
     <p:sldId id="284" r:id="rId30"/>
+    <p:sldId id="285" r:id="rId31"/>
   </p:sldIdLst>
   <p:sldSz cx="12192000" cy="6858000"/>
   <p:notesSz cx="6858000" cy="9144000"/>
@@ -25422,6 +25423,1390 @@
     <p:extLst>
       <p:ext uri="{BB962C8B-B14F-4D97-AF65-F5344CB8AC3E}">
         <p14:creationId xmlns:p14="http://schemas.microsoft.com/office/powerpoint/2010/main" val="1483386776"/>
+      </p:ext>
+    </p:extLst>
+  </p:cSld>
+  <p:clrMapOvr>
+    <a:masterClrMapping/>
+  </p:clrMapOvr>
+</p:sld>
+</file>
+
+<file path=ppt/slides/slide30.xml><?xml version="1.0" encoding="utf-8"?>
+<p:sld xmlns:a="http://schemas.openxmlformats.org/drawingml/2006/main" xmlns:r="http://schemas.openxmlformats.org/officeDocument/2006/relationships" xmlns:p="http://schemas.openxmlformats.org/presentationml/2006/main">
+  <p:cSld>
+    <p:spTree>
+      <p:nvGrpSpPr>
+        <p:cNvPr id="1" name="">
+          <a:extLst>
+            <a:ext uri="{FF2B5EF4-FFF2-40B4-BE49-F238E27FC236}">
+              <a16:creationId xmlns:a16="http://schemas.microsoft.com/office/drawing/2014/main" id="{D18AA190-364A-ED7D-4B56-0178B4C9A39F}"/>
+            </a:ext>
+          </a:extLst>
+        </p:cNvPr>
+        <p:cNvGrpSpPr/>
+        <p:nvPr/>
+      </p:nvGrpSpPr>
+      <p:grpSpPr>
+        <a:xfrm>
+          <a:off x="0" y="0"/>
+          <a:ext cx="0" cy="0"/>
+          <a:chOff x="0" y="0"/>
+          <a:chExt cx="0" cy="0"/>
+        </a:xfrm>
+      </p:grpSpPr>
+      <p:sp>
+        <p:nvSpPr>
+          <p:cNvPr id="5" name="TextBox 4">
+            <a:extLst>
+              <a:ext uri="{FF2B5EF4-FFF2-40B4-BE49-F238E27FC236}">
+                <a16:creationId xmlns:a16="http://schemas.microsoft.com/office/drawing/2014/main" id="{7C4DD107-25BC-383E-9B59-02F557AAA080}"/>
+              </a:ext>
+            </a:extLst>
+          </p:cNvPr>
+          <p:cNvSpPr txBox="1"/>
+          <p:nvPr/>
+        </p:nvSpPr>
+        <p:spPr>
+          <a:xfrm>
+            <a:off x="383362" y="588935"/>
+            <a:ext cx="6093994" cy="6296852"/>
+          </a:xfrm>
+          <a:prstGeom prst="rect">
+            <a:avLst/>
+          </a:prstGeom>
+          <a:noFill/>
+        </p:spPr>
+        <p:txBody>
+          <a:bodyPr wrap="square">
+            <a:spAutoFit/>
+          </a:bodyPr>
+          <a:lstStyle/>
+          <a:p>
+            <a:pPr>
+              <a:lnSpc>
+                <a:spcPts val="2700"/>
+              </a:lnSpc>
+              <a:buNone/>
+            </a:pPr>
+            <a:r>
+              <a:rPr lang="en-US" altLang="ko-KR" sz="1600" b="0" dirty="0">
+                <a:solidFill>
+                  <a:srgbClr val="0000FF"/>
+                </a:solidFill>
+                <a:effectLst/>
+                <a:latin typeface="DM Mono" panose="020B0509040201040103" pitchFamily="49" charset="0"/>
+              </a:rPr>
+              <a:t>class</a:t>
+            </a:r>
+            <a:r>
+              <a:rPr lang="en-US" altLang="ko-KR" sz="1600" b="0" dirty="0">
+                <a:solidFill>
+                  <a:srgbClr val="3B3B3B"/>
+                </a:solidFill>
+                <a:effectLst/>
+                <a:latin typeface="DM Mono" panose="020B0509040201040103" pitchFamily="49" charset="0"/>
+              </a:rPr>
+              <a:t> </a:t>
+            </a:r>
+            <a:r>
+              <a:rPr lang="en-US" altLang="ko-KR" sz="1600" b="0" dirty="0">
+                <a:solidFill>
+                  <a:srgbClr val="267F99"/>
+                </a:solidFill>
+                <a:effectLst/>
+                <a:latin typeface="DM Mono" panose="020B0509040201040103" pitchFamily="49" charset="0"/>
+              </a:rPr>
+              <a:t>Point</a:t>
+            </a:r>
+            <a:endParaRPr lang="en-US" altLang="ko-KR" sz="1600" b="0" dirty="0">
+              <a:solidFill>
+                <a:srgbClr val="3B3B3B"/>
+              </a:solidFill>
+              <a:effectLst/>
+              <a:latin typeface="DM Mono" panose="020B0509040201040103" pitchFamily="49" charset="0"/>
+            </a:endParaRPr>
+          </a:p>
+          <a:p>
+            <a:pPr>
+              <a:lnSpc>
+                <a:spcPts val="2700"/>
+              </a:lnSpc>
+              <a:buNone/>
+            </a:pPr>
+            <a:r>
+              <a:rPr lang="en-US" altLang="ko-KR" sz="1600" b="0" dirty="0">
+                <a:solidFill>
+                  <a:srgbClr val="3B3B3B"/>
+                </a:solidFill>
+                <a:effectLst/>
+                <a:latin typeface="DM Mono" panose="020B0509040201040103" pitchFamily="49" charset="0"/>
+              </a:rPr>
+              <a:t>{</a:t>
+            </a:r>
+          </a:p>
+          <a:p>
+            <a:pPr>
+              <a:lnSpc>
+                <a:spcPts val="2700"/>
+              </a:lnSpc>
+              <a:buNone/>
+            </a:pPr>
+            <a:r>
+              <a:rPr lang="en-US" altLang="ko-KR" sz="1600" b="0" dirty="0">
+                <a:solidFill>
+                  <a:srgbClr val="0000FF"/>
+                </a:solidFill>
+                <a:effectLst/>
+                <a:latin typeface="DM Mono" panose="020B0509040201040103" pitchFamily="49" charset="0"/>
+              </a:rPr>
+              <a:t>  const</a:t>
+            </a:r>
+            <a:r>
+              <a:rPr lang="en-US" altLang="ko-KR" sz="1600" b="0" dirty="0">
+                <a:solidFill>
+                  <a:srgbClr val="3B3B3B"/>
+                </a:solidFill>
+                <a:effectLst/>
+                <a:latin typeface="DM Mono" panose="020B0509040201040103" pitchFamily="49" charset="0"/>
+              </a:rPr>
+              <a:t> </a:t>
+            </a:r>
+            <a:r>
+              <a:rPr lang="en-US" altLang="ko-KR" sz="1600" b="0" dirty="0">
+                <a:solidFill>
+                  <a:srgbClr val="0000FF"/>
+                </a:solidFill>
+                <a:effectLst/>
+                <a:latin typeface="DM Mono" panose="020B0509040201040103" pitchFamily="49" charset="0"/>
+              </a:rPr>
+              <a:t>int</a:t>
+            </a:r>
+            <a:r>
+              <a:rPr lang="en-US" altLang="ko-KR" sz="1600" b="0" dirty="0">
+                <a:solidFill>
+                  <a:srgbClr val="3B3B3B"/>
+                </a:solidFill>
+                <a:effectLst/>
+                <a:latin typeface="DM Mono" panose="020B0509040201040103" pitchFamily="49" charset="0"/>
+              </a:rPr>
+              <a:t> </a:t>
+            </a:r>
+            <a:r>
+              <a:rPr lang="en-US" altLang="ko-KR" sz="1600" b="0" dirty="0">
+                <a:solidFill>
+                  <a:srgbClr val="001080"/>
+                </a:solidFill>
+                <a:effectLst/>
+                <a:latin typeface="DM Mono" panose="020B0509040201040103" pitchFamily="49" charset="0"/>
+              </a:rPr>
+              <a:t>x</a:t>
+            </a:r>
+            <a:r>
+              <a:rPr lang="en-US" altLang="ko-KR" sz="1600" b="0" dirty="0">
+                <a:solidFill>
+                  <a:srgbClr val="3B3B3B"/>
+                </a:solidFill>
+                <a:effectLst/>
+                <a:latin typeface="DM Mono" panose="020B0509040201040103" pitchFamily="49" charset="0"/>
+              </a:rPr>
+              <a:t>;</a:t>
+            </a:r>
+          </a:p>
+          <a:p>
+            <a:pPr>
+              <a:lnSpc>
+                <a:spcPts val="2700"/>
+              </a:lnSpc>
+              <a:buNone/>
+            </a:pPr>
+            <a:r>
+              <a:rPr lang="en-US" altLang="ko-KR" sz="1600" b="0" dirty="0">
+                <a:solidFill>
+                  <a:srgbClr val="0000FF"/>
+                </a:solidFill>
+                <a:effectLst/>
+                <a:latin typeface="DM Mono" panose="020B0509040201040103" pitchFamily="49" charset="0"/>
+              </a:rPr>
+              <a:t>  const</a:t>
+            </a:r>
+            <a:r>
+              <a:rPr lang="en-US" altLang="ko-KR" sz="1600" b="0" dirty="0">
+                <a:solidFill>
+                  <a:srgbClr val="3B3B3B"/>
+                </a:solidFill>
+                <a:effectLst/>
+                <a:latin typeface="DM Mono" panose="020B0509040201040103" pitchFamily="49" charset="0"/>
+              </a:rPr>
+              <a:t> </a:t>
+            </a:r>
+            <a:r>
+              <a:rPr lang="en-US" altLang="ko-KR" sz="1600" b="0" dirty="0">
+                <a:solidFill>
+                  <a:srgbClr val="0000FF"/>
+                </a:solidFill>
+                <a:effectLst/>
+                <a:latin typeface="DM Mono" panose="020B0509040201040103" pitchFamily="49" charset="0"/>
+              </a:rPr>
+              <a:t>int</a:t>
+            </a:r>
+            <a:r>
+              <a:rPr lang="en-US" altLang="ko-KR" sz="1600" b="0" dirty="0">
+                <a:solidFill>
+                  <a:srgbClr val="3B3B3B"/>
+                </a:solidFill>
+                <a:effectLst/>
+                <a:latin typeface="DM Mono" panose="020B0509040201040103" pitchFamily="49" charset="0"/>
+              </a:rPr>
+              <a:t> </a:t>
+            </a:r>
+            <a:r>
+              <a:rPr lang="en-US" altLang="ko-KR" sz="1600" b="0" dirty="0">
+                <a:solidFill>
+                  <a:srgbClr val="001080"/>
+                </a:solidFill>
+                <a:effectLst/>
+                <a:latin typeface="DM Mono" panose="020B0509040201040103" pitchFamily="49" charset="0"/>
+              </a:rPr>
+              <a:t>y</a:t>
+            </a:r>
+            <a:r>
+              <a:rPr lang="en-US" altLang="ko-KR" sz="1600" b="0" dirty="0">
+                <a:solidFill>
+                  <a:srgbClr val="3B3B3B"/>
+                </a:solidFill>
+                <a:effectLst/>
+                <a:latin typeface="DM Mono" panose="020B0509040201040103" pitchFamily="49" charset="0"/>
+              </a:rPr>
+              <a:t>;</a:t>
+            </a:r>
+          </a:p>
+          <a:p>
+            <a:pPr>
+              <a:lnSpc>
+                <a:spcPts val="2700"/>
+              </a:lnSpc>
+              <a:buNone/>
+            </a:pPr>
+            <a:br>
+              <a:rPr lang="en-US" altLang="ko-KR" sz="1600" b="0" dirty="0">
+                <a:solidFill>
+                  <a:srgbClr val="3B3B3B"/>
+                </a:solidFill>
+                <a:effectLst/>
+                <a:latin typeface="DM Mono" panose="020B0509040201040103" pitchFamily="49" charset="0"/>
+              </a:rPr>
+            </a:br>
+            <a:r>
+              <a:rPr lang="en-US" altLang="ko-KR" sz="1600" b="0" dirty="0">
+                <a:solidFill>
+                  <a:srgbClr val="0000FF"/>
+                </a:solidFill>
+                <a:effectLst/>
+                <a:latin typeface="DM Mono" panose="020B0509040201040103" pitchFamily="49" charset="0"/>
+              </a:rPr>
+              <a:t>public:</a:t>
+            </a:r>
+            <a:endParaRPr lang="en-US" altLang="ko-KR" sz="1600" b="0" dirty="0">
+              <a:solidFill>
+                <a:srgbClr val="3B3B3B"/>
+              </a:solidFill>
+              <a:effectLst/>
+              <a:latin typeface="DM Mono" panose="020B0509040201040103" pitchFamily="49" charset="0"/>
+            </a:endParaRPr>
+          </a:p>
+          <a:p>
+            <a:pPr>
+              <a:lnSpc>
+                <a:spcPts val="2700"/>
+              </a:lnSpc>
+              <a:buNone/>
+            </a:pPr>
+            <a:r>
+              <a:rPr lang="en-US" altLang="ko-KR" sz="1600" b="0" dirty="0">
+                <a:solidFill>
+                  <a:srgbClr val="795E26"/>
+                </a:solidFill>
+                <a:effectLst/>
+                <a:latin typeface="DM Mono" panose="020B0509040201040103" pitchFamily="49" charset="0"/>
+              </a:rPr>
+              <a:t>  Point</a:t>
+            </a:r>
+            <a:r>
+              <a:rPr lang="en-US" altLang="ko-KR" sz="1600" b="0" dirty="0">
+                <a:solidFill>
+                  <a:srgbClr val="3B3B3B"/>
+                </a:solidFill>
+                <a:effectLst/>
+                <a:latin typeface="DM Mono" panose="020B0509040201040103" pitchFamily="49" charset="0"/>
+              </a:rPr>
+              <a:t>(</a:t>
+            </a:r>
+            <a:r>
+              <a:rPr lang="en-US" altLang="ko-KR" sz="1600" b="0" dirty="0">
+                <a:solidFill>
+                  <a:srgbClr val="0000FF"/>
+                </a:solidFill>
+                <a:effectLst/>
+                <a:latin typeface="DM Mono" panose="020B0509040201040103" pitchFamily="49" charset="0"/>
+              </a:rPr>
+              <a:t>int</a:t>
+            </a:r>
+            <a:r>
+              <a:rPr lang="en-US" altLang="ko-KR" sz="1600" b="0" dirty="0">
+                <a:solidFill>
+                  <a:srgbClr val="3B3B3B"/>
+                </a:solidFill>
+                <a:effectLst/>
+                <a:latin typeface="DM Mono" panose="020B0509040201040103" pitchFamily="49" charset="0"/>
+              </a:rPr>
+              <a:t> </a:t>
+            </a:r>
+            <a:r>
+              <a:rPr lang="en-US" altLang="ko-KR" sz="1600" b="0" dirty="0">
+                <a:solidFill>
+                  <a:srgbClr val="001080"/>
+                </a:solidFill>
+                <a:effectLst/>
+                <a:latin typeface="DM Mono" panose="020B0509040201040103" pitchFamily="49" charset="0"/>
+              </a:rPr>
+              <a:t>a</a:t>
+            </a:r>
+            <a:r>
+              <a:rPr lang="en-US" altLang="ko-KR" sz="1600" b="0" dirty="0">
+                <a:solidFill>
+                  <a:srgbClr val="3B3B3B"/>
+                </a:solidFill>
+                <a:effectLst/>
+                <a:latin typeface="DM Mono" panose="020B0509040201040103" pitchFamily="49" charset="0"/>
+              </a:rPr>
+              <a:t>, </a:t>
+            </a:r>
+            <a:r>
+              <a:rPr lang="en-US" altLang="ko-KR" sz="1600" b="0" dirty="0">
+                <a:solidFill>
+                  <a:srgbClr val="0000FF"/>
+                </a:solidFill>
+                <a:effectLst/>
+                <a:latin typeface="DM Mono" panose="020B0509040201040103" pitchFamily="49" charset="0"/>
+              </a:rPr>
+              <a:t>int</a:t>
+            </a:r>
+            <a:r>
+              <a:rPr lang="en-US" altLang="ko-KR" sz="1600" b="0" dirty="0">
+                <a:solidFill>
+                  <a:srgbClr val="3B3B3B"/>
+                </a:solidFill>
+                <a:effectLst/>
+                <a:latin typeface="DM Mono" panose="020B0509040201040103" pitchFamily="49" charset="0"/>
+              </a:rPr>
+              <a:t> </a:t>
+            </a:r>
+            <a:r>
+              <a:rPr lang="en-US" altLang="ko-KR" sz="1600" b="0" dirty="0">
+                <a:solidFill>
+                  <a:srgbClr val="001080"/>
+                </a:solidFill>
+                <a:effectLst/>
+                <a:latin typeface="DM Mono" panose="020B0509040201040103" pitchFamily="49" charset="0"/>
+              </a:rPr>
+              <a:t>b</a:t>
+            </a:r>
+            <a:r>
+              <a:rPr lang="en-US" altLang="ko-KR" sz="1600" b="0" dirty="0">
+                <a:solidFill>
+                  <a:srgbClr val="3B3B3B"/>
+                </a:solidFill>
+                <a:effectLst/>
+                <a:latin typeface="DM Mono" panose="020B0509040201040103" pitchFamily="49" charset="0"/>
+              </a:rPr>
+              <a:t>)</a:t>
+            </a:r>
+          </a:p>
+          <a:p>
+            <a:pPr>
+              <a:lnSpc>
+                <a:spcPts val="2700"/>
+              </a:lnSpc>
+              <a:buNone/>
+            </a:pPr>
+            <a:r>
+              <a:rPr lang="en-US" altLang="ko-KR" sz="1600" b="0" dirty="0">
+                <a:solidFill>
+                  <a:srgbClr val="3B3B3B"/>
+                </a:solidFill>
+                <a:effectLst/>
+                <a:latin typeface="DM Mono" panose="020B0509040201040103" pitchFamily="49" charset="0"/>
+              </a:rPr>
+              <a:t>    : </a:t>
+            </a:r>
+            <a:r>
+              <a:rPr lang="en-US" altLang="ko-KR" sz="1600" b="0" dirty="0">
+                <a:solidFill>
+                  <a:srgbClr val="001080"/>
+                </a:solidFill>
+                <a:effectLst/>
+                <a:latin typeface="DM Mono" panose="020B0509040201040103" pitchFamily="49" charset="0"/>
+              </a:rPr>
+              <a:t>x</a:t>
+            </a:r>
+            <a:r>
+              <a:rPr lang="en-US" altLang="ko-KR" sz="1600" b="0" dirty="0">
+                <a:solidFill>
+                  <a:srgbClr val="3B3B3B"/>
+                </a:solidFill>
+                <a:effectLst/>
+                <a:latin typeface="DM Mono" panose="020B0509040201040103" pitchFamily="49" charset="0"/>
+              </a:rPr>
+              <a:t>{</a:t>
+            </a:r>
+            <a:r>
+              <a:rPr lang="en-US" altLang="ko-KR" sz="1600" b="0" dirty="0">
+                <a:solidFill>
+                  <a:srgbClr val="001080"/>
+                </a:solidFill>
+                <a:effectLst/>
+                <a:latin typeface="DM Mono" panose="020B0509040201040103" pitchFamily="49" charset="0"/>
+              </a:rPr>
+              <a:t>a</a:t>
+            </a:r>
+            <a:r>
+              <a:rPr lang="en-US" altLang="ko-KR" sz="1600" b="0" dirty="0">
+                <a:solidFill>
+                  <a:srgbClr val="3B3B3B"/>
+                </a:solidFill>
+                <a:effectLst/>
+                <a:latin typeface="DM Mono" panose="020B0509040201040103" pitchFamily="49" charset="0"/>
+              </a:rPr>
+              <a:t>}, </a:t>
+            </a:r>
+            <a:r>
+              <a:rPr lang="en-US" altLang="ko-KR" sz="1600" b="0" dirty="0">
+                <a:solidFill>
+                  <a:srgbClr val="001080"/>
+                </a:solidFill>
+                <a:effectLst/>
+                <a:latin typeface="DM Mono" panose="020B0509040201040103" pitchFamily="49" charset="0"/>
+              </a:rPr>
+              <a:t>y</a:t>
+            </a:r>
+            <a:r>
+              <a:rPr lang="en-US" altLang="ko-KR" sz="1600" b="0" dirty="0">
+                <a:solidFill>
+                  <a:srgbClr val="3B3B3B"/>
+                </a:solidFill>
+                <a:effectLst/>
+                <a:latin typeface="DM Mono" panose="020B0509040201040103" pitchFamily="49" charset="0"/>
+              </a:rPr>
+              <a:t>{</a:t>
+            </a:r>
+            <a:r>
+              <a:rPr lang="en-US" altLang="ko-KR" sz="1600" b="0" dirty="0">
+                <a:solidFill>
+                  <a:srgbClr val="001080"/>
+                </a:solidFill>
+                <a:effectLst/>
+                <a:latin typeface="DM Mono" panose="020B0509040201040103" pitchFamily="49" charset="0"/>
+              </a:rPr>
+              <a:t>b</a:t>
+            </a:r>
+            <a:r>
+              <a:rPr lang="en-US" altLang="ko-KR" sz="1600" b="0" dirty="0">
+                <a:solidFill>
+                  <a:srgbClr val="3B3B3B"/>
+                </a:solidFill>
+                <a:effectLst/>
+                <a:latin typeface="DM Mono" panose="020B0509040201040103" pitchFamily="49" charset="0"/>
+              </a:rPr>
+              <a:t>}</a:t>
+            </a:r>
+            <a:r>
+              <a:rPr lang="en-US" altLang="ko-KR" sz="1600" b="0" dirty="0">
+                <a:solidFill>
+                  <a:srgbClr val="008000"/>
+                </a:solidFill>
+                <a:effectLst/>
+                <a:latin typeface="DM Mono" panose="020B0509040201040103" pitchFamily="49" charset="0"/>
+              </a:rPr>
+              <a:t> // </a:t>
+            </a:r>
+            <a:r>
+              <a:rPr lang="ko-KR" altLang="en-US" sz="1600" b="0" dirty="0">
+                <a:solidFill>
+                  <a:srgbClr val="008000"/>
+                </a:solidFill>
+                <a:effectLst/>
+                <a:latin typeface="DM Mono" panose="020B0509040201040103" pitchFamily="49" charset="0"/>
+              </a:rPr>
+              <a:t>초기화 리스트</a:t>
+            </a:r>
+            <a:endParaRPr lang="ko-KR" altLang="en-US" sz="1600" b="0" dirty="0">
+              <a:solidFill>
+                <a:srgbClr val="3B3B3B"/>
+              </a:solidFill>
+              <a:effectLst/>
+              <a:latin typeface="DM Mono" panose="020B0509040201040103" pitchFamily="49" charset="0"/>
+            </a:endParaRPr>
+          </a:p>
+          <a:p>
+            <a:pPr>
+              <a:lnSpc>
+                <a:spcPts val="2700"/>
+              </a:lnSpc>
+              <a:buNone/>
+            </a:pPr>
+            <a:r>
+              <a:rPr lang="en-US" altLang="ko-KR" sz="1600" b="0" dirty="0">
+                <a:solidFill>
+                  <a:srgbClr val="3B3B3B"/>
+                </a:solidFill>
+                <a:effectLst/>
+                <a:latin typeface="DM Mono" panose="020B0509040201040103" pitchFamily="49" charset="0"/>
+              </a:rPr>
+              <a:t>  {</a:t>
+            </a:r>
+          </a:p>
+          <a:p>
+            <a:pPr>
+              <a:lnSpc>
+                <a:spcPts val="2700"/>
+              </a:lnSpc>
+              <a:buNone/>
+            </a:pPr>
+            <a:r>
+              <a:rPr lang="en-US" altLang="ko-KR" sz="1600" b="0" dirty="0">
+                <a:solidFill>
+                  <a:srgbClr val="3B3B3B"/>
+                </a:solidFill>
+                <a:effectLst/>
+                <a:latin typeface="DM Mono" panose="020B0509040201040103" pitchFamily="49" charset="0"/>
+              </a:rPr>
+              <a:t>  }</a:t>
+            </a:r>
+            <a:br>
+              <a:rPr lang="en-US" altLang="ko-KR" sz="1600" b="0" dirty="0">
+                <a:solidFill>
+                  <a:srgbClr val="3B3B3B"/>
+                </a:solidFill>
+                <a:effectLst/>
+                <a:latin typeface="DM Mono" panose="020B0509040201040103" pitchFamily="49" charset="0"/>
+              </a:rPr>
+            </a:br>
+            <a:r>
+              <a:rPr lang="en-US" altLang="ko-KR" sz="1600" b="0" dirty="0">
+                <a:solidFill>
+                  <a:srgbClr val="3B3B3B"/>
+                </a:solidFill>
+                <a:effectLst/>
+                <a:latin typeface="DM Mono" panose="020B0509040201040103" pitchFamily="49" charset="0"/>
+              </a:rPr>
+              <a:t>};</a:t>
+            </a:r>
+          </a:p>
+          <a:p>
+            <a:pPr>
+              <a:lnSpc>
+                <a:spcPts val="2700"/>
+              </a:lnSpc>
+              <a:buNone/>
+            </a:pPr>
+            <a:br>
+              <a:rPr lang="en-US" altLang="ko-KR" sz="1600" b="0" dirty="0">
+                <a:solidFill>
+                  <a:srgbClr val="3B3B3B"/>
+                </a:solidFill>
+                <a:effectLst/>
+                <a:latin typeface="DM Mono" panose="020B0509040201040103" pitchFamily="49" charset="0"/>
+              </a:rPr>
+            </a:br>
+            <a:r>
+              <a:rPr lang="en-US" altLang="ko-KR" sz="1600" b="0" dirty="0">
+                <a:solidFill>
+                  <a:srgbClr val="0000FF"/>
+                </a:solidFill>
+                <a:effectLst/>
+                <a:latin typeface="DM Mono" panose="020B0509040201040103" pitchFamily="49" charset="0"/>
+              </a:rPr>
+              <a:t>int</a:t>
+            </a:r>
+            <a:r>
+              <a:rPr lang="en-US" altLang="ko-KR" sz="1600" b="0" dirty="0">
+                <a:solidFill>
+                  <a:srgbClr val="3B3B3B"/>
+                </a:solidFill>
+                <a:effectLst/>
+                <a:latin typeface="DM Mono" panose="020B0509040201040103" pitchFamily="49" charset="0"/>
+              </a:rPr>
+              <a:t> </a:t>
+            </a:r>
+            <a:r>
+              <a:rPr lang="en-US" altLang="ko-KR" sz="1600" b="0" dirty="0">
+                <a:solidFill>
+                  <a:srgbClr val="795E26"/>
+                </a:solidFill>
+                <a:effectLst/>
+                <a:latin typeface="DM Mono" panose="020B0509040201040103" pitchFamily="49" charset="0"/>
+              </a:rPr>
+              <a:t>main</a:t>
+            </a:r>
+            <a:r>
+              <a:rPr lang="en-US" altLang="ko-KR" sz="1600" b="0" dirty="0">
+                <a:solidFill>
+                  <a:srgbClr val="3B3B3B"/>
+                </a:solidFill>
+                <a:effectLst/>
+                <a:latin typeface="DM Mono" panose="020B0509040201040103" pitchFamily="49" charset="0"/>
+              </a:rPr>
+              <a:t>()</a:t>
+            </a:r>
+          </a:p>
+          <a:p>
+            <a:pPr>
+              <a:lnSpc>
+                <a:spcPts val="2700"/>
+              </a:lnSpc>
+              <a:buNone/>
+            </a:pPr>
+            <a:r>
+              <a:rPr lang="en-US" altLang="ko-KR" sz="1600" b="0" dirty="0">
+                <a:solidFill>
+                  <a:srgbClr val="3B3B3B"/>
+                </a:solidFill>
+                <a:effectLst/>
+                <a:latin typeface="DM Mono" panose="020B0509040201040103" pitchFamily="49" charset="0"/>
+              </a:rPr>
+              <a:t>{</a:t>
+            </a:r>
+          </a:p>
+          <a:p>
+            <a:pPr>
+              <a:lnSpc>
+                <a:spcPts val="2700"/>
+              </a:lnSpc>
+              <a:buNone/>
+            </a:pPr>
+            <a:r>
+              <a:rPr lang="en-US" altLang="ko-KR" sz="1600" b="0" dirty="0">
+                <a:solidFill>
+                  <a:srgbClr val="267F99"/>
+                </a:solidFill>
+                <a:effectLst/>
+                <a:latin typeface="DM Mono" panose="020B0509040201040103" pitchFamily="49" charset="0"/>
+              </a:rPr>
+              <a:t>Point</a:t>
+            </a:r>
+            <a:r>
+              <a:rPr lang="en-US" altLang="ko-KR" sz="1600" b="0" dirty="0">
+                <a:solidFill>
+                  <a:srgbClr val="3B3B3B"/>
+                </a:solidFill>
+                <a:effectLst/>
+                <a:latin typeface="DM Mono" panose="020B0509040201040103" pitchFamily="49" charset="0"/>
+              </a:rPr>
+              <a:t> </a:t>
+            </a:r>
+            <a:r>
+              <a:rPr lang="en-US" altLang="ko-KR" sz="1600" b="0" dirty="0">
+                <a:solidFill>
+                  <a:srgbClr val="001080"/>
+                </a:solidFill>
+                <a:effectLst/>
+                <a:latin typeface="DM Mono" panose="020B0509040201040103" pitchFamily="49" charset="0"/>
+              </a:rPr>
+              <a:t>pt</a:t>
+            </a:r>
+            <a:r>
+              <a:rPr lang="en-US" altLang="ko-KR" sz="1600" b="0" dirty="0">
+                <a:solidFill>
+                  <a:srgbClr val="3B3B3B"/>
+                </a:solidFill>
+                <a:effectLst/>
+                <a:latin typeface="DM Mono" panose="020B0509040201040103" pitchFamily="49" charset="0"/>
+              </a:rPr>
+              <a:t>{</a:t>
+            </a:r>
+            <a:r>
+              <a:rPr lang="en-US" altLang="ko-KR" sz="1600" b="0" dirty="0">
+                <a:solidFill>
+                  <a:srgbClr val="098658"/>
+                </a:solidFill>
+                <a:effectLst/>
+                <a:latin typeface="DM Mono" panose="020B0509040201040103" pitchFamily="49" charset="0"/>
+              </a:rPr>
+              <a:t>10</a:t>
+            </a:r>
+            <a:r>
+              <a:rPr lang="en-US" altLang="ko-KR" sz="1600" b="0" dirty="0">
+                <a:solidFill>
+                  <a:srgbClr val="3B3B3B"/>
+                </a:solidFill>
+                <a:effectLst/>
+                <a:latin typeface="DM Mono" panose="020B0509040201040103" pitchFamily="49" charset="0"/>
+              </a:rPr>
+              <a:t>, </a:t>
+            </a:r>
+            <a:r>
+              <a:rPr lang="en-US" altLang="ko-KR" sz="1600" b="0" dirty="0">
+                <a:solidFill>
+                  <a:srgbClr val="098658"/>
+                </a:solidFill>
+                <a:effectLst/>
+                <a:latin typeface="DM Mono" panose="020B0509040201040103" pitchFamily="49" charset="0"/>
+              </a:rPr>
+              <a:t>20</a:t>
+            </a:r>
+            <a:r>
+              <a:rPr lang="en-US" altLang="ko-KR" sz="1600" b="0" dirty="0">
+                <a:solidFill>
+                  <a:srgbClr val="3B3B3B"/>
+                </a:solidFill>
+                <a:effectLst/>
+                <a:latin typeface="DM Mono" panose="020B0509040201040103" pitchFamily="49" charset="0"/>
+              </a:rPr>
+              <a:t>};</a:t>
+            </a:r>
+          </a:p>
+          <a:p>
+            <a:pPr>
+              <a:lnSpc>
+                <a:spcPts val="2700"/>
+              </a:lnSpc>
+              <a:buNone/>
+            </a:pPr>
+            <a:endParaRPr lang="en-US" altLang="ko-KR" sz="1600" dirty="0">
+              <a:solidFill>
+                <a:srgbClr val="3B3B3B"/>
+              </a:solidFill>
+              <a:latin typeface="DM Mono" panose="020B0509040201040103" pitchFamily="49" charset="0"/>
+            </a:endParaRPr>
+          </a:p>
+          <a:p>
+            <a:pPr>
+              <a:lnSpc>
+                <a:spcPts val="2700"/>
+              </a:lnSpc>
+              <a:buNone/>
+            </a:pPr>
+            <a:r>
+              <a:rPr lang="en-US" altLang="ko-KR" sz="1600" b="0" dirty="0">
+                <a:solidFill>
+                  <a:srgbClr val="3B3B3B"/>
+                </a:solidFill>
+                <a:effectLst/>
+                <a:latin typeface="DM Mono" panose="020B0509040201040103" pitchFamily="49" charset="0"/>
+              </a:rPr>
+              <a:t>Point pt2{100, 200}</a:t>
+            </a:r>
+          </a:p>
+          <a:p>
+            <a:pPr>
+              <a:lnSpc>
+                <a:spcPts val="2700"/>
+              </a:lnSpc>
+            </a:pPr>
+            <a:r>
+              <a:rPr lang="en-US" altLang="ko-KR" sz="1600" b="0" dirty="0">
+                <a:solidFill>
+                  <a:srgbClr val="3B3B3B"/>
+                </a:solidFill>
+                <a:effectLst/>
+                <a:latin typeface="DM Mono" panose="020B0509040201040103" pitchFamily="49" charset="0"/>
+              </a:rPr>
+              <a:t>}</a:t>
+            </a:r>
+          </a:p>
+        </p:txBody>
+      </p:sp>
+      <p:sp>
+        <p:nvSpPr>
+          <p:cNvPr id="6" name="직사각형 5">
+            <a:extLst>
+              <a:ext uri="{FF2B5EF4-FFF2-40B4-BE49-F238E27FC236}">
+                <a16:creationId xmlns:a16="http://schemas.microsoft.com/office/drawing/2014/main" id="{E8C8D83F-AB64-A272-00C4-B7EA5A439907}"/>
+              </a:ext>
+            </a:extLst>
+          </p:cNvPr>
+          <p:cNvSpPr/>
+          <p:nvPr/>
+        </p:nvSpPr>
+        <p:spPr>
+          <a:xfrm>
+            <a:off x="5210175" y="1828800"/>
+            <a:ext cx="6093993" cy="4090737"/>
+          </a:xfrm>
+          <a:prstGeom prst="rect">
+            <a:avLst/>
+          </a:prstGeom>
+          <a:solidFill>
+            <a:schemeClr val="bg1"/>
+          </a:solidFill>
+        </p:spPr>
+        <p:style>
+          <a:lnRef idx="2">
+            <a:schemeClr val="accent1">
+              <a:shade val="15000"/>
+            </a:schemeClr>
+          </a:lnRef>
+          <a:fillRef idx="1">
+            <a:schemeClr val="accent1"/>
+          </a:fillRef>
+          <a:effectRef idx="0">
+            <a:schemeClr val="accent1"/>
+          </a:effectRef>
+          <a:fontRef idx="minor">
+            <a:schemeClr val="lt1"/>
+          </a:fontRef>
+        </p:style>
+        <p:txBody>
+          <a:bodyPr rtlCol="0" anchor="ctr"/>
+          <a:lstStyle/>
+          <a:p>
+            <a:pPr algn="ctr"/>
+            <a:r>
+              <a:rPr kumimoji="1" lang="en-US" altLang="ko-KR" dirty="0"/>
+              <a:t>0x16ce92c2c</a:t>
+            </a:r>
+            <a:endParaRPr kumimoji="1" lang="ko-KR" altLang="en-US" dirty="0"/>
+          </a:p>
+        </p:txBody>
+      </p:sp>
+      <p:sp>
+        <p:nvSpPr>
+          <p:cNvPr id="4" name="직사각형 3">
+            <a:extLst>
+              <a:ext uri="{FF2B5EF4-FFF2-40B4-BE49-F238E27FC236}">
+                <a16:creationId xmlns:a16="http://schemas.microsoft.com/office/drawing/2014/main" id="{C3FB133B-2835-F37D-73B3-FD0BA1E59718}"/>
+              </a:ext>
+            </a:extLst>
+          </p:cNvPr>
+          <p:cNvSpPr/>
+          <p:nvPr/>
+        </p:nvSpPr>
+        <p:spPr>
+          <a:xfrm>
+            <a:off x="6260432" y="4491101"/>
+            <a:ext cx="1287379" cy="605567"/>
+          </a:xfrm>
+          <a:prstGeom prst="rect">
+            <a:avLst/>
+          </a:prstGeom>
+        </p:spPr>
+        <p:style>
+          <a:lnRef idx="2">
+            <a:schemeClr val="accent4">
+              <a:shade val="15000"/>
+            </a:schemeClr>
+          </a:lnRef>
+          <a:fillRef idx="1">
+            <a:schemeClr val="accent4"/>
+          </a:fillRef>
+          <a:effectRef idx="0">
+            <a:schemeClr val="accent4"/>
+          </a:effectRef>
+          <a:fontRef idx="minor">
+            <a:schemeClr val="lt1"/>
+          </a:fontRef>
+        </p:style>
+        <p:txBody>
+          <a:bodyPr rtlCol="0" anchor="ctr"/>
+          <a:lstStyle/>
+          <a:p>
+            <a:pPr algn="ctr"/>
+            <a:r>
+              <a:rPr kumimoji="1" lang="en-US" altLang="ko-KR" dirty="0">
+                <a:solidFill>
+                  <a:srgbClr val="FF0000"/>
+                </a:solidFill>
+                <a:latin typeface="DM Mono" panose="020B0509040201040103" pitchFamily="49" charset="0"/>
+              </a:rPr>
+              <a:t>10</a:t>
+            </a:r>
+            <a:endParaRPr kumimoji="1" lang="ko-KR" altLang="en-US" dirty="0">
+              <a:solidFill>
+                <a:srgbClr val="FF0000"/>
+              </a:solidFill>
+              <a:latin typeface="DM Mono" panose="020B0509040201040103" pitchFamily="49" charset="0"/>
+            </a:endParaRPr>
+          </a:p>
+        </p:txBody>
+      </p:sp>
+      <p:sp>
+        <p:nvSpPr>
+          <p:cNvPr id="10" name="TextBox 9">
+            <a:extLst>
+              <a:ext uri="{FF2B5EF4-FFF2-40B4-BE49-F238E27FC236}">
+                <a16:creationId xmlns:a16="http://schemas.microsoft.com/office/drawing/2014/main" id="{A69872A9-099B-D3C4-53ED-CA849EEF7D64}"/>
+              </a:ext>
+            </a:extLst>
+          </p:cNvPr>
+          <p:cNvSpPr txBox="1"/>
+          <p:nvPr/>
+        </p:nvSpPr>
+        <p:spPr>
+          <a:xfrm>
+            <a:off x="5210175" y="4609218"/>
+            <a:ext cx="1050257" cy="369332"/>
+          </a:xfrm>
+          <a:prstGeom prst="rect">
+            <a:avLst/>
+          </a:prstGeom>
+          <a:noFill/>
+        </p:spPr>
+        <p:txBody>
+          <a:bodyPr wrap="square" rtlCol="0">
+            <a:spAutoFit/>
+          </a:bodyPr>
+          <a:lstStyle/>
+          <a:p>
+            <a:pPr algn="r"/>
+            <a:r>
+              <a:rPr kumimoji="1" lang="en-US" altLang="ko-KR" dirty="0">
+                <a:latin typeface="DM Mono" panose="020B0509040201040103" pitchFamily="49" charset="0"/>
+              </a:rPr>
+              <a:t>x</a:t>
+            </a:r>
+            <a:endParaRPr kumimoji="1" lang="ko-KR" altLang="en-US" dirty="0">
+              <a:latin typeface="DM Mono" panose="020B0509040201040103" pitchFamily="49" charset="0"/>
+            </a:endParaRPr>
+          </a:p>
+        </p:txBody>
+      </p:sp>
+      <p:sp>
+        <p:nvSpPr>
+          <p:cNvPr id="11" name="TextBox 10">
+            <a:extLst>
+              <a:ext uri="{FF2B5EF4-FFF2-40B4-BE49-F238E27FC236}">
+                <a16:creationId xmlns:a16="http://schemas.microsoft.com/office/drawing/2014/main" id="{16875957-59C8-4F62-D0E1-C89DB58713CB}"/>
+              </a:ext>
+            </a:extLst>
+          </p:cNvPr>
+          <p:cNvSpPr txBox="1"/>
+          <p:nvPr/>
+        </p:nvSpPr>
+        <p:spPr>
+          <a:xfrm>
+            <a:off x="5738911" y="4070201"/>
+            <a:ext cx="1476889" cy="369332"/>
+          </a:xfrm>
+          <a:prstGeom prst="rect">
+            <a:avLst/>
+          </a:prstGeom>
+          <a:noFill/>
+        </p:spPr>
+        <p:txBody>
+          <a:bodyPr wrap="square" rtlCol="0">
+            <a:spAutoFit/>
+          </a:bodyPr>
+          <a:lstStyle/>
+          <a:p>
+            <a:pPr algn="r"/>
+            <a:r>
+              <a:rPr kumimoji="1" lang="en-US" altLang="ko-KR" dirty="0">
+                <a:latin typeface="DM Mono" panose="020B0509040201040103" pitchFamily="49" charset="0"/>
+              </a:rPr>
+              <a:t>pt</a:t>
+            </a:r>
+            <a:endParaRPr kumimoji="1" lang="ko-KR" altLang="en-US" dirty="0">
+              <a:solidFill>
+                <a:srgbClr val="FF0000"/>
+              </a:solidFill>
+              <a:latin typeface="DM Mono" panose="020B0509040201040103" pitchFamily="49" charset="0"/>
+            </a:endParaRPr>
+          </a:p>
+        </p:txBody>
+      </p:sp>
+      <p:sp>
+        <p:nvSpPr>
+          <p:cNvPr id="12" name="TextBox 11">
+            <a:extLst>
+              <a:ext uri="{FF2B5EF4-FFF2-40B4-BE49-F238E27FC236}">
+                <a16:creationId xmlns:a16="http://schemas.microsoft.com/office/drawing/2014/main" id="{1B9D9115-6935-CE03-7E1B-26FA826F5218}"/>
+              </a:ext>
+            </a:extLst>
+          </p:cNvPr>
+          <p:cNvSpPr txBox="1"/>
+          <p:nvPr/>
+        </p:nvSpPr>
+        <p:spPr>
+          <a:xfrm>
+            <a:off x="6169192" y="1429462"/>
+            <a:ext cx="3793958" cy="307777"/>
+          </a:xfrm>
+          <a:prstGeom prst="rect">
+            <a:avLst/>
+          </a:prstGeom>
+          <a:noFill/>
+        </p:spPr>
+        <p:txBody>
+          <a:bodyPr wrap="square">
+            <a:spAutoFit/>
+          </a:bodyPr>
+          <a:lstStyle/>
+          <a:p>
+            <a:pPr algn="ctr"/>
+            <a:r>
+              <a:rPr lang="en-US" altLang="ko-KR" sz="1400" b="1" dirty="0">
+                <a:latin typeface="DM Mono" panose="020B0509040201040103" pitchFamily="49" charset="0"/>
+              </a:rPr>
+              <a:t>main</a:t>
+            </a:r>
+            <a:endParaRPr lang="ko-KR" altLang="en-US" sz="1400" b="1" dirty="0">
+              <a:latin typeface="DM Mono" panose="020B0509040201040103" pitchFamily="49" charset="0"/>
+            </a:endParaRPr>
+          </a:p>
+        </p:txBody>
+      </p:sp>
+      <p:sp>
+        <p:nvSpPr>
+          <p:cNvPr id="7" name="직사각형 6">
+            <a:extLst>
+              <a:ext uri="{FF2B5EF4-FFF2-40B4-BE49-F238E27FC236}">
+                <a16:creationId xmlns:a16="http://schemas.microsoft.com/office/drawing/2014/main" id="{0ABD40F3-1815-8C7E-CADE-72A7E199CE33}"/>
+              </a:ext>
+            </a:extLst>
+          </p:cNvPr>
+          <p:cNvSpPr/>
+          <p:nvPr/>
+        </p:nvSpPr>
+        <p:spPr>
+          <a:xfrm>
+            <a:off x="6260432" y="5096667"/>
+            <a:ext cx="1287379" cy="605567"/>
+          </a:xfrm>
+          <a:prstGeom prst="rect">
+            <a:avLst/>
+          </a:prstGeom>
+        </p:spPr>
+        <p:style>
+          <a:lnRef idx="2">
+            <a:schemeClr val="accent4">
+              <a:shade val="15000"/>
+            </a:schemeClr>
+          </a:lnRef>
+          <a:fillRef idx="1">
+            <a:schemeClr val="accent4"/>
+          </a:fillRef>
+          <a:effectRef idx="0">
+            <a:schemeClr val="accent4"/>
+          </a:effectRef>
+          <a:fontRef idx="minor">
+            <a:schemeClr val="lt1"/>
+          </a:fontRef>
+        </p:style>
+        <p:txBody>
+          <a:bodyPr rtlCol="0" anchor="ctr"/>
+          <a:lstStyle/>
+          <a:p>
+            <a:pPr algn="ctr"/>
+            <a:r>
+              <a:rPr kumimoji="1" lang="en-US" altLang="ko-KR" dirty="0">
+                <a:solidFill>
+                  <a:srgbClr val="FF0000"/>
+                </a:solidFill>
+                <a:latin typeface="DM Mono" panose="020B0509040201040103" pitchFamily="49" charset="0"/>
+              </a:rPr>
+              <a:t>20</a:t>
+            </a:r>
+            <a:endParaRPr kumimoji="1" lang="ko-KR" altLang="en-US" dirty="0">
+              <a:solidFill>
+                <a:srgbClr val="FF0000"/>
+              </a:solidFill>
+              <a:latin typeface="DM Mono" panose="020B0509040201040103" pitchFamily="49" charset="0"/>
+            </a:endParaRPr>
+          </a:p>
+        </p:txBody>
+      </p:sp>
+      <p:sp>
+        <p:nvSpPr>
+          <p:cNvPr id="13" name="TextBox 12">
+            <a:extLst>
+              <a:ext uri="{FF2B5EF4-FFF2-40B4-BE49-F238E27FC236}">
+                <a16:creationId xmlns:a16="http://schemas.microsoft.com/office/drawing/2014/main" id="{8B4FCB87-1FAA-E096-A648-CE851576B912}"/>
+              </a:ext>
+            </a:extLst>
+          </p:cNvPr>
+          <p:cNvSpPr txBox="1"/>
+          <p:nvPr/>
+        </p:nvSpPr>
+        <p:spPr>
+          <a:xfrm>
+            <a:off x="5210175" y="5214784"/>
+            <a:ext cx="1050257" cy="369332"/>
+          </a:xfrm>
+          <a:prstGeom prst="rect">
+            <a:avLst/>
+          </a:prstGeom>
+          <a:noFill/>
+        </p:spPr>
+        <p:txBody>
+          <a:bodyPr wrap="square" rtlCol="0">
+            <a:spAutoFit/>
+          </a:bodyPr>
+          <a:lstStyle/>
+          <a:p>
+            <a:pPr algn="r"/>
+            <a:r>
+              <a:rPr kumimoji="1" lang="en-US" altLang="ko-KR" dirty="0">
+                <a:latin typeface="DM Mono" panose="020B0509040201040103" pitchFamily="49" charset="0"/>
+              </a:rPr>
+              <a:t>y</a:t>
+            </a:r>
+            <a:endParaRPr kumimoji="1" lang="ko-KR" altLang="en-US" dirty="0">
+              <a:latin typeface="DM Mono" panose="020B0509040201040103" pitchFamily="49" charset="0"/>
+            </a:endParaRPr>
+          </a:p>
+        </p:txBody>
+      </p:sp>
+      <p:sp>
+        <p:nvSpPr>
+          <p:cNvPr id="14" name="직사각형 13">
+            <a:extLst>
+              <a:ext uri="{FF2B5EF4-FFF2-40B4-BE49-F238E27FC236}">
+                <a16:creationId xmlns:a16="http://schemas.microsoft.com/office/drawing/2014/main" id="{4B2B8286-8225-A465-49F9-7E3FF29C5943}"/>
+              </a:ext>
+            </a:extLst>
+          </p:cNvPr>
+          <p:cNvSpPr/>
+          <p:nvPr/>
+        </p:nvSpPr>
+        <p:spPr>
+          <a:xfrm>
+            <a:off x="9319460" y="2577766"/>
+            <a:ext cx="1287379" cy="605567"/>
+          </a:xfrm>
+          <a:prstGeom prst="rect">
+            <a:avLst/>
+          </a:prstGeom>
+        </p:spPr>
+        <p:style>
+          <a:lnRef idx="2">
+            <a:schemeClr val="accent4">
+              <a:shade val="15000"/>
+            </a:schemeClr>
+          </a:lnRef>
+          <a:fillRef idx="1">
+            <a:schemeClr val="accent4"/>
+          </a:fillRef>
+          <a:effectRef idx="0">
+            <a:schemeClr val="accent4"/>
+          </a:effectRef>
+          <a:fontRef idx="minor">
+            <a:schemeClr val="lt1"/>
+          </a:fontRef>
+        </p:style>
+        <p:txBody>
+          <a:bodyPr rtlCol="0" anchor="ctr"/>
+          <a:lstStyle/>
+          <a:p>
+            <a:pPr algn="ctr"/>
+            <a:r>
+              <a:rPr kumimoji="1" lang="en-US" altLang="ko-KR" dirty="0">
+                <a:solidFill>
+                  <a:srgbClr val="FF0000"/>
+                </a:solidFill>
+                <a:latin typeface="DM Mono" panose="020B0509040201040103" pitchFamily="49" charset="0"/>
+              </a:rPr>
+              <a:t>100</a:t>
+            </a:r>
+            <a:endParaRPr kumimoji="1" lang="ko-KR" altLang="en-US" dirty="0">
+              <a:solidFill>
+                <a:srgbClr val="FF0000"/>
+              </a:solidFill>
+              <a:latin typeface="DM Mono" panose="020B0509040201040103" pitchFamily="49" charset="0"/>
+            </a:endParaRPr>
+          </a:p>
+        </p:txBody>
+      </p:sp>
+      <p:sp>
+        <p:nvSpPr>
+          <p:cNvPr id="15" name="TextBox 14">
+            <a:extLst>
+              <a:ext uri="{FF2B5EF4-FFF2-40B4-BE49-F238E27FC236}">
+                <a16:creationId xmlns:a16="http://schemas.microsoft.com/office/drawing/2014/main" id="{85208A08-CBB5-C6F1-B37B-407072046994}"/>
+              </a:ext>
+            </a:extLst>
+          </p:cNvPr>
+          <p:cNvSpPr txBox="1"/>
+          <p:nvPr/>
+        </p:nvSpPr>
+        <p:spPr>
+          <a:xfrm>
+            <a:off x="8269203" y="2695883"/>
+            <a:ext cx="1050257" cy="369332"/>
+          </a:xfrm>
+          <a:prstGeom prst="rect">
+            <a:avLst/>
+          </a:prstGeom>
+          <a:noFill/>
+        </p:spPr>
+        <p:txBody>
+          <a:bodyPr wrap="square" rtlCol="0">
+            <a:spAutoFit/>
+          </a:bodyPr>
+          <a:lstStyle/>
+          <a:p>
+            <a:pPr algn="r"/>
+            <a:r>
+              <a:rPr kumimoji="1" lang="en-US" altLang="ko-KR" dirty="0">
+                <a:latin typeface="DM Mono" panose="020B0509040201040103" pitchFamily="49" charset="0"/>
+              </a:rPr>
+              <a:t>x</a:t>
+            </a:r>
+            <a:endParaRPr kumimoji="1" lang="ko-KR" altLang="en-US" dirty="0">
+              <a:latin typeface="DM Mono" panose="020B0509040201040103" pitchFamily="49" charset="0"/>
+            </a:endParaRPr>
+          </a:p>
+        </p:txBody>
+      </p:sp>
+      <p:sp>
+        <p:nvSpPr>
+          <p:cNvPr id="16" name="TextBox 15">
+            <a:extLst>
+              <a:ext uri="{FF2B5EF4-FFF2-40B4-BE49-F238E27FC236}">
+                <a16:creationId xmlns:a16="http://schemas.microsoft.com/office/drawing/2014/main" id="{DEE2E459-FB1A-5934-9BFB-33203D52F8BC}"/>
+              </a:ext>
+            </a:extLst>
+          </p:cNvPr>
+          <p:cNvSpPr txBox="1"/>
+          <p:nvPr/>
+        </p:nvSpPr>
+        <p:spPr>
+          <a:xfrm>
+            <a:off x="8797939" y="2156866"/>
+            <a:ext cx="1476889" cy="369332"/>
+          </a:xfrm>
+          <a:prstGeom prst="rect">
+            <a:avLst/>
+          </a:prstGeom>
+          <a:noFill/>
+        </p:spPr>
+        <p:txBody>
+          <a:bodyPr wrap="square" rtlCol="0">
+            <a:spAutoFit/>
+          </a:bodyPr>
+          <a:lstStyle/>
+          <a:p>
+            <a:pPr algn="r"/>
+            <a:r>
+              <a:rPr kumimoji="1" lang="en-US" altLang="ko-KR" dirty="0">
+                <a:latin typeface="DM Mono" panose="020B0509040201040103" pitchFamily="49" charset="0"/>
+              </a:rPr>
+              <a:t>pt2</a:t>
+            </a:r>
+            <a:endParaRPr kumimoji="1" lang="ko-KR" altLang="en-US" dirty="0">
+              <a:solidFill>
+                <a:srgbClr val="FF0000"/>
+              </a:solidFill>
+              <a:latin typeface="DM Mono" panose="020B0509040201040103" pitchFamily="49" charset="0"/>
+            </a:endParaRPr>
+          </a:p>
+        </p:txBody>
+      </p:sp>
+      <p:sp>
+        <p:nvSpPr>
+          <p:cNvPr id="17" name="직사각형 16">
+            <a:extLst>
+              <a:ext uri="{FF2B5EF4-FFF2-40B4-BE49-F238E27FC236}">
+                <a16:creationId xmlns:a16="http://schemas.microsoft.com/office/drawing/2014/main" id="{4CF2B564-A7CF-3C1D-2B9D-67D949D99685}"/>
+              </a:ext>
+            </a:extLst>
+          </p:cNvPr>
+          <p:cNvSpPr/>
+          <p:nvPr/>
+        </p:nvSpPr>
+        <p:spPr>
+          <a:xfrm>
+            <a:off x="9319460" y="3183332"/>
+            <a:ext cx="1287379" cy="605567"/>
+          </a:xfrm>
+          <a:prstGeom prst="rect">
+            <a:avLst/>
+          </a:prstGeom>
+        </p:spPr>
+        <p:style>
+          <a:lnRef idx="2">
+            <a:schemeClr val="accent4">
+              <a:shade val="15000"/>
+            </a:schemeClr>
+          </a:lnRef>
+          <a:fillRef idx="1">
+            <a:schemeClr val="accent4"/>
+          </a:fillRef>
+          <a:effectRef idx="0">
+            <a:schemeClr val="accent4"/>
+          </a:effectRef>
+          <a:fontRef idx="minor">
+            <a:schemeClr val="lt1"/>
+          </a:fontRef>
+        </p:style>
+        <p:txBody>
+          <a:bodyPr rtlCol="0" anchor="ctr"/>
+          <a:lstStyle/>
+          <a:p>
+            <a:pPr algn="ctr"/>
+            <a:r>
+              <a:rPr kumimoji="1" lang="en-US" altLang="ko-KR" dirty="0">
+                <a:solidFill>
+                  <a:srgbClr val="FF0000"/>
+                </a:solidFill>
+                <a:latin typeface="DM Mono" panose="020B0509040201040103" pitchFamily="49" charset="0"/>
+              </a:rPr>
+              <a:t>200</a:t>
+            </a:r>
+            <a:endParaRPr kumimoji="1" lang="ko-KR" altLang="en-US" dirty="0">
+              <a:solidFill>
+                <a:srgbClr val="FF0000"/>
+              </a:solidFill>
+              <a:latin typeface="DM Mono" panose="020B0509040201040103" pitchFamily="49" charset="0"/>
+            </a:endParaRPr>
+          </a:p>
+        </p:txBody>
+      </p:sp>
+      <p:sp>
+        <p:nvSpPr>
+          <p:cNvPr id="18" name="TextBox 17">
+            <a:extLst>
+              <a:ext uri="{FF2B5EF4-FFF2-40B4-BE49-F238E27FC236}">
+                <a16:creationId xmlns:a16="http://schemas.microsoft.com/office/drawing/2014/main" id="{930CD0E0-5629-8660-8D9A-14ED2F2A3840}"/>
+              </a:ext>
+            </a:extLst>
+          </p:cNvPr>
+          <p:cNvSpPr txBox="1"/>
+          <p:nvPr/>
+        </p:nvSpPr>
+        <p:spPr>
+          <a:xfrm>
+            <a:off x="8269203" y="3301449"/>
+            <a:ext cx="1050257" cy="369332"/>
+          </a:xfrm>
+          <a:prstGeom prst="rect">
+            <a:avLst/>
+          </a:prstGeom>
+          <a:noFill/>
+        </p:spPr>
+        <p:txBody>
+          <a:bodyPr wrap="square" rtlCol="0">
+            <a:spAutoFit/>
+          </a:bodyPr>
+          <a:lstStyle/>
+          <a:p>
+            <a:pPr algn="r"/>
+            <a:r>
+              <a:rPr kumimoji="1" lang="en-US" altLang="ko-KR" dirty="0">
+                <a:latin typeface="DM Mono" panose="020B0509040201040103" pitchFamily="49" charset="0"/>
+              </a:rPr>
+              <a:t>y</a:t>
+            </a:r>
+            <a:endParaRPr kumimoji="1" lang="ko-KR" altLang="en-US" dirty="0">
+              <a:latin typeface="DM Mono" panose="020B0509040201040103" pitchFamily="49" charset="0"/>
+            </a:endParaRPr>
+          </a:p>
+        </p:txBody>
+      </p:sp>
+    </p:spTree>
+    <p:extLst>
+      <p:ext uri="{BB962C8B-B14F-4D97-AF65-F5344CB8AC3E}">
+        <p14:creationId xmlns:p14="http://schemas.microsoft.com/office/powerpoint/2010/main" val="3477826428"/>
       </p:ext>
     </p:extLst>
   </p:cSld>

--- a/cpp_250512.pptx
+++ b/cpp_250512.pptx
@@ -4,6 +4,9 @@
   <p:sldMasterIdLst>
     <p:sldMasterId id="2147483648" r:id="rId1"/>
   </p:sldMasterIdLst>
+  <p:notesMasterIdLst>
+    <p:notesMasterId r:id="rId35"/>
+  </p:notesMasterIdLst>
   <p:sldIdLst>
     <p:sldId id="256" r:id="rId2"/>
     <p:sldId id="257" r:id="rId3"/>
@@ -35,6 +38,9 @@
     <p:sldId id="283" r:id="rId29"/>
     <p:sldId id="284" r:id="rId30"/>
     <p:sldId id="285" r:id="rId31"/>
+    <p:sldId id="287" r:id="rId32"/>
+    <p:sldId id="286" r:id="rId33"/>
+    <p:sldId id="288" r:id="rId34"/>
   </p:sldIdLst>
   <p:sldSz cx="12192000" cy="6858000"/>
   <p:notesSz cx="6858000" cy="9144000"/>
@@ -139,6 +145,655 @@
     </p:ext>
   </p:extLst>
 </p:presentation>
+</file>
+
+<file path=ppt/notesMasters/notesMaster1.xml><?xml version="1.0" encoding="utf-8"?>
+<p:notesMaster xmlns:a="http://schemas.openxmlformats.org/drawingml/2006/main" xmlns:r="http://schemas.openxmlformats.org/officeDocument/2006/relationships" xmlns:p="http://schemas.openxmlformats.org/presentationml/2006/main">
+  <p:cSld>
+    <p:bg>
+      <p:bgRef idx="1001">
+        <a:schemeClr val="bg1"/>
+      </p:bgRef>
+    </p:bg>
+    <p:spTree>
+      <p:nvGrpSpPr>
+        <p:cNvPr id="1" name=""/>
+        <p:cNvGrpSpPr/>
+        <p:nvPr/>
+      </p:nvGrpSpPr>
+      <p:grpSpPr>
+        <a:xfrm>
+          <a:off x="0" y="0"/>
+          <a:ext cx="0" cy="0"/>
+          <a:chOff x="0" y="0"/>
+          <a:chExt cx="0" cy="0"/>
+        </a:xfrm>
+      </p:grpSpPr>
+      <p:sp>
+        <p:nvSpPr>
+          <p:cNvPr id="2" name="머리글 개체 틀 1"/>
+          <p:cNvSpPr>
+            <a:spLocks noGrp="1"/>
+          </p:cNvSpPr>
+          <p:nvPr>
+            <p:ph type="hdr" sz="quarter"/>
+          </p:nvPr>
+        </p:nvSpPr>
+        <p:spPr>
+          <a:xfrm>
+            <a:off x="0" y="0"/>
+            <a:ext cx="2971800" cy="458788"/>
+          </a:xfrm>
+          <a:prstGeom prst="rect">
+            <a:avLst/>
+          </a:prstGeom>
+        </p:spPr>
+        <p:txBody>
+          <a:bodyPr vert="horz" lIns="91440" tIns="45720" rIns="91440" bIns="45720" rtlCol="0"/>
+          <a:lstStyle>
+            <a:lvl1pPr algn="l">
+              <a:defRPr sz="1200"/>
+            </a:lvl1pPr>
+          </a:lstStyle>
+          <a:p>
+            <a:endParaRPr kumimoji="1" lang="ko-KR" altLang="en-US"/>
+          </a:p>
+        </p:txBody>
+      </p:sp>
+      <p:sp>
+        <p:nvSpPr>
+          <p:cNvPr id="3" name="날짜 개체 틀 2"/>
+          <p:cNvSpPr>
+            <a:spLocks noGrp="1"/>
+          </p:cNvSpPr>
+          <p:nvPr>
+            <p:ph type="dt" idx="1"/>
+          </p:nvPr>
+        </p:nvSpPr>
+        <p:spPr>
+          <a:xfrm>
+            <a:off x="3884613" y="0"/>
+            <a:ext cx="2971800" cy="458788"/>
+          </a:xfrm>
+          <a:prstGeom prst="rect">
+            <a:avLst/>
+          </a:prstGeom>
+        </p:spPr>
+        <p:txBody>
+          <a:bodyPr vert="horz" lIns="91440" tIns="45720" rIns="91440" bIns="45720" rtlCol="0"/>
+          <a:lstStyle>
+            <a:lvl1pPr algn="r">
+              <a:defRPr sz="1200"/>
+            </a:lvl1pPr>
+          </a:lstStyle>
+          <a:p>
+            <a:fld id="{25B66425-3A8F-7E4D-A192-9C2A58B94501}" type="datetimeFigureOut">
+              <a:rPr kumimoji="1" lang="ko-KR" altLang="en-US" smtClean="0"/>
+              <a:t>2025. 5. 14.</a:t>
+            </a:fld>
+            <a:endParaRPr kumimoji="1" lang="ko-KR" altLang="en-US"/>
+          </a:p>
+        </p:txBody>
+      </p:sp>
+      <p:sp>
+        <p:nvSpPr>
+          <p:cNvPr id="4" name="슬라이드 이미지 개체 틀 3"/>
+          <p:cNvSpPr>
+            <a:spLocks noGrp="1" noRot="1" noChangeAspect="1"/>
+          </p:cNvSpPr>
+          <p:nvPr>
+            <p:ph type="sldImg" idx="2"/>
+          </p:nvPr>
+        </p:nvSpPr>
+        <p:spPr>
+          <a:xfrm>
+            <a:off x="685800" y="1143000"/>
+            <a:ext cx="5486400" cy="3086100"/>
+          </a:xfrm>
+          <a:prstGeom prst="rect">
+            <a:avLst/>
+          </a:prstGeom>
+          <a:noFill/>
+          <a:ln w="12700">
+            <a:solidFill>
+              <a:prstClr val="black"/>
+            </a:solidFill>
+          </a:ln>
+        </p:spPr>
+        <p:txBody>
+          <a:bodyPr vert="horz" lIns="91440" tIns="45720" rIns="91440" bIns="45720" rtlCol="0" anchor="ctr"/>
+          <a:lstStyle/>
+          <a:p>
+            <a:endParaRPr lang="ko-KR" altLang="en-US"/>
+          </a:p>
+        </p:txBody>
+      </p:sp>
+      <p:sp>
+        <p:nvSpPr>
+          <p:cNvPr id="5" name="슬라이드 노트 개체 틀 4"/>
+          <p:cNvSpPr>
+            <a:spLocks noGrp="1"/>
+          </p:cNvSpPr>
+          <p:nvPr>
+            <p:ph type="body" sz="quarter" idx="3"/>
+          </p:nvPr>
+        </p:nvSpPr>
+        <p:spPr>
+          <a:xfrm>
+            <a:off x="685800" y="4400550"/>
+            <a:ext cx="5486400" cy="3600450"/>
+          </a:xfrm>
+          <a:prstGeom prst="rect">
+            <a:avLst/>
+          </a:prstGeom>
+        </p:spPr>
+        <p:txBody>
+          <a:bodyPr vert="horz" lIns="91440" tIns="45720" rIns="91440" bIns="45720" rtlCol="0"/>
+          <a:lstStyle/>
+          <a:p>
+            <a:pPr lvl="0"/>
+            <a:r>
+              <a:rPr kumimoji="1" lang="ko-KR" altLang="en-US"/>
+              <a:t>마스터 텍스트 스타일을 편집하려면 클릭</a:t>
+            </a:r>
+          </a:p>
+          <a:p>
+            <a:pPr lvl="1"/>
+            <a:r>
+              <a:rPr kumimoji="1" lang="ko-KR" altLang="en-US"/>
+              <a:t>두 번째 수준</a:t>
+            </a:r>
+          </a:p>
+          <a:p>
+            <a:pPr lvl="2"/>
+            <a:r>
+              <a:rPr kumimoji="1" lang="ko-KR" altLang="en-US"/>
+              <a:t>세 번째 수준</a:t>
+            </a:r>
+          </a:p>
+          <a:p>
+            <a:pPr lvl="3"/>
+            <a:r>
+              <a:rPr kumimoji="1" lang="ko-KR" altLang="en-US"/>
+              <a:t>네 번째 수준</a:t>
+            </a:r>
+          </a:p>
+          <a:p>
+            <a:pPr lvl="4"/>
+            <a:r>
+              <a:rPr kumimoji="1" lang="ko-KR" altLang="en-US"/>
+              <a:t>다섯 번째 수준</a:t>
+            </a:r>
+          </a:p>
+        </p:txBody>
+      </p:sp>
+      <p:sp>
+        <p:nvSpPr>
+          <p:cNvPr id="6" name="바닥글 개체 틀 5"/>
+          <p:cNvSpPr>
+            <a:spLocks noGrp="1"/>
+          </p:cNvSpPr>
+          <p:nvPr>
+            <p:ph type="ftr" sz="quarter" idx="4"/>
+          </p:nvPr>
+        </p:nvSpPr>
+        <p:spPr>
+          <a:xfrm>
+            <a:off x="0" y="8685213"/>
+            <a:ext cx="2971800" cy="458787"/>
+          </a:xfrm>
+          <a:prstGeom prst="rect">
+            <a:avLst/>
+          </a:prstGeom>
+        </p:spPr>
+        <p:txBody>
+          <a:bodyPr vert="horz" lIns="91440" tIns="45720" rIns="91440" bIns="45720" rtlCol="0" anchor="b"/>
+          <a:lstStyle>
+            <a:lvl1pPr algn="l">
+              <a:defRPr sz="1200"/>
+            </a:lvl1pPr>
+          </a:lstStyle>
+          <a:p>
+            <a:endParaRPr kumimoji="1" lang="ko-KR" altLang="en-US"/>
+          </a:p>
+        </p:txBody>
+      </p:sp>
+      <p:sp>
+        <p:nvSpPr>
+          <p:cNvPr id="7" name="슬라이드 번호 개체 틀 6"/>
+          <p:cNvSpPr>
+            <a:spLocks noGrp="1"/>
+          </p:cNvSpPr>
+          <p:nvPr>
+            <p:ph type="sldNum" sz="quarter" idx="5"/>
+          </p:nvPr>
+        </p:nvSpPr>
+        <p:spPr>
+          <a:xfrm>
+            <a:off x="3884613" y="8685213"/>
+            <a:ext cx="2971800" cy="458787"/>
+          </a:xfrm>
+          <a:prstGeom prst="rect">
+            <a:avLst/>
+          </a:prstGeom>
+        </p:spPr>
+        <p:txBody>
+          <a:bodyPr vert="horz" lIns="91440" tIns="45720" rIns="91440" bIns="45720" rtlCol="0" anchor="b"/>
+          <a:lstStyle>
+            <a:lvl1pPr algn="r">
+              <a:defRPr sz="1200"/>
+            </a:lvl1pPr>
+          </a:lstStyle>
+          <a:p>
+            <a:fld id="{BBC37A49-42EF-4349-9CBC-D62872BEEC98}" type="slidenum">
+              <a:rPr kumimoji="1" lang="ko-KR" altLang="en-US" smtClean="0"/>
+              <a:t>‹#›</a:t>
+            </a:fld>
+            <a:endParaRPr kumimoji="1" lang="ko-KR" altLang="en-US"/>
+          </a:p>
+        </p:txBody>
+      </p:sp>
+    </p:spTree>
+    <p:extLst>
+      <p:ext uri="{BB962C8B-B14F-4D97-AF65-F5344CB8AC3E}">
+        <p14:creationId xmlns:p14="http://schemas.microsoft.com/office/powerpoint/2010/main" val="66885518"/>
+      </p:ext>
+    </p:extLst>
+  </p:cSld>
+  <p:clrMap bg1="lt1" tx1="dk1" bg2="lt2" tx2="dk2" accent1="accent1" accent2="accent2" accent3="accent3" accent4="accent4" accent5="accent5" accent6="accent6" hlink="hlink" folHlink="folHlink"/>
+  <p:notesStyle>
+    <a:lvl1pPr marL="0" algn="l" defTabSz="914400" rtl="0" eaLnBrk="1" latinLnBrk="1" hangingPunct="1">
+      <a:defRPr sz="1200" kern="1200">
+        <a:solidFill>
+          <a:schemeClr val="tx1"/>
+        </a:solidFill>
+        <a:latin typeface="+mn-lt"/>
+        <a:ea typeface="+mn-ea"/>
+        <a:cs typeface="+mn-cs"/>
+      </a:defRPr>
+    </a:lvl1pPr>
+    <a:lvl2pPr marL="457200" algn="l" defTabSz="914400" rtl="0" eaLnBrk="1" latinLnBrk="1" hangingPunct="1">
+      <a:defRPr sz="1200" kern="1200">
+        <a:solidFill>
+          <a:schemeClr val="tx1"/>
+        </a:solidFill>
+        <a:latin typeface="+mn-lt"/>
+        <a:ea typeface="+mn-ea"/>
+        <a:cs typeface="+mn-cs"/>
+      </a:defRPr>
+    </a:lvl2pPr>
+    <a:lvl3pPr marL="914400" algn="l" defTabSz="914400" rtl="0" eaLnBrk="1" latinLnBrk="1" hangingPunct="1">
+      <a:defRPr sz="1200" kern="1200">
+        <a:solidFill>
+          <a:schemeClr val="tx1"/>
+        </a:solidFill>
+        <a:latin typeface="+mn-lt"/>
+        <a:ea typeface="+mn-ea"/>
+        <a:cs typeface="+mn-cs"/>
+      </a:defRPr>
+    </a:lvl3pPr>
+    <a:lvl4pPr marL="1371600" algn="l" defTabSz="914400" rtl="0" eaLnBrk="1" latinLnBrk="1" hangingPunct="1">
+      <a:defRPr sz="1200" kern="1200">
+        <a:solidFill>
+          <a:schemeClr val="tx1"/>
+        </a:solidFill>
+        <a:latin typeface="+mn-lt"/>
+        <a:ea typeface="+mn-ea"/>
+        <a:cs typeface="+mn-cs"/>
+      </a:defRPr>
+    </a:lvl4pPr>
+    <a:lvl5pPr marL="1828800" algn="l" defTabSz="914400" rtl="0" eaLnBrk="1" latinLnBrk="1" hangingPunct="1">
+      <a:defRPr sz="1200" kern="1200">
+        <a:solidFill>
+          <a:schemeClr val="tx1"/>
+        </a:solidFill>
+        <a:latin typeface="+mn-lt"/>
+        <a:ea typeface="+mn-ea"/>
+        <a:cs typeface="+mn-cs"/>
+      </a:defRPr>
+    </a:lvl5pPr>
+    <a:lvl6pPr marL="2286000" algn="l" defTabSz="914400" rtl="0" eaLnBrk="1" latinLnBrk="1" hangingPunct="1">
+      <a:defRPr sz="1200" kern="1200">
+        <a:solidFill>
+          <a:schemeClr val="tx1"/>
+        </a:solidFill>
+        <a:latin typeface="+mn-lt"/>
+        <a:ea typeface="+mn-ea"/>
+        <a:cs typeface="+mn-cs"/>
+      </a:defRPr>
+    </a:lvl6pPr>
+    <a:lvl7pPr marL="2743200" algn="l" defTabSz="914400" rtl="0" eaLnBrk="1" latinLnBrk="1" hangingPunct="1">
+      <a:defRPr sz="1200" kern="1200">
+        <a:solidFill>
+          <a:schemeClr val="tx1"/>
+        </a:solidFill>
+        <a:latin typeface="+mn-lt"/>
+        <a:ea typeface="+mn-ea"/>
+        <a:cs typeface="+mn-cs"/>
+      </a:defRPr>
+    </a:lvl7pPr>
+    <a:lvl8pPr marL="3200400" algn="l" defTabSz="914400" rtl="0" eaLnBrk="1" latinLnBrk="1" hangingPunct="1">
+      <a:defRPr sz="1200" kern="1200">
+        <a:solidFill>
+          <a:schemeClr val="tx1"/>
+        </a:solidFill>
+        <a:latin typeface="+mn-lt"/>
+        <a:ea typeface="+mn-ea"/>
+        <a:cs typeface="+mn-cs"/>
+      </a:defRPr>
+    </a:lvl8pPr>
+    <a:lvl9pPr marL="3657600" algn="l" defTabSz="914400" rtl="0" eaLnBrk="1" latinLnBrk="1" hangingPunct="1">
+      <a:defRPr sz="1200" kern="1200">
+        <a:solidFill>
+          <a:schemeClr val="tx1"/>
+        </a:solidFill>
+        <a:latin typeface="+mn-lt"/>
+        <a:ea typeface="+mn-ea"/>
+        <a:cs typeface="+mn-cs"/>
+      </a:defRPr>
+    </a:lvl9pPr>
+  </p:notesStyle>
+</p:notesMaster>
+</file>
+
+<file path=ppt/notesSlides/notesSlide1.xml><?xml version="1.0" encoding="utf-8"?>
+<p:notes xmlns:a="http://schemas.openxmlformats.org/drawingml/2006/main" xmlns:r="http://schemas.openxmlformats.org/officeDocument/2006/relationships" xmlns:p="http://schemas.openxmlformats.org/presentationml/2006/main">
+  <p:cSld>
+    <p:spTree>
+      <p:nvGrpSpPr>
+        <p:cNvPr id="1" name="">
+          <a:extLst>
+            <a:ext uri="{FF2B5EF4-FFF2-40B4-BE49-F238E27FC236}">
+              <a16:creationId xmlns:a16="http://schemas.microsoft.com/office/drawing/2014/main" id="{B8674514-EF94-AD93-D0E0-0083EF73314E}"/>
+            </a:ext>
+          </a:extLst>
+        </p:cNvPr>
+        <p:cNvGrpSpPr/>
+        <p:nvPr/>
+      </p:nvGrpSpPr>
+      <p:grpSpPr>
+        <a:xfrm>
+          <a:off x="0" y="0"/>
+          <a:ext cx="0" cy="0"/>
+          <a:chOff x="0" y="0"/>
+          <a:chExt cx="0" cy="0"/>
+        </a:xfrm>
+      </p:grpSpPr>
+      <p:sp>
+        <p:nvSpPr>
+          <p:cNvPr id="2" name="슬라이드 이미지 개체 틀 1">
+            <a:extLst>
+              <a:ext uri="{FF2B5EF4-FFF2-40B4-BE49-F238E27FC236}">
+                <a16:creationId xmlns:a16="http://schemas.microsoft.com/office/drawing/2014/main" id="{4DFA112E-B830-FF31-FEF7-313993C4DAAB}"/>
+              </a:ext>
+            </a:extLst>
+          </p:cNvPr>
+          <p:cNvSpPr>
+            <a:spLocks noGrp="1" noRot="1" noChangeAspect="1"/>
+          </p:cNvSpPr>
+          <p:nvPr>
+            <p:ph type="sldImg"/>
+          </p:nvPr>
+        </p:nvSpPr>
+        <p:spPr/>
+      </p:sp>
+      <p:sp>
+        <p:nvSpPr>
+          <p:cNvPr id="3" name="슬라이드 노트 개체 틀 2">
+            <a:extLst>
+              <a:ext uri="{FF2B5EF4-FFF2-40B4-BE49-F238E27FC236}">
+                <a16:creationId xmlns:a16="http://schemas.microsoft.com/office/drawing/2014/main" id="{1ED62EDC-3872-66DB-5815-610BA48604D3}"/>
+              </a:ext>
+            </a:extLst>
+          </p:cNvPr>
+          <p:cNvSpPr>
+            <a:spLocks noGrp="1"/>
+          </p:cNvSpPr>
+          <p:nvPr>
+            <p:ph type="body" idx="1"/>
+          </p:nvPr>
+        </p:nvSpPr>
+        <p:spPr/>
+        <p:txBody>
+          <a:bodyPr/>
+          <a:lstStyle/>
+          <a:p>
+            <a:endParaRPr kumimoji="1" lang="ko-KR" altLang="en-US" dirty="0"/>
+          </a:p>
+        </p:txBody>
+      </p:sp>
+      <p:sp>
+        <p:nvSpPr>
+          <p:cNvPr id="4" name="슬라이드 번호 개체 틀 3">
+            <a:extLst>
+              <a:ext uri="{FF2B5EF4-FFF2-40B4-BE49-F238E27FC236}">
+                <a16:creationId xmlns:a16="http://schemas.microsoft.com/office/drawing/2014/main" id="{E58A3DD7-74B6-3272-0810-692F33B9FF24}"/>
+              </a:ext>
+            </a:extLst>
+          </p:cNvPr>
+          <p:cNvSpPr>
+            <a:spLocks noGrp="1"/>
+          </p:cNvSpPr>
+          <p:nvPr>
+            <p:ph type="sldNum" sz="quarter" idx="5"/>
+          </p:nvPr>
+        </p:nvSpPr>
+        <p:spPr/>
+        <p:txBody>
+          <a:bodyPr/>
+          <a:lstStyle/>
+          <a:p>
+            <a:fld id="{BBC37A49-42EF-4349-9CBC-D62872BEEC98}" type="slidenum">
+              <a:rPr kumimoji="1" lang="ko-KR" altLang="en-US" smtClean="0"/>
+              <a:t>31</a:t>
+            </a:fld>
+            <a:endParaRPr kumimoji="1" lang="ko-KR" altLang="en-US"/>
+          </a:p>
+        </p:txBody>
+      </p:sp>
+    </p:spTree>
+    <p:extLst>
+      <p:ext uri="{BB962C8B-B14F-4D97-AF65-F5344CB8AC3E}">
+        <p14:creationId xmlns:p14="http://schemas.microsoft.com/office/powerpoint/2010/main" val="816497981"/>
+      </p:ext>
+    </p:extLst>
+  </p:cSld>
+  <p:clrMapOvr>
+    <a:masterClrMapping/>
+  </p:clrMapOvr>
+</p:notes>
+</file>
+
+<file path=ppt/notesSlides/notesSlide2.xml><?xml version="1.0" encoding="utf-8"?>
+<p:notes xmlns:a="http://schemas.openxmlformats.org/drawingml/2006/main" xmlns:r="http://schemas.openxmlformats.org/officeDocument/2006/relationships" xmlns:p="http://schemas.openxmlformats.org/presentationml/2006/main">
+  <p:cSld>
+    <p:spTree>
+      <p:nvGrpSpPr>
+        <p:cNvPr id="1" name=""/>
+        <p:cNvGrpSpPr/>
+        <p:nvPr/>
+      </p:nvGrpSpPr>
+      <p:grpSpPr>
+        <a:xfrm>
+          <a:off x="0" y="0"/>
+          <a:ext cx="0" cy="0"/>
+          <a:chOff x="0" y="0"/>
+          <a:chExt cx="0" cy="0"/>
+        </a:xfrm>
+      </p:grpSpPr>
+      <p:sp>
+        <p:nvSpPr>
+          <p:cNvPr id="2" name="슬라이드 이미지 개체 틀 1"/>
+          <p:cNvSpPr>
+            <a:spLocks noGrp="1" noRot="1" noChangeAspect="1"/>
+          </p:cNvSpPr>
+          <p:nvPr>
+            <p:ph type="sldImg"/>
+          </p:nvPr>
+        </p:nvSpPr>
+        <p:spPr/>
+      </p:sp>
+      <p:sp>
+        <p:nvSpPr>
+          <p:cNvPr id="3" name="슬라이드 노트 개체 틀 2"/>
+          <p:cNvSpPr>
+            <a:spLocks noGrp="1"/>
+          </p:cNvSpPr>
+          <p:nvPr>
+            <p:ph type="body" idx="1"/>
+          </p:nvPr>
+        </p:nvSpPr>
+        <p:spPr/>
+        <p:txBody>
+          <a:bodyPr/>
+          <a:lstStyle/>
+          <a:p>
+            <a:endParaRPr kumimoji="1" lang="ko-KR" altLang="en-US" dirty="0"/>
+          </a:p>
+        </p:txBody>
+      </p:sp>
+      <p:sp>
+        <p:nvSpPr>
+          <p:cNvPr id="4" name="슬라이드 번호 개체 틀 3"/>
+          <p:cNvSpPr>
+            <a:spLocks noGrp="1"/>
+          </p:cNvSpPr>
+          <p:nvPr>
+            <p:ph type="sldNum" sz="quarter" idx="5"/>
+          </p:nvPr>
+        </p:nvSpPr>
+        <p:spPr/>
+        <p:txBody>
+          <a:bodyPr/>
+          <a:lstStyle/>
+          <a:p>
+            <a:fld id="{BBC37A49-42EF-4349-9CBC-D62872BEEC98}" type="slidenum">
+              <a:rPr kumimoji="1" lang="ko-KR" altLang="en-US" smtClean="0"/>
+              <a:t>32</a:t>
+            </a:fld>
+            <a:endParaRPr kumimoji="1" lang="ko-KR" altLang="en-US"/>
+          </a:p>
+        </p:txBody>
+      </p:sp>
+    </p:spTree>
+    <p:extLst>
+      <p:ext uri="{BB962C8B-B14F-4D97-AF65-F5344CB8AC3E}">
+        <p14:creationId xmlns:p14="http://schemas.microsoft.com/office/powerpoint/2010/main" val="590177398"/>
+      </p:ext>
+    </p:extLst>
+  </p:cSld>
+  <p:clrMapOvr>
+    <a:masterClrMapping/>
+  </p:clrMapOvr>
+</p:notes>
+</file>
+
+<file path=ppt/notesSlides/notesSlide3.xml><?xml version="1.0" encoding="utf-8"?>
+<p:notes xmlns:a="http://schemas.openxmlformats.org/drawingml/2006/main" xmlns:r="http://schemas.openxmlformats.org/officeDocument/2006/relationships" xmlns:p="http://schemas.openxmlformats.org/presentationml/2006/main">
+  <p:cSld>
+    <p:spTree>
+      <p:nvGrpSpPr>
+        <p:cNvPr id="1" name="">
+          <a:extLst>
+            <a:ext uri="{FF2B5EF4-FFF2-40B4-BE49-F238E27FC236}">
+              <a16:creationId xmlns:a16="http://schemas.microsoft.com/office/drawing/2014/main" id="{B5C7C63D-5767-A703-3BE0-517739FF33CE}"/>
+            </a:ext>
+          </a:extLst>
+        </p:cNvPr>
+        <p:cNvGrpSpPr/>
+        <p:nvPr/>
+      </p:nvGrpSpPr>
+      <p:grpSpPr>
+        <a:xfrm>
+          <a:off x="0" y="0"/>
+          <a:ext cx="0" cy="0"/>
+          <a:chOff x="0" y="0"/>
+          <a:chExt cx="0" cy="0"/>
+        </a:xfrm>
+      </p:grpSpPr>
+      <p:sp>
+        <p:nvSpPr>
+          <p:cNvPr id="2" name="슬라이드 이미지 개체 틀 1">
+            <a:extLst>
+              <a:ext uri="{FF2B5EF4-FFF2-40B4-BE49-F238E27FC236}">
+                <a16:creationId xmlns:a16="http://schemas.microsoft.com/office/drawing/2014/main" id="{B56476E6-120F-F358-6C88-8EC8A01F0AA7}"/>
+              </a:ext>
+            </a:extLst>
+          </p:cNvPr>
+          <p:cNvSpPr>
+            <a:spLocks noGrp="1" noRot="1" noChangeAspect="1"/>
+          </p:cNvSpPr>
+          <p:nvPr>
+            <p:ph type="sldImg"/>
+          </p:nvPr>
+        </p:nvSpPr>
+        <p:spPr/>
+      </p:sp>
+      <p:sp>
+        <p:nvSpPr>
+          <p:cNvPr id="3" name="슬라이드 노트 개체 틀 2">
+            <a:extLst>
+              <a:ext uri="{FF2B5EF4-FFF2-40B4-BE49-F238E27FC236}">
+                <a16:creationId xmlns:a16="http://schemas.microsoft.com/office/drawing/2014/main" id="{02AC3208-9B7F-2125-41D1-B31C1936495E}"/>
+              </a:ext>
+            </a:extLst>
+          </p:cNvPr>
+          <p:cNvSpPr>
+            <a:spLocks noGrp="1"/>
+          </p:cNvSpPr>
+          <p:nvPr>
+            <p:ph type="body" idx="1"/>
+          </p:nvPr>
+        </p:nvSpPr>
+        <p:spPr/>
+        <p:txBody>
+          <a:bodyPr/>
+          <a:lstStyle/>
+          <a:p>
+            <a:endParaRPr kumimoji="1" lang="ko-KR" altLang="en-US" dirty="0"/>
+          </a:p>
+        </p:txBody>
+      </p:sp>
+      <p:sp>
+        <p:nvSpPr>
+          <p:cNvPr id="4" name="슬라이드 번호 개체 틀 3">
+            <a:extLst>
+              <a:ext uri="{FF2B5EF4-FFF2-40B4-BE49-F238E27FC236}">
+                <a16:creationId xmlns:a16="http://schemas.microsoft.com/office/drawing/2014/main" id="{B6D84CC1-1CCE-D813-5674-58790BC79521}"/>
+              </a:ext>
+            </a:extLst>
+          </p:cNvPr>
+          <p:cNvSpPr>
+            <a:spLocks noGrp="1"/>
+          </p:cNvSpPr>
+          <p:nvPr>
+            <p:ph type="sldNum" sz="quarter" idx="5"/>
+          </p:nvPr>
+        </p:nvSpPr>
+        <p:spPr/>
+        <p:txBody>
+          <a:bodyPr/>
+          <a:lstStyle/>
+          <a:p>
+            <a:fld id="{BBC37A49-42EF-4349-9CBC-D62872BEEC98}" type="slidenum">
+              <a:rPr kumimoji="1" lang="ko-KR" altLang="en-US" smtClean="0"/>
+              <a:t>33</a:t>
+            </a:fld>
+            <a:endParaRPr kumimoji="1" lang="ko-KR" altLang="en-US"/>
+          </a:p>
+        </p:txBody>
+      </p:sp>
+    </p:spTree>
+    <p:extLst>
+      <p:ext uri="{BB962C8B-B14F-4D97-AF65-F5344CB8AC3E}">
+        <p14:creationId xmlns:p14="http://schemas.microsoft.com/office/powerpoint/2010/main" val="2091553414"/>
+      </p:ext>
+    </p:extLst>
+  </p:cSld>
+  <p:clrMapOvr>
+    <a:masterClrMapping/>
+  </p:clrMapOvr>
+</p:notes>
 </file>
 
 <file path=ppt/slideLayouts/slideLayout1.xml><?xml version="1.0" encoding="utf-8"?>
@@ -26807,6 +27462,2745 @@
     <p:extLst>
       <p:ext uri="{BB962C8B-B14F-4D97-AF65-F5344CB8AC3E}">
         <p14:creationId xmlns:p14="http://schemas.microsoft.com/office/powerpoint/2010/main" val="3477826428"/>
+      </p:ext>
+    </p:extLst>
+  </p:cSld>
+  <p:clrMapOvr>
+    <a:masterClrMapping/>
+  </p:clrMapOvr>
+</p:sld>
+</file>
+
+<file path=ppt/slides/slide31.xml><?xml version="1.0" encoding="utf-8"?>
+<p:sld xmlns:a="http://schemas.openxmlformats.org/drawingml/2006/main" xmlns:r="http://schemas.openxmlformats.org/officeDocument/2006/relationships" xmlns:p="http://schemas.openxmlformats.org/presentationml/2006/main">
+  <p:cSld>
+    <p:spTree>
+      <p:nvGrpSpPr>
+        <p:cNvPr id="1" name="">
+          <a:extLst>
+            <a:ext uri="{FF2B5EF4-FFF2-40B4-BE49-F238E27FC236}">
+              <a16:creationId xmlns:a16="http://schemas.microsoft.com/office/drawing/2014/main" id="{5549841C-7CBF-4772-3CF4-C09E3DEB73BE}"/>
+            </a:ext>
+          </a:extLst>
+        </p:cNvPr>
+        <p:cNvGrpSpPr/>
+        <p:nvPr/>
+      </p:nvGrpSpPr>
+      <p:grpSpPr>
+        <a:xfrm>
+          <a:off x="0" y="0"/>
+          <a:ext cx="0" cy="0"/>
+          <a:chOff x="0" y="0"/>
+          <a:chExt cx="0" cy="0"/>
+        </a:xfrm>
+      </p:grpSpPr>
+      <p:sp>
+        <p:nvSpPr>
+          <p:cNvPr id="5" name="TextBox 4">
+            <a:extLst>
+              <a:ext uri="{FF2B5EF4-FFF2-40B4-BE49-F238E27FC236}">
+                <a16:creationId xmlns:a16="http://schemas.microsoft.com/office/drawing/2014/main" id="{78203798-429C-A6B1-8FC9-135A18E78658}"/>
+              </a:ext>
+            </a:extLst>
+          </p:cNvPr>
+          <p:cNvSpPr txBox="1"/>
+          <p:nvPr/>
+        </p:nvSpPr>
+        <p:spPr>
+          <a:xfrm>
+            <a:off x="383362" y="588935"/>
+            <a:ext cx="4068170" cy="4278094"/>
+          </a:xfrm>
+          <a:prstGeom prst="rect">
+            <a:avLst/>
+          </a:prstGeom>
+          <a:noFill/>
+        </p:spPr>
+        <p:txBody>
+          <a:bodyPr wrap="square">
+            <a:spAutoFit/>
+          </a:bodyPr>
+          <a:lstStyle/>
+          <a:p>
+            <a:r>
+              <a:rPr lang="en-US" altLang="ko-KR" sz="1600" dirty="0">
+                <a:latin typeface="DM Mono" panose="020B0509040201040103" pitchFamily="49" charset="0"/>
+              </a:rPr>
+              <a:t>class Point</a:t>
+            </a:r>
+          </a:p>
+          <a:p>
+            <a:r>
+              <a:rPr lang="en-US" altLang="ko-KR" sz="1600" dirty="0">
+                <a:latin typeface="DM Mono" panose="020B0509040201040103" pitchFamily="49" charset="0"/>
+              </a:rPr>
+              <a:t>{</a:t>
+            </a:r>
+          </a:p>
+          <a:p>
+            <a:r>
+              <a:rPr lang="en-US" altLang="ko-KR" sz="1600" dirty="0">
+                <a:latin typeface="DM Mono" panose="020B0509040201040103" pitchFamily="49" charset="0"/>
+              </a:rPr>
+              <a:t>  int x;</a:t>
+            </a:r>
+          </a:p>
+          <a:p>
+            <a:r>
+              <a:rPr lang="en-US" altLang="ko-KR" sz="1600" dirty="0">
+                <a:latin typeface="DM Mono" panose="020B0509040201040103" pitchFamily="49" charset="0"/>
+              </a:rPr>
+              <a:t>  int y;</a:t>
+            </a:r>
+            <a:br>
+              <a:rPr lang="en-US" altLang="ko-KR" sz="1600" dirty="0">
+                <a:latin typeface="DM Mono" panose="020B0509040201040103" pitchFamily="49" charset="0"/>
+              </a:rPr>
+            </a:br>
+            <a:r>
+              <a:rPr lang="en-US" altLang="ko-KR" sz="1600" dirty="0">
+                <a:latin typeface="DM Mono" panose="020B0509040201040103" pitchFamily="49" charset="0"/>
+              </a:rPr>
+              <a:t>public:</a:t>
+            </a:r>
+          </a:p>
+          <a:p>
+            <a:r>
+              <a:rPr lang="en-US" altLang="ko-KR" sz="1600" dirty="0">
+                <a:latin typeface="DM Mono" panose="020B0509040201040103" pitchFamily="49" charset="0"/>
+              </a:rPr>
+              <a:t>  void Set(int a, int b)</a:t>
+            </a:r>
+          </a:p>
+          <a:p>
+            <a:r>
+              <a:rPr lang="en-US" altLang="ko-KR" sz="1600" dirty="0">
+                <a:latin typeface="DM Mono" panose="020B0509040201040103" pitchFamily="49" charset="0"/>
+              </a:rPr>
+              <a:t>  {</a:t>
+            </a:r>
+          </a:p>
+          <a:p>
+            <a:r>
+              <a:rPr lang="en-US" altLang="ko-KR" sz="1600" dirty="0">
+                <a:latin typeface="DM Mono" panose="020B0509040201040103" pitchFamily="49" charset="0"/>
+              </a:rPr>
+              <a:t>    x = a;</a:t>
+            </a:r>
+          </a:p>
+          <a:p>
+            <a:r>
+              <a:rPr lang="en-US" altLang="ko-KR" sz="1600" dirty="0">
+                <a:latin typeface="DM Mono" panose="020B0509040201040103" pitchFamily="49" charset="0"/>
+              </a:rPr>
+              <a:t>    y = b;</a:t>
+            </a:r>
+          </a:p>
+          <a:p>
+            <a:r>
+              <a:rPr lang="en-US" altLang="ko-KR" sz="1600" dirty="0">
+                <a:latin typeface="DM Mono" panose="020B0509040201040103" pitchFamily="49" charset="0"/>
+              </a:rPr>
+              <a:t>  }</a:t>
+            </a:r>
+          </a:p>
+          <a:p>
+            <a:r>
+              <a:rPr lang="en-US" altLang="ko-KR" sz="1600" dirty="0">
+                <a:latin typeface="DM Mono" panose="020B0509040201040103" pitchFamily="49" charset="0"/>
+              </a:rPr>
+              <a:t>};</a:t>
+            </a:r>
+          </a:p>
+          <a:p>
+            <a:br>
+              <a:rPr lang="en-US" altLang="ko-KR" sz="1600" dirty="0">
+                <a:latin typeface="DM Mono" panose="020B0509040201040103" pitchFamily="49" charset="0"/>
+              </a:rPr>
+            </a:br>
+            <a:r>
+              <a:rPr lang="en-US" altLang="ko-KR" sz="1600" dirty="0">
+                <a:solidFill>
+                  <a:srgbClr val="FF0000"/>
+                </a:solidFill>
+                <a:latin typeface="DM Mono" panose="020B0509040201040103" pitchFamily="49" charset="0"/>
+              </a:rPr>
+              <a:t>Point pt1;</a:t>
+            </a:r>
+          </a:p>
+          <a:p>
+            <a:r>
+              <a:rPr lang="en-US" altLang="ko-KR" sz="1600" dirty="0">
+                <a:solidFill>
+                  <a:srgbClr val="FF0000"/>
+                </a:solidFill>
+                <a:latin typeface="DM Mono" panose="020B0509040201040103" pitchFamily="49" charset="0"/>
+              </a:rPr>
+              <a:t>Point pt2;</a:t>
+            </a:r>
+          </a:p>
+          <a:p>
+            <a:br>
+              <a:rPr lang="en-US" altLang="ko-KR" sz="1600" dirty="0">
+                <a:latin typeface="DM Mono" panose="020B0509040201040103" pitchFamily="49" charset="0"/>
+              </a:rPr>
+            </a:br>
+            <a:r>
+              <a:rPr lang="en-US" altLang="ko-KR" sz="1600" dirty="0">
+                <a:latin typeface="DM Mono" panose="020B0509040201040103" pitchFamily="49" charset="0"/>
+              </a:rPr>
+              <a:t>pt1.Set(10, 20);</a:t>
+            </a:r>
+          </a:p>
+          <a:p>
+            <a:r>
+              <a:rPr lang="en-US" altLang="ko-KR" sz="1600" dirty="0">
+                <a:latin typeface="DM Mono" panose="020B0509040201040103" pitchFamily="49" charset="0"/>
+              </a:rPr>
+              <a:t>pt2.Set(100, 200);</a:t>
+            </a:r>
+          </a:p>
+        </p:txBody>
+      </p:sp>
+      <p:sp>
+        <p:nvSpPr>
+          <p:cNvPr id="6" name="직사각형 5">
+            <a:extLst>
+              <a:ext uri="{FF2B5EF4-FFF2-40B4-BE49-F238E27FC236}">
+                <a16:creationId xmlns:a16="http://schemas.microsoft.com/office/drawing/2014/main" id="{2AB46E92-4628-6BB7-CE43-7381F7C61838}"/>
+              </a:ext>
+            </a:extLst>
+          </p:cNvPr>
+          <p:cNvSpPr/>
+          <p:nvPr/>
+        </p:nvSpPr>
+        <p:spPr>
+          <a:xfrm>
+            <a:off x="4095751" y="3990975"/>
+            <a:ext cx="6076950" cy="2452437"/>
+          </a:xfrm>
+          <a:prstGeom prst="rect">
+            <a:avLst/>
+          </a:prstGeom>
+          <a:solidFill>
+            <a:schemeClr val="bg1"/>
+          </a:solidFill>
+        </p:spPr>
+        <p:style>
+          <a:lnRef idx="2">
+            <a:schemeClr val="accent1">
+              <a:shade val="15000"/>
+            </a:schemeClr>
+          </a:lnRef>
+          <a:fillRef idx="1">
+            <a:schemeClr val="accent1"/>
+          </a:fillRef>
+          <a:effectRef idx="0">
+            <a:schemeClr val="accent1"/>
+          </a:effectRef>
+          <a:fontRef idx="minor">
+            <a:schemeClr val="lt1"/>
+          </a:fontRef>
+        </p:style>
+        <p:txBody>
+          <a:bodyPr rtlCol="0" anchor="ctr"/>
+          <a:lstStyle/>
+          <a:p>
+            <a:pPr algn="ctr"/>
+            <a:r>
+              <a:rPr kumimoji="1" lang="en-US" altLang="ko-KR" dirty="0"/>
+              <a:t>0x16ce92c2c</a:t>
+            </a:r>
+            <a:endParaRPr kumimoji="1" lang="ko-KR" altLang="en-US" dirty="0"/>
+          </a:p>
+        </p:txBody>
+      </p:sp>
+      <p:sp>
+        <p:nvSpPr>
+          <p:cNvPr id="4" name="직사각형 3">
+            <a:extLst>
+              <a:ext uri="{FF2B5EF4-FFF2-40B4-BE49-F238E27FC236}">
+                <a16:creationId xmlns:a16="http://schemas.microsoft.com/office/drawing/2014/main" id="{EC2AC9AC-D759-CB27-5A87-7758ADE86E8F}"/>
+              </a:ext>
+            </a:extLst>
+          </p:cNvPr>
+          <p:cNvSpPr/>
+          <p:nvPr/>
+        </p:nvSpPr>
+        <p:spPr>
+          <a:xfrm>
+            <a:off x="4981575" y="4853051"/>
+            <a:ext cx="1287379" cy="605567"/>
+          </a:xfrm>
+          <a:prstGeom prst="rect">
+            <a:avLst/>
+          </a:prstGeom>
+        </p:spPr>
+        <p:style>
+          <a:lnRef idx="2">
+            <a:schemeClr val="accent4">
+              <a:shade val="15000"/>
+            </a:schemeClr>
+          </a:lnRef>
+          <a:fillRef idx="1">
+            <a:schemeClr val="accent4"/>
+          </a:fillRef>
+          <a:effectRef idx="0">
+            <a:schemeClr val="accent4"/>
+          </a:effectRef>
+          <a:fontRef idx="minor">
+            <a:schemeClr val="lt1"/>
+          </a:fontRef>
+        </p:style>
+        <p:txBody>
+          <a:bodyPr rtlCol="0" anchor="ctr"/>
+          <a:lstStyle/>
+          <a:p>
+            <a:pPr algn="ctr"/>
+            <a:endParaRPr kumimoji="1" lang="ko-KR" altLang="en-US" dirty="0">
+              <a:solidFill>
+                <a:schemeClr val="tx1"/>
+              </a:solidFill>
+              <a:latin typeface="DM Mono" panose="020B0509040201040103" pitchFamily="49" charset="0"/>
+            </a:endParaRPr>
+          </a:p>
+        </p:txBody>
+      </p:sp>
+      <p:sp>
+        <p:nvSpPr>
+          <p:cNvPr id="10" name="TextBox 9">
+            <a:extLst>
+              <a:ext uri="{FF2B5EF4-FFF2-40B4-BE49-F238E27FC236}">
+                <a16:creationId xmlns:a16="http://schemas.microsoft.com/office/drawing/2014/main" id="{1B0ADC4E-216C-6047-3861-5B8C0C447CB4}"/>
+              </a:ext>
+            </a:extLst>
+          </p:cNvPr>
+          <p:cNvSpPr txBox="1"/>
+          <p:nvPr/>
+        </p:nvSpPr>
+        <p:spPr>
+          <a:xfrm>
+            <a:off x="3931318" y="4971168"/>
+            <a:ext cx="1050257" cy="369332"/>
+          </a:xfrm>
+          <a:prstGeom prst="rect">
+            <a:avLst/>
+          </a:prstGeom>
+          <a:noFill/>
+        </p:spPr>
+        <p:txBody>
+          <a:bodyPr wrap="square" rtlCol="0">
+            <a:spAutoFit/>
+          </a:bodyPr>
+          <a:lstStyle/>
+          <a:p>
+            <a:pPr algn="r"/>
+            <a:r>
+              <a:rPr kumimoji="1" lang="en-US" altLang="ko-KR" dirty="0">
+                <a:latin typeface="DM Mono" panose="020B0509040201040103" pitchFamily="49" charset="0"/>
+              </a:rPr>
+              <a:t>x</a:t>
+            </a:r>
+            <a:endParaRPr kumimoji="1" lang="ko-KR" altLang="en-US" dirty="0">
+              <a:latin typeface="DM Mono" panose="020B0509040201040103" pitchFamily="49" charset="0"/>
+            </a:endParaRPr>
+          </a:p>
+        </p:txBody>
+      </p:sp>
+      <p:sp>
+        <p:nvSpPr>
+          <p:cNvPr id="11" name="TextBox 10">
+            <a:extLst>
+              <a:ext uri="{FF2B5EF4-FFF2-40B4-BE49-F238E27FC236}">
+                <a16:creationId xmlns:a16="http://schemas.microsoft.com/office/drawing/2014/main" id="{B828A67A-A225-11D6-8FAB-B65C3A57806E}"/>
+              </a:ext>
+            </a:extLst>
+          </p:cNvPr>
+          <p:cNvSpPr txBox="1"/>
+          <p:nvPr/>
+        </p:nvSpPr>
+        <p:spPr>
+          <a:xfrm>
+            <a:off x="4981574" y="4432151"/>
+            <a:ext cx="1287379" cy="369332"/>
+          </a:xfrm>
+          <a:prstGeom prst="rect">
+            <a:avLst/>
+          </a:prstGeom>
+          <a:noFill/>
+        </p:spPr>
+        <p:txBody>
+          <a:bodyPr wrap="square" rtlCol="0">
+            <a:spAutoFit/>
+          </a:bodyPr>
+          <a:lstStyle/>
+          <a:p>
+            <a:pPr algn="ctr"/>
+            <a:r>
+              <a:rPr kumimoji="1" lang="en-US" altLang="ko-KR" dirty="0">
+                <a:latin typeface="DM Mono" panose="020B0509040201040103" pitchFamily="49" charset="0"/>
+              </a:rPr>
+              <a:t>pt1</a:t>
+            </a:r>
+            <a:endParaRPr kumimoji="1" lang="ko-KR" altLang="en-US" dirty="0">
+              <a:latin typeface="DM Mono" panose="020B0509040201040103" pitchFamily="49" charset="0"/>
+            </a:endParaRPr>
+          </a:p>
+        </p:txBody>
+      </p:sp>
+      <p:sp>
+        <p:nvSpPr>
+          <p:cNvPr id="12" name="TextBox 11">
+            <a:extLst>
+              <a:ext uri="{FF2B5EF4-FFF2-40B4-BE49-F238E27FC236}">
+                <a16:creationId xmlns:a16="http://schemas.microsoft.com/office/drawing/2014/main" id="{7A2C9E66-798F-1EFD-C8AA-4BB73CCA6045}"/>
+              </a:ext>
+            </a:extLst>
+          </p:cNvPr>
+          <p:cNvSpPr txBox="1"/>
+          <p:nvPr/>
+        </p:nvSpPr>
+        <p:spPr>
+          <a:xfrm>
+            <a:off x="5064292" y="3611747"/>
+            <a:ext cx="3793958" cy="307777"/>
+          </a:xfrm>
+          <a:prstGeom prst="rect">
+            <a:avLst/>
+          </a:prstGeom>
+          <a:noFill/>
+        </p:spPr>
+        <p:txBody>
+          <a:bodyPr wrap="square">
+            <a:spAutoFit/>
+          </a:bodyPr>
+          <a:lstStyle/>
+          <a:p>
+            <a:pPr algn="ctr"/>
+            <a:r>
+              <a:rPr lang="en-US" altLang="ko-KR" sz="1400" b="1" dirty="0">
+                <a:latin typeface="DM Mono" panose="020B0509040201040103" pitchFamily="49" charset="0"/>
+              </a:rPr>
+              <a:t>main</a:t>
+            </a:r>
+            <a:endParaRPr lang="ko-KR" altLang="en-US" sz="1400" b="1" dirty="0">
+              <a:latin typeface="DM Mono" panose="020B0509040201040103" pitchFamily="49" charset="0"/>
+            </a:endParaRPr>
+          </a:p>
+        </p:txBody>
+      </p:sp>
+      <p:sp>
+        <p:nvSpPr>
+          <p:cNvPr id="7" name="직사각형 6">
+            <a:extLst>
+              <a:ext uri="{FF2B5EF4-FFF2-40B4-BE49-F238E27FC236}">
+                <a16:creationId xmlns:a16="http://schemas.microsoft.com/office/drawing/2014/main" id="{2A73D033-CF82-661B-F3B3-793D3460B220}"/>
+              </a:ext>
+            </a:extLst>
+          </p:cNvPr>
+          <p:cNvSpPr/>
+          <p:nvPr/>
+        </p:nvSpPr>
+        <p:spPr>
+          <a:xfrm>
+            <a:off x="4981575" y="5458617"/>
+            <a:ext cx="1287379" cy="605567"/>
+          </a:xfrm>
+          <a:prstGeom prst="rect">
+            <a:avLst/>
+          </a:prstGeom>
+        </p:spPr>
+        <p:style>
+          <a:lnRef idx="2">
+            <a:schemeClr val="accent4">
+              <a:shade val="15000"/>
+            </a:schemeClr>
+          </a:lnRef>
+          <a:fillRef idx="1">
+            <a:schemeClr val="accent4"/>
+          </a:fillRef>
+          <a:effectRef idx="0">
+            <a:schemeClr val="accent4"/>
+          </a:effectRef>
+          <a:fontRef idx="minor">
+            <a:schemeClr val="lt1"/>
+          </a:fontRef>
+        </p:style>
+        <p:txBody>
+          <a:bodyPr rtlCol="0" anchor="ctr"/>
+          <a:lstStyle/>
+          <a:p>
+            <a:pPr algn="ctr"/>
+            <a:endParaRPr kumimoji="1" lang="ko-KR" altLang="en-US" dirty="0">
+              <a:solidFill>
+                <a:schemeClr val="tx1"/>
+              </a:solidFill>
+              <a:latin typeface="DM Mono" panose="020B0509040201040103" pitchFamily="49" charset="0"/>
+            </a:endParaRPr>
+          </a:p>
+        </p:txBody>
+      </p:sp>
+      <p:sp>
+        <p:nvSpPr>
+          <p:cNvPr id="13" name="TextBox 12">
+            <a:extLst>
+              <a:ext uri="{FF2B5EF4-FFF2-40B4-BE49-F238E27FC236}">
+                <a16:creationId xmlns:a16="http://schemas.microsoft.com/office/drawing/2014/main" id="{FC0CC09C-29EC-E5AB-0C04-5427A48215EF}"/>
+              </a:ext>
+            </a:extLst>
+          </p:cNvPr>
+          <p:cNvSpPr txBox="1"/>
+          <p:nvPr/>
+        </p:nvSpPr>
+        <p:spPr>
+          <a:xfrm>
+            <a:off x="3931318" y="5576734"/>
+            <a:ext cx="1050257" cy="369332"/>
+          </a:xfrm>
+          <a:prstGeom prst="rect">
+            <a:avLst/>
+          </a:prstGeom>
+          <a:noFill/>
+        </p:spPr>
+        <p:txBody>
+          <a:bodyPr wrap="square" rtlCol="0">
+            <a:spAutoFit/>
+          </a:bodyPr>
+          <a:lstStyle/>
+          <a:p>
+            <a:pPr algn="r"/>
+            <a:r>
+              <a:rPr kumimoji="1" lang="en-US" altLang="ko-KR" dirty="0">
+                <a:latin typeface="DM Mono" panose="020B0509040201040103" pitchFamily="49" charset="0"/>
+              </a:rPr>
+              <a:t>y</a:t>
+            </a:r>
+            <a:endParaRPr kumimoji="1" lang="ko-KR" altLang="en-US" dirty="0">
+              <a:latin typeface="DM Mono" panose="020B0509040201040103" pitchFamily="49" charset="0"/>
+            </a:endParaRPr>
+          </a:p>
+        </p:txBody>
+      </p:sp>
+      <p:sp>
+        <p:nvSpPr>
+          <p:cNvPr id="2" name="직사각형 1">
+            <a:extLst>
+              <a:ext uri="{FF2B5EF4-FFF2-40B4-BE49-F238E27FC236}">
+                <a16:creationId xmlns:a16="http://schemas.microsoft.com/office/drawing/2014/main" id="{16283649-F46C-3493-104C-1C926A16322B}"/>
+              </a:ext>
+            </a:extLst>
+          </p:cNvPr>
+          <p:cNvSpPr/>
+          <p:nvPr/>
+        </p:nvSpPr>
+        <p:spPr>
+          <a:xfrm>
+            <a:off x="8233609" y="4801483"/>
+            <a:ext cx="1287379" cy="605567"/>
+          </a:xfrm>
+          <a:prstGeom prst="rect">
+            <a:avLst/>
+          </a:prstGeom>
+        </p:spPr>
+        <p:style>
+          <a:lnRef idx="2">
+            <a:schemeClr val="accent4">
+              <a:shade val="15000"/>
+            </a:schemeClr>
+          </a:lnRef>
+          <a:fillRef idx="1">
+            <a:schemeClr val="accent4"/>
+          </a:fillRef>
+          <a:effectRef idx="0">
+            <a:schemeClr val="accent4"/>
+          </a:effectRef>
+          <a:fontRef idx="minor">
+            <a:schemeClr val="lt1"/>
+          </a:fontRef>
+        </p:style>
+        <p:txBody>
+          <a:bodyPr rtlCol="0" anchor="ctr"/>
+          <a:lstStyle/>
+          <a:p>
+            <a:pPr algn="ctr"/>
+            <a:endParaRPr kumimoji="1" lang="ko-KR" altLang="en-US" dirty="0">
+              <a:solidFill>
+                <a:schemeClr val="tx1"/>
+              </a:solidFill>
+              <a:latin typeface="DM Mono" panose="020B0509040201040103" pitchFamily="49" charset="0"/>
+            </a:endParaRPr>
+          </a:p>
+        </p:txBody>
+      </p:sp>
+      <p:sp>
+        <p:nvSpPr>
+          <p:cNvPr id="3" name="TextBox 2">
+            <a:extLst>
+              <a:ext uri="{FF2B5EF4-FFF2-40B4-BE49-F238E27FC236}">
+                <a16:creationId xmlns:a16="http://schemas.microsoft.com/office/drawing/2014/main" id="{7C52537B-A2C4-EC3B-E1C4-AB2552F27666}"/>
+              </a:ext>
+            </a:extLst>
+          </p:cNvPr>
+          <p:cNvSpPr txBox="1"/>
+          <p:nvPr/>
+        </p:nvSpPr>
+        <p:spPr>
+          <a:xfrm>
+            <a:off x="7183352" y="4919600"/>
+            <a:ext cx="1050257" cy="369332"/>
+          </a:xfrm>
+          <a:prstGeom prst="rect">
+            <a:avLst/>
+          </a:prstGeom>
+          <a:noFill/>
+        </p:spPr>
+        <p:txBody>
+          <a:bodyPr wrap="square" rtlCol="0">
+            <a:spAutoFit/>
+          </a:bodyPr>
+          <a:lstStyle/>
+          <a:p>
+            <a:pPr algn="r"/>
+            <a:r>
+              <a:rPr kumimoji="1" lang="en-US" altLang="ko-KR" dirty="0">
+                <a:latin typeface="DM Mono" panose="020B0509040201040103" pitchFamily="49" charset="0"/>
+              </a:rPr>
+              <a:t>x</a:t>
+            </a:r>
+            <a:endParaRPr kumimoji="1" lang="ko-KR" altLang="en-US" dirty="0">
+              <a:latin typeface="DM Mono" panose="020B0509040201040103" pitchFamily="49" charset="0"/>
+            </a:endParaRPr>
+          </a:p>
+        </p:txBody>
+      </p:sp>
+      <p:sp>
+        <p:nvSpPr>
+          <p:cNvPr id="8" name="TextBox 7">
+            <a:extLst>
+              <a:ext uri="{FF2B5EF4-FFF2-40B4-BE49-F238E27FC236}">
+                <a16:creationId xmlns:a16="http://schemas.microsoft.com/office/drawing/2014/main" id="{F68FEB8A-792A-2257-7F14-8D4182A4B986}"/>
+              </a:ext>
+            </a:extLst>
+          </p:cNvPr>
+          <p:cNvSpPr txBox="1"/>
+          <p:nvPr/>
+        </p:nvSpPr>
+        <p:spPr>
+          <a:xfrm>
+            <a:off x="8233608" y="4380583"/>
+            <a:ext cx="1287379" cy="369332"/>
+          </a:xfrm>
+          <a:prstGeom prst="rect">
+            <a:avLst/>
+          </a:prstGeom>
+          <a:noFill/>
+        </p:spPr>
+        <p:txBody>
+          <a:bodyPr wrap="square" rtlCol="0">
+            <a:spAutoFit/>
+          </a:bodyPr>
+          <a:lstStyle/>
+          <a:p>
+            <a:pPr algn="ctr"/>
+            <a:r>
+              <a:rPr kumimoji="1" lang="en-US" altLang="ko-KR" dirty="0">
+                <a:latin typeface="DM Mono" panose="020B0509040201040103" pitchFamily="49" charset="0"/>
+              </a:rPr>
+              <a:t>pt2</a:t>
+            </a:r>
+            <a:endParaRPr kumimoji="1" lang="ko-KR" altLang="en-US" dirty="0">
+              <a:latin typeface="DM Mono" panose="020B0509040201040103" pitchFamily="49" charset="0"/>
+            </a:endParaRPr>
+          </a:p>
+        </p:txBody>
+      </p:sp>
+      <p:sp>
+        <p:nvSpPr>
+          <p:cNvPr id="9" name="직사각형 8">
+            <a:extLst>
+              <a:ext uri="{FF2B5EF4-FFF2-40B4-BE49-F238E27FC236}">
+                <a16:creationId xmlns:a16="http://schemas.microsoft.com/office/drawing/2014/main" id="{3977B6FE-524F-61AA-0B64-BE0E40012ACD}"/>
+              </a:ext>
+            </a:extLst>
+          </p:cNvPr>
+          <p:cNvSpPr/>
+          <p:nvPr/>
+        </p:nvSpPr>
+        <p:spPr>
+          <a:xfrm>
+            <a:off x="8233609" y="5407049"/>
+            <a:ext cx="1287379" cy="605567"/>
+          </a:xfrm>
+          <a:prstGeom prst="rect">
+            <a:avLst/>
+          </a:prstGeom>
+        </p:spPr>
+        <p:style>
+          <a:lnRef idx="2">
+            <a:schemeClr val="accent4">
+              <a:shade val="15000"/>
+            </a:schemeClr>
+          </a:lnRef>
+          <a:fillRef idx="1">
+            <a:schemeClr val="accent4"/>
+          </a:fillRef>
+          <a:effectRef idx="0">
+            <a:schemeClr val="accent4"/>
+          </a:effectRef>
+          <a:fontRef idx="minor">
+            <a:schemeClr val="lt1"/>
+          </a:fontRef>
+        </p:style>
+        <p:txBody>
+          <a:bodyPr rtlCol="0" anchor="ctr"/>
+          <a:lstStyle/>
+          <a:p>
+            <a:pPr algn="ctr"/>
+            <a:endParaRPr kumimoji="1" lang="ko-KR" altLang="en-US" dirty="0">
+              <a:solidFill>
+                <a:schemeClr val="tx1"/>
+              </a:solidFill>
+              <a:latin typeface="DM Mono" panose="020B0509040201040103" pitchFamily="49" charset="0"/>
+            </a:endParaRPr>
+          </a:p>
+        </p:txBody>
+      </p:sp>
+      <p:sp>
+        <p:nvSpPr>
+          <p:cNvPr id="19" name="TextBox 18">
+            <a:extLst>
+              <a:ext uri="{FF2B5EF4-FFF2-40B4-BE49-F238E27FC236}">
+                <a16:creationId xmlns:a16="http://schemas.microsoft.com/office/drawing/2014/main" id="{450D414C-958D-79FF-9C30-5343EF36C2A8}"/>
+              </a:ext>
+            </a:extLst>
+          </p:cNvPr>
+          <p:cNvSpPr txBox="1"/>
+          <p:nvPr/>
+        </p:nvSpPr>
+        <p:spPr>
+          <a:xfrm>
+            <a:off x="7183352" y="5525166"/>
+            <a:ext cx="1050257" cy="369332"/>
+          </a:xfrm>
+          <a:prstGeom prst="rect">
+            <a:avLst/>
+          </a:prstGeom>
+          <a:noFill/>
+        </p:spPr>
+        <p:txBody>
+          <a:bodyPr wrap="square" rtlCol="0">
+            <a:spAutoFit/>
+          </a:bodyPr>
+          <a:lstStyle/>
+          <a:p>
+            <a:pPr algn="r"/>
+            <a:r>
+              <a:rPr kumimoji="1" lang="en-US" altLang="ko-KR" dirty="0">
+                <a:latin typeface="DM Mono" panose="020B0509040201040103" pitchFamily="49" charset="0"/>
+              </a:rPr>
+              <a:t>y</a:t>
+            </a:r>
+            <a:endParaRPr kumimoji="1" lang="ko-KR" altLang="en-US" dirty="0">
+              <a:latin typeface="DM Mono" panose="020B0509040201040103" pitchFamily="49" charset="0"/>
+            </a:endParaRPr>
+          </a:p>
+        </p:txBody>
+      </p:sp>
+    </p:spTree>
+    <p:extLst>
+      <p:ext uri="{BB962C8B-B14F-4D97-AF65-F5344CB8AC3E}">
+        <p14:creationId xmlns:p14="http://schemas.microsoft.com/office/powerpoint/2010/main" val="1070759930"/>
+      </p:ext>
+    </p:extLst>
+  </p:cSld>
+  <p:clrMapOvr>
+    <a:masterClrMapping/>
+  </p:clrMapOvr>
+</p:sld>
+</file>
+
+<file path=ppt/slides/slide32.xml><?xml version="1.0" encoding="utf-8"?>
+<p:sld xmlns:a="http://schemas.openxmlformats.org/drawingml/2006/main" xmlns:r="http://schemas.openxmlformats.org/officeDocument/2006/relationships" xmlns:p="http://schemas.openxmlformats.org/presentationml/2006/main">
+  <p:cSld>
+    <p:spTree>
+      <p:nvGrpSpPr>
+        <p:cNvPr id="1" name="">
+          <a:extLst>
+            <a:ext uri="{FF2B5EF4-FFF2-40B4-BE49-F238E27FC236}">
+              <a16:creationId xmlns:a16="http://schemas.microsoft.com/office/drawing/2014/main" id="{4796E4C1-DEE7-0B00-1565-9FBA2999E9E4}"/>
+            </a:ext>
+          </a:extLst>
+        </p:cNvPr>
+        <p:cNvGrpSpPr/>
+        <p:nvPr/>
+      </p:nvGrpSpPr>
+      <p:grpSpPr>
+        <a:xfrm>
+          <a:off x="0" y="0"/>
+          <a:ext cx="0" cy="0"/>
+          <a:chOff x="0" y="0"/>
+          <a:chExt cx="0" cy="0"/>
+        </a:xfrm>
+      </p:grpSpPr>
+      <p:sp>
+        <p:nvSpPr>
+          <p:cNvPr id="5" name="TextBox 4">
+            <a:extLst>
+              <a:ext uri="{FF2B5EF4-FFF2-40B4-BE49-F238E27FC236}">
+                <a16:creationId xmlns:a16="http://schemas.microsoft.com/office/drawing/2014/main" id="{BDA26C2D-399C-F8DE-6674-F61616A0CEA1}"/>
+              </a:ext>
+            </a:extLst>
+          </p:cNvPr>
+          <p:cNvSpPr txBox="1"/>
+          <p:nvPr/>
+        </p:nvSpPr>
+        <p:spPr>
+          <a:xfrm>
+            <a:off x="383362" y="588935"/>
+            <a:ext cx="4068170" cy="4770537"/>
+          </a:xfrm>
+          <a:prstGeom prst="rect">
+            <a:avLst/>
+          </a:prstGeom>
+          <a:noFill/>
+        </p:spPr>
+        <p:txBody>
+          <a:bodyPr wrap="square">
+            <a:spAutoFit/>
+          </a:bodyPr>
+          <a:lstStyle/>
+          <a:p>
+            <a:r>
+              <a:rPr lang="en-US" altLang="ko-KR" sz="1600" dirty="0">
+                <a:latin typeface="DM Mono" panose="020B0509040201040103" pitchFamily="49" charset="0"/>
+              </a:rPr>
+              <a:t>class Point</a:t>
+            </a:r>
+          </a:p>
+          <a:p>
+            <a:r>
+              <a:rPr lang="en-US" altLang="ko-KR" sz="1600" dirty="0">
+                <a:latin typeface="DM Mono" panose="020B0509040201040103" pitchFamily="49" charset="0"/>
+              </a:rPr>
+              <a:t>{</a:t>
+            </a:r>
+          </a:p>
+          <a:p>
+            <a:r>
+              <a:rPr lang="en-US" altLang="ko-KR" sz="1600" dirty="0">
+                <a:latin typeface="DM Mono" panose="020B0509040201040103" pitchFamily="49" charset="0"/>
+              </a:rPr>
+              <a:t>  int x;</a:t>
+            </a:r>
+          </a:p>
+          <a:p>
+            <a:r>
+              <a:rPr lang="en-US" altLang="ko-KR" sz="1600" dirty="0">
+                <a:latin typeface="DM Mono" panose="020B0509040201040103" pitchFamily="49" charset="0"/>
+              </a:rPr>
+              <a:t>  int y;</a:t>
+            </a:r>
+            <a:br>
+              <a:rPr lang="en-US" altLang="ko-KR" sz="1600" dirty="0">
+                <a:latin typeface="DM Mono" panose="020B0509040201040103" pitchFamily="49" charset="0"/>
+              </a:rPr>
+            </a:br>
+            <a:r>
+              <a:rPr lang="en-US" altLang="ko-KR" sz="1600" dirty="0">
+                <a:latin typeface="DM Mono" panose="020B0509040201040103" pitchFamily="49" charset="0"/>
+              </a:rPr>
+              <a:t>public:</a:t>
+            </a:r>
+          </a:p>
+          <a:p>
+            <a:r>
+              <a:rPr lang="en-US" altLang="ko-KR" sz="1600" dirty="0">
+                <a:latin typeface="DM Mono" panose="020B0509040201040103" pitchFamily="49" charset="0"/>
+              </a:rPr>
+              <a:t>  void Set(int a, int b)</a:t>
+            </a:r>
+          </a:p>
+          <a:p>
+            <a:r>
+              <a:rPr lang="en-US" altLang="ko-KR" sz="1600" dirty="0">
+                <a:latin typeface="DM Mono" panose="020B0509040201040103" pitchFamily="49" charset="0"/>
+              </a:rPr>
+              <a:t>  {</a:t>
+            </a:r>
+          </a:p>
+          <a:p>
+            <a:r>
+              <a:rPr lang="en-US" altLang="ko-KR" sz="1600" dirty="0">
+                <a:latin typeface="DM Mono" panose="020B0509040201040103" pitchFamily="49" charset="0"/>
+              </a:rPr>
+              <a:t>    x = a;</a:t>
+            </a:r>
+          </a:p>
+          <a:p>
+            <a:r>
+              <a:rPr lang="en-US" altLang="ko-KR" sz="1600" dirty="0">
+                <a:latin typeface="DM Mono" panose="020B0509040201040103" pitchFamily="49" charset="0"/>
+              </a:rPr>
+              <a:t>    y = b;</a:t>
+            </a:r>
+          </a:p>
+          <a:p>
+            <a:r>
+              <a:rPr lang="en-US" altLang="ko-KR" sz="1600" dirty="0">
+                <a:latin typeface="DM Mono" panose="020B0509040201040103" pitchFamily="49" charset="0"/>
+              </a:rPr>
+              <a:t>  }</a:t>
+            </a:r>
+          </a:p>
+          <a:p>
+            <a:r>
+              <a:rPr lang="en-US" altLang="ko-KR" sz="1600" dirty="0">
+                <a:latin typeface="DM Mono" panose="020B0509040201040103" pitchFamily="49" charset="0"/>
+              </a:rPr>
+              <a:t>};</a:t>
+            </a:r>
+          </a:p>
+          <a:p>
+            <a:br>
+              <a:rPr lang="en-US" altLang="ko-KR" sz="1600" dirty="0">
+                <a:latin typeface="DM Mono" panose="020B0509040201040103" pitchFamily="49" charset="0"/>
+              </a:rPr>
+            </a:br>
+            <a:r>
+              <a:rPr lang="en-US" altLang="ko-KR" sz="1600" dirty="0">
+                <a:latin typeface="DM Mono" panose="020B0509040201040103" pitchFamily="49" charset="0"/>
+              </a:rPr>
+              <a:t>Point pt1;</a:t>
+            </a:r>
+          </a:p>
+          <a:p>
+            <a:r>
+              <a:rPr lang="en-US" altLang="ko-KR" sz="1600" dirty="0">
+                <a:latin typeface="DM Mono" panose="020B0509040201040103" pitchFamily="49" charset="0"/>
+              </a:rPr>
+              <a:t>Point pt2;</a:t>
+            </a:r>
+          </a:p>
+          <a:p>
+            <a:br>
+              <a:rPr lang="en-US" altLang="ko-KR" sz="1600" dirty="0">
+                <a:latin typeface="DM Mono" panose="020B0509040201040103" pitchFamily="49" charset="0"/>
+              </a:rPr>
+            </a:br>
+            <a:r>
+              <a:rPr lang="en-US" altLang="ko-KR" sz="1600" dirty="0">
+                <a:latin typeface="DM Mono" panose="020B0509040201040103" pitchFamily="49" charset="0"/>
+              </a:rPr>
+              <a:t>pt1.Set(10, 20);</a:t>
+            </a:r>
+          </a:p>
+          <a:p>
+            <a:r>
+              <a:rPr lang="en-US" altLang="ko-KR" sz="1600" dirty="0">
+                <a:solidFill>
+                  <a:srgbClr val="FF0000"/>
+                </a:solidFill>
+                <a:latin typeface="DM Mono" panose="020B0509040201040103" pitchFamily="49" charset="0"/>
+              </a:rPr>
+              <a:t>// Set(&amp;pt1, 10, 20)</a:t>
+            </a:r>
+          </a:p>
+          <a:p>
+            <a:endParaRPr lang="en-US" altLang="ko-KR" sz="1600" dirty="0">
+              <a:latin typeface="DM Mono" panose="020B0509040201040103" pitchFamily="49" charset="0"/>
+            </a:endParaRPr>
+          </a:p>
+          <a:p>
+            <a:r>
+              <a:rPr lang="en-US" altLang="ko-KR" sz="1600" dirty="0">
+                <a:latin typeface="DM Mono" panose="020B0509040201040103" pitchFamily="49" charset="0"/>
+              </a:rPr>
+              <a:t>pt2.Set(100, 200);</a:t>
+            </a:r>
+          </a:p>
+        </p:txBody>
+      </p:sp>
+      <p:sp>
+        <p:nvSpPr>
+          <p:cNvPr id="6" name="직사각형 5">
+            <a:extLst>
+              <a:ext uri="{FF2B5EF4-FFF2-40B4-BE49-F238E27FC236}">
+                <a16:creationId xmlns:a16="http://schemas.microsoft.com/office/drawing/2014/main" id="{942BB53F-CE16-2455-FCB4-698CD07F964A}"/>
+              </a:ext>
+            </a:extLst>
+          </p:cNvPr>
+          <p:cNvSpPr/>
+          <p:nvPr/>
+        </p:nvSpPr>
+        <p:spPr>
+          <a:xfrm>
+            <a:off x="4095751" y="3990975"/>
+            <a:ext cx="6076950" cy="2452437"/>
+          </a:xfrm>
+          <a:prstGeom prst="rect">
+            <a:avLst/>
+          </a:prstGeom>
+          <a:solidFill>
+            <a:schemeClr val="bg1"/>
+          </a:solidFill>
+        </p:spPr>
+        <p:style>
+          <a:lnRef idx="2">
+            <a:schemeClr val="accent1">
+              <a:shade val="15000"/>
+            </a:schemeClr>
+          </a:lnRef>
+          <a:fillRef idx="1">
+            <a:schemeClr val="accent1"/>
+          </a:fillRef>
+          <a:effectRef idx="0">
+            <a:schemeClr val="accent1"/>
+          </a:effectRef>
+          <a:fontRef idx="minor">
+            <a:schemeClr val="lt1"/>
+          </a:fontRef>
+        </p:style>
+        <p:txBody>
+          <a:bodyPr rtlCol="0" anchor="ctr"/>
+          <a:lstStyle/>
+          <a:p>
+            <a:pPr algn="ctr"/>
+            <a:r>
+              <a:rPr kumimoji="1" lang="en-US" altLang="ko-KR" dirty="0"/>
+              <a:t>0x16ce92c2c</a:t>
+            </a:r>
+            <a:endParaRPr kumimoji="1" lang="ko-KR" altLang="en-US" dirty="0"/>
+          </a:p>
+        </p:txBody>
+      </p:sp>
+      <p:sp>
+        <p:nvSpPr>
+          <p:cNvPr id="4" name="직사각형 3">
+            <a:extLst>
+              <a:ext uri="{FF2B5EF4-FFF2-40B4-BE49-F238E27FC236}">
+                <a16:creationId xmlns:a16="http://schemas.microsoft.com/office/drawing/2014/main" id="{CCE420F5-6B9E-80AD-0ECE-217B3199108A}"/>
+              </a:ext>
+            </a:extLst>
+          </p:cNvPr>
+          <p:cNvSpPr/>
+          <p:nvPr/>
+        </p:nvSpPr>
+        <p:spPr>
+          <a:xfrm>
+            <a:off x="4981575" y="4853051"/>
+            <a:ext cx="1287379" cy="605567"/>
+          </a:xfrm>
+          <a:prstGeom prst="rect">
+            <a:avLst/>
+          </a:prstGeom>
+        </p:spPr>
+        <p:style>
+          <a:lnRef idx="2">
+            <a:schemeClr val="accent4">
+              <a:shade val="15000"/>
+            </a:schemeClr>
+          </a:lnRef>
+          <a:fillRef idx="1">
+            <a:schemeClr val="accent4"/>
+          </a:fillRef>
+          <a:effectRef idx="0">
+            <a:schemeClr val="accent4"/>
+          </a:effectRef>
+          <a:fontRef idx="minor">
+            <a:schemeClr val="lt1"/>
+          </a:fontRef>
+        </p:style>
+        <p:txBody>
+          <a:bodyPr rtlCol="0" anchor="ctr"/>
+          <a:lstStyle/>
+          <a:p>
+            <a:pPr algn="ctr"/>
+            <a:r>
+              <a:rPr kumimoji="1" lang="en-US" altLang="ko-KR" dirty="0">
+                <a:solidFill>
+                  <a:srgbClr val="FF0000"/>
+                </a:solidFill>
+                <a:latin typeface="DM Mono" panose="020B0509040201040103" pitchFamily="49" charset="0"/>
+              </a:rPr>
+              <a:t>10</a:t>
+            </a:r>
+            <a:endParaRPr kumimoji="1" lang="ko-KR" altLang="en-US" dirty="0">
+              <a:solidFill>
+                <a:srgbClr val="FF0000"/>
+              </a:solidFill>
+              <a:latin typeface="DM Mono" panose="020B0509040201040103" pitchFamily="49" charset="0"/>
+            </a:endParaRPr>
+          </a:p>
+        </p:txBody>
+      </p:sp>
+      <p:sp>
+        <p:nvSpPr>
+          <p:cNvPr id="10" name="TextBox 9">
+            <a:extLst>
+              <a:ext uri="{FF2B5EF4-FFF2-40B4-BE49-F238E27FC236}">
+                <a16:creationId xmlns:a16="http://schemas.microsoft.com/office/drawing/2014/main" id="{7D3A26F1-FBAA-D61E-3426-61F23B4178BD}"/>
+              </a:ext>
+            </a:extLst>
+          </p:cNvPr>
+          <p:cNvSpPr txBox="1"/>
+          <p:nvPr/>
+        </p:nvSpPr>
+        <p:spPr>
+          <a:xfrm>
+            <a:off x="3931318" y="4971168"/>
+            <a:ext cx="1050257" cy="369332"/>
+          </a:xfrm>
+          <a:prstGeom prst="rect">
+            <a:avLst/>
+          </a:prstGeom>
+          <a:noFill/>
+        </p:spPr>
+        <p:txBody>
+          <a:bodyPr wrap="square" rtlCol="0">
+            <a:spAutoFit/>
+          </a:bodyPr>
+          <a:lstStyle/>
+          <a:p>
+            <a:pPr algn="r"/>
+            <a:r>
+              <a:rPr kumimoji="1" lang="en-US" altLang="ko-KR" dirty="0">
+                <a:latin typeface="DM Mono" panose="020B0509040201040103" pitchFamily="49" charset="0"/>
+              </a:rPr>
+              <a:t>x</a:t>
+            </a:r>
+            <a:endParaRPr kumimoji="1" lang="ko-KR" altLang="en-US" dirty="0">
+              <a:latin typeface="DM Mono" panose="020B0509040201040103" pitchFamily="49" charset="0"/>
+            </a:endParaRPr>
+          </a:p>
+        </p:txBody>
+      </p:sp>
+      <p:sp>
+        <p:nvSpPr>
+          <p:cNvPr id="11" name="TextBox 10">
+            <a:extLst>
+              <a:ext uri="{FF2B5EF4-FFF2-40B4-BE49-F238E27FC236}">
+                <a16:creationId xmlns:a16="http://schemas.microsoft.com/office/drawing/2014/main" id="{DBBB580D-5C86-AF09-B48E-E143C3BF0CC8}"/>
+              </a:ext>
+            </a:extLst>
+          </p:cNvPr>
+          <p:cNvSpPr txBox="1"/>
+          <p:nvPr/>
+        </p:nvSpPr>
+        <p:spPr>
+          <a:xfrm>
+            <a:off x="4981574" y="4432151"/>
+            <a:ext cx="1287379" cy="369332"/>
+          </a:xfrm>
+          <a:prstGeom prst="rect">
+            <a:avLst/>
+          </a:prstGeom>
+          <a:noFill/>
+        </p:spPr>
+        <p:txBody>
+          <a:bodyPr wrap="square" rtlCol="0">
+            <a:spAutoFit/>
+          </a:bodyPr>
+          <a:lstStyle/>
+          <a:p>
+            <a:pPr algn="ctr"/>
+            <a:r>
+              <a:rPr kumimoji="1" lang="en-US" altLang="ko-KR" dirty="0">
+                <a:latin typeface="DM Mono" panose="020B0509040201040103" pitchFamily="49" charset="0"/>
+              </a:rPr>
+              <a:t>pt1</a:t>
+            </a:r>
+            <a:endParaRPr kumimoji="1" lang="ko-KR" altLang="en-US" dirty="0">
+              <a:latin typeface="DM Mono" panose="020B0509040201040103" pitchFamily="49" charset="0"/>
+            </a:endParaRPr>
+          </a:p>
+        </p:txBody>
+      </p:sp>
+      <p:sp>
+        <p:nvSpPr>
+          <p:cNvPr id="12" name="TextBox 11">
+            <a:extLst>
+              <a:ext uri="{FF2B5EF4-FFF2-40B4-BE49-F238E27FC236}">
+                <a16:creationId xmlns:a16="http://schemas.microsoft.com/office/drawing/2014/main" id="{27F082FF-2590-E403-51E7-BCFEDB8EB519}"/>
+              </a:ext>
+            </a:extLst>
+          </p:cNvPr>
+          <p:cNvSpPr txBox="1"/>
+          <p:nvPr/>
+        </p:nvSpPr>
+        <p:spPr>
+          <a:xfrm>
+            <a:off x="5064292" y="3611747"/>
+            <a:ext cx="3793958" cy="307777"/>
+          </a:xfrm>
+          <a:prstGeom prst="rect">
+            <a:avLst/>
+          </a:prstGeom>
+          <a:noFill/>
+        </p:spPr>
+        <p:txBody>
+          <a:bodyPr wrap="square">
+            <a:spAutoFit/>
+          </a:bodyPr>
+          <a:lstStyle/>
+          <a:p>
+            <a:pPr algn="ctr"/>
+            <a:r>
+              <a:rPr lang="en-US" altLang="ko-KR" sz="1400" b="1" dirty="0">
+                <a:latin typeface="DM Mono" panose="020B0509040201040103" pitchFamily="49" charset="0"/>
+              </a:rPr>
+              <a:t>main</a:t>
+            </a:r>
+            <a:endParaRPr lang="ko-KR" altLang="en-US" sz="1400" b="1" dirty="0">
+              <a:latin typeface="DM Mono" panose="020B0509040201040103" pitchFamily="49" charset="0"/>
+            </a:endParaRPr>
+          </a:p>
+        </p:txBody>
+      </p:sp>
+      <p:sp>
+        <p:nvSpPr>
+          <p:cNvPr id="7" name="직사각형 6">
+            <a:extLst>
+              <a:ext uri="{FF2B5EF4-FFF2-40B4-BE49-F238E27FC236}">
+                <a16:creationId xmlns:a16="http://schemas.microsoft.com/office/drawing/2014/main" id="{143806D8-3F57-7C87-61D9-B42E193F2AA1}"/>
+              </a:ext>
+            </a:extLst>
+          </p:cNvPr>
+          <p:cNvSpPr/>
+          <p:nvPr/>
+        </p:nvSpPr>
+        <p:spPr>
+          <a:xfrm>
+            <a:off x="4981575" y="5458617"/>
+            <a:ext cx="1287379" cy="605567"/>
+          </a:xfrm>
+          <a:prstGeom prst="rect">
+            <a:avLst/>
+          </a:prstGeom>
+        </p:spPr>
+        <p:style>
+          <a:lnRef idx="2">
+            <a:schemeClr val="accent4">
+              <a:shade val="15000"/>
+            </a:schemeClr>
+          </a:lnRef>
+          <a:fillRef idx="1">
+            <a:schemeClr val="accent4"/>
+          </a:fillRef>
+          <a:effectRef idx="0">
+            <a:schemeClr val="accent4"/>
+          </a:effectRef>
+          <a:fontRef idx="minor">
+            <a:schemeClr val="lt1"/>
+          </a:fontRef>
+        </p:style>
+        <p:txBody>
+          <a:bodyPr rtlCol="0" anchor="ctr"/>
+          <a:lstStyle/>
+          <a:p>
+            <a:pPr algn="ctr"/>
+            <a:r>
+              <a:rPr kumimoji="1" lang="en-US" altLang="ko-KR" dirty="0">
+                <a:solidFill>
+                  <a:srgbClr val="FF0000"/>
+                </a:solidFill>
+                <a:latin typeface="DM Mono" panose="020B0509040201040103" pitchFamily="49" charset="0"/>
+              </a:rPr>
+              <a:t>20</a:t>
+            </a:r>
+            <a:endParaRPr kumimoji="1" lang="ko-KR" altLang="en-US" dirty="0">
+              <a:solidFill>
+                <a:srgbClr val="FF0000"/>
+              </a:solidFill>
+              <a:latin typeface="DM Mono" panose="020B0509040201040103" pitchFamily="49" charset="0"/>
+            </a:endParaRPr>
+          </a:p>
+        </p:txBody>
+      </p:sp>
+      <p:sp>
+        <p:nvSpPr>
+          <p:cNvPr id="13" name="TextBox 12">
+            <a:extLst>
+              <a:ext uri="{FF2B5EF4-FFF2-40B4-BE49-F238E27FC236}">
+                <a16:creationId xmlns:a16="http://schemas.microsoft.com/office/drawing/2014/main" id="{9632121A-3479-8B6D-EB15-ED3BF6B9639D}"/>
+              </a:ext>
+            </a:extLst>
+          </p:cNvPr>
+          <p:cNvSpPr txBox="1"/>
+          <p:nvPr/>
+        </p:nvSpPr>
+        <p:spPr>
+          <a:xfrm>
+            <a:off x="3931318" y="5576734"/>
+            <a:ext cx="1050257" cy="369332"/>
+          </a:xfrm>
+          <a:prstGeom prst="rect">
+            <a:avLst/>
+          </a:prstGeom>
+          <a:noFill/>
+        </p:spPr>
+        <p:txBody>
+          <a:bodyPr wrap="square" rtlCol="0">
+            <a:spAutoFit/>
+          </a:bodyPr>
+          <a:lstStyle/>
+          <a:p>
+            <a:pPr algn="r"/>
+            <a:r>
+              <a:rPr kumimoji="1" lang="en-US" altLang="ko-KR" dirty="0">
+                <a:latin typeface="DM Mono" panose="020B0509040201040103" pitchFamily="49" charset="0"/>
+              </a:rPr>
+              <a:t>y</a:t>
+            </a:r>
+            <a:endParaRPr kumimoji="1" lang="ko-KR" altLang="en-US" dirty="0">
+              <a:latin typeface="DM Mono" panose="020B0509040201040103" pitchFamily="49" charset="0"/>
+            </a:endParaRPr>
+          </a:p>
+        </p:txBody>
+      </p:sp>
+      <p:sp>
+        <p:nvSpPr>
+          <p:cNvPr id="2" name="직사각형 1">
+            <a:extLst>
+              <a:ext uri="{FF2B5EF4-FFF2-40B4-BE49-F238E27FC236}">
+                <a16:creationId xmlns:a16="http://schemas.microsoft.com/office/drawing/2014/main" id="{47887202-3B17-861C-0DD6-E4A3A4BDEAA0}"/>
+              </a:ext>
+            </a:extLst>
+          </p:cNvPr>
+          <p:cNvSpPr/>
+          <p:nvPr/>
+        </p:nvSpPr>
+        <p:spPr>
+          <a:xfrm>
+            <a:off x="8233609" y="4801483"/>
+            <a:ext cx="1287379" cy="605567"/>
+          </a:xfrm>
+          <a:prstGeom prst="rect">
+            <a:avLst/>
+          </a:prstGeom>
+        </p:spPr>
+        <p:style>
+          <a:lnRef idx="2">
+            <a:schemeClr val="accent4">
+              <a:shade val="15000"/>
+            </a:schemeClr>
+          </a:lnRef>
+          <a:fillRef idx="1">
+            <a:schemeClr val="accent4"/>
+          </a:fillRef>
+          <a:effectRef idx="0">
+            <a:schemeClr val="accent4"/>
+          </a:effectRef>
+          <a:fontRef idx="minor">
+            <a:schemeClr val="lt1"/>
+          </a:fontRef>
+        </p:style>
+        <p:txBody>
+          <a:bodyPr rtlCol="0" anchor="ctr"/>
+          <a:lstStyle/>
+          <a:p>
+            <a:pPr algn="ctr"/>
+            <a:endParaRPr kumimoji="1" lang="ko-KR" altLang="en-US" dirty="0">
+              <a:solidFill>
+                <a:schemeClr val="tx1"/>
+              </a:solidFill>
+              <a:latin typeface="DM Mono" panose="020B0509040201040103" pitchFamily="49" charset="0"/>
+            </a:endParaRPr>
+          </a:p>
+        </p:txBody>
+      </p:sp>
+      <p:sp>
+        <p:nvSpPr>
+          <p:cNvPr id="3" name="TextBox 2">
+            <a:extLst>
+              <a:ext uri="{FF2B5EF4-FFF2-40B4-BE49-F238E27FC236}">
+                <a16:creationId xmlns:a16="http://schemas.microsoft.com/office/drawing/2014/main" id="{40CBD9C1-6923-FE65-AF9E-B22A8695C45D}"/>
+              </a:ext>
+            </a:extLst>
+          </p:cNvPr>
+          <p:cNvSpPr txBox="1"/>
+          <p:nvPr/>
+        </p:nvSpPr>
+        <p:spPr>
+          <a:xfrm>
+            <a:off x="7183352" y="4919600"/>
+            <a:ext cx="1050257" cy="369332"/>
+          </a:xfrm>
+          <a:prstGeom prst="rect">
+            <a:avLst/>
+          </a:prstGeom>
+          <a:noFill/>
+        </p:spPr>
+        <p:txBody>
+          <a:bodyPr wrap="square" rtlCol="0">
+            <a:spAutoFit/>
+          </a:bodyPr>
+          <a:lstStyle/>
+          <a:p>
+            <a:pPr algn="r"/>
+            <a:r>
+              <a:rPr kumimoji="1" lang="en-US" altLang="ko-KR" dirty="0">
+                <a:latin typeface="DM Mono" panose="020B0509040201040103" pitchFamily="49" charset="0"/>
+              </a:rPr>
+              <a:t>x</a:t>
+            </a:r>
+            <a:endParaRPr kumimoji="1" lang="ko-KR" altLang="en-US" dirty="0">
+              <a:latin typeface="DM Mono" panose="020B0509040201040103" pitchFamily="49" charset="0"/>
+            </a:endParaRPr>
+          </a:p>
+        </p:txBody>
+      </p:sp>
+      <p:sp>
+        <p:nvSpPr>
+          <p:cNvPr id="8" name="TextBox 7">
+            <a:extLst>
+              <a:ext uri="{FF2B5EF4-FFF2-40B4-BE49-F238E27FC236}">
+                <a16:creationId xmlns:a16="http://schemas.microsoft.com/office/drawing/2014/main" id="{6FF8952F-C69E-07F7-1312-78F780697DD2}"/>
+              </a:ext>
+            </a:extLst>
+          </p:cNvPr>
+          <p:cNvSpPr txBox="1"/>
+          <p:nvPr/>
+        </p:nvSpPr>
+        <p:spPr>
+          <a:xfrm>
+            <a:off x="8233608" y="4380583"/>
+            <a:ext cx="1287379" cy="369332"/>
+          </a:xfrm>
+          <a:prstGeom prst="rect">
+            <a:avLst/>
+          </a:prstGeom>
+          <a:noFill/>
+        </p:spPr>
+        <p:txBody>
+          <a:bodyPr wrap="square" rtlCol="0">
+            <a:spAutoFit/>
+          </a:bodyPr>
+          <a:lstStyle/>
+          <a:p>
+            <a:pPr algn="ctr"/>
+            <a:r>
+              <a:rPr kumimoji="1" lang="en-US" altLang="ko-KR" dirty="0">
+                <a:latin typeface="DM Mono" panose="020B0509040201040103" pitchFamily="49" charset="0"/>
+              </a:rPr>
+              <a:t>pt2</a:t>
+            </a:r>
+            <a:endParaRPr kumimoji="1" lang="ko-KR" altLang="en-US" dirty="0">
+              <a:latin typeface="DM Mono" panose="020B0509040201040103" pitchFamily="49" charset="0"/>
+            </a:endParaRPr>
+          </a:p>
+        </p:txBody>
+      </p:sp>
+      <p:sp>
+        <p:nvSpPr>
+          <p:cNvPr id="9" name="직사각형 8">
+            <a:extLst>
+              <a:ext uri="{FF2B5EF4-FFF2-40B4-BE49-F238E27FC236}">
+                <a16:creationId xmlns:a16="http://schemas.microsoft.com/office/drawing/2014/main" id="{B28F108B-9D03-1E96-54B7-1C27E2601D6D}"/>
+              </a:ext>
+            </a:extLst>
+          </p:cNvPr>
+          <p:cNvSpPr/>
+          <p:nvPr/>
+        </p:nvSpPr>
+        <p:spPr>
+          <a:xfrm>
+            <a:off x="8233609" y="5407049"/>
+            <a:ext cx="1287379" cy="605567"/>
+          </a:xfrm>
+          <a:prstGeom prst="rect">
+            <a:avLst/>
+          </a:prstGeom>
+        </p:spPr>
+        <p:style>
+          <a:lnRef idx="2">
+            <a:schemeClr val="accent4">
+              <a:shade val="15000"/>
+            </a:schemeClr>
+          </a:lnRef>
+          <a:fillRef idx="1">
+            <a:schemeClr val="accent4"/>
+          </a:fillRef>
+          <a:effectRef idx="0">
+            <a:schemeClr val="accent4"/>
+          </a:effectRef>
+          <a:fontRef idx="minor">
+            <a:schemeClr val="lt1"/>
+          </a:fontRef>
+        </p:style>
+        <p:txBody>
+          <a:bodyPr rtlCol="0" anchor="ctr"/>
+          <a:lstStyle/>
+          <a:p>
+            <a:pPr algn="ctr"/>
+            <a:endParaRPr kumimoji="1" lang="ko-KR" altLang="en-US" dirty="0">
+              <a:solidFill>
+                <a:schemeClr val="tx1"/>
+              </a:solidFill>
+              <a:latin typeface="DM Mono" panose="020B0509040201040103" pitchFamily="49" charset="0"/>
+            </a:endParaRPr>
+          </a:p>
+        </p:txBody>
+      </p:sp>
+      <p:sp>
+        <p:nvSpPr>
+          <p:cNvPr id="19" name="TextBox 18">
+            <a:extLst>
+              <a:ext uri="{FF2B5EF4-FFF2-40B4-BE49-F238E27FC236}">
+                <a16:creationId xmlns:a16="http://schemas.microsoft.com/office/drawing/2014/main" id="{24734AB5-F969-5CCB-709F-9B36E5054109}"/>
+              </a:ext>
+            </a:extLst>
+          </p:cNvPr>
+          <p:cNvSpPr txBox="1"/>
+          <p:nvPr/>
+        </p:nvSpPr>
+        <p:spPr>
+          <a:xfrm>
+            <a:off x="7183352" y="5525166"/>
+            <a:ext cx="1050257" cy="369332"/>
+          </a:xfrm>
+          <a:prstGeom prst="rect">
+            <a:avLst/>
+          </a:prstGeom>
+          <a:noFill/>
+        </p:spPr>
+        <p:txBody>
+          <a:bodyPr wrap="square" rtlCol="0">
+            <a:spAutoFit/>
+          </a:bodyPr>
+          <a:lstStyle/>
+          <a:p>
+            <a:pPr algn="r"/>
+            <a:r>
+              <a:rPr kumimoji="1" lang="en-US" altLang="ko-KR" dirty="0">
+                <a:latin typeface="DM Mono" panose="020B0509040201040103" pitchFamily="49" charset="0"/>
+              </a:rPr>
+              <a:t>y</a:t>
+            </a:r>
+            <a:endParaRPr kumimoji="1" lang="ko-KR" altLang="en-US" dirty="0">
+              <a:latin typeface="DM Mono" panose="020B0509040201040103" pitchFamily="49" charset="0"/>
+            </a:endParaRPr>
+          </a:p>
+        </p:txBody>
+      </p:sp>
+      <p:sp>
+        <p:nvSpPr>
+          <p:cNvPr id="21" name="TextBox 20">
+            <a:extLst>
+              <a:ext uri="{FF2B5EF4-FFF2-40B4-BE49-F238E27FC236}">
+                <a16:creationId xmlns:a16="http://schemas.microsoft.com/office/drawing/2014/main" id="{35190EDB-C75A-AD60-BF16-33ABF04D032A}"/>
+              </a:ext>
+            </a:extLst>
+          </p:cNvPr>
+          <p:cNvSpPr txBox="1"/>
+          <p:nvPr/>
+        </p:nvSpPr>
+        <p:spPr>
+          <a:xfrm>
+            <a:off x="4568992" y="1336697"/>
+            <a:ext cx="6096000" cy="1477328"/>
+          </a:xfrm>
+          <a:prstGeom prst="rect">
+            <a:avLst/>
+          </a:prstGeom>
+          <a:noFill/>
+        </p:spPr>
+        <p:txBody>
+          <a:bodyPr wrap="square">
+            <a:spAutoFit/>
+          </a:bodyPr>
+          <a:lstStyle/>
+          <a:p>
+            <a:r>
+              <a:rPr lang="en-US" altLang="ko-KR" sz="1800" dirty="0">
+                <a:latin typeface="DM Mono" panose="020B0509040201040103" pitchFamily="49" charset="0"/>
+              </a:rPr>
+              <a:t>  void Set(</a:t>
+            </a:r>
+            <a:r>
+              <a:rPr lang="en-US" altLang="ko-KR" sz="1800" dirty="0">
+                <a:solidFill>
+                  <a:srgbClr val="FF0000"/>
+                </a:solidFill>
+                <a:latin typeface="DM Mono" panose="020B0509040201040103" pitchFamily="49" charset="0"/>
+              </a:rPr>
+              <a:t>Point* this, </a:t>
+            </a:r>
+            <a:r>
+              <a:rPr lang="en-US" altLang="ko-KR" sz="1800" dirty="0">
+                <a:latin typeface="DM Mono" panose="020B0509040201040103" pitchFamily="49" charset="0"/>
+              </a:rPr>
+              <a:t>int a, int b)</a:t>
+            </a:r>
+          </a:p>
+          <a:p>
+            <a:r>
+              <a:rPr lang="en-US" altLang="ko-KR" sz="1800" dirty="0">
+                <a:latin typeface="DM Mono" panose="020B0509040201040103" pitchFamily="49" charset="0"/>
+              </a:rPr>
+              <a:t>  {</a:t>
+            </a:r>
+          </a:p>
+          <a:p>
+            <a:r>
+              <a:rPr lang="en-US" altLang="ko-KR" sz="1800" dirty="0">
+                <a:latin typeface="DM Mono" panose="020B0509040201040103" pitchFamily="49" charset="0"/>
+              </a:rPr>
+              <a:t>       </a:t>
+            </a:r>
+            <a:r>
+              <a:rPr lang="en-US" altLang="ko-KR" sz="1800" dirty="0">
+                <a:solidFill>
+                  <a:srgbClr val="FF0000"/>
+                </a:solidFill>
+                <a:latin typeface="DM Mono" panose="020B0509040201040103" pitchFamily="49" charset="0"/>
+              </a:rPr>
+              <a:t>this-&gt;</a:t>
+            </a:r>
+            <a:r>
+              <a:rPr lang="en-US" altLang="ko-KR" sz="1800" dirty="0">
+                <a:latin typeface="DM Mono" panose="020B0509040201040103" pitchFamily="49" charset="0"/>
+              </a:rPr>
+              <a:t>x = a;</a:t>
+            </a:r>
+          </a:p>
+          <a:p>
+            <a:r>
+              <a:rPr lang="en-US" altLang="ko-KR" sz="1800" dirty="0">
+                <a:latin typeface="DM Mono" panose="020B0509040201040103" pitchFamily="49" charset="0"/>
+              </a:rPr>
+              <a:t>       </a:t>
+            </a:r>
+            <a:r>
+              <a:rPr lang="en-US" altLang="ko-KR" sz="1800" dirty="0">
+                <a:solidFill>
+                  <a:srgbClr val="FF0000"/>
+                </a:solidFill>
+                <a:latin typeface="DM Mono" panose="020B0509040201040103" pitchFamily="49" charset="0"/>
+              </a:rPr>
+              <a:t>this-&gt;</a:t>
+            </a:r>
+            <a:r>
+              <a:rPr lang="en-US" altLang="ko-KR" sz="1800" dirty="0">
+                <a:latin typeface="DM Mono" panose="020B0509040201040103" pitchFamily="49" charset="0"/>
+              </a:rPr>
+              <a:t>y = b;</a:t>
+            </a:r>
+          </a:p>
+          <a:p>
+            <a:r>
+              <a:rPr lang="en-US" altLang="ko-KR" sz="1800" dirty="0">
+                <a:latin typeface="DM Mono" panose="020B0509040201040103" pitchFamily="49" charset="0"/>
+              </a:rPr>
+              <a:t>  }</a:t>
+            </a:r>
+            <a:endParaRPr lang="ko-KR" altLang="en-US" dirty="0"/>
+          </a:p>
+        </p:txBody>
+      </p:sp>
+      <p:sp>
+        <p:nvSpPr>
+          <p:cNvPr id="23" name="직사각형 22">
+            <a:extLst>
+              <a:ext uri="{FF2B5EF4-FFF2-40B4-BE49-F238E27FC236}">
+                <a16:creationId xmlns:a16="http://schemas.microsoft.com/office/drawing/2014/main" id="{3B7DD4B8-79C5-CAF8-B034-546604537119}"/>
+              </a:ext>
+            </a:extLst>
+          </p:cNvPr>
+          <p:cNvSpPr/>
+          <p:nvPr/>
+        </p:nvSpPr>
+        <p:spPr>
+          <a:xfrm>
+            <a:off x="7029450" y="1336697"/>
+            <a:ext cx="752475" cy="368278"/>
+          </a:xfrm>
+          <a:prstGeom prst="rect">
+            <a:avLst/>
+          </a:prstGeom>
+          <a:noFill/>
+        </p:spPr>
+        <p:style>
+          <a:lnRef idx="2">
+            <a:schemeClr val="accent4">
+              <a:shade val="15000"/>
+            </a:schemeClr>
+          </a:lnRef>
+          <a:fillRef idx="1">
+            <a:schemeClr val="accent4"/>
+          </a:fillRef>
+          <a:effectRef idx="0">
+            <a:schemeClr val="accent4"/>
+          </a:effectRef>
+          <a:fontRef idx="minor">
+            <a:schemeClr val="lt1"/>
+          </a:fontRef>
+        </p:style>
+        <p:txBody>
+          <a:bodyPr rtlCol="0" anchor="ctr"/>
+          <a:lstStyle/>
+          <a:p>
+            <a:pPr algn="ctr"/>
+            <a:endParaRPr kumimoji="1" lang="ko-KR" altLang="en-US" dirty="0">
+              <a:solidFill>
+                <a:sysClr val="windowText" lastClr="000000"/>
+              </a:solidFill>
+            </a:endParaRPr>
+          </a:p>
+        </p:txBody>
+      </p:sp>
+      <p:cxnSp>
+        <p:nvCxnSpPr>
+          <p:cNvPr id="25" name="구부러진 연결선[U] 24">
+            <a:extLst>
+              <a:ext uri="{FF2B5EF4-FFF2-40B4-BE49-F238E27FC236}">
+                <a16:creationId xmlns:a16="http://schemas.microsoft.com/office/drawing/2014/main" id="{65B31637-27CF-6A57-84FE-DEDA0D13B669}"/>
+              </a:ext>
+            </a:extLst>
+          </p:cNvPr>
+          <p:cNvCxnSpPr/>
+          <p:nvPr/>
+        </p:nvCxnSpPr>
+        <p:spPr>
+          <a:xfrm rot="5400000">
+            <a:off x="4971609" y="2362641"/>
+            <a:ext cx="3125083" cy="1752600"/>
+          </a:xfrm>
+          <a:prstGeom prst="curvedConnector3">
+            <a:avLst/>
+          </a:prstGeom>
+          <a:ln w="12700">
+            <a:tailEnd type="triangle"/>
+          </a:ln>
+        </p:spPr>
+        <p:style>
+          <a:lnRef idx="1">
+            <a:schemeClr val="dk1"/>
+          </a:lnRef>
+          <a:fillRef idx="0">
+            <a:schemeClr val="dk1"/>
+          </a:fillRef>
+          <a:effectRef idx="0">
+            <a:schemeClr val="dk1"/>
+          </a:effectRef>
+          <a:fontRef idx="minor">
+            <a:schemeClr val="tx1"/>
+          </a:fontRef>
+        </p:style>
+      </p:cxnSp>
+    </p:spTree>
+    <p:extLst>
+      <p:ext uri="{BB962C8B-B14F-4D97-AF65-F5344CB8AC3E}">
+        <p14:creationId xmlns:p14="http://schemas.microsoft.com/office/powerpoint/2010/main" val="763424696"/>
+      </p:ext>
+    </p:extLst>
+  </p:cSld>
+  <p:clrMapOvr>
+    <a:masterClrMapping/>
+  </p:clrMapOvr>
+</p:sld>
+</file>
+
+<file path=ppt/slides/slide33.xml><?xml version="1.0" encoding="utf-8"?>
+<p:sld xmlns:a="http://schemas.openxmlformats.org/drawingml/2006/main" xmlns:r="http://schemas.openxmlformats.org/officeDocument/2006/relationships" xmlns:p="http://schemas.openxmlformats.org/presentationml/2006/main">
+  <p:cSld>
+    <p:spTree>
+      <p:nvGrpSpPr>
+        <p:cNvPr id="1" name="">
+          <a:extLst>
+            <a:ext uri="{FF2B5EF4-FFF2-40B4-BE49-F238E27FC236}">
+              <a16:creationId xmlns:a16="http://schemas.microsoft.com/office/drawing/2014/main" id="{220FB69A-7B57-A7F6-AB60-AEA562745F22}"/>
+            </a:ext>
+          </a:extLst>
+        </p:cNvPr>
+        <p:cNvGrpSpPr/>
+        <p:nvPr/>
+      </p:nvGrpSpPr>
+      <p:grpSpPr>
+        <a:xfrm>
+          <a:off x="0" y="0"/>
+          <a:ext cx="0" cy="0"/>
+          <a:chOff x="0" y="0"/>
+          <a:chExt cx="0" cy="0"/>
+        </a:xfrm>
+      </p:grpSpPr>
+      <p:sp>
+        <p:nvSpPr>
+          <p:cNvPr id="5" name="TextBox 4">
+            <a:extLst>
+              <a:ext uri="{FF2B5EF4-FFF2-40B4-BE49-F238E27FC236}">
+                <a16:creationId xmlns:a16="http://schemas.microsoft.com/office/drawing/2014/main" id="{587D70CE-177C-A47F-9043-95DB46DA2368}"/>
+              </a:ext>
+            </a:extLst>
+          </p:cNvPr>
+          <p:cNvSpPr txBox="1"/>
+          <p:nvPr/>
+        </p:nvSpPr>
+        <p:spPr>
+          <a:xfrm>
+            <a:off x="383362" y="588935"/>
+            <a:ext cx="4068170" cy="5016758"/>
+          </a:xfrm>
+          <a:prstGeom prst="rect">
+            <a:avLst/>
+          </a:prstGeom>
+          <a:noFill/>
+        </p:spPr>
+        <p:txBody>
+          <a:bodyPr wrap="square">
+            <a:spAutoFit/>
+          </a:bodyPr>
+          <a:lstStyle/>
+          <a:p>
+            <a:r>
+              <a:rPr lang="en-US" altLang="ko-KR" sz="1600" dirty="0">
+                <a:latin typeface="DM Mono" panose="020B0509040201040103" pitchFamily="49" charset="0"/>
+              </a:rPr>
+              <a:t>class Point</a:t>
+            </a:r>
+          </a:p>
+          <a:p>
+            <a:r>
+              <a:rPr lang="en-US" altLang="ko-KR" sz="1600" dirty="0">
+                <a:latin typeface="DM Mono" panose="020B0509040201040103" pitchFamily="49" charset="0"/>
+              </a:rPr>
+              <a:t>{</a:t>
+            </a:r>
+          </a:p>
+          <a:p>
+            <a:r>
+              <a:rPr lang="en-US" altLang="ko-KR" sz="1600" dirty="0">
+                <a:latin typeface="DM Mono" panose="020B0509040201040103" pitchFamily="49" charset="0"/>
+              </a:rPr>
+              <a:t>  int x;</a:t>
+            </a:r>
+          </a:p>
+          <a:p>
+            <a:r>
+              <a:rPr lang="en-US" altLang="ko-KR" sz="1600" dirty="0">
+                <a:latin typeface="DM Mono" panose="020B0509040201040103" pitchFamily="49" charset="0"/>
+              </a:rPr>
+              <a:t>  int y;</a:t>
+            </a:r>
+            <a:br>
+              <a:rPr lang="en-US" altLang="ko-KR" sz="1600" dirty="0">
+                <a:latin typeface="DM Mono" panose="020B0509040201040103" pitchFamily="49" charset="0"/>
+              </a:rPr>
+            </a:br>
+            <a:r>
+              <a:rPr lang="en-US" altLang="ko-KR" sz="1600" dirty="0">
+                <a:latin typeface="DM Mono" panose="020B0509040201040103" pitchFamily="49" charset="0"/>
+              </a:rPr>
+              <a:t>public:</a:t>
+            </a:r>
+          </a:p>
+          <a:p>
+            <a:r>
+              <a:rPr lang="en-US" altLang="ko-KR" sz="1600" dirty="0">
+                <a:latin typeface="DM Mono" panose="020B0509040201040103" pitchFamily="49" charset="0"/>
+              </a:rPr>
+              <a:t>  void Set(int a, int b)</a:t>
+            </a:r>
+          </a:p>
+          <a:p>
+            <a:r>
+              <a:rPr lang="en-US" altLang="ko-KR" sz="1600" dirty="0">
+                <a:latin typeface="DM Mono" panose="020B0509040201040103" pitchFamily="49" charset="0"/>
+              </a:rPr>
+              <a:t>  {</a:t>
+            </a:r>
+          </a:p>
+          <a:p>
+            <a:r>
+              <a:rPr lang="en-US" altLang="ko-KR" sz="1600" dirty="0">
+                <a:latin typeface="DM Mono" panose="020B0509040201040103" pitchFamily="49" charset="0"/>
+              </a:rPr>
+              <a:t>    x = a;</a:t>
+            </a:r>
+          </a:p>
+          <a:p>
+            <a:r>
+              <a:rPr lang="en-US" altLang="ko-KR" sz="1600" dirty="0">
+                <a:latin typeface="DM Mono" panose="020B0509040201040103" pitchFamily="49" charset="0"/>
+              </a:rPr>
+              <a:t>    y = b;</a:t>
+            </a:r>
+          </a:p>
+          <a:p>
+            <a:r>
+              <a:rPr lang="en-US" altLang="ko-KR" sz="1600" dirty="0">
+                <a:latin typeface="DM Mono" panose="020B0509040201040103" pitchFamily="49" charset="0"/>
+              </a:rPr>
+              <a:t>  }</a:t>
+            </a:r>
+          </a:p>
+          <a:p>
+            <a:r>
+              <a:rPr lang="en-US" altLang="ko-KR" sz="1600" dirty="0">
+                <a:latin typeface="DM Mono" panose="020B0509040201040103" pitchFamily="49" charset="0"/>
+              </a:rPr>
+              <a:t>};</a:t>
+            </a:r>
+          </a:p>
+          <a:p>
+            <a:br>
+              <a:rPr lang="en-US" altLang="ko-KR" sz="1600" dirty="0">
+                <a:latin typeface="DM Mono" panose="020B0509040201040103" pitchFamily="49" charset="0"/>
+              </a:rPr>
+            </a:br>
+            <a:r>
+              <a:rPr lang="en-US" altLang="ko-KR" sz="1600" dirty="0">
+                <a:latin typeface="DM Mono" panose="020B0509040201040103" pitchFamily="49" charset="0"/>
+              </a:rPr>
+              <a:t>Point pt1;</a:t>
+            </a:r>
+          </a:p>
+          <a:p>
+            <a:r>
+              <a:rPr lang="en-US" altLang="ko-KR" sz="1600" dirty="0">
+                <a:latin typeface="DM Mono" panose="020B0509040201040103" pitchFamily="49" charset="0"/>
+              </a:rPr>
+              <a:t>Point pt2;</a:t>
+            </a:r>
+          </a:p>
+          <a:p>
+            <a:br>
+              <a:rPr lang="en-US" altLang="ko-KR" sz="1600" dirty="0">
+                <a:latin typeface="DM Mono" panose="020B0509040201040103" pitchFamily="49" charset="0"/>
+              </a:rPr>
+            </a:br>
+            <a:r>
+              <a:rPr lang="en-US" altLang="ko-KR" sz="1600" dirty="0">
+                <a:latin typeface="DM Mono" panose="020B0509040201040103" pitchFamily="49" charset="0"/>
+              </a:rPr>
+              <a:t>pt1.Set(10, 20);</a:t>
+            </a:r>
+          </a:p>
+          <a:p>
+            <a:r>
+              <a:rPr lang="en-US" altLang="ko-KR" sz="1600" dirty="0">
+                <a:latin typeface="DM Mono" panose="020B0509040201040103" pitchFamily="49" charset="0"/>
+              </a:rPr>
+              <a:t>// Set(&amp;pt1, 10, 20)</a:t>
+            </a:r>
+          </a:p>
+          <a:p>
+            <a:endParaRPr lang="en-US" altLang="ko-KR" sz="1600" dirty="0">
+              <a:latin typeface="DM Mono" panose="020B0509040201040103" pitchFamily="49" charset="0"/>
+            </a:endParaRPr>
+          </a:p>
+          <a:p>
+            <a:r>
+              <a:rPr lang="en-US" altLang="ko-KR" sz="1600" dirty="0">
+                <a:latin typeface="DM Mono" panose="020B0509040201040103" pitchFamily="49" charset="0"/>
+              </a:rPr>
+              <a:t>pt2.Set(100, 200);</a:t>
+            </a:r>
+          </a:p>
+          <a:p>
+            <a:r>
+              <a:rPr lang="en-US" altLang="ko-KR" sz="1600" dirty="0">
+                <a:solidFill>
+                  <a:srgbClr val="FF0000"/>
+                </a:solidFill>
+                <a:latin typeface="DM Mono" panose="020B0509040201040103" pitchFamily="49" charset="0"/>
+              </a:rPr>
+              <a:t>// Set(&amp;pt2, 100, 200)</a:t>
+            </a:r>
+          </a:p>
+        </p:txBody>
+      </p:sp>
+      <p:sp>
+        <p:nvSpPr>
+          <p:cNvPr id="6" name="직사각형 5">
+            <a:extLst>
+              <a:ext uri="{FF2B5EF4-FFF2-40B4-BE49-F238E27FC236}">
+                <a16:creationId xmlns:a16="http://schemas.microsoft.com/office/drawing/2014/main" id="{38FBE9F1-1504-AAA0-1FA3-0CC2B235E846}"/>
+              </a:ext>
+            </a:extLst>
+          </p:cNvPr>
+          <p:cNvSpPr/>
+          <p:nvPr/>
+        </p:nvSpPr>
+        <p:spPr>
+          <a:xfrm>
+            <a:off x="4095751" y="3990975"/>
+            <a:ext cx="6076950" cy="2452437"/>
+          </a:xfrm>
+          <a:prstGeom prst="rect">
+            <a:avLst/>
+          </a:prstGeom>
+          <a:solidFill>
+            <a:schemeClr val="bg1"/>
+          </a:solidFill>
+        </p:spPr>
+        <p:style>
+          <a:lnRef idx="2">
+            <a:schemeClr val="accent1">
+              <a:shade val="15000"/>
+            </a:schemeClr>
+          </a:lnRef>
+          <a:fillRef idx="1">
+            <a:schemeClr val="accent1"/>
+          </a:fillRef>
+          <a:effectRef idx="0">
+            <a:schemeClr val="accent1"/>
+          </a:effectRef>
+          <a:fontRef idx="minor">
+            <a:schemeClr val="lt1"/>
+          </a:fontRef>
+        </p:style>
+        <p:txBody>
+          <a:bodyPr rtlCol="0" anchor="ctr"/>
+          <a:lstStyle/>
+          <a:p>
+            <a:pPr algn="ctr"/>
+            <a:r>
+              <a:rPr kumimoji="1" lang="en-US" altLang="ko-KR" dirty="0"/>
+              <a:t>0x16ce92c2c</a:t>
+            </a:r>
+            <a:endParaRPr kumimoji="1" lang="ko-KR" altLang="en-US" dirty="0"/>
+          </a:p>
+        </p:txBody>
+      </p:sp>
+      <p:sp>
+        <p:nvSpPr>
+          <p:cNvPr id="4" name="직사각형 3">
+            <a:extLst>
+              <a:ext uri="{FF2B5EF4-FFF2-40B4-BE49-F238E27FC236}">
+                <a16:creationId xmlns:a16="http://schemas.microsoft.com/office/drawing/2014/main" id="{B18A030D-DC2E-E393-8072-9CB0915FEDB3}"/>
+              </a:ext>
+            </a:extLst>
+          </p:cNvPr>
+          <p:cNvSpPr/>
+          <p:nvPr/>
+        </p:nvSpPr>
+        <p:spPr>
+          <a:xfrm>
+            <a:off x="4981575" y="4853051"/>
+            <a:ext cx="1287379" cy="605567"/>
+          </a:xfrm>
+          <a:prstGeom prst="rect">
+            <a:avLst/>
+          </a:prstGeom>
+        </p:spPr>
+        <p:style>
+          <a:lnRef idx="2">
+            <a:schemeClr val="accent4">
+              <a:shade val="15000"/>
+            </a:schemeClr>
+          </a:lnRef>
+          <a:fillRef idx="1">
+            <a:schemeClr val="accent4"/>
+          </a:fillRef>
+          <a:effectRef idx="0">
+            <a:schemeClr val="accent4"/>
+          </a:effectRef>
+          <a:fontRef idx="minor">
+            <a:schemeClr val="lt1"/>
+          </a:fontRef>
+        </p:style>
+        <p:txBody>
+          <a:bodyPr rtlCol="0" anchor="ctr"/>
+          <a:lstStyle/>
+          <a:p>
+            <a:pPr algn="ctr"/>
+            <a:r>
+              <a:rPr kumimoji="1" lang="en-US" altLang="ko-KR" dirty="0">
+                <a:solidFill>
+                  <a:schemeClr val="tx1"/>
+                </a:solidFill>
+                <a:latin typeface="DM Mono" panose="020B0509040201040103" pitchFamily="49" charset="0"/>
+              </a:rPr>
+              <a:t>10</a:t>
+            </a:r>
+            <a:endParaRPr kumimoji="1" lang="ko-KR" altLang="en-US" dirty="0">
+              <a:solidFill>
+                <a:schemeClr val="tx1"/>
+              </a:solidFill>
+              <a:latin typeface="DM Mono" panose="020B0509040201040103" pitchFamily="49" charset="0"/>
+            </a:endParaRPr>
+          </a:p>
+        </p:txBody>
+      </p:sp>
+      <p:sp>
+        <p:nvSpPr>
+          <p:cNvPr id="10" name="TextBox 9">
+            <a:extLst>
+              <a:ext uri="{FF2B5EF4-FFF2-40B4-BE49-F238E27FC236}">
+                <a16:creationId xmlns:a16="http://schemas.microsoft.com/office/drawing/2014/main" id="{2347A891-1CC6-B073-8A63-46DA8A9D178F}"/>
+              </a:ext>
+            </a:extLst>
+          </p:cNvPr>
+          <p:cNvSpPr txBox="1"/>
+          <p:nvPr/>
+        </p:nvSpPr>
+        <p:spPr>
+          <a:xfrm>
+            <a:off x="3931318" y="4971168"/>
+            <a:ext cx="1050257" cy="369332"/>
+          </a:xfrm>
+          <a:prstGeom prst="rect">
+            <a:avLst/>
+          </a:prstGeom>
+          <a:noFill/>
+        </p:spPr>
+        <p:txBody>
+          <a:bodyPr wrap="square" rtlCol="0">
+            <a:spAutoFit/>
+          </a:bodyPr>
+          <a:lstStyle/>
+          <a:p>
+            <a:pPr algn="r"/>
+            <a:r>
+              <a:rPr kumimoji="1" lang="en-US" altLang="ko-KR" dirty="0">
+                <a:latin typeface="DM Mono" panose="020B0509040201040103" pitchFamily="49" charset="0"/>
+              </a:rPr>
+              <a:t>x</a:t>
+            </a:r>
+            <a:endParaRPr kumimoji="1" lang="ko-KR" altLang="en-US" dirty="0">
+              <a:latin typeface="DM Mono" panose="020B0509040201040103" pitchFamily="49" charset="0"/>
+            </a:endParaRPr>
+          </a:p>
+        </p:txBody>
+      </p:sp>
+      <p:sp>
+        <p:nvSpPr>
+          <p:cNvPr id="11" name="TextBox 10">
+            <a:extLst>
+              <a:ext uri="{FF2B5EF4-FFF2-40B4-BE49-F238E27FC236}">
+                <a16:creationId xmlns:a16="http://schemas.microsoft.com/office/drawing/2014/main" id="{93234EFC-E0CE-724D-2179-FFF62267C467}"/>
+              </a:ext>
+            </a:extLst>
+          </p:cNvPr>
+          <p:cNvSpPr txBox="1"/>
+          <p:nvPr/>
+        </p:nvSpPr>
+        <p:spPr>
+          <a:xfrm>
+            <a:off x="4981574" y="4432151"/>
+            <a:ext cx="1287379" cy="369332"/>
+          </a:xfrm>
+          <a:prstGeom prst="rect">
+            <a:avLst/>
+          </a:prstGeom>
+          <a:noFill/>
+        </p:spPr>
+        <p:txBody>
+          <a:bodyPr wrap="square" rtlCol="0">
+            <a:spAutoFit/>
+          </a:bodyPr>
+          <a:lstStyle/>
+          <a:p>
+            <a:pPr algn="ctr"/>
+            <a:r>
+              <a:rPr kumimoji="1" lang="en-US" altLang="ko-KR" dirty="0">
+                <a:latin typeface="DM Mono" panose="020B0509040201040103" pitchFamily="49" charset="0"/>
+              </a:rPr>
+              <a:t>pt1</a:t>
+            </a:r>
+            <a:endParaRPr kumimoji="1" lang="ko-KR" altLang="en-US" dirty="0">
+              <a:latin typeface="DM Mono" panose="020B0509040201040103" pitchFamily="49" charset="0"/>
+            </a:endParaRPr>
+          </a:p>
+        </p:txBody>
+      </p:sp>
+      <p:sp>
+        <p:nvSpPr>
+          <p:cNvPr id="12" name="TextBox 11">
+            <a:extLst>
+              <a:ext uri="{FF2B5EF4-FFF2-40B4-BE49-F238E27FC236}">
+                <a16:creationId xmlns:a16="http://schemas.microsoft.com/office/drawing/2014/main" id="{707E8042-5651-2E8E-8D62-B5D343D12719}"/>
+              </a:ext>
+            </a:extLst>
+          </p:cNvPr>
+          <p:cNvSpPr txBox="1"/>
+          <p:nvPr/>
+        </p:nvSpPr>
+        <p:spPr>
+          <a:xfrm>
+            <a:off x="5064292" y="3611747"/>
+            <a:ext cx="3793958" cy="307777"/>
+          </a:xfrm>
+          <a:prstGeom prst="rect">
+            <a:avLst/>
+          </a:prstGeom>
+          <a:noFill/>
+        </p:spPr>
+        <p:txBody>
+          <a:bodyPr wrap="square">
+            <a:spAutoFit/>
+          </a:bodyPr>
+          <a:lstStyle/>
+          <a:p>
+            <a:pPr algn="ctr"/>
+            <a:r>
+              <a:rPr lang="en-US" altLang="ko-KR" sz="1400" b="1" dirty="0">
+                <a:latin typeface="DM Mono" panose="020B0509040201040103" pitchFamily="49" charset="0"/>
+              </a:rPr>
+              <a:t>main</a:t>
+            </a:r>
+            <a:endParaRPr lang="ko-KR" altLang="en-US" sz="1400" b="1" dirty="0">
+              <a:latin typeface="DM Mono" panose="020B0509040201040103" pitchFamily="49" charset="0"/>
+            </a:endParaRPr>
+          </a:p>
+        </p:txBody>
+      </p:sp>
+      <p:sp>
+        <p:nvSpPr>
+          <p:cNvPr id="7" name="직사각형 6">
+            <a:extLst>
+              <a:ext uri="{FF2B5EF4-FFF2-40B4-BE49-F238E27FC236}">
+                <a16:creationId xmlns:a16="http://schemas.microsoft.com/office/drawing/2014/main" id="{0D492C77-9195-E7D3-8EC3-7522CF3A6000}"/>
+              </a:ext>
+            </a:extLst>
+          </p:cNvPr>
+          <p:cNvSpPr/>
+          <p:nvPr/>
+        </p:nvSpPr>
+        <p:spPr>
+          <a:xfrm>
+            <a:off x="4981575" y="5458617"/>
+            <a:ext cx="1287379" cy="605567"/>
+          </a:xfrm>
+          <a:prstGeom prst="rect">
+            <a:avLst/>
+          </a:prstGeom>
+        </p:spPr>
+        <p:style>
+          <a:lnRef idx="2">
+            <a:schemeClr val="accent4">
+              <a:shade val="15000"/>
+            </a:schemeClr>
+          </a:lnRef>
+          <a:fillRef idx="1">
+            <a:schemeClr val="accent4"/>
+          </a:fillRef>
+          <a:effectRef idx="0">
+            <a:schemeClr val="accent4"/>
+          </a:effectRef>
+          <a:fontRef idx="minor">
+            <a:schemeClr val="lt1"/>
+          </a:fontRef>
+        </p:style>
+        <p:txBody>
+          <a:bodyPr rtlCol="0" anchor="ctr"/>
+          <a:lstStyle/>
+          <a:p>
+            <a:pPr algn="ctr"/>
+            <a:r>
+              <a:rPr kumimoji="1" lang="en-US" altLang="ko-KR" dirty="0">
+                <a:solidFill>
+                  <a:schemeClr val="tx1"/>
+                </a:solidFill>
+                <a:latin typeface="DM Mono" panose="020B0509040201040103" pitchFamily="49" charset="0"/>
+              </a:rPr>
+              <a:t>20</a:t>
+            </a:r>
+            <a:endParaRPr kumimoji="1" lang="ko-KR" altLang="en-US" dirty="0">
+              <a:solidFill>
+                <a:schemeClr val="tx1"/>
+              </a:solidFill>
+              <a:latin typeface="DM Mono" panose="020B0509040201040103" pitchFamily="49" charset="0"/>
+            </a:endParaRPr>
+          </a:p>
+        </p:txBody>
+      </p:sp>
+      <p:sp>
+        <p:nvSpPr>
+          <p:cNvPr id="13" name="TextBox 12">
+            <a:extLst>
+              <a:ext uri="{FF2B5EF4-FFF2-40B4-BE49-F238E27FC236}">
+                <a16:creationId xmlns:a16="http://schemas.microsoft.com/office/drawing/2014/main" id="{9F8BAB87-2E1E-68E9-3FF9-36ACCA09DC42}"/>
+              </a:ext>
+            </a:extLst>
+          </p:cNvPr>
+          <p:cNvSpPr txBox="1"/>
+          <p:nvPr/>
+        </p:nvSpPr>
+        <p:spPr>
+          <a:xfrm>
+            <a:off x="3931318" y="5576734"/>
+            <a:ext cx="1050257" cy="369332"/>
+          </a:xfrm>
+          <a:prstGeom prst="rect">
+            <a:avLst/>
+          </a:prstGeom>
+          <a:noFill/>
+        </p:spPr>
+        <p:txBody>
+          <a:bodyPr wrap="square" rtlCol="0">
+            <a:spAutoFit/>
+          </a:bodyPr>
+          <a:lstStyle/>
+          <a:p>
+            <a:pPr algn="r"/>
+            <a:r>
+              <a:rPr kumimoji="1" lang="en-US" altLang="ko-KR" dirty="0">
+                <a:latin typeface="DM Mono" panose="020B0509040201040103" pitchFamily="49" charset="0"/>
+              </a:rPr>
+              <a:t>y</a:t>
+            </a:r>
+            <a:endParaRPr kumimoji="1" lang="ko-KR" altLang="en-US" dirty="0">
+              <a:latin typeface="DM Mono" panose="020B0509040201040103" pitchFamily="49" charset="0"/>
+            </a:endParaRPr>
+          </a:p>
+        </p:txBody>
+      </p:sp>
+      <p:sp>
+        <p:nvSpPr>
+          <p:cNvPr id="2" name="직사각형 1">
+            <a:extLst>
+              <a:ext uri="{FF2B5EF4-FFF2-40B4-BE49-F238E27FC236}">
+                <a16:creationId xmlns:a16="http://schemas.microsoft.com/office/drawing/2014/main" id="{9E426050-BC02-6AB0-3A0A-B2A17B66007E}"/>
+              </a:ext>
+            </a:extLst>
+          </p:cNvPr>
+          <p:cNvSpPr/>
+          <p:nvPr/>
+        </p:nvSpPr>
+        <p:spPr>
+          <a:xfrm>
+            <a:off x="8233609" y="4801483"/>
+            <a:ext cx="1287379" cy="605567"/>
+          </a:xfrm>
+          <a:prstGeom prst="rect">
+            <a:avLst/>
+          </a:prstGeom>
+        </p:spPr>
+        <p:style>
+          <a:lnRef idx="2">
+            <a:schemeClr val="accent4">
+              <a:shade val="15000"/>
+            </a:schemeClr>
+          </a:lnRef>
+          <a:fillRef idx="1">
+            <a:schemeClr val="accent4"/>
+          </a:fillRef>
+          <a:effectRef idx="0">
+            <a:schemeClr val="accent4"/>
+          </a:effectRef>
+          <a:fontRef idx="minor">
+            <a:schemeClr val="lt1"/>
+          </a:fontRef>
+        </p:style>
+        <p:txBody>
+          <a:bodyPr rtlCol="0" anchor="ctr"/>
+          <a:lstStyle/>
+          <a:p>
+            <a:pPr algn="ctr"/>
+            <a:r>
+              <a:rPr kumimoji="1" lang="en-US" altLang="ko-KR" dirty="0">
+                <a:solidFill>
+                  <a:srgbClr val="FF0000"/>
+                </a:solidFill>
+                <a:latin typeface="DM Mono" panose="020B0509040201040103" pitchFamily="49" charset="0"/>
+              </a:rPr>
+              <a:t>100</a:t>
+            </a:r>
+            <a:endParaRPr kumimoji="1" lang="ko-KR" altLang="en-US" dirty="0">
+              <a:solidFill>
+                <a:srgbClr val="FF0000"/>
+              </a:solidFill>
+              <a:latin typeface="DM Mono" panose="020B0509040201040103" pitchFamily="49" charset="0"/>
+            </a:endParaRPr>
+          </a:p>
+        </p:txBody>
+      </p:sp>
+      <p:sp>
+        <p:nvSpPr>
+          <p:cNvPr id="3" name="TextBox 2">
+            <a:extLst>
+              <a:ext uri="{FF2B5EF4-FFF2-40B4-BE49-F238E27FC236}">
+                <a16:creationId xmlns:a16="http://schemas.microsoft.com/office/drawing/2014/main" id="{4A8FF306-17DA-FAEB-702E-AA63D8C8605F}"/>
+              </a:ext>
+            </a:extLst>
+          </p:cNvPr>
+          <p:cNvSpPr txBox="1"/>
+          <p:nvPr/>
+        </p:nvSpPr>
+        <p:spPr>
+          <a:xfrm>
+            <a:off x="7183352" y="4919600"/>
+            <a:ext cx="1050257" cy="369332"/>
+          </a:xfrm>
+          <a:prstGeom prst="rect">
+            <a:avLst/>
+          </a:prstGeom>
+          <a:noFill/>
+        </p:spPr>
+        <p:txBody>
+          <a:bodyPr wrap="square" rtlCol="0">
+            <a:spAutoFit/>
+          </a:bodyPr>
+          <a:lstStyle/>
+          <a:p>
+            <a:pPr algn="r"/>
+            <a:r>
+              <a:rPr kumimoji="1" lang="en-US" altLang="ko-KR" dirty="0">
+                <a:latin typeface="DM Mono" panose="020B0509040201040103" pitchFamily="49" charset="0"/>
+              </a:rPr>
+              <a:t>x</a:t>
+            </a:r>
+            <a:endParaRPr kumimoji="1" lang="ko-KR" altLang="en-US" dirty="0">
+              <a:latin typeface="DM Mono" panose="020B0509040201040103" pitchFamily="49" charset="0"/>
+            </a:endParaRPr>
+          </a:p>
+        </p:txBody>
+      </p:sp>
+      <p:sp>
+        <p:nvSpPr>
+          <p:cNvPr id="8" name="TextBox 7">
+            <a:extLst>
+              <a:ext uri="{FF2B5EF4-FFF2-40B4-BE49-F238E27FC236}">
+                <a16:creationId xmlns:a16="http://schemas.microsoft.com/office/drawing/2014/main" id="{2A65C843-1DB2-A219-0442-E85F33110696}"/>
+              </a:ext>
+            </a:extLst>
+          </p:cNvPr>
+          <p:cNvSpPr txBox="1"/>
+          <p:nvPr/>
+        </p:nvSpPr>
+        <p:spPr>
+          <a:xfrm>
+            <a:off x="8233608" y="4380583"/>
+            <a:ext cx="1287379" cy="369332"/>
+          </a:xfrm>
+          <a:prstGeom prst="rect">
+            <a:avLst/>
+          </a:prstGeom>
+          <a:noFill/>
+        </p:spPr>
+        <p:txBody>
+          <a:bodyPr wrap="square" rtlCol="0">
+            <a:spAutoFit/>
+          </a:bodyPr>
+          <a:lstStyle/>
+          <a:p>
+            <a:pPr algn="ctr"/>
+            <a:r>
+              <a:rPr kumimoji="1" lang="en-US" altLang="ko-KR" dirty="0">
+                <a:latin typeface="DM Mono" panose="020B0509040201040103" pitchFamily="49" charset="0"/>
+              </a:rPr>
+              <a:t>pt2</a:t>
+            </a:r>
+            <a:endParaRPr kumimoji="1" lang="ko-KR" altLang="en-US" dirty="0">
+              <a:latin typeface="DM Mono" panose="020B0509040201040103" pitchFamily="49" charset="0"/>
+            </a:endParaRPr>
+          </a:p>
+        </p:txBody>
+      </p:sp>
+      <p:sp>
+        <p:nvSpPr>
+          <p:cNvPr id="9" name="직사각형 8">
+            <a:extLst>
+              <a:ext uri="{FF2B5EF4-FFF2-40B4-BE49-F238E27FC236}">
+                <a16:creationId xmlns:a16="http://schemas.microsoft.com/office/drawing/2014/main" id="{548AB224-DFC1-BB06-93BC-2470BFD68832}"/>
+              </a:ext>
+            </a:extLst>
+          </p:cNvPr>
+          <p:cNvSpPr/>
+          <p:nvPr/>
+        </p:nvSpPr>
+        <p:spPr>
+          <a:xfrm>
+            <a:off x="8233609" y="5407049"/>
+            <a:ext cx="1287379" cy="605567"/>
+          </a:xfrm>
+          <a:prstGeom prst="rect">
+            <a:avLst/>
+          </a:prstGeom>
+        </p:spPr>
+        <p:style>
+          <a:lnRef idx="2">
+            <a:schemeClr val="accent4">
+              <a:shade val="15000"/>
+            </a:schemeClr>
+          </a:lnRef>
+          <a:fillRef idx="1">
+            <a:schemeClr val="accent4"/>
+          </a:fillRef>
+          <a:effectRef idx="0">
+            <a:schemeClr val="accent4"/>
+          </a:effectRef>
+          <a:fontRef idx="minor">
+            <a:schemeClr val="lt1"/>
+          </a:fontRef>
+        </p:style>
+        <p:txBody>
+          <a:bodyPr rtlCol="0" anchor="ctr"/>
+          <a:lstStyle/>
+          <a:p>
+            <a:pPr algn="ctr"/>
+            <a:r>
+              <a:rPr kumimoji="1" lang="en-US" altLang="ko-KR" dirty="0">
+                <a:solidFill>
+                  <a:srgbClr val="FF0000"/>
+                </a:solidFill>
+                <a:latin typeface="DM Mono" panose="020B0509040201040103" pitchFamily="49" charset="0"/>
+              </a:rPr>
+              <a:t>200</a:t>
+            </a:r>
+            <a:endParaRPr kumimoji="1" lang="ko-KR" altLang="en-US" dirty="0">
+              <a:solidFill>
+                <a:srgbClr val="FF0000"/>
+              </a:solidFill>
+              <a:latin typeface="DM Mono" panose="020B0509040201040103" pitchFamily="49" charset="0"/>
+            </a:endParaRPr>
+          </a:p>
+        </p:txBody>
+      </p:sp>
+      <p:sp>
+        <p:nvSpPr>
+          <p:cNvPr id="19" name="TextBox 18">
+            <a:extLst>
+              <a:ext uri="{FF2B5EF4-FFF2-40B4-BE49-F238E27FC236}">
+                <a16:creationId xmlns:a16="http://schemas.microsoft.com/office/drawing/2014/main" id="{149A7A4C-CAF6-D24A-5133-2CFC4B9BAF46}"/>
+              </a:ext>
+            </a:extLst>
+          </p:cNvPr>
+          <p:cNvSpPr txBox="1"/>
+          <p:nvPr/>
+        </p:nvSpPr>
+        <p:spPr>
+          <a:xfrm>
+            <a:off x="7183352" y="5525166"/>
+            <a:ext cx="1050257" cy="369332"/>
+          </a:xfrm>
+          <a:prstGeom prst="rect">
+            <a:avLst/>
+          </a:prstGeom>
+          <a:noFill/>
+        </p:spPr>
+        <p:txBody>
+          <a:bodyPr wrap="square" rtlCol="0">
+            <a:spAutoFit/>
+          </a:bodyPr>
+          <a:lstStyle/>
+          <a:p>
+            <a:pPr algn="r"/>
+            <a:r>
+              <a:rPr kumimoji="1" lang="en-US" altLang="ko-KR" dirty="0">
+                <a:latin typeface="DM Mono" panose="020B0509040201040103" pitchFamily="49" charset="0"/>
+              </a:rPr>
+              <a:t>y</a:t>
+            </a:r>
+            <a:endParaRPr kumimoji="1" lang="ko-KR" altLang="en-US" dirty="0">
+              <a:latin typeface="DM Mono" panose="020B0509040201040103" pitchFamily="49" charset="0"/>
+            </a:endParaRPr>
+          </a:p>
+        </p:txBody>
+      </p:sp>
+      <p:sp>
+        <p:nvSpPr>
+          <p:cNvPr id="21" name="TextBox 20">
+            <a:extLst>
+              <a:ext uri="{FF2B5EF4-FFF2-40B4-BE49-F238E27FC236}">
+                <a16:creationId xmlns:a16="http://schemas.microsoft.com/office/drawing/2014/main" id="{53D68004-47FF-0149-9FF5-0C07D31C6611}"/>
+              </a:ext>
+            </a:extLst>
+          </p:cNvPr>
+          <p:cNvSpPr txBox="1"/>
+          <p:nvPr/>
+        </p:nvSpPr>
+        <p:spPr>
+          <a:xfrm>
+            <a:off x="4568992" y="1336697"/>
+            <a:ext cx="6096000" cy="1477328"/>
+          </a:xfrm>
+          <a:prstGeom prst="rect">
+            <a:avLst/>
+          </a:prstGeom>
+          <a:noFill/>
+        </p:spPr>
+        <p:txBody>
+          <a:bodyPr wrap="square">
+            <a:spAutoFit/>
+          </a:bodyPr>
+          <a:lstStyle/>
+          <a:p>
+            <a:r>
+              <a:rPr lang="en-US" altLang="ko-KR" sz="1800" dirty="0">
+                <a:latin typeface="DM Mono" panose="020B0509040201040103" pitchFamily="49" charset="0"/>
+              </a:rPr>
+              <a:t>  void Set(</a:t>
+            </a:r>
+            <a:r>
+              <a:rPr lang="en-US" altLang="ko-KR" sz="1800" dirty="0">
+                <a:solidFill>
+                  <a:srgbClr val="FF0000"/>
+                </a:solidFill>
+                <a:latin typeface="DM Mono" panose="020B0509040201040103" pitchFamily="49" charset="0"/>
+              </a:rPr>
+              <a:t>Point* this, </a:t>
+            </a:r>
+            <a:r>
+              <a:rPr lang="en-US" altLang="ko-KR" sz="1800" dirty="0">
+                <a:latin typeface="DM Mono" panose="020B0509040201040103" pitchFamily="49" charset="0"/>
+              </a:rPr>
+              <a:t>int a, int b)</a:t>
+            </a:r>
+          </a:p>
+          <a:p>
+            <a:r>
+              <a:rPr lang="en-US" altLang="ko-KR" sz="1800" dirty="0">
+                <a:latin typeface="DM Mono" panose="020B0509040201040103" pitchFamily="49" charset="0"/>
+              </a:rPr>
+              <a:t>  {</a:t>
+            </a:r>
+          </a:p>
+          <a:p>
+            <a:r>
+              <a:rPr lang="en-US" altLang="ko-KR" sz="1800" dirty="0">
+                <a:latin typeface="DM Mono" panose="020B0509040201040103" pitchFamily="49" charset="0"/>
+              </a:rPr>
+              <a:t>       </a:t>
+            </a:r>
+            <a:r>
+              <a:rPr lang="en-US" altLang="ko-KR" sz="1800" dirty="0">
+                <a:solidFill>
+                  <a:srgbClr val="FF0000"/>
+                </a:solidFill>
+                <a:latin typeface="DM Mono" panose="020B0509040201040103" pitchFamily="49" charset="0"/>
+              </a:rPr>
+              <a:t>this-&gt;</a:t>
+            </a:r>
+            <a:r>
+              <a:rPr lang="en-US" altLang="ko-KR" sz="1800" dirty="0">
+                <a:latin typeface="DM Mono" panose="020B0509040201040103" pitchFamily="49" charset="0"/>
+              </a:rPr>
+              <a:t>x = a;</a:t>
+            </a:r>
+          </a:p>
+          <a:p>
+            <a:r>
+              <a:rPr lang="en-US" altLang="ko-KR" sz="1800" dirty="0">
+                <a:latin typeface="DM Mono" panose="020B0509040201040103" pitchFamily="49" charset="0"/>
+              </a:rPr>
+              <a:t>       </a:t>
+            </a:r>
+            <a:r>
+              <a:rPr lang="en-US" altLang="ko-KR" sz="1800" dirty="0">
+                <a:solidFill>
+                  <a:srgbClr val="FF0000"/>
+                </a:solidFill>
+                <a:latin typeface="DM Mono" panose="020B0509040201040103" pitchFamily="49" charset="0"/>
+              </a:rPr>
+              <a:t>this-&gt;</a:t>
+            </a:r>
+            <a:r>
+              <a:rPr lang="en-US" altLang="ko-KR" sz="1800" dirty="0">
+                <a:latin typeface="DM Mono" panose="020B0509040201040103" pitchFamily="49" charset="0"/>
+              </a:rPr>
+              <a:t>y = b;</a:t>
+            </a:r>
+          </a:p>
+          <a:p>
+            <a:r>
+              <a:rPr lang="en-US" altLang="ko-KR" sz="1800" dirty="0">
+                <a:latin typeface="DM Mono" panose="020B0509040201040103" pitchFamily="49" charset="0"/>
+              </a:rPr>
+              <a:t>  }</a:t>
+            </a:r>
+            <a:endParaRPr lang="ko-KR" altLang="en-US" dirty="0"/>
+          </a:p>
+        </p:txBody>
+      </p:sp>
+      <p:sp>
+        <p:nvSpPr>
+          <p:cNvPr id="23" name="직사각형 22">
+            <a:extLst>
+              <a:ext uri="{FF2B5EF4-FFF2-40B4-BE49-F238E27FC236}">
+                <a16:creationId xmlns:a16="http://schemas.microsoft.com/office/drawing/2014/main" id="{207F640E-2A44-2100-269E-FC30C48A11CB}"/>
+              </a:ext>
+            </a:extLst>
+          </p:cNvPr>
+          <p:cNvSpPr/>
+          <p:nvPr/>
+        </p:nvSpPr>
+        <p:spPr>
+          <a:xfrm>
+            <a:off x="7029450" y="1336697"/>
+            <a:ext cx="752475" cy="368278"/>
+          </a:xfrm>
+          <a:prstGeom prst="rect">
+            <a:avLst/>
+          </a:prstGeom>
+          <a:noFill/>
+        </p:spPr>
+        <p:style>
+          <a:lnRef idx="2">
+            <a:schemeClr val="accent4">
+              <a:shade val="15000"/>
+            </a:schemeClr>
+          </a:lnRef>
+          <a:fillRef idx="1">
+            <a:schemeClr val="accent4"/>
+          </a:fillRef>
+          <a:effectRef idx="0">
+            <a:schemeClr val="accent4"/>
+          </a:effectRef>
+          <a:fontRef idx="minor">
+            <a:schemeClr val="lt1"/>
+          </a:fontRef>
+        </p:style>
+        <p:txBody>
+          <a:bodyPr rtlCol="0" anchor="ctr"/>
+          <a:lstStyle/>
+          <a:p>
+            <a:pPr algn="ctr"/>
+            <a:endParaRPr kumimoji="1" lang="ko-KR" altLang="en-US" dirty="0">
+              <a:solidFill>
+                <a:sysClr val="windowText" lastClr="000000"/>
+              </a:solidFill>
+            </a:endParaRPr>
+          </a:p>
+        </p:txBody>
+      </p:sp>
+      <p:cxnSp>
+        <p:nvCxnSpPr>
+          <p:cNvPr id="25" name="구부러진 연결선[U] 24">
+            <a:extLst>
+              <a:ext uri="{FF2B5EF4-FFF2-40B4-BE49-F238E27FC236}">
+                <a16:creationId xmlns:a16="http://schemas.microsoft.com/office/drawing/2014/main" id="{62491AAB-8AF5-BD5E-FD1C-BB24CAACFC5C}"/>
+              </a:ext>
+            </a:extLst>
+          </p:cNvPr>
+          <p:cNvCxnSpPr>
+            <a:cxnSpLocks/>
+            <a:endCxn id="2" idx="0"/>
+          </p:cNvCxnSpPr>
+          <p:nvPr/>
+        </p:nvCxnSpPr>
+        <p:spPr>
+          <a:xfrm rot="16200000" flipH="1">
+            <a:off x="6581333" y="2505517"/>
+            <a:ext cx="3125084" cy="1466848"/>
+          </a:xfrm>
+          <a:prstGeom prst="curvedConnector3">
+            <a:avLst/>
+          </a:prstGeom>
+          <a:ln w="12700">
+            <a:tailEnd type="triangle"/>
+          </a:ln>
+        </p:spPr>
+        <p:style>
+          <a:lnRef idx="1">
+            <a:schemeClr val="dk1"/>
+          </a:lnRef>
+          <a:fillRef idx="0">
+            <a:schemeClr val="dk1"/>
+          </a:fillRef>
+          <a:effectRef idx="0">
+            <a:schemeClr val="dk1"/>
+          </a:effectRef>
+          <a:fontRef idx="minor">
+            <a:schemeClr val="tx1"/>
+          </a:fontRef>
+        </p:style>
+      </p:cxnSp>
+    </p:spTree>
+    <p:extLst>
+      <p:ext uri="{BB962C8B-B14F-4D97-AF65-F5344CB8AC3E}">
+        <p14:creationId xmlns:p14="http://schemas.microsoft.com/office/powerpoint/2010/main" val="1451146760"/>
       </p:ext>
     </p:extLst>
   </p:cSld>
@@ -32108,6 +35502,29 @@
         </a:fontRef>
       </a:style>
     </a:spDef>
+    <a:lnDef>
+      <a:spPr>
+        <a:ln w="12700">
+          <a:tailEnd type="triangle"/>
+        </a:ln>
+      </a:spPr>
+      <a:bodyPr/>
+      <a:lstStyle/>
+      <a:style>
+        <a:lnRef idx="1">
+          <a:schemeClr val="dk1"/>
+        </a:lnRef>
+        <a:fillRef idx="0">
+          <a:schemeClr val="dk1"/>
+        </a:fillRef>
+        <a:effectRef idx="0">
+          <a:schemeClr val="dk1"/>
+        </a:effectRef>
+        <a:fontRef idx="minor">
+          <a:schemeClr val="tx1"/>
+        </a:fontRef>
+      </a:style>
+    </a:lnDef>
     <a:txDef>
       <a:spPr>
         <a:noFill/>
@@ -32131,4 +35548,319 @@
     </a:ext>
   </a:extLst>
 </a:theme>
+</file>
+
+<file path=ppt/theme/theme2.xml><?xml version="1.0" encoding="utf-8"?>
+<a:theme xmlns:a="http://schemas.openxmlformats.org/drawingml/2006/main" name="Office 테마">
+  <a:themeElements>
+    <a:clrScheme name="Office">
+      <a:dk1>
+        <a:sysClr val="windowText" lastClr="000000"/>
+      </a:dk1>
+      <a:lt1>
+        <a:sysClr val="window" lastClr="FFFFFF"/>
+      </a:lt1>
+      <a:dk2>
+        <a:srgbClr val="0E2841"/>
+      </a:dk2>
+      <a:lt2>
+        <a:srgbClr val="E8E8E8"/>
+      </a:lt2>
+      <a:accent1>
+        <a:srgbClr val="156082"/>
+      </a:accent1>
+      <a:accent2>
+        <a:srgbClr val="E97132"/>
+      </a:accent2>
+      <a:accent3>
+        <a:srgbClr val="196B24"/>
+      </a:accent3>
+      <a:accent4>
+        <a:srgbClr val="0F9ED5"/>
+      </a:accent4>
+      <a:accent5>
+        <a:srgbClr val="A02B93"/>
+      </a:accent5>
+      <a:accent6>
+        <a:srgbClr val="4EA72E"/>
+      </a:accent6>
+      <a:hlink>
+        <a:srgbClr val="467886"/>
+      </a:hlink>
+      <a:folHlink>
+        <a:srgbClr val="96607D"/>
+      </a:folHlink>
+    </a:clrScheme>
+    <a:fontScheme name="Office">
+      <a:majorFont>
+        <a:latin typeface="맑은 고딕" panose="02110004020202020204"/>
+        <a:ea typeface=""/>
+        <a:cs typeface=""/>
+        <a:font script="Jpan" typeface="游ゴシック Light"/>
+        <a:font script="Hang" typeface="맑은 고딕"/>
+        <a:font script="Hans" typeface="等线 Light"/>
+        <a:font script="Hant" typeface="新細明體"/>
+        <a:font script="Arab" typeface="Times New Roman"/>
+        <a:font script="Hebr" typeface="Times New Roman"/>
+        <a:font script="Thai" typeface="Angsana New"/>
+        <a:font script="Ethi" typeface="Nyala"/>
+        <a:font script="Beng" typeface="Vrinda"/>
+        <a:font script="Gujr" typeface="Shruti"/>
+        <a:font script="Khmr" typeface="MoolBoran"/>
+        <a:font script="Knda" typeface="Tunga"/>
+        <a:font script="Guru" typeface="Raavi"/>
+        <a:font script="Cans" typeface="Euphemia"/>
+        <a:font script="Cher" typeface="Plantagenet Cherokee"/>
+        <a:font script="Yiii" typeface="Microsoft Yi Baiti"/>
+        <a:font script="Tibt" typeface="Microsoft Himalaya"/>
+        <a:font script="Thaa" typeface="MV Boli"/>
+        <a:font script="Deva" typeface="Mangal"/>
+        <a:font script="Telu" typeface="Gautami"/>
+        <a:font script="Taml" typeface="Latha"/>
+        <a:font script="Syrc" typeface="Estrangelo Edessa"/>
+        <a:font script="Orya" typeface="Kalinga"/>
+        <a:font script="Mlym" typeface="Kartika"/>
+        <a:font script="Laoo" typeface="DokChampa"/>
+        <a:font script="Sinh" typeface="Iskoola Pota"/>
+        <a:font script="Mong" typeface="Mongolian Baiti"/>
+        <a:font script="Viet" typeface="Times New Roman"/>
+        <a:font script="Uigh" typeface="Microsoft Uighur"/>
+        <a:font script="Geor" typeface="Sylfaen"/>
+        <a:font script="Armn" typeface="Arial"/>
+        <a:font script="Bugi" typeface="Leelawadee UI"/>
+        <a:font script="Bopo" typeface="Microsoft JhengHei"/>
+        <a:font script="Java" typeface="Javanese Text"/>
+        <a:font script="Lisu" typeface="Segoe UI"/>
+        <a:font script="Mymr" typeface="Myanmar Text"/>
+        <a:font script="Nkoo" typeface="Ebrima"/>
+        <a:font script="Olck" typeface="Nirmala UI"/>
+        <a:font script="Osma" typeface="Ebrima"/>
+        <a:font script="Phag" typeface="Phagspa"/>
+        <a:font script="Syrn" typeface="Estrangelo Edessa"/>
+        <a:font script="Syrj" typeface="Estrangelo Edessa"/>
+        <a:font script="Syre" typeface="Estrangelo Edessa"/>
+        <a:font script="Sora" typeface="Nirmala UI"/>
+        <a:font script="Tale" typeface="Microsoft Tai Le"/>
+        <a:font script="Talu" typeface="Microsoft New Tai Lue"/>
+        <a:font script="Tfng" typeface="Ebrima"/>
+      </a:majorFont>
+      <a:minorFont>
+        <a:latin typeface="맑은 고딕" panose="02110004020202020204"/>
+        <a:ea typeface=""/>
+        <a:cs typeface=""/>
+        <a:font script="Jpan" typeface="游ゴシック"/>
+        <a:font script="Hang" typeface="맑은 고딕"/>
+        <a:font script="Hans" typeface="等线"/>
+        <a:font script="Hant" typeface="新細明體"/>
+        <a:font script="Arab" typeface="Arial"/>
+        <a:font script="Hebr" typeface="Arial"/>
+        <a:font script="Thai" typeface="Cordia New"/>
+        <a:font script="Ethi" typeface="Nyala"/>
+        <a:font script="Beng" typeface="Vrinda"/>
+        <a:font script="Gujr" typeface="Shruti"/>
+        <a:font script="Khmr" typeface="DaunPenh"/>
+        <a:font script="Knda" typeface="Tunga"/>
+        <a:font script="Guru" typeface="Raavi"/>
+        <a:font script="Cans" typeface="Euphemia"/>
+        <a:font script="Cher" typeface="Plantagenet Cherokee"/>
+        <a:font script="Yiii" typeface="Microsoft Yi Baiti"/>
+        <a:font script="Tibt" typeface="Microsoft Himalaya"/>
+        <a:font script="Thaa" typeface="MV Boli"/>
+        <a:font script="Deva" typeface="Mangal"/>
+        <a:font script="Telu" typeface="Gautami"/>
+        <a:font script="Taml" typeface="Latha"/>
+        <a:font script="Syrc" typeface="Estrangelo Edessa"/>
+        <a:font script="Orya" typeface="Kalinga"/>
+        <a:font script="Mlym" typeface="Kartika"/>
+        <a:font script="Laoo" typeface="DokChampa"/>
+        <a:font script="Sinh" typeface="Iskoola Pota"/>
+        <a:font script="Mong" typeface="Mongolian Baiti"/>
+        <a:font script="Viet" typeface="Arial"/>
+        <a:font script="Uigh" typeface="Microsoft Uighur"/>
+        <a:font script="Geor" typeface="Sylfaen"/>
+        <a:font script="Armn" typeface="Arial"/>
+        <a:font script="Bugi" typeface="Leelawadee UI"/>
+        <a:font script="Bopo" typeface="Microsoft JhengHei"/>
+        <a:font script="Java" typeface="Javanese Text"/>
+        <a:font script="Lisu" typeface="Segoe UI"/>
+        <a:font script="Mymr" typeface="Myanmar Text"/>
+        <a:font script="Nkoo" typeface="Ebrima"/>
+        <a:font script="Olck" typeface="Nirmala UI"/>
+        <a:font script="Osma" typeface="Ebrima"/>
+        <a:font script="Phag" typeface="Phagspa"/>
+        <a:font script="Syrn" typeface="Estrangelo Edessa"/>
+        <a:font script="Syrj" typeface="Estrangelo Edessa"/>
+        <a:font script="Syre" typeface="Estrangelo Edessa"/>
+        <a:font script="Sora" typeface="Nirmala UI"/>
+        <a:font script="Tale" typeface="Microsoft Tai Le"/>
+        <a:font script="Talu" typeface="Microsoft New Tai Lue"/>
+        <a:font script="Tfng" typeface="Ebrima"/>
+      </a:minorFont>
+    </a:fontScheme>
+    <a:fmtScheme name="Office">
+      <a:fillStyleLst>
+        <a:solidFill>
+          <a:schemeClr val="phClr"/>
+        </a:solidFill>
+        <a:gradFill rotWithShape="1">
+          <a:gsLst>
+            <a:gs pos="0">
+              <a:schemeClr val="phClr">
+                <a:lumMod val="110000"/>
+                <a:satMod val="105000"/>
+                <a:tint val="67000"/>
+              </a:schemeClr>
+            </a:gs>
+            <a:gs pos="50000">
+              <a:schemeClr val="phClr">
+                <a:lumMod val="105000"/>
+                <a:satMod val="103000"/>
+                <a:tint val="73000"/>
+              </a:schemeClr>
+            </a:gs>
+            <a:gs pos="100000">
+              <a:schemeClr val="phClr">
+                <a:lumMod val="105000"/>
+                <a:satMod val="109000"/>
+                <a:tint val="81000"/>
+              </a:schemeClr>
+            </a:gs>
+          </a:gsLst>
+          <a:lin ang="5400000" scaled="0"/>
+        </a:gradFill>
+        <a:gradFill rotWithShape="1">
+          <a:gsLst>
+            <a:gs pos="0">
+              <a:schemeClr val="phClr">
+                <a:satMod val="103000"/>
+                <a:lumMod val="102000"/>
+                <a:tint val="94000"/>
+              </a:schemeClr>
+            </a:gs>
+            <a:gs pos="50000">
+              <a:schemeClr val="phClr">
+                <a:satMod val="110000"/>
+                <a:lumMod val="100000"/>
+                <a:shade val="100000"/>
+              </a:schemeClr>
+            </a:gs>
+            <a:gs pos="100000">
+              <a:schemeClr val="phClr">
+                <a:lumMod val="99000"/>
+                <a:satMod val="120000"/>
+                <a:shade val="78000"/>
+              </a:schemeClr>
+            </a:gs>
+          </a:gsLst>
+          <a:lin ang="5400000" scaled="0"/>
+        </a:gradFill>
+      </a:fillStyleLst>
+      <a:lnStyleLst>
+        <a:ln w="12700" cap="flat" cmpd="sng" algn="ctr">
+          <a:solidFill>
+            <a:schemeClr val="phClr"/>
+          </a:solidFill>
+          <a:prstDash val="solid"/>
+          <a:miter lim="800000"/>
+        </a:ln>
+        <a:ln w="19050" cap="flat" cmpd="sng" algn="ctr">
+          <a:solidFill>
+            <a:schemeClr val="phClr"/>
+          </a:solidFill>
+          <a:prstDash val="solid"/>
+          <a:miter lim="800000"/>
+        </a:ln>
+        <a:ln w="25400" cap="flat" cmpd="sng" algn="ctr">
+          <a:solidFill>
+            <a:schemeClr val="phClr"/>
+          </a:solidFill>
+          <a:prstDash val="solid"/>
+          <a:miter lim="800000"/>
+        </a:ln>
+      </a:lnStyleLst>
+      <a:effectStyleLst>
+        <a:effectStyle>
+          <a:effectLst/>
+        </a:effectStyle>
+        <a:effectStyle>
+          <a:effectLst/>
+        </a:effectStyle>
+        <a:effectStyle>
+          <a:effectLst>
+            <a:outerShdw blurRad="57150" dist="19050" dir="5400000" algn="ctr" rotWithShape="0">
+              <a:srgbClr val="000000">
+                <a:alpha val="63000"/>
+              </a:srgbClr>
+            </a:outerShdw>
+          </a:effectLst>
+        </a:effectStyle>
+      </a:effectStyleLst>
+      <a:bgFillStyleLst>
+        <a:solidFill>
+          <a:schemeClr val="phClr"/>
+        </a:solidFill>
+        <a:solidFill>
+          <a:schemeClr val="phClr">
+            <a:tint val="95000"/>
+            <a:satMod val="170000"/>
+          </a:schemeClr>
+        </a:solidFill>
+        <a:gradFill rotWithShape="1">
+          <a:gsLst>
+            <a:gs pos="0">
+              <a:schemeClr val="phClr">
+                <a:tint val="93000"/>
+                <a:satMod val="150000"/>
+                <a:shade val="98000"/>
+                <a:lumMod val="102000"/>
+              </a:schemeClr>
+            </a:gs>
+            <a:gs pos="50000">
+              <a:schemeClr val="phClr">
+                <a:tint val="98000"/>
+                <a:satMod val="130000"/>
+                <a:shade val="90000"/>
+                <a:lumMod val="103000"/>
+              </a:schemeClr>
+            </a:gs>
+            <a:gs pos="100000">
+              <a:schemeClr val="phClr">
+                <a:shade val="63000"/>
+                <a:satMod val="120000"/>
+              </a:schemeClr>
+            </a:gs>
+          </a:gsLst>
+          <a:lin ang="5400000" scaled="0"/>
+        </a:gradFill>
+      </a:bgFillStyleLst>
+    </a:fmtScheme>
+  </a:themeElements>
+  <a:objectDefaults>
+    <a:lnDef>
+      <a:spPr/>
+      <a:bodyPr/>
+      <a:lstStyle/>
+      <a:style>
+        <a:lnRef idx="2">
+          <a:schemeClr val="accent1"/>
+        </a:lnRef>
+        <a:fillRef idx="0">
+          <a:schemeClr val="accent1"/>
+        </a:fillRef>
+        <a:effectRef idx="1">
+          <a:schemeClr val="accent1"/>
+        </a:effectRef>
+        <a:fontRef idx="minor">
+          <a:schemeClr val="tx1"/>
+        </a:fontRef>
+      </a:style>
+    </a:lnDef>
+  </a:objectDefaults>
+  <a:extraClrSchemeLst/>
+  <a:extLst>
+    <a:ext uri="{05A4C25C-085E-4340-85A3-A5531E510DB2}">
+      <thm15:themeFamily xmlns:thm15="http://schemas.microsoft.com/office/thememl/2012/main" name="Office Theme" id="{2E142A2C-CD16-42D6-873A-C26D2A0506FA}" vid="{1BDDFF52-6CD6-40A5-AB3C-68EB2F1E4D0A}"/>
+    </a:ext>
+  </a:extLst>
+</a:theme>
 </file>
--- a/cpp_250512.pptx
+++ b/cpp_250512.pptx
@@ -29014,7 +29014,22 @@
               <a:rPr lang="en-US" altLang="ko-KR" sz="1800" dirty="0">
                 <a:latin typeface="DM Mono" panose="020B0509040201040103" pitchFamily="49" charset="0"/>
               </a:rPr>
-              <a:t>  void Set(</a:t>
+              <a:t>  void </a:t>
+            </a:r>
+            <a:r>
+              <a:rPr lang="en-US" altLang="ko-KR" sz="1800" dirty="0">
+                <a:solidFill>
+                  <a:srgbClr val="FF0000"/>
+                </a:solidFill>
+                <a:latin typeface="DM Mono" panose="020B0509040201040103" pitchFamily="49" charset="0"/>
+              </a:rPr>
+              <a:t>Point::</a:t>
+            </a:r>
+            <a:r>
+              <a:rPr lang="en-US" altLang="ko-KR" sz="1800" dirty="0">
+                <a:latin typeface="DM Mono" panose="020B0509040201040103" pitchFamily="49" charset="0"/>
+              </a:rPr>
+              <a:t>Set(</a:t>
             </a:r>
             <a:r>
               <a:rPr lang="en-US" altLang="ko-KR" sz="1800" dirty="0">
@@ -29111,7 +29126,7 @@
         </p:nvSpPr>
         <p:spPr>
           <a:xfrm>
-            <a:off x="7029450" y="1336697"/>
+            <a:off x="7909009" y="1317646"/>
             <a:ext cx="752475" cy="368278"/>
           </a:xfrm>
           <a:prstGeom prst="rect">
@@ -29157,13 +29172,16 @@
               </a:ext>
             </a:extLst>
           </p:cNvPr>
-          <p:cNvCxnSpPr/>
+          <p:cNvCxnSpPr>
+            <a:cxnSpLocks/>
+            <a:stCxn id="23" idx="2"/>
+          </p:cNvCxnSpPr>
           <p:nvPr/>
         </p:nvCxnSpPr>
         <p:spPr>
           <a:xfrm rot="5400000">
-            <a:off x="4971609" y="2362641"/>
-            <a:ext cx="3125083" cy="1752600"/>
+            <a:off x="5413770" y="1930005"/>
+            <a:ext cx="3115558" cy="2627396"/>
           </a:xfrm>
           <a:prstGeom prst="curvedConnector3">
             <a:avLst/>
@@ -30021,7 +30039,22 @@
               <a:rPr lang="en-US" altLang="ko-KR" sz="1800" dirty="0">
                 <a:latin typeface="DM Mono" panose="020B0509040201040103" pitchFamily="49" charset="0"/>
               </a:rPr>
-              <a:t>  void Set(</a:t>
+              <a:t>  void </a:t>
+            </a:r>
+            <a:r>
+              <a:rPr lang="en-US" altLang="ko-KR" sz="1800" dirty="0">
+                <a:solidFill>
+                  <a:srgbClr val="FF0000"/>
+                </a:solidFill>
+                <a:latin typeface="DM Mono" panose="020B0509040201040103" pitchFamily="49" charset="0"/>
+              </a:rPr>
+              <a:t>Point::</a:t>
+            </a:r>
+            <a:r>
+              <a:rPr lang="en-US" altLang="ko-KR" sz="1800" dirty="0">
+                <a:latin typeface="DM Mono" panose="020B0509040201040103" pitchFamily="49" charset="0"/>
+              </a:rPr>
+              <a:t>Set(</a:t>
             </a:r>
             <a:r>
               <a:rPr lang="en-US" altLang="ko-KR" sz="1800" dirty="0">
@@ -30118,7 +30151,7 @@
         </p:nvSpPr>
         <p:spPr>
           <a:xfrm>
-            <a:off x="7029450" y="1336697"/>
+            <a:off x="7943850" y="1358310"/>
             <a:ext cx="752475" cy="368278"/>
           </a:xfrm>
           <a:prstGeom prst="rect">
@@ -30166,14 +30199,15 @@
           </p:cNvPr>
           <p:cNvCxnSpPr>
             <a:cxnSpLocks/>
+            <a:stCxn id="23" idx="2"/>
             <a:endCxn id="2" idx="0"/>
           </p:cNvCxnSpPr>
           <p:nvPr/>
         </p:nvCxnSpPr>
         <p:spPr>
           <a:xfrm rot="16200000" flipH="1">
-            <a:off x="6581333" y="2505517"/>
-            <a:ext cx="3125084" cy="1466848"/>
+            <a:off x="7061246" y="2985429"/>
+            <a:ext cx="3074895" cy="557211"/>
           </a:xfrm>
           <a:prstGeom prst="curvedConnector3">
             <a:avLst/>

--- a/cpp_250512.pptx
+++ b/cpp_250512.pptx
@@ -5,7 +5,7 @@
     <p:sldMasterId id="2147483648" r:id="rId1"/>
   </p:sldMasterIdLst>
   <p:notesMasterIdLst>
-    <p:notesMasterId r:id="rId35"/>
+    <p:notesMasterId r:id="rId39"/>
   </p:notesMasterIdLst>
   <p:sldIdLst>
     <p:sldId id="256" r:id="rId2"/>
@@ -41,6 +41,10 @@
     <p:sldId id="287" r:id="rId32"/>
     <p:sldId id="286" r:id="rId33"/>
     <p:sldId id="288" r:id="rId34"/>
+    <p:sldId id="289" r:id="rId35"/>
+    <p:sldId id="290" r:id="rId36"/>
+    <p:sldId id="291" r:id="rId37"/>
+    <p:sldId id="292" r:id="rId38"/>
   </p:sldIdLst>
   <p:sldSz cx="12192000" cy="6858000"/>
   <p:notesSz cx="6858000" cy="9144000"/>
@@ -787,6 +791,438 @@
     <p:extLst>
       <p:ext uri="{BB962C8B-B14F-4D97-AF65-F5344CB8AC3E}">
         <p14:creationId xmlns:p14="http://schemas.microsoft.com/office/powerpoint/2010/main" val="2091553414"/>
+      </p:ext>
+    </p:extLst>
+  </p:cSld>
+  <p:clrMapOvr>
+    <a:masterClrMapping/>
+  </p:clrMapOvr>
+</p:notes>
+</file>
+
+<file path=ppt/notesSlides/notesSlide4.xml><?xml version="1.0" encoding="utf-8"?>
+<p:notes xmlns:a="http://schemas.openxmlformats.org/drawingml/2006/main" xmlns:r="http://schemas.openxmlformats.org/officeDocument/2006/relationships" xmlns:p="http://schemas.openxmlformats.org/presentationml/2006/main">
+  <p:cSld>
+    <p:spTree>
+      <p:nvGrpSpPr>
+        <p:cNvPr id="1" name="">
+          <a:extLst>
+            <a:ext uri="{FF2B5EF4-FFF2-40B4-BE49-F238E27FC236}">
+              <a16:creationId xmlns:a16="http://schemas.microsoft.com/office/drawing/2014/main" id="{1019D57F-BEC6-C80B-2858-97DDA2D91FEE}"/>
+            </a:ext>
+          </a:extLst>
+        </p:cNvPr>
+        <p:cNvGrpSpPr/>
+        <p:nvPr/>
+      </p:nvGrpSpPr>
+      <p:grpSpPr>
+        <a:xfrm>
+          <a:off x="0" y="0"/>
+          <a:ext cx="0" cy="0"/>
+          <a:chOff x="0" y="0"/>
+          <a:chExt cx="0" cy="0"/>
+        </a:xfrm>
+      </p:grpSpPr>
+      <p:sp>
+        <p:nvSpPr>
+          <p:cNvPr id="2" name="슬라이드 이미지 개체 틀 1">
+            <a:extLst>
+              <a:ext uri="{FF2B5EF4-FFF2-40B4-BE49-F238E27FC236}">
+                <a16:creationId xmlns:a16="http://schemas.microsoft.com/office/drawing/2014/main" id="{EFCACBB2-C741-E8AD-8192-DA703F58F002}"/>
+              </a:ext>
+            </a:extLst>
+          </p:cNvPr>
+          <p:cNvSpPr>
+            <a:spLocks noGrp="1" noRot="1" noChangeAspect="1"/>
+          </p:cNvSpPr>
+          <p:nvPr>
+            <p:ph type="sldImg"/>
+          </p:nvPr>
+        </p:nvSpPr>
+        <p:spPr/>
+      </p:sp>
+      <p:sp>
+        <p:nvSpPr>
+          <p:cNvPr id="3" name="슬라이드 노트 개체 틀 2">
+            <a:extLst>
+              <a:ext uri="{FF2B5EF4-FFF2-40B4-BE49-F238E27FC236}">
+                <a16:creationId xmlns:a16="http://schemas.microsoft.com/office/drawing/2014/main" id="{37ED6AC3-317A-5018-D19D-6402FA3CB1AC}"/>
+              </a:ext>
+            </a:extLst>
+          </p:cNvPr>
+          <p:cNvSpPr>
+            <a:spLocks noGrp="1"/>
+          </p:cNvSpPr>
+          <p:nvPr>
+            <p:ph type="body" idx="1"/>
+          </p:nvPr>
+        </p:nvSpPr>
+        <p:spPr/>
+        <p:txBody>
+          <a:bodyPr/>
+          <a:lstStyle/>
+          <a:p>
+            <a:endParaRPr kumimoji="1" lang="ko-KR" altLang="en-US" dirty="0"/>
+          </a:p>
+        </p:txBody>
+      </p:sp>
+      <p:sp>
+        <p:nvSpPr>
+          <p:cNvPr id="4" name="슬라이드 번호 개체 틀 3">
+            <a:extLst>
+              <a:ext uri="{FF2B5EF4-FFF2-40B4-BE49-F238E27FC236}">
+                <a16:creationId xmlns:a16="http://schemas.microsoft.com/office/drawing/2014/main" id="{5A12E037-445D-1EB3-900E-937F8F1412BF}"/>
+              </a:ext>
+            </a:extLst>
+          </p:cNvPr>
+          <p:cNvSpPr>
+            <a:spLocks noGrp="1"/>
+          </p:cNvSpPr>
+          <p:nvPr>
+            <p:ph type="sldNum" sz="quarter" idx="5"/>
+          </p:nvPr>
+        </p:nvSpPr>
+        <p:spPr/>
+        <p:txBody>
+          <a:bodyPr/>
+          <a:lstStyle/>
+          <a:p>
+            <a:fld id="{BBC37A49-42EF-4349-9CBC-D62872BEEC98}" type="slidenum">
+              <a:rPr kumimoji="1" lang="ko-KR" altLang="en-US" smtClean="0"/>
+              <a:t>34</a:t>
+            </a:fld>
+            <a:endParaRPr kumimoji="1" lang="ko-KR" altLang="en-US"/>
+          </a:p>
+        </p:txBody>
+      </p:sp>
+    </p:spTree>
+    <p:extLst>
+      <p:ext uri="{BB962C8B-B14F-4D97-AF65-F5344CB8AC3E}">
+        <p14:creationId xmlns:p14="http://schemas.microsoft.com/office/powerpoint/2010/main" val="2499790721"/>
+      </p:ext>
+    </p:extLst>
+  </p:cSld>
+  <p:clrMapOvr>
+    <a:masterClrMapping/>
+  </p:clrMapOvr>
+</p:notes>
+</file>
+
+<file path=ppt/notesSlides/notesSlide5.xml><?xml version="1.0" encoding="utf-8"?>
+<p:notes xmlns:a="http://schemas.openxmlformats.org/drawingml/2006/main" xmlns:r="http://schemas.openxmlformats.org/officeDocument/2006/relationships" xmlns:p="http://schemas.openxmlformats.org/presentationml/2006/main">
+  <p:cSld>
+    <p:spTree>
+      <p:nvGrpSpPr>
+        <p:cNvPr id="1" name="">
+          <a:extLst>
+            <a:ext uri="{FF2B5EF4-FFF2-40B4-BE49-F238E27FC236}">
+              <a16:creationId xmlns:a16="http://schemas.microsoft.com/office/drawing/2014/main" id="{89D3A161-6923-1F1C-B472-27746881FD28}"/>
+            </a:ext>
+          </a:extLst>
+        </p:cNvPr>
+        <p:cNvGrpSpPr/>
+        <p:nvPr/>
+      </p:nvGrpSpPr>
+      <p:grpSpPr>
+        <a:xfrm>
+          <a:off x="0" y="0"/>
+          <a:ext cx="0" cy="0"/>
+          <a:chOff x="0" y="0"/>
+          <a:chExt cx="0" cy="0"/>
+        </a:xfrm>
+      </p:grpSpPr>
+      <p:sp>
+        <p:nvSpPr>
+          <p:cNvPr id="2" name="슬라이드 이미지 개체 틀 1">
+            <a:extLst>
+              <a:ext uri="{FF2B5EF4-FFF2-40B4-BE49-F238E27FC236}">
+                <a16:creationId xmlns:a16="http://schemas.microsoft.com/office/drawing/2014/main" id="{0D085E91-8EF9-448A-6C6C-7879FA0E2FB3}"/>
+              </a:ext>
+            </a:extLst>
+          </p:cNvPr>
+          <p:cNvSpPr>
+            <a:spLocks noGrp="1" noRot="1" noChangeAspect="1"/>
+          </p:cNvSpPr>
+          <p:nvPr>
+            <p:ph type="sldImg"/>
+          </p:nvPr>
+        </p:nvSpPr>
+        <p:spPr/>
+      </p:sp>
+      <p:sp>
+        <p:nvSpPr>
+          <p:cNvPr id="3" name="슬라이드 노트 개체 틀 2">
+            <a:extLst>
+              <a:ext uri="{FF2B5EF4-FFF2-40B4-BE49-F238E27FC236}">
+                <a16:creationId xmlns:a16="http://schemas.microsoft.com/office/drawing/2014/main" id="{9896947A-22FC-0B70-96C8-615ED870398A}"/>
+              </a:ext>
+            </a:extLst>
+          </p:cNvPr>
+          <p:cNvSpPr>
+            <a:spLocks noGrp="1"/>
+          </p:cNvSpPr>
+          <p:nvPr>
+            <p:ph type="body" idx="1"/>
+          </p:nvPr>
+        </p:nvSpPr>
+        <p:spPr/>
+        <p:txBody>
+          <a:bodyPr/>
+          <a:lstStyle/>
+          <a:p>
+            <a:endParaRPr kumimoji="1" lang="ko-KR" altLang="en-US" dirty="0"/>
+          </a:p>
+        </p:txBody>
+      </p:sp>
+      <p:sp>
+        <p:nvSpPr>
+          <p:cNvPr id="4" name="슬라이드 번호 개체 틀 3">
+            <a:extLst>
+              <a:ext uri="{FF2B5EF4-FFF2-40B4-BE49-F238E27FC236}">
+                <a16:creationId xmlns:a16="http://schemas.microsoft.com/office/drawing/2014/main" id="{59A9F8B8-2212-B260-C72D-D5D6E25AF273}"/>
+              </a:ext>
+            </a:extLst>
+          </p:cNvPr>
+          <p:cNvSpPr>
+            <a:spLocks noGrp="1"/>
+          </p:cNvSpPr>
+          <p:nvPr>
+            <p:ph type="sldNum" sz="quarter" idx="5"/>
+          </p:nvPr>
+        </p:nvSpPr>
+        <p:spPr/>
+        <p:txBody>
+          <a:bodyPr/>
+          <a:lstStyle/>
+          <a:p>
+            <a:fld id="{BBC37A49-42EF-4349-9CBC-D62872BEEC98}" type="slidenum">
+              <a:rPr kumimoji="1" lang="ko-KR" altLang="en-US" smtClean="0"/>
+              <a:t>35</a:t>
+            </a:fld>
+            <a:endParaRPr kumimoji="1" lang="ko-KR" altLang="en-US"/>
+          </a:p>
+        </p:txBody>
+      </p:sp>
+    </p:spTree>
+    <p:extLst>
+      <p:ext uri="{BB962C8B-B14F-4D97-AF65-F5344CB8AC3E}">
+        <p14:creationId xmlns:p14="http://schemas.microsoft.com/office/powerpoint/2010/main" val="974285461"/>
+      </p:ext>
+    </p:extLst>
+  </p:cSld>
+  <p:clrMapOvr>
+    <a:masterClrMapping/>
+  </p:clrMapOvr>
+</p:notes>
+</file>
+
+<file path=ppt/notesSlides/notesSlide6.xml><?xml version="1.0" encoding="utf-8"?>
+<p:notes xmlns:a="http://schemas.openxmlformats.org/drawingml/2006/main" xmlns:r="http://schemas.openxmlformats.org/officeDocument/2006/relationships" xmlns:p="http://schemas.openxmlformats.org/presentationml/2006/main">
+  <p:cSld>
+    <p:spTree>
+      <p:nvGrpSpPr>
+        <p:cNvPr id="1" name="">
+          <a:extLst>
+            <a:ext uri="{FF2B5EF4-FFF2-40B4-BE49-F238E27FC236}">
+              <a16:creationId xmlns:a16="http://schemas.microsoft.com/office/drawing/2014/main" id="{9F8D4448-6EEA-E94A-FA19-081B33F00E1D}"/>
+            </a:ext>
+          </a:extLst>
+        </p:cNvPr>
+        <p:cNvGrpSpPr/>
+        <p:nvPr/>
+      </p:nvGrpSpPr>
+      <p:grpSpPr>
+        <a:xfrm>
+          <a:off x="0" y="0"/>
+          <a:ext cx="0" cy="0"/>
+          <a:chOff x="0" y="0"/>
+          <a:chExt cx="0" cy="0"/>
+        </a:xfrm>
+      </p:grpSpPr>
+      <p:sp>
+        <p:nvSpPr>
+          <p:cNvPr id="2" name="슬라이드 이미지 개체 틀 1">
+            <a:extLst>
+              <a:ext uri="{FF2B5EF4-FFF2-40B4-BE49-F238E27FC236}">
+                <a16:creationId xmlns:a16="http://schemas.microsoft.com/office/drawing/2014/main" id="{5082D8E6-E64D-30F0-7667-7EB91E69100B}"/>
+              </a:ext>
+            </a:extLst>
+          </p:cNvPr>
+          <p:cNvSpPr>
+            <a:spLocks noGrp="1" noRot="1" noChangeAspect="1"/>
+          </p:cNvSpPr>
+          <p:nvPr>
+            <p:ph type="sldImg"/>
+          </p:nvPr>
+        </p:nvSpPr>
+        <p:spPr/>
+      </p:sp>
+      <p:sp>
+        <p:nvSpPr>
+          <p:cNvPr id="3" name="슬라이드 노트 개체 틀 2">
+            <a:extLst>
+              <a:ext uri="{FF2B5EF4-FFF2-40B4-BE49-F238E27FC236}">
+                <a16:creationId xmlns:a16="http://schemas.microsoft.com/office/drawing/2014/main" id="{077765CC-28DD-418C-64A3-F9A49B95345E}"/>
+              </a:ext>
+            </a:extLst>
+          </p:cNvPr>
+          <p:cNvSpPr>
+            <a:spLocks noGrp="1"/>
+          </p:cNvSpPr>
+          <p:nvPr>
+            <p:ph type="body" idx="1"/>
+          </p:nvPr>
+        </p:nvSpPr>
+        <p:spPr/>
+        <p:txBody>
+          <a:bodyPr/>
+          <a:lstStyle/>
+          <a:p>
+            <a:endParaRPr kumimoji="1" lang="ko-KR" altLang="en-US" dirty="0"/>
+          </a:p>
+        </p:txBody>
+      </p:sp>
+      <p:sp>
+        <p:nvSpPr>
+          <p:cNvPr id="4" name="슬라이드 번호 개체 틀 3">
+            <a:extLst>
+              <a:ext uri="{FF2B5EF4-FFF2-40B4-BE49-F238E27FC236}">
+                <a16:creationId xmlns:a16="http://schemas.microsoft.com/office/drawing/2014/main" id="{E2B7424C-BD6D-C075-0C35-4C31ADEE3FF5}"/>
+              </a:ext>
+            </a:extLst>
+          </p:cNvPr>
+          <p:cNvSpPr>
+            <a:spLocks noGrp="1"/>
+          </p:cNvSpPr>
+          <p:nvPr>
+            <p:ph type="sldNum" sz="quarter" idx="5"/>
+          </p:nvPr>
+        </p:nvSpPr>
+        <p:spPr/>
+        <p:txBody>
+          <a:bodyPr/>
+          <a:lstStyle/>
+          <a:p>
+            <a:fld id="{BBC37A49-42EF-4349-9CBC-D62872BEEC98}" type="slidenum">
+              <a:rPr kumimoji="1" lang="ko-KR" altLang="en-US" smtClean="0"/>
+              <a:t>36</a:t>
+            </a:fld>
+            <a:endParaRPr kumimoji="1" lang="ko-KR" altLang="en-US"/>
+          </a:p>
+        </p:txBody>
+      </p:sp>
+    </p:spTree>
+    <p:extLst>
+      <p:ext uri="{BB962C8B-B14F-4D97-AF65-F5344CB8AC3E}">
+        <p14:creationId xmlns:p14="http://schemas.microsoft.com/office/powerpoint/2010/main" val="2317012505"/>
+      </p:ext>
+    </p:extLst>
+  </p:cSld>
+  <p:clrMapOvr>
+    <a:masterClrMapping/>
+  </p:clrMapOvr>
+</p:notes>
+</file>
+
+<file path=ppt/notesSlides/notesSlide7.xml><?xml version="1.0" encoding="utf-8"?>
+<p:notes xmlns:a="http://schemas.openxmlformats.org/drawingml/2006/main" xmlns:r="http://schemas.openxmlformats.org/officeDocument/2006/relationships" xmlns:p="http://schemas.openxmlformats.org/presentationml/2006/main">
+  <p:cSld>
+    <p:spTree>
+      <p:nvGrpSpPr>
+        <p:cNvPr id="1" name="">
+          <a:extLst>
+            <a:ext uri="{FF2B5EF4-FFF2-40B4-BE49-F238E27FC236}">
+              <a16:creationId xmlns:a16="http://schemas.microsoft.com/office/drawing/2014/main" id="{BC06D259-8D28-85CB-25FA-6E3F24831E68}"/>
+            </a:ext>
+          </a:extLst>
+        </p:cNvPr>
+        <p:cNvGrpSpPr/>
+        <p:nvPr/>
+      </p:nvGrpSpPr>
+      <p:grpSpPr>
+        <a:xfrm>
+          <a:off x="0" y="0"/>
+          <a:ext cx="0" cy="0"/>
+          <a:chOff x="0" y="0"/>
+          <a:chExt cx="0" cy="0"/>
+        </a:xfrm>
+      </p:grpSpPr>
+      <p:sp>
+        <p:nvSpPr>
+          <p:cNvPr id="2" name="슬라이드 이미지 개체 틀 1">
+            <a:extLst>
+              <a:ext uri="{FF2B5EF4-FFF2-40B4-BE49-F238E27FC236}">
+                <a16:creationId xmlns:a16="http://schemas.microsoft.com/office/drawing/2014/main" id="{FC2BBBF3-CE8F-900E-6540-7DBB725B2C8C}"/>
+              </a:ext>
+            </a:extLst>
+          </p:cNvPr>
+          <p:cNvSpPr>
+            <a:spLocks noGrp="1" noRot="1" noChangeAspect="1"/>
+          </p:cNvSpPr>
+          <p:nvPr>
+            <p:ph type="sldImg"/>
+          </p:nvPr>
+        </p:nvSpPr>
+        <p:spPr/>
+      </p:sp>
+      <p:sp>
+        <p:nvSpPr>
+          <p:cNvPr id="3" name="슬라이드 노트 개체 틀 2">
+            <a:extLst>
+              <a:ext uri="{FF2B5EF4-FFF2-40B4-BE49-F238E27FC236}">
+                <a16:creationId xmlns:a16="http://schemas.microsoft.com/office/drawing/2014/main" id="{6C042107-294F-098F-AABB-2B20B9D7BBC8}"/>
+              </a:ext>
+            </a:extLst>
+          </p:cNvPr>
+          <p:cNvSpPr>
+            <a:spLocks noGrp="1"/>
+          </p:cNvSpPr>
+          <p:nvPr>
+            <p:ph type="body" idx="1"/>
+          </p:nvPr>
+        </p:nvSpPr>
+        <p:spPr/>
+        <p:txBody>
+          <a:bodyPr/>
+          <a:lstStyle/>
+          <a:p>
+            <a:endParaRPr kumimoji="1" lang="ko-KR" altLang="en-US" dirty="0"/>
+          </a:p>
+        </p:txBody>
+      </p:sp>
+      <p:sp>
+        <p:nvSpPr>
+          <p:cNvPr id="4" name="슬라이드 번호 개체 틀 3">
+            <a:extLst>
+              <a:ext uri="{FF2B5EF4-FFF2-40B4-BE49-F238E27FC236}">
+                <a16:creationId xmlns:a16="http://schemas.microsoft.com/office/drawing/2014/main" id="{FB955D0E-ABCF-CA4C-02C6-428E90D0769E}"/>
+              </a:ext>
+            </a:extLst>
+          </p:cNvPr>
+          <p:cNvSpPr>
+            <a:spLocks noGrp="1"/>
+          </p:cNvSpPr>
+          <p:nvPr>
+            <p:ph type="sldNum" sz="quarter" idx="5"/>
+          </p:nvPr>
+        </p:nvSpPr>
+        <p:spPr/>
+        <p:txBody>
+          <a:bodyPr/>
+          <a:lstStyle/>
+          <a:p>
+            <a:fld id="{BBC37A49-42EF-4349-9CBC-D62872BEEC98}" type="slidenum">
+              <a:rPr kumimoji="1" lang="ko-KR" altLang="en-US" smtClean="0"/>
+              <a:t>37</a:t>
+            </a:fld>
+            <a:endParaRPr kumimoji="1" lang="ko-KR" altLang="en-US"/>
+          </a:p>
+        </p:txBody>
+      </p:sp>
+    </p:spTree>
+    <p:extLst>
+      <p:ext uri="{BB962C8B-B14F-4D97-AF65-F5344CB8AC3E}">
+        <p14:creationId xmlns:p14="http://schemas.microsoft.com/office/powerpoint/2010/main" val="2261925600"/>
       </p:ext>
     </p:extLst>
   </p:cSld>
@@ -30235,6 +30671,3167 @@
     <p:extLst>
       <p:ext uri="{BB962C8B-B14F-4D97-AF65-F5344CB8AC3E}">
         <p14:creationId xmlns:p14="http://schemas.microsoft.com/office/powerpoint/2010/main" val="1451146760"/>
+      </p:ext>
+    </p:extLst>
+  </p:cSld>
+  <p:clrMapOvr>
+    <a:masterClrMapping/>
+  </p:clrMapOvr>
+</p:sld>
+</file>
+
+<file path=ppt/slides/slide34.xml><?xml version="1.0" encoding="utf-8"?>
+<p:sld xmlns:a="http://schemas.openxmlformats.org/drawingml/2006/main" xmlns:r="http://schemas.openxmlformats.org/officeDocument/2006/relationships" xmlns:p="http://schemas.openxmlformats.org/presentationml/2006/main">
+  <p:cSld>
+    <p:spTree>
+      <p:nvGrpSpPr>
+        <p:cNvPr id="1" name="">
+          <a:extLst>
+            <a:ext uri="{FF2B5EF4-FFF2-40B4-BE49-F238E27FC236}">
+              <a16:creationId xmlns:a16="http://schemas.microsoft.com/office/drawing/2014/main" id="{1BA50BCC-FF1D-941B-AE83-4C0F3B480B5B}"/>
+            </a:ext>
+          </a:extLst>
+        </p:cNvPr>
+        <p:cNvGrpSpPr/>
+        <p:nvPr/>
+      </p:nvGrpSpPr>
+      <p:grpSpPr>
+        <a:xfrm>
+          <a:off x="0" y="0"/>
+          <a:ext cx="0" cy="0"/>
+          <a:chOff x="0" y="0"/>
+          <a:chExt cx="0" cy="0"/>
+        </a:xfrm>
+      </p:grpSpPr>
+      <p:sp>
+        <p:nvSpPr>
+          <p:cNvPr id="5" name="TextBox 4">
+            <a:extLst>
+              <a:ext uri="{FF2B5EF4-FFF2-40B4-BE49-F238E27FC236}">
+                <a16:creationId xmlns:a16="http://schemas.microsoft.com/office/drawing/2014/main" id="{F0AF2CE9-F15B-951B-6D9E-AF7FB2E2CFEF}"/>
+              </a:ext>
+            </a:extLst>
+          </p:cNvPr>
+          <p:cNvSpPr txBox="1"/>
+          <p:nvPr/>
+        </p:nvSpPr>
+        <p:spPr>
+          <a:xfrm>
+            <a:off x="383361" y="588935"/>
+            <a:ext cx="5274489" cy="5016758"/>
+          </a:xfrm>
+          <a:prstGeom prst="rect">
+            <a:avLst/>
+          </a:prstGeom>
+          <a:noFill/>
+        </p:spPr>
+        <p:txBody>
+          <a:bodyPr wrap="square">
+            <a:spAutoFit/>
+          </a:bodyPr>
+          <a:lstStyle/>
+          <a:p>
+            <a:r>
+              <a:rPr lang="en-US" altLang="ko-KR" sz="1600" dirty="0">
+                <a:latin typeface="DM Mono" panose="020B0509040201040103" pitchFamily="49" charset="0"/>
+              </a:rPr>
+              <a:t>class User</a:t>
+            </a:r>
+          </a:p>
+          <a:p>
+            <a:r>
+              <a:rPr lang="en-US" altLang="ko-KR" sz="1600" dirty="0">
+                <a:latin typeface="DM Mono" panose="020B0509040201040103" pitchFamily="49" charset="0"/>
+              </a:rPr>
+              <a:t>{</a:t>
+            </a:r>
+          </a:p>
+          <a:p>
+            <a:r>
+              <a:rPr lang="en-US" altLang="ko-KR" sz="1600" dirty="0">
+                <a:latin typeface="DM Mono" panose="020B0509040201040103" pitchFamily="49" charset="0"/>
+              </a:rPr>
+              <a:t>char *name;</a:t>
+            </a:r>
+          </a:p>
+          <a:p>
+            <a:r>
+              <a:rPr lang="en-US" altLang="ko-KR" sz="1600" dirty="0">
+                <a:latin typeface="DM Mono" panose="020B0509040201040103" pitchFamily="49" charset="0"/>
+              </a:rPr>
+              <a:t>int age;</a:t>
+            </a:r>
+            <a:br>
+              <a:rPr lang="en-US" altLang="ko-KR" sz="1600" dirty="0">
+                <a:latin typeface="DM Mono" panose="020B0509040201040103" pitchFamily="49" charset="0"/>
+              </a:rPr>
+            </a:br>
+            <a:r>
+              <a:rPr lang="en-US" altLang="ko-KR" sz="1600" dirty="0">
+                <a:latin typeface="DM Mono" panose="020B0509040201040103" pitchFamily="49" charset="0"/>
+              </a:rPr>
+              <a:t>public:</a:t>
+            </a:r>
+          </a:p>
+          <a:p>
+            <a:r>
+              <a:rPr lang="en-US" altLang="ko-KR" sz="1600" dirty="0">
+                <a:latin typeface="DM Mono" panose="020B0509040201040103" pitchFamily="49" charset="0"/>
+              </a:rPr>
+              <a:t>  User(const char *s, int n)</a:t>
+            </a:r>
+          </a:p>
+          <a:p>
+            <a:r>
+              <a:rPr lang="en-US" altLang="ko-KR" sz="1600" dirty="0">
+                <a:latin typeface="DM Mono" panose="020B0509040201040103" pitchFamily="49" charset="0"/>
+              </a:rPr>
+              <a:t>    : age{n}</a:t>
+            </a:r>
+          </a:p>
+          <a:p>
+            <a:r>
+              <a:rPr lang="en-US" altLang="ko-KR" sz="1600" dirty="0">
+                <a:latin typeface="DM Mono" panose="020B0509040201040103" pitchFamily="49" charset="0"/>
+              </a:rPr>
+              <a:t>  {</a:t>
+            </a:r>
+          </a:p>
+          <a:p>
+            <a:r>
+              <a:rPr lang="en-US" altLang="ko-KR" sz="1600" dirty="0">
+                <a:latin typeface="DM Mono" panose="020B0509040201040103" pitchFamily="49" charset="0"/>
+              </a:rPr>
+              <a:t>    name = new char[</a:t>
+            </a:r>
+            <a:r>
+              <a:rPr lang="en-US" altLang="ko-KR" sz="1600" dirty="0" err="1">
+                <a:latin typeface="DM Mono" panose="020B0509040201040103" pitchFamily="49" charset="0"/>
+              </a:rPr>
+              <a:t>strlen</a:t>
+            </a:r>
+            <a:r>
+              <a:rPr lang="en-US" altLang="ko-KR" sz="1600" dirty="0">
+                <a:latin typeface="DM Mono" panose="020B0509040201040103" pitchFamily="49" charset="0"/>
+              </a:rPr>
+              <a:t>(s) + 1];</a:t>
+            </a:r>
+          </a:p>
+          <a:p>
+            <a:r>
+              <a:rPr lang="en-US" altLang="ko-KR" sz="1600" dirty="0">
+                <a:latin typeface="DM Mono" panose="020B0509040201040103" pitchFamily="49" charset="0"/>
+              </a:rPr>
+              <a:t>    </a:t>
+            </a:r>
+            <a:r>
+              <a:rPr lang="en-US" altLang="ko-KR" sz="1600" dirty="0" err="1">
+                <a:latin typeface="DM Mono" panose="020B0509040201040103" pitchFamily="49" charset="0"/>
+              </a:rPr>
+              <a:t>strcpy</a:t>
+            </a:r>
+            <a:r>
+              <a:rPr lang="en-US" altLang="ko-KR" sz="1600" dirty="0">
+                <a:latin typeface="DM Mono" panose="020B0509040201040103" pitchFamily="49" charset="0"/>
+              </a:rPr>
+              <a:t>(name, s);</a:t>
+            </a:r>
+          </a:p>
+          <a:p>
+            <a:r>
+              <a:rPr lang="en-US" altLang="ko-KR" sz="1600" dirty="0">
+                <a:latin typeface="DM Mono" panose="020B0509040201040103" pitchFamily="49" charset="0"/>
+              </a:rPr>
+              <a:t>  }</a:t>
+            </a:r>
+          </a:p>
+          <a:p>
+            <a:br>
+              <a:rPr lang="en-US" altLang="ko-KR" sz="1600" dirty="0">
+                <a:latin typeface="DM Mono" panose="020B0509040201040103" pitchFamily="49" charset="0"/>
+              </a:rPr>
+            </a:br>
+            <a:r>
+              <a:rPr lang="en-US" altLang="ko-KR" sz="1600" dirty="0">
+                <a:latin typeface="DM Mono" panose="020B0509040201040103" pitchFamily="49" charset="0"/>
+              </a:rPr>
+              <a:t>  ~User()</a:t>
+            </a:r>
+          </a:p>
+          <a:p>
+            <a:r>
+              <a:rPr lang="en-US" altLang="ko-KR" sz="1600" dirty="0">
+                <a:latin typeface="DM Mono" panose="020B0509040201040103" pitchFamily="49" charset="0"/>
+              </a:rPr>
+              <a:t>  {</a:t>
+            </a:r>
+          </a:p>
+          <a:p>
+            <a:r>
+              <a:rPr lang="en-US" altLang="ko-KR" sz="1600" dirty="0">
+                <a:latin typeface="DM Mono" panose="020B0509040201040103" pitchFamily="49" charset="0"/>
+              </a:rPr>
+              <a:t>    delete[] name;</a:t>
+            </a:r>
+          </a:p>
+          <a:p>
+            <a:r>
+              <a:rPr lang="en-US" altLang="ko-KR" sz="1600" dirty="0">
+                <a:latin typeface="DM Mono" panose="020B0509040201040103" pitchFamily="49" charset="0"/>
+              </a:rPr>
+              <a:t>  }</a:t>
+            </a:r>
+          </a:p>
+          <a:p>
+            <a:r>
+              <a:rPr lang="en-US" altLang="ko-KR" sz="1600" dirty="0">
+                <a:latin typeface="DM Mono" panose="020B0509040201040103" pitchFamily="49" charset="0"/>
+              </a:rPr>
+              <a:t>};</a:t>
+            </a:r>
+          </a:p>
+          <a:p>
+            <a:br>
+              <a:rPr lang="en-US" altLang="ko-KR" sz="1600" dirty="0">
+                <a:solidFill>
+                  <a:srgbClr val="FF0000"/>
+                </a:solidFill>
+                <a:latin typeface="DM Mono" panose="020B0509040201040103" pitchFamily="49" charset="0"/>
+              </a:rPr>
+            </a:br>
+            <a:r>
+              <a:rPr lang="en-US" altLang="ko-KR" sz="1600" dirty="0">
+                <a:solidFill>
+                  <a:srgbClr val="FF0000"/>
+                </a:solidFill>
+                <a:latin typeface="DM Mono" panose="020B0509040201040103" pitchFamily="49" charset="0"/>
+              </a:rPr>
+              <a:t>User user{"Tom", 42};</a:t>
+            </a:r>
+          </a:p>
+          <a:p>
+            <a:r>
+              <a:rPr lang="en-US" altLang="ko-KR" sz="1600" dirty="0">
+                <a:latin typeface="DM Mono" panose="020B0509040201040103" pitchFamily="49" charset="0"/>
+              </a:rPr>
+              <a:t>User other{user};</a:t>
+            </a:r>
+          </a:p>
+        </p:txBody>
+      </p:sp>
+      <p:sp>
+        <p:nvSpPr>
+          <p:cNvPr id="14" name="직사각형 13">
+            <a:extLst>
+              <a:ext uri="{FF2B5EF4-FFF2-40B4-BE49-F238E27FC236}">
+                <a16:creationId xmlns:a16="http://schemas.microsoft.com/office/drawing/2014/main" id="{676147BB-CE5D-893E-C05B-E6DE03FFCF70}"/>
+              </a:ext>
+            </a:extLst>
+          </p:cNvPr>
+          <p:cNvSpPr/>
+          <p:nvPr/>
+        </p:nvSpPr>
+        <p:spPr>
+          <a:xfrm>
+            <a:off x="6191250" y="785876"/>
+            <a:ext cx="1287379" cy="605567"/>
+          </a:xfrm>
+          <a:prstGeom prst="rect">
+            <a:avLst/>
+          </a:prstGeom>
+        </p:spPr>
+        <p:style>
+          <a:lnRef idx="2">
+            <a:schemeClr val="accent4">
+              <a:shade val="15000"/>
+            </a:schemeClr>
+          </a:lnRef>
+          <a:fillRef idx="1">
+            <a:schemeClr val="accent4"/>
+          </a:fillRef>
+          <a:effectRef idx="0">
+            <a:schemeClr val="accent4"/>
+          </a:effectRef>
+          <a:fontRef idx="minor">
+            <a:schemeClr val="lt1"/>
+          </a:fontRef>
+        </p:style>
+        <p:txBody>
+          <a:bodyPr rtlCol="0" anchor="ctr"/>
+          <a:lstStyle/>
+          <a:p>
+            <a:pPr algn="ctr"/>
+            <a:endParaRPr kumimoji="1" lang="ko-KR" altLang="en-US" dirty="0">
+              <a:solidFill>
+                <a:schemeClr val="tx1"/>
+              </a:solidFill>
+              <a:latin typeface="DM Mono" panose="020B0509040201040103" pitchFamily="49" charset="0"/>
+            </a:endParaRPr>
+          </a:p>
+        </p:txBody>
+      </p:sp>
+      <p:sp>
+        <p:nvSpPr>
+          <p:cNvPr id="15" name="TextBox 14">
+            <a:extLst>
+              <a:ext uri="{FF2B5EF4-FFF2-40B4-BE49-F238E27FC236}">
+                <a16:creationId xmlns:a16="http://schemas.microsoft.com/office/drawing/2014/main" id="{5AE54D4A-AE98-A758-337D-908D91C5FCFF}"/>
+              </a:ext>
+            </a:extLst>
+          </p:cNvPr>
+          <p:cNvSpPr txBox="1"/>
+          <p:nvPr/>
+        </p:nvSpPr>
+        <p:spPr>
+          <a:xfrm>
+            <a:off x="5140993" y="903993"/>
+            <a:ext cx="1050257" cy="369332"/>
+          </a:xfrm>
+          <a:prstGeom prst="rect">
+            <a:avLst/>
+          </a:prstGeom>
+          <a:noFill/>
+        </p:spPr>
+        <p:txBody>
+          <a:bodyPr wrap="square" rtlCol="0">
+            <a:spAutoFit/>
+          </a:bodyPr>
+          <a:lstStyle/>
+          <a:p>
+            <a:pPr algn="r"/>
+            <a:r>
+              <a:rPr kumimoji="1" lang="en-US" altLang="ko-KR" dirty="0">
+                <a:latin typeface="DM Mono" panose="020B0509040201040103" pitchFamily="49" charset="0"/>
+              </a:rPr>
+              <a:t>name</a:t>
+            </a:r>
+            <a:endParaRPr kumimoji="1" lang="ko-KR" altLang="en-US" dirty="0">
+              <a:latin typeface="DM Mono" panose="020B0509040201040103" pitchFamily="49" charset="0"/>
+            </a:endParaRPr>
+          </a:p>
+        </p:txBody>
+      </p:sp>
+      <p:sp>
+        <p:nvSpPr>
+          <p:cNvPr id="16" name="TextBox 15">
+            <a:extLst>
+              <a:ext uri="{FF2B5EF4-FFF2-40B4-BE49-F238E27FC236}">
+                <a16:creationId xmlns:a16="http://schemas.microsoft.com/office/drawing/2014/main" id="{4EA44553-BF6A-9B8E-9D5C-19AFB5A4D910}"/>
+              </a:ext>
+            </a:extLst>
+          </p:cNvPr>
+          <p:cNvSpPr txBox="1"/>
+          <p:nvPr/>
+        </p:nvSpPr>
+        <p:spPr>
+          <a:xfrm>
+            <a:off x="6191249" y="364976"/>
+            <a:ext cx="1287379" cy="369332"/>
+          </a:xfrm>
+          <a:prstGeom prst="rect">
+            <a:avLst/>
+          </a:prstGeom>
+          <a:noFill/>
+        </p:spPr>
+        <p:txBody>
+          <a:bodyPr wrap="square" rtlCol="0">
+            <a:spAutoFit/>
+          </a:bodyPr>
+          <a:lstStyle/>
+          <a:p>
+            <a:pPr algn="ctr"/>
+            <a:r>
+              <a:rPr kumimoji="1" lang="en-US" altLang="ko-KR" dirty="0">
+                <a:latin typeface="DM Mono" panose="020B0509040201040103" pitchFamily="49" charset="0"/>
+              </a:rPr>
+              <a:t>user</a:t>
+            </a:r>
+            <a:endParaRPr kumimoji="1" lang="ko-KR" altLang="en-US" dirty="0">
+              <a:latin typeface="DM Mono" panose="020B0509040201040103" pitchFamily="49" charset="0"/>
+            </a:endParaRPr>
+          </a:p>
+        </p:txBody>
+      </p:sp>
+      <p:sp>
+        <p:nvSpPr>
+          <p:cNvPr id="17" name="직사각형 16">
+            <a:extLst>
+              <a:ext uri="{FF2B5EF4-FFF2-40B4-BE49-F238E27FC236}">
+                <a16:creationId xmlns:a16="http://schemas.microsoft.com/office/drawing/2014/main" id="{0050DF8A-0D87-6909-1C4D-403A76D8A7A6}"/>
+              </a:ext>
+            </a:extLst>
+          </p:cNvPr>
+          <p:cNvSpPr/>
+          <p:nvPr/>
+        </p:nvSpPr>
+        <p:spPr>
+          <a:xfrm>
+            <a:off x="6191250" y="1391442"/>
+            <a:ext cx="1287379" cy="605567"/>
+          </a:xfrm>
+          <a:prstGeom prst="rect">
+            <a:avLst/>
+          </a:prstGeom>
+        </p:spPr>
+        <p:style>
+          <a:lnRef idx="2">
+            <a:schemeClr val="accent4">
+              <a:shade val="15000"/>
+            </a:schemeClr>
+          </a:lnRef>
+          <a:fillRef idx="1">
+            <a:schemeClr val="accent4"/>
+          </a:fillRef>
+          <a:effectRef idx="0">
+            <a:schemeClr val="accent4"/>
+          </a:effectRef>
+          <a:fontRef idx="minor">
+            <a:schemeClr val="lt1"/>
+          </a:fontRef>
+        </p:style>
+        <p:txBody>
+          <a:bodyPr rtlCol="0" anchor="ctr"/>
+          <a:lstStyle/>
+          <a:p>
+            <a:pPr algn="ctr"/>
+            <a:r>
+              <a:rPr kumimoji="1" lang="en-US" altLang="ko-KR" dirty="0">
+                <a:solidFill>
+                  <a:schemeClr val="tx1"/>
+                </a:solidFill>
+                <a:latin typeface="DM Mono" panose="020B0509040201040103" pitchFamily="49" charset="0"/>
+              </a:rPr>
+              <a:t>42</a:t>
+            </a:r>
+            <a:endParaRPr kumimoji="1" lang="ko-KR" altLang="en-US" dirty="0">
+              <a:solidFill>
+                <a:schemeClr val="tx1"/>
+              </a:solidFill>
+              <a:latin typeface="DM Mono" panose="020B0509040201040103" pitchFamily="49" charset="0"/>
+            </a:endParaRPr>
+          </a:p>
+        </p:txBody>
+      </p:sp>
+      <p:sp>
+        <p:nvSpPr>
+          <p:cNvPr id="18" name="TextBox 17">
+            <a:extLst>
+              <a:ext uri="{FF2B5EF4-FFF2-40B4-BE49-F238E27FC236}">
+                <a16:creationId xmlns:a16="http://schemas.microsoft.com/office/drawing/2014/main" id="{03215B94-33DE-D830-312E-84CB61FF0F81}"/>
+              </a:ext>
+            </a:extLst>
+          </p:cNvPr>
+          <p:cNvSpPr txBox="1"/>
+          <p:nvPr/>
+        </p:nvSpPr>
+        <p:spPr>
+          <a:xfrm>
+            <a:off x="5140993" y="1509559"/>
+            <a:ext cx="1050257" cy="369332"/>
+          </a:xfrm>
+          <a:prstGeom prst="rect">
+            <a:avLst/>
+          </a:prstGeom>
+          <a:noFill/>
+        </p:spPr>
+        <p:txBody>
+          <a:bodyPr wrap="square" rtlCol="0">
+            <a:spAutoFit/>
+          </a:bodyPr>
+          <a:lstStyle/>
+          <a:p>
+            <a:pPr algn="r"/>
+            <a:r>
+              <a:rPr kumimoji="1" lang="en-US" altLang="ko-KR" dirty="0">
+                <a:latin typeface="DM Mono" panose="020B0509040201040103" pitchFamily="49" charset="0"/>
+              </a:rPr>
+              <a:t>age</a:t>
+            </a:r>
+            <a:endParaRPr kumimoji="1" lang="ko-KR" altLang="en-US" dirty="0">
+              <a:latin typeface="DM Mono" panose="020B0509040201040103" pitchFamily="49" charset="0"/>
+            </a:endParaRPr>
+          </a:p>
+        </p:txBody>
+      </p:sp>
+      <p:sp>
+        <p:nvSpPr>
+          <p:cNvPr id="20" name="직사각형 19">
+            <a:extLst>
+              <a:ext uri="{FF2B5EF4-FFF2-40B4-BE49-F238E27FC236}">
+                <a16:creationId xmlns:a16="http://schemas.microsoft.com/office/drawing/2014/main" id="{ADF81F54-6021-8CB2-914D-1DF74B57EED1}"/>
+              </a:ext>
+            </a:extLst>
+          </p:cNvPr>
+          <p:cNvSpPr/>
+          <p:nvPr/>
+        </p:nvSpPr>
+        <p:spPr>
+          <a:xfrm>
+            <a:off x="10521260" y="483092"/>
+            <a:ext cx="1287379" cy="605567"/>
+          </a:xfrm>
+          <a:prstGeom prst="rect">
+            <a:avLst/>
+          </a:prstGeom>
+        </p:spPr>
+        <p:style>
+          <a:lnRef idx="2">
+            <a:schemeClr val="accent4">
+              <a:shade val="15000"/>
+            </a:schemeClr>
+          </a:lnRef>
+          <a:fillRef idx="1">
+            <a:schemeClr val="accent4"/>
+          </a:fillRef>
+          <a:effectRef idx="0">
+            <a:schemeClr val="accent4"/>
+          </a:effectRef>
+          <a:fontRef idx="minor">
+            <a:schemeClr val="lt1"/>
+          </a:fontRef>
+        </p:style>
+        <p:txBody>
+          <a:bodyPr rtlCol="0" anchor="ctr"/>
+          <a:lstStyle/>
+          <a:p>
+            <a:pPr algn="ctr"/>
+            <a:r>
+              <a:rPr kumimoji="1" lang="en-US" altLang="ko-KR" dirty="0">
+                <a:solidFill>
+                  <a:schemeClr val="tx1"/>
+                </a:solidFill>
+                <a:latin typeface="DM Mono" panose="020B0509040201040103" pitchFamily="49" charset="0"/>
+              </a:rPr>
+              <a:t>“Tom”</a:t>
+            </a:r>
+            <a:endParaRPr kumimoji="1" lang="ko-KR" altLang="en-US" dirty="0">
+              <a:solidFill>
+                <a:schemeClr val="tx1"/>
+              </a:solidFill>
+              <a:latin typeface="DM Mono" panose="020B0509040201040103" pitchFamily="49" charset="0"/>
+            </a:endParaRPr>
+          </a:p>
+        </p:txBody>
+      </p:sp>
+      <p:cxnSp>
+        <p:nvCxnSpPr>
+          <p:cNvPr id="24" name="구부러진 연결선[U] 23">
+            <a:extLst>
+              <a:ext uri="{FF2B5EF4-FFF2-40B4-BE49-F238E27FC236}">
+                <a16:creationId xmlns:a16="http://schemas.microsoft.com/office/drawing/2014/main" id="{8E7CC18C-07B7-E93D-719F-E5E6E2CD60BC}"/>
+              </a:ext>
+            </a:extLst>
+          </p:cNvPr>
+          <p:cNvCxnSpPr>
+            <a:cxnSpLocks/>
+            <a:endCxn id="20" idx="1"/>
+          </p:cNvCxnSpPr>
+          <p:nvPr/>
+        </p:nvCxnSpPr>
+        <p:spPr>
+          <a:xfrm flipV="1">
+            <a:off x="7478628" y="785876"/>
+            <a:ext cx="3042632" cy="302783"/>
+          </a:xfrm>
+          <a:prstGeom prst="curvedConnector3">
+            <a:avLst/>
+          </a:prstGeom>
+          <a:ln w="12700">
+            <a:tailEnd type="triangle"/>
+          </a:ln>
+        </p:spPr>
+        <p:style>
+          <a:lnRef idx="1">
+            <a:schemeClr val="dk1"/>
+          </a:lnRef>
+          <a:fillRef idx="0">
+            <a:schemeClr val="dk1"/>
+          </a:fillRef>
+          <a:effectRef idx="0">
+            <a:schemeClr val="dk1"/>
+          </a:effectRef>
+          <a:fontRef idx="minor">
+            <a:schemeClr val="tx1"/>
+          </a:fontRef>
+        </p:style>
+      </p:cxnSp>
+    </p:spTree>
+    <p:extLst>
+      <p:ext uri="{BB962C8B-B14F-4D97-AF65-F5344CB8AC3E}">
+        <p14:creationId xmlns:p14="http://schemas.microsoft.com/office/powerpoint/2010/main" val="2507154051"/>
+      </p:ext>
+    </p:extLst>
+  </p:cSld>
+  <p:clrMapOvr>
+    <a:masterClrMapping/>
+  </p:clrMapOvr>
+</p:sld>
+</file>
+
+<file path=ppt/slides/slide35.xml><?xml version="1.0" encoding="utf-8"?>
+<p:sld xmlns:a="http://schemas.openxmlformats.org/drawingml/2006/main" xmlns:r="http://schemas.openxmlformats.org/officeDocument/2006/relationships" xmlns:p="http://schemas.openxmlformats.org/presentationml/2006/main">
+  <p:cSld>
+    <p:spTree>
+      <p:nvGrpSpPr>
+        <p:cNvPr id="1" name="">
+          <a:extLst>
+            <a:ext uri="{FF2B5EF4-FFF2-40B4-BE49-F238E27FC236}">
+              <a16:creationId xmlns:a16="http://schemas.microsoft.com/office/drawing/2014/main" id="{140B55CF-7E8F-3C1B-93DE-4F3390A9C5B4}"/>
+            </a:ext>
+          </a:extLst>
+        </p:cNvPr>
+        <p:cNvGrpSpPr/>
+        <p:nvPr/>
+      </p:nvGrpSpPr>
+      <p:grpSpPr>
+        <a:xfrm>
+          <a:off x="0" y="0"/>
+          <a:ext cx="0" cy="0"/>
+          <a:chOff x="0" y="0"/>
+          <a:chExt cx="0" cy="0"/>
+        </a:xfrm>
+      </p:grpSpPr>
+      <p:sp>
+        <p:nvSpPr>
+          <p:cNvPr id="5" name="TextBox 4">
+            <a:extLst>
+              <a:ext uri="{FF2B5EF4-FFF2-40B4-BE49-F238E27FC236}">
+                <a16:creationId xmlns:a16="http://schemas.microsoft.com/office/drawing/2014/main" id="{3E5F3508-A100-EB95-A150-240B17D4118B}"/>
+              </a:ext>
+            </a:extLst>
+          </p:cNvPr>
+          <p:cNvSpPr txBox="1"/>
+          <p:nvPr/>
+        </p:nvSpPr>
+        <p:spPr>
+          <a:xfrm>
+            <a:off x="373836" y="588935"/>
+            <a:ext cx="5274489" cy="5755422"/>
+          </a:xfrm>
+          <a:prstGeom prst="rect">
+            <a:avLst/>
+          </a:prstGeom>
+          <a:noFill/>
+        </p:spPr>
+        <p:txBody>
+          <a:bodyPr wrap="square">
+            <a:spAutoFit/>
+          </a:bodyPr>
+          <a:lstStyle/>
+          <a:p>
+            <a:r>
+              <a:rPr lang="en-US" altLang="ko-KR" sz="1600" dirty="0">
+                <a:latin typeface="DM Mono" panose="020B0509040201040103" pitchFamily="49" charset="0"/>
+              </a:rPr>
+              <a:t>class User</a:t>
+            </a:r>
+          </a:p>
+          <a:p>
+            <a:r>
+              <a:rPr lang="en-US" altLang="ko-KR" sz="1600" dirty="0">
+                <a:latin typeface="DM Mono" panose="020B0509040201040103" pitchFamily="49" charset="0"/>
+              </a:rPr>
+              <a:t>{</a:t>
+            </a:r>
+          </a:p>
+          <a:p>
+            <a:r>
+              <a:rPr lang="en-US" altLang="ko-KR" sz="1600" dirty="0">
+                <a:latin typeface="DM Mono" panose="020B0509040201040103" pitchFamily="49" charset="0"/>
+              </a:rPr>
+              <a:t>char *name;</a:t>
+            </a:r>
+          </a:p>
+          <a:p>
+            <a:r>
+              <a:rPr lang="en-US" altLang="ko-KR" sz="1600" dirty="0">
+                <a:latin typeface="DM Mono" panose="020B0509040201040103" pitchFamily="49" charset="0"/>
+              </a:rPr>
+              <a:t>int age;</a:t>
+            </a:r>
+            <a:br>
+              <a:rPr lang="en-US" altLang="ko-KR" sz="1600" dirty="0">
+                <a:latin typeface="DM Mono" panose="020B0509040201040103" pitchFamily="49" charset="0"/>
+              </a:rPr>
+            </a:br>
+            <a:r>
+              <a:rPr lang="en-US" altLang="ko-KR" sz="1600" dirty="0">
+                <a:latin typeface="DM Mono" panose="020B0509040201040103" pitchFamily="49" charset="0"/>
+              </a:rPr>
+              <a:t>public:</a:t>
+            </a:r>
+          </a:p>
+          <a:p>
+            <a:r>
+              <a:rPr lang="en-US" altLang="ko-KR" sz="1600" dirty="0">
+                <a:latin typeface="DM Mono" panose="020B0509040201040103" pitchFamily="49" charset="0"/>
+              </a:rPr>
+              <a:t>  User(const char *s, int n)</a:t>
+            </a:r>
+          </a:p>
+          <a:p>
+            <a:r>
+              <a:rPr lang="en-US" altLang="ko-KR" sz="1600" dirty="0">
+                <a:latin typeface="DM Mono" panose="020B0509040201040103" pitchFamily="49" charset="0"/>
+              </a:rPr>
+              <a:t>    : age{n}</a:t>
+            </a:r>
+          </a:p>
+          <a:p>
+            <a:r>
+              <a:rPr lang="en-US" altLang="ko-KR" sz="1600" dirty="0">
+                <a:latin typeface="DM Mono" panose="020B0509040201040103" pitchFamily="49" charset="0"/>
+              </a:rPr>
+              <a:t>  {</a:t>
+            </a:r>
+          </a:p>
+          <a:p>
+            <a:r>
+              <a:rPr lang="en-US" altLang="ko-KR" sz="1600" dirty="0">
+                <a:latin typeface="DM Mono" panose="020B0509040201040103" pitchFamily="49" charset="0"/>
+              </a:rPr>
+              <a:t>    name = new char[</a:t>
+            </a:r>
+            <a:r>
+              <a:rPr lang="en-US" altLang="ko-KR" sz="1600" dirty="0" err="1">
+                <a:latin typeface="DM Mono" panose="020B0509040201040103" pitchFamily="49" charset="0"/>
+              </a:rPr>
+              <a:t>strlen</a:t>
+            </a:r>
+            <a:r>
+              <a:rPr lang="en-US" altLang="ko-KR" sz="1600" dirty="0">
+                <a:latin typeface="DM Mono" panose="020B0509040201040103" pitchFamily="49" charset="0"/>
+              </a:rPr>
+              <a:t>(s) + 1];</a:t>
+            </a:r>
+          </a:p>
+          <a:p>
+            <a:r>
+              <a:rPr lang="en-US" altLang="ko-KR" sz="1600" dirty="0">
+                <a:latin typeface="DM Mono" panose="020B0509040201040103" pitchFamily="49" charset="0"/>
+              </a:rPr>
+              <a:t>    </a:t>
+            </a:r>
+            <a:r>
+              <a:rPr lang="en-US" altLang="ko-KR" sz="1600" dirty="0" err="1">
+                <a:latin typeface="DM Mono" panose="020B0509040201040103" pitchFamily="49" charset="0"/>
+              </a:rPr>
+              <a:t>strcpy</a:t>
+            </a:r>
+            <a:r>
+              <a:rPr lang="en-US" altLang="ko-KR" sz="1600" dirty="0">
+                <a:latin typeface="DM Mono" panose="020B0509040201040103" pitchFamily="49" charset="0"/>
+              </a:rPr>
+              <a:t>(name, s);</a:t>
+            </a:r>
+          </a:p>
+          <a:p>
+            <a:r>
+              <a:rPr lang="en-US" altLang="ko-KR" sz="1600" dirty="0">
+                <a:latin typeface="DM Mono" panose="020B0509040201040103" pitchFamily="49" charset="0"/>
+              </a:rPr>
+              <a:t>  }</a:t>
+            </a:r>
+          </a:p>
+          <a:p>
+            <a:br>
+              <a:rPr lang="en-US" altLang="ko-KR" sz="1600" dirty="0">
+                <a:latin typeface="DM Mono" panose="020B0509040201040103" pitchFamily="49" charset="0"/>
+              </a:rPr>
+            </a:br>
+            <a:r>
+              <a:rPr lang="en-US" altLang="ko-KR" sz="1600" dirty="0">
+                <a:latin typeface="DM Mono" panose="020B0509040201040103" pitchFamily="49" charset="0"/>
+              </a:rPr>
+              <a:t>  ~User()</a:t>
+            </a:r>
+          </a:p>
+          <a:p>
+            <a:r>
+              <a:rPr lang="en-US" altLang="ko-KR" sz="1600" dirty="0">
+                <a:latin typeface="DM Mono" panose="020B0509040201040103" pitchFamily="49" charset="0"/>
+              </a:rPr>
+              <a:t>  {</a:t>
+            </a:r>
+          </a:p>
+          <a:p>
+            <a:r>
+              <a:rPr lang="en-US" altLang="ko-KR" sz="1600" dirty="0">
+                <a:latin typeface="DM Mono" panose="020B0509040201040103" pitchFamily="49" charset="0"/>
+              </a:rPr>
+              <a:t>    delete[] name;</a:t>
+            </a:r>
+          </a:p>
+          <a:p>
+            <a:r>
+              <a:rPr lang="en-US" altLang="ko-KR" sz="1600" dirty="0">
+                <a:latin typeface="DM Mono" panose="020B0509040201040103" pitchFamily="49" charset="0"/>
+              </a:rPr>
+              <a:t>  }</a:t>
+            </a:r>
+          </a:p>
+          <a:p>
+            <a:r>
+              <a:rPr lang="en-US" altLang="ko-KR" sz="1600" dirty="0">
+                <a:latin typeface="DM Mono" panose="020B0509040201040103" pitchFamily="49" charset="0"/>
+              </a:rPr>
+              <a:t>  </a:t>
+            </a:r>
+          </a:p>
+          <a:p>
+            <a:r>
+              <a:rPr lang="en-US" altLang="ko-KR" sz="1600" dirty="0">
+                <a:solidFill>
+                  <a:srgbClr val="FF0000"/>
+                </a:solidFill>
+                <a:latin typeface="DM Mono" panose="020B0509040201040103" pitchFamily="49" charset="0"/>
+              </a:rPr>
+              <a:t>  User(const User &amp;</a:t>
+            </a:r>
+            <a:r>
+              <a:rPr lang="en-US" altLang="ko-KR" sz="1600" dirty="0" err="1">
+                <a:solidFill>
+                  <a:srgbClr val="FF0000"/>
+                </a:solidFill>
+                <a:latin typeface="DM Mono" panose="020B0509040201040103" pitchFamily="49" charset="0"/>
+              </a:rPr>
+              <a:t>rhs</a:t>
+            </a:r>
+            <a:r>
+              <a:rPr lang="en-US" altLang="ko-KR" sz="1600" dirty="0">
+                <a:solidFill>
+                  <a:srgbClr val="FF0000"/>
+                </a:solidFill>
+                <a:latin typeface="DM Mono" panose="020B0509040201040103" pitchFamily="49" charset="0"/>
+              </a:rPr>
+              <a:t>)</a:t>
+            </a:r>
+          </a:p>
+          <a:p>
+            <a:r>
+              <a:rPr lang="en-US" altLang="ko-KR" sz="1600" dirty="0">
+                <a:solidFill>
+                  <a:srgbClr val="FF0000"/>
+                </a:solidFill>
+                <a:latin typeface="DM Mono" panose="020B0509040201040103" pitchFamily="49" charset="0"/>
+              </a:rPr>
+              <a:t>   : name{</a:t>
+            </a:r>
+            <a:r>
+              <a:rPr lang="en-US" altLang="ko-KR" sz="1600" dirty="0" err="1">
+                <a:solidFill>
+                  <a:srgbClr val="FF0000"/>
+                </a:solidFill>
+                <a:latin typeface="DM Mono" panose="020B0509040201040103" pitchFamily="49" charset="0"/>
+              </a:rPr>
+              <a:t>rhs.name</a:t>
+            </a:r>
+            <a:r>
+              <a:rPr lang="en-US" altLang="ko-KR" sz="1600" dirty="0">
+                <a:solidFill>
+                  <a:srgbClr val="FF0000"/>
+                </a:solidFill>
+                <a:latin typeface="DM Mono" panose="020B0509040201040103" pitchFamily="49" charset="0"/>
+              </a:rPr>
+              <a:t>}, age{</a:t>
+            </a:r>
+            <a:r>
+              <a:rPr lang="en-US" altLang="ko-KR" sz="1600" dirty="0" err="1">
+                <a:solidFill>
+                  <a:srgbClr val="FF0000"/>
+                </a:solidFill>
+                <a:latin typeface="DM Mono" panose="020B0509040201040103" pitchFamily="49" charset="0"/>
+              </a:rPr>
+              <a:t>rhs.age</a:t>
+            </a:r>
+            <a:r>
+              <a:rPr lang="en-US" altLang="ko-KR" sz="1600" dirty="0">
+                <a:solidFill>
+                  <a:srgbClr val="FF0000"/>
+                </a:solidFill>
+                <a:latin typeface="DM Mono" panose="020B0509040201040103" pitchFamily="49" charset="0"/>
+              </a:rPr>
+              <a:t>} {}</a:t>
+            </a:r>
+          </a:p>
+          <a:p>
+            <a:r>
+              <a:rPr lang="en-US" altLang="ko-KR" sz="1600" dirty="0">
+                <a:latin typeface="DM Mono" panose="020B0509040201040103" pitchFamily="49" charset="0"/>
+              </a:rPr>
+              <a:t>};</a:t>
+            </a:r>
+          </a:p>
+          <a:p>
+            <a:br>
+              <a:rPr lang="en-US" altLang="ko-KR" sz="1600" dirty="0">
+                <a:latin typeface="DM Mono" panose="020B0509040201040103" pitchFamily="49" charset="0"/>
+              </a:rPr>
+            </a:br>
+            <a:r>
+              <a:rPr lang="en-US" altLang="ko-KR" sz="1600" dirty="0">
+                <a:latin typeface="DM Mono" panose="020B0509040201040103" pitchFamily="49" charset="0"/>
+              </a:rPr>
+              <a:t>User user{"Tom", 42};</a:t>
+            </a:r>
+          </a:p>
+          <a:p>
+            <a:r>
+              <a:rPr lang="en-US" altLang="ko-KR" sz="1600" dirty="0">
+                <a:solidFill>
+                  <a:srgbClr val="FF0000"/>
+                </a:solidFill>
+                <a:latin typeface="DM Mono" panose="020B0509040201040103" pitchFamily="49" charset="0"/>
+              </a:rPr>
+              <a:t>User other{user};</a:t>
+            </a:r>
+          </a:p>
+        </p:txBody>
+      </p:sp>
+      <p:sp>
+        <p:nvSpPr>
+          <p:cNvPr id="14" name="직사각형 13">
+            <a:extLst>
+              <a:ext uri="{FF2B5EF4-FFF2-40B4-BE49-F238E27FC236}">
+                <a16:creationId xmlns:a16="http://schemas.microsoft.com/office/drawing/2014/main" id="{4AED8F00-A6DC-7F34-3631-D1DA4E52A068}"/>
+              </a:ext>
+            </a:extLst>
+          </p:cNvPr>
+          <p:cNvSpPr/>
+          <p:nvPr/>
+        </p:nvSpPr>
+        <p:spPr>
+          <a:xfrm>
+            <a:off x="6191250" y="785876"/>
+            <a:ext cx="1287379" cy="605567"/>
+          </a:xfrm>
+          <a:prstGeom prst="rect">
+            <a:avLst/>
+          </a:prstGeom>
+        </p:spPr>
+        <p:style>
+          <a:lnRef idx="2">
+            <a:schemeClr val="accent4">
+              <a:shade val="15000"/>
+            </a:schemeClr>
+          </a:lnRef>
+          <a:fillRef idx="1">
+            <a:schemeClr val="accent4"/>
+          </a:fillRef>
+          <a:effectRef idx="0">
+            <a:schemeClr val="accent4"/>
+          </a:effectRef>
+          <a:fontRef idx="minor">
+            <a:schemeClr val="lt1"/>
+          </a:fontRef>
+        </p:style>
+        <p:txBody>
+          <a:bodyPr rtlCol="0" anchor="ctr"/>
+          <a:lstStyle/>
+          <a:p>
+            <a:pPr algn="ctr"/>
+            <a:r>
+              <a:rPr kumimoji="1" lang="en-US" altLang="ko-KR" dirty="0">
+                <a:solidFill>
+                  <a:schemeClr val="tx1"/>
+                </a:solidFill>
+                <a:latin typeface="DM Mono" panose="020B0509040201040103" pitchFamily="49" charset="0"/>
+              </a:rPr>
+              <a:t>0x100</a:t>
+            </a:r>
+            <a:endParaRPr kumimoji="1" lang="ko-KR" altLang="en-US" dirty="0">
+              <a:solidFill>
+                <a:schemeClr val="tx1"/>
+              </a:solidFill>
+              <a:latin typeface="DM Mono" panose="020B0509040201040103" pitchFamily="49" charset="0"/>
+            </a:endParaRPr>
+          </a:p>
+        </p:txBody>
+      </p:sp>
+      <p:sp>
+        <p:nvSpPr>
+          <p:cNvPr id="15" name="TextBox 14">
+            <a:extLst>
+              <a:ext uri="{FF2B5EF4-FFF2-40B4-BE49-F238E27FC236}">
+                <a16:creationId xmlns:a16="http://schemas.microsoft.com/office/drawing/2014/main" id="{933ECDF8-0006-CD5D-48E7-860CB5B233FB}"/>
+              </a:ext>
+            </a:extLst>
+          </p:cNvPr>
+          <p:cNvSpPr txBox="1"/>
+          <p:nvPr/>
+        </p:nvSpPr>
+        <p:spPr>
+          <a:xfrm>
+            <a:off x="5140993" y="903993"/>
+            <a:ext cx="1050257" cy="369332"/>
+          </a:xfrm>
+          <a:prstGeom prst="rect">
+            <a:avLst/>
+          </a:prstGeom>
+          <a:noFill/>
+        </p:spPr>
+        <p:txBody>
+          <a:bodyPr wrap="square" rtlCol="0">
+            <a:spAutoFit/>
+          </a:bodyPr>
+          <a:lstStyle/>
+          <a:p>
+            <a:pPr algn="r"/>
+            <a:r>
+              <a:rPr kumimoji="1" lang="en-US" altLang="ko-KR" dirty="0">
+                <a:latin typeface="DM Mono" panose="020B0509040201040103" pitchFamily="49" charset="0"/>
+              </a:rPr>
+              <a:t>name</a:t>
+            </a:r>
+            <a:endParaRPr kumimoji="1" lang="ko-KR" altLang="en-US" dirty="0">
+              <a:latin typeface="DM Mono" panose="020B0509040201040103" pitchFamily="49" charset="0"/>
+            </a:endParaRPr>
+          </a:p>
+        </p:txBody>
+      </p:sp>
+      <p:sp>
+        <p:nvSpPr>
+          <p:cNvPr id="16" name="TextBox 15">
+            <a:extLst>
+              <a:ext uri="{FF2B5EF4-FFF2-40B4-BE49-F238E27FC236}">
+                <a16:creationId xmlns:a16="http://schemas.microsoft.com/office/drawing/2014/main" id="{AFAB97CA-8E5A-D296-A254-273DA611EC31}"/>
+              </a:ext>
+            </a:extLst>
+          </p:cNvPr>
+          <p:cNvSpPr txBox="1"/>
+          <p:nvPr/>
+        </p:nvSpPr>
+        <p:spPr>
+          <a:xfrm>
+            <a:off x="6191249" y="364976"/>
+            <a:ext cx="1287379" cy="369332"/>
+          </a:xfrm>
+          <a:prstGeom prst="rect">
+            <a:avLst/>
+          </a:prstGeom>
+          <a:noFill/>
+        </p:spPr>
+        <p:txBody>
+          <a:bodyPr wrap="square" rtlCol="0">
+            <a:spAutoFit/>
+          </a:bodyPr>
+          <a:lstStyle/>
+          <a:p>
+            <a:pPr algn="ctr"/>
+            <a:r>
+              <a:rPr kumimoji="1" lang="en-US" altLang="ko-KR" dirty="0">
+                <a:latin typeface="DM Mono" panose="020B0509040201040103" pitchFamily="49" charset="0"/>
+              </a:rPr>
+              <a:t>user</a:t>
+            </a:r>
+            <a:endParaRPr kumimoji="1" lang="ko-KR" altLang="en-US" dirty="0">
+              <a:latin typeface="DM Mono" panose="020B0509040201040103" pitchFamily="49" charset="0"/>
+            </a:endParaRPr>
+          </a:p>
+        </p:txBody>
+      </p:sp>
+      <p:sp>
+        <p:nvSpPr>
+          <p:cNvPr id="17" name="직사각형 16">
+            <a:extLst>
+              <a:ext uri="{FF2B5EF4-FFF2-40B4-BE49-F238E27FC236}">
+                <a16:creationId xmlns:a16="http://schemas.microsoft.com/office/drawing/2014/main" id="{69B9E497-D9A1-CE4F-01D9-DE3FAC7A3144}"/>
+              </a:ext>
+            </a:extLst>
+          </p:cNvPr>
+          <p:cNvSpPr/>
+          <p:nvPr/>
+        </p:nvSpPr>
+        <p:spPr>
+          <a:xfrm>
+            <a:off x="6191250" y="1391442"/>
+            <a:ext cx="1287379" cy="605567"/>
+          </a:xfrm>
+          <a:prstGeom prst="rect">
+            <a:avLst/>
+          </a:prstGeom>
+        </p:spPr>
+        <p:style>
+          <a:lnRef idx="2">
+            <a:schemeClr val="accent4">
+              <a:shade val="15000"/>
+            </a:schemeClr>
+          </a:lnRef>
+          <a:fillRef idx="1">
+            <a:schemeClr val="accent4"/>
+          </a:fillRef>
+          <a:effectRef idx="0">
+            <a:schemeClr val="accent4"/>
+          </a:effectRef>
+          <a:fontRef idx="minor">
+            <a:schemeClr val="lt1"/>
+          </a:fontRef>
+        </p:style>
+        <p:txBody>
+          <a:bodyPr rtlCol="0" anchor="ctr"/>
+          <a:lstStyle/>
+          <a:p>
+            <a:pPr algn="ctr"/>
+            <a:r>
+              <a:rPr kumimoji="1" lang="en-US" altLang="ko-KR" dirty="0">
+                <a:solidFill>
+                  <a:schemeClr val="tx1"/>
+                </a:solidFill>
+                <a:latin typeface="DM Mono" panose="020B0509040201040103" pitchFamily="49" charset="0"/>
+              </a:rPr>
+              <a:t>42</a:t>
+            </a:r>
+            <a:endParaRPr kumimoji="1" lang="ko-KR" altLang="en-US" dirty="0">
+              <a:solidFill>
+                <a:schemeClr val="tx1"/>
+              </a:solidFill>
+              <a:latin typeface="DM Mono" panose="020B0509040201040103" pitchFamily="49" charset="0"/>
+            </a:endParaRPr>
+          </a:p>
+        </p:txBody>
+      </p:sp>
+      <p:sp>
+        <p:nvSpPr>
+          <p:cNvPr id="18" name="TextBox 17">
+            <a:extLst>
+              <a:ext uri="{FF2B5EF4-FFF2-40B4-BE49-F238E27FC236}">
+                <a16:creationId xmlns:a16="http://schemas.microsoft.com/office/drawing/2014/main" id="{85B47A7B-47A2-D91C-E07F-EE21C104349F}"/>
+              </a:ext>
+            </a:extLst>
+          </p:cNvPr>
+          <p:cNvSpPr txBox="1"/>
+          <p:nvPr/>
+        </p:nvSpPr>
+        <p:spPr>
+          <a:xfrm>
+            <a:off x="5140993" y="1509559"/>
+            <a:ext cx="1050257" cy="369332"/>
+          </a:xfrm>
+          <a:prstGeom prst="rect">
+            <a:avLst/>
+          </a:prstGeom>
+          <a:noFill/>
+        </p:spPr>
+        <p:txBody>
+          <a:bodyPr wrap="square" rtlCol="0">
+            <a:spAutoFit/>
+          </a:bodyPr>
+          <a:lstStyle/>
+          <a:p>
+            <a:pPr algn="r"/>
+            <a:r>
+              <a:rPr kumimoji="1" lang="en-US" altLang="ko-KR" dirty="0">
+                <a:latin typeface="DM Mono" panose="020B0509040201040103" pitchFamily="49" charset="0"/>
+              </a:rPr>
+              <a:t>age</a:t>
+            </a:r>
+            <a:endParaRPr kumimoji="1" lang="ko-KR" altLang="en-US" dirty="0">
+              <a:latin typeface="DM Mono" panose="020B0509040201040103" pitchFamily="49" charset="0"/>
+            </a:endParaRPr>
+          </a:p>
+        </p:txBody>
+      </p:sp>
+      <p:sp>
+        <p:nvSpPr>
+          <p:cNvPr id="20" name="직사각형 19">
+            <a:extLst>
+              <a:ext uri="{FF2B5EF4-FFF2-40B4-BE49-F238E27FC236}">
+                <a16:creationId xmlns:a16="http://schemas.microsoft.com/office/drawing/2014/main" id="{5C2A5708-8484-FD0B-C769-7DCC3526153A}"/>
+              </a:ext>
+            </a:extLst>
+          </p:cNvPr>
+          <p:cNvSpPr/>
+          <p:nvPr/>
+        </p:nvSpPr>
+        <p:spPr>
+          <a:xfrm>
+            <a:off x="10521260" y="483092"/>
+            <a:ext cx="1287379" cy="605567"/>
+          </a:xfrm>
+          <a:prstGeom prst="rect">
+            <a:avLst/>
+          </a:prstGeom>
+        </p:spPr>
+        <p:style>
+          <a:lnRef idx="2">
+            <a:schemeClr val="accent4">
+              <a:shade val="15000"/>
+            </a:schemeClr>
+          </a:lnRef>
+          <a:fillRef idx="1">
+            <a:schemeClr val="accent4"/>
+          </a:fillRef>
+          <a:effectRef idx="0">
+            <a:schemeClr val="accent4"/>
+          </a:effectRef>
+          <a:fontRef idx="minor">
+            <a:schemeClr val="lt1"/>
+          </a:fontRef>
+        </p:style>
+        <p:txBody>
+          <a:bodyPr rtlCol="0" anchor="ctr"/>
+          <a:lstStyle/>
+          <a:p>
+            <a:pPr algn="ctr"/>
+            <a:r>
+              <a:rPr kumimoji="1" lang="en-US" altLang="ko-KR" dirty="0">
+                <a:solidFill>
+                  <a:schemeClr val="tx1"/>
+                </a:solidFill>
+                <a:latin typeface="DM Mono" panose="020B0509040201040103" pitchFamily="49" charset="0"/>
+              </a:rPr>
+              <a:t>“Tom”</a:t>
+            </a:r>
+            <a:endParaRPr kumimoji="1" lang="ko-KR" altLang="en-US" dirty="0">
+              <a:solidFill>
+                <a:schemeClr val="tx1"/>
+              </a:solidFill>
+              <a:latin typeface="DM Mono" panose="020B0509040201040103" pitchFamily="49" charset="0"/>
+            </a:endParaRPr>
+          </a:p>
+        </p:txBody>
+      </p:sp>
+      <p:cxnSp>
+        <p:nvCxnSpPr>
+          <p:cNvPr id="24" name="구부러진 연결선[U] 23">
+            <a:extLst>
+              <a:ext uri="{FF2B5EF4-FFF2-40B4-BE49-F238E27FC236}">
+                <a16:creationId xmlns:a16="http://schemas.microsoft.com/office/drawing/2014/main" id="{1D858F56-8EA4-CE58-53E7-E0B074000DCF}"/>
+              </a:ext>
+            </a:extLst>
+          </p:cNvPr>
+          <p:cNvCxnSpPr>
+            <a:cxnSpLocks/>
+            <a:endCxn id="20" idx="1"/>
+          </p:cNvCxnSpPr>
+          <p:nvPr/>
+        </p:nvCxnSpPr>
+        <p:spPr>
+          <a:xfrm flipV="1">
+            <a:off x="7478628" y="785876"/>
+            <a:ext cx="3042632" cy="302783"/>
+          </a:xfrm>
+          <a:prstGeom prst="curvedConnector3">
+            <a:avLst/>
+          </a:prstGeom>
+          <a:ln w="12700">
+            <a:tailEnd type="triangle"/>
+          </a:ln>
+        </p:spPr>
+        <p:style>
+          <a:lnRef idx="1">
+            <a:schemeClr val="dk1"/>
+          </a:lnRef>
+          <a:fillRef idx="0">
+            <a:schemeClr val="dk1"/>
+          </a:fillRef>
+          <a:effectRef idx="0">
+            <a:schemeClr val="dk1"/>
+          </a:effectRef>
+          <a:fontRef idx="minor">
+            <a:schemeClr val="tx1"/>
+          </a:fontRef>
+        </p:style>
+      </p:cxnSp>
+      <p:sp>
+        <p:nvSpPr>
+          <p:cNvPr id="2" name="직사각형 1">
+            <a:extLst>
+              <a:ext uri="{FF2B5EF4-FFF2-40B4-BE49-F238E27FC236}">
+                <a16:creationId xmlns:a16="http://schemas.microsoft.com/office/drawing/2014/main" id="{9836F29E-667B-232E-AE41-294DA88E344A}"/>
+              </a:ext>
+            </a:extLst>
+          </p:cNvPr>
+          <p:cNvSpPr/>
+          <p:nvPr/>
+        </p:nvSpPr>
+        <p:spPr>
+          <a:xfrm>
+            <a:off x="6191249" y="2992823"/>
+            <a:ext cx="1287379" cy="605567"/>
+          </a:xfrm>
+          <a:prstGeom prst="rect">
+            <a:avLst/>
+          </a:prstGeom>
+        </p:spPr>
+        <p:style>
+          <a:lnRef idx="2">
+            <a:schemeClr val="accent4">
+              <a:shade val="15000"/>
+            </a:schemeClr>
+          </a:lnRef>
+          <a:fillRef idx="1">
+            <a:schemeClr val="accent4"/>
+          </a:fillRef>
+          <a:effectRef idx="0">
+            <a:schemeClr val="accent4"/>
+          </a:effectRef>
+          <a:fontRef idx="minor">
+            <a:schemeClr val="lt1"/>
+          </a:fontRef>
+        </p:style>
+        <p:txBody>
+          <a:bodyPr rtlCol="0" anchor="ctr"/>
+          <a:lstStyle/>
+          <a:p>
+            <a:pPr algn="ctr"/>
+            <a:r>
+              <a:rPr kumimoji="1" lang="en-US" altLang="ko-KR" dirty="0">
+                <a:solidFill>
+                  <a:schemeClr val="tx1"/>
+                </a:solidFill>
+                <a:latin typeface="DM Mono" panose="020B0509040201040103" pitchFamily="49" charset="0"/>
+              </a:rPr>
+              <a:t>0x100</a:t>
+            </a:r>
+            <a:endParaRPr kumimoji="1" lang="ko-KR" altLang="en-US" dirty="0">
+              <a:solidFill>
+                <a:schemeClr val="tx1"/>
+              </a:solidFill>
+              <a:latin typeface="DM Mono" panose="020B0509040201040103" pitchFamily="49" charset="0"/>
+            </a:endParaRPr>
+          </a:p>
+        </p:txBody>
+      </p:sp>
+      <p:sp>
+        <p:nvSpPr>
+          <p:cNvPr id="3" name="TextBox 2">
+            <a:extLst>
+              <a:ext uri="{FF2B5EF4-FFF2-40B4-BE49-F238E27FC236}">
+                <a16:creationId xmlns:a16="http://schemas.microsoft.com/office/drawing/2014/main" id="{57D4E591-6E42-C9A3-434C-DA105FEB7888}"/>
+              </a:ext>
+            </a:extLst>
+          </p:cNvPr>
+          <p:cNvSpPr txBox="1"/>
+          <p:nvPr/>
+        </p:nvSpPr>
+        <p:spPr>
+          <a:xfrm>
+            <a:off x="5140992" y="3110940"/>
+            <a:ext cx="1050257" cy="369332"/>
+          </a:xfrm>
+          <a:prstGeom prst="rect">
+            <a:avLst/>
+          </a:prstGeom>
+          <a:noFill/>
+        </p:spPr>
+        <p:txBody>
+          <a:bodyPr wrap="square" rtlCol="0">
+            <a:spAutoFit/>
+          </a:bodyPr>
+          <a:lstStyle/>
+          <a:p>
+            <a:pPr algn="r"/>
+            <a:r>
+              <a:rPr kumimoji="1" lang="en-US" altLang="ko-KR" dirty="0">
+                <a:latin typeface="DM Mono" panose="020B0509040201040103" pitchFamily="49" charset="0"/>
+              </a:rPr>
+              <a:t>name</a:t>
+            </a:r>
+            <a:endParaRPr kumimoji="1" lang="ko-KR" altLang="en-US" dirty="0">
+              <a:latin typeface="DM Mono" panose="020B0509040201040103" pitchFamily="49" charset="0"/>
+            </a:endParaRPr>
+          </a:p>
+        </p:txBody>
+      </p:sp>
+      <p:sp>
+        <p:nvSpPr>
+          <p:cNvPr id="4" name="TextBox 3">
+            <a:extLst>
+              <a:ext uri="{FF2B5EF4-FFF2-40B4-BE49-F238E27FC236}">
+                <a16:creationId xmlns:a16="http://schemas.microsoft.com/office/drawing/2014/main" id="{8D6DCE10-EB1F-7BCB-9404-8E855229053B}"/>
+              </a:ext>
+            </a:extLst>
+          </p:cNvPr>
+          <p:cNvSpPr txBox="1"/>
+          <p:nvPr/>
+        </p:nvSpPr>
+        <p:spPr>
+          <a:xfrm>
+            <a:off x="6191248" y="2571923"/>
+            <a:ext cx="1287379" cy="369332"/>
+          </a:xfrm>
+          <a:prstGeom prst="rect">
+            <a:avLst/>
+          </a:prstGeom>
+          <a:noFill/>
+        </p:spPr>
+        <p:txBody>
+          <a:bodyPr wrap="square" rtlCol="0">
+            <a:spAutoFit/>
+          </a:bodyPr>
+          <a:lstStyle/>
+          <a:p>
+            <a:pPr algn="ctr"/>
+            <a:r>
+              <a:rPr kumimoji="1" lang="en-US" altLang="ko-KR" dirty="0">
+                <a:latin typeface="DM Mono" panose="020B0509040201040103" pitchFamily="49" charset="0"/>
+              </a:rPr>
+              <a:t>other</a:t>
+            </a:r>
+            <a:endParaRPr kumimoji="1" lang="ko-KR" altLang="en-US" dirty="0">
+              <a:latin typeface="DM Mono" panose="020B0509040201040103" pitchFamily="49" charset="0"/>
+            </a:endParaRPr>
+          </a:p>
+        </p:txBody>
+      </p:sp>
+      <p:sp>
+        <p:nvSpPr>
+          <p:cNvPr id="6" name="직사각형 5">
+            <a:extLst>
+              <a:ext uri="{FF2B5EF4-FFF2-40B4-BE49-F238E27FC236}">
+                <a16:creationId xmlns:a16="http://schemas.microsoft.com/office/drawing/2014/main" id="{1341B73B-3518-4399-81AF-8833C004CC7D}"/>
+              </a:ext>
+            </a:extLst>
+          </p:cNvPr>
+          <p:cNvSpPr/>
+          <p:nvPr/>
+        </p:nvSpPr>
+        <p:spPr>
+          <a:xfrm>
+            <a:off x="6191249" y="3598389"/>
+            <a:ext cx="1287379" cy="605567"/>
+          </a:xfrm>
+          <a:prstGeom prst="rect">
+            <a:avLst/>
+          </a:prstGeom>
+        </p:spPr>
+        <p:style>
+          <a:lnRef idx="2">
+            <a:schemeClr val="accent4">
+              <a:shade val="15000"/>
+            </a:schemeClr>
+          </a:lnRef>
+          <a:fillRef idx="1">
+            <a:schemeClr val="accent4"/>
+          </a:fillRef>
+          <a:effectRef idx="0">
+            <a:schemeClr val="accent4"/>
+          </a:effectRef>
+          <a:fontRef idx="minor">
+            <a:schemeClr val="lt1"/>
+          </a:fontRef>
+        </p:style>
+        <p:txBody>
+          <a:bodyPr rtlCol="0" anchor="ctr"/>
+          <a:lstStyle/>
+          <a:p>
+            <a:pPr algn="ctr"/>
+            <a:r>
+              <a:rPr kumimoji="1" lang="en-US" altLang="ko-KR" dirty="0">
+                <a:solidFill>
+                  <a:schemeClr val="tx1"/>
+                </a:solidFill>
+                <a:latin typeface="DM Mono" panose="020B0509040201040103" pitchFamily="49" charset="0"/>
+              </a:rPr>
+              <a:t>42</a:t>
+            </a:r>
+            <a:endParaRPr kumimoji="1" lang="ko-KR" altLang="en-US" dirty="0">
+              <a:solidFill>
+                <a:schemeClr val="tx1"/>
+              </a:solidFill>
+              <a:latin typeface="DM Mono" panose="020B0509040201040103" pitchFamily="49" charset="0"/>
+            </a:endParaRPr>
+          </a:p>
+        </p:txBody>
+      </p:sp>
+      <p:sp>
+        <p:nvSpPr>
+          <p:cNvPr id="7" name="TextBox 6">
+            <a:extLst>
+              <a:ext uri="{FF2B5EF4-FFF2-40B4-BE49-F238E27FC236}">
+                <a16:creationId xmlns:a16="http://schemas.microsoft.com/office/drawing/2014/main" id="{E8073924-CFC2-A8CD-CDE0-AB83B4EC6D70}"/>
+              </a:ext>
+            </a:extLst>
+          </p:cNvPr>
+          <p:cNvSpPr txBox="1"/>
+          <p:nvPr/>
+        </p:nvSpPr>
+        <p:spPr>
+          <a:xfrm>
+            <a:off x="5140992" y="3716506"/>
+            <a:ext cx="1050257" cy="369332"/>
+          </a:xfrm>
+          <a:prstGeom prst="rect">
+            <a:avLst/>
+          </a:prstGeom>
+          <a:noFill/>
+        </p:spPr>
+        <p:txBody>
+          <a:bodyPr wrap="square" rtlCol="0">
+            <a:spAutoFit/>
+          </a:bodyPr>
+          <a:lstStyle/>
+          <a:p>
+            <a:pPr algn="r"/>
+            <a:r>
+              <a:rPr kumimoji="1" lang="en-US" altLang="ko-KR" dirty="0">
+                <a:latin typeface="DM Mono" panose="020B0509040201040103" pitchFamily="49" charset="0"/>
+              </a:rPr>
+              <a:t>age</a:t>
+            </a:r>
+            <a:endParaRPr kumimoji="1" lang="ko-KR" altLang="en-US" dirty="0">
+              <a:latin typeface="DM Mono" panose="020B0509040201040103" pitchFamily="49" charset="0"/>
+            </a:endParaRPr>
+          </a:p>
+        </p:txBody>
+      </p:sp>
+      <p:cxnSp>
+        <p:nvCxnSpPr>
+          <p:cNvPr id="8" name="구부러진 연결선[U] 7">
+            <a:extLst>
+              <a:ext uri="{FF2B5EF4-FFF2-40B4-BE49-F238E27FC236}">
+                <a16:creationId xmlns:a16="http://schemas.microsoft.com/office/drawing/2014/main" id="{6018EA6E-DDC2-A427-2AFC-6F4B70BDBB54}"/>
+              </a:ext>
+            </a:extLst>
+          </p:cNvPr>
+          <p:cNvCxnSpPr>
+            <a:cxnSpLocks/>
+            <a:stCxn id="2" idx="3"/>
+            <a:endCxn id="20" idx="1"/>
+          </p:cNvCxnSpPr>
+          <p:nvPr/>
+        </p:nvCxnSpPr>
+        <p:spPr>
+          <a:xfrm flipV="1">
+            <a:off x="7478628" y="785876"/>
+            <a:ext cx="3042632" cy="2509731"/>
+          </a:xfrm>
+          <a:prstGeom prst="curvedConnector3">
+            <a:avLst/>
+          </a:prstGeom>
+          <a:ln w="12700">
+            <a:tailEnd type="triangle"/>
+          </a:ln>
+        </p:spPr>
+        <p:style>
+          <a:lnRef idx="1">
+            <a:schemeClr val="dk1"/>
+          </a:lnRef>
+          <a:fillRef idx="0">
+            <a:schemeClr val="dk1"/>
+          </a:fillRef>
+          <a:effectRef idx="0">
+            <a:schemeClr val="dk1"/>
+          </a:effectRef>
+          <a:fontRef idx="minor">
+            <a:schemeClr val="tx1"/>
+          </a:fontRef>
+        </p:style>
+      </p:cxnSp>
+    </p:spTree>
+    <p:extLst>
+      <p:ext uri="{BB962C8B-B14F-4D97-AF65-F5344CB8AC3E}">
+        <p14:creationId xmlns:p14="http://schemas.microsoft.com/office/powerpoint/2010/main" val="4286777864"/>
+      </p:ext>
+    </p:extLst>
+  </p:cSld>
+  <p:clrMapOvr>
+    <a:masterClrMapping/>
+  </p:clrMapOvr>
+</p:sld>
+</file>
+
+<file path=ppt/slides/slide36.xml><?xml version="1.0" encoding="utf-8"?>
+<p:sld xmlns:a="http://schemas.openxmlformats.org/drawingml/2006/main" xmlns:r="http://schemas.openxmlformats.org/officeDocument/2006/relationships" xmlns:p="http://schemas.openxmlformats.org/presentationml/2006/main">
+  <p:cSld>
+    <p:spTree>
+      <p:nvGrpSpPr>
+        <p:cNvPr id="1" name="">
+          <a:extLst>
+            <a:ext uri="{FF2B5EF4-FFF2-40B4-BE49-F238E27FC236}">
+              <a16:creationId xmlns:a16="http://schemas.microsoft.com/office/drawing/2014/main" id="{D7CD6395-96C8-4749-9859-B618E8DA649A}"/>
+            </a:ext>
+          </a:extLst>
+        </p:cNvPr>
+        <p:cNvGrpSpPr/>
+        <p:nvPr/>
+      </p:nvGrpSpPr>
+      <p:grpSpPr>
+        <a:xfrm>
+          <a:off x="0" y="0"/>
+          <a:ext cx="0" cy="0"/>
+          <a:chOff x="0" y="0"/>
+          <a:chExt cx="0" cy="0"/>
+        </a:xfrm>
+      </p:grpSpPr>
+      <p:sp>
+        <p:nvSpPr>
+          <p:cNvPr id="5" name="TextBox 4">
+            <a:extLst>
+              <a:ext uri="{FF2B5EF4-FFF2-40B4-BE49-F238E27FC236}">
+                <a16:creationId xmlns:a16="http://schemas.microsoft.com/office/drawing/2014/main" id="{BFC2B120-D04B-4289-E157-51A2330DA217}"/>
+              </a:ext>
+            </a:extLst>
+          </p:cNvPr>
+          <p:cNvSpPr txBox="1"/>
+          <p:nvPr/>
+        </p:nvSpPr>
+        <p:spPr>
+          <a:xfrm>
+            <a:off x="511371" y="549642"/>
+            <a:ext cx="5274489" cy="5509200"/>
+          </a:xfrm>
+          <a:prstGeom prst="rect">
+            <a:avLst/>
+          </a:prstGeom>
+          <a:noFill/>
+        </p:spPr>
+        <p:txBody>
+          <a:bodyPr wrap="square">
+            <a:spAutoFit/>
+          </a:bodyPr>
+          <a:lstStyle/>
+          <a:p>
+            <a:r>
+              <a:rPr lang="en-US" altLang="ko-KR" sz="1600" dirty="0">
+                <a:latin typeface="DM Mono" panose="020B0509040201040103" pitchFamily="49" charset="0"/>
+              </a:rPr>
+              <a:t>class User</a:t>
+            </a:r>
+          </a:p>
+          <a:p>
+            <a:r>
+              <a:rPr lang="en-US" altLang="ko-KR" sz="1600" dirty="0">
+                <a:latin typeface="DM Mono" panose="020B0509040201040103" pitchFamily="49" charset="0"/>
+              </a:rPr>
+              <a:t>{</a:t>
+            </a:r>
+          </a:p>
+          <a:p>
+            <a:r>
+              <a:rPr lang="en-US" altLang="ko-KR" sz="1600" dirty="0">
+                <a:latin typeface="DM Mono" panose="020B0509040201040103" pitchFamily="49" charset="0"/>
+              </a:rPr>
+              <a:t>char *name;</a:t>
+            </a:r>
+          </a:p>
+          <a:p>
+            <a:r>
+              <a:rPr lang="en-US" altLang="ko-KR" sz="1600" dirty="0">
+                <a:latin typeface="DM Mono" panose="020B0509040201040103" pitchFamily="49" charset="0"/>
+              </a:rPr>
+              <a:t>int age;</a:t>
+            </a:r>
+            <a:br>
+              <a:rPr lang="en-US" altLang="ko-KR" sz="1600" dirty="0">
+                <a:latin typeface="DM Mono" panose="020B0509040201040103" pitchFamily="49" charset="0"/>
+              </a:rPr>
+            </a:br>
+            <a:r>
+              <a:rPr lang="en-US" altLang="ko-KR" sz="1600" dirty="0">
+                <a:latin typeface="DM Mono" panose="020B0509040201040103" pitchFamily="49" charset="0"/>
+              </a:rPr>
+              <a:t>public:</a:t>
+            </a:r>
+          </a:p>
+          <a:p>
+            <a:r>
+              <a:rPr lang="en-US" altLang="ko-KR" sz="1600" dirty="0">
+                <a:latin typeface="DM Mono" panose="020B0509040201040103" pitchFamily="49" charset="0"/>
+              </a:rPr>
+              <a:t>  User(const char *s, int n)</a:t>
+            </a:r>
+          </a:p>
+          <a:p>
+            <a:r>
+              <a:rPr lang="en-US" altLang="ko-KR" sz="1600" dirty="0">
+                <a:latin typeface="DM Mono" panose="020B0509040201040103" pitchFamily="49" charset="0"/>
+              </a:rPr>
+              <a:t>    : age{n}</a:t>
+            </a:r>
+          </a:p>
+          <a:p>
+            <a:r>
+              <a:rPr lang="en-US" altLang="ko-KR" sz="1600" dirty="0">
+                <a:latin typeface="DM Mono" panose="020B0509040201040103" pitchFamily="49" charset="0"/>
+              </a:rPr>
+              <a:t>  {</a:t>
+            </a:r>
+          </a:p>
+          <a:p>
+            <a:r>
+              <a:rPr lang="en-US" altLang="ko-KR" sz="1600" dirty="0">
+                <a:latin typeface="DM Mono" panose="020B0509040201040103" pitchFamily="49" charset="0"/>
+              </a:rPr>
+              <a:t>    name = new char[</a:t>
+            </a:r>
+            <a:r>
+              <a:rPr lang="en-US" altLang="ko-KR" sz="1600" dirty="0" err="1">
+                <a:latin typeface="DM Mono" panose="020B0509040201040103" pitchFamily="49" charset="0"/>
+              </a:rPr>
+              <a:t>strlen</a:t>
+            </a:r>
+            <a:r>
+              <a:rPr lang="en-US" altLang="ko-KR" sz="1600" dirty="0">
+                <a:latin typeface="DM Mono" panose="020B0509040201040103" pitchFamily="49" charset="0"/>
+              </a:rPr>
+              <a:t>(s) + 1];</a:t>
+            </a:r>
+          </a:p>
+          <a:p>
+            <a:r>
+              <a:rPr lang="en-US" altLang="ko-KR" sz="1600" dirty="0">
+                <a:latin typeface="DM Mono" panose="020B0509040201040103" pitchFamily="49" charset="0"/>
+              </a:rPr>
+              <a:t>    </a:t>
+            </a:r>
+            <a:r>
+              <a:rPr lang="en-US" altLang="ko-KR" sz="1600" dirty="0" err="1">
+                <a:latin typeface="DM Mono" panose="020B0509040201040103" pitchFamily="49" charset="0"/>
+              </a:rPr>
+              <a:t>strcpy</a:t>
+            </a:r>
+            <a:r>
+              <a:rPr lang="en-US" altLang="ko-KR" sz="1600" dirty="0">
+                <a:latin typeface="DM Mono" panose="020B0509040201040103" pitchFamily="49" charset="0"/>
+              </a:rPr>
+              <a:t>(name, s);</a:t>
+            </a:r>
+          </a:p>
+          <a:p>
+            <a:r>
+              <a:rPr lang="en-US" altLang="ko-KR" sz="1600" dirty="0">
+                <a:latin typeface="DM Mono" panose="020B0509040201040103" pitchFamily="49" charset="0"/>
+              </a:rPr>
+              <a:t>  }</a:t>
+            </a:r>
+          </a:p>
+          <a:p>
+            <a:br>
+              <a:rPr lang="en-US" altLang="ko-KR" sz="1600" dirty="0">
+                <a:latin typeface="DM Mono" panose="020B0509040201040103" pitchFamily="49" charset="0"/>
+              </a:rPr>
+            </a:br>
+            <a:r>
+              <a:rPr lang="en-US" altLang="ko-KR" sz="1600" dirty="0">
+                <a:solidFill>
+                  <a:srgbClr val="FF0000"/>
+                </a:solidFill>
+                <a:latin typeface="DM Mono" panose="020B0509040201040103" pitchFamily="49" charset="0"/>
+              </a:rPr>
+              <a:t>  ~User()</a:t>
+            </a:r>
+          </a:p>
+          <a:p>
+            <a:r>
+              <a:rPr lang="en-US" altLang="ko-KR" sz="1600" dirty="0">
+                <a:solidFill>
+                  <a:srgbClr val="FF0000"/>
+                </a:solidFill>
+                <a:latin typeface="DM Mono" panose="020B0509040201040103" pitchFamily="49" charset="0"/>
+              </a:rPr>
+              <a:t>  {</a:t>
+            </a:r>
+          </a:p>
+          <a:p>
+            <a:r>
+              <a:rPr lang="en-US" altLang="ko-KR" sz="1600" dirty="0">
+                <a:solidFill>
+                  <a:srgbClr val="FF0000"/>
+                </a:solidFill>
+                <a:latin typeface="DM Mono" panose="020B0509040201040103" pitchFamily="49" charset="0"/>
+              </a:rPr>
+              <a:t>    delete[] name;</a:t>
+            </a:r>
+          </a:p>
+          <a:p>
+            <a:r>
+              <a:rPr lang="en-US" altLang="ko-KR" sz="1600" dirty="0">
+                <a:solidFill>
+                  <a:srgbClr val="FF0000"/>
+                </a:solidFill>
+                <a:latin typeface="DM Mono" panose="020B0509040201040103" pitchFamily="49" charset="0"/>
+              </a:rPr>
+              <a:t>  }</a:t>
+            </a:r>
+          </a:p>
+          <a:p>
+            <a:r>
+              <a:rPr lang="en-US" altLang="ko-KR" sz="1600" dirty="0">
+                <a:latin typeface="DM Mono" panose="020B0509040201040103" pitchFamily="49" charset="0"/>
+              </a:rPr>
+              <a:t>  </a:t>
+            </a:r>
+          </a:p>
+          <a:p>
+            <a:r>
+              <a:rPr lang="en-US" altLang="ko-KR" sz="1600" dirty="0">
+                <a:latin typeface="DM Mono" panose="020B0509040201040103" pitchFamily="49" charset="0"/>
+              </a:rPr>
+              <a:t>  User(const User &amp;</a:t>
+            </a:r>
+            <a:r>
+              <a:rPr lang="en-US" altLang="ko-KR" sz="1600" dirty="0" err="1">
+                <a:latin typeface="DM Mono" panose="020B0509040201040103" pitchFamily="49" charset="0"/>
+              </a:rPr>
+              <a:t>rhs</a:t>
+            </a:r>
+            <a:r>
+              <a:rPr lang="en-US" altLang="ko-KR" sz="1600" dirty="0">
+                <a:latin typeface="DM Mono" panose="020B0509040201040103" pitchFamily="49" charset="0"/>
+              </a:rPr>
+              <a:t>)</a:t>
+            </a:r>
+          </a:p>
+          <a:p>
+            <a:r>
+              <a:rPr lang="en-US" altLang="ko-KR" sz="1600" dirty="0">
+                <a:latin typeface="DM Mono" panose="020B0509040201040103" pitchFamily="49" charset="0"/>
+              </a:rPr>
+              <a:t>   : name{</a:t>
+            </a:r>
+            <a:r>
+              <a:rPr lang="en-US" altLang="ko-KR" sz="1600" dirty="0" err="1">
+                <a:latin typeface="DM Mono" panose="020B0509040201040103" pitchFamily="49" charset="0"/>
+              </a:rPr>
+              <a:t>rhs.name</a:t>
+            </a:r>
+            <a:r>
+              <a:rPr lang="en-US" altLang="ko-KR" sz="1600" dirty="0">
+                <a:latin typeface="DM Mono" panose="020B0509040201040103" pitchFamily="49" charset="0"/>
+              </a:rPr>
+              <a:t>}, age{</a:t>
+            </a:r>
+            <a:r>
+              <a:rPr lang="en-US" altLang="ko-KR" sz="1600" dirty="0" err="1">
+                <a:latin typeface="DM Mono" panose="020B0509040201040103" pitchFamily="49" charset="0"/>
+              </a:rPr>
+              <a:t>rhs.age</a:t>
+            </a:r>
+            <a:r>
+              <a:rPr lang="en-US" altLang="ko-KR" sz="1600" dirty="0">
+                <a:latin typeface="DM Mono" panose="020B0509040201040103" pitchFamily="49" charset="0"/>
+              </a:rPr>
+              <a:t>} {}</a:t>
+            </a:r>
+          </a:p>
+          <a:p>
+            <a:r>
+              <a:rPr lang="en-US" altLang="ko-KR" sz="1600" dirty="0">
+                <a:latin typeface="DM Mono" panose="020B0509040201040103" pitchFamily="49" charset="0"/>
+              </a:rPr>
+              <a:t>};</a:t>
+            </a:r>
+          </a:p>
+          <a:p>
+            <a:br>
+              <a:rPr lang="en-US" altLang="ko-KR" sz="1600" dirty="0">
+                <a:latin typeface="DM Mono" panose="020B0509040201040103" pitchFamily="49" charset="0"/>
+              </a:rPr>
+            </a:br>
+            <a:endParaRPr lang="en-US" altLang="ko-KR" sz="1600" dirty="0">
+              <a:solidFill>
+                <a:srgbClr val="FF0000"/>
+              </a:solidFill>
+              <a:latin typeface="DM Mono" panose="020B0509040201040103" pitchFamily="49" charset="0"/>
+            </a:endParaRPr>
+          </a:p>
+        </p:txBody>
+      </p:sp>
+      <p:sp>
+        <p:nvSpPr>
+          <p:cNvPr id="14" name="직사각형 13">
+            <a:extLst>
+              <a:ext uri="{FF2B5EF4-FFF2-40B4-BE49-F238E27FC236}">
+                <a16:creationId xmlns:a16="http://schemas.microsoft.com/office/drawing/2014/main" id="{64831D9E-79DE-6A1A-4FEE-DEFE012B07EF}"/>
+              </a:ext>
+            </a:extLst>
+          </p:cNvPr>
+          <p:cNvSpPr/>
+          <p:nvPr/>
+        </p:nvSpPr>
+        <p:spPr>
+          <a:xfrm>
+            <a:off x="6191250" y="785876"/>
+            <a:ext cx="1287379" cy="605567"/>
+          </a:xfrm>
+          <a:prstGeom prst="rect">
+            <a:avLst/>
+          </a:prstGeom>
+        </p:spPr>
+        <p:style>
+          <a:lnRef idx="2">
+            <a:schemeClr val="accent4">
+              <a:shade val="15000"/>
+            </a:schemeClr>
+          </a:lnRef>
+          <a:fillRef idx="1">
+            <a:schemeClr val="accent4"/>
+          </a:fillRef>
+          <a:effectRef idx="0">
+            <a:schemeClr val="accent4"/>
+          </a:effectRef>
+          <a:fontRef idx="minor">
+            <a:schemeClr val="lt1"/>
+          </a:fontRef>
+        </p:style>
+        <p:txBody>
+          <a:bodyPr rtlCol="0" anchor="ctr"/>
+          <a:lstStyle/>
+          <a:p>
+            <a:pPr algn="ctr"/>
+            <a:r>
+              <a:rPr kumimoji="1" lang="en-US" altLang="ko-KR" dirty="0">
+                <a:solidFill>
+                  <a:schemeClr val="tx1"/>
+                </a:solidFill>
+                <a:latin typeface="DM Mono" panose="020B0509040201040103" pitchFamily="49" charset="0"/>
+              </a:rPr>
+              <a:t>0x100</a:t>
+            </a:r>
+            <a:endParaRPr kumimoji="1" lang="ko-KR" altLang="en-US" dirty="0">
+              <a:solidFill>
+                <a:schemeClr val="tx1"/>
+              </a:solidFill>
+              <a:latin typeface="DM Mono" panose="020B0509040201040103" pitchFamily="49" charset="0"/>
+            </a:endParaRPr>
+          </a:p>
+        </p:txBody>
+      </p:sp>
+      <p:sp>
+        <p:nvSpPr>
+          <p:cNvPr id="15" name="TextBox 14">
+            <a:extLst>
+              <a:ext uri="{FF2B5EF4-FFF2-40B4-BE49-F238E27FC236}">
+                <a16:creationId xmlns:a16="http://schemas.microsoft.com/office/drawing/2014/main" id="{A2D1D282-192F-BE02-7A2D-4C78EF7B39F3}"/>
+              </a:ext>
+            </a:extLst>
+          </p:cNvPr>
+          <p:cNvSpPr txBox="1"/>
+          <p:nvPr/>
+        </p:nvSpPr>
+        <p:spPr>
+          <a:xfrm>
+            <a:off x="5140993" y="903993"/>
+            <a:ext cx="1050257" cy="369332"/>
+          </a:xfrm>
+          <a:prstGeom prst="rect">
+            <a:avLst/>
+          </a:prstGeom>
+          <a:noFill/>
+        </p:spPr>
+        <p:txBody>
+          <a:bodyPr wrap="square" rtlCol="0">
+            <a:spAutoFit/>
+          </a:bodyPr>
+          <a:lstStyle/>
+          <a:p>
+            <a:pPr algn="r"/>
+            <a:r>
+              <a:rPr kumimoji="1" lang="en-US" altLang="ko-KR" dirty="0">
+                <a:latin typeface="DM Mono" panose="020B0509040201040103" pitchFamily="49" charset="0"/>
+              </a:rPr>
+              <a:t>name</a:t>
+            </a:r>
+            <a:endParaRPr kumimoji="1" lang="ko-KR" altLang="en-US" dirty="0">
+              <a:latin typeface="DM Mono" panose="020B0509040201040103" pitchFamily="49" charset="0"/>
+            </a:endParaRPr>
+          </a:p>
+        </p:txBody>
+      </p:sp>
+      <p:sp>
+        <p:nvSpPr>
+          <p:cNvPr id="16" name="TextBox 15">
+            <a:extLst>
+              <a:ext uri="{FF2B5EF4-FFF2-40B4-BE49-F238E27FC236}">
+                <a16:creationId xmlns:a16="http://schemas.microsoft.com/office/drawing/2014/main" id="{F3D3640F-4DC8-F883-2FE0-3C82ADB47AB6}"/>
+              </a:ext>
+            </a:extLst>
+          </p:cNvPr>
+          <p:cNvSpPr txBox="1"/>
+          <p:nvPr/>
+        </p:nvSpPr>
+        <p:spPr>
+          <a:xfrm>
+            <a:off x="6191249" y="364976"/>
+            <a:ext cx="1287379" cy="369332"/>
+          </a:xfrm>
+          <a:prstGeom prst="rect">
+            <a:avLst/>
+          </a:prstGeom>
+          <a:noFill/>
+        </p:spPr>
+        <p:txBody>
+          <a:bodyPr wrap="square" rtlCol="0">
+            <a:spAutoFit/>
+          </a:bodyPr>
+          <a:lstStyle/>
+          <a:p>
+            <a:pPr algn="ctr"/>
+            <a:r>
+              <a:rPr kumimoji="1" lang="en-US" altLang="ko-KR" dirty="0">
+                <a:latin typeface="DM Mono" panose="020B0509040201040103" pitchFamily="49" charset="0"/>
+              </a:rPr>
+              <a:t>user</a:t>
+            </a:r>
+            <a:endParaRPr kumimoji="1" lang="ko-KR" altLang="en-US" dirty="0">
+              <a:latin typeface="DM Mono" panose="020B0509040201040103" pitchFamily="49" charset="0"/>
+            </a:endParaRPr>
+          </a:p>
+        </p:txBody>
+      </p:sp>
+      <p:sp>
+        <p:nvSpPr>
+          <p:cNvPr id="17" name="직사각형 16">
+            <a:extLst>
+              <a:ext uri="{FF2B5EF4-FFF2-40B4-BE49-F238E27FC236}">
+                <a16:creationId xmlns:a16="http://schemas.microsoft.com/office/drawing/2014/main" id="{3B4503E5-44DF-E9B3-8260-304EA2718227}"/>
+              </a:ext>
+            </a:extLst>
+          </p:cNvPr>
+          <p:cNvSpPr/>
+          <p:nvPr/>
+        </p:nvSpPr>
+        <p:spPr>
+          <a:xfrm>
+            <a:off x="6191250" y="1391442"/>
+            <a:ext cx="1287379" cy="605567"/>
+          </a:xfrm>
+          <a:prstGeom prst="rect">
+            <a:avLst/>
+          </a:prstGeom>
+        </p:spPr>
+        <p:style>
+          <a:lnRef idx="2">
+            <a:schemeClr val="accent4">
+              <a:shade val="15000"/>
+            </a:schemeClr>
+          </a:lnRef>
+          <a:fillRef idx="1">
+            <a:schemeClr val="accent4"/>
+          </a:fillRef>
+          <a:effectRef idx="0">
+            <a:schemeClr val="accent4"/>
+          </a:effectRef>
+          <a:fontRef idx="minor">
+            <a:schemeClr val="lt1"/>
+          </a:fontRef>
+        </p:style>
+        <p:txBody>
+          <a:bodyPr rtlCol="0" anchor="ctr"/>
+          <a:lstStyle/>
+          <a:p>
+            <a:pPr algn="ctr"/>
+            <a:r>
+              <a:rPr kumimoji="1" lang="en-US" altLang="ko-KR" dirty="0">
+                <a:solidFill>
+                  <a:schemeClr val="tx1"/>
+                </a:solidFill>
+                <a:latin typeface="DM Mono" panose="020B0509040201040103" pitchFamily="49" charset="0"/>
+              </a:rPr>
+              <a:t>42</a:t>
+            </a:r>
+            <a:endParaRPr kumimoji="1" lang="ko-KR" altLang="en-US" dirty="0">
+              <a:solidFill>
+                <a:schemeClr val="tx1"/>
+              </a:solidFill>
+              <a:latin typeface="DM Mono" panose="020B0509040201040103" pitchFamily="49" charset="0"/>
+            </a:endParaRPr>
+          </a:p>
+        </p:txBody>
+      </p:sp>
+      <p:sp>
+        <p:nvSpPr>
+          <p:cNvPr id="18" name="TextBox 17">
+            <a:extLst>
+              <a:ext uri="{FF2B5EF4-FFF2-40B4-BE49-F238E27FC236}">
+                <a16:creationId xmlns:a16="http://schemas.microsoft.com/office/drawing/2014/main" id="{28B26EA2-BF9D-F070-8A42-2F0486C7C67E}"/>
+              </a:ext>
+            </a:extLst>
+          </p:cNvPr>
+          <p:cNvSpPr txBox="1"/>
+          <p:nvPr/>
+        </p:nvSpPr>
+        <p:spPr>
+          <a:xfrm>
+            <a:off x="5140993" y="1509559"/>
+            <a:ext cx="1050257" cy="369332"/>
+          </a:xfrm>
+          <a:prstGeom prst="rect">
+            <a:avLst/>
+          </a:prstGeom>
+          <a:noFill/>
+        </p:spPr>
+        <p:txBody>
+          <a:bodyPr wrap="square" rtlCol="0">
+            <a:spAutoFit/>
+          </a:bodyPr>
+          <a:lstStyle/>
+          <a:p>
+            <a:pPr algn="r"/>
+            <a:r>
+              <a:rPr kumimoji="1" lang="en-US" altLang="ko-KR" dirty="0">
+                <a:latin typeface="DM Mono" panose="020B0509040201040103" pitchFamily="49" charset="0"/>
+              </a:rPr>
+              <a:t>age</a:t>
+            </a:r>
+            <a:endParaRPr kumimoji="1" lang="ko-KR" altLang="en-US" dirty="0">
+              <a:latin typeface="DM Mono" panose="020B0509040201040103" pitchFamily="49" charset="0"/>
+            </a:endParaRPr>
+          </a:p>
+        </p:txBody>
+      </p:sp>
+      <p:sp>
+        <p:nvSpPr>
+          <p:cNvPr id="20" name="직사각형 19">
+            <a:extLst>
+              <a:ext uri="{FF2B5EF4-FFF2-40B4-BE49-F238E27FC236}">
+                <a16:creationId xmlns:a16="http://schemas.microsoft.com/office/drawing/2014/main" id="{FE96047B-EAA0-9F35-04E4-6D7B5F3989F7}"/>
+              </a:ext>
+            </a:extLst>
+          </p:cNvPr>
+          <p:cNvSpPr/>
+          <p:nvPr/>
+        </p:nvSpPr>
+        <p:spPr>
+          <a:xfrm>
+            <a:off x="10521260" y="483092"/>
+            <a:ext cx="1287379" cy="605567"/>
+          </a:xfrm>
+          <a:prstGeom prst="rect">
+            <a:avLst/>
+          </a:prstGeom>
+          <a:solidFill>
+            <a:srgbClr val="FF0000"/>
+          </a:solidFill>
+        </p:spPr>
+        <p:style>
+          <a:lnRef idx="2">
+            <a:schemeClr val="accent4">
+              <a:shade val="15000"/>
+            </a:schemeClr>
+          </a:lnRef>
+          <a:fillRef idx="1">
+            <a:schemeClr val="accent4"/>
+          </a:fillRef>
+          <a:effectRef idx="0">
+            <a:schemeClr val="accent4"/>
+          </a:effectRef>
+          <a:fontRef idx="minor">
+            <a:schemeClr val="lt1"/>
+          </a:fontRef>
+        </p:style>
+        <p:txBody>
+          <a:bodyPr rtlCol="0" anchor="ctr"/>
+          <a:lstStyle/>
+          <a:p>
+            <a:pPr algn="ctr"/>
+            <a:r>
+              <a:rPr kumimoji="1" lang="en-US" altLang="ko-KR" dirty="0">
+                <a:solidFill>
+                  <a:schemeClr val="tx1"/>
+                </a:solidFill>
+                <a:latin typeface="DM Mono" panose="020B0509040201040103" pitchFamily="49" charset="0"/>
+              </a:rPr>
+              <a:t>“Tom”</a:t>
+            </a:r>
+            <a:endParaRPr kumimoji="1" lang="ko-KR" altLang="en-US" dirty="0">
+              <a:solidFill>
+                <a:schemeClr val="tx1"/>
+              </a:solidFill>
+              <a:latin typeface="DM Mono" panose="020B0509040201040103" pitchFamily="49" charset="0"/>
+            </a:endParaRPr>
+          </a:p>
+        </p:txBody>
+      </p:sp>
+      <p:cxnSp>
+        <p:nvCxnSpPr>
+          <p:cNvPr id="24" name="구부러진 연결선[U] 23">
+            <a:extLst>
+              <a:ext uri="{FF2B5EF4-FFF2-40B4-BE49-F238E27FC236}">
+                <a16:creationId xmlns:a16="http://schemas.microsoft.com/office/drawing/2014/main" id="{797F7FBB-282D-9C61-978D-64A593DF2FF8}"/>
+              </a:ext>
+            </a:extLst>
+          </p:cNvPr>
+          <p:cNvCxnSpPr>
+            <a:cxnSpLocks/>
+            <a:endCxn id="20" idx="1"/>
+          </p:cNvCxnSpPr>
+          <p:nvPr/>
+        </p:nvCxnSpPr>
+        <p:spPr>
+          <a:xfrm flipV="1">
+            <a:off x="7478628" y="785876"/>
+            <a:ext cx="3042632" cy="302783"/>
+          </a:xfrm>
+          <a:prstGeom prst="curvedConnector3">
+            <a:avLst/>
+          </a:prstGeom>
+          <a:ln w="12700">
+            <a:tailEnd type="triangle"/>
+          </a:ln>
+        </p:spPr>
+        <p:style>
+          <a:lnRef idx="1">
+            <a:schemeClr val="dk1"/>
+          </a:lnRef>
+          <a:fillRef idx="0">
+            <a:schemeClr val="dk1"/>
+          </a:fillRef>
+          <a:effectRef idx="0">
+            <a:schemeClr val="dk1"/>
+          </a:effectRef>
+          <a:fontRef idx="minor">
+            <a:schemeClr val="tx1"/>
+          </a:fontRef>
+        </p:style>
+      </p:cxnSp>
+      <p:sp>
+        <p:nvSpPr>
+          <p:cNvPr id="2" name="직사각형 1">
+            <a:extLst>
+              <a:ext uri="{FF2B5EF4-FFF2-40B4-BE49-F238E27FC236}">
+                <a16:creationId xmlns:a16="http://schemas.microsoft.com/office/drawing/2014/main" id="{5C672856-6E49-55FC-A4E4-FD1EE6A1C3BD}"/>
+              </a:ext>
+            </a:extLst>
+          </p:cNvPr>
+          <p:cNvSpPr/>
+          <p:nvPr/>
+        </p:nvSpPr>
+        <p:spPr>
+          <a:xfrm>
+            <a:off x="6191249" y="2992823"/>
+            <a:ext cx="1287379" cy="605567"/>
+          </a:xfrm>
+          <a:prstGeom prst="rect">
+            <a:avLst/>
+          </a:prstGeom>
+          <a:solidFill>
+            <a:srgbClr val="FF0000"/>
+          </a:solidFill>
+        </p:spPr>
+        <p:style>
+          <a:lnRef idx="2">
+            <a:schemeClr val="accent4">
+              <a:shade val="15000"/>
+            </a:schemeClr>
+          </a:lnRef>
+          <a:fillRef idx="1">
+            <a:schemeClr val="accent4"/>
+          </a:fillRef>
+          <a:effectRef idx="0">
+            <a:schemeClr val="accent4"/>
+          </a:effectRef>
+          <a:fontRef idx="minor">
+            <a:schemeClr val="lt1"/>
+          </a:fontRef>
+        </p:style>
+        <p:txBody>
+          <a:bodyPr rtlCol="0" anchor="ctr"/>
+          <a:lstStyle/>
+          <a:p>
+            <a:pPr algn="ctr"/>
+            <a:r>
+              <a:rPr kumimoji="1" lang="en-US" altLang="ko-KR" dirty="0">
+                <a:solidFill>
+                  <a:schemeClr val="tx1"/>
+                </a:solidFill>
+                <a:latin typeface="DM Mono" panose="020B0509040201040103" pitchFamily="49" charset="0"/>
+              </a:rPr>
+              <a:t>0x100</a:t>
+            </a:r>
+            <a:endParaRPr kumimoji="1" lang="ko-KR" altLang="en-US" dirty="0">
+              <a:solidFill>
+                <a:schemeClr val="tx1"/>
+              </a:solidFill>
+              <a:latin typeface="DM Mono" panose="020B0509040201040103" pitchFamily="49" charset="0"/>
+            </a:endParaRPr>
+          </a:p>
+        </p:txBody>
+      </p:sp>
+      <p:sp>
+        <p:nvSpPr>
+          <p:cNvPr id="3" name="TextBox 2">
+            <a:extLst>
+              <a:ext uri="{FF2B5EF4-FFF2-40B4-BE49-F238E27FC236}">
+                <a16:creationId xmlns:a16="http://schemas.microsoft.com/office/drawing/2014/main" id="{CCA63AF9-9225-9260-3E56-B2B93FDDC2A7}"/>
+              </a:ext>
+            </a:extLst>
+          </p:cNvPr>
+          <p:cNvSpPr txBox="1"/>
+          <p:nvPr/>
+        </p:nvSpPr>
+        <p:spPr>
+          <a:xfrm>
+            <a:off x="5140992" y="3110940"/>
+            <a:ext cx="1050257" cy="369332"/>
+          </a:xfrm>
+          <a:prstGeom prst="rect">
+            <a:avLst/>
+          </a:prstGeom>
+          <a:noFill/>
+        </p:spPr>
+        <p:txBody>
+          <a:bodyPr wrap="square" rtlCol="0">
+            <a:spAutoFit/>
+          </a:bodyPr>
+          <a:lstStyle/>
+          <a:p>
+            <a:pPr algn="r"/>
+            <a:r>
+              <a:rPr kumimoji="1" lang="en-US" altLang="ko-KR" dirty="0">
+                <a:latin typeface="DM Mono" panose="020B0509040201040103" pitchFamily="49" charset="0"/>
+              </a:rPr>
+              <a:t>name</a:t>
+            </a:r>
+            <a:endParaRPr kumimoji="1" lang="ko-KR" altLang="en-US" dirty="0">
+              <a:latin typeface="DM Mono" panose="020B0509040201040103" pitchFamily="49" charset="0"/>
+            </a:endParaRPr>
+          </a:p>
+        </p:txBody>
+      </p:sp>
+      <p:sp>
+        <p:nvSpPr>
+          <p:cNvPr id="4" name="TextBox 3">
+            <a:extLst>
+              <a:ext uri="{FF2B5EF4-FFF2-40B4-BE49-F238E27FC236}">
+                <a16:creationId xmlns:a16="http://schemas.microsoft.com/office/drawing/2014/main" id="{AD225D73-C2A6-4CDB-7628-CF7A469D89F8}"/>
+              </a:ext>
+            </a:extLst>
+          </p:cNvPr>
+          <p:cNvSpPr txBox="1"/>
+          <p:nvPr/>
+        </p:nvSpPr>
+        <p:spPr>
+          <a:xfrm>
+            <a:off x="6191248" y="2571923"/>
+            <a:ext cx="1287379" cy="369332"/>
+          </a:xfrm>
+          <a:prstGeom prst="rect">
+            <a:avLst/>
+          </a:prstGeom>
+          <a:noFill/>
+        </p:spPr>
+        <p:txBody>
+          <a:bodyPr wrap="square" rtlCol="0">
+            <a:spAutoFit/>
+          </a:bodyPr>
+          <a:lstStyle/>
+          <a:p>
+            <a:pPr algn="ctr"/>
+            <a:r>
+              <a:rPr kumimoji="1" lang="en-US" altLang="ko-KR" dirty="0">
+                <a:latin typeface="DM Mono" panose="020B0509040201040103" pitchFamily="49" charset="0"/>
+              </a:rPr>
+              <a:t>other</a:t>
+            </a:r>
+            <a:endParaRPr kumimoji="1" lang="ko-KR" altLang="en-US" dirty="0">
+              <a:latin typeface="DM Mono" panose="020B0509040201040103" pitchFamily="49" charset="0"/>
+            </a:endParaRPr>
+          </a:p>
+        </p:txBody>
+      </p:sp>
+      <p:sp>
+        <p:nvSpPr>
+          <p:cNvPr id="6" name="직사각형 5">
+            <a:extLst>
+              <a:ext uri="{FF2B5EF4-FFF2-40B4-BE49-F238E27FC236}">
+                <a16:creationId xmlns:a16="http://schemas.microsoft.com/office/drawing/2014/main" id="{A22FCFA2-B2CF-91F6-18B3-09395749DDFB}"/>
+              </a:ext>
+            </a:extLst>
+          </p:cNvPr>
+          <p:cNvSpPr/>
+          <p:nvPr/>
+        </p:nvSpPr>
+        <p:spPr>
+          <a:xfrm>
+            <a:off x="6191249" y="3598389"/>
+            <a:ext cx="1287379" cy="605567"/>
+          </a:xfrm>
+          <a:prstGeom prst="rect">
+            <a:avLst/>
+          </a:prstGeom>
+          <a:solidFill>
+            <a:srgbClr val="FF0000"/>
+          </a:solidFill>
+        </p:spPr>
+        <p:style>
+          <a:lnRef idx="2">
+            <a:schemeClr val="accent4">
+              <a:shade val="15000"/>
+            </a:schemeClr>
+          </a:lnRef>
+          <a:fillRef idx="1">
+            <a:schemeClr val="accent4"/>
+          </a:fillRef>
+          <a:effectRef idx="0">
+            <a:schemeClr val="accent4"/>
+          </a:effectRef>
+          <a:fontRef idx="minor">
+            <a:schemeClr val="lt1"/>
+          </a:fontRef>
+        </p:style>
+        <p:txBody>
+          <a:bodyPr rtlCol="0" anchor="ctr"/>
+          <a:lstStyle/>
+          <a:p>
+            <a:pPr algn="ctr"/>
+            <a:r>
+              <a:rPr kumimoji="1" lang="en-US" altLang="ko-KR" dirty="0">
+                <a:solidFill>
+                  <a:schemeClr val="tx1"/>
+                </a:solidFill>
+                <a:latin typeface="DM Mono" panose="020B0509040201040103" pitchFamily="49" charset="0"/>
+              </a:rPr>
+              <a:t>42</a:t>
+            </a:r>
+            <a:endParaRPr kumimoji="1" lang="ko-KR" altLang="en-US" dirty="0">
+              <a:solidFill>
+                <a:schemeClr val="tx1"/>
+              </a:solidFill>
+              <a:latin typeface="DM Mono" panose="020B0509040201040103" pitchFamily="49" charset="0"/>
+            </a:endParaRPr>
+          </a:p>
+        </p:txBody>
+      </p:sp>
+      <p:sp>
+        <p:nvSpPr>
+          <p:cNvPr id="7" name="TextBox 6">
+            <a:extLst>
+              <a:ext uri="{FF2B5EF4-FFF2-40B4-BE49-F238E27FC236}">
+                <a16:creationId xmlns:a16="http://schemas.microsoft.com/office/drawing/2014/main" id="{3D921D55-95D0-608E-0FAD-40F8DE94EF02}"/>
+              </a:ext>
+            </a:extLst>
+          </p:cNvPr>
+          <p:cNvSpPr txBox="1"/>
+          <p:nvPr/>
+        </p:nvSpPr>
+        <p:spPr>
+          <a:xfrm>
+            <a:off x="5140992" y="3716506"/>
+            <a:ext cx="1050257" cy="369332"/>
+          </a:xfrm>
+          <a:prstGeom prst="rect">
+            <a:avLst/>
+          </a:prstGeom>
+          <a:noFill/>
+        </p:spPr>
+        <p:txBody>
+          <a:bodyPr wrap="square" rtlCol="0">
+            <a:spAutoFit/>
+          </a:bodyPr>
+          <a:lstStyle/>
+          <a:p>
+            <a:pPr algn="r"/>
+            <a:r>
+              <a:rPr kumimoji="1" lang="en-US" altLang="ko-KR" dirty="0">
+                <a:latin typeface="DM Mono" panose="020B0509040201040103" pitchFamily="49" charset="0"/>
+              </a:rPr>
+              <a:t>age</a:t>
+            </a:r>
+            <a:endParaRPr kumimoji="1" lang="ko-KR" altLang="en-US" dirty="0">
+              <a:latin typeface="DM Mono" panose="020B0509040201040103" pitchFamily="49" charset="0"/>
+            </a:endParaRPr>
+          </a:p>
+        </p:txBody>
+      </p:sp>
+      <p:cxnSp>
+        <p:nvCxnSpPr>
+          <p:cNvPr id="8" name="구부러진 연결선[U] 7">
+            <a:extLst>
+              <a:ext uri="{FF2B5EF4-FFF2-40B4-BE49-F238E27FC236}">
+                <a16:creationId xmlns:a16="http://schemas.microsoft.com/office/drawing/2014/main" id="{61656356-3920-1B37-8B29-BD83EFED255C}"/>
+              </a:ext>
+            </a:extLst>
+          </p:cNvPr>
+          <p:cNvCxnSpPr>
+            <a:cxnSpLocks/>
+            <a:stCxn id="2" idx="3"/>
+            <a:endCxn id="20" idx="1"/>
+          </p:cNvCxnSpPr>
+          <p:nvPr/>
+        </p:nvCxnSpPr>
+        <p:spPr>
+          <a:xfrm flipV="1">
+            <a:off x="7478628" y="785876"/>
+            <a:ext cx="3042632" cy="2509731"/>
+          </a:xfrm>
+          <a:prstGeom prst="curvedConnector3">
+            <a:avLst/>
+          </a:prstGeom>
+          <a:ln w="12700">
+            <a:tailEnd type="triangle"/>
+          </a:ln>
+        </p:spPr>
+        <p:style>
+          <a:lnRef idx="1">
+            <a:schemeClr val="dk1"/>
+          </a:lnRef>
+          <a:fillRef idx="0">
+            <a:schemeClr val="dk1"/>
+          </a:fillRef>
+          <a:effectRef idx="0">
+            <a:schemeClr val="dk1"/>
+          </a:effectRef>
+          <a:fontRef idx="minor">
+            <a:schemeClr val="tx1"/>
+          </a:fontRef>
+        </p:style>
+      </p:cxnSp>
+    </p:spTree>
+    <p:extLst>
+      <p:ext uri="{BB962C8B-B14F-4D97-AF65-F5344CB8AC3E}">
+        <p14:creationId xmlns:p14="http://schemas.microsoft.com/office/powerpoint/2010/main" val="1410147281"/>
+      </p:ext>
+    </p:extLst>
+  </p:cSld>
+  <p:clrMapOvr>
+    <a:masterClrMapping/>
+  </p:clrMapOvr>
+</p:sld>
+</file>
+
+<file path=ppt/slides/slide37.xml><?xml version="1.0" encoding="utf-8"?>
+<p:sld xmlns:a="http://schemas.openxmlformats.org/drawingml/2006/main" xmlns:r="http://schemas.openxmlformats.org/officeDocument/2006/relationships" xmlns:p="http://schemas.openxmlformats.org/presentationml/2006/main">
+  <p:cSld>
+    <p:spTree>
+      <p:nvGrpSpPr>
+        <p:cNvPr id="1" name="">
+          <a:extLst>
+            <a:ext uri="{FF2B5EF4-FFF2-40B4-BE49-F238E27FC236}">
+              <a16:creationId xmlns:a16="http://schemas.microsoft.com/office/drawing/2014/main" id="{5B9E59C3-DF09-A1F1-6501-7D04E650E06B}"/>
+            </a:ext>
+          </a:extLst>
+        </p:cNvPr>
+        <p:cNvGrpSpPr/>
+        <p:nvPr/>
+      </p:nvGrpSpPr>
+      <p:grpSpPr>
+        <a:xfrm>
+          <a:off x="0" y="0"/>
+          <a:ext cx="0" cy="0"/>
+          <a:chOff x="0" y="0"/>
+          <a:chExt cx="0" cy="0"/>
+        </a:xfrm>
+      </p:grpSpPr>
+      <p:sp>
+        <p:nvSpPr>
+          <p:cNvPr id="5" name="TextBox 4">
+            <a:extLst>
+              <a:ext uri="{FF2B5EF4-FFF2-40B4-BE49-F238E27FC236}">
+                <a16:creationId xmlns:a16="http://schemas.microsoft.com/office/drawing/2014/main" id="{3C9C9B3E-B7B0-61A1-AB43-E7AF0CF90364}"/>
+              </a:ext>
+            </a:extLst>
+          </p:cNvPr>
+          <p:cNvSpPr txBox="1"/>
+          <p:nvPr/>
+        </p:nvSpPr>
+        <p:spPr>
+          <a:xfrm>
+            <a:off x="511371" y="549642"/>
+            <a:ext cx="5274489" cy="5509200"/>
+          </a:xfrm>
+          <a:prstGeom prst="rect">
+            <a:avLst/>
+          </a:prstGeom>
+          <a:noFill/>
+        </p:spPr>
+        <p:txBody>
+          <a:bodyPr wrap="square">
+            <a:spAutoFit/>
+          </a:bodyPr>
+          <a:lstStyle/>
+          <a:p>
+            <a:r>
+              <a:rPr lang="en-US" altLang="ko-KR" sz="1600" dirty="0">
+                <a:latin typeface="DM Mono" panose="020B0509040201040103" pitchFamily="49" charset="0"/>
+              </a:rPr>
+              <a:t>class User</a:t>
+            </a:r>
+          </a:p>
+          <a:p>
+            <a:r>
+              <a:rPr lang="en-US" altLang="ko-KR" sz="1600" dirty="0">
+                <a:latin typeface="DM Mono" panose="020B0509040201040103" pitchFamily="49" charset="0"/>
+              </a:rPr>
+              <a:t>{</a:t>
+            </a:r>
+          </a:p>
+          <a:p>
+            <a:r>
+              <a:rPr lang="en-US" altLang="ko-KR" sz="1600" dirty="0">
+                <a:latin typeface="DM Mono" panose="020B0509040201040103" pitchFamily="49" charset="0"/>
+              </a:rPr>
+              <a:t>char *name;</a:t>
+            </a:r>
+          </a:p>
+          <a:p>
+            <a:r>
+              <a:rPr lang="en-US" altLang="ko-KR" sz="1600" dirty="0">
+                <a:latin typeface="DM Mono" panose="020B0509040201040103" pitchFamily="49" charset="0"/>
+              </a:rPr>
+              <a:t>int age;</a:t>
+            </a:r>
+            <a:br>
+              <a:rPr lang="en-US" altLang="ko-KR" sz="1600" dirty="0">
+                <a:latin typeface="DM Mono" panose="020B0509040201040103" pitchFamily="49" charset="0"/>
+              </a:rPr>
+            </a:br>
+            <a:r>
+              <a:rPr lang="en-US" altLang="ko-KR" sz="1600" dirty="0">
+                <a:latin typeface="DM Mono" panose="020B0509040201040103" pitchFamily="49" charset="0"/>
+              </a:rPr>
+              <a:t>public:</a:t>
+            </a:r>
+          </a:p>
+          <a:p>
+            <a:r>
+              <a:rPr lang="en-US" altLang="ko-KR" sz="1600" dirty="0">
+                <a:latin typeface="DM Mono" panose="020B0509040201040103" pitchFamily="49" charset="0"/>
+              </a:rPr>
+              <a:t>  User(const char *s, int n)</a:t>
+            </a:r>
+          </a:p>
+          <a:p>
+            <a:r>
+              <a:rPr lang="en-US" altLang="ko-KR" sz="1600" dirty="0">
+                <a:latin typeface="DM Mono" panose="020B0509040201040103" pitchFamily="49" charset="0"/>
+              </a:rPr>
+              <a:t>    : age{n}</a:t>
+            </a:r>
+          </a:p>
+          <a:p>
+            <a:r>
+              <a:rPr lang="en-US" altLang="ko-KR" sz="1600" dirty="0">
+                <a:latin typeface="DM Mono" panose="020B0509040201040103" pitchFamily="49" charset="0"/>
+              </a:rPr>
+              <a:t>  {</a:t>
+            </a:r>
+          </a:p>
+          <a:p>
+            <a:r>
+              <a:rPr lang="en-US" altLang="ko-KR" sz="1600" dirty="0">
+                <a:latin typeface="DM Mono" panose="020B0509040201040103" pitchFamily="49" charset="0"/>
+              </a:rPr>
+              <a:t>    name = new char[</a:t>
+            </a:r>
+            <a:r>
+              <a:rPr lang="en-US" altLang="ko-KR" sz="1600" dirty="0" err="1">
+                <a:latin typeface="DM Mono" panose="020B0509040201040103" pitchFamily="49" charset="0"/>
+              </a:rPr>
+              <a:t>strlen</a:t>
+            </a:r>
+            <a:r>
+              <a:rPr lang="en-US" altLang="ko-KR" sz="1600" dirty="0">
+                <a:latin typeface="DM Mono" panose="020B0509040201040103" pitchFamily="49" charset="0"/>
+              </a:rPr>
+              <a:t>(s) + 1];</a:t>
+            </a:r>
+          </a:p>
+          <a:p>
+            <a:r>
+              <a:rPr lang="en-US" altLang="ko-KR" sz="1600" dirty="0">
+                <a:latin typeface="DM Mono" panose="020B0509040201040103" pitchFamily="49" charset="0"/>
+              </a:rPr>
+              <a:t>    </a:t>
+            </a:r>
+            <a:r>
+              <a:rPr lang="en-US" altLang="ko-KR" sz="1600" dirty="0" err="1">
+                <a:latin typeface="DM Mono" panose="020B0509040201040103" pitchFamily="49" charset="0"/>
+              </a:rPr>
+              <a:t>strcpy</a:t>
+            </a:r>
+            <a:r>
+              <a:rPr lang="en-US" altLang="ko-KR" sz="1600" dirty="0">
+                <a:latin typeface="DM Mono" panose="020B0509040201040103" pitchFamily="49" charset="0"/>
+              </a:rPr>
+              <a:t>(name, s);</a:t>
+            </a:r>
+          </a:p>
+          <a:p>
+            <a:r>
+              <a:rPr lang="en-US" altLang="ko-KR" sz="1600" dirty="0">
+                <a:latin typeface="DM Mono" panose="020B0509040201040103" pitchFamily="49" charset="0"/>
+              </a:rPr>
+              <a:t>  }</a:t>
+            </a:r>
+          </a:p>
+          <a:p>
+            <a:br>
+              <a:rPr lang="en-US" altLang="ko-KR" sz="1600" dirty="0">
+                <a:latin typeface="DM Mono" panose="020B0509040201040103" pitchFamily="49" charset="0"/>
+              </a:rPr>
+            </a:br>
+            <a:r>
+              <a:rPr lang="en-US" altLang="ko-KR" sz="1600" dirty="0">
+                <a:solidFill>
+                  <a:srgbClr val="FF0000"/>
+                </a:solidFill>
+                <a:latin typeface="DM Mono" panose="020B0509040201040103" pitchFamily="49" charset="0"/>
+              </a:rPr>
+              <a:t>  ~User()</a:t>
+            </a:r>
+          </a:p>
+          <a:p>
+            <a:r>
+              <a:rPr lang="en-US" altLang="ko-KR" sz="1600" dirty="0">
+                <a:solidFill>
+                  <a:srgbClr val="FF0000"/>
+                </a:solidFill>
+                <a:latin typeface="DM Mono" panose="020B0509040201040103" pitchFamily="49" charset="0"/>
+              </a:rPr>
+              <a:t>  {</a:t>
+            </a:r>
+          </a:p>
+          <a:p>
+            <a:pPr lvl="1"/>
+            <a:r>
+              <a:rPr lang="en-US" altLang="ko-KR" sz="1600" dirty="0">
+                <a:solidFill>
+                  <a:srgbClr val="FF0000"/>
+                </a:solidFill>
+                <a:latin typeface="DM Mono" panose="020B0509040201040103" pitchFamily="49" charset="0"/>
+              </a:rPr>
+              <a:t>    delete[] name;</a:t>
+            </a:r>
+          </a:p>
+          <a:p>
+            <a:r>
+              <a:rPr lang="en-US" altLang="ko-KR" sz="1600" dirty="0">
+                <a:solidFill>
+                  <a:srgbClr val="FF0000"/>
+                </a:solidFill>
+                <a:latin typeface="DM Mono" panose="020B0509040201040103" pitchFamily="49" charset="0"/>
+              </a:rPr>
+              <a:t>  }</a:t>
+            </a:r>
+          </a:p>
+          <a:p>
+            <a:r>
+              <a:rPr lang="en-US" altLang="ko-KR" sz="1600" dirty="0">
+                <a:latin typeface="DM Mono" panose="020B0509040201040103" pitchFamily="49" charset="0"/>
+              </a:rPr>
+              <a:t>  </a:t>
+            </a:r>
+          </a:p>
+          <a:p>
+            <a:r>
+              <a:rPr lang="en-US" altLang="ko-KR" sz="1600" dirty="0">
+                <a:latin typeface="DM Mono" panose="020B0509040201040103" pitchFamily="49" charset="0"/>
+              </a:rPr>
+              <a:t>  User(const User &amp;</a:t>
+            </a:r>
+            <a:r>
+              <a:rPr lang="en-US" altLang="ko-KR" sz="1600" dirty="0" err="1">
+                <a:latin typeface="DM Mono" panose="020B0509040201040103" pitchFamily="49" charset="0"/>
+              </a:rPr>
+              <a:t>rhs</a:t>
+            </a:r>
+            <a:r>
+              <a:rPr lang="en-US" altLang="ko-KR" sz="1600" dirty="0">
+                <a:latin typeface="DM Mono" panose="020B0509040201040103" pitchFamily="49" charset="0"/>
+              </a:rPr>
+              <a:t>)</a:t>
+            </a:r>
+          </a:p>
+          <a:p>
+            <a:r>
+              <a:rPr lang="en-US" altLang="ko-KR" sz="1600" dirty="0">
+                <a:latin typeface="DM Mono" panose="020B0509040201040103" pitchFamily="49" charset="0"/>
+              </a:rPr>
+              <a:t>   : name{</a:t>
+            </a:r>
+            <a:r>
+              <a:rPr lang="en-US" altLang="ko-KR" sz="1600" dirty="0" err="1">
+                <a:latin typeface="DM Mono" panose="020B0509040201040103" pitchFamily="49" charset="0"/>
+              </a:rPr>
+              <a:t>rhs.name</a:t>
+            </a:r>
+            <a:r>
+              <a:rPr lang="en-US" altLang="ko-KR" sz="1600" dirty="0">
+                <a:latin typeface="DM Mono" panose="020B0509040201040103" pitchFamily="49" charset="0"/>
+              </a:rPr>
+              <a:t>}, age{</a:t>
+            </a:r>
+            <a:r>
+              <a:rPr lang="en-US" altLang="ko-KR" sz="1600" dirty="0" err="1">
+                <a:latin typeface="DM Mono" panose="020B0509040201040103" pitchFamily="49" charset="0"/>
+              </a:rPr>
+              <a:t>rhs.age</a:t>
+            </a:r>
+            <a:r>
+              <a:rPr lang="en-US" altLang="ko-KR" sz="1600" dirty="0">
+                <a:latin typeface="DM Mono" panose="020B0509040201040103" pitchFamily="49" charset="0"/>
+              </a:rPr>
+              <a:t>} {}</a:t>
+            </a:r>
+          </a:p>
+          <a:p>
+            <a:r>
+              <a:rPr lang="en-US" altLang="ko-KR" sz="1600" dirty="0">
+                <a:latin typeface="DM Mono" panose="020B0509040201040103" pitchFamily="49" charset="0"/>
+              </a:rPr>
+              <a:t>};</a:t>
+            </a:r>
+          </a:p>
+          <a:p>
+            <a:br>
+              <a:rPr lang="en-US" altLang="ko-KR" sz="1600" dirty="0">
+                <a:latin typeface="DM Mono" panose="020B0509040201040103" pitchFamily="49" charset="0"/>
+              </a:rPr>
+            </a:br>
+            <a:endParaRPr lang="en-US" altLang="ko-KR" sz="1600" dirty="0">
+              <a:solidFill>
+                <a:srgbClr val="FF0000"/>
+              </a:solidFill>
+              <a:latin typeface="DM Mono" panose="020B0509040201040103" pitchFamily="49" charset="0"/>
+            </a:endParaRPr>
+          </a:p>
+        </p:txBody>
+      </p:sp>
+      <p:sp>
+        <p:nvSpPr>
+          <p:cNvPr id="14" name="직사각형 13">
+            <a:extLst>
+              <a:ext uri="{FF2B5EF4-FFF2-40B4-BE49-F238E27FC236}">
+                <a16:creationId xmlns:a16="http://schemas.microsoft.com/office/drawing/2014/main" id="{17DAC7A6-344A-FDDF-6C43-E3D905E04925}"/>
+              </a:ext>
+            </a:extLst>
+          </p:cNvPr>
+          <p:cNvSpPr/>
+          <p:nvPr/>
+        </p:nvSpPr>
+        <p:spPr>
+          <a:xfrm>
+            <a:off x="6191250" y="785876"/>
+            <a:ext cx="1287379" cy="605567"/>
+          </a:xfrm>
+          <a:prstGeom prst="rect">
+            <a:avLst/>
+          </a:prstGeom>
+        </p:spPr>
+        <p:style>
+          <a:lnRef idx="2">
+            <a:schemeClr val="accent4">
+              <a:shade val="15000"/>
+            </a:schemeClr>
+          </a:lnRef>
+          <a:fillRef idx="1">
+            <a:schemeClr val="accent4"/>
+          </a:fillRef>
+          <a:effectRef idx="0">
+            <a:schemeClr val="accent4"/>
+          </a:effectRef>
+          <a:fontRef idx="minor">
+            <a:schemeClr val="lt1"/>
+          </a:fontRef>
+        </p:style>
+        <p:txBody>
+          <a:bodyPr rtlCol="0" anchor="ctr"/>
+          <a:lstStyle/>
+          <a:p>
+            <a:pPr algn="ctr"/>
+            <a:r>
+              <a:rPr kumimoji="1" lang="en-US" altLang="ko-KR" dirty="0">
+                <a:solidFill>
+                  <a:schemeClr val="tx1"/>
+                </a:solidFill>
+                <a:latin typeface="DM Mono" panose="020B0509040201040103" pitchFamily="49" charset="0"/>
+              </a:rPr>
+              <a:t>0x100</a:t>
+            </a:r>
+            <a:endParaRPr kumimoji="1" lang="ko-KR" altLang="en-US" dirty="0">
+              <a:solidFill>
+                <a:schemeClr val="tx1"/>
+              </a:solidFill>
+              <a:latin typeface="DM Mono" panose="020B0509040201040103" pitchFamily="49" charset="0"/>
+            </a:endParaRPr>
+          </a:p>
+        </p:txBody>
+      </p:sp>
+      <p:sp>
+        <p:nvSpPr>
+          <p:cNvPr id="15" name="TextBox 14">
+            <a:extLst>
+              <a:ext uri="{FF2B5EF4-FFF2-40B4-BE49-F238E27FC236}">
+                <a16:creationId xmlns:a16="http://schemas.microsoft.com/office/drawing/2014/main" id="{9E217697-3AE7-F6C7-2929-E5F29A26AB49}"/>
+              </a:ext>
+            </a:extLst>
+          </p:cNvPr>
+          <p:cNvSpPr txBox="1"/>
+          <p:nvPr/>
+        </p:nvSpPr>
+        <p:spPr>
+          <a:xfrm>
+            <a:off x="5140993" y="903993"/>
+            <a:ext cx="1050257" cy="369332"/>
+          </a:xfrm>
+          <a:prstGeom prst="rect">
+            <a:avLst/>
+          </a:prstGeom>
+          <a:noFill/>
+        </p:spPr>
+        <p:txBody>
+          <a:bodyPr wrap="square" rtlCol="0">
+            <a:spAutoFit/>
+          </a:bodyPr>
+          <a:lstStyle/>
+          <a:p>
+            <a:pPr algn="r"/>
+            <a:r>
+              <a:rPr kumimoji="1" lang="en-US" altLang="ko-KR" dirty="0">
+                <a:latin typeface="DM Mono" panose="020B0509040201040103" pitchFamily="49" charset="0"/>
+              </a:rPr>
+              <a:t>name</a:t>
+            </a:r>
+            <a:endParaRPr kumimoji="1" lang="ko-KR" altLang="en-US" dirty="0">
+              <a:latin typeface="DM Mono" panose="020B0509040201040103" pitchFamily="49" charset="0"/>
+            </a:endParaRPr>
+          </a:p>
+        </p:txBody>
+      </p:sp>
+      <p:sp>
+        <p:nvSpPr>
+          <p:cNvPr id="16" name="TextBox 15">
+            <a:extLst>
+              <a:ext uri="{FF2B5EF4-FFF2-40B4-BE49-F238E27FC236}">
+                <a16:creationId xmlns:a16="http://schemas.microsoft.com/office/drawing/2014/main" id="{27106674-E6FC-3726-ADEF-786717E9A9E9}"/>
+              </a:ext>
+            </a:extLst>
+          </p:cNvPr>
+          <p:cNvSpPr txBox="1"/>
+          <p:nvPr/>
+        </p:nvSpPr>
+        <p:spPr>
+          <a:xfrm>
+            <a:off x="6191249" y="364976"/>
+            <a:ext cx="1287379" cy="369332"/>
+          </a:xfrm>
+          <a:prstGeom prst="rect">
+            <a:avLst/>
+          </a:prstGeom>
+          <a:noFill/>
+        </p:spPr>
+        <p:txBody>
+          <a:bodyPr wrap="square" rtlCol="0">
+            <a:spAutoFit/>
+          </a:bodyPr>
+          <a:lstStyle/>
+          <a:p>
+            <a:pPr algn="ctr"/>
+            <a:r>
+              <a:rPr kumimoji="1" lang="en-US" altLang="ko-KR" dirty="0">
+                <a:latin typeface="DM Mono" panose="020B0509040201040103" pitchFamily="49" charset="0"/>
+              </a:rPr>
+              <a:t>user</a:t>
+            </a:r>
+            <a:endParaRPr kumimoji="1" lang="ko-KR" altLang="en-US" dirty="0">
+              <a:latin typeface="DM Mono" panose="020B0509040201040103" pitchFamily="49" charset="0"/>
+            </a:endParaRPr>
+          </a:p>
+        </p:txBody>
+      </p:sp>
+      <p:sp>
+        <p:nvSpPr>
+          <p:cNvPr id="17" name="직사각형 16">
+            <a:extLst>
+              <a:ext uri="{FF2B5EF4-FFF2-40B4-BE49-F238E27FC236}">
+                <a16:creationId xmlns:a16="http://schemas.microsoft.com/office/drawing/2014/main" id="{5A694F3D-3DE9-8E51-A137-7C2A251F1A93}"/>
+              </a:ext>
+            </a:extLst>
+          </p:cNvPr>
+          <p:cNvSpPr/>
+          <p:nvPr/>
+        </p:nvSpPr>
+        <p:spPr>
+          <a:xfrm>
+            <a:off x="6191250" y="1391442"/>
+            <a:ext cx="1287379" cy="605567"/>
+          </a:xfrm>
+          <a:prstGeom prst="rect">
+            <a:avLst/>
+          </a:prstGeom>
+        </p:spPr>
+        <p:style>
+          <a:lnRef idx="2">
+            <a:schemeClr val="accent4">
+              <a:shade val="15000"/>
+            </a:schemeClr>
+          </a:lnRef>
+          <a:fillRef idx="1">
+            <a:schemeClr val="accent4"/>
+          </a:fillRef>
+          <a:effectRef idx="0">
+            <a:schemeClr val="accent4"/>
+          </a:effectRef>
+          <a:fontRef idx="minor">
+            <a:schemeClr val="lt1"/>
+          </a:fontRef>
+        </p:style>
+        <p:txBody>
+          <a:bodyPr rtlCol="0" anchor="ctr"/>
+          <a:lstStyle/>
+          <a:p>
+            <a:pPr algn="ctr"/>
+            <a:r>
+              <a:rPr kumimoji="1" lang="en-US" altLang="ko-KR" dirty="0">
+                <a:solidFill>
+                  <a:schemeClr val="tx1"/>
+                </a:solidFill>
+                <a:latin typeface="DM Mono" panose="020B0509040201040103" pitchFamily="49" charset="0"/>
+              </a:rPr>
+              <a:t>42</a:t>
+            </a:r>
+            <a:endParaRPr kumimoji="1" lang="ko-KR" altLang="en-US" dirty="0">
+              <a:solidFill>
+                <a:schemeClr val="tx1"/>
+              </a:solidFill>
+              <a:latin typeface="DM Mono" panose="020B0509040201040103" pitchFamily="49" charset="0"/>
+            </a:endParaRPr>
+          </a:p>
+        </p:txBody>
+      </p:sp>
+      <p:sp>
+        <p:nvSpPr>
+          <p:cNvPr id="18" name="TextBox 17">
+            <a:extLst>
+              <a:ext uri="{FF2B5EF4-FFF2-40B4-BE49-F238E27FC236}">
+                <a16:creationId xmlns:a16="http://schemas.microsoft.com/office/drawing/2014/main" id="{C6C7B8EA-53AF-B7EB-C0A0-26A572658B4A}"/>
+              </a:ext>
+            </a:extLst>
+          </p:cNvPr>
+          <p:cNvSpPr txBox="1"/>
+          <p:nvPr/>
+        </p:nvSpPr>
+        <p:spPr>
+          <a:xfrm>
+            <a:off x="5140993" y="1509559"/>
+            <a:ext cx="1050257" cy="369332"/>
+          </a:xfrm>
+          <a:prstGeom prst="rect">
+            <a:avLst/>
+          </a:prstGeom>
+          <a:noFill/>
+        </p:spPr>
+        <p:txBody>
+          <a:bodyPr wrap="square" rtlCol="0">
+            <a:spAutoFit/>
+          </a:bodyPr>
+          <a:lstStyle/>
+          <a:p>
+            <a:pPr algn="r"/>
+            <a:r>
+              <a:rPr kumimoji="1" lang="en-US" altLang="ko-KR" dirty="0">
+                <a:latin typeface="DM Mono" panose="020B0509040201040103" pitchFamily="49" charset="0"/>
+              </a:rPr>
+              <a:t>age</a:t>
+            </a:r>
+            <a:endParaRPr kumimoji="1" lang="ko-KR" altLang="en-US" dirty="0">
+              <a:latin typeface="DM Mono" panose="020B0509040201040103" pitchFamily="49" charset="0"/>
+            </a:endParaRPr>
+          </a:p>
+        </p:txBody>
+      </p:sp>
+      <p:sp>
+        <p:nvSpPr>
+          <p:cNvPr id="20" name="직사각형 19">
+            <a:extLst>
+              <a:ext uri="{FF2B5EF4-FFF2-40B4-BE49-F238E27FC236}">
+                <a16:creationId xmlns:a16="http://schemas.microsoft.com/office/drawing/2014/main" id="{906C5E93-AACC-7C3C-45C1-23A3B3F9DBC5}"/>
+              </a:ext>
+            </a:extLst>
+          </p:cNvPr>
+          <p:cNvSpPr/>
+          <p:nvPr/>
+        </p:nvSpPr>
+        <p:spPr>
+          <a:xfrm>
+            <a:off x="10521260" y="483092"/>
+            <a:ext cx="1287379" cy="605567"/>
+          </a:xfrm>
+          <a:prstGeom prst="rect">
+            <a:avLst/>
+          </a:prstGeom>
+          <a:solidFill>
+            <a:srgbClr val="FF0000"/>
+          </a:solidFill>
+        </p:spPr>
+        <p:style>
+          <a:lnRef idx="2">
+            <a:schemeClr val="accent4">
+              <a:shade val="15000"/>
+            </a:schemeClr>
+          </a:lnRef>
+          <a:fillRef idx="1">
+            <a:schemeClr val="accent4"/>
+          </a:fillRef>
+          <a:effectRef idx="0">
+            <a:schemeClr val="accent4"/>
+          </a:effectRef>
+          <a:fontRef idx="minor">
+            <a:schemeClr val="lt1"/>
+          </a:fontRef>
+        </p:style>
+        <p:txBody>
+          <a:bodyPr rtlCol="0" anchor="ctr"/>
+          <a:lstStyle/>
+          <a:p>
+            <a:pPr algn="ctr"/>
+            <a:r>
+              <a:rPr kumimoji="1" lang="en-US" altLang="ko-KR" dirty="0">
+                <a:solidFill>
+                  <a:schemeClr val="tx1"/>
+                </a:solidFill>
+                <a:latin typeface="DM Mono" panose="020B0509040201040103" pitchFamily="49" charset="0"/>
+              </a:rPr>
+              <a:t>“Tom”</a:t>
+            </a:r>
+            <a:endParaRPr kumimoji="1" lang="ko-KR" altLang="en-US" dirty="0">
+              <a:solidFill>
+                <a:schemeClr val="tx1"/>
+              </a:solidFill>
+              <a:latin typeface="DM Mono" panose="020B0509040201040103" pitchFamily="49" charset="0"/>
+            </a:endParaRPr>
+          </a:p>
+        </p:txBody>
+      </p:sp>
+      <p:cxnSp>
+        <p:nvCxnSpPr>
+          <p:cNvPr id="24" name="구부러진 연결선[U] 23">
+            <a:extLst>
+              <a:ext uri="{FF2B5EF4-FFF2-40B4-BE49-F238E27FC236}">
+                <a16:creationId xmlns:a16="http://schemas.microsoft.com/office/drawing/2014/main" id="{C4F726A7-B949-819D-BA14-60FCD4E4F753}"/>
+              </a:ext>
+            </a:extLst>
+          </p:cNvPr>
+          <p:cNvCxnSpPr>
+            <a:cxnSpLocks/>
+            <a:endCxn id="20" idx="1"/>
+          </p:cNvCxnSpPr>
+          <p:nvPr/>
+        </p:nvCxnSpPr>
+        <p:spPr>
+          <a:xfrm flipV="1">
+            <a:off x="7478628" y="785876"/>
+            <a:ext cx="3042632" cy="302783"/>
+          </a:xfrm>
+          <a:prstGeom prst="curvedConnector3">
+            <a:avLst/>
+          </a:prstGeom>
+          <a:ln w="12700">
+            <a:tailEnd type="triangle"/>
+          </a:ln>
+        </p:spPr>
+        <p:style>
+          <a:lnRef idx="1">
+            <a:schemeClr val="dk1"/>
+          </a:lnRef>
+          <a:fillRef idx="0">
+            <a:schemeClr val="dk1"/>
+          </a:fillRef>
+          <a:effectRef idx="0">
+            <a:schemeClr val="dk1"/>
+          </a:effectRef>
+          <a:fontRef idx="minor">
+            <a:schemeClr val="tx1"/>
+          </a:fontRef>
+        </p:style>
+      </p:cxnSp>
+    </p:spTree>
+    <p:extLst>
+      <p:ext uri="{BB962C8B-B14F-4D97-AF65-F5344CB8AC3E}">
+        <p14:creationId xmlns:p14="http://schemas.microsoft.com/office/powerpoint/2010/main" val="3387611188"/>
       </p:ext>
     </p:extLst>
   </p:cSld>

--- a/cpp_250512.pptx
+++ b/cpp_250512.pptx
@@ -5,7 +5,7 @@
     <p:sldMasterId id="2147483648" r:id="rId1"/>
   </p:sldMasterIdLst>
   <p:notesMasterIdLst>
-    <p:notesMasterId r:id="rId48"/>
+    <p:notesMasterId r:id="rId54"/>
   </p:notesMasterIdLst>
   <p:sldIdLst>
     <p:sldId id="256" r:id="rId2"/>
@@ -54,6 +54,12 @@
     <p:sldId id="299" r:id="rId45"/>
     <p:sldId id="300" r:id="rId46"/>
     <p:sldId id="301" r:id="rId47"/>
+    <p:sldId id="302" r:id="rId48"/>
+    <p:sldId id="303" r:id="rId49"/>
+    <p:sldId id="304" r:id="rId50"/>
+    <p:sldId id="305" r:id="rId51"/>
+    <p:sldId id="306" r:id="rId52"/>
+    <p:sldId id="307" r:id="rId53"/>
   </p:sldIdLst>
   <p:sldSz cx="12192000" cy="6858000"/>
   <p:notesSz cx="6858000" cy="9144000"/>
@@ -1373,6 +1379,330 @@
 </p:notes>
 </file>
 
+<file path=ppt/notesSlides/notesSlide17.xml><?xml version="1.0" encoding="utf-8"?>
+<p:notes xmlns:a="http://schemas.openxmlformats.org/drawingml/2006/main" xmlns:r="http://schemas.openxmlformats.org/officeDocument/2006/relationships" xmlns:p="http://schemas.openxmlformats.org/presentationml/2006/main">
+  <p:cSld>
+    <p:spTree>
+      <p:nvGrpSpPr>
+        <p:cNvPr id="1" name="">
+          <a:extLst>
+            <a:ext uri="{FF2B5EF4-FFF2-40B4-BE49-F238E27FC236}">
+              <a16:creationId xmlns:a16="http://schemas.microsoft.com/office/drawing/2014/main" id="{CF94EE4B-434B-8D6F-DCE4-33196AA29073}"/>
+            </a:ext>
+          </a:extLst>
+        </p:cNvPr>
+        <p:cNvGrpSpPr/>
+        <p:nvPr/>
+      </p:nvGrpSpPr>
+      <p:grpSpPr>
+        <a:xfrm>
+          <a:off x="0" y="0"/>
+          <a:ext cx="0" cy="0"/>
+          <a:chOff x="0" y="0"/>
+          <a:chExt cx="0" cy="0"/>
+        </a:xfrm>
+      </p:grpSpPr>
+      <p:sp>
+        <p:nvSpPr>
+          <p:cNvPr id="2" name="슬라이드 이미지 개체 틀 1">
+            <a:extLst>
+              <a:ext uri="{FF2B5EF4-FFF2-40B4-BE49-F238E27FC236}">
+                <a16:creationId xmlns:a16="http://schemas.microsoft.com/office/drawing/2014/main" id="{21FFE3D0-879B-8A62-553C-C773ECE90567}"/>
+              </a:ext>
+            </a:extLst>
+          </p:cNvPr>
+          <p:cNvSpPr>
+            <a:spLocks noGrp="1" noRot="1" noChangeAspect="1"/>
+          </p:cNvSpPr>
+          <p:nvPr>
+            <p:ph type="sldImg"/>
+          </p:nvPr>
+        </p:nvSpPr>
+        <p:spPr/>
+      </p:sp>
+      <p:sp>
+        <p:nvSpPr>
+          <p:cNvPr id="3" name="슬라이드 노트 개체 틀 2">
+            <a:extLst>
+              <a:ext uri="{FF2B5EF4-FFF2-40B4-BE49-F238E27FC236}">
+                <a16:creationId xmlns:a16="http://schemas.microsoft.com/office/drawing/2014/main" id="{58F2E509-E579-2DD0-0EC7-72D2B2D6D705}"/>
+              </a:ext>
+            </a:extLst>
+          </p:cNvPr>
+          <p:cNvSpPr>
+            <a:spLocks noGrp="1"/>
+          </p:cNvSpPr>
+          <p:nvPr>
+            <p:ph type="body" idx="1"/>
+          </p:nvPr>
+        </p:nvSpPr>
+        <p:spPr/>
+        <p:txBody>
+          <a:bodyPr/>
+          <a:lstStyle/>
+          <a:p>
+            <a:endParaRPr kumimoji="1" lang="ko-KR" altLang="en-US" dirty="0"/>
+          </a:p>
+        </p:txBody>
+      </p:sp>
+      <p:sp>
+        <p:nvSpPr>
+          <p:cNvPr id="4" name="슬라이드 번호 개체 틀 3">
+            <a:extLst>
+              <a:ext uri="{FF2B5EF4-FFF2-40B4-BE49-F238E27FC236}">
+                <a16:creationId xmlns:a16="http://schemas.microsoft.com/office/drawing/2014/main" id="{B56C6834-5107-CB87-77BE-0EDD00EF5970}"/>
+              </a:ext>
+            </a:extLst>
+          </p:cNvPr>
+          <p:cNvSpPr>
+            <a:spLocks noGrp="1"/>
+          </p:cNvSpPr>
+          <p:nvPr>
+            <p:ph type="sldNum" sz="quarter" idx="5"/>
+          </p:nvPr>
+        </p:nvSpPr>
+        <p:spPr/>
+        <p:txBody>
+          <a:bodyPr/>
+          <a:lstStyle/>
+          <a:p>
+            <a:fld id="{BBC37A49-42EF-4349-9CBC-D62872BEEC98}" type="slidenum">
+              <a:rPr kumimoji="1" lang="ko-KR" altLang="en-US" smtClean="0"/>
+              <a:t>47</a:t>
+            </a:fld>
+            <a:endParaRPr kumimoji="1" lang="ko-KR" altLang="en-US"/>
+          </a:p>
+        </p:txBody>
+      </p:sp>
+    </p:spTree>
+    <p:extLst>
+      <p:ext uri="{BB962C8B-B14F-4D97-AF65-F5344CB8AC3E}">
+        <p14:creationId xmlns:p14="http://schemas.microsoft.com/office/powerpoint/2010/main" val="3606269153"/>
+      </p:ext>
+    </p:extLst>
+  </p:cSld>
+  <p:clrMapOvr>
+    <a:masterClrMapping/>
+  </p:clrMapOvr>
+</p:notes>
+</file>
+
+<file path=ppt/notesSlides/notesSlide18.xml><?xml version="1.0" encoding="utf-8"?>
+<p:notes xmlns:a="http://schemas.openxmlformats.org/drawingml/2006/main" xmlns:r="http://schemas.openxmlformats.org/officeDocument/2006/relationships" xmlns:p="http://schemas.openxmlformats.org/presentationml/2006/main">
+  <p:cSld>
+    <p:spTree>
+      <p:nvGrpSpPr>
+        <p:cNvPr id="1" name="">
+          <a:extLst>
+            <a:ext uri="{FF2B5EF4-FFF2-40B4-BE49-F238E27FC236}">
+              <a16:creationId xmlns:a16="http://schemas.microsoft.com/office/drawing/2014/main" id="{1A1DD6D3-DAAA-E61F-A1AB-1E02857932BE}"/>
+            </a:ext>
+          </a:extLst>
+        </p:cNvPr>
+        <p:cNvGrpSpPr/>
+        <p:nvPr/>
+      </p:nvGrpSpPr>
+      <p:grpSpPr>
+        <a:xfrm>
+          <a:off x="0" y="0"/>
+          <a:ext cx="0" cy="0"/>
+          <a:chOff x="0" y="0"/>
+          <a:chExt cx="0" cy="0"/>
+        </a:xfrm>
+      </p:grpSpPr>
+      <p:sp>
+        <p:nvSpPr>
+          <p:cNvPr id="2" name="슬라이드 이미지 개체 틀 1">
+            <a:extLst>
+              <a:ext uri="{FF2B5EF4-FFF2-40B4-BE49-F238E27FC236}">
+                <a16:creationId xmlns:a16="http://schemas.microsoft.com/office/drawing/2014/main" id="{D01AAF17-123E-1034-20DD-A84C793F7C41}"/>
+              </a:ext>
+            </a:extLst>
+          </p:cNvPr>
+          <p:cNvSpPr>
+            <a:spLocks noGrp="1" noRot="1" noChangeAspect="1"/>
+          </p:cNvSpPr>
+          <p:nvPr>
+            <p:ph type="sldImg"/>
+          </p:nvPr>
+        </p:nvSpPr>
+        <p:spPr/>
+      </p:sp>
+      <p:sp>
+        <p:nvSpPr>
+          <p:cNvPr id="3" name="슬라이드 노트 개체 틀 2">
+            <a:extLst>
+              <a:ext uri="{FF2B5EF4-FFF2-40B4-BE49-F238E27FC236}">
+                <a16:creationId xmlns:a16="http://schemas.microsoft.com/office/drawing/2014/main" id="{2FFF5D67-1098-F654-1875-C56791068D0A}"/>
+              </a:ext>
+            </a:extLst>
+          </p:cNvPr>
+          <p:cNvSpPr>
+            <a:spLocks noGrp="1"/>
+          </p:cNvSpPr>
+          <p:nvPr>
+            <p:ph type="body" idx="1"/>
+          </p:nvPr>
+        </p:nvSpPr>
+        <p:spPr/>
+        <p:txBody>
+          <a:bodyPr/>
+          <a:lstStyle/>
+          <a:p>
+            <a:endParaRPr kumimoji="1" lang="ko-KR" altLang="en-US" dirty="0"/>
+          </a:p>
+        </p:txBody>
+      </p:sp>
+      <p:sp>
+        <p:nvSpPr>
+          <p:cNvPr id="4" name="슬라이드 번호 개체 틀 3">
+            <a:extLst>
+              <a:ext uri="{FF2B5EF4-FFF2-40B4-BE49-F238E27FC236}">
+                <a16:creationId xmlns:a16="http://schemas.microsoft.com/office/drawing/2014/main" id="{17D2C013-88ED-3E9B-87B8-725DBE141927}"/>
+              </a:ext>
+            </a:extLst>
+          </p:cNvPr>
+          <p:cNvSpPr>
+            <a:spLocks noGrp="1"/>
+          </p:cNvSpPr>
+          <p:nvPr>
+            <p:ph type="sldNum" sz="quarter" idx="5"/>
+          </p:nvPr>
+        </p:nvSpPr>
+        <p:spPr/>
+        <p:txBody>
+          <a:bodyPr/>
+          <a:lstStyle/>
+          <a:p>
+            <a:fld id="{BBC37A49-42EF-4349-9CBC-D62872BEEC98}" type="slidenum">
+              <a:rPr kumimoji="1" lang="ko-KR" altLang="en-US" smtClean="0"/>
+              <a:t>48</a:t>
+            </a:fld>
+            <a:endParaRPr kumimoji="1" lang="ko-KR" altLang="en-US"/>
+          </a:p>
+        </p:txBody>
+      </p:sp>
+    </p:spTree>
+    <p:extLst>
+      <p:ext uri="{BB962C8B-B14F-4D97-AF65-F5344CB8AC3E}">
+        <p14:creationId xmlns:p14="http://schemas.microsoft.com/office/powerpoint/2010/main" val="3424176100"/>
+      </p:ext>
+    </p:extLst>
+  </p:cSld>
+  <p:clrMapOvr>
+    <a:masterClrMapping/>
+  </p:clrMapOvr>
+</p:notes>
+</file>
+
+<file path=ppt/notesSlides/notesSlide19.xml><?xml version="1.0" encoding="utf-8"?>
+<p:notes xmlns:a="http://schemas.openxmlformats.org/drawingml/2006/main" xmlns:r="http://schemas.openxmlformats.org/officeDocument/2006/relationships" xmlns:p="http://schemas.openxmlformats.org/presentationml/2006/main">
+  <p:cSld>
+    <p:spTree>
+      <p:nvGrpSpPr>
+        <p:cNvPr id="1" name="">
+          <a:extLst>
+            <a:ext uri="{FF2B5EF4-FFF2-40B4-BE49-F238E27FC236}">
+              <a16:creationId xmlns:a16="http://schemas.microsoft.com/office/drawing/2014/main" id="{F2B6CF35-37B7-196B-041A-5D2033BF6F47}"/>
+            </a:ext>
+          </a:extLst>
+        </p:cNvPr>
+        <p:cNvGrpSpPr/>
+        <p:nvPr/>
+      </p:nvGrpSpPr>
+      <p:grpSpPr>
+        <a:xfrm>
+          <a:off x="0" y="0"/>
+          <a:ext cx="0" cy="0"/>
+          <a:chOff x="0" y="0"/>
+          <a:chExt cx="0" cy="0"/>
+        </a:xfrm>
+      </p:grpSpPr>
+      <p:sp>
+        <p:nvSpPr>
+          <p:cNvPr id="2" name="슬라이드 이미지 개체 틀 1">
+            <a:extLst>
+              <a:ext uri="{FF2B5EF4-FFF2-40B4-BE49-F238E27FC236}">
+                <a16:creationId xmlns:a16="http://schemas.microsoft.com/office/drawing/2014/main" id="{7FC3C7E7-7B7C-7FED-ACAF-35E075716A76}"/>
+              </a:ext>
+            </a:extLst>
+          </p:cNvPr>
+          <p:cNvSpPr>
+            <a:spLocks noGrp="1" noRot="1" noChangeAspect="1"/>
+          </p:cNvSpPr>
+          <p:nvPr>
+            <p:ph type="sldImg"/>
+          </p:nvPr>
+        </p:nvSpPr>
+        <p:spPr/>
+      </p:sp>
+      <p:sp>
+        <p:nvSpPr>
+          <p:cNvPr id="3" name="슬라이드 노트 개체 틀 2">
+            <a:extLst>
+              <a:ext uri="{FF2B5EF4-FFF2-40B4-BE49-F238E27FC236}">
+                <a16:creationId xmlns:a16="http://schemas.microsoft.com/office/drawing/2014/main" id="{BB3247AC-AF37-F6D5-EFA5-009E6DB856F8}"/>
+              </a:ext>
+            </a:extLst>
+          </p:cNvPr>
+          <p:cNvSpPr>
+            <a:spLocks noGrp="1"/>
+          </p:cNvSpPr>
+          <p:nvPr>
+            <p:ph type="body" idx="1"/>
+          </p:nvPr>
+        </p:nvSpPr>
+        <p:spPr/>
+        <p:txBody>
+          <a:bodyPr/>
+          <a:lstStyle/>
+          <a:p>
+            <a:endParaRPr kumimoji="1" lang="ko-KR" altLang="en-US" dirty="0"/>
+          </a:p>
+        </p:txBody>
+      </p:sp>
+      <p:sp>
+        <p:nvSpPr>
+          <p:cNvPr id="4" name="슬라이드 번호 개체 틀 3">
+            <a:extLst>
+              <a:ext uri="{FF2B5EF4-FFF2-40B4-BE49-F238E27FC236}">
+                <a16:creationId xmlns:a16="http://schemas.microsoft.com/office/drawing/2014/main" id="{069A50C5-6F6E-4875-C192-333F3AC8D473}"/>
+              </a:ext>
+            </a:extLst>
+          </p:cNvPr>
+          <p:cNvSpPr>
+            <a:spLocks noGrp="1"/>
+          </p:cNvSpPr>
+          <p:nvPr>
+            <p:ph type="sldNum" sz="quarter" idx="5"/>
+          </p:nvPr>
+        </p:nvSpPr>
+        <p:spPr/>
+        <p:txBody>
+          <a:bodyPr/>
+          <a:lstStyle/>
+          <a:p>
+            <a:fld id="{BBC37A49-42EF-4349-9CBC-D62872BEEC98}" type="slidenum">
+              <a:rPr kumimoji="1" lang="ko-KR" altLang="en-US" smtClean="0"/>
+              <a:t>49</a:t>
+            </a:fld>
+            <a:endParaRPr kumimoji="1" lang="ko-KR" altLang="en-US"/>
+          </a:p>
+        </p:txBody>
+      </p:sp>
+    </p:spTree>
+    <p:extLst>
+      <p:ext uri="{BB962C8B-B14F-4D97-AF65-F5344CB8AC3E}">
+        <p14:creationId xmlns:p14="http://schemas.microsoft.com/office/powerpoint/2010/main" val="1744384586"/>
+      </p:ext>
+    </p:extLst>
+  </p:cSld>
+  <p:clrMapOvr>
+    <a:masterClrMapping/>
+  </p:clrMapOvr>
+</p:notes>
+</file>
+
 <file path=ppt/notesSlides/notesSlide2.xml><?xml version="1.0" encoding="utf-8"?>
 <p:notes xmlns:a="http://schemas.openxmlformats.org/drawingml/2006/main" xmlns:r="http://schemas.openxmlformats.org/officeDocument/2006/relationships" xmlns:p="http://schemas.openxmlformats.org/presentationml/2006/main">
   <p:cSld>
@@ -1448,6 +1778,330 @@
     <p:extLst>
       <p:ext uri="{BB962C8B-B14F-4D97-AF65-F5344CB8AC3E}">
         <p14:creationId xmlns:p14="http://schemas.microsoft.com/office/powerpoint/2010/main" val="590177398"/>
+      </p:ext>
+    </p:extLst>
+  </p:cSld>
+  <p:clrMapOvr>
+    <a:masterClrMapping/>
+  </p:clrMapOvr>
+</p:notes>
+</file>
+
+<file path=ppt/notesSlides/notesSlide20.xml><?xml version="1.0" encoding="utf-8"?>
+<p:notes xmlns:a="http://schemas.openxmlformats.org/drawingml/2006/main" xmlns:r="http://schemas.openxmlformats.org/officeDocument/2006/relationships" xmlns:p="http://schemas.openxmlformats.org/presentationml/2006/main">
+  <p:cSld>
+    <p:spTree>
+      <p:nvGrpSpPr>
+        <p:cNvPr id="1" name="">
+          <a:extLst>
+            <a:ext uri="{FF2B5EF4-FFF2-40B4-BE49-F238E27FC236}">
+              <a16:creationId xmlns:a16="http://schemas.microsoft.com/office/drawing/2014/main" id="{473939F4-EF47-6687-762B-5651A28CCBE2}"/>
+            </a:ext>
+          </a:extLst>
+        </p:cNvPr>
+        <p:cNvGrpSpPr/>
+        <p:nvPr/>
+      </p:nvGrpSpPr>
+      <p:grpSpPr>
+        <a:xfrm>
+          <a:off x="0" y="0"/>
+          <a:ext cx="0" cy="0"/>
+          <a:chOff x="0" y="0"/>
+          <a:chExt cx="0" cy="0"/>
+        </a:xfrm>
+      </p:grpSpPr>
+      <p:sp>
+        <p:nvSpPr>
+          <p:cNvPr id="2" name="슬라이드 이미지 개체 틀 1">
+            <a:extLst>
+              <a:ext uri="{FF2B5EF4-FFF2-40B4-BE49-F238E27FC236}">
+                <a16:creationId xmlns:a16="http://schemas.microsoft.com/office/drawing/2014/main" id="{376F0BE1-6BAE-7937-3D55-8DD30DEB0E10}"/>
+              </a:ext>
+            </a:extLst>
+          </p:cNvPr>
+          <p:cNvSpPr>
+            <a:spLocks noGrp="1" noRot="1" noChangeAspect="1"/>
+          </p:cNvSpPr>
+          <p:nvPr>
+            <p:ph type="sldImg"/>
+          </p:nvPr>
+        </p:nvSpPr>
+        <p:spPr/>
+      </p:sp>
+      <p:sp>
+        <p:nvSpPr>
+          <p:cNvPr id="3" name="슬라이드 노트 개체 틀 2">
+            <a:extLst>
+              <a:ext uri="{FF2B5EF4-FFF2-40B4-BE49-F238E27FC236}">
+                <a16:creationId xmlns:a16="http://schemas.microsoft.com/office/drawing/2014/main" id="{BC3ED6CF-C116-7E43-94AF-8CCD74060C2B}"/>
+              </a:ext>
+            </a:extLst>
+          </p:cNvPr>
+          <p:cNvSpPr>
+            <a:spLocks noGrp="1"/>
+          </p:cNvSpPr>
+          <p:nvPr>
+            <p:ph type="body" idx="1"/>
+          </p:nvPr>
+        </p:nvSpPr>
+        <p:spPr/>
+        <p:txBody>
+          <a:bodyPr/>
+          <a:lstStyle/>
+          <a:p>
+            <a:endParaRPr kumimoji="1" lang="ko-KR" altLang="en-US" dirty="0"/>
+          </a:p>
+        </p:txBody>
+      </p:sp>
+      <p:sp>
+        <p:nvSpPr>
+          <p:cNvPr id="4" name="슬라이드 번호 개체 틀 3">
+            <a:extLst>
+              <a:ext uri="{FF2B5EF4-FFF2-40B4-BE49-F238E27FC236}">
+                <a16:creationId xmlns:a16="http://schemas.microsoft.com/office/drawing/2014/main" id="{DE7F0925-9B7B-0BA9-78A9-A2545E2DEE52}"/>
+              </a:ext>
+            </a:extLst>
+          </p:cNvPr>
+          <p:cNvSpPr>
+            <a:spLocks noGrp="1"/>
+          </p:cNvSpPr>
+          <p:nvPr>
+            <p:ph type="sldNum" sz="quarter" idx="5"/>
+          </p:nvPr>
+        </p:nvSpPr>
+        <p:spPr/>
+        <p:txBody>
+          <a:bodyPr/>
+          <a:lstStyle/>
+          <a:p>
+            <a:fld id="{BBC37A49-42EF-4349-9CBC-D62872BEEC98}" type="slidenum">
+              <a:rPr kumimoji="1" lang="ko-KR" altLang="en-US" smtClean="0"/>
+              <a:t>50</a:t>
+            </a:fld>
+            <a:endParaRPr kumimoji="1" lang="ko-KR" altLang="en-US"/>
+          </a:p>
+        </p:txBody>
+      </p:sp>
+    </p:spTree>
+    <p:extLst>
+      <p:ext uri="{BB962C8B-B14F-4D97-AF65-F5344CB8AC3E}">
+        <p14:creationId xmlns:p14="http://schemas.microsoft.com/office/powerpoint/2010/main" val="4062244310"/>
+      </p:ext>
+    </p:extLst>
+  </p:cSld>
+  <p:clrMapOvr>
+    <a:masterClrMapping/>
+  </p:clrMapOvr>
+</p:notes>
+</file>
+
+<file path=ppt/notesSlides/notesSlide21.xml><?xml version="1.0" encoding="utf-8"?>
+<p:notes xmlns:a="http://schemas.openxmlformats.org/drawingml/2006/main" xmlns:r="http://schemas.openxmlformats.org/officeDocument/2006/relationships" xmlns:p="http://schemas.openxmlformats.org/presentationml/2006/main">
+  <p:cSld>
+    <p:spTree>
+      <p:nvGrpSpPr>
+        <p:cNvPr id="1" name="">
+          <a:extLst>
+            <a:ext uri="{FF2B5EF4-FFF2-40B4-BE49-F238E27FC236}">
+              <a16:creationId xmlns:a16="http://schemas.microsoft.com/office/drawing/2014/main" id="{E629C958-9BE5-D894-C7DE-1F8E3384CE15}"/>
+            </a:ext>
+          </a:extLst>
+        </p:cNvPr>
+        <p:cNvGrpSpPr/>
+        <p:nvPr/>
+      </p:nvGrpSpPr>
+      <p:grpSpPr>
+        <a:xfrm>
+          <a:off x="0" y="0"/>
+          <a:ext cx="0" cy="0"/>
+          <a:chOff x="0" y="0"/>
+          <a:chExt cx="0" cy="0"/>
+        </a:xfrm>
+      </p:grpSpPr>
+      <p:sp>
+        <p:nvSpPr>
+          <p:cNvPr id="2" name="슬라이드 이미지 개체 틀 1">
+            <a:extLst>
+              <a:ext uri="{FF2B5EF4-FFF2-40B4-BE49-F238E27FC236}">
+                <a16:creationId xmlns:a16="http://schemas.microsoft.com/office/drawing/2014/main" id="{2ACC0AF9-CC8B-689D-07B6-660884910BF2}"/>
+              </a:ext>
+            </a:extLst>
+          </p:cNvPr>
+          <p:cNvSpPr>
+            <a:spLocks noGrp="1" noRot="1" noChangeAspect="1"/>
+          </p:cNvSpPr>
+          <p:nvPr>
+            <p:ph type="sldImg"/>
+          </p:nvPr>
+        </p:nvSpPr>
+        <p:spPr/>
+      </p:sp>
+      <p:sp>
+        <p:nvSpPr>
+          <p:cNvPr id="3" name="슬라이드 노트 개체 틀 2">
+            <a:extLst>
+              <a:ext uri="{FF2B5EF4-FFF2-40B4-BE49-F238E27FC236}">
+                <a16:creationId xmlns:a16="http://schemas.microsoft.com/office/drawing/2014/main" id="{B35BD0C0-C831-C00E-1F53-D58DBD5A5FF5}"/>
+              </a:ext>
+            </a:extLst>
+          </p:cNvPr>
+          <p:cNvSpPr>
+            <a:spLocks noGrp="1"/>
+          </p:cNvSpPr>
+          <p:nvPr>
+            <p:ph type="body" idx="1"/>
+          </p:nvPr>
+        </p:nvSpPr>
+        <p:spPr/>
+        <p:txBody>
+          <a:bodyPr/>
+          <a:lstStyle/>
+          <a:p>
+            <a:endParaRPr kumimoji="1" lang="ko-KR" altLang="en-US" dirty="0"/>
+          </a:p>
+        </p:txBody>
+      </p:sp>
+      <p:sp>
+        <p:nvSpPr>
+          <p:cNvPr id="4" name="슬라이드 번호 개체 틀 3">
+            <a:extLst>
+              <a:ext uri="{FF2B5EF4-FFF2-40B4-BE49-F238E27FC236}">
+                <a16:creationId xmlns:a16="http://schemas.microsoft.com/office/drawing/2014/main" id="{2150B3F2-344A-4ED1-0D0E-017DDD24B354}"/>
+              </a:ext>
+            </a:extLst>
+          </p:cNvPr>
+          <p:cNvSpPr>
+            <a:spLocks noGrp="1"/>
+          </p:cNvSpPr>
+          <p:nvPr>
+            <p:ph type="sldNum" sz="quarter" idx="5"/>
+          </p:nvPr>
+        </p:nvSpPr>
+        <p:spPr/>
+        <p:txBody>
+          <a:bodyPr/>
+          <a:lstStyle/>
+          <a:p>
+            <a:fld id="{BBC37A49-42EF-4349-9CBC-D62872BEEC98}" type="slidenum">
+              <a:rPr kumimoji="1" lang="ko-KR" altLang="en-US" smtClean="0"/>
+              <a:t>51</a:t>
+            </a:fld>
+            <a:endParaRPr kumimoji="1" lang="ko-KR" altLang="en-US"/>
+          </a:p>
+        </p:txBody>
+      </p:sp>
+    </p:spTree>
+    <p:extLst>
+      <p:ext uri="{BB962C8B-B14F-4D97-AF65-F5344CB8AC3E}">
+        <p14:creationId xmlns:p14="http://schemas.microsoft.com/office/powerpoint/2010/main" val="551264389"/>
+      </p:ext>
+    </p:extLst>
+  </p:cSld>
+  <p:clrMapOvr>
+    <a:masterClrMapping/>
+  </p:clrMapOvr>
+</p:notes>
+</file>
+
+<file path=ppt/notesSlides/notesSlide22.xml><?xml version="1.0" encoding="utf-8"?>
+<p:notes xmlns:a="http://schemas.openxmlformats.org/drawingml/2006/main" xmlns:r="http://schemas.openxmlformats.org/officeDocument/2006/relationships" xmlns:p="http://schemas.openxmlformats.org/presentationml/2006/main">
+  <p:cSld>
+    <p:spTree>
+      <p:nvGrpSpPr>
+        <p:cNvPr id="1" name="">
+          <a:extLst>
+            <a:ext uri="{FF2B5EF4-FFF2-40B4-BE49-F238E27FC236}">
+              <a16:creationId xmlns:a16="http://schemas.microsoft.com/office/drawing/2014/main" id="{531FBED2-5830-F035-502E-C8717451C3EB}"/>
+            </a:ext>
+          </a:extLst>
+        </p:cNvPr>
+        <p:cNvGrpSpPr/>
+        <p:nvPr/>
+      </p:nvGrpSpPr>
+      <p:grpSpPr>
+        <a:xfrm>
+          <a:off x="0" y="0"/>
+          <a:ext cx="0" cy="0"/>
+          <a:chOff x="0" y="0"/>
+          <a:chExt cx="0" cy="0"/>
+        </a:xfrm>
+      </p:grpSpPr>
+      <p:sp>
+        <p:nvSpPr>
+          <p:cNvPr id="2" name="슬라이드 이미지 개체 틀 1">
+            <a:extLst>
+              <a:ext uri="{FF2B5EF4-FFF2-40B4-BE49-F238E27FC236}">
+                <a16:creationId xmlns:a16="http://schemas.microsoft.com/office/drawing/2014/main" id="{B6C3266C-66F8-722C-7FAF-8128D4CF3611}"/>
+              </a:ext>
+            </a:extLst>
+          </p:cNvPr>
+          <p:cNvSpPr>
+            <a:spLocks noGrp="1" noRot="1" noChangeAspect="1"/>
+          </p:cNvSpPr>
+          <p:nvPr>
+            <p:ph type="sldImg"/>
+          </p:nvPr>
+        </p:nvSpPr>
+        <p:spPr/>
+      </p:sp>
+      <p:sp>
+        <p:nvSpPr>
+          <p:cNvPr id="3" name="슬라이드 노트 개체 틀 2">
+            <a:extLst>
+              <a:ext uri="{FF2B5EF4-FFF2-40B4-BE49-F238E27FC236}">
+                <a16:creationId xmlns:a16="http://schemas.microsoft.com/office/drawing/2014/main" id="{A9F846E8-69F2-3220-F8FD-9D43C14F5BB1}"/>
+              </a:ext>
+            </a:extLst>
+          </p:cNvPr>
+          <p:cNvSpPr>
+            <a:spLocks noGrp="1"/>
+          </p:cNvSpPr>
+          <p:nvPr>
+            <p:ph type="body" idx="1"/>
+          </p:nvPr>
+        </p:nvSpPr>
+        <p:spPr/>
+        <p:txBody>
+          <a:bodyPr/>
+          <a:lstStyle/>
+          <a:p>
+            <a:endParaRPr kumimoji="1" lang="ko-KR" altLang="en-US" dirty="0"/>
+          </a:p>
+        </p:txBody>
+      </p:sp>
+      <p:sp>
+        <p:nvSpPr>
+          <p:cNvPr id="4" name="슬라이드 번호 개체 틀 3">
+            <a:extLst>
+              <a:ext uri="{FF2B5EF4-FFF2-40B4-BE49-F238E27FC236}">
+                <a16:creationId xmlns:a16="http://schemas.microsoft.com/office/drawing/2014/main" id="{2793A572-B731-87BD-8044-012CC7D5C3EB}"/>
+              </a:ext>
+            </a:extLst>
+          </p:cNvPr>
+          <p:cNvSpPr>
+            <a:spLocks noGrp="1"/>
+          </p:cNvSpPr>
+          <p:nvPr>
+            <p:ph type="sldNum" sz="quarter" idx="5"/>
+          </p:nvPr>
+        </p:nvSpPr>
+        <p:spPr/>
+        <p:txBody>
+          <a:bodyPr/>
+          <a:lstStyle/>
+          <a:p>
+            <a:fld id="{BBC37A49-42EF-4349-9CBC-D62872BEEC98}" type="slidenum">
+              <a:rPr kumimoji="1" lang="ko-KR" altLang="en-US" smtClean="0"/>
+              <a:t>52</a:t>
+            </a:fld>
+            <a:endParaRPr kumimoji="1" lang="ko-KR" altLang="en-US"/>
+          </a:p>
+        </p:txBody>
+      </p:sp>
+    </p:spTree>
+    <p:extLst>
+      <p:ext uri="{BB962C8B-B14F-4D97-AF65-F5344CB8AC3E}">
+        <p14:creationId xmlns:p14="http://schemas.microsoft.com/office/powerpoint/2010/main" val="1374420736"/>
       </p:ext>
     </p:extLst>
   </p:cSld>
@@ -48230,6 +48884,2969 @@
 </p:sld>
 </file>
 
+<file path=ppt/slides/slide47.xml><?xml version="1.0" encoding="utf-8"?>
+<p:sld xmlns:a="http://schemas.openxmlformats.org/drawingml/2006/main" xmlns:r="http://schemas.openxmlformats.org/officeDocument/2006/relationships" xmlns:p="http://schemas.openxmlformats.org/presentationml/2006/main">
+  <p:cSld>
+    <p:spTree>
+      <p:nvGrpSpPr>
+        <p:cNvPr id="1" name="">
+          <a:extLst>
+            <a:ext uri="{FF2B5EF4-FFF2-40B4-BE49-F238E27FC236}">
+              <a16:creationId xmlns:a16="http://schemas.microsoft.com/office/drawing/2014/main" id="{58E609B6-58D9-40ED-5C33-A018A126D548}"/>
+            </a:ext>
+          </a:extLst>
+        </p:cNvPr>
+        <p:cNvGrpSpPr/>
+        <p:nvPr/>
+      </p:nvGrpSpPr>
+      <p:grpSpPr>
+        <a:xfrm>
+          <a:off x="0" y="0"/>
+          <a:ext cx="0" cy="0"/>
+          <a:chOff x="0" y="0"/>
+          <a:chExt cx="0" cy="0"/>
+        </a:xfrm>
+      </p:grpSpPr>
+      <p:sp>
+        <p:nvSpPr>
+          <p:cNvPr id="14" name="직사각형 13">
+            <a:extLst>
+              <a:ext uri="{FF2B5EF4-FFF2-40B4-BE49-F238E27FC236}">
+                <a16:creationId xmlns:a16="http://schemas.microsoft.com/office/drawing/2014/main" id="{E3E049CE-C6C3-2921-1FE2-CF6AA5724546}"/>
+              </a:ext>
+            </a:extLst>
+          </p:cNvPr>
+          <p:cNvSpPr/>
+          <p:nvPr/>
+        </p:nvSpPr>
+        <p:spPr>
+          <a:xfrm>
+            <a:off x="7698446" y="1695342"/>
+            <a:ext cx="1287379" cy="605567"/>
+          </a:xfrm>
+          <a:prstGeom prst="rect">
+            <a:avLst/>
+          </a:prstGeom>
+          <a:solidFill>
+            <a:srgbClr val="FFFF00"/>
+          </a:solidFill>
+        </p:spPr>
+        <p:style>
+          <a:lnRef idx="2">
+            <a:schemeClr val="accent4">
+              <a:shade val="15000"/>
+            </a:schemeClr>
+          </a:lnRef>
+          <a:fillRef idx="1">
+            <a:schemeClr val="accent4"/>
+          </a:fillRef>
+          <a:effectRef idx="0">
+            <a:schemeClr val="accent4"/>
+          </a:effectRef>
+          <a:fontRef idx="minor">
+            <a:schemeClr val="lt1"/>
+          </a:fontRef>
+        </p:style>
+        <p:txBody>
+          <a:bodyPr rtlCol="0" anchor="ctr"/>
+          <a:lstStyle/>
+          <a:p>
+            <a:pPr algn="ctr"/>
+            <a:r>
+              <a:rPr kumimoji="1" lang="en-US" altLang="ko-KR" dirty="0">
+                <a:solidFill>
+                  <a:schemeClr val="tx1"/>
+                </a:solidFill>
+                <a:highlight>
+                  <a:srgbClr val="FFFF00"/>
+                </a:highlight>
+                <a:latin typeface="DM Mono" panose="020B0509040201040103" pitchFamily="49" charset="0"/>
+              </a:rPr>
+              <a:t>1</a:t>
+            </a:r>
+            <a:endParaRPr kumimoji="1" lang="ko-KR" altLang="en-US" dirty="0">
+              <a:solidFill>
+                <a:schemeClr val="tx1"/>
+              </a:solidFill>
+              <a:highlight>
+                <a:srgbClr val="FFFF00"/>
+              </a:highlight>
+              <a:latin typeface="DM Mono" panose="020B0509040201040103" pitchFamily="49" charset="0"/>
+            </a:endParaRPr>
+          </a:p>
+        </p:txBody>
+      </p:sp>
+      <p:sp>
+        <p:nvSpPr>
+          <p:cNvPr id="15" name="TextBox 14">
+            <a:extLst>
+              <a:ext uri="{FF2B5EF4-FFF2-40B4-BE49-F238E27FC236}">
+                <a16:creationId xmlns:a16="http://schemas.microsoft.com/office/drawing/2014/main" id="{F2061C3F-45CB-2A85-715E-6D9E7AEEDFE4}"/>
+              </a:ext>
+            </a:extLst>
+          </p:cNvPr>
+          <p:cNvSpPr txBox="1"/>
+          <p:nvPr/>
+        </p:nvSpPr>
+        <p:spPr>
+          <a:xfrm>
+            <a:off x="6648189" y="1813459"/>
+            <a:ext cx="1050257" cy="369332"/>
+          </a:xfrm>
+          <a:prstGeom prst="rect">
+            <a:avLst/>
+          </a:prstGeom>
+          <a:noFill/>
+        </p:spPr>
+        <p:txBody>
+          <a:bodyPr wrap="square" rtlCol="0">
+            <a:spAutoFit/>
+          </a:bodyPr>
+          <a:lstStyle/>
+          <a:p>
+            <a:pPr algn="r"/>
+            <a:r>
+              <a:rPr kumimoji="1" lang="en-US" altLang="ko-KR" dirty="0" err="1">
+                <a:latin typeface="DM Mono" panose="020B0509040201040103" pitchFamily="49" charset="0"/>
+              </a:rPr>
+              <a:t>cnt</a:t>
+            </a:r>
+            <a:endParaRPr kumimoji="1" lang="ko-KR" altLang="en-US" dirty="0">
+              <a:latin typeface="DM Mono" panose="020B0509040201040103" pitchFamily="49" charset="0"/>
+            </a:endParaRPr>
+          </a:p>
+        </p:txBody>
+      </p:sp>
+      <p:sp>
+        <p:nvSpPr>
+          <p:cNvPr id="16" name="TextBox 15">
+            <a:extLst>
+              <a:ext uri="{FF2B5EF4-FFF2-40B4-BE49-F238E27FC236}">
+                <a16:creationId xmlns:a16="http://schemas.microsoft.com/office/drawing/2014/main" id="{176B017C-65A5-D91A-B516-8B7F3C01B414}"/>
+              </a:ext>
+            </a:extLst>
+          </p:cNvPr>
+          <p:cNvSpPr txBox="1"/>
+          <p:nvPr/>
+        </p:nvSpPr>
+        <p:spPr>
+          <a:xfrm>
+            <a:off x="7698445" y="1274442"/>
+            <a:ext cx="1287379" cy="369332"/>
+          </a:xfrm>
+          <a:prstGeom prst="rect">
+            <a:avLst/>
+          </a:prstGeom>
+          <a:noFill/>
+        </p:spPr>
+        <p:txBody>
+          <a:bodyPr wrap="square" rtlCol="0">
+            <a:spAutoFit/>
+          </a:bodyPr>
+          <a:lstStyle/>
+          <a:p>
+            <a:pPr algn="ctr"/>
+            <a:r>
+              <a:rPr kumimoji="1" lang="en-US" altLang="ko-KR" dirty="0">
+                <a:latin typeface="DM Mono" panose="020B0509040201040103" pitchFamily="49" charset="0"/>
+              </a:rPr>
+              <a:t>c1</a:t>
+            </a:r>
+            <a:endParaRPr kumimoji="1" lang="ko-KR" altLang="en-US" dirty="0">
+              <a:latin typeface="DM Mono" panose="020B0509040201040103" pitchFamily="49" charset="0"/>
+            </a:endParaRPr>
+          </a:p>
+        </p:txBody>
+      </p:sp>
+      <p:sp>
+        <p:nvSpPr>
+          <p:cNvPr id="3" name="TextBox 2">
+            <a:extLst>
+              <a:ext uri="{FF2B5EF4-FFF2-40B4-BE49-F238E27FC236}">
+                <a16:creationId xmlns:a16="http://schemas.microsoft.com/office/drawing/2014/main" id="{59C25FF5-18DD-1E36-BB2B-074B75FA6557}"/>
+              </a:ext>
+            </a:extLst>
+          </p:cNvPr>
+          <p:cNvSpPr txBox="1"/>
+          <p:nvPr/>
+        </p:nvSpPr>
+        <p:spPr>
+          <a:xfrm>
+            <a:off x="455435" y="195719"/>
+            <a:ext cx="6097656" cy="3604769"/>
+          </a:xfrm>
+          <a:prstGeom prst="rect">
+            <a:avLst/>
+          </a:prstGeom>
+          <a:noFill/>
+        </p:spPr>
+        <p:txBody>
+          <a:bodyPr wrap="square">
+            <a:spAutoFit/>
+          </a:bodyPr>
+          <a:lstStyle/>
+          <a:p>
+            <a:pPr>
+              <a:lnSpc>
+                <a:spcPts val="2475"/>
+              </a:lnSpc>
+              <a:buNone/>
+            </a:pPr>
+            <a:r>
+              <a:rPr lang="en-US" altLang="ko-KR" b="0" dirty="0">
+                <a:solidFill>
+                  <a:srgbClr val="0000FF"/>
+                </a:solidFill>
+                <a:effectLst/>
+                <a:latin typeface="DM Mono" panose="020B0509040201040103" pitchFamily="49" charset="0"/>
+              </a:rPr>
+              <a:t>class</a:t>
+            </a:r>
+            <a:r>
+              <a:rPr lang="en-US" altLang="ko-KR" b="0" dirty="0">
+                <a:solidFill>
+                  <a:srgbClr val="3B3B3B"/>
+                </a:solidFill>
+                <a:effectLst/>
+                <a:latin typeface="DM Mono" panose="020B0509040201040103" pitchFamily="49" charset="0"/>
+              </a:rPr>
+              <a:t> </a:t>
+            </a:r>
+            <a:r>
+              <a:rPr lang="en-US" altLang="ko-KR" b="0" dirty="0">
+                <a:solidFill>
+                  <a:srgbClr val="267F99"/>
+                </a:solidFill>
+                <a:effectLst/>
+                <a:latin typeface="DM Mono" panose="020B0509040201040103" pitchFamily="49" charset="0"/>
+              </a:rPr>
+              <a:t>Car</a:t>
+            </a:r>
+            <a:endParaRPr lang="en-US" altLang="ko-KR" b="0" dirty="0">
+              <a:solidFill>
+                <a:srgbClr val="3B3B3B"/>
+              </a:solidFill>
+              <a:effectLst/>
+              <a:latin typeface="DM Mono" panose="020B0509040201040103" pitchFamily="49" charset="0"/>
+            </a:endParaRPr>
+          </a:p>
+          <a:p>
+            <a:pPr>
+              <a:lnSpc>
+                <a:spcPts val="2475"/>
+              </a:lnSpc>
+              <a:buNone/>
+            </a:pPr>
+            <a:r>
+              <a:rPr lang="en-US" altLang="ko-KR" b="0" dirty="0">
+                <a:solidFill>
+                  <a:srgbClr val="3B3B3B"/>
+                </a:solidFill>
+                <a:effectLst/>
+                <a:latin typeface="DM Mono" panose="020B0509040201040103" pitchFamily="49" charset="0"/>
+              </a:rPr>
+              <a:t>{</a:t>
+            </a:r>
+          </a:p>
+          <a:p>
+            <a:pPr>
+              <a:lnSpc>
+                <a:spcPts val="2475"/>
+              </a:lnSpc>
+              <a:buNone/>
+            </a:pPr>
+            <a:r>
+              <a:rPr lang="en-US" altLang="ko-KR" b="0" dirty="0">
+                <a:solidFill>
+                  <a:srgbClr val="0000FF"/>
+                </a:solidFill>
+                <a:effectLst/>
+                <a:latin typeface="DM Mono" panose="020B0509040201040103" pitchFamily="49" charset="0"/>
+              </a:rPr>
+              <a:t>int</a:t>
+            </a:r>
+            <a:r>
+              <a:rPr lang="en-US" altLang="ko-KR" b="0" dirty="0">
+                <a:solidFill>
+                  <a:srgbClr val="3B3B3B"/>
+                </a:solidFill>
+                <a:effectLst/>
+                <a:latin typeface="DM Mono" panose="020B0509040201040103" pitchFamily="49" charset="0"/>
+              </a:rPr>
+              <a:t> </a:t>
+            </a:r>
+            <a:r>
+              <a:rPr lang="en-US" altLang="ko-KR" b="0" dirty="0" err="1">
+                <a:solidFill>
+                  <a:srgbClr val="001080"/>
+                </a:solidFill>
+                <a:effectLst/>
+                <a:latin typeface="DM Mono" panose="020B0509040201040103" pitchFamily="49" charset="0"/>
+              </a:rPr>
+              <a:t>cnt</a:t>
+            </a:r>
+            <a:r>
+              <a:rPr lang="en-US" altLang="ko-KR" b="0" dirty="0">
+                <a:solidFill>
+                  <a:srgbClr val="3B3B3B"/>
+                </a:solidFill>
+                <a:effectLst/>
+                <a:latin typeface="DM Mono" panose="020B0509040201040103" pitchFamily="49" charset="0"/>
+              </a:rPr>
+              <a:t> </a:t>
+            </a:r>
+            <a:r>
+              <a:rPr lang="en-US" altLang="ko-KR" b="0" dirty="0">
+                <a:solidFill>
+                  <a:srgbClr val="000000"/>
+                </a:solidFill>
+                <a:effectLst/>
+                <a:latin typeface="DM Mono" panose="020B0509040201040103" pitchFamily="49" charset="0"/>
+              </a:rPr>
+              <a:t>=</a:t>
+            </a:r>
+            <a:r>
+              <a:rPr lang="en-US" altLang="ko-KR" b="0" dirty="0">
+                <a:solidFill>
+                  <a:srgbClr val="3B3B3B"/>
+                </a:solidFill>
+                <a:effectLst/>
+                <a:latin typeface="DM Mono" panose="020B0509040201040103" pitchFamily="49" charset="0"/>
+              </a:rPr>
+              <a:t> </a:t>
+            </a:r>
+            <a:r>
+              <a:rPr lang="en-US" altLang="ko-KR" b="0" dirty="0">
+                <a:solidFill>
+                  <a:srgbClr val="098658"/>
+                </a:solidFill>
+                <a:effectLst/>
+                <a:latin typeface="DM Mono" panose="020B0509040201040103" pitchFamily="49" charset="0"/>
+              </a:rPr>
+              <a:t>0</a:t>
+            </a:r>
+            <a:r>
+              <a:rPr lang="en-US" altLang="ko-KR" b="0" dirty="0">
+                <a:solidFill>
+                  <a:srgbClr val="3B3B3B"/>
+                </a:solidFill>
+                <a:effectLst/>
+                <a:latin typeface="DM Mono" panose="020B0509040201040103" pitchFamily="49" charset="0"/>
+              </a:rPr>
+              <a:t>;</a:t>
+            </a:r>
+          </a:p>
+          <a:p>
+            <a:pPr>
+              <a:lnSpc>
+                <a:spcPts val="2475"/>
+              </a:lnSpc>
+              <a:buNone/>
+            </a:pPr>
+            <a:br>
+              <a:rPr lang="en-US" altLang="ko-KR" b="0" dirty="0">
+                <a:solidFill>
+                  <a:srgbClr val="3B3B3B"/>
+                </a:solidFill>
+                <a:effectLst/>
+                <a:latin typeface="DM Mono" panose="020B0509040201040103" pitchFamily="49" charset="0"/>
+              </a:rPr>
+            </a:br>
+            <a:r>
+              <a:rPr lang="en-US" altLang="ko-KR" b="0" dirty="0">
+                <a:solidFill>
+                  <a:srgbClr val="0000FF"/>
+                </a:solidFill>
+                <a:effectLst/>
+                <a:latin typeface="DM Mono" panose="020B0509040201040103" pitchFamily="49" charset="0"/>
+              </a:rPr>
+              <a:t>public:</a:t>
+            </a:r>
+            <a:endParaRPr lang="en-US" altLang="ko-KR" b="0" dirty="0">
+              <a:solidFill>
+                <a:srgbClr val="3B3B3B"/>
+              </a:solidFill>
+              <a:effectLst/>
+              <a:latin typeface="DM Mono" panose="020B0509040201040103" pitchFamily="49" charset="0"/>
+            </a:endParaRPr>
+          </a:p>
+          <a:p>
+            <a:pPr>
+              <a:lnSpc>
+                <a:spcPts val="2475"/>
+              </a:lnSpc>
+              <a:buNone/>
+            </a:pPr>
+            <a:r>
+              <a:rPr lang="en-US" altLang="ko-KR" b="0" dirty="0">
+                <a:solidFill>
+                  <a:srgbClr val="795E26"/>
+                </a:solidFill>
+                <a:effectLst/>
+                <a:latin typeface="DM Mono" panose="020B0509040201040103" pitchFamily="49" charset="0"/>
+              </a:rPr>
+              <a:t>  Car</a:t>
+            </a:r>
+            <a:r>
+              <a:rPr lang="en-US" altLang="ko-KR" b="0" dirty="0">
+                <a:solidFill>
+                  <a:srgbClr val="3B3B3B"/>
+                </a:solidFill>
+                <a:effectLst/>
+                <a:latin typeface="DM Mono" panose="020B0509040201040103" pitchFamily="49" charset="0"/>
+              </a:rPr>
+              <a:t>() { </a:t>
+            </a:r>
+            <a:r>
+              <a:rPr lang="en-US" altLang="ko-KR" b="0" dirty="0">
+                <a:solidFill>
+                  <a:srgbClr val="000000"/>
+                </a:solidFill>
+                <a:effectLst/>
+                <a:latin typeface="DM Mono" panose="020B0509040201040103" pitchFamily="49" charset="0"/>
+              </a:rPr>
+              <a:t>++</a:t>
+            </a:r>
+            <a:r>
+              <a:rPr lang="en-US" altLang="ko-KR" b="0" dirty="0" err="1">
+                <a:solidFill>
+                  <a:srgbClr val="001080"/>
+                </a:solidFill>
+                <a:effectLst/>
+                <a:latin typeface="DM Mono" panose="020B0509040201040103" pitchFamily="49" charset="0"/>
+              </a:rPr>
+              <a:t>cnt</a:t>
+            </a:r>
+            <a:r>
+              <a:rPr lang="en-US" altLang="ko-KR" b="0" dirty="0">
+                <a:solidFill>
+                  <a:srgbClr val="3B3B3B"/>
+                </a:solidFill>
+                <a:effectLst/>
+                <a:latin typeface="DM Mono" panose="020B0509040201040103" pitchFamily="49" charset="0"/>
+              </a:rPr>
+              <a:t>; }</a:t>
+            </a:r>
+          </a:p>
+          <a:p>
+            <a:pPr>
+              <a:lnSpc>
+                <a:spcPts val="2475"/>
+              </a:lnSpc>
+              <a:buNone/>
+            </a:pPr>
+            <a:r>
+              <a:rPr lang="en-US" altLang="ko-KR" b="0" dirty="0">
+                <a:solidFill>
+                  <a:srgbClr val="795E26"/>
+                </a:solidFill>
+                <a:effectLst/>
+                <a:latin typeface="DM Mono" panose="020B0509040201040103" pitchFamily="49" charset="0"/>
+              </a:rPr>
+              <a:t>  ~Car</a:t>
+            </a:r>
+            <a:r>
+              <a:rPr lang="en-US" altLang="ko-KR" b="0" dirty="0">
+                <a:solidFill>
+                  <a:srgbClr val="3B3B3B"/>
+                </a:solidFill>
+                <a:effectLst/>
+                <a:latin typeface="DM Mono" panose="020B0509040201040103" pitchFamily="49" charset="0"/>
+              </a:rPr>
+              <a:t>() { </a:t>
+            </a:r>
+            <a:r>
+              <a:rPr lang="en-US" altLang="ko-KR" b="0" dirty="0">
+                <a:solidFill>
+                  <a:srgbClr val="000000"/>
+                </a:solidFill>
+                <a:effectLst/>
+                <a:latin typeface="DM Mono" panose="020B0509040201040103" pitchFamily="49" charset="0"/>
+              </a:rPr>
+              <a:t>--</a:t>
+            </a:r>
+            <a:r>
+              <a:rPr lang="en-US" altLang="ko-KR" b="0" dirty="0" err="1">
+                <a:solidFill>
+                  <a:srgbClr val="001080"/>
+                </a:solidFill>
+                <a:effectLst/>
+                <a:latin typeface="DM Mono" panose="020B0509040201040103" pitchFamily="49" charset="0"/>
+              </a:rPr>
+              <a:t>cnt</a:t>
+            </a:r>
+            <a:r>
+              <a:rPr lang="en-US" altLang="ko-KR" b="0" dirty="0">
+                <a:solidFill>
+                  <a:srgbClr val="3B3B3B"/>
+                </a:solidFill>
+                <a:effectLst/>
+                <a:latin typeface="DM Mono" panose="020B0509040201040103" pitchFamily="49" charset="0"/>
+              </a:rPr>
+              <a:t>; }</a:t>
+            </a:r>
+          </a:p>
+          <a:p>
+            <a:pPr>
+              <a:lnSpc>
+                <a:spcPts val="2475"/>
+              </a:lnSpc>
+              <a:buNone/>
+            </a:pPr>
+            <a:r>
+              <a:rPr lang="en-US" altLang="ko-KR" b="0" dirty="0">
+                <a:solidFill>
+                  <a:srgbClr val="3B3B3B"/>
+                </a:solidFill>
+                <a:effectLst/>
+                <a:latin typeface="DM Mono" panose="020B0509040201040103" pitchFamily="49" charset="0"/>
+              </a:rPr>
+              <a:t>};</a:t>
+            </a:r>
+          </a:p>
+          <a:p>
+            <a:pPr>
+              <a:lnSpc>
+                <a:spcPts val="2475"/>
+              </a:lnSpc>
+              <a:buNone/>
+            </a:pPr>
+            <a:endParaRPr lang="en-US" altLang="ko-KR" dirty="0">
+              <a:solidFill>
+                <a:srgbClr val="3B3B3B"/>
+              </a:solidFill>
+              <a:latin typeface="DM Mono" panose="020B0509040201040103" pitchFamily="49" charset="0"/>
+            </a:endParaRPr>
+          </a:p>
+          <a:p>
+            <a:pPr>
+              <a:lnSpc>
+                <a:spcPts val="2475"/>
+              </a:lnSpc>
+              <a:buNone/>
+            </a:pPr>
+            <a:r>
+              <a:rPr lang="en-US" altLang="ko-KR" b="0" dirty="0">
+                <a:solidFill>
+                  <a:srgbClr val="267F99"/>
+                </a:solidFill>
+                <a:effectLst/>
+                <a:latin typeface="DM Mono" panose="020B0509040201040103" pitchFamily="49" charset="0"/>
+              </a:rPr>
+              <a:t>Car</a:t>
+            </a:r>
+            <a:r>
+              <a:rPr lang="en-US" altLang="ko-KR" b="0" dirty="0">
+                <a:solidFill>
+                  <a:srgbClr val="3B3B3B"/>
+                </a:solidFill>
+                <a:effectLst/>
+                <a:latin typeface="DM Mono" panose="020B0509040201040103" pitchFamily="49" charset="0"/>
+              </a:rPr>
+              <a:t> </a:t>
+            </a:r>
+            <a:r>
+              <a:rPr lang="en-US" altLang="ko-KR" b="0" dirty="0">
+                <a:solidFill>
+                  <a:srgbClr val="001080"/>
+                </a:solidFill>
+                <a:effectLst/>
+                <a:latin typeface="DM Mono" panose="020B0509040201040103" pitchFamily="49" charset="0"/>
+              </a:rPr>
+              <a:t>c1</a:t>
+            </a:r>
+            <a:r>
+              <a:rPr lang="en-US" altLang="ko-KR" b="0" dirty="0">
+                <a:solidFill>
+                  <a:srgbClr val="3B3B3B"/>
+                </a:solidFill>
+                <a:effectLst/>
+                <a:latin typeface="DM Mono" panose="020B0509040201040103" pitchFamily="49" charset="0"/>
+              </a:rPr>
+              <a:t>;</a:t>
+            </a:r>
+          </a:p>
+          <a:p>
+            <a:pPr>
+              <a:lnSpc>
+                <a:spcPts val="2475"/>
+              </a:lnSpc>
+              <a:buNone/>
+            </a:pPr>
+            <a:r>
+              <a:rPr lang="en-US" altLang="ko-KR" b="0" dirty="0">
+                <a:solidFill>
+                  <a:srgbClr val="267F99"/>
+                </a:solidFill>
+                <a:effectLst/>
+                <a:latin typeface="DM Mono" panose="020B0509040201040103" pitchFamily="49" charset="0"/>
+              </a:rPr>
+              <a:t>Car</a:t>
+            </a:r>
+            <a:r>
+              <a:rPr lang="en-US" altLang="ko-KR" b="0" dirty="0">
+                <a:solidFill>
+                  <a:srgbClr val="3B3B3B"/>
+                </a:solidFill>
+                <a:effectLst/>
+                <a:latin typeface="DM Mono" panose="020B0509040201040103" pitchFamily="49" charset="0"/>
+              </a:rPr>
+              <a:t> </a:t>
+            </a:r>
+            <a:r>
+              <a:rPr lang="en-US" altLang="ko-KR" b="0" dirty="0">
+                <a:solidFill>
+                  <a:srgbClr val="001080"/>
+                </a:solidFill>
+                <a:effectLst/>
+                <a:latin typeface="DM Mono" panose="020B0509040201040103" pitchFamily="49" charset="0"/>
+              </a:rPr>
+              <a:t>c2</a:t>
+            </a:r>
+            <a:r>
+              <a:rPr lang="en-US" altLang="ko-KR" b="0" dirty="0">
+                <a:solidFill>
+                  <a:srgbClr val="3B3B3B"/>
+                </a:solidFill>
+                <a:effectLst/>
+                <a:latin typeface="DM Mono" panose="020B0509040201040103" pitchFamily="49" charset="0"/>
+              </a:rPr>
+              <a:t>;</a:t>
+            </a:r>
+          </a:p>
+        </p:txBody>
+      </p:sp>
+      <p:sp>
+        <p:nvSpPr>
+          <p:cNvPr id="2" name="직사각형 1">
+            <a:extLst>
+              <a:ext uri="{FF2B5EF4-FFF2-40B4-BE49-F238E27FC236}">
+                <a16:creationId xmlns:a16="http://schemas.microsoft.com/office/drawing/2014/main" id="{1A0F2E18-0D84-6041-BB3A-EE01D92DD531}"/>
+              </a:ext>
+            </a:extLst>
+          </p:cNvPr>
+          <p:cNvSpPr/>
+          <p:nvPr/>
+        </p:nvSpPr>
+        <p:spPr>
+          <a:xfrm>
+            <a:off x="7698445" y="3126216"/>
+            <a:ext cx="1287379" cy="605567"/>
+          </a:xfrm>
+          <a:prstGeom prst="rect">
+            <a:avLst/>
+          </a:prstGeom>
+          <a:solidFill>
+            <a:srgbClr val="FFFF00"/>
+          </a:solidFill>
+        </p:spPr>
+        <p:style>
+          <a:lnRef idx="2">
+            <a:schemeClr val="accent4">
+              <a:shade val="15000"/>
+            </a:schemeClr>
+          </a:lnRef>
+          <a:fillRef idx="1">
+            <a:schemeClr val="accent4"/>
+          </a:fillRef>
+          <a:effectRef idx="0">
+            <a:schemeClr val="accent4"/>
+          </a:effectRef>
+          <a:fontRef idx="minor">
+            <a:schemeClr val="lt1"/>
+          </a:fontRef>
+        </p:style>
+        <p:txBody>
+          <a:bodyPr rtlCol="0" anchor="ctr"/>
+          <a:lstStyle/>
+          <a:p>
+            <a:pPr algn="ctr"/>
+            <a:r>
+              <a:rPr kumimoji="1" lang="en-US" altLang="ko-KR" dirty="0">
+                <a:solidFill>
+                  <a:schemeClr val="tx1"/>
+                </a:solidFill>
+                <a:highlight>
+                  <a:srgbClr val="FFFF00"/>
+                </a:highlight>
+                <a:latin typeface="DM Mono" panose="020B0509040201040103" pitchFamily="49" charset="0"/>
+              </a:rPr>
+              <a:t>1</a:t>
+            </a:r>
+            <a:endParaRPr kumimoji="1" lang="ko-KR" altLang="en-US" dirty="0">
+              <a:solidFill>
+                <a:schemeClr val="tx1"/>
+              </a:solidFill>
+              <a:highlight>
+                <a:srgbClr val="FFFF00"/>
+              </a:highlight>
+              <a:latin typeface="DM Mono" panose="020B0509040201040103" pitchFamily="49" charset="0"/>
+            </a:endParaRPr>
+          </a:p>
+        </p:txBody>
+      </p:sp>
+      <p:sp>
+        <p:nvSpPr>
+          <p:cNvPr id="4" name="TextBox 3">
+            <a:extLst>
+              <a:ext uri="{FF2B5EF4-FFF2-40B4-BE49-F238E27FC236}">
+                <a16:creationId xmlns:a16="http://schemas.microsoft.com/office/drawing/2014/main" id="{F232F085-DCD3-4B0B-E309-CCF02DD8D539}"/>
+              </a:ext>
+            </a:extLst>
+          </p:cNvPr>
+          <p:cNvSpPr txBox="1"/>
+          <p:nvPr/>
+        </p:nvSpPr>
+        <p:spPr>
+          <a:xfrm>
+            <a:off x="6648188" y="3244333"/>
+            <a:ext cx="1050257" cy="369332"/>
+          </a:xfrm>
+          <a:prstGeom prst="rect">
+            <a:avLst/>
+          </a:prstGeom>
+          <a:noFill/>
+        </p:spPr>
+        <p:txBody>
+          <a:bodyPr wrap="square" rtlCol="0">
+            <a:spAutoFit/>
+          </a:bodyPr>
+          <a:lstStyle/>
+          <a:p>
+            <a:pPr algn="r"/>
+            <a:r>
+              <a:rPr kumimoji="1" lang="en-US" altLang="ko-KR" dirty="0" err="1">
+                <a:latin typeface="DM Mono" panose="020B0509040201040103" pitchFamily="49" charset="0"/>
+              </a:rPr>
+              <a:t>cnt</a:t>
+            </a:r>
+            <a:endParaRPr kumimoji="1" lang="ko-KR" altLang="en-US" dirty="0">
+              <a:latin typeface="DM Mono" panose="020B0509040201040103" pitchFamily="49" charset="0"/>
+            </a:endParaRPr>
+          </a:p>
+        </p:txBody>
+      </p:sp>
+      <p:sp>
+        <p:nvSpPr>
+          <p:cNvPr id="6" name="TextBox 5">
+            <a:extLst>
+              <a:ext uri="{FF2B5EF4-FFF2-40B4-BE49-F238E27FC236}">
+                <a16:creationId xmlns:a16="http://schemas.microsoft.com/office/drawing/2014/main" id="{9510F436-0C64-5306-6FFB-35DDF1EDF5C5}"/>
+              </a:ext>
+            </a:extLst>
+          </p:cNvPr>
+          <p:cNvSpPr txBox="1"/>
+          <p:nvPr/>
+        </p:nvSpPr>
+        <p:spPr>
+          <a:xfrm>
+            <a:off x="7698444" y="2705316"/>
+            <a:ext cx="1287379" cy="369332"/>
+          </a:xfrm>
+          <a:prstGeom prst="rect">
+            <a:avLst/>
+          </a:prstGeom>
+          <a:noFill/>
+        </p:spPr>
+        <p:txBody>
+          <a:bodyPr wrap="square" rtlCol="0">
+            <a:spAutoFit/>
+          </a:bodyPr>
+          <a:lstStyle/>
+          <a:p>
+            <a:pPr algn="ctr"/>
+            <a:r>
+              <a:rPr kumimoji="1" lang="en-US" altLang="ko-KR" dirty="0">
+                <a:latin typeface="DM Mono" panose="020B0509040201040103" pitchFamily="49" charset="0"/>
+              </a:rPr>
+              <a:t>c2</a:t>
+            </a:r>
+            <a:endParaRPr kumimoji="1" lang="ko-KR" altLang="en-US" dirty="0">
+              <a:latin typeface="DM Mono" panose="020B0509040201040103" pitchFamily="49" charset="0"/>
+            </a:endParaRPr>
+          </a:p>
+        </p:txBody>
+      </p:sp>
+      <p:sp>
+        <p:nvSpPr>
+          <p:cNvPr id="9" name="직사각형 8">
+            <a:extLst>
+              <a:ext uri="{FF2B5EF4-FFF2-40B4-BE49-F238E27FC236}">
+                <a16:creationId xmlns:a16="http://schemas.microsoft.com/office/drawing/2014/main" id="{11BCD439-93B7-AF39-F0AA-3390C333E11C}"/>
+              </a:ext>
+            </a:extLst>
+          </p:cNvPr>
+          <p:cNvSpPr/>
+          <p:nvPr/>
+        </p:nvSpPr>
+        <p:spPr>
+          <a:xfrm>
+            <a:off x="7698445" y="4490541"/>
+            <a:ext cx="1287379" cy="605567"/>
+          </a:xfrm>
+          <a:prstGeom prst="rect">
+            <a:avLst/>
+          </a:prstGeom>
+          <a:solidFill>
+            <a:srgbClr val="FFFF00"/>
+          </a:solidFill>
+        </p:spPr>
+        <p:style>
+          <a:lnRef idx="2">
+            <a:schemeClr val="accent4">
+              <a:shade val="15000"/>
+            </a:schemeClr>
+          </a:lnRef>
+          <a:fillRef idx="1">
+            <a:schemeClr val="accent4"/>
+          </a:fillRef>
+          <a:effectRef idx="0">
+            <a:schemeClr val="accent4"/>
+          </a:effectRef>
+          <a:fontRef idx="minor">
+            <a:schemeClr val="lt1"/>
+          </a:fontRef>
+        </p:style>
+        <p:txBody>
+          <a:bodyPr rtlCol="0" anchor="ctr"/>
+          <a:lstStyle/>
+          <a:p>
+            <a:pPr algn="ctr"/>
+            <a:r>
+              <a:rPr kumimoji="1" lang="en-US" altLang="ko-KR" dirty="0">
+                <a:solidFill>
+                  <a:schemeClr val="tx1"/>
+                </a:solidFill>
+                <a:highlight>
+                  <a:srgbClr val="FFFF00"/>
+                </a:highlight>
+                <a:latin typeface="DM Mono" panose="020B0509040201040103" pitchFamily="49" charset="0"/>
+              </a:rPr>
+              <a:t>1</a:t>
+            </a:r>
+            <a:endParaRPr kumimoji="1" lang="ko-KR" altLang="en-US" dirty="0">
+              <a:solidFill>
+                <a:schemeClr val="tx1"/>
+              </a:solidFill>
+              <a:highlight>
+                <a:srgbClr val="FFFF00"/>
+              </a:highlight>
+              <a:latin typeface="DM Mono" panose="020B0509040201040103" pitchFamily="49" charset="0"/>
+            </a:endParaRPr>
+          </a:p>
+        </p:txBody>
+      </p:sp>
+      <p:sp>
+        <p:nvSpPr>
+          <p:cNvPr id="10" name="TextBox 9">
+            <a:extLst>
+              <a:ext uri="{FF2B5EF4-FFF2-40B4-BE49-F238E27FC236}">
+                <a16:creationId xmlns:a16="http://schemas.microsoft.com/office/drawing/2014/main" id="{80629368-87E1-2511-B795-BB1D020642F3}"/>
+              </a:ext>
+            </a:extLst>
+          </p:cNvPr>
+          <p:cNvSpPr txBox="1"/>
+          <p:nvPr/>
+        </p:nvSpPr>
+        <p:spPr>
+          <a:xfrm>
+            <a:off x="6648188" y="4608658"/>
+            <a:ext cx="1050257" cy="369332"/>
+          </a:xfrm>
+          <a:prstGeom prst="rect">
+            <a:avLst/>
+          </a:prstGeom>
+          <a:noFill/>
+        </p:spPr>
+        <p:txBody>
+          <a:bodyPr wrap="square" rtlCol="0">
+            <a:spAutoFit/>
+          </a:bodyPr>
+          <a:lstStyle/>
+          <a:p>
+            <a:pPr algn="r"/>
+            <a:r>
+              <a:rPr kumimoji="1" lang="en-US" altLang="ko-KR" dirty="0" err="1">
+                <a:latin typeface="DM Mono" panose="020B0509040201040103" pitchFamily="49" charset="0"/>
+              </a:rPr>
+              <a:t>cnt</a:t>
+            </a:r>
+            <a:endParaRPr kumimoji="1" lang="ko-KR" altLang="en-US" dirty="0">
+              <a:latin typeface="DM Mono" panose="020B0509040201040103" pitchFamily="49" charset="0"/>
+            </a:endParaRPr>
+          </a:p>
+        </p:txBody>
+      </p:sp>
+      <p:sp>
+        <p:nvSpPr>
+          <p:cNvPr id="19" name="TextBox 18">
+            <a:extLst>
+              <a:ext uri="{FF2B5EF4-FFF2-40B4-BE49-F238E27FC236}">
+                <a16:creationId xmlns:a16="http://schemas.microsoft.com/office/drawing/2014/main" id="{24C2328E-5D48-5A52-0E36-11EF5FD69F9E}"/>
+              </a:ext>
+            </a:extLst>
+          </p:cNvPr>
+          <p:cNvSpPr txBox="1"/>
+          <p:nvPr/>
+        </p:nvSpPr>
+        <p:spPr>
+          <a:xfrm>
+            <a:off x="7698444" y="4069641"/>
+            <a:ext cx="1287379" cy="369332"/>
+          </a:xfrm>
+          <a:prstGeom prst="rect">
+            <a:avLst/>
+          </a:prstGeom>
+          <a:noFill/>
+        </p:spPr>
+        <p:txBody>
+          <a:bodyPr wrap="square" rtlCol="0">
+            <a:spAutoFit/>
+          </a:bodyPr>
+          <a:lstStyle/>
+          <a:p>
+            <a:pPr algn="ctr"/>
+            <a:r>
+              <a:rPr kumimoji="1" lang="en-US" altLang="ko-KR" dirty="0">
+                <a:latin typeface="DM Mono" panose="020B0509040201040103" pitchFamily="49" charset="0"/>
+              </a:rPr>
+              <a:t>c3</a:t>
+            </a:r>
+            <a:endParaRPr kumimoji="1" lang="ko-KR" altLang="en-US" dirty="0">
+              <a:latin typeface="DM Mono" panose="020B0509040201040103" pitchFamily="49" charset="0"/>
+            </a:endParaRPr>
+          </a:p>
+        </p:txBody>
+      </p:sp>
+    </p:spTree>
+    <p:extLst>
+      <p:ext uri="{BB962C8B-B14F-4D97-AF65-F5344CB8AC3E}">
+        <p14:creationId xmlns:p14="http://schemas.microsoft.com/office/powerpoint/2010/main" val="1886636730"/>
+      </p:ext>
+    </p:extLst>
+  </p:cSld>
+  <p:clrMapOvr>
+    <a:masterClrMapping/>
+  </p:clrMapOvr>
+</p:sld>
+</file>
+
+<file path=ppt/slides/slide48.xml><?xml version="1.0" encoding="utf-8"?>
+<p:sld xmlns:a="http://schemas.openxmlformats.org/drawingml/2006/main" xmlns:r="http://schemas.openxmlformats.org/officeDocument/2006/relationships" xmlns:p="http://schemas.openxmlformats.org/presentationml/2006/main">
+  <p:cSld>
+    <p:spTree>
+      <p:nvGrpSpPr>
+        <p:cNvPr id="1" name="">
+          <a:extLst>
+            <a:ext uri="{FF2B5EF4-FFF2-40B4-BE49-F238E27FC236}">
+              <a16:creationId xmlns:a16="http://schemas.microsoft.com/office/drawing/2014/main" id="{C509149C-E633-4DA7-6D23-C85714CD7610}"/>
+            </a:ext>
+          </a:extLst>
+        </p:cNvPr>
+        <p:cNvGrpSpPr/>
+        <p:nvPr/>
+      </p:nvGrpSpPr>
+      <p:grpSpPr>
+        <a:xfrm>
+          <a:off x="0" y="0"/>
+          <a:ext cx="0" cy="0"/>
+          <a:chOff x="0" y="0"/>
+          <a:chExt cx="0" cy="0"/>
+        </a:xfrm>
+      </p:grpSpPr>
+      <p:sp>
+        <p:nvSpPr>
+          <p:cNvPr id="14" name="직사각형 13">
+            <a:extLst>
+              <a:ext uri="{FF2B5EF4-FFF2-40B4-BE49-F238E27FC236}">
+                <a16:creationId xmlns:a16="http://schemas.microsoft.com/office/drawing/2014/main" id="{A4F336DF-0092-3891-6B9A-4CF16785A9B3}"/>
+              </a:ext>
+            </a:extLst>
+          </p:cNvPr>
+          <p:cNvSpPr/>
+          <p:nvPr/>
+        </p:nvSpPr>
+        <p:spPr>
+          <a:xfrm>
+            <a:off x="7638811" y="2202237"/>
+            <a:ext cx="1287379" cy="605567"/>
+          </a:xfrm>
+          <a:prstGeom prst="rect">
+            <a:avLst/>
+          </a:prstGeom>
+          <a:solidFill>
+            <a:srgbClr val="FFFF00"/>
+          </a:solidFill>
+        </p:spPr>
+        <p:style>
+          <a:lnRef idx="2">
+            <a:schemeClr val="accent4">
+              <a:shade val="15000"/>
+            </a:schemeClr>
+          </a:lnRef>
+          <a:fillRef idx="1">
+            <a:schemeClr val="accent4"/>
+          </a:fillRef>
+          <a:effectRef idx="0">
+            <a:schemeClr val="accent4"/>
+          </a:effectRef>
+          <a:fontRef idx="minor">
+            <a:schemeClr val="lt1"/>
+          </a:fontRef>
+        </p:style>
+        <p:txBody>
+          <a:bodyPr rtlCol="0" anchor="ctr"/>
+          <a:lstStyle/>
+          <a:p>
+            <a:pPr algn="ctr"/>
+            <a:endParaRPr kumimoji="1" lang="ko-KR" altLang="en-US" dirty="0">
+              <a:solidFill>
+                <a:schemeClr val="tx1"/>
+              </a:solidFill>
+              <a:highlight>
+                <a:srgbClr val="FFFF00"/>
+              </a:highlight>
+              <a:latin typeface="DM Mono" panose="020B0509040201040103" pitchFamily="49" charset="0"/>
+            </a:endParaRPr>
+          </a:p>
+        </p:txBody>
+      </p:sp>
+      <p:sp>
+        <p:nvSpPr>
+          <p:cNvPr id="16" name="TextBox 15">
+            <a:extLst>
+              <a:ext uri="{FF2B5EF4-FFF2-40B4-BE49-F238E27FC236}">
+                <a16:creationId xmlns:a16="http://schemas.microsoft.com/office/drawing/2014/main" id="{FD6AC040-9BD6-7012-55DA-8EC3F3AE0835}"/>
+              </a:ext>
+            </a:extLst>
+          </p:cNvPr>
+          <p:cNvSpPr txBox="1"/>
+          <p:nvPr/>
+        </p:nvSpPr>
+        <p:spPr>
+          <a:xfrm>
+            <a:off x="7638810" y="1781337"/>
+            <a:ext cx="1287379" cy="369332"/>
+          </a:xfrm>
+          <a:prstGeom prst="rect">
+            <a:avLst/>
+          </a:prstGeom>
+          <a:noFill/>
+        </p:spPr>
+        <p:txBody>
+          <a:bodyPr wrap="square" rtlCol="0">
+            <a:spAutoFit/>
+          </a:bodyPr>
+          <a:lstStyle/>
+          <a:p>
+            <a:pPr algn="ctr"/>
+            <a:r>
+              <a:rPr kumimoji="1" lang="en-US" altLang="ko-KR" dirty="0">
+                <a:latin typeface="DM Mono" panose="020B0509040201040103" pitchFamily="49" charset="0"/>
+              </a:rPr>
+              <a:t>c1</a:t>
+            </a:r>
+            <a:endParaRPr kumimoji="1" lang="ko-KR" altLang="en-US" dirty="0">
+              <a:latin typeface="DM Mono" panose="020B0509040201040103" pitchFamily="49" charset="0"/>
+            </a:endParaRPr>
+          </a:p>
+        </p:txBody>
+      </p:sp>
+      <p:sp>
+        <p:nvSpPr>
+          <p:cNvPr id="3" name="TextBox 2">
+            <a:extLst>
+              <a:ext uri="{FF2B5EF4-FFF2-40B4-BE49-F238E27FC236}">
+                <a16:creationId xmlns:a16="http://schemas.microsoft.com/office/drawing/2014/main" id="{CFF9658A-87DF-22B5-95E2-80F3BDCE31CC}"/>
+              </a:ext>
+            </a:extLst>
+          </p:cNvPr>
+          <p:cNvSpPr txBox="1"/>
+          <p:nvPr/>
+        </p:nvSpPr>
+        <p:spPr>
+          <a:xfrm>
+            <a:off x="455435" y="195719"/>
+            <a:ext cx="6097656" cy="4566571"/>
+          </a:xfrm>
+          <a:prstGeom prst="rect">
+            <a:avLst/>
+          </a:prstGeom>
+          <a:noFill/>
+        </p:spPr>
+        <p:txBody>
+          <a:bodyPr wrap="square">
+            <a:spAutoFit/>
+          </a:bodyPr>
+          <a:lstStyle/>
+          <a:p>
+            <a:pPr>
+              <a:lnSpc>
+                <a:spcPts val="2475"/>
+              </a:lnSpc>
+              <a:buNone/>
+            </a:pPr>
+            <a:r>
+              <a:rPr lang="en-US" altLang="ko-KR" b="0" dirty="0">
+                <a:solidFill>
+                  <a:srgbClr val="0000FF"/>
+                </a:solidFill>
+                <a:effectLst/>
+                <a:latin typeface="DM Mono" panose="020B0509040201040103" pitchFamily="49" charset="0"/>
+              </a:rPr>
+              <a:t>int</a:t>
+            </a:r>
+            <a:r>
+              <a:rPr lang="en-US" altLang="ko-KR" b="0" dirty="0">
+                <a:solidFill>
+                  <a:srgbClr val="3B3B3B"/>
+                </a:solidFill>
+                <a:effectLst/>
+                <a:latin typeface="DM Mono" panose="020B0509040201040103" pitchFamily="49" charset="0"/>
+              </a:rPr>
+              <a:t> </a:t>
+            </a:r>
+            <a:r>
+              <a:rPr lang="en-US" altLang="ko-KR" b="0" dirty="0" err="1">
+                <a:solidFill>
+                  <a:srgbClr val="001080"/>
+                </a:solidFill>
+                <a:effectLst/>
+                <a:latin typeface="DM Mono" panose="020B0509040201040103" pitchFamily="49" charset="0"/>
+              </a:rPr>
+              <a:t>cnt</a:t>
+            </a:r>
+            <a:r>
+              <a:rPr lang="en-US" altLang="ko-KR" b="0" dirty="0">
+                <a:solidFill>
+                  <a:srgbClr val="3B3B3B"/>
+                </a:solidFill>
+                <a:effectLst/>
+                <a:latin typeface="DM Mono" panose="020B0509040201040103" pitchFamily="49" charset="0"/>
+              </a:rPr>
+              <a:t> </a:t>
+            </a:r>
+            <a:r>
+              <a:rPr lang="en-US" altLang="ko-KR" b="0" dirty="0">
+                <a:solidFill>
+                  <a:srgbClr val="000000"/>
+                </a:solidFill>
+                <a:effectLst/>
+                <a:latin typeface="DM Mono" panose="020B0509040201040103" pitchFamily="49" charset="0"/>
+              </a:rPr>
+              <a:t>=</a:t>
+            </a:r>
+            <a:r>
+              <a:rPr lang="en-US" altLang="ko-KR" b="0" dirty="0">
+                <a:solidFill>
+                  <a:srgbClr val="3B3B3B"/>
+                </a:solidFill>
+                <a:effectLst/>
+                <a:latin typeface="DM Mono" panose="020B0509040201040103" pitchFamily="49" charset="0"/>
+              </a:rPr>
+              <a:t> </a:t>
+            </a:r>
+            <a:r>
+              <a:rPr lang="en-US" altLang="ko-KR" b="0" dirty="0">
+                <a:solidFill>
+                  <a:srgbClr val="098658"/>
+                </a:solidFill>
+                <a:effectLst/>
+                <a:latin typeface="DM Mono" panose="020B0509040201040103" pitchFamily="49" charset="0"/>
+              </a:rPr>
+              <a:t>0</a:t>
+            </a:r>
+            <a:r>
+              <a:rPr lang="en-US" altLang="ko-KR" b="0" dirty="0">
+                <a:solidFill>
+                  <a:srgbClr val="3B3B3B"/>
+                </a:solidFill>
+                <a:effectLst/>
+                <a:latin typeface="DM Mono" panose="020B0509040201040103" pitchFamily="49" charset="0"/>
+              </a:rPr>
+              <a:t>;</a:t>
+            </a:r>
+          </a:p>
+          <a:p>
+            <a:pPr>
+              <a:lnSpc>
+                <a:spcPts val="2475"/>
+              </a:lnSpc>
+              <a:buNone/>
+            </a:pPr>
+            <a:br>
+              <a:rPr lang="en-US" altLang="ko-KR" b="0" dirty="0">
+                <a:solidFill>
+                  <a:srgbClr val="3B3B3B"/>
+                </a:solidFill>
+                <a:effectLst/>
+                <a:latin typeface="DM Mono" panose="020B0509040201040103" pitchFamily="49" charset="0"/>
+              </a:rPr>
+            </a:br>
+            <a:r>
+              <a:rPr lang="en-US" altLang="ko-KR" b="0" dirty="0">
+                <a:solidFill>
+                  <a:srgbClr val="0000FF"/>
+                </a:solidFill>
+                <a:effectLst/>
+                <a:latin typeface="DM Mono" panose="020B0509040201040103" pitchFamily="49" charset="0"/>
+              </a:rPr>
+              <a:t>class</a:t>
+            </a:r>
+            <a:r>
+              <a:rPr lang="en-US" altLang="ko-KR" b="0" dirty="0">
+                <a:solidFill>
+                  <a:srgbClr val="3B3B3B"/>
+                </a:solidFill>
+                <a:effectLst/>
+                <a:latin typeface="DM Mono" panose="020B0509040201040103" pitchFamily="49" charset="0"/>
+              </a:rPr>
+              <a:t> </a:t>
+            </a:r>
+            <a:r>
+              <a:rPr lang="en-US" altLang="ko-KR" b="0" dirty="0">
+                <a:solidFill>
+                  <a:srgbClr val="267F99"/>
+                </a:solidFill>
+                <a:effectLst/>
+                <a:latin typeface="DM Mono" panose="020B0509040201040103" pitchFamily="49" charset="0"/>
+              </a:rPr>
+              <a:t>Car</a:t>
+            </a:r>
+            <a:endParaRPr lang="en-US" altLang="ko-KR" b="0" dirty="0">
+              <a:solidFill>
+                <a:srgbClr val="3B3B3B"/>
+              </a:solidFill>
+              <a:effectLst/>
+              <a:latin typeface="DM Mono" panose="020B0509040201040103" pitchFamily="49" charset="0"/>
+            </a:endParaRPr>
+          </a:p>
+          <a:p>
+            <a:pPr>
+              <a:lnSpc>
+                <a:spcPts val="2475"/>
+              </a:lnSpc>
+              <a:buNone/>
+            </a:pPr>
+            <a:r>
+              <a:rPr lang="en-US" altLang="ko-KR" b="0" dirty="0">
+                <a:solidFill>
+                  <a:srgbClr val="3B3B3B"/>
+                </a:solidFill>
+                <a:effectLst/>
+                <a:latin typeface="DM Mono" panose="020B0509040201040103" pitchFamily="49" charset="0"/>
+              </a:rPr>
+              <a:t>{</a:t>
+            </a:r>
+          </a:p>
+          <a:p>
+            <a:pPr>
+              <a:lnSpc>
+                <a:spcPts val="2475"/>
+              </a:lnSpc>
+              <a:buNone/>
+            </a:pPr>
+            <a:r>
+              <a:rPr lang="en-US" altLang="ko-KR" b="0" dirty="0">
+                <a:solidFill>
+                  <a:srgbClr val="0000FF"/>
+                </a:solidFill>
+                <a:effectLst/>
+                <a:latin typeface="DM Mono" panose="020B0509040201040103" pitchFamily="49" charset="0"/>
+              </a:rPr>
+              <a:t>public:</a:t>
+            </a:r>
+            <a:endParaRPr lang="en-US" altLang="ko-KR" b="0" dirty="0">
+              <a:solidFill>
+                <a:srgbClr val="3B3B3B"/>
+              </a:solidFill>
+              <a:effectLst/>
+              <a:latin typeface="DM Mono" panose="020B0509040201040103" pitchFamily="49" charset="0"/>
+            </a:endParaRPr>
+          </a:p>
+          <a:p>
+            <a:pPr>
+              <a:lnSpc>
+                <a:spcPts val="2475"/>
+              </a:lnSpc>
+              <a:buNone/>
+            </a:pPr>
+            <a:r>
+              <a:rPr lang="en-US" altLang="ko-KR" b="0" dirty="0">
+                <a:solidFill>
+                  <a:srgbClr val="795E26"/>
+                </a:solidFill>
+                <a:effectLst/>
+                <a:latin typeface="DM Mono" panose="020B0509040201040103" pitchFamily="49" charset="0"/>
+              </a:rPr>
+              <a:t>Car</a:t>
+            </a:r>
+            <a:r>
+              <a:rPr lang="en-US" altLang="ko-KR" b="0" dirty="0">
+                <a:solidFill>
+                  <a:srgbClr val="3B3B3B"/>
+                </a:solidFill>
+                <a:effectLst/>
+                <a:latin typeface="DM Mono" panose="020B0509040201040103" pitchFamily="49" charset="0"/>
+              </a:rPr>
+              <a:t>() { </a:t>
+            </a:r>
+            <a:r>
+              <a:rPr lang="en-US" altLang="ko-KR" b="0" dirty="0">
+                <a:solidFill>
+                  <a:srgbClr val="000000"/>
+                </a:solidFill>
+                <a:effectLst/>
+                <a:latin typeface="DM Mono" panose="020B0509040201040103" pitchFamily="49" charset="0"/>
+              </a:rPr>
+              <a:t>++</a:t>
+            </a:r>
+            <a:r>
+              <a:rPr lang="en-US" altLang="ko-KR" b="0" dirty="0" err="1">
+                <a:solidFill>
+                  <a:srgbClr val="001080"/>
+                </a:solidFill>
+                <a:effectLst/>
+                <a:latin typeface="DM Mono" panose="020B0509040201040103" pitchFamily="49" charset="0"/>
+              </a:rPr>
+              <a:t>cnt</a:t>
+            </a:r>
+            <a:r>
+              <a:rPr lang="en-US" altLang="ko-KR" b="0" dirty="0">
+                <a:solidFill>
+                  <a:srgbClr val="3B3B3B"/>
+                </a:solidFill>
+                <a:effectLst/>
+                <a:latin typeface="DM Mono" panose="020B0509040201040103" pitchFamily="49" charset="0"/>
+              </a:rPr>
+              <a:t>; }</a:t>
+            </a:r>
+          </a:p>
+          <a:p>
+            <a:pPr>
+              <a:lnSpc>
+                <a:spcPts val="2475"/>
+              </a:lnSpc>
+              <a:buNone/>
+            </a:pPr>
+            <a:r>
+              <a:rPr lang="en-US" altLang="ko-KR" b="0" dirty="0">
+                <a:solidFill>
+                  <a:srgbClr val="795E26"/>
+                </a:solidFill>
+                <a:effectLst/>
+                <a:latin typeface="DM Mono" panose="020B0509040201040103" pitchFamily="49" charset="0"/>
+              </a:rPr>
+              <a:t>~Car</a:t>
+            </a:r>
+            <a:r>
+              <a:rPr lang="en-US" altLang="ko-KR" b="0" dirty="0">
+                <a:solidFill>
+                  <a:srgbClr val="3B3B3B"/>
+                </a:solidFill>
+                <a:effectLst/>
+                <a:latin typeface="DM Mono" panose="020B0509040201040103" pitchFamily="49" charset="0"/>
+              </a:rPr>
+              <a:t>() { </a:t>
+            </a:r>
+            <a:r>
+              <a:rPr lang="en-US" altLang="ko-KR" b="0" dirty="0">
+                <a:solidFill>
+                  <a:srgbClr val="000000"/>
+                </a:solidFill>
+                <a:effectLst/>
+                <a:latin typeface="DM Mono" panose="020B0509040201040103" pitchFamily="49" charset="0"/>
+              </a:rPr>
+              <a:t>--</a:t>
+            </a:r>
+            <a:r>
+              <a:rPr lang="en-US" altLang="ko-KR" b="0" dirty="0" err="1">
+                <a:solidFill>
+                  <a:srgbClr val="001080"/>
+                </a:solidFill>
+                <a:effectLst/>
+                <a:latin typeface="DM Mono" panose="020B0509040201040103" pitchFamily="49" charset="0"/>
+              </a:rPr>
+              <a:t>cnt</a:t>
+            </a:r>
+            <a:r>
+              <a:rPr lang="en-US" altLang="ko-KR" b="0" dirty="0">
+                <a:solidFill>
+                  <a:srgbClr val="3B3B3B"/>
+                </a:solidFill>
+                <a:effectLst/>
+                <a:latin typeface="DM Mono" panose="020B0509040201040103" pitchFamily="49" charset="0"/>
+              </a:rPr>
+              <a:t>; }</a:t>
+            </a:r>
+          </a:p>
+          <a:p>
+            <a:pPr>
+              <a:lnSpc>
+                <a:spcPts val="2475"/>
+              </a:lnSpc>
+              <a:buNone/>
+            </a:pPr>
+            <a:br>
+              <a:rPr lang="en-US" altLang="ko-KR" b="0" dirty="0">
+                <a:solidFill>
+                  <a:srgbClr val="3B3B3B"/>
+                </a:solidFill>
+                <a:effectLst/>
+                <a:latin typeface="DM Mono" panose="020B0509040201040103" pitchFamily="49" charset="0"/>
+              </a:rPr>
+            </a:br>
+            <a:r>
+              <a:rPr lang="en-US" altLang="ko-KR" b="0" dirty="0">
+                <a:solidFill>
+                  <a:srgbClr val="0000FF"/>
+                </a:solidFill>
+                <a:effectLst/>
+                <a:latin typeface="DM Mono" panose="020B0509040201040103" pitchFamily="49" charset="0"/>
+              </a:rPr>
+              <a:t>int</a:t>
+            </a:r>
+            <a:r>
+              <a:rPr lang="en-US" altLang="ko-KR" b="0" dirty="0">
+                <a:solidFill>
+                  <a:srgbClr val="3B3B3B"/>
+                </a:solidFill>
+                <a:effectLst/>
+                <a:latin typeface="DM Mono" panose="020B0509040201040103" pitchFamily="49" charset="0"/>
+              </a:rPr>
+              <a:t> </a:t>
+            </a:r>
+            <a:r>
+              <a:rPr lang="en-US" altLang="ko-KR" b="0" dirty="0" err="1">
+                <a:solidFill>
+                  <a:srgbClr val="795E26"/>
+                </a:solidFill>
+                <a:effectLst/>
+                <a:latin typeface="DM Mono" panose="020B0509040201040103" pitchFamily="49" charset="0"/>
+              </a:rPr>
+              <a:t>GetCount</a:t>
+            </a:r>
+            <a:r>
+              <a:rPr lang="en-US" altLang="ko-KR" b="0" dirty="0">
+                <a:solidFill>
+                  <a:srgbClr val="3B3B3B"/>
+                </a:solidFill>
+                <a:effectLst/>
+                <a:latin typeface="DM Mono" panose="020B0509040201040103" pitchFamily="49" charset="0"/>
+              </a:rPr>
+              <a:t>() { </a:t>
+            </a:r>
+            <a:r>
+              <a:rPr lang="en-US" altLang="ko-KR" b="0" dirty="0">
+                <a:solidFill>
+                  <a:srgbClr val="AF00DB"/>
+                </a:solidFill>
+                <a:effectLst/>
+                <a:latin typeface="DM Mono" panose="020B0509040201040103" pitchFamily="49" charset="0"/>
+              </a:rPr>
+              <a:t>return</a:t>
+            </a:r>
+            <a:r>
+              <a:rPr lang="en-US" altLang="ko-KR" b="0" dirty="0">
+                <a:solidFill>
+                  <a:srgbClr val="3B3B3B"/>
+                </a:solidFill>
+                <a:effectLst/>
+                <a:latin typeface="DM Mono" panose="020B0509040201040103" pitchFamily="49" charset="0"/>
+              </a:rPr>
+              <a:t> </a:t>
+            </a:r>
+            <a:r>
+              <a:rPr lang="en-US" altLang="ko-KR" b="0" dirty="0" err="1">
+                <a:solidFill>
+                  <a:srgbClr val="001080"/>
+                </a:solidFill>
+                <a:effectLst/>
+                <a:latin typeface="DM Mono" panose="020B0509040201040103" pitchFamily="49" charset="0"/>
+              </a:rPr>
+              <a:t>cnt</a:t>
+            </a:r>
+            <a:r>
+              <a:rPr lang="en-US" altLang="ko-KR" b="0" dirty="0">
+                <a:solidFill>
+                  <a:srgbClr val="3B3B3B"/>
+                </a:solidFill>
+                <a:effectLst/>
+                <a:latin typeface="DM Mono" panose="020B0509040201040103" pitchFamily="49" charset="0"/>
+              </a:rPr>
+              <a:t>; }</a:t>
+            </a:r>
+          </a:p>
+          <a:p>
+            <a:pPr>
+              <a:lnSpc>
+                <a:spcPts val="2475"/>
+              </a:lnSpc>
+              <a:buNone/>
+            </a:pPr>
+            <a:r>
+              <a:rPr lang="en-US" altLang="ko-KR" b="0" dirty="0">
+                <a:solidFill>
+                  <a:srgbClr val="3B3B3B"/>
+                </a:solidFill>
+                <a:effectLst/>
+                <a:latin typeface="DM Mono" panose="020B0509040201040103" pitchFamily="49" charset="0"/>
+              </a:rPr>
+              <a:t>};</a:t>
+            </a:r>
+          </a:p>
+          <a:p>
+            <a:pPr>
+              <a:lnSpc>
+                <a:spcPts val="2475"/>
+              </a:lnSpc>
+              <a:buNone/>
+            </a:pPr>
+            <a:br>
+              <a:rPr lang="en-US" altLang="ko-KR" b="0" dirty="0">
+                <a:solidFill>
+                  <a:srgbClr val="FF0000"/>
+                </a:solidFill>
+                <a:effectLst/>
+                <a:latin typeface="DM Mono" panose="020B0509040201040103" pitchFamily="49" charset="0"/>
+              </a:rPr>
+            </a:br>
+            <a:r>
+              <a:rPr lang="en-US" altLang="ko-KR" b="0" dirty="0">
+                <a:solidFill>
+                  <a:srgbClr val="FF0000"/>
+                </a:solidFill>
+                <a:effectLst/>
+                <a:latin typeface="DM Mono" panose="020B0509040201040103" pitchFamily="49" charset="0"/>
+              </a:rPr>
+              <a:t>Car c1;</a:t>
+            </a:r>
+          </a:p>
+          <a:p>
+            <a:pPr>
+              <a:lnSpc>
+                <a:spcPts val="2475"/>
+              </a:lnSpc>
+              <a:buNone/>
+            </a:pPr>
+            <a:r>
+              <a:rPr lang="en-US" altLang="ko-KR" b="0" dirty="0">
+                <a:solidFill>
+                  <a:srgbClr val="267F99"/>
+                </a:solidFill>
+                <a:effectLst/>
+                <a:latin typeface="DM Mono" panose="020B0509040201040103" pitchFamily="49" charset="0"/>
+              </a:rPr>
+              <a:t>Car</a:t>
+            </a:r>
+            <a:r>
+              <a:rPr lang="en-US" altLang="ko-KR" b="0" dirty="0">
+                <a:solidFill>
+                  <a:srgbClr val="3B3B3B"/>
+                </a:solidFill>
+                <a:effectLst/>
+                <a:latin typeface="DM Mono" panose="020B0509040201040103" pitchFamily="49" charset="0"/>
+              </a:rPr>
+              <a:t> </a:t>
+            </a:r>
+            <a:r>
+              <a:rPr lang="en-US" altLang="ko-KR" b="0" dirty="0">
+                <a:solidFill>
+                  <a:srgbClr val="001080"/>
+                </a:solidFill>
+                <a:effectLst/>
+                <a:latin typeface="DM Mono" panose="020B0509040201040103" pitchFamily="49" charset="0"/>
+              </a:rPr>
+              <a:t>c2</a:t>
+            </a:r>
+            <a:r>
+              <a:rPr lang="en-US" altLang="ko-KR" b="0" dirty="0">
+                <a:solidFill>
+                  <a:srgbClr val="3B3B3B"/>
+                </a:solidFill>
+                <a:effectLst/>
+                <a:latin typeface="DM Mono" panose="020B0509040201040103" pitchFamily="49" charset="0"/>
+              </a:rPr>
+              <a:t>;</a:t>
+            </a:r>
+          </a:p>
+          <a:p>
+            <a:pPr>
+              <a:lnSpc>
+                <a:spcPts val="2475"/>
+              </a:lnSpc>
+              <a:buNone/>
+            </a:pPr>
+            <a:r>
+              <a:rPr lang="en-US" altLang="ko-KR" b="0" dirty="0">
+                <a:solidFill>
+                  <a:srgbClr val="267F99"/>
+                </a:solidFill>
+                <a:effectLst/>
+                <a:latin typeface="DM Mono" panose="020B0509040201040103" pitchFamily="49" charset="0"/>
+              </a:rPr>
+              <a:t>Car</a:t>
+            </a:r>
+            <a:r>
+              <a:rPr lang="en-US" altLang="ko-KR" b="0" dirty="0">
+                <a:solidFill>
+                  <a:srgbClr val="3B3B3B"/>
+                </a:solidFill>
+                <a:effectLst/>
+                <a:latin typeface="DM Mono" panose="020B0509040201040103" pitchFamily="49" charset="0"/>
+              </a:rPr>
+              <a:t> </a:t>
+            </a:r>
+            <a:r>
+              <a:rPr lang="en-US" altLang="ko-KR" b="0" dirty="0">
+                <a:solidFill>
+                  <a:srgbClr val="001080"/>
+                </a:solidFill>
+                <a:effectLst/>
+                <a:latin typeface="DM Mono" panose="020B0509040201040103" pitchFamily="49" charset="0"/>
+              </a:rPr>
+              <a:t>c3</a:t>
+            </a:r>
+            <a:r>
+              <a:rPr lang="en-US" altLang="ko-KR" b="0" dirty="0">
+                <a:solidFill>
+                  <a:srgbClr val="3B3B3B"/>
+                </a:solidFill>
+                <a:effectLst/>
+                <a:latin typeface="DM Mono" panose="020B0509040201040103" pitchFamily="49" charset="0"/>
+              </a:rPr>
+              <a:t>;</a:t>
+            </a:r>
+          </a:p>
+        </p:txBody>
+      </p:sp>
+      <p:sp>
+        <p:nvSpPr>
+          <p:cNvPr id="2" name="직사각형 1">
+            <a:extLst>
+              <a:ext uri="{FF2B5EF4-FFF2-40B4-BE49-F238E27FC236}">
+                <a16:creationId xmlns:a16="http://schemas.microsoft.com/office/drawing/2014/main" id="{1AB0B9DB-068E-E87B-6921-879A44BC79D6}"/>
+              </a:ext>
+            </a:extLst>
+          </p:cNvPr>
+          <p:cNvSpPr/>
+          <p:nvPr/>
+        </p:nvSpPr>
+        <p:spPr>
+          <a:xfrm>
+            <a:off x="7638810" y="3633111"/>
+            <a:ext cx="1287379" cy="605567"/>
+          </a:xfrm>
+          <a:prstGeom prst="rect">
+            <a:avLst/>
+          </a:prstGeom>
+          <a:solidFill>
+            <a:srgbClr val="FFFF00"/>
+          </a:solidFill>
+        </p:spPr>
+        <p:style>
+          <a:lnRef idx="2">
+            <a:schemeClr val="accent4">
+              <a:shade val="15000"/>
+            </a:schemeClr>
+          </a:lnRef>
+          <a:fillRef idx="1">
+            <a:schemeClr val="accent4"/>
+          </a:fillRef>
+          <a:effectRef idx="0">
+            <a:schemeClr val="accent4"/>
+          </a:effectRef>
+          <a:fontRef idx="minor">
+            <a:schemeClr val="lt1"/>
+          </a:fontRef>
+        </p:style>
+        <p:txBody>
+          <a:bodyPr rtlCol="0" anchor="ctr"/>
+          <a:lstStyle/>
+          <a:p>
+            <a:pPr algn="ctr"/>
+            <a:endParaRPr kumimoji="1" lang="ko-KR" altLang="en-US" dirty="0">
+              <a:solidFill>
+                <a:schemeClr val="tx1"/>
+              </a:solidFill>
+              <a:highlight>
+                <a:srgbClr val="FFFF00"/>
+              </a:highlight>
+              <a:latin typeface="DM Mono" panose="020B0509040201040103" pitchFamily="49" charset="0"/>
+            </a:endParaRPr>
+          </a:p>
+        </p:txBody>
+      </p:sp>
+      <p:sp>
+        <p:nvSpPr>
+          <p:cNvPr id="6" name="TextBox 5">
+            <a:extLst>
+              <a:ext uri="{FF2B5EF4-FFF2-40B4-BE49-F238E27FC236}">
+                <a16:creationId xmlns:a16="http://schemas.microsoft.com/office/drawing/2014/main" id="{224EA30D-3D46-DD1C-03B7-83074142E05A}"/>
+              </a:ext>
+            </a:extLst>
+          </p:cNvPr>
+          <p:cNvSpPr txBox="1"/>
+          <p:nvPr/>
+        </p:nvSpPr>
+        <p:spPr>
+          <a:xfrm>
+            <a:off x="7638809" y="3212211"/>
+            <a:ext cx="1287379" cy="369332"/>
+          </a:xfrm>
+          <a:prstGeom prst="rect">
+            <a:avLst/>
+          </a:prstGeom>
+          <a:noFill/>
+        </p:spPr>
+        <p:txBody>
+          <a:bodyPr wrap="square" rtlCol="0">
+            <a:spAutoFit/>
+          </a:bodyPr>
+          <a:lstStyle/>
+          <a:p>
+            <a:pPr algn="ctr"/>
+            <a:r>
+              <a:rPr kumimoji="1" lang="en-US" altLang="ko-KR" dirty="0">
+                <a:latin typeface="DM Mono" panose="020B0509040201040103" pitchFamily="49" charset="0"/>
+              </a:rPr>
+              <a:t>c2</a:t>
+            </a:r>
+            <a:endParaRPr kumimoji="1" lang="ko-KR" altLang="en-US" dirty="0">
+              <a:latin typeface="DM Mono" panose="020B0509040201040103" pitchFamily="49" charset="0"/>
+            </a:endParaRPr>
+          </a:p>
+        </p:txBody>
+      </p:sp>
+      <p:sp>
+        <p:nvSpPr>
+          <p:cNvPr id="9" name="직사각형 8">
+            <a:extLst>
+              <a:ext uri="{FF2B5EF4-FFF2-40B4-BE49-F238E27FC236}">
+                <a16:creationId xmlns:a16="http://schemas.microsoft.com/office/drawing/2014/main" id="{F219A36F-762E-E687-4C3A-AC2F4880CCA4}"/>
+              </a:ext>
+            </a:extLst>
+          </p:cNvPr>
+          <p:cNvSpPr/>
+          <p:nvPr/>
+        </p:nvSpPr>
+        <p:spPr>
+          <a:xfrm>
+            <a:off x="7638810" y="4997436"/>
+            <a:ext cx="1287379" cy="605567"/>
+          </a:xfrm>
+          <a:prstGeom prst="rect">
+            <a:avLst/>
+          </a:prstGeom>
+          <a:solidFill>
+            <a:srgbClr val="FFFF00"/>
+          </a:solidFill>
+        </p:spPr>
+        <p:style>
+          <a:lnRef idx="2">
+            <a:schemeClr val="accent4">
+              <a:shade val="15000"/>
+            </a:schemeClr>
+          </a:lnRef>
+          <a:fillRef idx="1">
+            <a:schemeClr val="accent4"/>
+          </a:fillRef>
+          <a:effectRef idx="0">
+            <a:schemeClr val="accent4"/>
+          </a:effectRef>
+          <a:fontRef idx="minor">
+            <a:schemeClr val="lt1"/>
+          </a:fontRef>
+        </p:style>
+        <p:txBody>
+          <a:bodyPr rtlCol="0" anchor="ctr"/>
+          <a:lstStyle/>
+          <a:p>
+            <a:pPr algn="ctr"/>
+            <a:endParaRPr kumimoji="1" lang="ko-KR" altLang="en-US" dirty="0">
+              <a:solidFill>
+                <a:schemeClr val="tx1"/>
+              </a:solidFill>
+              <a:highlight>
+                <a:srgbClr val="FFFF00"/>
+              </a:highlight>
+              <a:latin typeface="DM Mono" panose="020B0509040201040103" pitchFamily="49" charset="0"/>
+            </a:endParaRPr>
+          </a:p>
+        </p:txBody>
+      </p:sp>
+      <p:sp>
+        <p:nvSpPr>
+          <p:cNvPr id="19" name="TextBox 18">
+            <a:extLst>
+              <a:ext uri="{FF2B5EF4-FFF2-40B4-BE49-F238E27FC236}">
+                <a16:creationId xmlns:a16="http://schemas.microsoft.com/office/drawing/2014/main" id="{A8EF84D7-2060-99C8-E694-40C64B9FB372}"/>
+              </a:ext>
+            </a:extLst>
+          </p:cNvPr>
+          <p:cNvSpPr txBox="1"/>
+          <p:nvPr/>
+        </p:nvSpPr>
+        <p:spPr>
+          <a:xfrm>
+            <a:off x="7638809" y="4576536"/>
+            <a:ext cx="1287379" cy="369332"/>
+          </a:xfrm>
+          <a:prstGeom prst="rect">
+            <a:avLst/>
+          </a:prstGeom>
+          <a:noFill/>
+        </p:spPr>
+        <p:txBody>
+          <a:bodyPr wrap="square" rtlCol="0">
+            <a:spAutoFit/>
+          </a:bodyPr>
+          <a:lstStyle/>
+          <a:p>
+            <a:pPr algn="ctr"/>
+            <a:r>
+              <a:rPr kumimoji="1" lang="en-US" altLang="ko-KR" dirty="0">
+                <a:latin typeface="DM Mono" panose="020B0509040201040103" pitchFamily="49" charset="0"/>
+              </a:rPr>
+              <a:t>c3</a:t>
+            </a:r>
+            <a:endParaRPr kumimoji="1" lang="ko-KR" altLang="en-US" dirty="0">
+              <a:latin typeface="DM Mono" panose="020B0509040201040103" pitchFamily="49" charset="0"/>
+            </a:endParaRPr>
+          </a:p>
+        </p:txBody>
+      </p:sp>
+      <p:sp>
+        <p:nvSpPr>
+          <p:cNvPr id="5" name="직사각형 4">
+            <a:extLst>
+              <a:ext uri="{FF2B5EF4-FFF2-40B4-BE49-F238E27FC236}">
+                <a16:creationId xmlns:a16="http://schemas.microsoft.com/office/drawing/2014/main" id="{0CBE5473-9475-F6FF-DC42-D7F5E8B03051}"/>
+              </a:ext>
+            </a:extLst>
+          </p:cNvPr>
+          <p:cNvSpPr/>
+          <p:nvPr/>
+        </p:nvSpPr>
+        <p:spPr>
+          <a:xfrm>
+            <a:off x="10449186" y="616619"/>
+            <a:ext cx="1287379" cy="605567"/>
+          </a:xfrm>
+          <a:prstGeom prst="rect">
+            <a:avLst/>
+          </a:prstGeom>
+          <a:solidFill>
+            <a:srgbClr val="FFFF00"/>
+          </a:solidFill>
+        </p:spPr>
+        <p:style>
+          <a:lnRef idx="2">
+            <a:schemeClr val="accent4">
+              <a:shade val="15000"/>
+            </a:schemeClr>
+          </a:lnRef>
+          <a:fillRef idx="1">
+            <a:schemeClr val="accent4"/>
+          </a:fillRef>
+          <a:effectRef idx="0">
+            <a:schemeClr val="accent4"/>
+          </a:effectRef>
+          <a:fontRef idx="minor">
+            <a:schemeClr val="lt1"/>
+          </a:fontRef>
+        </p:style>
+        <p:txBody>
+          <a:bodyPr rtlCol="0" anchor="ctr"/>
+          <a:lstStyle/>
+          <a:p>
+            <a:pPr algn="ctr"/>
+            <a:r>
+              <a:rPr kumimoji="1" lang="en-US" altLang="ko-KR" dirty="0">
+                <a:solidFill>
+                  <a:srgbClr val="FF0000"/>
+                </a:solidFill>
+                <a:highlight>
+                  <a:srgbClr val="FFFF00"/>
+                </a:highlight>
+                <a:latin typeface="DM Mono" panose="020B0509040201040103" pitchFamily="49" charset="0"/>
+              </a:rPr>
+              <a:t>1</a:t>
+            </a:r>
+            <a:endParaRPr kumimoji="1" lang="ko-KR" altLang="en-US" dirty="0">
+              <a:solidFill>
+                <a:srgbClr val="FF0000"/>
+              </a:solidFill>
+              <a:highlight>
+                <a:srgbClr val="FFFF00"/>
+              </a:highlight>
+              <a:latin typeface="DM Mono" panose="020B0509040201040103" pitchFamily="49" charset="0"/>
+            </a:endParaRPr>
+          </a:p>
+        </p:txBody>
+      </p:sp>
+      <p:sp>
+        <p:nvSpPr>
+          <p:cNvPr id="7" name="TextBox 6">
+            <a:extLst>
+              <a:ext uri="{FF2B5EF4-FFF2-40B4-BE49-F238E27FC236}">
+                <a16:creationId xmlns:a16="http://schemas.microsoft.com/office/drawing/2014/main" id="{CE84002F-CCA5-619E-F2DB-1201B595AD49}"/>
+              </a:ext>
+            </a:extLst>
+          </p:cNvPr>
+          <p:cNvSpPr txBox="1"/>
+          <p:nvPr/>
+        </p:nvSpPr>
+        <p:spPr>
+          <a:xfrm>
+            <a:off x="9395638" y="734736"/>
+            <a:ext cx="1287379" cy="369332"/>
+          </a:xfrm>
+          <a:prstGeom prst="rect">
+            <a:avLst/>
+          </a:prstGeom>
+          <a:noFill/>
+        </p:spPr>
+        <p:txBody>
+          <a:bodyPr wrap="square" rtlCol="0">
+            <a:spAutoFit/>
+          </a:bodyPr>
+          <a:lstStyle/>
+          <a:p>
+            <a:pPr algn="ctr"/>
+            <a:r>
+              <a:rPr kumimoji="1" lang="en-US" altLang="ko-KR" dirty="0" err="1">
+                <a:latin typeface="DM Mono" panose="020B0509040201040103" pitchFamily="49" charset="0"/>
+              </a:rPr>
+              <a:t>cnt</a:t>
+            </a:r>
+            <a:endParaRPr kumimoji="1" lang="ko-KR" altLang="en-US" dirty="0">
+              <a:latin typeface="DM Mono" panose="020B0509040201040103" pitchFamily="49" charset="0"/>
+            </a:endParaRPr>
+          </a:p>
+        </p:txBody>
+      </p:sp>
+    </p:spTree>
+    <p:extLst>
+      <p:ext uri="{BB962C8B-B14F-4D97-AF65-F5344CB8AC3E}">
+        <p14:creationId xmlns:p14="http://schemas.microsoft.com/office/powerpoint/2010/main" val="3435405740"/>
+      </p:ext>
+    </p:extLst>
+  </p:cSld>
+  <p:clrMapOvr>
+    <a:masterClrMapping/>
+  </p:clrMapOvr>
+</p:sld>
+</file>
+
+<file path=ppt/slides/slide49.xml><?xml version="1.0" encoding="utf-8"?>
+<p:sld xmlns:a="http://schemas.openxmlformats.org/drawingml/2006/main" xmlns:r="http://schemas.openxmlformats.org/officeDocument/2006/relationships" xmlns:p="http://schemas.openxmlformats.org/presentationml/2006/main">
+  <p:cSld>
+    <p:spTree>
+      <p:nvGrpSpPr>
+        <p:cNvPr id="1" name="">
+          <a:extLst>
+            <a:ext uri="{FF2B5EF4-FFF2-40B4-BE49-F238E27FC236}">
+              <a16:creationId xmlns:a16="http://schemas.microsoft.com/office/drawing/2014/main" id="{B8377DB3-C722-6758-F252-661DD43E5760}"/>
+            </a:ext>
+          </a:extLst>
+        </p:cNvPr>
+        <p:cNvGrpSpPr/>
+        <p:nvPr/>
+      </p:nvGrpSpPr>
+      <p:grpSpPr>
+        <a:xfrm>
+          <a:off x="0" y="0"/>
+          <a:ext cx="0" cy="0"/>
+          <a:chOff x="0" y="0"/>
+          <a:chExt cx="0" cy="0"/>
+        </a:xfrm>
+      </p:grpSpPr>
+      <p:sp>
+        <p:nvSpPr>
+          <p:cNvPr id="14" name="직사각형 13">
+            <a:extLst>
+              <a:ext uri="{FF2B5EF4-FFF2-40B4-BE49-F238E27FC236}">
+                <a16:creationId xmlns:a16="http://schemas.microsoft.com/office/drawing/2014/main" id="{F87CACAC-9737-A5B4-82E1-F11238590C39}"/>
+              </a:ext>
+            </a:extLst>
+          </p:cNvPr>
+          <p:cNvSpPr/>
+          <p:nvPr/>
+        </p:nvSpPr>
+        <p:spPr>
+          <a:xfrm>
+            <a:off x="7638811" y="2202237"/>
+            <a:ext cx="1287379" cy="605567"/>
+          </a:xfrm>
+          <a:prstGeom prst="rect">
+            <a:avLst/>
+          </a:prstGeom>
+          <a:solidFill>
+            <a:srgbClr val="FFFF00"/>
+          </a:solidFill>
+        </p:spPr>
+        <p:style>
+          <a:lnRef idx="2">
+            <a:schemeClr val="accent4">
+              <a:shade val="15000"/>
+            </a:schemeClr>
+          </a:lnRef>
+          <a:fillRef idx="1">
+            <a:schemeClr val="accent4"/>
+          </a:fillRef>
+          <a:effectRef idx="0">
+            <a:schemeClr val="accent4"/>
+          </a:effectRef>
+          <a:fontRef idx="minor">
+            <a:schemeClr val="lt1"/>
+          </a:fontRef>
+        </p:style>
+        <p:txBody>
+          <a:bodyPr rtlCol="0" anchor="ctr"/>
+          <a:lstStyle/>
+          <a:p>
+            <a:pPr algn="ctr"/>
+            <a:endParaRPr kumimoji="1" lang="ko-KR" altLang="en-US" dirty="0">
+              <a:solidFill>
+                <a:schemeClr val="tx1"/>
+              </a:solidFill>
+              <a:highlight>
+                <a:srgbClr val="FFFF00"/>
+              </a:highlight>
+              <a:latin typeface="DM Mono" panose="020B0509040201040103" pitchFamily="49" charset="0"/>
+            </a:endParaRPr>
+          </a:p>
+        </p:txBody>
+      </p:sp>
+      <p:sp>
+        <p:nvSpPr>
+          <p:cNvPr id="16" name="TextBox 15">
+            <a:extLst>
+              <a:ext uri="{FF2B5EF4-FFF2-40B4-BE49-F238E27FC236}">
+                <a16:creationId xmlns:a16="http://schemas.microsoft.com/office/drawing/2014/main" id="{C7EFC4D3-3970-9A67-DF87-3C87F7B42D24}"/>
+              </a:ext>
+            </a:extLst>
+          </p:cNvPr>
+          <p:cNvSpPr txBox="1"/>
+          <p:nvPr/>
+        </p:nvSpPr>
+        <p:spPr>
+          <a:xfrm>
+            <a:off x="7638810" y="1781337"/>
+            <a:ext cx="1287379" cy="369332"/>
+          </a:xfrm>
+          <a:prstGeom prst="rect">
+            <a:avLst/>
+          </a:prstGeom>
+          <a:noFill/>
+        </p:spPr>
+        <p:txBody>
+          <a:bodyPr wrap="square" rtlCol="0">
+            <a:spAutoFit/>
+          </a:bodyPr>
+          <a:lstStyle/>
+          <a:p>
+            <a:pPr algn="ctr"/>
+            <a:r>
+              <a:rPr kumimoji="1" lang="en-US" altLang="ko-KR" dirty="0">
+                <a:latin typeface="DM Mono" panose="020B0509040201040103" pitchFamily="49" charset="0"/>
+              </a:rPr>
+              <a:t>c1</a:t>
+            </a:r>
+            <a:endParaRPr kumimoji="1" lang="ko-KR" altLang="en-US" dirty="0">
+              <a:latin typeface="DM Mono" panose="020B0509040201040103" pitchFamily="49" charset="0"/>
+            </a:endParaRPr>
+          </a:p>
+        </p:txBody>
+      </p:sp>
+      <p:sp>
+        <p:nvSpPr>
+          <p:cNvPr id="3" name="TextBox 2">
+            <a:extLst>
+              <a:ext uri="{FF2B5EF4-FFF2-40B4-BE49-F238E27FC236}">
+                <a16:creationId xmlns:a16="http://schemas.microsoft.com/office/drawing/2014/main" id="{913406DB-A972-3792-8A27-08116C303977}"/>
+              </a:ext>
+            </a:extLst>
+          </p:cNvPr>
+          <p:cNvSpPr txBox="1"/>
+          <p:nvPr/>
+        </p:nvSpPr>
+        <p:spPr>
+          <a:xfrm>
+            <a:off x="455435" y="195719"/>
+            <a:ext cx="6097656" cy="4566571"/>
+          </a:xfrm>
+          <a:prstGeom prst="rect">
+            <a:avLst/>
+          </a:prstGeom>
+          <a:noFill/>
+        </p:spPr>
+        <p:txBody>
+          <a:bodyPr wrap="square">
+            <a:spAutoFit/>
+          </a:bodyPr>
+          <a:lstStyle/>
+          <a:p>
+            <a:pPr>
+              <a:lnSpc>
+                <a:spcPts val="2475"/>
+              </a:lnSpc>
+              <a:buNone/>
+            </a:pPr>
+            <a:r>
+              <a:rPr lang="en-US" altLang="ko-KR" b="0" dirty="0">
+                <a:solidFill>
+                  <a:srgbClr val="0000FF"/>
+                </a:solidFill>
+                <a:effectLst/>
+                <a:latin typeface="DM Mono" panose="020B0509040201040103" pitchFamily="49" charset="0"/>
+              </a:rPr>
+              <a:t>int</a:t>
+            </a:r>
+            <a:r>
+              <a:rPr lang="en-US" altLang="ko-KR" b="0" dirty="0">
+                <a:solidFill>
+                  <a:srgbClr val="3B3B3B"/>
+                </a:solidFill>
+                <a:effectLst/>
+                <a:latin typeface="DM Mono" panose="020B0509040201040103" pitchFamily="49" charset="0"/>
+              </a:rPr>
+              <a:t> </a:t>
+            </a:r>
+            <a:r>
+              <a:rPr lang="en-US" altLang="ko-KR" b="0" dirty="0" err="1">
+                <a:solidFill>
+                  <a:srgbClr val="001080"/>
+                </a:solidFill>
+                <a:effectLst/>
+                <a:latin typeface="DM Mono" panose="020B0509040201040103" pitchFamily="49" charset="0"/>
+              </a:rPr>
+              <a:t>cnt</a:t>
+            </a:r>
+            <a:r>
+              <a:rPr lang="en-US" altLang="ko-KR" b="0" dirty="0">
+                <a:solidFill>
+                  <a:srgbClr val="3B3B3B"/>
+                </a:solidFill>
+                <a:effectLst/>
+                <a:latin typeface="DM Mono" panose="020B0509040201040103" pitchFamily="49" charset="0"/>
+              </a:rPr>
+              <a:t> </a:t>
+            </a:r>
+            <a:r>
+              <a:rPr lang="en-US" altLang="ko-KR" b="0" dirty="0">
+                <a:solidFill>
+                  <a:srgbClr val="000000"/>
+                </a:solidFill>
+                <a:effectLst/>
+                <a:latin typeface="DM Mono" panose="020B0509040201040103" pitchFamily="49" charset="0"/>
+              </a:rPr>
+              <a:t>=</a:t>
+            </a:r>
+            <a:r>
+              <a:rPr lang="en-US" altLang="ko-KR" b="0" dirty="0">
+                <a:solidFill>
+                  <a:srgbClr val="3B3B3B"/>
+                </a:solidFill>
+                <a:effectLst/>
+                <a:latin typeface="DM Mono" panose="020B0509040201040103" pitchFamily="49" charset="0"/>
+              </a:rPr>
+              <a:t> </a:t>
+            </a:r>
+            <a:r>
+              <a:rPr lang="en-US" altLang="ko-KR" b="0" dirty="0">
+                <a:solidFill>
+                  <a:srgbClr val="098658"/>
+                </a:solidFill>
+                <a:effectLst/>
+                <a:latin typeface="DM Mono" panose="020B0509040201040103" pitchFamily="49" charset="0"/>
+              </a:rPr>
+              <a:t>0</a:t>
+            </a:r>
+            <a:r>
+              <a:rPr lang="en-US" altLang="ko-KR" b="0" dirty="0">
+                <a:solidFill>
+                  <a:srgbClr val="3B3B3B"/>
+                </a:solidFill>
+                <a:effectLst/>
+                <a:latin typeface="DM Mono" panose="020B0509040201040103" pitchFamily="49" charset="0"/>
+              </a:rPr>
+              <a:t>;</a:t>
+            </a:r>
+          </a:p>
+          <a:p>
+            <a:pPr>
+              <a:lnSpc>
+                <a:spcPts val="2475"/>
+              </a:lnSpc>
+              <a:buNone/>
+            </a:pPr>
+            <a:br>
+              <a:rPr lang="en-US" altLang="ko-KR" b="0" dirty="0">
+                <a:solidFill>
+                  <a:srgbClr val="3B3B3B"/>
+                </a:solidFill>
+                <a:effectLst/>
+                <a:latin typeface="DM Mono" panose="020B0509040201040103" pitchFamily="49" charset="0"/>
+              </a:rPr>
+            </a:br>
+            <a:r>
+              <a:rPr lang="en-US" altLang="ko-KR" b="0" dirty="0">
+                <a:solidFill>
+                  <a:srgbClr val="0000FF"/>
+                </a:solidFill>
+                <a:effectLst/>
+                <a:latin typeface="DM Mono" panose="020B0509040201040103" pitchFamily="49" charset="0"/>
+              </a:rPr>
+              <a:t>class</a:t>
+            </a:r>
+            <a:r>
+              <a:rPr lang="en-US" altLang="ko-KR" b="0" dirty="0">
+                <a:solidFill>
+                  <a:srgbClr val="3B3B3B"/>
+                </a:solidFill>
+                <a:effectLst/>
+                <a:latin typeface="DM Mono" panose="020B0509040201040103" pitchFamily="49" charset="0"/>
+              </a:rPr>
+              <a:t> </a:t>
+            </a:r>
+            <a:r>
+              <a:rPr lang="en-US" altLang="ko-KR" b="0" dirty="0">
+                <a:solidFill>
+                  <a:srgbClr val="267F99"/>
+                </a:solidFill>
+                <a:effectLst/>
+                <a:latin typeface="DM Mono" panose="020B0509040201040103" pitchFamily="49" charset="0"/>
+              </a:rPr>
+              <a:t>Car</a:t>
+            </a:r>
+            <a:endParaRPr lang="en-US" altLang="ko-KR" b="0" dirty="0">
+              <a:solidFill>
+                <a:srgbClr val="3B3B3B"/>
+              </a:solidFill>
+              <a:effectLst/>
+              <a:latin typeface="DM Mono" panose="020B0509040201040103" pitchFamily="49" charset="0"/>
+            </a:endParaRPr>
+          </a:p>
+          <a:p>
+            <a:pPr>
+              <a:lnSpc>
+                <a:spcPts val="2475"/>
+              </a:lnSpc>
+              <a:buNone/>
+            </a:pPr>
+            <a:r>
+              <a:rPr lang="en-US" altLang="ko-KR" b="0" dirty="0">
+                <a:solidFill>
+                  <a:srgbClr val="3B3B3B"/>
+                </a:solidFill>
+                <a:effectLst/>
+                <a:latin typeface="DM Mono" panose="020B0509040201040103" pitchFamily="49" charset="0"/>
+              </a:rPr>
+              <a:t>{</a:t>
+            </a:r>
+          </a:p>
+          <a:p>
+            <a:pPr>
+              <a:lnSpc>
+                <a:spcPts val="2475"/>
+              </a:lnSpc>
+              <a:buNone/>
+            </a:pPr>
+            <a:r>
+              <a:rPr lang="en-US" altLang="ko-KR" b="0" dirty="0">
+                <a:solidFill>
+                  <a:srgbClr val="0000FF"/>
+                </a:solidFill>
+                <a:effectLst/>
+                <a:latin typeface="DM Mono" panose="020B0509040201040103" pitchFamily="49" charset="0"/>
+              </a:rPr>
+              <a:t>public:</a:t>
+            </a:r>
+            <a:endParaRPr lang="en-US" altLang="ko-KR" b="0" dirty="0">
+              <a:solidFill>
+                <a:srgbClr val="3B3B3B"/>
+              </a:solidFill>
+              <a:effectLst/>
+              <a:latin typeface="DM Mono" panose="020B0509040201040103" pitchFamily="49" charset="0"/>
+            </a:endParaRPr>
+          </a:p>
+          <a:p>
+            <a:pPr>
+              <a:lnSpc>
+                <a:spcPts val="2475"/>
+              </a:lnSpc>
+              <a:buNone/>
+            </a:pPr>
+            <a:r>
+              <a:rPr lang="en-US" altLang="ko-KR" b="0" dirty="0">
+                <a:solidFill>
+                  <a:srgbClr val="795E26"/>
+                </a:solidFill>
+                <a:effectLst/>
+                <a:latin typeface="DM Mono" panose="020B0509040201040103" pitchFamily="49" charset="0"/>
+              </a:rPr>
+              <a:t>Car</a:t>
+            </a:r>
+            <a:r>
+              <a:rPr lang="en-US" altLang="ko-KR" b="0" dirty="0">
+                <a:solidFill>
+                  <a:srgbClr val="3B3B3B"/>
+                </a:solidFill>
+                <a:effectLst/>
+                <a:latin typeface="DM Mono" panose="020B0509040201040103" pitchFamily="49" charset="0"/>
+              </a:rPr>
+              <a:t>() { </a:t>
+            </a:r>
+            <a:r>
+              <a:rPr lang="en-US" altLang="ko-KR" b="0" dirty="0">
+                <a:solidFill>
+                  <a:srgbClr val="000000"/>
+                </a:solidFill>
+                <a:effectLst/>
+                <a:latin typeface="DM Mono" panose="020B0509040201040103" pitchFamily="49" charset="0"/>
+              </a:rPr>
+              <a:t>++</a:t>
+            </a:r>
+            <a:r>
+              <a:rPr lang="en-US" altLang="ko-KR" b="0" dirty="0" err="1">
+                <a:solidFill>
+                  <a:srgbClr val="001080"/>
+                </a:solidFill>
+                <a:effectLst/>
+                <a:latin typeface="DM Mono" panose="020B0509040201040103" pitchFamily="49" charset="0"/>
+              </a:rPr>
+              <a:t>cnt</a:t>
+            </a:r>
+            <a:r>
+              <a:rPr lang="en-US" altLang="ko-KR" b="0" dirty="0">
+                <a:solidFill>
+                  <a:srgbClr val="3B3B3B"/>
+                </a:solidFill>
+                <a:effectLst/>
+                <a:latin typeface="DM Mono" panose="020B0509040201040103" pitchFamily="49" charset="0"/>
+              </a:rPr>
+              <a:t>; }</a:t>
+            </a:r>
+          </a:p>
+          <a:p>
+            <a:pPr>
+              <a:lnSpc>
+                <a:spcPts val="2475"/>
+              </a:lnSpc>
+              <a:buNone/>
+            </a:pPr>
+            <a:r>
+              <a:rPr lang="en-US" altLang="ko-KR" b="0" dirty="0">
+                <a:solidFill>
+                  <a:srgbClr val="795E26"/>
+                </a:solidFill>
+                <a:effectLst/>
+                <a:latin typeface="DM Mono" panose="020B0509040201040103" pitchFamily="49" charset="0"/>
+              </a:rPr>
+              <a:t>~Car</a:t>
+            </a:r>
+            <a:r>
+              <a:rPr lang="en-US" altLang="ko-KR" b="0" dirty="0">
+                <a:solidFill>
+                  <a:srgbClr val="3B3B3B"/>
+                </a:solidFill>
+                <a:effectLst/>
+                <a:latin typeface="DM Mono" panose="020B0509040201040103" pitchFamily="49" charset="0"/>
+              </a:rPr>
+              <a:t>() { </a:t>
+            </a:r>
+            <a:r>
+              <a:rPr lang="en-US" altLang="ko-KR" b="0" dirty="0">
+                <a:solidFill>
+                  <a:srgbClr val="000000"/>
+                </a:solidFill>
+                <a:effectLst/>
+                <a:latin typeface="DM Mono" panose="020B0509040201040103" pitchFamily="49" charset="0"/>
+              </a:rPr>
+              <a:t>--</a:t>
+            </a:r>
+            <a:r>
+              <a:rPr lang="en-US" altLang="ko-KR" b="0" dirty="0" err="1">
+                <a:solidFill>
+                  <a:srgbClr val="001080"/>
+                </a:solidFill>
+                <a:effectLst/>
+                <a:latin typeface="DM Mono" panose="020B0509040201040103" pitchFamily="49" charset="0"/>
+              </a:rPr>
+              <a:t>cnt</a:t>
+            </a:r>
+            <a:r>
+              <a:rPr lang="en-US" altLang="ko-KR" b="0" dirty="0">
+                <a:solidFill>
+                  <a:srgbClr val="3B3B3B"/>
+                </a:solidFill>
+                <a:effectLst/>
+                <a:latin typeface="DM Mono" panose="020B0509040201040103" pitchFamily="49" charset="0"/>
+              </a:rPr>
+              <a:t>; }</a:t>
+            </a:r>
+          </a:p>
+          <a:p>
+            <a:pPr>
+              <a:lnSpc>
+                <a:spcPts val="2475"/>
+              </a:lnSpc>
+              <a:buNone/>
+            </a:pPr>
+            <a:br>
+              <a:rPr lang="en-US" altLang="ko-KR" b="0" dirty="0">
+                <a:solidFill>
+                  <a:srgbClr val="3B3B3B"/>
+                </a:solidFill>
+                <a:effectLst/>
+                <a:latin typeface="DM Mono" panose="020B0509040201040103" pitchFamily="49" charset="0"/>
+              </a:rPr>
+            </a:br>
+            <a:r>
+              <a:rPr lang="en-US" altLang="ko-KR" b="0" dirty="0">
+                <a:solidFill>
+                  <a:srgbClr val="0000FF"/>
+                </a:solidFill>
+                <a:effectLst/>
+                <a:latin typeface="DM Mono" panose="020B0509040201040103" pitchFamily="49" charset="0"/>
+              </a:rPr>
+              <a:t>int</a:t>
+            </a:r>
+            <a:r>
+              <a:rPr lang="en-US" altLang="ko-KR" b="0" dirty="0">
+                <a:solidFill>
+                  <a:srgbClr val="3B3B3B"/>
+                </a:solidFill>
+                <a:effectLst/>
+                <a:latin typeface="DM Mono" panose="020B0509040201040103" pitchFamily="49" charset="0"/>
+              </a:rPr>
+              <a:t> </a:t>
+            </a:r>
+            <a:r>
+              <a:rPr lang="en-US" altLang="ko-KR" b="0" dirty="0" err="1">
+                <a:solidFill>
+                  <a:srgbClr val="795E26"/>
+                </a:solidFill>
+                <a:effectLst/>
+                <a:latin typeface="DM Mono" panose="020B0509040201040103" pitchFamily="49" charset="0"/>
+              </a:rPr>
+              <a:t>GetCount</a:t>
+            </a:r>
+            <a:r>
+              <a:rPr lang="en-US" altLang="ko-KR" b="0" dirty="0">
+                <a:solidFill>
+                  <a:srgbClr val="3B3B3B"/>
+                </a:solidFill>
+                <a:effectLst/>
+                <a:latin typeface="DM Mono" panose="020B0509040201040103" pitchFamily="49" charset="0"/>
+              </a:rPr>
+              <a:t>() { </a:t>
+            </a:r>
+            <a:r>
+              <a:rPr lang="en-US" altLang="ko-KR" b="0" dirty="0">
+                <a:solidFill>
+                  <a:srgbClr val="AF00DB"/>
+                </a:solidFill>
+                <a:effectLst/>
+                <a:latin typeface="DM Mono" panose="020B0509040201040103" pitchFamily="49" charset="0"/>
+              </a:rPr>
+              <a:t>return</a:t>
+            </a:r>
+            <a:r>
+              <a:rPr lang="en-US" altLang="ko-KR" b="0" dirty="0">
+                <a:solidFill>
+                  <a:srgbClr val="3B3B3B"/>
+                </a:solidFill>
+                <a:effectLst/>
+                <a:latin typeface="DM Mono" panose="020B0509040201040103" pitchFamily="49" charset="0"/>
+              </a:rPr>
+              <a:t> </a:t>
+            </a:r>
+            <a:r>
+              <a:rPr lang="en-US" altLang="ko-KR" b="0" dirty="0" err="1">
+                <a:solidFill>
+                  <a:srgbClr val="001080"/>
+                </a:solidFill>
+                <a:effectLst/>
+                <a:latin typeface="DM Mono" panose="020B0509040201040103" pitchFamily="49" charset="0"/>
+              </a:rPr>
+              <a:t>cnt</a:t>
+            </a:r>
+            <a:r>
+              <a:rPr lang="en-US" altLang="ko-KR" b="0" dirty="0">
+                <a:solidFill>
+                  <a:srgbClr val="3B3B3B"/>
+                </a:solidFill>
+                <a:effectLst/>
+                <a:latin typeface="DM Mono" panose="020B0509040201040103" pitchFamily="49" charset="0"/>
+              </a:rPr>
+              <a:t>; }</a:t>
+            </a:r>
+          </a:p>
+          <a:p>
+            <a:pPr>
+              <a:lnSpc>
+                <a:spcPts val="2475"/>
+              </a:lnSpc>
+              <a:buNone/>
+            </a:pPr>
+            <a:r>
+              <a:rPr lang="en-US" altLang="ko-KR" b="0" dirty="0">
+                <a:solidFill>
+                  <a:srgbClr val="3B3B3B"/>
+                </a:solidFill>
+                <a:effectLst/>
+                <a:latin typeface="DM Mono" panose="020B0509040201040103" pitchFamily="49" charset="0"/>
+              </a:rPr>
+              <a:t>};</a:t>
+            </a:r>
+          </a:p>
+          <a:p>
+            <a:pPr>
+              <a:lnSpc>
+                <a:spcPts val="2475"/>
+              </a:lnSpc>
+              <a:buNone/>
+            </a:pPr>
+            <a:br>
+              <a:rPr lang="en-US" altLang="ko-KR" b="0" dirty="0">
+                <a:solidFill>
+                  <a:srgbClr val="3B3B3B"/>
+                </a:solidFill>
+                <a:effectLst/>
+                <a:latin typeface="DM Mono" panose="020B0509040201040103" pitchFamily="49" charset="0"/>
+              </a:rPr>
+            </a:br>
+            <a:r>
+              <a:rPr lang="en-US" altLang="ko-KR" b="0" dirty="0">
+                <a:solidFill>
+                  <a:srgbClr val="267F99"/>
+                </a:solidFill>
+                <a:effectLst/>
+                <a:latin typeface="DM Mono" panose="020B0509040201040103" pitchFamily="49" charset="0"/>
+              </a:rPr>
+              <a:t>Car</a:t>
+            </a:r>
+            <a:r>
+              <a:rPr lang="en-US" altLang="ko-KR" b="0" dirty="0">
+                <a:solidFill>
+                  <a:srgbClr val="3B3B3B"/>
+                </a:solidFill>
+                <a:effectLst/>
+                <a:latin typeface="DM Mono" panose="020B0509040201040103" pitchFamily="49" charset="0"/>
+              </a:rPr>
+              <a:t> </a:t>
+            </a:r>
+            <a:r>
+              <a:rPr lang="en-US" altLang="ko-KR" b="0" dirty="0">
+                <a:solidFill>
+                  <a:srgbClr val="001080"/>
+                </a:solidFill>
+                <a:effectLst/>
+                <a:latin typeface="DM Mono" panose="020B0509040201040103" pitchFamily="49" charset="0"/>
+              </a:rPr>
+              <a:t>c1</a:t>
+            </a:r>
+            <a:r>
+              <a:rPr lang="en-US" altLang="ko-KR" b="0" dirty="0">
+                <a:solidFill>
+                  <a:srgbClr val="3B3B3B"/>
+                </a:solidFill>
+                <a:effectLst/>
+                <a:latin typeface="DM Mono" panose="020B0509040201040103" pitchFamily="49" charset="0"/>
+              </a:rPr>
+              <a:t>;</a:t>
+            </a:r>
+          </a:p>
+          <a:p>
+            <a:pPr>
+              <a:lnSpc>
+                <a:spcPts val="2475"/>
+              </a:lnSpc>
+              <a:buNone/>
+            </a:pPr>
+            <a:r>
+              <a:rPr lang="en-US" altLang="ko-KR" b="0" dirty="0">
+                <a:solidFill>
+                  <a:srgbClr val="FF0000"/>
+                </a:solidFill>
+                <a:effectLst/>
+                <a:latin typeface="DM Mono" panose="020B0509040201040103" pitchFamily="49" charset="0"/>
+              </a:rPr>
+              <a:t>Car c2;</a:t>
+            </a:r>
+          </a:p>
+          <a:p>
+            <a:pPr>
+              <a:lnSpc>
+                <a:spcPts val="2475"/>
+              </a:lnSpc>
+              <a:buNone/>
+            </a:pPr>
+            <a:r>
+              <a:rPr lang="en-US" altLang="ko-KR" b="0" dirty="0">
+                <a:solidFill>
+                  <a:srgbClr val="267F99"/>
+                </a:solidFill>
+                <a:effectLst/>
+                <a:latin typeface="DM Mono" panose="020B0509040201040103" pitchFamily="49" charset="0"/>
+              </a:rPr>
+              <a:t>Car</a:t>
+            </a:r>
+            <a:r>
+              <a:rPr lang="en-US" altLang="ko-KR" b="0" dirty="0">
+                <a:solidFill>
+                  <a:srgbClr val="3B3B3B"/>
+                </a:solidFill>
+                <a:effectLst/>
+                <a:latin typeface="DM Mono" panose="020B0509040201040103" pitchFamily="49" charset="0"/>
+              </a:rPr>
+              <a:t> </a:t>
+            </a:r>
+            <a:r>
+              <a:rPr lang="en-US" altLang="ko-KR" b="0" dirty="0">
+                <a:solidFill>
+                  <a:srgbClr val="001080"/>
+                </a:solidFill>
+                <a:effectLst/>
+                <a:latin typeface="DM Mono" panose="020B0509040201040103" pitchFamily="49" charset="0"/>
+              </a:rPr>
+              <a:t>c3</a:t>
+            </a:r>
+            <a:r>
+              <a:rPr lang="en-US" altLang="ko-KR" b="0" dirty="0">
+                <a:solidFill>
+                  <a:srgbClr val="3B3B3B"/>
+                </a:solidFill>
+                <a:effectLst/>
+                <a:latin typeface="DM Mono" panose="020B0509040201040103" pitchFamily="49" charset="0"/>
+              </a:rPr>
+              <a:t>;</a:t>
+            </a:r>
+          </a:p>
+        </p:txBody>
+      </p:sp>
+      <p:sp>
+        <p:nvSpPr>
+          <p:cNvPr id="2" name="직사각형 1">
+            <a:extLst>
+              <a:ext uri="{FF2B5EF4-FFF2-40B4-BE49-F238E27FC236}">
+                <a16:creationId xmlns:a16="http://schemas.microsoft.com/office/drawing/2014/main" id="{247E4ED0-259D-EDA0-68A1-BEEB1D38BC7A}"/>
+              </a:ext>
+            </a:extLst>
+          </p:cNvPr>
+          <p:cNvSpPr/>
+          <p:nvPr/>
+        </p:nvSpPr>
+        <p:spPr>
+          <a:xfrm>
+            <a:off x="7638810" y="3633111"/>
+            <a:ext cx="1287379" cy="605567"/>
+          </a:xfrm>
+          <a:prstGeom prst="rect">
+            <a:avLst/>
+          </a:prstGeom>
+          <a:solidFill>
+            <a:srgbClr val="FFFF00"/>
+          </a:solidFill>
+        </p:spPr>
+        <p:style>
+          <a:lnRef idx="2">
+            <a:schemeClr val="accent4">
+              <a:shade val="15000"/>
+            </a:schemeClr>
+          </a:lnRef>
+          <a:fillRef idx="1">
+            <a:schemeClr val="accent4"/>
+          </a:fillRef>
+          <a:effectRef idx="0">
+            <a:schemeClr val="accent4"/>
+          </a:effectRef>
+          <a:fontRef idx="minor">
+            <a:schemeClr val="lt1"/>
+          </a:fontRef>
+        </p:style>
+        <p:txBody>
+          <a:bodyPr rtlCol="0" anchor="ctr"/>
+          <a:lstStyle/>
+          <a:p>
+            <a:pPr algn="ctr"/>
+            <a:endParaRPr kumimoji="1" lang="ko-KR" altLang="en-US" dirty="0">
+              <a:solidFill>
+                <a:schemeClr val="tx1"/>
+              </a:solidFill>
+              <a:highlight>
+                <a:srgbClr val="FFFF00"/>
+              </a:highlight>
+              <a:latin typeface="DM Mono" panose="020B0509040201040103" pitchFamily="49" charset="0"/>
+            </a:endParaRPr>
+          </a:p>
+        </p:txBody>
+      </p:sp>
+      <p:sp>
+        <p:nvSpPr>
+          <p:cNvPr id="6" name="TextBox 5">
+            <a:extLst>
+              <a:ext uri="{FF2B5EF4-FFF2-40B4-BE49-F238E27FC236}">
+                <a16:creationId xmlns:a16="http://schemas.microsoft.com/office/drawing/2014/main" id="{B3D2341E-15C3-914D-668A-D1C29FD7180F}"/>
+              </a:ext>
+            </a:extLst>
+          </p:cNvPr>
+          <p:cNvSpPr txBox="1"/>
+          <p:nvPr/>
+        </p:nvSpPr>
+        <p:spPr>
+          <a:xfrm>
+            <a:off x="7638809" y="3212211"/>
+            <a:ext cx="1287379" cy="369332"/>
+          </a:xfrm>
+          <a:prstGeom prst="rect">
+            <a:avLst/>
+          </a:prstGeom>
+          <a:noFill/>
+        </p:spPr>
+        <p:txBody>
+          <a:bodyPr wrap="square" rtlCol="0">
+            <a:spAutoFit/>
+          </a:bodyPr>
+          <a:lstStyle/>
+          <a:p>
+            <a:pPr algn="ctr"/>
+            <a:r>
+              <a:rPr kumimoji="1" lang="en-US" altLang="ko-KR" dirty="0">
+                <a:latin typeface="DM Mono" panose="020B0509040201040103" pitchFamily="49" charset="0"/>
+              </a:rPr>
+              <a:t>c2</a:t>
+            </a:r>
+            <a:endParaRPr kumimoji="1" lang="ko-KR" altLang="en-US" dirty="0">
+              <a:latin typeface="DM Mono" panose="020B0509040201040103" pitchFamily="49" charset="0"/>
+            </a:endParaRPr>
+          </a:p>
+        </p:txBody>
+      </p:sp>
+      <p:sp>
+        <p:nvSpPr>
+          <p:cNvPr id="9" name="직사각형 8">
+            <a:extLst>
+              <a:ext uri="{FF2B5EF4-FFF2-40B4-BE49-F238E27FC236}">
+                <a16:creationId xmlns:a16="http://schemas.microsoft.com/office/drawing/2014/main" id="{E15028AF-E77F-194F-4D14-159463D910F8}"/>
+              </a:ext>
+            </a:extLst>
+          </p:cNvPr>
+          <p:cNvSpPr/>
+          <p:nvPr/>
+        </p:nvSpPr>
+        <p:spPr>
+          <a:xfrm>
+            <a:off x="7638810" y="4997436"/>
+            <a:ext cx="1287379" cy="605567"/>
+          </a:xfrm>
+          <a:prstGeom prst="rect">
+            <a:avLst/>
+          </a:prstGeom>
+          <a:solidFill>
+            <a:srgbClr val="FFFF00"/>
+          </a:solidFill>
+        </p:spPr>
+        <p:style>
+          <a:lnRef idx="2">
+            <a:schemeClr val="accent4">
+              <a:shade val="15000"/>
+            </a:schemeClr>
+          </a:lnRef>
+          <a:fillRef idx="1">
+            <a:schemeClr val="accent4"/>
+          </a:fillRef>
+          <a:effectRef idx="0">
+            <a:schemeClr val="accent4"/>
+          </a:effectRef>
+          <a:fontRef idx="minor">
+            <a:schemeClr val="lt1"/>
+          </a:fontRef>
+        </p:style>
+        <p:txBody>
+          <a:bodyPr rtlCol="0" anchor="ctr"/>
+          <a:lstStyle/>
+          <a:p>
+            <a:pPr algn="ctr"/>
+            <a:endParaRPr kumimoji="1" lang="ko-KR" altLang="en-US" dirty="0">
+              <a:solidFill>
+                <a:schemeClr val="tx1"/>
+              </a:solidFill>
+              <a:highlight>
+                <a:srgbClr val="FFFF00"/>
+              </a:highlight>
+              <a:latin typeface="DM Mono" panose="020B0509040201040103" pitchFamily="49" charset="0"/>
+            </a:endParaRPr>
+          </a:p>
+        </p:txBody>
+      </p:sp>
+      <p:sp>
+        <p:nvSpPr>
+          <p:cNvPr id="19" name="TextBox 18">
+            <a:extLst>
+              <a:ext uri="{FF2B5EF4-FFF2-40B4-BE49-F238E27FC236}">
+                <a16:creationId xmlns:a16="http://schemas.microsoft.com/office/drawing/2014/main" id="{1CCCF351-4144-1094-97C7-49DD8D3F0A4D}"/>
+              </a:ext>
+            </a:extLst>
+          </p:cNvPr>
+          <p:cNvSpPr txBox="1"/>
+          <p:nvPr/>
+        </p:nvSpPr>
+        <p:spPr>
+          <a:xfrm>
+            <a:off x="7638809" y="4576536"/>
+            <a:ext cx="1287379" cy="369332"/>
+          </a:xfrm>
+          <a:prstGeom prst="rect">
+            <a:avLst/>
+          </a:prstGeom>
+          <a:noFill/>
+        </p:spPr>
+        <p:txBody>
+          <a:bodyPr wrap="square" rtlCol="0">
+            <a:spAutoFit/>
+          </a:bodyPr>
+          <a:lstStyle/>
+          <a:p>
+            <a:pPr algn="ctr"/>
+            <a:r>
+              <a:rPr kumimoji="1" lang="en-US" altLang="ko-KR" dirty="0">
+                <a:latin typeface="DM Mono" panose="020B0509040201040103" pitchFamily="49" charset="0"/>
+              </a:rPr>
+              <a:t>c3</a:t>
+            </a:r>
+            <a:endParaRPr kumimoji="1" lang="ko-KR" altLang="en-US" dirty="0">
+              <a:latin typeface="DM Mono" panose="020B0509040201040103" pitchFamily="49" charset="0"/>
+            </a:endParaRPr>
+          </a:p>
+        </p:txBody>
+      </p:sp>
+      <p:sp>
+        <p:nvSpPr>
+          <p:cNvPr id="5" name="직사각형 4">
+            <a:extLst>
+              <a:ext uri="{FF2B5EF4-FFF2-40B4-BE49-F238E27FC236}">
+                <a16:creationId xmlns:a16="http://schemas.microsoft.com/office/drawing/2014/main" id="{5D886367-BE6B-4780-A834-3D9EB1ABBBD4}"/>
+              </a:ext>
+            </a:extLst>
+          </p:cNvPr>
+          <p:cNvSpPr/>
+          <p:nvPr/>
+        </p:nvSpPr>
+        <p:spPr>
+          <a:xfrm>
+            <a:off x="10449186" y="616619"/>
+            <a:ext cx="1287379" cy="605567"/>
+          </a:xfrm>
+          <a:prstGeom prst="rect">
+            <a:avLst/>
+          </a:prstGeom>
+          <a:solidFill>
+            <a:srgbClr val="FFFF00"/>
+          </a:solidFill>
+        </p:spPr>
+        <p:style>
+          <a:lnRef idx="2">
+            <a:schemeClr val="accent4">
+              <a:shade val="15000"/>
+            </a:schemeClr>
+          </a:lnRef>
+          <a:fillRef idx="1">
+            <a:schemeClr val="accent4"/>
+          </a:fillRef>
+          <a:effectRef idx="0">
+            <a:schemeClr val="accent4"/>
+          </a:effectRef>
+          <a:fontRef idx="minor">
+            <a:schemeClr val="lt1"/>
+          </a:fontRef>
+        </p:style>
+        <p:txBody>
+          <a:bodyPr rtlCol="0" anchor="ctr"/>
+          <a:lstStyle/>
+          <a:p>
+            <a:pPr algn="ctr"/>
+            <a:r>
+              <a:rPr kumimoji="1" lang="en-US" altLang="ko-KR" dirty="0">
+                <a:solidFill>
+                  <a:srgbClr val="FF0000"/>
+                </a:solidFill>
+                <a:highlight>
+                  <a:srgbClr val="FFFF00"/>
+                </a:highlight>
+                <a:latin typeface="DM Mono" panose="020B0509040201040103" pitchFamily="49" charset="0"/>
+              </a:rPr>
+              <a:t>2</a:t>
+            </a:r>
+            <a:endParaRPr kumimoji="1" lang="ko-KR" altLang="en-US" dirty="0">
+              <a:solidFill>
+                <a:srgbClr val="FF0000"/>
+              </a:solidFill>
+              <a:highlight>
+                <a:srgbClr val="FFFF00"/>
+              </a:highlight>
+              <a:latin typeface="DM Mono" panose="020B0509040201040103" pitchFamily="49" charset="0"/>
+            </a:endParaRPr>
+          </a:p>
+        </p:txBody>
+      </p:sp>
+      <p:sp>
+        <p:nvSpPr>
+          <p:cNvPr id="7" name="TextBox 6">
+            <a:extLst>
+              <a:ext uri="{FF2B5EF4-FFF2-40B4-BE49-F238E27FC236}">
+                <a16:creationId xmlns:a16="http://schemas.microsoft.com/office/drawing/2014/main" id="{85FBD2DA-4235-BBCF-5AD7-A7741E53BA91}"/>
+              </a:ext>
+            </a:extLst>
+          </p:cNvPr>
+          <p:cNvSpPr txBox="1"/>
+          <p:nvPr/>
+        </p:nvSpPr>
+        <p:spPr>
+          <a:xfrm>
+            <a:off x="9395638" y="734736"/>
+            <a:ext cx="1287379" cy="369332"/>
+          </a:xfrm>
+          <a:prstGeom prst="rect">
+            <a:avLst/>
+          </a:prstGeom>
+          <a:noFill/>
+        </p:spPr>
+        <p:txBody>
+          <a:bodyPr wrap="square" rtlCol="0">
+            <a:spAutoFit/>
+          </a:bodyPr>
+          <a:lstStyle/>
+          <a:p>
+            <a:pPr algn="ctr"/>
+            <a:r>
+              <a:rPr kumimoji="1" lang="en-US" altLang="ko-KR" dirty="0" err="1">
+                <a:latin typeface="DM Mono" panose="020B0509040201040103" pitchFamily="49" charset="0"/>
+              </a:rPr>
+              <a:t>cnt</a:t>
+            </a:r>
+            <a:endParaRPr kumimoji="1" lang="ko-KR" altLang="en-US" dirty="0">
+              <a:latin typeface="DM Mono" panose="020B0509040201040103" pitchFamily="49" charset="0"/>
+            </a:endParaRPr>
+          </a:p>
+        </p:txBody>
+      </p:sp>
+    </p:spTree>
+    <p:extLst>
+      <p:ext uri="{BB962C8B-B14F-4D97-AF65-F5344CB8AC3E}">
+        <p14:creationId xmlns:p14="http://schemas.microsoft.com/office/powerpoint/2010/main" val="90276813"/>
+      </p:ext>
+    </p:extLst>
+  </p:cSld>
+  <p:clrMapOvr>
+    <a:masterClrMapping/>
+  </p:clrMapOvr>
+</p:sld>
+</file>
+
 <file path=ppt/slides/slide5.xml><?xml version="1.0" encoding="utf-8"?>
 <p:sld xmlns:a="http://schemas.openxmlformats.org/drawingml/2006/main" xmlns:r="http://schemas.openxmlformats.org/officeDocument/2006/relationships" xmlns:p="http://schemas.openxmlformats.org/presentationml/2006/main">
   <p:cSld>
@@ -49077,6 +52694,2583 @@
     <p:extLst>
       <p:ext uri="{BB962C8B-B14F-4D97-AF65-F5344CB8AC3E}">
         <p14:creationId xmlns:p14="http://schemas.microsoft.com/office/powerpoint/2010/main" val="855778327"/>
+      </p:ext>
+    </p:extLst>
+  </p:cSld>
+  <p:clrMapOvr>
+    <a:masterClrMapping/>
+  </p:clrMapOvr>
+</p:sld>
+</file>
+
+<file path=ppt/slides/slide50.xml><?xml version="1.0" encoding="utf-8"?>
+<p:sld xmlns:a="http://schemas.openxmlformats.org/drawingml/2006/main" xmlns:r="http://schemas.openxmlformats.org/officeDocument/2006/relationships" xmlns:p="http://schemas.openxmlformats.org/presentationml/2006/main">
+  <p:cSld>
+    <p:spTree>
+      <p:nvGrpSpPr>
+        <p:cNvPr id="1" name="">
+          <a:extLst>
+            <a:ext uri="{FF2B5EF4-FFF2-40B4-BE49-F238E27FC236}">
+              <a16:creationId xmlns:a16="http://schemas.microsoft.com/office/drawing/2014/main" id="{347F0D61-F345-7732-A78E-FF3BB08BBBA2}"/>
+            </a:ext>
+          </a:extLst>
+        </p:cNvPr>
+        <p:cNvGrpSpPr/>
+        <p:nvPr/>
+      </p:nvGrpSpPr>
+      <p:grpSpPr>
+        <a:xfrm>
+          <a:off x="0" y="0"/>
+          <a:ext cx="0" cy="0"/>
+          <a:chOff x="0" y="0"/>
+          <a:chExt cx="0" cy="0"/>
+        </a:xfrm>
+      </p:grpSpPr>
+      <p:sp>
+        <p:nvSpPr>
+          <p:cNvPr id="14" name="직사각형 13">
+            <a:extLst>
+              <a:ext uri="{FF2B5EF4-FFF2-40B4-BE49-F238E27FC236}">
+                <a16:creationId xmlns:a16="http://schemas.microsoft.com/office/drawing/2014/main" id="{3DD348C7-5557-40B8-EF24-BD68B5CE4769}"/>
+              </a:ext>
+            </a:extLst>
+          </p:cNvPr>
+          <p:cNvSpPr/>
+          <p:nvPr/>
+        </p:nvSpPr>
+        <p:spPr>
+          <a:xfrm>
+            <a:off x="7638811" y="2202237"/>
+            <a:ext cx="1287379" cy="605567"/>
+          </a:xfrm>
+          <a:prstGeom prst="rect">
+            <a:avLst/>
+          </a:prstGeom>
+          <a:solidFill>
+            <a:srgbClr val="FFFF00"/>
+          </a:solidFill>
+        </p:spPr>
+        <p:style>
+          <a:lnRef idx="2">
+            <a:schemeClr val="accent4">
+              <a:shade val="15000"/>
+            </a:schemeClr>
+          </a:lnRef>
+          <a:fillRef idx="1">
+            <a:schemeClr val="accent4"/>
+          </a:fillRef>
+          <a:effectRef idx="0">
+            <a:schemeClr val="accent4"/>
+          </a:effectRef>
+          <a:fontRef idx="minor">
+            <a:schemeClr val="lt1"/>
+          </a:fontRef>
+        </p:style>
+        <p:txBody>
+          <a:bodyPr rtlCol="0" anchor="ctr"/>
+          <a:lstStyle/>
+          <a:p>
+            <a:pPr algn="ctr"/>
+            <a:endParaRPr kumimoji="1" lang="ko-KR" altLang="en-US" dirty="0">
+              <a:solidFill>
+                <a:schemeClr val="tx1"/>
+              </a:solidFill>
+              <a:highlight>
+                <a:srgbClr val="FFFF00"/>
+              </a:highlight>
+              <a:latin typeface="DM Mono" panose="020B0509040201040103" pitchFamily="49" charset="0"/>
+            </a:endParaRPr>
+          </a:p>
+        </p:txBody>
+      </p:sp>
+      <p:sp>
+        <p:nvSpPr>
+          <p:cNvPr id="16" name="TextBox 15">
+            <a:extLst>
+              <a:ext uri="{FF2B5EF4-FFF2-40B4-BE49-F238E27FC236}">
+                <a16:creationId xmlns:a16="http://schemas.microsoft.com/office/drawing/2014/main" id="{D0C8AE75-BDE5-33E6-8CF3-6638E9A9CB40}"/>
+              </a:ext>
+            </a:extLst>
+          </p:cNvPr>
+          <p:cNvSpPr txBox="1"/>
+          <p:nvPr/>
+        </p:nvSpPr>
+        <p:spPr>
+          <a:xfrm>
+            <a:off x="7638810" y="1781337"/>
+            <a:ext cx="1287379" cy="369332"/>
+          </a:xfrm>
+          <a:prstGeom prst="rect">
+            <a:avLst/>
+          </a:prstGeom>
+          <a:noFill/>
+        </p:spPr>
+        <p:txBody>
+          <a:bodyPr wrap="square" rtlCol="0">
+            <a:spAutoFit/>
+          </a:bodyPr>
+          <a:lstStyle/>
+          <a:p>
+            <a:pPr algn="ctr"/>
+            <a:r>
+              <a:rPr kumimoji="1" lang="en-US" altLang="ko-KR" dirty="0">
+                <a:latin typeface="DM Mono" panose="020B0509040201040103" pitchFamily="49" charset="0"/>
+              </a:rPr>
+              <a:t>c1</a:t>
+            </a:r>
+            <a:endParaRPr kumimoji="1" lang="ko-KR" altLang="en-US" dirty="0">
+              <a:latin typeface="DM Mono" panose="020B0509040201040103" pitchFamily="49" charset="0"/>
+            </a:endParaRPr>
+          </a:p>
+        </p:txBody>
+      </p:sp>
+      <p:sp>
+        <p:nvSpPr>
+          <p:cNvPr id="3" name="TextBox 2">
+            <a:extLst>
+              <a:ext uri="{FF2B5EF4-FFF2-40B4-BE49-F238E27FC236}">
+                <a16:creationId xmlns:a16="http://schemas.microsoft.com/office/drawing/2014/main" id="{8DDE371F-73A7-FA25-FE99-ED02DA7FC828}"/>
+              </a:ext>
+            </a:extLst>
+          </p:cNvPr>
+          <p:cNvSpPr txBox="1"/>
+          <p:nvPr/>
+        </p:nvSpPr>
+        <p:spPr>
+          <a:xfrm>
+            <a:off x="455435" y="195719"/>
+            <a:ext cx="6097656" cy="4566571"/>
+          </a:xfrm>
+          <a:prstGeom prst="rect">
+            <a:avLst/>
+          </a:prstGeom>
+          <a:noFill/>
+        </p:spPr>
+        <p:txBody>
+          <a:bodyPr wrap="square">
+            <a:spAutoFit/>
+          </a:bodyPr>
+          <a:lstStyle/>
+          <a:p>
+            <a:pPr>
+              <a:lnSpc>
+                <a:spcPts val="2475"/>
+              </a:lnSpc>
+              <a:buNone/>
+            </a:pPr>
+            <a:endParaRPr lang="en-US" altLang="ko-KR" b="0" dirty="0">
+              <a:solidFill>
+                <a:srgbClr val="3B3B3B"/>
+              </a:solidFill>
+              <a:effectLst/>
+              <a:latin typeface="DM Mono" panose="020B0509040201040103" pitchFamily="49" charset="0"/>
+            </a:endParaRPr>
+          </a:p>
+          <a:p>
+            <a:pPr>
+              <a:lnSpc>
+                <a:spcPts val="2475"/>
+              </a:lnSpc>
+              <a:buNone/>
+            </a:pPr>
+            <a:br>
+              <a:rPr lang="en-US" altLang="ko-KR" b="0" dirty="0">
+                <a:solidFill>
+                  <a:srgbClr val="3B3B3B"/>
+                </a:solidFill>
+                <a:effectLst/>
+                <a:latin typeface="DM Mono" panose="020B0509040201040103" pitchFamily="49" charset="0"/>
+              </a:rPr>
+            </a:br>
+            <a:r>
+              <a:rPr lang="en-US" altLang="ko-KR" b="0" dirty="0">
+                <a:solidFill>
+                  <a:srgbClr val="0000FF"/>
+                </a:solidFill>
+                <a:effectLst/>
+                <a:latin typeface="DM Mono" panose="020B0509040201040103" pitchFamily="49" charset="0"/>
+              </a:rPr>
+              <a:t>class</a:t>
+            </a:r>
+            <a:r>
+              <a:rPr lang="en-US" altLang="ko-KR" b="0" dirty="0">
+                <a:solidFill>
+                  <a:srgbClr val="3B3B3B"/>
+                </a:solidFill>
+                <a:effectLst/>
+                <a:latin typeface="DM Mono" panose="020B0509040201040103" pitchFamily="49" charset="0"/>
+              </a:rPr>
+              <a:t> </a:t>
+            </a:r>
+            <a:r>
+              <a:rPr lang="en-US" altLang="ko-KR" b="0" dirty="0">
+                <a:solidFill>
+                  <a:srgbClr val="267F99"/>
+                </a:solidFill>
+                <a:effectLst/>
+                <a:latin typeface="DM Mono" panose="020B0509040201040103" pitchFamily="49" charset="0"/>
+              </a:rPr>
+              <a:t>Car</a:t>
+            </a:r>
+            <a:endParaRPr lang="en-US" altLang="ko-KR" b="0" dirty="0">
+              <a:solidFill>
+                <a:srgbClr val="3B3B3B"/>
+              </a:solidFill>
+              <a:effectLst/>
+              <a:latin typeface="DM Mono" panose="020B0509040201040103" pitchFamily="49" charset="0"/>
+            </a:endParaRPr>
+          </a:p>
+          <a:p>
+            <a:pPr>
+              <a:lnSpc>
+                <a:spcPts val="2475"/>
+              </a:lnSpc>
+              <a:buNone/>
+            </a:pPr>
+            <a:r>
+              <a:rPr lang="en-US" altLang="ko-KR" b="0" dirty="0">
+                <a:solidFill>
+                  <a:srgbClr val="3B3B3B"/>
+                </a:solidFill>
+                <a:effectLst/>
+                <a:latin typeface="DM Mono" panose="020B0509040201040103" pitchFamily="49" charset="0"/>
+              </a:rPr>
+              <a:t>{</a:t>
+            </a:r>
+          </a:p>
+          <a:p>
+            <a:pPr>
+              <a:lnSpc>
+                <a:spcPts val="2475"/>
+              </a:lnSpc>
+              <a:buNone/>
+            </a:pPr>
+            <a:r>
+              <a:rPr lang="en-US" altLang="ko-KR" dirty="0">
+                <a:solidFill>
+                  <a:srgbClr val="0000FF"/>
+                </a:solidFill>
+                <a:latin typeface="DM Mono" panose="020B0509040201040103" pitchFamily="49" charset="0"/>
+              </a:rPr>
+              <a:t>static int</a:t>
+            </a:r>
+            <a:r>
+              <a:rPr lang="en-US" altLang="ko-KR" dirty="0">
+                <a:solidFill>
+                  <a:srgbClr val="3B3B3B"/>
+                </a:solidFill>
+                <a:latin typeface="DM Mono" panose="020B0509040201040103" pitchFamily="49" charset="0"/>
+              </a:rPr>
+              <a:t> </a:t>
+            </a:r>
+            <a:r>
+              <a:rPr lang="en-US" altLang="ko-KR" dirty="0" err="1">
+                <a:solidFill>
+                  <a:srgbClr val="001080"/>
+                </a:solidFill>
+                <a:latin typeface="DM Mono" panose="020B0509040201040103" pitchFamily="49" charset="0"/>
+              </a:rPr>
+              <a:t>cnt</a:t>
+            </a:r>
+            <a:r>
+              <a:rPr lang="en-US" altLang="ko-KR" dirty="0">
+                <a:solidFill>
+                  <a:srgbClr val="3B3B3B"/>
+                </a:solidFill>
+                <a:latin typeface="DM Mono" panose="020B0509040201040103" pitchFamily="49" charset="0"/>
+              </a:rPr>
+              <a:t> </a:t>
+            </a:r>
+            <a:r>
+              <a:rPr lang="en-US" altLang="ko-KR" dirty="0">
+                <a:solidFill>
+                  <a:srgbClr val="000000"/>
+                </a:solidFill>
+                <a:latin typeface="DM Mono" panose="020B0509040201040103" pitchFamily="49" charset="0"/>
+              </a:rPr>
+              <a:t>=</a:t>
+            </a:r>
+            <a:r>
+              <a:rPr lang="en-US" altLang="ko-KR" dirty="0">
+                <a:solidFill>
+                  <a:srgbClr val="3B3B3B"/>
+                </a:solidFill>
+                <a:latin typeface="DM Mono" panose="020B0509040201040103" pitchFamily="49" charset="0"/>
+              </a:rPr>
+              <a:t> </a:t>
+            </a:r>
+            <a:r>
+              <a:rPr lang="en-US" altLang="ko-KR" dirty="0">
+                <a:solidFill>
+                  <a:srgbClr val="098658"/>
+                </a:solidFill>
+                <a:latin typeface="DM Mono" panose="020B0509040201040103" pitchFamily="49" charset="0"/>
+              </a:rPr>
+              <a:t>0</a:t>
+            </a:r>
+            <a:r>
+              <a:rPr lang="en-US" altLang="ko-KR" dirty="0">
+                <a:solidFill>
+                  <a:srgbClr val="3B3B3B"/>
+                </a:solidFill>
+                <a:latin typeface="DM Mono" panose="020B0509040201040103" pitchFamily="49" charset="0"/>
+              </a:rPr>
+              <a:t>;</a:t>
+            </a:r>
+            <a:endParaRPr lang="en-US" altLang="ko-KR" b="0" dirty="0">
+              <a:solidFill>
+                <a:srgbClr val="3B3B3B"/>
+              </a:solidFill>
+              <a:effectLst/>
+              <a:latin typeface="DM Mono" panose="020B0509040201040103" pitchFamily="49" charset="0"/>
+            </a:endParaRPr>
+          </a:p>
+          <a:p>
+            <a:pPr>
+              <a:lnSpc>
+                <a:spcPts val="2475"/>
+              </a:lnSpc>
+              <a:buNone/>
+            </a:pPr>
+            <a:endParaRPr lang="en-US" altLang="ko-KR" b="0" dirty="0">
+              <a:solidFill>
+                <a:srgbClr val="0000FF"/>
+              </a:solidFill>
+              <a:effectLst/>
+              <a:latin typeface="DM Mono" panose="020B0509040201040103" pitchFamily="49" charset="0"/>
+            </a:endParaRPr>
+          </a:p>
+          <a:p>
+            <a:pPr>
+              <a:lnSpc>
+                <a:spcPts val="2475"/>
+              </a:lnSpc>
+              <a:buNone/>
+            </a:pPr>
+            <a:r>
+              <a:rPr lang="en-US" altLang="ko-KR" b="0" dirty="0">
+                <a:solidFill>
+                  <a:srgbClr val="0000FF"/>
+                </a:solidFill>
+                <a:effectLst/>
+                <a:latin typeface="DM Mono" panose="020B0509040201040103" pitchFamily="49" charset="0"/>
+              </a:rPr>
+              <a:t>public:</a:t>
+            </a:r>
+            <a:endParaRPr lang="en-US" altLang="ko-KR" b="0" dirty="0">
+              <a:solidFill>
+                <a:srgbClr val="3B3B3B"/>
+              </a:solidFill>
+              <a:effectLst/>
+              <a:latin typeface="DM Mono" panose="020B0509040201040103" pitchFamily="49" charset="0"/>
+            </a:endParaRPr>
+          </a:p>
+          <a:p>
+            <a:pPr>
+              <a:lnSpc>
+                <a:spcPts val="2475"/>
+              </a:lnSpc>
+              <a:buNone/>
+            </a:pPr>
+            <a:r>
+              <a:rPr lang="en-US" altLang="ko-KR" b="0" dirty="0">
+                <a:solidFill>
+                  <a:srgbClr val="795E26"/>
+                </a:solidFill>
+                <a:effectLst/>
+                <a:latin typeface="DM Mono" panose="020B0509040201040103" pitchFamily="49" charset="0"/>
+              </a:rPr>
+              <a:t>Car</a:t>
+            </a:r>
+            <a:r>
+              <a:rPr lang="en-US" altLang="ko-KR" b="0" dirty="0">
+                <a:solidFill>
+                  <a:srgbClr val="3B3B3B"/>
+                </a:solidFill>
+                <a:effectLst/>
+                <a:latin typeface="DM Mono" panose="020B0509040201040103" pitchFamily="49" charset="0"/>
+              </a:rPr>
+              <a:t>() { </a:t>
+            </a:r>
+            <a:r>
+              <a:rPr lang="en-US" altLang="ko-KR" b="0" dirty="0">
+                <a:solidFill>
+                  <a:srgbClr val="000000"/>
+                </a:solidFill>
+                <a:effectLst/>
+                <a:latin typeface="DM Mono" panose="020B0509040201040103" pitchFamily="49" charset="0"/>
+              </a:rPr>
+              <a:t>++</a:t>
+            </a:r>
+            <a:r>
+              <a:rPr lang="en-US" altLang="ko-KR" b="0" dirty="0" err="1">
+                <a:solidFill>
+                  <a:srgbClr val="001080"/>
+                </a:solidFill>
+                <a:effectLst/>
+                <a:latin typeface="DM Mono" panose="020B0509040201040103" pitchFamily="49" charset="0"/>
+              </a:rPr>
+              <a:t>cnt</a:t>
+            </a:r>
+            <a:r>
+              <a:rPr lang="en-US" altLang="ko-KR" b="0" dirty="0">
+                <a:solidFill>
+                  <a:srgbClr val="3B3B3B"/>
+                </a:solidFill>
+                <a:effectLst/>
+                <a:latin typeface="DM Mono" panose="020B0509040201040103" pitchFamily="49" charset="0"/>
+              </a:rPr>
+              <a:t>; }</a:t>
+            </a:r>
+          </a:p>
+          <a:p>
+            <a:pPr>
+              <a:lnSpc>
+                <a:spcPts val="2475"/>
+              </a:lnSpc>
+              <a:buNone/>
+            </a:pPr>
+            <a:r>
+              <a:rPr lang="en-US" altLang="ko-KR" b="0" dirty="0">
+                <a:solidFill>
+                  <a:srgbClr val="795E26"/>
+                </a:solidFill>
+                <a:effectLst/>
+                <a:latin typeface="DM Mono" panose="020B0509040201040103" pitchFamily="49" charset="0"/>
+              </a:rPr>
+              <a:t>~Car</a:t>
+            </a:r>
+            <a:r>
+              <a:rPr lang="en-US" altLang="ko-KR" b="0" dirty="0">
+                <a:solidFill>
+                  <a:srgbClr val="3B3B3B"/>
+                </a:solidFill>
+                <a:effectLst/>
+                <a:latin typeface="DM Mono" panose="020B0509040201040103" pitchFamily="49" charset="0"/>
+              </a:rPr>
+              <a:t>() { </a:t>
+            </a:r>
+            <a:r>
+              <a:rPr lang="en-US" altLang="ko-KR" b="0" dirty="0">
+                <a:solidFill>
+                  <a:srgbClr val="000000"/>
+                </a:solidFill>
+                <a:effectLst/>
+                <a:latin typeface="DM Mono" panose="020B0509040201040103" pitchFamily="49" charset="0"/>
+              </a:rPr>
+              <a:t>--</a:t>
+            </a:r>
+            <a:r>
+              <a:rPr lang="en-US" altLang="ko-KR" b="0" dirty="0" err="1">
+                <a:solidFill>
+                  <a:srgbClr val="001080"/>
+                </a:solidFill>
+                <a:effectLst/>
+                <a:latin typeface="DM Mono" panose="020B0509040201040103" pitchFamily="49" charset="0"/>
+              </a:rPr>
+              <a:t>cnt</a:t>
+            </a:r>
+            <a:r>
+              <a:rPr lang="en-US" altLang="ko-KR" b="0" dirty="0">
+                <a:solidFill>
+                  <a:srgbClr val="3B3B3B"/>
+                </a:solidFill>
+                <a:effectLst/>
+                <a:latin typeface="DM Mono" panose="020B0509040201040103" pitchFamily="49" charset="0"/>
+              </a:rPr>
+              <a:t>; }</a:t>
+            </a:r>
+          </a:p>
+          <a:p>
+            <a:pPr>
+              <a:lnSpc>
+                <a:spcPts val="2475"/>
+              </a:lnSpc>
+              <a:buNone/>
+            </a:pPr>
+            <a:br>
+              <a:rPr lang="en-US" altLang="ko-KR" b="0" dirty="0">
+                <a:solidFill>
+                  <a:srgbClr val="3B3B3B"/>
+                </a:solidFill>
+                <a:effectLst/>
+                <a:latin typeface="DM Mono" panose="020B0509040201040103" pitchFamily="49" charset="0"/>
+              </a:rPr>
+            </a:br>
+            <a:r>
+              <a:rPr lang="en-US" altLang="ko-KR" b="0" dirty="0">
+                <a:solidFill>
+                  <a:srgbClr val="0000FF"/>
+                </a:solidFill>
+                <a:effectLst/>
+                <a:latin typeface="DM Mono" panose="020B0509040201040103" pitchFamily="49" charset="0"/>
+              </a:rPr>
+              <a:t>int</a:t>
+            </a:r>
+            <a:r>
+              <a:rPr lang="en-US" altLang="ko-KR" b="0" dirty="0">
+                <a:solidFill>
+                  <a:srgbClr val="3B3B3B"/>
+                </a:solidFill>
+                <a:effectLst/>
+                <a:latin typeface="DM Mono" panose="020B0509040201040103" pitchFamily="49" charset="0"/>
+              </a:rPr>
+              <a:t> </a:t>
+            </a:r>
+            <a:r>
+              <a:rPr lang="en-US" altLang="ko-KR" b="0" dirty="0" err="1">
+                <a:solidFill>
+                  <a:srgbClr val="795E26"/>
+                </a:solidFill>
+                <a:effectLst/>
+                <a:latin typeface="DM Mono" panose="020B0509040201040103" pitchFamily="49" charset="0"/>
+              </a:rPr>
+              <a:t>GetCount</a:t>
+            </a:r>
+            <a:r>
+              <a:rPr lang="en-US" altLang="ko-KR" b="0" dirty="0">
+                <a:solidFill>
+                  <a:srgbClr val="3B3B3B"/>
+                </a:solidFill>
+                <a:effectLst/>
+                <a:latin typeface="DM Mono" panose="020B0509040201040103" pitchFamily="49" charset="0"/>
+              </a:rPr>
+              <a:t>() { </a:t>
+            </a:r>
+            <a:r>
+              <a:rPr lang="en-US" altLang="ko-KR" b="0" dirty="0">
+                <a:solidFill>
+                  <a:srgbClr val="AF00DB"/>
+                </a:solidFill>
+                <a:effectLst/>
+                <a:latin typeface="DM Mono" panose="020B0509040201040103" pitchFamily="49" charset="0"/>
+              </a:rPr>
+              <a:t>return</a:t>
+            </a:r>
+            <a:r>
+              <a:rPr lang="en-US" altLang="ko-KR" b="0" dirty="0">
+                <a:solidFill>
+                  <a:srgbClr val="3B3B3B"/>
+                </a:solidFill>
+                <a:effectLst/>
+                <a:latin typeface="DM Mono" panose="020B0509040201040103" pitchFamily="49" charset="0"/>
+              </a:rPr>
+              <a:t> </a:t>
+            </a:r>
+            <a:r>
+              <a:rPr lang="en-US" altLang="ko-KR" b="0" dirty="0" err="1">
+                <a:solidFill>
+                  <a:srgbClr val="001080"/>
+                </a:solidFill>
+                <a:effectLst/>
+                <a:latin typeface="DM Mono" panose="020B0509040201040103" pitchFamily="49" charset="0"/>
+              </a:rPr>
+              <a:t>cnt</a:t>
+            </a:r>
+            <a:r>
+              <a:rPr lang="en-US" altLang="ko-KR" b="0" dirty="0">
+                <a:solidFill>
+                  <a:srgbClr val="3B3B3B"/>
+                </a:solidFill>
+                <a:effectLst/>
+                <a:latin typeface="DM Mono" panose="020B0509040201040103" pitchFamily="49" charset="0"/>
+              </a:rPr>
+              <a:t>; }</a:t>
+            </a:r>
+          </a:p>
+          <a:p>
+            <a:pPr>
+              <a:lnSpc>
+                <a:spcPts val="2475"/>
+              </a:lnSpc>
+              <a:buNone/>
+            </a:pPr>
+            <a:r>
+              <a:rPr lang="en-US" altLang="ko-KR" b="0" dirty="0">
+                <a:solidFill>
+                  <a:srgbClr val="3B3B3B"/>
+                </a:solidFill>
+                <a:effectLst/>
+                <a:latin typeface="DM Mono" panose="020B0509040201040103" pitchFamily="49" charset="0"/>
+              </a:rPr>
+              <a:t>};</a:t>
+            </a:r>
+          </a:p>
+          <a:p>
+            <a:pPr>
+              <a:lnSpc>
+                <a:spcPts val="2475"/>
+              </a:lnSpc>
+              <a:buNone/>
+            </a:pPr>
+            <a:br>
+              <a:rPr lang="en-US" altLang="ko-KR" b="0" dirty="0">
+                <a:solidFill>
+                  <a:srgbClr val="3B3B3B"/>
+                </a:solidFill>
+                <a:effectLst/>
+                <a:latin typeface="DM Mono" panose="020B0509040201040103" pitchFamily="49" charset="0"/>
+              </a:rPr>
+            </a:br>
+            <a:r>
+              <a:rPr lang="en-US" altLang="ko-KR" b="0" dirty="0">
+                <a:solidFill>
+                  <a:srgbClr val="267F99"/>
+                </a:solidFill>
+                <a:effectLst/>
+                <a:latin typeface="DM Mono" panose="020B0509040201040103" pitchFamily="49" charset="0"/>
+              </a:rPr>
+              <a:t>Car</a:t>
+            </a:r>
+            <a:r>
+              <a:rPr lang="en-US" altLang="ko-KR" b="0" dirty="0">
+                <a:solidFill>
+                  <a:srgbClr val="3B3B3B"/>
+                </a:solidFill>
+                <a:effectLst/>
+                <a:latin typeface="DM Mono" panose="020B0509040201040103" pitchFamily="49" charset="0"/>
+              </a:rPr>
+              <a:t> </a:t>
+            </a:r>
+            <a:r>
+              <a:rPr lang="en-US" altLang="ko-KR" b="0" dirty="0">
+                <a:solidFill>
+                  <a:srgbClr val="001080"/>
+                </a:solidFill>
+                <a:effectLst/>
+                <a:latin typeface="DM Mono" panose="020B0509040201040103" pitchFamily="49" charset="0"/>
+              </a:rPr>
+              <a:t>c1</a:t>
+            </a:r>
+            <a:r>
+              <a:rPr lang="en-US" altLang="ko-KR" b="0" dirty="0">
+                <a:solidFill>
+                  <a:srgbClr val="3B3B3B"/>
+                </a:solidFill>
+                <a:effectLst/>
+                <a:latin typeface="DM Mono" panose="020B0509040201040103" pitchFamily="49" charset="0"/>
+              </a:rPr>
+              <a:t>;</a:t>
+            </a:r>
+          </a:p>
+        </p:txBody>
+      </p:sp>
+      <p:sp>
+        <p:nvSpPr>
+          <p:cNvPr id="2" name="직사각형 1">
+            <a:extLst>
+              <a:ext uri="{FF2B5EF4-FFF2-40B4-BE49-F238E27FC236}">
+                <a16:creationId xmlns:a16="http://schemas.microsoft.com/office/drawing/2014/main" id="{5E3FB46C-7476-B33D-597A-C21386533041}"/>
+              </a:ext>
+            </a:extLst>
+          </p:cNvPr>
+          <p:cNvSpPr/>
+          <p:nvPr/>
+        </p:nvSpPr>
+        <p:spPr>
+          <a:xfrm>
+            <a:off x="7638810" y="3633111"/>
+            <a:ext cx="1287379" cy="605567"/>
+          </a:xfrm>
+          <a:prstGeom prst="rect">
+            <a:avLst/>
+          </a:prstGeom>
+          <a:solidFill>
+            <a:srgbClr val="FFFF00"/>
+          </a:solidFill>
+        </p:spPr>
+        <p:style>
+          <a:lnRef idx="2">
+            <a:schemeClr val="accent4">
+              <a:shade val="15000"/>
+            </a:schemeClr>
+          </a:lnRef>
+          <a:fillRef idx="1">
+            <a:schemeClr val="accent4"/>
+          </a:fillRef>
+          <a:effectRef idx="0">
+            <a:schemeClr val="accent4"/>
+          </a:effectRef>
+          <a:fontRef idx="minor">
+            <a:schemeClr val="lt1"/>
+          </a:fontRef>
+        </p:style>
+        <p:txBody>
+          <a:bodyPr rtlCol="0" anchor="ctr"/>
+          <a:lstStyle/>
+          <a:p>
+            <a:pPr algn="ctr"/>
+            <a:endParaRPr kumimoji="1" lang="ko-KR" altLang="en-US" dirty="0">
+              <a:solidFill>
+                <a:schemeClr val="tx1"/>
+              </a:solidFill>
+              <a:highlight>
+                <a:srgbClr val="FFFF00"/>
+              </a:highlight>
+              <a:latin typeface="DM Mono" panose="020B0509040201040103" pitchFamily="49" charset="0"/>
+            </a:endParaRPr>
+          </a:p>
+        </p:txBody>
+      </p:sp>
+      <p:sp>
+        <p:nvSpPr>
+          <p:cNvPr id="6" name="TextBox 5">
+            <a:extLst>
+              <a:ext uri="{FF2B5EF4-FFF2-40B4-BE49-F238E27FC236}">
+                <a16:creationId xmlns:a16="http://schemas.microsoft.com/office/drawing/2014/main" id="{52939A03-7E85-FC8A-6C6C-EB9700C7375B}"/>
+              </a:ext>
+            </a:extLst>
+          </p:cNvPr>
+          <p:cNvSpPr txBox="1"/>
+          <p:nvPr/>
+        </p:nvSpPr>
+        <p:spPr>
+          <a:xfrm>
+            <a:off x="7638809" y="3212211"/>
+            <a:ext cx="1287379" cy="369332"/>
+          </a:xfrm>
+          <a:prstGeom prst="rect">
+            <a:avLst/>
+          </a:prstGeom>
+          <a:noFill/>
+        </p:spPr>
+        <p:txBody>
+          <a:bodyPr wrap="square" rtlCol="0">
+            <a:spAutoFit/>
+          </a:bodyPr>
+          <a:lstStyle/>
+          <a:p>
+            <a:pPr algn="ctr"/>
+            <a:r>
+              <a:rPr kumimoji="1" lang="en-US" altLang="ko-KR" dirty="0">
+                <a:latin typeface="DM Mono" panose="020B0509040201040103" pitchFamily="49" charset="0"/>
+              </a:rPr>
+              <a:t>c2</a:t>
+            </a:r>
+            <a:endParaRPr kumimoji="1" lang="ko-KR" altLang="en-US" dirty="0">
+              <a:latin typeface="DM Mono" panose="020B0509040201040103" pitchFamily="49" charset="0"/>
+            </a:endParaRPr>
+          </a:p>
+        </p:txBody>
+      </p:sp>
+      <p:sp>
+        <p:nvSpPr>
+          <p:cNvPr id="9" name="직사각형 8">
+            <a:extLst>
+              <a:ext uri="{FF2B5EF4-FFF2-40B4-BE49-F238E27FC236}">
+                <a16:creationId xmlns:a16="http://schemas.microsoft.com/office/drawing/2014/main" id="{70737B86-C3EA-2060-7B63-17338DE94011}"/>
+              </a:ext>
+            </a:extLst>
+          </p:cNvPr>
+          <p:cNvSpPr/>
+          <p:nvPr/>
+        </p:nvSpPr>
+        <p:spPr>
+          <a:xfrm>
+            <a:off x="7638810" y="4997436"/>
+            <a:ext cx="1287379" cy="605567"/>
+          </a:xfrm>
+          <a:prstGeom prst="rect">
+            <a:avLst/>
+          </a:prstGeom>
+          <a:solidFill>
+            <a:srgbClr val="FFFF00"/>
+          </a:solidFill>
+        </p:spPr>
+        <p:style>
+          <a:lnRef idx="2">
+            <a:schemeClr val="accent4">
+              <a:shade val="15000"/>
+            </a:schemeClr>
+          </a:lnRef>
+          <a:fillRef idx="1">
+            <a:schemeClr val="accent4"/>
+          </a:fillRef>
+          <a:effectRef idx="0">
+            <a:schemeClr val="accent4"/>
+          </a:effectRef>
+          <a:fontRef idx="minor">
+            <a:schemeClr val="lt1"/>
+          </a:fontRef>
+        </p:style>
+        <p:txBody>
+          <a:bodyPr rtlCol="0" anchor="ctr"/>
+          <a:lstStyle/>
+          <a:p>
+            <a:pPr algn="ctr"/>
+            <a:endParaRPr kumimoji="1" lang="ko-KR" altLang="en-US" dirty="0">
+              <a:solidFill>
+                <a:schemeClr val="tx1"/>
+              </a:solidFill>
+              <a:highlight>
+                <a:srgbClr val="FFFF00"/>
+              </a:highlight>
+              <a:latin typeface="DM Mono" panose="020B0509040201040103" pitchFamily="49" charset="0"/>
+            </a:endParaRPr>
+          </a:p>
+        </p:txBody>
+      </p:sp>
+      <p:sp>
+        <p:nvSpPr>
+          <p:cNvPr id="19" name="TextBox 18">
+            <a:extLst>
+              <a:ext uri="{FF2B5EF4-FFF2-40B4-BE49-F238E27FC236}">
+                <a16:creationId xmlns:a16="http://schemas.microsoft.com/office/drawing/2014/main" id="{4D53DCAB-035F-14EA-055F-9AAF56B43F6C}"/>
+              </a:ext>
+            </a:extLst>
+          </p:cNvPr>
+          <p:cNvSpPr txBox="1"/>
+          <p:nvPr/>
+        </p:nvSpPr>
+        <p:spPr>
+          <a:xfrm>
+            <a:off x="7638809" y="4576536"/>
+            <a:ext cx="1287379" cy="369332"/>
+          </a:xfrm>
+          <a:prstGeom prst="rect">
+            <a:avLst/>
+          </a:prstGeom>
+          <a:noFill/>
+        </p:spPr>
+        <p:txBody>
+          <a:bodyPr wrap="square" rtlCol="0">
+            <a:spAutoFit/>
+          </a:bodyPr>
+          <a:lstStyle/>
+          <a:p>
+            <a:pPr algn="ctr"/>
+            <a:r>
+              <a:rPr kumimoji="1" lang="en-US" altLang="ko-KR" dirty="0">
+                <a:latin typeface="DM Mono" panose="020B0509040201040103" pitchFamily="49" charset="0"/>
+              </a:rPr>
+              <a:t>c3</a:t>
+            </a:r>
+            <a:endParaRPr kumimoji="1" lang="ko-KR" altLang="en-US" dirty="0">
+              <a:latin typeface="DM Mono" panose="020B0509040201040103" pitchFamily="49" charset="0"/>
+            </a:endParaRPr>
+          </a:p>
+        </p:txBody>
+      </p:sp>
+      <p:sp>
+        <p:nvSpPr>
+          <p:cNvPr id="5" name="직사각형 4">
+            <a:extLst>
+              <a:ext uri="{FF2B5EF4-FFF2-40B4-BE49-F238E27FC236}">
+                <a16:creationId xmlns:a16="http://schemas.microsoft.com/office/drawing/2014/main" id="{B018C00B-9949-343C-D4D5-63B37A4F2A15}"/>
+              </a:ext>
+            </a:extLst>
+          </p:cNvPr>
+          <p:cNvSpPr/>
+          <p:nvPr/>
+        </p:nvSpPr>
+        <p:spPr>
+          <a:xfrm>
+            <a:off x="10449186" y="616619"/>
+            <a:ext cx="1287379" cy="605567"/>
+          </a:xfrm>
+          <a:prstGeom prst="rect">
+            <a:avLst/>
+          </a:prstGeom>
+          <a:solidFill>
+            <a:srgbClr val="FFFF00"/>
+          </a:solidFill>
+        </p:spPr>
+        <p:style>
+          <a:lnRef idx="2">
+            <a:schemeClr val="accent4">
+              <a:shade val="15000"/>
+            </a:schemeClr>
+          </a:lnRef>
+          <a:fillRef idx="1">
+            <a:schemeClr val="accent4"/>
+          </a:fillRef>
+          <a:effectRef idx="0">
+            <a:schemeClr val="accent4"/>
+          </a:effectRef>
+          <a:fontRef idx="minor">
+            <a:schemeClr val="lt1"/>
+          </a:fontRef>
+        </p:style>
+        <p:txBody>
+          <a:bodyPr rtlCol="0" anchor="ctr"/>
+          <a:lstStyle/>
+          <a:p>
+            <a:pPr algn="ctr"/>
+            <a:r>
+              <a:rPr kumimoji="1" lang="en-US" altLang="ko-KR" dirty="0">
+                <a:solidFill>
+                  <a:srgbClr val="FF0000"/>
+                </a:solidFill>
+                <a:highlight>
+                  <a:srgbClr val="FFFF00"/>
+                </a:highlight>
+                <a:latin typeface="DM Mono" panose="020B0509040201040103" pitchFamily="49" charset="0"/>
+              </a:rPr>
+              <a:t>0</a:t>
+            </a:r>
+            <a:endParaRPr kumimoji="1" lang="ko-KR" altLang="en-US" dirty="0">
+              <a:solidFill>
+                <a:srgbClr val="FF0000"/>
+              </a:solidFill>
+              <a:highlight>
+                <a:srgbClr val="FFFF00"/>
+              </a:highlight>
+              <a:latin typeface="DM Mono" panose="020B0509040201040103" pitchFamily="49" charset="0"/>
+            </a:endParaRPr>
+          </a:p>
+        </p:txBody>
+      </p:sp>
+      <p:sp>
+        <p:nvSpPr>
+          <p:cNvPr id="7" name="TextBox 6">
+            <a:extLst>
+              <a:ext uri="{FF2B5EF4-FFF2-40B4-BE49-F238E27FC236}">
+                <a16:creationId xmlns:a16="http://schemas.microsoft.com/office/drawing/2014/main" id="{D6467F0E-A280-B50D-2340-75C0375FCBF8}"/>
+              </a:ext>
+            </a:extLst>
+          </p:cNvPr>
+          <p:cNvSpPr txBox="1"/>
+          <p:nvPr/>
+        </p:nvSpPr>
+        <p:spPr>
+          <a:xfrm>
+            <a:off x="9027890" y="734736"/>
+            <a:ext cx="1287379" cy="369332"/>
+          </a:xfrm>
+          <a:prstGeom prst="rect">
+            <a:avLst/>
+          </a:prstGeom>
+          <a:noFill/>
+        </p:spPr>
+        <p:txBody>
+          <a:bodyPr wrap="square" rtlCol="0">
+            <a:spAutoFit/>
+          </a:bodyPr>
+          <a:lstStyle/>
+          <a:p>
+            <a:pPr algn="ctr"/>
+            <a:r>
+              <a:rPr kumimoji="1" lang="en-US" altLang="ko-KR" dirty="0">
+                <a:latin typeface="DM Mono" panose="020B0509040201040103" pitchFamily="49" charset="0"/>
+              </a:rPr>
+              <a:t>Car::</a:t>
+            </a:r>
+            <a:r>
+              <a:rPr kumimoji="1" lang="en-US" altLang="ko-KR" dirty="0" err="1">
+                <a:latin typeface="DM Mono" panose="020B0509040201040103" pitchFamily="49" charset="0"/>
+              </a:rPr>
+              <a:t>cnt</a:t>
+            </a:r>
+            <a:endParaRPr kumimoji="1" lang="ko-KR" altLang="en-US" dirty="0">
+              <a:latin typeface="DM Mono" panose="020B0509040201040103" pitchFamily="49" charset="0"/>
+            </a:endParaRPr>
+          </a:p>
+        </p:txBody>
+      </p:sp>
+    </p:spTree>
+    <p:extLst>
+      <p:ext uri="{BB962C8B-B14F-4D97-AF65-F5344CB8AC3E}">
+        <p14:creationId xmlns:p14="http://schemas.microsoft.com/office/powerpoint/2010/main" val="3974801393"/>
+      </p:ext>
+    </p:extLst>
+  </p:cSld>
+  <p:clrMapOvr>
+    <a:masterClrMapping/>
+  </p:clrMapOvr>
+</p:sld>
+</file>
+
+<file path=ppt/slides/slide51.xml><?xml version="1.0" encoding="utf-8"?>
+<p:sld xmlns:a="http://schemas.openxmlformats.org/drawingml/2006/main" xmlns:r="http://schemas.openxmlformats.org/officeDocument/2006/relationships" xmlns:p="http://schemas.openxmlformats.org/presentationml/2006/main">
+  <p:cSld>
+    <p:spTree>
+      <p:nvGrpSpPr>
+        <p:cNvPr id="1" name="">
+          <a:extLst>
+            <a:ext uri="{FF2B5EF4-FFF2-40B4-BE49-F238E27FC236}">
+              <a16:creationId xmlns:a16="http://schemas.microsoft.com/office/drawing/2014/main" id="{2B407D3F-6AA7-9BF7-7414-16D515B105CF}"/>
+            </a:ext>
+          </a:extLst>
+        </p:cNvPr>
+        <p:cNvGrpSpPr/>
+        <p:nvPr/>
+      </p:nvGrpSpPr>
+      <p:grpSpPr>
+        <a:xfrm>
+          <a:off x="0" y="0"/>
+          <a:ext cx="0" cy="0"/>
+          <a:chOff x="0" y="0"/>
+          <a:chExt cx="0" cy="0"/>
+        </a:xfrm>
+      </p:grpSpPr>
+      <p:sp>
+        <p:nvSpPr>
+          <p:cNvPr id="14" name="직사각형 13">
+            <a:extLst>
+              <a:ext uri="{FF2B5EF4-FFF2-40B4-BE49-F238E27FC236}">
+                <a16:creationId xmlns:a16="http://schemas.microsoft.com/office/drawing/2014/main" id="{AB2F75AB-08E2-74CD-C5D8-92362B99ED42}"/>
+              </a:ext>
+            </a:extLst>
+          </p:cNvPr>
+          <p:cNvSpPr/>
+          <p:nvPr/>
+        </p:nvSpPr>
+        <p:spPr>
+          <a:xfrm>
+            <a:off x="7638811" y="2202237"/>
+            <a:ext cx="1287379" cy="605567"/>
+          </a:xfrm>
+          <a:prstGeom prst="rect">
+            <a:avLst/>
+          </a:prstGeom>
+          <a:solidFill>
+            <a:srgbClr val="FFFF00"/>
+          </a:solidFill>
+        </p:spPr>
+        <p:style>
+          <a:lnRef idx="2">
+            <a:schemeClr val="accent4">
+              <a:shade val="15000"/>
+            </a:schemeClr>
+          </a:lnRef>
+          <a:fillRef idx="1">
+            <a:schemeClr val="accent4"/>
+          </a:fillRef>
+          <a:effectRef idx="0">
+            <a:schemeClr val="accent4"/>
+          </a:effectRef>
+          <a:fontRef idx="minor">
+            <a:schemeClr val="lt1"/>
+          </a:fontRef>
+        </p:style>
+        <p:txBody>
+          <a:bodyPr rtlCol="0" anchor="ctr"/>
+          <a:lstStyle/>
+          <a:p>
+            <a:pPr algn="ctr"/>
+            <a:endParaRPr kumimoji="1" lang="ko-KR" altLang="en-US" dirty="0">
+              <a:solidFill>
+                <a:schemeClr val="tx1"/>
+              </a:solidFill>
+              <a:highlight>
+                <a:srgbClr val="FFFF00"/>
+              </a:highlight>
+              <a:latin typeface="DM Mono" panose="020B0509040201040103" pitchFamily="49" charset="0"/>
+            </a:endParaRPr>
+          </a:p>
+        </p:txBody>
+      </p:sp>
+      <p:sp>
+        <p:nvSpPr>
+          <p:cNvPr id="16" name="TextBox 15">
+            <a:extLst>
+              <a:ext uri="{FF2B5EF4-FFF2-40B4-BE49-F238E27FC236}">
+                <a16:creationId xmlns:a16="http://schemas.microsoft.com/office/drawing/2014/main" id="{8DD8C470-441E-162E-134B-C43EFAC65EF3}"/>
+              </a:ext>
+            </a:extLst>
+          </p:cNvPr>
+          <p:cNvSpPr txBox="1"/>
+          <p:nvPr/>
+        </p:nvSpPr>
+        <p:spPr>
+          <a:xfrm>
+            <a:off x="7638810" y="1781337"/>
+            <a:ext cx="1287379" cy="369332"/>
+          </a:xfrm>
+          <a:prstGeom prst="rect">
+            <a:avLst/>
+          </a:prstGeom>
+          <a:noFill/>
+        </p:spPr>
+        <p:txBody>
+          <a:bodyPr wrap="square" rtlCol="0">
+            <a:spAutoFit/>
+          </a:bodyPr>
+          <a:lstStyle/>
+          <a:p>
+            <a:pPr algn="ctr"/>
+            <a:r>
+              <a:rPr kumimoji="1" lang="en-US" altLang="ko-KR" dirty="0">
+                <a:latin typeface="DM Mono" panose="020B0509040201040103" pitchFamily="49" charset="0"/>
+              </a:rPr>
+              <a:t>c1</a:t>
+            </a:r>
+            <a:endParaRPr kumimoji="1" lang="ko-KR" altLang="en-US" dirty="0">
+              <a:latin typeface="DM Mono" panose="020B0509040201040103" pitchFamily="49" charset="0"/>
+            </a:endParaRPr>
+          </a:p>
+        </p:txBody>
+      </p:sp>
+      <p:sp>
+        <p:nvSpPr>
+          <p:cNvPr id="3" name="TextBox 2">
+            <a:extLst>
+              <a:ext uri="{FF2B5EF4-FFF2-40B4-BE49-F238E27FC236}">
+                <a16:creationId xmlns:a16="http://schemas.microsoft.com/office/drawing/2014/main" id="{C1426BDB-B7C8-A510-69DE-AC372BCE7F72}"/>
+              </a:ext>
+            </a:extLst>
+          </p:cNvPr>
+          <p:cNvSpPr txBox="1"/>
+          <p:nvPr/>
+        </p:nvSpPr>
+        <p:spPr>
+          <a:xfrm>
+            <a:off x="455435" y="195719"/>
+            <a:ext cx="6097656" cy="4566571"/>
+          </a:xfrm>
+          <a:prstGeom prst="rect">
+            <a:avLst/>
+          </a:prstGeom>
+          <a:noFill/>
+        </p:spPr>
+        <p:txBody>
+          <a:bodyPr wrap="square">
+            <a:spAutoFit/>
+          </a:bodyPr>
+          <a:lstStyle/>
+          <a:p>
+            <a:pPr>
+              <a:lnSpc>
+                <a:spcPts val="2475"/>
+              </a:lnSpc>
+              <a:buNone/>
+            </a:pPr>
+            <a:endParaRPr lang="en-US" altLang="ko-KR" b="0" dirty="0">
+              <a:solidFill>
+                <a:srgbClr val="3B3B3B"/>
+              </a:solidFill>
+              <a:effectLst/>
+              <a:latin typeface="DM Mono" panose="020B0509040201040103" pitchFamily="49" charset="0"/>
+            </a:endParaRPr>
+          </a:p>
+          <a:p>
+            <a:pPr>
+              <a:lnSpc>
+                <a:spcPts val="2475"/>
+              </a:lnSpc>
+              <a:buNone/>
+            </a:pPr>
+            <a:br>
+              <a:rPr lang="en-US" altLang="ko-KR" b="0" dirty="0">
+                <a:solidFill>
+                  <a:srgbClr val="3B3B3B"/>
+                </a:solidFill>
+                <a:effectLst/>
+                <a:latin typeface="DM Mono" panose="020B0509040201040103" pitchFamily="49" charset="0"/>
+              </a:rPr>
+            </a:br>
+            <a:r>
+              <a:rPr lang="en-US" altLang="ko-KR" b="0" dirty="0">
+                <a:solidFill>
+                  <a:srgbClr val="0000FF"/>
+                </a:solidFill>
+                <a:effectLst/>
+                <a:latin typeface="DM Mono" panose="020B0509040201040103" pitchFamily="49" charset="0"/>
+              </a:rPr>
+              <a:t>class</a:t>
+            </a:r>
+            <a:r>
+              <a:rPr lang="en-US" altLang="ko-KR" b="0" dirty="0">
+                <a:solidFill>
+                  <a:srgbClr val="3B3B3B"/>
+                </a:solidFill>
+                <a:effectLst/>
+                <a:latin typeface="DM Mono" panose="020B0509040201040103" pitchFamily="49" charset="0"/>
+              </a:rPr>
+              <a:t> </a:t>
+            </a:r>
+            <a:r>
+              <a:rPr lang="en-US" altLang="ko-KR" b="0" dirty="0">
+                <a:solidFill>
+                  <a:srgbClr val="267F99"/>
+                </a:solidFill>
+                <a:effectLst/>
+                <a:latin typeface="DM Mono" panose="020B0509040201040103" pitchFamily="49" charset="0"/>
+              </a:rPr>
+              <a:t>Car</a:t>
+            </a:r>
+            <a:endParaRPr lang="en-US" altLang="ko-KR" b="0" dirty="0">
+              <a:solidFill>
+                <a:srgbClr val="3B3B3B"/>
+              </a:solidFill>
+              <a:effectLst/>
+              <a:latin typeface="DM Mono" panose="020B0509040201040103" pitchFamily="49" charset="0"/>
+            </a:endParaRPr>
+          </a:p>
+          <a:p>
+            <a:pPr>
+              <a:lnSpc>
+                <a:spcPts val="2475"/>
+              </a:lnSpc>
+              <a:buNone/>
+            </a:pPr>
+            <a:r>
+              <a:rPr lang="en-US" altLang="ko-KR" b="0" dirty="0">
+                <a:solidFill>
+                  <a:srgbClr val="3B3B3B"/>
+                </a:solidFill>
+                <a:effectLst/>
+                <a:latin typeface="DM Mono" panose="020B0509040201040103" pitchFamily="49" charset="0"/>
+              </a:rPr>
+              <a:t>{</a:t>
+            </a:r>
+          </a:p>
+          <a:p>
+            <a:pPr>
+              <a:lnSpc>
+                <a:spcPts val="2475"/>
+              </a:lnSpc>
+              <a:buNone/>
+            </a:pPr>
+            <a:r>
+              <a:rPr lang="en-US" altLang="ko-KR" dirty="0">
+                <a:solidFill>
+                  <a:srgbClr val="0000FF"/>
+                </a:solidFill>
+                <a:latin typeface="DM Mono" panose="020B0509040201040103" pitchFamily="49" charset="0"/>
+              </a:rPr>
+              <a:t>static int</a:t>
+            </a:r>
+            <a:r>
+              <a:rPr lang="en-US" altLang="ko-KR" dirty="0">
+                <a:solidFill>
+                  <a:srgbClr val="3B3B3B"/>
+                </a:solidFill>
+                <a:latin typeface="DM Mono" panose="020B0509040201040103" pitchFamily="49" charset="0"/>
+              </a:rPr>
+              <a:t> </a:t>
+            </a:r>
+            <a:r>
+              <a:rPr lang="en-US" altLang="ko-KR" dirty="0" err="1">
+                <a:solidFill>
+                  <a:srgbClr val="001080"/>
+                </a:solidFill>
+                <a:latin typeface="DM Mono" panose="020B0509040201040103" pitchFamily="49" charset="0"/>
+              </a:rPr>
+              <a:t>cnt</a:t>
+            </a:r>
+            <a:r>
+              <a:rPr lang="en-US" altLang="ko-KR" dirty="0">
+                <a:solidFill>
+                  <a:srgbClr val="3B3B3B"/>
+                </a:solidFill>
+                <a:latin typeface="DM Mono" panose="020B0509040201040103" pitchFamily="49" charset="0"/>
+              </a:rPr>
+              <a:t> </a:t>
+            </a:r>
+            <a:r>
+              <a:rPr lang="en-US" altLang="ko-KR" dirty="0">
+                <a:solidFill>
+                  <a:srgbClr val="000000"/>
+                </a:solidFill>
+                <a:latin typeface="DM Mono" panose="020B0509040201040103" pitchFamily="49" charset="0"/>
+              </a:rPr>
+              <a:t>=</a:t>
+            </a:r>
+            <a:r>
+              <a:rPr lang="en-US" altLang="ko-KR" dirty="0">
+                <a:solidFill>
+                  <a:srgbClr val="3B3B3B"/>
+                </a:solidFill>
+                <a:latin typeface="DM Mono" panose="020B0509040201040103" pitchFamily="49" charset="0"/>
+              </a:rPr>
+              <a:t> </a:t>
+            </a:r>
+            <a:r>
+              <a:rPr lang="en-US" altLang="ko-KR" dirty="0">
+                <a:solidFill>
+                  <a:srgbClr val="098658"/>
+                </a:solidFill>
+                <a:latin typeface="DM Mono" panose="020B0509040201040103" pitchFamily="49" charset="0"/>
+              </a:rPr>
+              <a:t>0</a:t>
+            </a:r>
+            <a:r>
+              <a:rPr lang="en-US" altLang="ko-KR" dirty="0">
+                <a:solidFill>
+                  <a:srgbClr val="3B3B3B"/>
+                </a:solidFill>
+                <a:latin typeface="DM Mono" panose="020B0509040201040103" pitchFamily="49" charset="0"/>
+              </a:rPr>
+              <a:t>;</a:t>
+            </a:r>
+            <a:endParaRPr lang="en-US" altLang="ko-KR" b="0" dirty="0">
+              <a:solidFill>
+                <a:srgbClr val="3B3B3B"/>
+              </a:solidFill>
+              <a:effectLst/>
+              <a:latin typeface="DM Mono" panose="020B0509040201040103" pitchFamily="49" charset="0"/>
+            </a:endParaRPr>
+          </a:p>
+          <a:p>
+            <a:pPr>
+              <a:lnSpc>
+                <a:spcPts val="2475"/>
+              </a:lnSpc>
+              <a:buNone/>
+            </a:pPr>
+            <a:endParaRPr lang="en-US" altLang="ko-KR" b="0" dirty="0">
+              <a:solidFill>
+                <a:srgbClr val="0000FF"/>
+              </a:solidFill>
+              <a:effectLst/>
+              <a:latin typeface="DM Mono" panose="020B0509040201040103" pitchFamily="49" charset="0"/>
+            </a:endParaRPr>
+          </a:p>
+          <a:p>
+            <a:pPr>
+              <a:lnSpc>
+                <a:spcPts val="2475"/>
+              </a:lnSpc>
+              <a:buNone/>
+            </a:pPr>
+            <a:r>
+              <a:rPr lang="en-US" altLang="ko-KR" b="0" dirty="0">
+                <a:solidFill>
+                  <a:srgbClr val="0000FF"/>
+                </a:solidFill>
+                <a:effectLst/>
+                <a:latin typeface="DM Mono" panose="020B0509040201040103" pitchFamily="49" charset="0"/>
+              </a:rPr>
+              <a:t>public:</a:t>
+            </a:r>
+            <a:endParaRPr lang="en-US" altLang="ko-KR" b="0" dirty="0">
+              <a:solidFill>
+                <a:srgbClr val="3B3B3B"/>
+              </a:solidFill>
+              <a:effectLst/>
+              <a:latin typeface="DM Mono" panose="020B0509040201040103" pitchFamily="49" charset="0"/>
+            </a:endParaRPr>
+          </a:p>
+          <a:p>
+            <a:pPr>
+              <a:lnSpc>
+                <a:spcPts val="2475"/>
+              </a:lnSpc>
+              <a:buNone/>
+            </a:pPr>
+            <a:r>
+              <a:rPr lang="en-US" altLang="ko-KR" b="0" dirty="0">
+                <a:solidFill>
+                  <a:srgbClr val="795E26"/>
+                </a:solidFill>
+                <a:effectLst/>
+                <a:latin typeface="DM Mono" panose="020B0509040201040103" pitchFamily="49" charset="0"/>
+              </a:rPr>
+              <a:t>Car</a:t>
+            </a:r>
+            <a:r>
+              <a:rPr lang="en-US" altLang="ko-KR" b="0" dirty="0">
+                <a:solidFill>
+                  <a:srgbClr val="3B3B3B"/>
+                </a:solidFill>
+                <a:effectLst/>
+                <a:latin typeface="DM Mono" panose="020B0509040201040103" pitchFamily="49" charset="0"/>
+              </a:rPr>
+              <a:t>() { </a:t>
+            </a:r>
+            <a:r>
+              <a:rPr lang="en-US" altLang="ko-KR" b="0" dirty="0">
+                <a:solidFill>
+                  <a:srgbClr val="000000"/>
+                </a:solidFill>
+                <a:effectLst/>
+                <a:latin typeface="DM Mono" panose="020B0509040201040103" pitchFamily="49" charset="0"/>
+              </a:rPr>
+              <a:t>++</a:t>
+            </a:r>
+            <a:r>
+              <a:rPr lang="en-US" altLang="ko-KR" b="0" dirty="0" err="1">
+                <a:solidFill>
+                  <a:srgbClr val="001080"/>
+                </a:solidFill>
+                <a:effectLst/>
+                <a:latin typeface="DM Mono" panose="020B0509040201040103" pitchFamily="49" charset="0"/>
+              </a:rPr>
+              <a:t>cnt</a:t>
+            </a:r>
+            <a:r>
+              <a:rPr lang="en-US" altLang="ko-KR" b="0" dirty="0">
+                <a:solidFill>
+                  <a:srgbClr val="3B3B3B"/>
+                </a:solidFill>
+                <a:effectLst/>
+                <a:latin typeface="DM Mono" panose="020B0509040201040103" pitchFamily="49" charset="0"/>
+              </a:rPr>
+              <a:t>; }</a:t>
+            </a:r>
+          </a:p>
+          <a:p>
+            <a:pPr>
+              <a:lnSpc>
+                <a:spcPts val="2475"/>
+              </a:lnSpc>
+              <a:buNone/>
+            </a:pPr>
+            <a:r>
+              <a:rPr lang="en-US" altLang="ko-KR" b="0" dirty="0">
+                <a:solidFill>
+                  <a:srgbClr val="795E26"/>
+                </a:solidFill>
+                <a:effectLst/>
+                <a:latin typeface="DM Mono" panose="020B0509040201040103" pitchFamily="49" charset="0"/>
+              </a:rPr>
+              <a:t>~Car</a:t>
+            </a:r>
+            <a:r>
+              <a:rPr lang="en-US" altLang="ko-KR" b="0" dirty="0">
+                <a:solidFill>
+                  <a:srgbClr val="3B3B3B"/>
+                </a:solidFill>
+                <a:effectLst/>
+                <a:latin typeface="DM Mono" panose="020B0509040201040103" pitchFamily="49" charset="0"/>
+              </a:rPr>
+              <a:t>() { </a:t>
+            </a:r>
+            <a:r>
+              <a:rPr lang="en-US" altLang="ko-KR" b="0" dirty="0">
+                <a:solidFill>
+                  <a:srgbClr val="000000"/>
+                </a:solidFill>
+                <a:effectLst/>
+                <a:latin typeface="DM Mono" panose="020B0509040201040103" pitchFamily="49" charset="0"/>
+              </a:rPr>
+              <a:t>--</a:t>
+            </a:r>
+            <a:r>
+              <a:rPr lang="en-US" altLang="ko-KR" b="0" dirty="0" err="1">
+                <a:solidFill>
+                  <a:srgbClr val="001080"/>
+                </a:solidFill>
+                <a:effectLst/>
+                <a:latin typeface="DM Mono" panose="020B0509040201040103" pitchFamily="49" charset="0"/>
+              </a:rPr>
+              <a:t>cnt</a:t>
+            </a:r>
+            <a:r>
+              <a:rPr lang="en-US" altLang="ko-KR" b="0" dirty="0">
+                <a:solidFill>
+                  <a:srgbClr val="3B3B3B"/>
+                </a:solidFill>
+                <a:effectLst/>
+                <a:latin typeface="DM Mono" panose="020B0509040201040103" pitchFamily="49" charset="0"/>
+              </a:rPr>
+              <a:t>; }</a:t>
+            </a:r>
+          </a:p>
+          <a:p>
+            <a:pPr>
+              <a:lnSpc>
+                <a:spcPts val="2475"/>
+              </a:lnSpc>
+              <a:buNone/>
+            </a:pPr>
+            <a:br>
+              <a:rPr lang="en-US" altLang="ko-KR" b="0" dirty="0">
+                <a:solidFill>
+                  <a:srgbClr val="3B3B3B"/>
+                </a:solidFill>
+                <a:effectLst/>
+                <a:latin typeface="DM Mono" panose="020B0509040201040103" pitchFamily="49" charset="0"/>
+              </a:rPr>
+            </a:br>
+            <a:r>
+              <a:rPr lang="en-US" altLang="ko-KR" b="0" dirty="0">
+                <a:solidFill>
+                  <a:srgbClr val="0000FF"/>
+                </a:solidFill>
+                <a:effectLst/>
+                <a:latin typeface="DM Mono" panose="020B0509040201040103" pitchFamily="49" charset="0"/>
+              </a:rPr>
+              <a:t>int</a:t>
+            </a:r>
+            <a:r>
+              <a:rPr lang="en-US" altLang="ko-KR" b="0" dirty="0">
+                <a:solidFill>
+                  <a:srgbClr val="3B3B3B"/>
+                </a:solidFill>
+                <a:effectLst/>
+                <a:latin typeface="DM Mono" panose="020B0509040201040103" pitchFamily="49" charset="0"/>
+              </a:rPr>
+              <a:t> </a:t>
+            </a:r>
+            <a:r>
+              <a:rPr lang="en-US" altLang="ko-KR" b="0" dirty="0" err="1">
+                <a:solidFill>
+                  <a:srgbClr val="795E26"/>
+                </a:solidFill>
+                <a:effectLst/>
+                <a:latin typeface="DM Mono" panose="020B0509040201040103" pitchFamily="49" charset="0"/>
+              </a:rPr>
+              <a:t>GetCount</a:t>
+            </a:r>
+            <a:r>
+              <a:rPr lang="en-US" altLang="ko-KR" b="0" dirty="0">
+                <a:solidFill>
+                  <a:srgbClr val="3B3B3B"/>
+                </a:solidFill>
+                <a:effectLst/>
+                <a:latin typeface="DM Mono" panose="020B0509040201040103" pitchFamily="49" charset="0"/>
+              </a:rPr>
+              <a:t>() { </a:t>
+            </a:r>
+            <a:r>
+              <a:rPr lang="en-US" altLang="ko-KR" b="0" dirty="0">
+                <a:solidFill>
+                  <a:srgbClr val="AF00DB"/>
+                </a:solidFill>
+                <a:effectLst/>
+                <a:latin typeface="DM Mono" panose="020B0509040201040103" pitchFamily="49" charset="0"/>
+              </a:rPr>
+              <a:t>return</a:t>
+            </a:r>
+            <a:r>
+              <a:rPr lang="en-US" altLang="ko-KR" b="0" dirty="0">
+                <a:solidFill>
+                  <a:srgbClr val="3B3B3B"/>
+                </a:solidFill>
+                <a:effectLst/>
+                <a:latin typeface="DM Mono" panose="020B0509040201040103" pitchFamily="49" charset="0"/>
+              </a:rPr>
+              <a:t> </a:t>
+            </a:r>
+            <a:r>
+              <a:rPr lang="en-US" altLang="ko-KR" b="0" dirty="0" err="1">
+                <a:solidFill>
+                  <a:srgbClr val="001080"/>
+                </a:solidFill>
+                <a:effectLst/>
+                <a:latin typeface="DM Mono" panose="020B0509040201040103" pitchFamily="49" charset="0"/>
+              </a:rPr>
+              <a:t>cnt</a:t>
+            </a:r>
+            <a:r>
+              <a:rPr lang="en-US" altLang="ko-KR" b="0" dirty="0">
+                <a:solidFill>
+                  <a:srgbClr val="3B3B3B"/>
+                </a:solidFill>
+                <a:effectLst/>
+                <a:latin typeface="DM Mono" panose="020B0509040201040103" pitchFamily="49" charset="0"/>
+              </a:rPr>
+              <a:t>; }</a:t>
+            </a:r>
+          </a:p>
+          <a:p>
+            <a:pPr>
+              <a:lnSpc>
+                <a:spcPts val="2475"/>
+              </a:lnSpc>
+              <a:buNone/>
+            </a:pPr>
+            <a:r>
+              <a:rPr lang="en-US" altLang="ko-KR" b="0" dirty="0">
+                <a:solidFill>
+                  <a:srgbClr val="3B3B3B"/>
+                </a:solidFill>
+                <a:effectLst/>
+                <a:latin typeface="DM Mono" panose="020B0509040201040103" pitchFamily="49" charset="0"/>
+              </a:rPr>
+              <a:t>};</a:t>
+            </a:r>
+          </a:p>
+          <a:p>
+            <a:pPr>
+              <a:lnSpc>
+                <a:spcPts val="2475"/>
+              </a:lnSpc>
+              <a:buNone/>
+            </a:pPr>
+            <a:br>
+              <a:rPr lang="en-US" altLang="ko-KR" b="0" dirty="0">
+                <a:solidFill>
+                  <a:srgbClr val="FF0000"/>
+                </a:solidFill>
+                <a:effectLst/>
+                <a:latin typeface="DM Mono" panose="020B0509040201040103" pitchFamily="49" charset="0"/>
+              </a:rPr>
+            </a:br>
+            <a:r>
+              <a:rPr lang="en-US" altLang="ko-KR" b="0" dirty="0">
+                <a:solidFill>
+                  <a:srgbClr val="FF0000"/>
+                </a:solidFill>
+                <a:effectLst/>
+                <a:latin typeface="DM Mono" panose="020B0509040201040103" pitchFamily="49" charset="0"/>
+              </a:rPr>
+              <a:t>Car c1;</a:t>
+            </a:r>
+          </a:p>
+        </p:txBody>
+      </p:sp>
+      <p:sp>
+        <p:nvSpPr>
+          <p:cNvPr id="5" name="직사각형 4">
+            <a:extLst>
+              <a:ext uri="{FF2B5EF4-FFF2-40B4-BE49-F238E27FC236}">
+                <a16:creationId xmlns:a16="http://schemas.microsoft.com/office/drawing/2014/main" id="{D3E115DF-B2F6-E439-1D24-868C26EA6B8C}"/>
+              </a:ext>
+            </a:extLst>
+          </p:cNvPr>
+          <p:cNvSpPr/>
+          <p:nvPr/>
+        </p:nvSpPr>
+        <p:spPr>
+          <a:xfrm>
+            <a:off x="10449186" y="616619"/>
+            <a:ext cx="1287379" cy="605567"/>
+          </a:xfrm>
+          <a:prstGeom prst="rect">
+            <a:avLst/>
+          </a:prstGeom>
+          <a:solidFill>
+            <a:srgbClr val="FFFF00"/>
+          </a:solidFill>
+        </p:spPr>
+        <p:style>
+          <a:lnRef idx="2">
+            <a:schemeClr val="accent4">
+              <a:shade val="15000"/>
+            </a:schemeClr>
+          </a:lnRef>
+          <a:fillRef idx="1">
+            <a:schemeClr val="accent4"/>
+          </a:fillRef>
+          <a:effectRef idx="0">
+            <a:schemeClr val="accent4"/>
+          </a:effectRef>
+          <a:fontRef idx="minor">
+            <a:schemeClr val="lt1"/>
+          </a:fontRef>
+        </p:style>
+        <p:txBody>
+          <a:bodyPr rtlCol="0" anchor="ctr"/>
+          <a:lstStyle/>
+          <a:p>
+            <a:pPr algn="ctr"/>
+            <a:r>
+              <a:rPr kumimoji="1" lang="en-US" altLang="ko-KR" dirty="0">
+                <a:solidFill>
+                  <a:srgbClr val="FF0000"/>
+                </a:solidFill>
+                <a:highlight>
+                  <a:srgbClr val="FFFF00"/>
+                </a:highlight>
+                <a:latin typeface="DM Mono" panose="020B0509040201040103" pitchFamily="49" charset="0"/>
+              </a:rPr>
+              <a:t>1</a:t>
+            </a:r>
+            <a:endParaRPr kumimoji="1" lang="ko-KR" altLang="en-US" dirty="0">
+              <a:solidFill>
+                <a:srgbClr val="FF0000"/>
+              </a:solidFill>
+              <a:highlight>
+                <a:srgbClr val="FFFF00"/>
+              </a:highlight>
+              <a:latin typeface="DM Mono" panose="020B0509040201040103" pitchFamily="49" charset="0"/>
+            </a:endParaRPr>
+          </a:p>
+        </p:txBody>
+      </p:sp>
+      <p:sp>
+        <p:nvSpPr>
+          <p:cNvPr id="7" name="TextBox 6">
+            <a:extLst>
+              <a:ext uri="{FF2B5EF4-FFF2-40B4-BE49-F238E27FC236}">
+                <a16:creationId xmlns:a16="http://schemas.microsoft.com/office/drawing/2014/main" id="{4477F062-CA33-ED1F-6BC9-E8972F823C7F}"/>
+              </a:ext>
+            </a:extLst>
+          </p:cNvPr>
+          <p:cNvSpPr txBox="1"/>
+          <p:nvPr/>
+        </p:nvSpPr>
+        <p:spPr>
+          <a:xfrm>
+            <a:off x="9027890" y="734736"/>
+            <a:ext cx="1287379" cy="369332"/>
+          </a:xfrm>
+          <a:prstGeom prst="rect">
+            <a:avLst/>
+          </a:prstGeom>
+          <a:noFill/>
+        </p:spPr>
+        <p:txBody>
+          <a:bodyPr wrap="square" rtlCol="0">
+            <a:spAutoFit/>
+          </a:bodyPr>
+          <a:lstStyle/>
+          <a:p>
+            <a:pPr algn="ctr"/>
+            <a:r>
+              <a:rPr kumimoji="1" lang="en-US" altLang="ko-KR" dirty="0">
+                <a:latin typeface="DM Mono" panose="020B0509040201040103" pitchFamily="49" charset="0"/>
+              </a:rPr>
+              <a:t>Car::</a:t>
+            </a:r>
+            <a:r>
+              <a:rPr kumimoji="1" lang="en-US" altLang="ko-KR" dirty="0" err="1">
+                <a:latin typeface="DM Mono" panose="020B0509040201040103" pitchFamily="49" charset="0"/>
+              </a:rPr>
+              <a:t>cnt</a:t>
+            </a:r>
+            <a:endParaRPr kumimoji="1" lang="ko-KR" altLang="en-US" dirty="0">
+              <a:latin typeface="DM Mono" panose="020B0509040201040103" pitchFamily="49" charset="0"/>
+            </a:endParaRPr>
+          </a:p>
+        </p:txBody>
+      </p:sp>
+    </p:spTree>
+    <p:extLst>
+      <p:ext uri="{BB962C8B-B14F-4D97-AF65-F5344CB8AC3E}">
+        <p14:creationId xmlns:p14="http://schemas.microsoft.com/office/powerpoint/2010/main" val="2931491620"/>
+      </p:ext>
+    </p:extLst>
+  </p:cSld>
+  <p:clrMapOvr>
+    <a:masterClrMapping/>
+  </p:clrMapOvr>
+</p:sld>
+</file>
+
+<file path=ppt/slides/slide52.xml><?xml version="1.0" encoding="utf-8"?>
+<p:sld xmlns:a="http://schemas.openxmlformats.org/drawingml/2006/main" xmlns:r="http://schemas.openxmlformats.org/officeDocument/2006/relationships" xmlns:p="http://schemas.openxmlformats.org/presentationml/2006/main">
+  <p:cSld>
+    <p:spTree>
+      <p:nvGrpSpPr>
+        <p:cNvPr id="1" name="">
+          <a:extLst>
+            <a:ext uri="{FF2B5EF4-FFF2-40B4-BE49-F238E27FC236}">
+              <a16:creationId xmlns:a16="http://schemas.microsoft.com/office/drawing/2014/main" id="{F7C0D2C9-1059-CCBB-8CF9-B0F6ED6004D4}"/>
+            </a:ext>
+          </a:extLst>
+        </p:cNvPr>
+        <p:cNvGrpSpPr/>
+        <p:nvPr/>
+      </p:nvGrpSpPr>
+      <p:grpSpPr>
+        <a:xfrm>
+          <a:off x="0" y="0"/>
+          <a:ext cx="0" cy="0"/>
+          <a:chOff x="0" y="0"/>
+          <a:chExt cx="0" cy="0"/>
+        </a:xfrm>
+      </p:grpSpPr>
+      <p:sp>
+        <p:nvSpPr>
+          <p:cNvPr id="14" name="직사각형 13">
+            <a:extLst>
+              <a:ext uri="{FF2B5EF4-FFF2-40B4-BE49-F238E27FC236}">
+                <a16:creationId xmlns:a16="http://schemas.microsoft.com/office/drawing/2014/main" id="{9A677848-B072-342E-F8ED-4445467DB871}"/>
+              </a:ext>
+            </a:extLst>
+          </p:cNvPr>
+          <p:cNvSpPr/>
+          <p:nvPr/>
+        </p:nvSpPr>
+        <p:spPr>
+          <a:xfrm>
+            <a:off x="7638811" y="2202237"/>
+            <a:ext cx="1287379" cy="605567"/>
+          </a:xfrm>
+          <a:prstGeom prst="rect">
+            <a:avLst/>
+          </a:prstGeom>
+          <a:solidFill>
+            <a:srgbClr val="FFFF00"/>
+          </a:solidFill>
+        </p:spPr>
+        <p:style>
+          <a:lnRef idx="2">
+            <a:schemeClr val="accent4">
+              <a:shade val="15000"/>
+            </a:schemeClr>
+          </a:lnRef>
+          <a:fillRef idx="1">
+            <a:schemeClr val="accent4"/>
+          </a:fillRef>
+          <a:effectRef idx="0">
+            <a:schemeClr val="accent4"/>
+          </a:effectRef>
+          <a:fontRef idx="minor">
+            <a:schemeClr val="lt1"/>
+          </a:fontRef>
+        </p:style>
+        <p:txBody>
+          <a:bodyPr rtlCol="0" anchor="ctr"/>
+          <a:lstStyle/>
+          <a:p>
+            <a:pPr algn="ctr"/>
+            <a:endParaRPr kumimoji="1" lang="ko-KR" altLang="en-US" dirty="0">
+              <a:solidFill>
+                <a:schemeClr val="tx1"/>
+              </a:solidFill>
+              <a:highlight>
+                <a:srgbClr val="FFFF00"/>
+              </a:highlight>
+              <a:latin typeface="DM Mono" panose="020B0509040201040103" pitchFamily="49" charset="0"/>
+            </a:endParaRPr>
+          </a:p>
+        </p:txBody>
+      </p:sp>
+      <p:sp>
+        <p:nvSpPr>
+          <p:cNvPr id="16" name="TextBox 15">
+            <a:extLst>
+              <a:ext uri="{FF2B5EF4-FFF2-40B4-BE49-F238E27FC236}">
+                <a16:creationId xmlns:a16="http://schemas.microsoft.com/office/drawing/2014/main" id="{E543CBBC-6ADB-385B-AA03-56308345DA2A}"/>
+              </a:ext>
+            </a:extLst>
+          </p:cNvPr>
+          <p:cNvSpPr txBox="1"/>
+          <p:nvPr/>
+        </p:nvSpPr>
+        <p:spPr>
+          <a:xfrm>
+            <a:off x="7638810" y="1781337"/>
+            <a:ext cx="1287379" cy="369332"/>
+          </a:xfrm>
+          <a:prstGeom prst="rect">
+            <a:avLst/>
+          </a:prstGeom>
+          <a:noFill/>
+        </p:spPr>
+        <p:txBody>
+          <a:bodyPr wrap="square" rtlCol="0">
+            <a:spAutoFit/>
+          </a:bodyPr>
+          <a:lstStyle/>
+          <a:p>
+            <a:pPr algn="ctr"/>
+            <a:r>
+              <a:rPr kumimoji="1" lang="en-US" altLang="ko-KR" dirty="0">
+                <a:latin typeface="DM Mono" panose="020B0509040201040103" pitchFamily="49" charset="0"/>
+              </a:rPr>
+              <a:t>c1</a:t>
+            </a:r>
+            <a:endParaRPr kumimoji="1" lang="ko-KR" altLang="en-US" dirty="0">
+              <a:latin typeface="DM Mono" panose="020B0509040201040103" pitchFamily="49" charset="0"/>
+            </a:endParaRPr>
+          </a:p>
+        </p:txBody>
+      </p:sp>
+      <p:sp>
+        <p:nvSpPr>
+          <p:cNvPr id="3" name="TextBox 2">
+            <a:extLst>
+              <a:ext uri="{FF2B5EF4-FFF2-40B4-BE49-F238E27FC236}">
+                <a16:creationId xmlns:a16="http://schemas.microsoft.com/office/drawing/2014/main" id="{BF78FDA1-34B3-9D7D-CFE2-714947A76829}"/>
+              </a:ext>
+            </a:extLst>
+          </p:cNvPr>
+          <p:cNvSpPr txBox="1"/>
+          <p:nvPr/>
+        </p:nvSpPr>
+        <p:spPr>
+          <a:xfrm>
+            <a:off x="455435" y="195719"/>
+            <a:ext cx="6097656" cy="4566571"/>
+          </a:xfrm>
+          <a:prstGeom prst="rect">
+            <a:avLst/>
+          </a:prstGeom>
+          <a:noFill/>
+        </p:spPr>
+        <p:txBody>
+          <a:bodyPr wrap="square">
+            <a:spAutoFit/>
+          </a:bodyPr>
+          <a:lstStyle/>
+          <a:p>
+            <a:pPr>
+              <a:lnSpc>
+                <a:spcPts val="2475"/>
+              </a:lnSpc>
+              <a:buNone/>
+            </a:pPr>
+            <a:endParaRPr lang="en-US" altLang="ko-KR" b="0" dirty="0">
+              <a:solidFill>
+                <a:srgbClr val="3B3B3B"/>
+              </a:solidFill>
+              <a:effectLst/>
+              <a:latin typeface="DM Mono" panose="020B0509040201040103" pitchFamily="49" charset="0"/>
+            </a:endParaRPr>
+          </a:p>
+          <a:p>
+            <a:pPr>
+              <a:lnSpc>
+                <a:spcPts val="2475"/>
+              </a:lnSpc>
+              <a:buNone/>
+            </a:pPr>
+            <a:br>
+              <a:rPr lang="en-US" altLang="ko-KR" b="0" dirty="0">
+                <a:solidFill>
+                  <a:srgbClr val="3B3B3B"/>
+                </a:solidFill>
+                <a:effectLst/>
+                <a:latin typeface="DM Mono" panose="020B0509040201040103" pitchFamily="49" charset="0"/>
+              </a:rPr>
+            </a:br>
+            <a:r>
+              <a:rPr lang="en-US" altLang="ko-KR" b="0" dirty="0">
+                <a:solidFill>
+                  <a:srgbClr val="0000FF"/>
+                </a:solidFill>
+                <a:effectLst/>
+                <a:latin typeface="DM Mono" panose="020B0509040201040103" pitchFamily="49" charset="0"/>
+              </a:rPr>
+              <a:t>class</a:t>
+            </a:r>
+            <a:r>
+              <a:rPr lang="en-US" altLang="ko-KR" b="0" dirty="0">
+                <a:solidFill>
+                  <a:srgbClr val="3B3B3B"/>
+                </a:solidFill>
+                <a:effectLst/>
+                <a:latin typeface="DM Mono" panose="020B0509040201040103" pitchFamily="49" charset="0"/>
+              </a:rPr>
+              <a:t> </a:t>
+            </a:r>
+            <a:r>
+              <a:rPr lang="en-US" altLang="ko-KR" b="0" dirty="0">
+                <a:solidFill>
+                  <a:srgbClr val="267F99"/>
+                </a:solidFill>
+                <a:effectLst/>
+                <a:latin typeface="DM Mono" panose="020B0509040201040103" pitchFamily="49" charset="0"/>
+              </a:rPr>
+              <a:t>Car</a:t>
+            </a:r>
+            <a:endParaRPr lang="en-US" altLang="ko-KR" b="0" dirty="0">
+              <a:solidFill>
+                <a:srgbClr val="3B3B3B"/>
+              </a:solidFill>
+              <a:effectLst/>
+              <a:latin typeface="DM Mono" panose="020B0509040201040103" pitchFamily="49" charset="0"/>
+            </a:endParaRPr>
+          </a:p>
+          <a:p>
+            <a:pPr>
+              <a:lnSpc>
+                <a:spcPts val="2475"/>
+              </a:lnSpc>
+              <a:buNone/>
+            </a:pPr>
+            <a:r>
+              <a:rPr lang="en-US" altLang="ko-KR" b="0" dirty="0">
+                <a:solidFill>
+                  <a:srgbClr val="3B3B3B"/>
+                </a:solidFill>
+                <a:effectLst/>
+                <a:latin typeface="DM Mono" panose="020B0509040201040103" pitchFamily="49" charset="0"/>
+              </a:rPr>
+              <a:t>{</a:t>
+            </a:r>
+          </a:p>
+          <a:p>
+            <a:pPr>
+              <a:lnSpc>
+                <a:spcPts val="2475"/>
+              </a:lnSpc>
+              <a:buNone/>
+            </a:pPr>
+            <a:r>
+              <a:rPr lang="en-US" altLang="ko-KR" dirty="0">
+                <a:solidFill>
+                  <a:srgbClr val="0000FF"/>
+                </a:solidFill>
+                <a:latin typeface="DM Mono" panose="020B0509040201040103" pitchFamily="49" charset="0"/>
+              </a:rPr>
+              <a:t>static int</a:t>
+            </a:r>
+            <a:r>
+              <a:rPr lang="en-US" altLang="ko-KR" dirty="0">
+                <a:solidFill>
+                  <a:srgbClr val="3B3B3B"/>
+                </a:solidFill>
+                <a:latin typeface="DM Mono" panose="020B0509040201040103" pitchFamily="49" charset="0"/>
+              </a:rPr>
+              <a:t> </a:t>
+            </a:r>
+            <a:r>
+              <a:rPr lang="en-US" altLang="ko-KR" dirty="0" err="1">
+                <a:solidFill>
+                  <a:srgbClr val="001080"/>
+                </a:solidFill>
+                <a:latin typeface="DM Mono" panose="020B0509040201040103" pitchFamily="49" charset="0"/>
+              </a:rPr>
+              <a:t>cnt</a:t>
+            </a:r>
+            <a:r>
+              <a:rPr lang="en-US" altLang="ko-KR" dirty="0">
+                <a:solidFill>
+                  <a:srgbClr val="3B3B3B"/>
+                </a:solidFill>
+                <a:latin typeface="DM Mono" panose="020B0509040201040103" pitchFamily="49" charset="0"/>
+              </a:rPr>
+              <a:t> </a:t>
+            </a:r>
+            <a:r>
+              <a:rPr lang="en-US" altLang="ko-KR" dirty="0">
+                <a:solidFill>
+                  <a:srgbClr val="000000"/>
+                </a:solidFill>
+                <a:latin typeface="DM Mono" panose="020B0509040201040103" pitchFamily="49" charset="0"/>
+              </a:rPr>
+              <a:t>=</a:t>
+            </a:r>
+            <a:r>
+              <a:rPr lang="en-US" altLang="ko-KR" dirty="0">
+                <a:solidFill>
+                  <a:srgbClr val="3B3B3B"/>
+                </a:solidFill>
+                <a:latin typeface="DM Mono" panose="020B0509040201040103" pitchFamily="49" charset="0"/>
+              </a:rPr>
+              <a:t> </a:t>
+            </a:r>
+            <a:r>
+              <a:rPr lang="en-US" altLang="ko-KR" dirty="0">
+                <a:solidFill>
+                  <a:srgbClr val="098658"/>
+                </a:solidFill>
+                <a:latin typeface="DM Mono" panose="020B0509040201040103" pitchFamily="49" charset="0"/>
+              </a:rPr>
+              <a:t>0</a:t>
+            </a:r>
+            <a:r>
+              <a:rPr lang="en-US" altLang="ko-KR" dirty="0">
+                <a:solidFill>
+                  <a:srgbClr val="3B3B3B"/>
+                </a:solidFill>
+                <a:latin typeface="DM Mono" panose="020B0509040201040103" pitchFamily="49" charset="0"/>
+              </a:rPr>
+              <a:t>;</a:t>
+            </a:r>
+            <a:endParaRPr lang="en-US" altLang="ko-KR" b="0" dirty="0">
+              <a:solidFill>
+                <a:srgbClr val="3B3B3B"/>
+              </a:solidFill>
+              <a:effectLst/>
+              <a:latin typeface="DM Mono" panose="020B0509040201040103" pitchFamily="49" charset="0"/>
+            </a:endParaRPr>
+          </a:p>
+          <a:p>
+            <a:pPr>
+              <a:lnSpc>
+                <a:spcPts val="2475"/>
+              </a:lnSpc>
+              <a:buNone/>
+            </a:pPr>
+            <a:endParaRPr lang="en-US" altLang="ko-KR" b="0" dirty="0">
+              <a:solidFill>
+                <a:srgbClr val="0000FF"/>
+              </a:solidFill>
+              <a:effectLst/>
+              <a:latin typeface="DM Mono" panose="020B0509040201040103" pitchFamily="49" charset="0"/>
+            </a:endParaRPr>
+          </a:p>
+          <a:p>
+            <a:pPr>
+              <a:lnSpc>
+                <a:spcPts val="2475"/>
+              </a:lnSpc>
+              <a:buNone/>
+            </a:pPr>
+            <a:r>
+              <a:rPr lang="en-US" altLang="ko-KR" b="0" dirty="0">
+                <a:solidFill>
+                  <a:srgbClr val="0000FF"/>
+                </a:solidFill>
+                <a:effectLst/>
+                <a:latin typeface="DM Mono" panose="020B0509040201040103" pitchFamily="49" charset="0"/>
+              </a:rPr>
+              <a:t>public:</a:t>
+            </a:r>
+            <a:endParaRPr lang="en-US" altLang="ko-KR" b="0" dirty="0">
+              <a:solidFill>
+                <a:srgbClr val="3B3B3B"/>
+              </a:solidFill>
+              <a:effectLst/>
+              <a:latin typeface="DM Mono" panose="020B0509040201040103" pitchFamily="49" charset="0"/>
+            </a:endParaRPr>
+          </a:p>
+          <a:p>
+            <a:pPr>
+              <a:lnSpc>
+                <a:spcPts val="2475"/>
+              </a:lnSpc>
+              <a:buNone/>
+            </a:pPr>
+            <a:r>
+              <a:rPr lang="en-US" altLang="ko-KR" b="0" dirty="0">
+                <a:solidFill>
+                  <a:srgbClr val="795E26"/>
+                </a:solidFill>
+                <a:effectLst/>
+                <a:latin typeface="DM Mono" panose="020B0509040201040103" pitchFamily="49" charset="0"/>
+              </a:rPr>
+              <a:t>Car</a:t>
+            </a:r>
+            <a:r>
+              <a:rPr lang="en-US" altLang="ko-KR" b="0" dirty="0">
+                <a:solidFill>
+                  <a:srgbClr val="3B3B3B"/>
+                </a:solidFill>
+                <a:effectLst/>
+                <a:latin typeface="DM Mono" panose="020B0509040201040103" pitchFamily="49" charset="0"/>
+              </a:rPr>
+              <a:t>() { </a:t>
+            </a:r>
+            <a:r>
+              <a:rPr lang="en-US" altLang="ko-KR" b="0" dirty="0">
+                <a:solidFill>
+                  <a:srgbClr val="000000"/>
+                </a:solidFill>
+                <a:effectLst/>
+                <a:latin typeface="DM Mono" panose="020B0509040201040103" pitchFamily="49" charset="0"/>
+              </a:rPr>
+              <a:t>++</a:t>
+            </a:r>
+            <a:r>
+              <a:rPr lang="en-US" altLang="ko-KR" b="0" dirty="0" err="1">
+                <a:solidFill>
+                  <a:srgbClr val="001080"/>
+                </a:solidFill>
+                <a:effectLst/>
+                <a:latin typeface="DM Mono" panose="020B0509040201040103" pitchFamily="49" charset="0"/>
+              </a:rPr>
+              <a:t>cnt</a:t>
+            </a:r>
+            <a:r>
+              <a:rPr lang="en-US" altLang="ko-KR" b="0" dirty="0">
+                <a:solidFill>
+                  <a:srgbClr val="3B3B3B"/>
+                </a:solidFill>
+                <a:effectLst/>
+                <a:latin typeface="DM Mono" panose="020B0509040201040103" pitchFamily="49" charset="0"/>
+              </a:rPr>
+              <a:t>; }</a:t>
+            </a:r>
+          </a:p>
+          <a:p>
+            <a:pPr>
+              <a:lnSpc>
+                <a:spcPts val="2475"/>
+              </a:lnSpc>
+              <a:buNone/>
+            </a:pPr>
+            <a:r>
+              <a:rPr lang="en-US" altLang="ko-KR" b="0" dirty="0">
+                <a:solidFill>
+                  <a:srgbClr val="795E26"/>
+                </a:solidFill>
+                <a:effectLst/>
+                <a:latin typeface="DM Mono" panose="020B0509040201040103" pitchFamily="49" charset="0"/>
+              </a:rPr>
+              <a:t>~Car</a:t>
+            </a:r>
+            <a:r>
+              <a:rPr lang="en-US" altLang="ko-KR" b="0" dirty="0">
+                <a:solidFill>
+                  <a:srgbClr val="3B3B3B"/>
+                </a:solidFill>
+                <a:effectLst/>
+                <a:latin typeface="DM Mono" panose="020B0509040201040103" pitchFamily="49" charset="0"/>
+              </a:rPr>
+              <a:t>() { </a:t>
+            </a:r>
+            <a:r>
+              <a:rPr lang="en-US" altLang="ko-KR" b="0" dirty="0">
+                <a:solidFill>
+                  <a:srgbClr val="000000"/>
+                </a:solidFill>
+                <a:effectLst/>
+                <a:latin typeface="DM Mono" panose="020B0509040201040103" pitchFamily="49" charset="0"/>
+              </a:rPr>
+              <a:t>--</a:t>
+            </a:r>
+            <a:r>
+              <a:rPr lang="en-US" altLang="ko-KR" b="0" dirty="0" err="1">
+                <a:solidFill>
+                  <a:srgbClr val="001080"/>
+                </a:solidFill>
+                <a:effectLst/>
+                <a:latin typeface="DM Mono" panose="020B0509040201040103" pitchFamily="49" charset="0"/>
+              </a:rPr>
+              <a:t>cnt</a:t>
+            </a:r>
+            <a:r>
+              <a:rPr lang="en-US" altLang="ko-KR" b="0" dirty="0">
+                <a:solidFill>
+                  <a:srgbClr val="3B3B3B"/>
+                </a:solidFill>
+                <a:effectLst/>
+                <a:latin typeface="DM Mono" panose="020B0509040201040103" pitchFamily="49" charset="0"/>
+              </a:rPr>
+              <a:t>; }</a:t>
+            </a:r>
+          </a:p>
+          <a:p>
+            <a:pPr>
+              <a:lnSpc>
+                <a:spcPts val="2475"/>
+              </a:lnSpc>
+              <a:buNone/>
+            </a:pPr>
+            <a:br>
+              <a:rPr lang="en-US" altLang="ko-KR" b="0" dirty="0">
+                <a:solidFill>
+                  <a:srgbClr val="3B3B3B"/>
+                </a:solidFill>
+                <a:effectLst/>
+                <a:latin typeface="DM Mono" panose="020B0509040201040103" pitchFamily="49" charset="0"/>
+              </a:rPr>
+            </a:br>
+            <a:r>
+              <a:rPr lang="en-US" altLang="ko-KR" b="0" dirty="0">
+                <a:solidFill>
+                  <a:srgbClr val="0000FF"/>
+                </a:solidFill>
+                <a:effectLst/>
+                <a:latin typeface="DM Mono" panose="020B0509040201040103" pitchFamily="49" charset="0"/>
+              </a:rPr>
+              <a:t>int</a:t>
+            </a:r>
+            <a:r>
+              <a:rPr lang="en-US" altLang="ko-KR" b="0" dirty="0">
+                <a:solidFill>
+                  <a:srgbClr val="3B3B3B"/>
+                </a:solidFill>
+                <a:effectLst/>
+                <a:latin typeface="DM Mono" panose="020B0509040201040103" pitchFamily="49" charset="0"/>
+              </a:rPr>
+              <a:t> </a:t>
+            </a:r>
+            <a:r>
+              <a:rPr lang="en-US" altLang="ko-KR" b="0" dirty="0" err="1">
+                <a:solidFill>
+                  <a:srgbClr val="795E26"/>
+                </a:solidFill>
+                <a:effectLst/>
+                <a:latin typeface="DM Mono" panose="020B0509040201040103" pitchFamily="49" charset="0"/>
+              </a:rPr>
+              <a:t>GetCount</a:t>
+            </a:r>
+            <a:r>
+              <a:rPr lang="en-US" altLang="ko-KR" b="0" dirty="0">
+                <a:solidFill>
+                  <a:srgbClr val="3B3B3B"/>
+                </a:solidFill>
+                <a:effectLst/>
+                <a:latin typeface="DM Mono" panose="020B0509040201040103" pitchFamily="49" charset="0"/>
+              </a:rPr>
+              <a:t>() { </a:t>
+            </a:r>
+            <a:r>
+              <a:rPr lang="en-US" altLang="ko-KR" b="0" dirty="0">
+                <a:solidFill>
+                  <a:srgbClr val="AF00DB"/>
+                </a:solidFill>
+                <a:effectLst/>
+                <a:latin typeface="DM Mono" panose="020B0509040201040103" pitchFamily="49" charset="0"/>
+              </a:rPr>
+              <a:t>return</a:t>
+            </a:r>
+            <a:r>
+              <a:rPr lang="en-US" altLang="ko-KR" b="0" dirty="0">
+                <a:solidFill>
+                  <a:srgbClr val="3B3B3B"/>
+                </a:solidFill>
+                <a:effectLst/>
+                <a:latin typeface="DM Mono" panose="020B0509040201040103" pitchFamily="49" charset="0"/>
+              </a:rPr>
+              <a:t> </a:t>
+            </a:r>
+            <a:r>
+              <a:rPr lang="en-US" altLang="ko-KR" b="0" dirty="0" err="1">
+                <a:solidFill>
+                  <a:srgbClr val="001080"/>
+                </a:solidFill>
+                <a:effectLst/>
+                <a:latin typeface="DM Mono" panose="020B0509040201040103" pitchFamily="49" charset="0"/>
+              </a:rPr>
+              <a:t>cnt</a:t>
+            </a:r>
+            <a:r>
+              <a:rPr lang="en-US" altLang="ko-KR" b="0" dirty="0">
+                <a:solidFill>
+                  <a:srgbClr val="3B3B3B"/>
+                </a:solidFill>
+                <a:effectLst/>
+                <a:latin typeface="DM Mono" panose="020B0509040201040103" pitchFamily="49" charset="0"/>
+              </a:rPr>
+              <a:t>; }</a:t>
+            </a:r>
+          </a:p>
+          <a:p>
+            <a:pPr>
+              <a:lnSpc>
+                <a:spcPts val="2475"/>
+              </a:lnSpc>
+              <a:buNone/>
+            </a:pPr>
+            <a:r>
+              <a:rPr lang="en-US" altLang="ko-KR" b="0" dirty="0">
+                <a:solidFill>
+                  <a:srgbClr val="3B3B3B"/>
+                </a:solidFill>
+                <a:effectLst/>
+                <a:latin typeface="DM Mono" panose="020B0509040201040103" pitchFamily="49" charset="0"/>
+              </a:rPr>
+              <a:t>};</a:t>
+            </a:r>
+          </a:p>
+          <a:p>
+            <a:pPr>
+              <a:lnSpc>
+                <a:spcPts val="2475"/>
+              </a:lnSpc>
+              <a:buNone/>
+            </a:pPr>
+            <a:br>
+              <a:rPr lang="en-US" altLang="ko-KR" b="0" dirty="0">
+                <a:solidFill>
+                  <a:srgbClr val="FF0000"/>
+                </a:solidFill>
+                <a:effectLst/>
+                <a:latin typeface="DM Mono" panose="020B0509040201040103" pitchFamily="49" charset="0"/>
+              </a:rPr>
+            </a:br>
+            <a:r>
+              <a:rPr lang="en-US" altLang="ko-KR" b="0" dirty="0">
+                <a:solidFill>
+                  <a:srgbClr val="FF0000"/>
+                </a:solidFill>
+                <a:effectLst/>
+                <a:latin typeface="DM Mono" panose="020B0509040201040103" pitchFamily="49" charset="0"/>
+              </a:rPr>
+              <a:t>Car c1;</a:t>
+            </a:r>
+          </a:p>
+        </p:txBody>
+      </p:sp>
+      <p:sp>
+        <p:nvSpPr>
+          <p:cNvPr id="2" name="직사각형 1">
+            <a:extLst>
+              <a:ext uri="{FF2B5EF4-FFF2-40B4-BE49-F238E27FC236}">
+                <a16:creationId xmlns:a16="http://schemas.microsoft.com/office/drawing/2014/main" id="{BA2E2C6E-43DF-7518-5F53-F3B41DD391C3}"/>
+              </a:ext>
+            </a:extLst>
+          </p:cNvPr>
+          <p:cNvSpPr/>
+          <p:nvPr/>
+        </p:nvSpPr>
+        <p:spPr>
+          <a:xfrm>
+            <a:off x="7638810" y="3633111"/>
+            <a:ext cx="1287379" cy="605567"/>
+          </a:xfrm>
+          <a:prstGeom prst="rect">
+            <a:avLst/>
+          </a:prstGeom>
+          <a:solidFill>
+            <a:srgbClr val="FFFF00"/>
+          </a:solidFill>
+        </p:spPr>
+        <p:style>
+          <a:lnRef idx="2">
+            <a:schemeClr val="accent4">
+              <a:shade val="15000"/>
+            </a:schemeClr>
+          </a:lnRef>
+          <a:fillRef idx="1">
+            <a:schemeClr val="accent4"/>
+          </a:fillRef>
+          <a:effectRef idx="0">
+            <a:schemeClr val="accent4"/>
+          </a:effectRef>
+          <a:fontRef idx="minor">
+            <a:schemeClr val="lt1"/>
+          </a:fontRef>
+        </p:style>
+        <p:txBody>
+          <a:bodyPr rtlCol="0" anchor="ctr"/>
+          <a:lstStyle/>
+          <a:p>
+            <a:pPr algn="ctr"/>
+            <a:endParaRPr kumimoji="1" lang="ko-KR" altLang="en-US" dirty="0">
+              <a:solidFill>
+                <a:schemeClr val="tx1"/>
+              </a:solidFill>
+              <a:highlight>
+                <a:srgbClr val="FFFF00"/>
+              </a:highlight>
+              <a:latin typeface="DM Mono" panose="020B0509040201040103" pitchFamily="49" charset="0"/>
+            </a:endParaRPr>
+          </a:p>
+        </p:txBody>
+      </p:sp>
+      <p:sp>
+        <p:nvSpPr>
+          <p:cNvPr id="6" name="TextBox 5">
+            <a:extLst>
+              <a:ext uri="{FF2B5EF4-FFF2-40B4-BE49-F238E27FC236}">
+                <a16:creationId xmlns:a16="http://schemas.microsoft.com/office/drawing/2014/main" id="{09CB8BCC-5868-83EA-C3CE-83B9FE2E08BF}"/>
+              </a:ext>
+            </a:extLst>
+          </p:cNvPr>
+          <p:cNvSpPr txBox="1"/>
+          <p:nvPr/>
+        </p:nvSpPr>
+        <p:spPr>
+          <a:xfrm>
+            <a:off x="7638809" y="3212211"/>
+            <a:ext cx="1287379" cy="369332"/>
+          </a:xfrm>
+          <a:prstGeom prst="rect">
+            <a:avLst/>
+          </a:prstGeom>
+          <a:noFill/>
+        </p:spPr>
+        <p:txBody>
+          <a:bodyPr wrap="square" rtlCol="0">
+            <a:spAutoFit/>
+          </a:bodyPr>
+          <a:lstStyle/>
+          <a:p>
+            <a:pPr algn="ctr"/>
+            <a:r>
+              <a:rPr kumimoji="1" lang="en-US" altLang="ko-KR" dirty="0">
+                <a:latin typeface="DM Mono" panose="020B0509040201040103" pitchFamily="49" charset="0"/>
+              </a:rPr>
+              <a:t>c2</a:t>
+            </a:r>
+            <a:endParaRPr kumimoji="1" lang="ko-KR" altLang="en-US" dirty="0">
+              <a:latin typeface="DM Mono" panose="020B0509040201040103" pitchFamily="49" charset="0"/>
+            </a:endParaRPr>
+          </a:p>
+        </p:txBody>
+      </p:sp>
+      <p:sp>
+        <p:nvSpPr>
+          <p:cNvPr id="5" name="직사각형 4">
+            <a:extLst>
+              <a:ext uri="{FF2B5EF4-FFF2-40B4-BE49-F238E27FC236}">
+                <a16:creationId xmlns:a16="http://schemas.microsoft.com/office/drawing/2014/main" id="{14827D86-6B66-C3FE-E6CF-4FE78211BF19}"/>
+              </a:ext>
+            </a:extLst>
+          </p:cNvPr>
+          <p:cNvSpPr/>
+          <p:nvPr/>
+        </p:nvSpPr>
+        <p:spPr>
+          <a:xfrm>
+            <a:off x="10449186" y="616619"/>
+            <a:ext cx="1287379" cy="605567"/>
+          </a:xfrm>
+          <a:prstGeom prst="rect">
+            <a:avLst/>
+          </a:prstGeom>
+          <a:solidFill>
+            <a:srgbClr val="FFFF00"/>
+          </a:solidFill>
+        </p:spPr>
+        <p:style>
+          <a:lnRef idx="2">
+            <a:schemeClr val="accent4">
+              <a:shade val="15000"/>
+            </a:schemeClr>
+          </a:lnRef>
+          <a:fillRef idx="1">
+            <a:schemeClr val="accent4"/>
+          </a:fillRef>
+          <a:effectRef idx="0">
+            <a:schemeClr val="accent4"/>
+          </a:effectRef>
+          <a:fontRef idx="minor">
+            <a:schemeClr val="lt1"/>
+          </a:fontRef>
+        </p:style>
+        <p:txBody>
+          <a:bodyPr rtlCol="0" anchor="ctr"/>
+          <a:lstStyle/>
+          <a:p>
+            <a:pPr algn="ctr"/>
+            <a:r>
+              <a:rPr kumimoji="1" lang="en-US" altLang="ko-KR" dirty="0">
+                <a:solidFill>
+                  <a:srgbClr val="FF0000"/>
+                </a:solidFill>
+                <a:highlight>
+                  <a:srgbClr val="FFFF00"/>
+                </a:highlight>
+                <a:latin typeface="DM Mono" panose="020B0509040201040103" pitchFamily="49" charset="0"/>
+              </a:rPr>
+              <a:t>2</a:t>
+            </a:r>
+            <a:endParaRPr kumimoji="1" lang="ko-KR" altLang="en-US" dirty="0">
+              <a:solidFill>
+                <a:srgbClr val="FF0000"/>
+              </a:solidFill>
+              <a:highlight>
+                <a:srgbClr val="FFFF00"/>
+              </a:highlight>
+              <a:latin typeface="DM Mono" panose="020B0509040201040103" pitchFamily="49" charset="0"/>
+            </a:endParaRPr>
+          </a:p>
+        </p:txBody>
+      </p:sp>
+      <p:sp>
+        <p:nvSpPr>
+          <p:cNvPr id="7" name="TextBox 6">
+            <a:extLst>
+              <a:ext uri="{FF2B5EF4-FFF2-40B4-BE49-F238E27FC236}">
+                <a16:creationId xmlns:a16="http://schemas.microsoft.com/office/drawing/2014/main" id="{26C4B5AB-BB68-03CB-979F-5CF9D2A20EF2}"/>
+              </a:ext>
+            </a:extLst>
+          </p:cNvPr>
+          <p:cNvSpPr txBox="1"/>
+          <p:nvPr/>
+        </p:nvSpPr>
+        <p:spPr>
+          <a:xfrm>
+            <a:off x="9027890" y="734736"/>
+            <a:ext cx="1287379" cy="369332"/>
+          </a:xfrm>
+          <a:prstGeom prst="rect">
+            <a:avLst/>
+          </a:prstGeom>
+          <a:noFill/>
+        </p:spPr>
+        <p:txBody>
+          <a:bodyPr wrap="square" rtlCol="0">
+            <a:spAutoFit/>
+          </a:bodyPr>
+          <a:lstStyle/>
+          <a:p>
+            <a:pPr algn="ctr"/>
+            <a:r>
+              <a:rPr kumimoji="1" lang="en-US" altLang="ko-KR" dirty="0">
+                <a:latin typeface="DM Mono" panose="020B0509040201040103" pitchFamily="49" charset="0"/>
+              </a:rPr>
+              <a:t>Car::</a:t>
+            </a:r>
+            <a:r>
+              <a:rPr kumimoji="1" lang="en-US" altLang="ko-KR" dirty="0" err="1">
+                <a:latin typeface="DM Mono" panose="020B0509040201040103" pitchFamily="49" charset="0"/>
+              </a:rPr>
+              <a:t>cnt</a:t>
+            </a:r>
+            <a:endParaRPr kumimoji="1" lang="ko-KR" altLang="en-US" dirty="0">
+              <a:latin typeface="DM Mono" panose="020B0509040201040103" pitchFamily="49" charset="0"/>
+            </a:endParaRPr>
+          </a:p>
+        </p:txBody>
+      </p:sp>
+    </p:spTree>
+    <p:extLst>
+      <p:ext uri="{BB962C8B-B14F-4D97-AF65-F5344CB8AC3E}">
+        <p14:creationId xmlns:p14="http://schemas.microsoft.com/office/powerpoint/2010/main" val="130910178"/>
       </p:ext>
     </p:extLst>
   </p:cSld>
